--- a/images/posts/2025-03-02-blog-post/新建 Microsoft PowerPoint 演示文稿.pptx
+++ b/images/posts/2025-03-02-blog-post/新建 Microsoft PowerPoint 演示文稿.pptx
@@ -108,6 +108,11 @@
       </a:defRPr>
     </a:lvl9pPr>
   </p:defaultTextStyle>
+  <p:extLst>
+    <p:ext uri="{EFAFB233-063F-42B5-8137-9DF3F51BA10A}">
+      <p15:sldGuideLst xmlns:p15="http://schemas.microsoft.com/office/powerpoint/2012/main"/>
+    </p:ext>
+  </p:extLst>
 </p:presentation>
 </file>
 
@@ -3410,6 +3415,1908 @@
           <a:chExt cx="0" cy="0"/>
         </a:xfrm>
       </p:grpSpPr>
+      <p:sp>
+        <p:nvSpPr>
+          <p:cNvPr id="2" name="矩形: 圆角 1">
+            <a:extLst>
+              <a:ext uri="{FF2B5EF4-FFF2-40B4-BE49-F238E27FC236}">
+                <a16:creationId xmlns:a16="http://schemas.microsoft.com/office/drawing/2014/main" id="{63118089-B18E-EA0F-1A0B-9ACAEF0C9C14}"/>
+              </a:ext>
+            </a:extLst>
+          </p:cNvPr>
+          <p:cNvSpPr/>
+          <p:nvPr/>
+        </p:nvSpPr>
+        <p:spPr>
+          <a:xfrm>
+            <a:off x="2798820" y="2272022"/>
+            <a:ext cx="1045108" cy="665467"/>
+          </a:xfrm>
+          <a:prstGeom prst="roundRect">
+            <a:avLst>
+              <a:gd name="adj" fmla="val 0"/>
+            </a:avLst>
+          </a:prstGeom>
+          <a:noFill/>
+          <a:ln>
+            <a:solidFill>
+              <a:schemeClr val="tx1"/>
+            </a:solidFill>
+          </a:ln>
+        </p:spPr>
+        <p:style>
+          <a:lnRef idx="2">
+            <a:schemeClr val="accent1">
+              <a:shade val="15000"/>
+            </a:schemeClr>
+          </a:lnRef>
+          <a:fillRef idx="1">
+            <a:schemeClr val="accent1"/>
+          </a:fillRef>
+          <a:effectRef idx="0">
+            <a:schemeClr val="accent1"/>
+          </a:effectRef>
+          <a:fontRef idx="minor">
+            <a:schemeClr val="lt1"/>
+          </a:fontRef>
+        </p:style>
+        <p:txBody>
+          <a:bodyPr rtlCol="0" anchor="ctr"/>
+          <a:lstStyle/>
+          <a:p>
+            <a:pPr algn="ctr"/>
+            <a:endParaRPr lang="zh-CN" altLang="en-US" sz="3189"/>
+          </a:p>
+        </p:txBody>
+      </p:sp>
+      <p:sp>
+        <p:nvSpPr>
+          <p:cNvPr id="3" name="文本框 2">
+            <a:extLst>
+              <a:ext uri="{FF2B5EF4-FFF2-40B4-BE49-F238E27FC236}">
+                <a16:creationId xmlns:a16="http://schemas.microsoft.com/office/drawing/2014/main" id="{15090101-0E14-802B-CFED-DDBF1EABB73D}"/>
+              </a:ext>
+            </a:extLst>
+          </p:cNvPr>
+          <p:cNvSpPr txBox="1"/>
+          <p:nvPr/>
+        </p:nvSpPr>
+        <p:spPr>
+          <a:xfrm>
+            <a:off x="2874232" y="2404700"/>
+            <a:ext cx="894284" cy="400110"/>
+          </a:xfrm>
+          <a:prstGeom prst="rect">
+            <a:avLst/>
+          </a:prstGeom>
+          <a:noFill/>
+        </p:spPr>
+        <p:txBody>
+          <a:bodyPr wrap="none" rtlCol="0">
+            <a:spAutoFit/>
+          </a:bodyPr>
+          <a:lstStyle/>
+          <a:p>
+            <a:r>
+              <a:rPr lang="en-US" altLang="zh-CN" sz="2000" dirty="0">
+                <a:latin typeface="微软雅黑" panose="020B0503020204020204" pitchFamily="34" charset="-122"/>
+                <a:ea typeface="微软雅黑" panose="020B0503020204020204" pitchFamily="34" charset="-122"/>
+              </a:rPr>
+              <a:t>Norm</a:t>
+            </a:r>
+            <a:endParaRPr lang="zh-CN" altLang="en-US" sz="2000" dirty="0">
+              <a:latin typeface="微软雅黑" panose="020B0503020204020204" pitchFamily="34" charset="-122"/>
+              <a:ea typeface="微软雅黑" panose="020B0503020204020204" pitchFamily="34" charset="-122"/>
+            </a:endParaRPr>
+          </a:p>
+        </p:txBody>
+      </p:sp>
+      <p:sp>
+        <p:nvSpPr>
+          <p:cNvPr id="4" name="矩形: 圆角 3">
+            <a:extLst>
+              <a:ext uri="{FF2B5EF4-FFF2-40B4-BE49-F238E27FC236}">
+                <a16:creationId xmlns:a16="http://schemas.microsoft.com/office/drawing/2014/main" id="{FBD7B3D4-73F6-AC6B-4283-35A7A553A250}"/>
+              </a:ext>
+            </a:extLst>
+          </p:cNvPr>
+          <p:cNvSpPr/>
+          <p:nvPr/>
+        </p:nvSpPr>
+        <p:spPr>
+          <a:xfrm>
+            <a:off x="4473711" y="2272022"/>
+            <a:ext cx="1045108" cy="665467"/>
+          </a:xfrm>
+          <a:prstGeom prst="roundRect">
+            <a:avLst>
+              <a:gd name="adj" fmla="val 0"/>
+            </a:avLst>
+          </a:prstGeom>
+          <a:noFill/>
+          <a:ln>
+            <a:solidFill>
+              <a:schemeClr val="tx1"/>
+            </a:solidFill>
+          </a:ln>
+        </p:spPr>
+        <p:style>
+          <a:lnRef idx="2">
+            <a:schemeClr val="accent1">
+              <a:shade val="15000"/>
+            </a:schemeClr>
+          </a:lnRef>
+          <a:fillRef idx="1">
+            <a:schemeClr val="accent1"/>
+          </a:fillRef>
+          <a:effectRef idx="0">
+            <a:schemeClr val="accent1"/>
+          </a:effectRef>
+          <a:fontRef idx="minor">
+            <a:schemeClr val="lt1"/>
+          </a:fontRef>
+        </p:style>
+        <p:txBody>
+          <a:bodyPr rtlCol="0" anchor="ctr"/>
+          <a:lstStyle/>
+          <a:p>
+            <a:pPr algn="ctr"/>
+            <a:endParaRPr lang="zh-CN" altLang="en-US" sz="3189"/>
+          </a:p>
+        </p:txBody>
+      </p:sp>
+      <p:sp>
+        <p:nvSpPr>
+          <p:cNvPr id="5" name="文本框 4">
+            <a:extLst>
+              <a:ext uri="{FF2B5EF4-FFF2-40B4-BE49-F238E27FC236}">
+                <a16:creationId xmlns:a16="http://schemas.microsoft.com/office/drawing/2014/main" id="{41026B18-2EE0-A2DE-7413-1F435EC7B538}"/>
+              </a:ext>
+            </a:extLst>
+          </p:cNvPr>
+          <p:cNvSpPr txBox="1"/>
+          <p:nvPr/>
+        </p:nvSpPr>
+        <p:spPr>
+          <a:xfrm>
+            <a:off x="4684925" y="2404700"/>
+            <a:ext cx="590226" cy="400110"/>
+          </a:xfrm>
+          <a:prstGeom prst="rect">
+            <a:avLst/>
+          </a:prstGeom>
+          <a:noFill/>
+        </p:spPr>
+        <p:txBody>
+          <a:bodyPr wrap="none" rtlCol="0">
+            <a:spAutoFit/>
+          </a:bodyPr>
+          <a:lstStyle/>
+          <a:p>
+            <a:r>
+              <a:rPr lang="en-US" altLang="zh-CN" sz="2000" dirty="0">
+                <a:latin typeface="微软雅黑" panose="020B0503020204020204" pitchFamily="34" charset="-122"/>
+                <a:ea typeface="微软雅黑" panose="020B0503020204020204" pitchFamily="34" charset="-122"/>
+              </a:rPr>
+              <a:t>Act</a:t>
+            </a:r>
+            <a:endParaRPr lang="zh-CN" altLang="en-US" sz="2000" dirty="0">
+              <a:latin typeface="微软雅黑" panose="020B0503020204020204" pitchFamily="34" charset="-122"/>
+              <a:ea typeface="微软雅黑" panose="020B0503020204020204" pitchFamily="34" charset="-122"/>
+            </a:endParaRPr>
+          </a:p>
+        </p:txBody>
+      </p:sp>
+      <p:sp>
+        <p:nvSpPr>
+          <p:cNvPr id="6" name="矩形: 圆角 5">
+            <a:extLst>
+              <a:ext uri="{FF2B5EF4-FFF2-40B4-BE49-F238E27FC236}">
+                <a16:creationId xmlns:a16="http://schemas.microsoft.com/office/drawing/2014/main" id="{96DB331A-40AC-DA20-F34A-66ACF80A27A9}"/>
+              </a:ext>
+            </a:extLst>
+          </p:cNvPr>
+          <p:cNvSpPr/>
+          <p:nvPr/>
+        </p:nvSpPr>
+        <p:spPr>
+          <a:xfrm>
+            <a:off x="6148602" y="2272022"/>
+            <a:ext cx="1226177" cy="665467"/>
+          </a:xfrm>
+          <a:prstGeom prst="roundRect">
+            <a:avLst>
+              <a:gd name="adj" fmla="val 0"/>
+            </a:avLst>
+          </a:prstGeom>
+          <a:noFill/>
+          <a:ln>
+            <a:solidFill>
+              <a:schemeClr val="tx1"/>
+            </a:solidFill>
+          </a:ln>
+        </p:spPr>
+        <p:style>
+          <a:lnRef idx="2">
+            <a:schemeClr val="accent1">
+              <a:shade val="15000"/>
+            </a:schemeClr>
+          </a:lnRef>
+          <a:fillRef idx="1">
+            <a:schemeClr val="accent1"/>
+          </a:fillRef>
+          <a:effectRef idx="0">
+            <a:schemeClr val="accent1"/>
+          </a:effectRef>
+          <a:fontRef idx="minor">
+            <a:schemeClr val="lt1"/>
+          </a:fontRef>
+        </p:style>
+        <p:txBody>
+          <a:bodyPr rtlCol="0" anchor="ctr"/>
+          <a:lstStyle/>
+          <a:p>
+            <a:pPr algn="ctr"/>
+            <a:endParaRPr lang="zh-CN" altLang="en-US" sz="3189"/>
+          </a:p>
+        </p:txBody>
+      </p:sp>
+      <p:sp>
+        <p:nvSpPr>
+          <p:cNvPr id="7" name="文本框 6">
+            <a:extLst>
+              <a:ext uri="{FF2B5EF4-FFF2-40B4-BE49-F238E27FC236}">
+                <a16:creationId xmlns:a16="http://schemas.microsoft.com/office/drawing/2014/main" id="{987BC665-F605-FB5A-7F75-147EE81B5536}"/>
+              </a:ext>
+            </a:extLst>
+          </p:cNvPr>
+          <p:cNvSpPr txBox="1"/>
+          <p:nvPr/>
+        </p:nvSpPr>
+        <p:spPr>
+          <a:xfrm>
+            <a:off x="6184815" y="2404700"/>
+            <a:ext cx="1127232" cy="400110"/>
+          </a:xfrm>
+          <a:prstGeom prst="rect">
+            <a:avLst/>
+          </a:prstGeom>
+          <a:noFill/>
+        </p:spPr>
+        <p:txBody>
+          <a:bodyPr wrap="none" rtlCol="0">
+            <a:spAutoFit/>
+          </a:bodyPr>
+          <a:lstStyle/>
+          <a:p>
+            <a:r>
+              <a:rPr lang="en-US" altLang="zh-CN" sz="2000" dirty="0">
+                <a:latin typeface="微软雅黑" panose="020B0503020204020204" pitchFamily="34" charset="-122"/>
+                <a:ea typeface="微软雅黑" panose="020B0503020204020204" pitchFamily="34" charset="-122"/>
+              </a:rPr>
+              <a:t>Conv2d</a:t>
+            </a:r>
+            <a:endParaRPr lang="zh-CN" altLang="en-US" sz="2000" dirty="0">
+              <a:latin typeface="微软雅黑" panose="020B0503020204020204" pitchFamily="34" charset="-122"/>
+              <a:ea typeface="微软雅黑" panose="020B0503020204020204" pitchFamily="34" charset="-122"/>
+            </a:endParaRPr>
+          </a:p>
+        </p:txBody>
+      </p:sp>
+      <p:sp>
+        <p:nvSpPr>
+          <p:cNvPr id="8" name="矩形: 圆角 7">
+            <a:extLst>
+              <a:ext uri="{FF2B5EF4-FFF2-40B4-BE49-F238E27FC236}">
+                <a16:creationId xmlns:a16="http://schemas.microsoft.com/office/drawing/2014/main" id="{F30B1D44-EC49-054D-732A-43DD9596B83F}"/>
+              </a:ext>
+            </a:extLst>
+          </p:cNvPr>
+          <p:cNvSpPr/>
+          <p:nvPr/>
+        </p:nvSpPr>
+        <p:spPr>
+          <a:xfrm>
+            <a:off x="12828547" y="2272022"/>
+            <a:ext cx="1045108" cy="665467"/>
+          </a:xfrm>
+          <a:prstGeom prst="roundRect">
+            <a:avLst>
+              <a:gd name="adj" fmla="val 0"/>
+            </a:avLst>
+          </a:prstGeom>
+          <a:noFill/>
+          <a:ln>
+            <a:solidFill>
+              <a:schemeClr val="tx1"/>
+            </a:solidFill>
+          </a:ln>
+        </p:spPr>
+        <p:style>
+          <a:lnRef idx="2">
+            <a:schemeClr val="accent1">
+              <a:shade val="15000"/>
+            </a:schemeClr>
+          </a:lnRef>
+          <a:fillRef idx="1">
+            <a:schemeClr val="accent1"/>
+          </a:fillRef>
+          <a:effectRef idx="0">
+            <a:schemeClr val="accent1"/>
+          </a:effectRef>
+          <a:fontRef idx="minor">
+            <a:schemeClr val="lt1"/>
+          </a:fontRef>
+        </p:style>
+        <p:txBody>
+          <a:bodyPr rtlCol="0" anchor="ctr"/>
+          <a:lstStyle/>
+          <a:p>
+            <a:pPr algn="ctr"/>
+            <a:endParaRPr lang="zh-CN" altLang="en-US" sz="3189"/>
+          </a:p>
+        </p:txBody>
+      </p:sp>
+      <p:sp>
+        <p:nvSpPr>
+          <p:cNvPr id="9" name="文本框 8">
+            <a:extLst>
+              <a:ext uri="{FF2B5EF4-FFF2-40B4-BE49-F238E27FC236}">
+                <a16:creationId xmlns:a16="http://schemas.microsoft.com/office/drawing/2014/main" id="{6D8FF3FB-8CE9-304D-AE69-5BD30E1C6924}"/>
+              </a:ext>
+            </a:extLst>
+          </p:cNvPr>
+          <p:cNvSpPr txBox="1"/>
+          <p:nvPr/>
+        </p:nvSpPr>
+        <p:spPr>
+          <a:xfrm>
+            <a:off x="12903959" y="2404700"/>
+            <a:ext cx="894284" cy="400110"/>
+          </a:xfrm>
+          <a:prstGeom prst="rect">
+            <a:avLst/>
+          </a:prstGeom>
+          <a:noFill/>
+        </p:spPr>
+        <p:txBody>
+          <a:bodyPr wrap="none" rtlCol="0">
+            <a:spAutoFit/>
+          </a:bodyPr>
+          <a:lstStyle/>
+          <a:p>
+            <a:r>
+              <a:rPr lang="en-US" altLang="zh-CN" sz="2000" dirty="0">
+                <a:latin typeface="微软雅黑" panose="020B0503020204020204" pitchFamily="34" charset="-122"/>
+                <a:ea typeface="微软雅黑" panose="020B0503020204020204" pitchFamily="34" charset="-122"/>
+              </a:rPr>
+              <a:t>Norm</a:t>
+            </a:r>
+            <a:endParaRPr lang="zh-CN" altLang="en-US" sz="2000" dirty="0">
+              <a:latin typeface="微软雅黑" panose="020B0503020204020204" pitchFamily="34" charset="-122"/>
+              <a:ea typeface="微软雅黑" panose="020B0503020204020204" pitchFamily="34" charset="-122"/>
+            </a:endParaRPr>
+          </a:p>
+        </p:txBody>
+      </p:sp>
+      <p:sp>
+        <p:nvSpPr>
+          <p:cNvPr id="10" name="矩形: 圆角 9">
+            <a:extLst>
+              <a:ext uri="{FF2B5EF4-FFF2-40B4-BE49-F238E27FC236}">
+                <a16:creationId xmlns:a16="http://schemas.microsoft.com/office/drawing/2014/main" id="{6FD76C9C-0A51-A3A8-4287-3DE381156048}"/>
+              </a:ext>
+            </a:extLst>
+          </p:cNvPr>
+          <p:cNvSpPr/>
+          <p:nvPr/>
+        </p:nvSpPr>
+        <p:spPr>
+          <a:xfrm>
+            <a:off x="14503438" y="2272022"/>
+            <a:ext cx="1045108" cy="665467"/>
+          </a:xfrm>
+          <a:prstGeom prst="roundRect">
+            <a:avLst>
+              <a:gd name="adj" fmla="val 0"/>
+            </a:avLst>
+          </a:prstGeom>
+          <a:noFill/>
+          <a:ln>
+            <a:solidFill>
+              <a:schemeClr val="tx1"/>
+            </a:solidFill>
+          </a:ln>
+        </p:spPr>
+        <p:style>
+          <a:lnRef idx="2">
+            <a:schemeClr val="accent1">
+              <a:shade val="15000"/>
+            </a:schemeClr>
+          </a:lnRef>
+          <a:fillRef idx="1">
+            <a:schemeClr val="accent1"/>
+          </a:fillRef>
+          <a:effectRef idx="0">
+            <a:schemeClr val="accent1"/>
+          </a:effectRef>
+          <a:fontRef idx="minor">
+            <a:schemeClr val="lt1"/>
+          </a:fontRef>
+        </p:style>
+        <p:txBody>
+          <a:bodyPr rtlCol="0" anchor="ctr"/>
+          <a:lstStyle/>
+          <a:p>
+            <a:pPr algn="ctr"/>
+            <a:endParaRPr lang="zh-CN" altLang="en-US" sz="3189"/>
+          </a:p>
+        </p:txBody>
+      </p:sp>
+      <p:sp>
+        <p:nvSpPr>
+          <p:cNvPr id="11" name="文本框 10">
+            <a:extLst>
+              <a:ext uri="{FF2B5EF4-FFF2-40B4-BE49-F238E27FC236}">
+                <a16:creationId xmlns:a16="http://schemas.microsoft.com/office/drawing/2014/main" id="{B1FA785B-D0E5-8DA4-DB4D-067D14EF682C}"/>
+              </a:ext>
+            </a:extLst>
+          </p:cNvPr>
+          <p:cNvSpPr txBox="1"/>
+          <p:nvPr/>
+        </p:nvSpPr>
+        <p:spPr>
+          <a:xfrm>
+            <a:off x="14714652" y="2404700"/>
+            <a:ext cx="590226" cy="400110"/>
+          </a:xfrm>
+          <a:prstGeom prst="rect">
+            <a:avLst/>
+          </a:prstGeom>
+          <a:noFill/>
+        </p:spPr>
+        <p:txBody>
+          <a:bodyPr wrap="none" rtlCol="0">
+            <a:spAutoFit/>
+          </a:bodyPr>
+          <a:lstStyle/>
+          <a:p>
+            <a:r>
+              <a:rPr lang="en-US" altLang="zh-CN" sz="2000" dirty="0">
+                <a:latin typeface="微软雅黑" panose="020B0503020204020204" pitchFamily="34" charset="-122"/>
+                <a:ea typeface="微软雅黑" panose="020B0503020204020204" pitchFamily="34" charset="-122"/>
+              </a:rPr>
+              <a:t>Act</a:t>
+            </a:r>
+            <a:endParaRPr lang="zh-CN" altLang="en-US" sz="2000" dirty="0">
+              <a:latin typeface="微软雅黑" panose="020B0503020204020204" pitchFamily="34" charset="-122"/>
+              <a:ea typeface="微软雅黑" panose="020B0503020204020204" pitchFamily="34" charset="-122"/>
+            </a:endParaRPr>
+          </a:p>
+        </p:txBody>
+      </p:sp>
+      <p:sp>
+        <p:nvSpPr>
+          <p:cNvPr id="12" name="矩形: 圆角 11">
+            <a:extLst>
+              <a:ext uri="{FF2B5EF4-FFF2-40B4-BE49-F238E27FC236}">
+                <a16:creationId xmlns:a16="http://schemas.microsoft.com/office/drawing/2014/main" id="{D68ADCF2-F8A4-5D73-794A-FC2153FBD685}"/>
+              </a:ext>
+            </a:extLst>
+          </p:cNvPr>
+          <p:cNvSpPr/>
+          <p:nvPr/>
+        </p:nvSpPr>
+        <p:spPr>
+          <a:xfrm>
+            <a:off x="16178329" y="2272022"/>
+            <a:ext cx="1226177" cy="665467"/>
+          </a:xfrm>
+          <a:prstGeom prst="roundRect">
+            <a:avLst>
+              <a:gd name="adj" fmla="val 0"/>
+            </a:avLst>
+          </a:prstGeom>
+          <a:noFill/>
+          <a:ln>
+            <a:solidFill>
+              <a:schemeClr val="tx1"/>
+            </a:solidFill>
+          </a:ln>
+        </p:spPr>
+        <p:style>
+          <a:lnRef idx="2">
+            <a:schemeClr val="accent1">
+              <a:shade val="15000"/>
+            </a:schemeClr>
+          </a:lnRef>
+          <a:fillRef idx="1">
+            <a:schemeClr val="accent1"/>
+          </a:fillRef>
+          <a:effectRef idx="0">
+            <a:schemeClr val="accent1"/>
+          </a:effectRef>
+          <a:fontRef idx="minor">
+            <a:schemeClr val="lt1"/>
+          </a:fontRef>
+        </p:style>
+        <p:txBody>
+          <a:bodyPr rtlCol="0" anchor="ctr"/>
+          <a:lstStyle/>
+          <a:p>
+            <a:pPr algn="ctr"/>
+            <a:endParaRPr lang="zh-CN" altLang="en-US" sz="3189"/>
+          </a:p>
+        </p:txBody>
+      </p:sp>
+      <p:sp>
+        <p:nvSpPr>
+          <p:cNvPr id="13" name="文本框 12">
+            <a:extLst>
+              <a:ext uri="{FF2B5EF4-FFF2-40B4-BE49-F238E27FC236}">
+                <a16:creationId xmlns:a16="http://schemas.microsoft.com/office/drawing/2014/main" id="{C4A92F0B-5E9E-4E50-C177-37414935CFE9}"/>
+              </a:ext>
+            </a:extLst>
+          </p:cNvPr>
+          <p:cNvSpPr txBox="1"/>
+          <p:nvPr/>
+        </p:nvSpPr>
+        <p:spPr>
+          <a:xfrm>
+            <a:off x="16214542" y="2404700"/>
+            <a:ext cx="1127232" cy="400110"/>
+          </a:xfrm>
+          <a:prstGeom prst="rect">
+            <a:avLst/>
+          </a:prstGeom>
+          <a:noFill/>
+        </p:spPr>
+        <p:txBody>
+          <a:bodyPr wrap="none" rtlCol="0">
+            <a:spAutoFit/>
+          </a:bodyPr>
+          <a:lstStyle/>
+          <a:p>
+            <a:r>
+              <a:rPr lang="en-US" altLang="zh-CN" sz="2000" dirty="0">
+                <a:latin typeface="微软雅黑" panose="020B0503020204020204" pitchFamily="34" charset="-122"/>
+                <a:ea typeface="微软雅黑" panose="020B0503020204020204" pitchFamily="34" charset="-122"/>
+              </a:rPr>
+              <a:t>Conv2d</a:t>
+            </a:r>
+            <a:endParaRPr lang="zh-CN" altLang="en-US" sz="2000" dirty="0">
+              <a:latin typeface="微软雅黑" panose="020B0503020204020204" pitchFamily="34" charset="-122"/>
+              <a:ea typeface="微软雅黑" panose="020B0503020204020204" pitchFamily="34" charset="-122"/>
+            </a:endParaRPr>
+          </a:p>
+        </p:txBody>
+      </p:sp>
+      <p:sp>
+        <p:nvSpPr>
+          <p:cNvPr id="14" name="文本框 13">
+            <a:extLst>
+              <a:ext uri="{FF2B5EF4-FFF2-40B4-BE49-F238E27FC236}">
+                <a16:creationId xmlns:a16="http://schemas.microsoft.com/office/drawing/2014/main" id="{A200949A-316D-647F-292F-135AA8B7DADF}"/>
+              </a:ext>
+            </a:extLst>
+          </p:cNvPr>
+          <p:cNvSpPr txBox="1"/>
+          <p:nvPr/>
+        </p:nvSpPr>
+        <p:spPr>
+          <a:xfrm>
+            <a:off x="9788235" y="6703222"/>
+            <a:ext cx="736099" cy="400110"/>
+          </a:xfrm>
+          <a:prstGeom prst="rect">
+            <a:avLst/>
+          </a:prstGeom>
+          <a:noFill/>
+        </p:spPr>
+        <p:txBody>
+          <a:bodyPr wrap="none" rtlCol="0">
+            <a:spAutoFit/>
+          </a:bodyPr>
+          <a:lstStyle/>
+          <a:p>
+            <a:r>
+              <a:rPr lang="en-US" altLang="zh-CN" sz="2000" dirty="0">
+                <a:latin typeface="微软雅黑" panose="020B0503020204020204" pitchFamily="34" charset="-122"/>
+                <a:ea typeface="微软雅黑" panose="020B0503020204020204" pitchFamily="34" charset="-122"/>
+              </a:rPr>
+              <a:t>time</a:t>
+            </a:r>
+            <a:endParaRPr lang="zh-CN" altLang="en-US" sz="2000" dirty="0">
+              <a:latin typeface="微软雅黑" panose="020B0503020204020204" pitchFamily="34" charset="-122"/>
+              <a:ea typeface="微软雅黑" panose="020B0503020204020204" pitchFamily="34" charset="-122"/>
+            </a:endParaRPr>
+          </a:p>
+        </p:txBody>
+      </p:sp>
+      <p:sp>
+        <p:nvSpPr>
+          <p:cNvPr id="16" name="文本框 15">
+            <a:extLst>
+              <a:ext uri="{FF2B5EF4-FFF2-40B4-BE49-F238E27FC236}">
+                <a16:creationId xmlns:a16="http://schemas.microsoft.com/office/drawing/2014/main" id="{107E17C0-C374-1933-6377-7A27B2A6A09B}"/>
+              </a:ext>
+            </a:extLst>
+          </p:cNvPr>
+          <p:cNvSpPr txBox="1"/>
+          <p:nvPr/>
+        </p:nvSpPr>
+        <p:spPr>
+          <a:xfrm>
+            <a:off x="8660669" y="5587115"/>
+            <a:ext cx="2973777" cy="400110"/>
+          </a:xfrm>
+          <a:prstGeom prst="rect">
+            <a:avLst/>
+          </a:prstGeom>
+          <a:noFill/>
+        </p:spPr>
+        <p:txBody>
+          <a:bodyPr wrap="square">
+            <a:spAutoFit/>
+          </a:bodyPr>
+          <a:lstStyle/>
+          <a:p>
+            <a:r>
+              <a:rPr lang="zh-CN" altLang="en-US" sz="2000" dirty="0">
+                <a:latin typeface="微软雅黑" panose="020B0503020204020204" pitchFamily="34" charset="-122"/>
+                <a:ea typeface="微软雅黑" panose="020B0503020204020204" pitchFamily="34" charset="-122"/>
+              </a:rPr>
+              <a:t>sinusoidal_embedding</a:t>
+            </a:r>
+          </a:p>
+        </p:txBody>
+      </p:sp>
+      <p:sp>
+        <p:nvSpPr>
+          <p:cNvPr id="17" name="矩形: 圆角 16">
+            <a:extLst>
+              <a:ext uri="{FF2B5EF4-FFF2-40B4-BE49-F238E27FC236}">
+                <a16:creationId xmlns:a16="http://schemas.microsoft.com/office/drawing/2014/main" id="{A6404551-C9D3-9796-4D6F-9251932BEEB7}"/>
+              </a:ext>
+            </a:extLst>
+          </p:cNvPr>
+          <p:cNvSpPr/>
+          <p:nvPr/>
+        </p:nvSpPr>
+        <p:spPr>
+          <a:xfrm>
+            <a:off x="8660667" y="5501416"/>
+            <a:ext cx="2973777" cy="571508"/>
+          </a:xfrm>
+          <a:prstGeom prst="roundRect">
+            <a:avLst>
+              <a:gd name="adj" fmla="val 0"/>
+            </a:avLst>
+          </a:prstGeom>
+          <a:noFill/>
+          <a:ln>
+            <a:solidFill>
+              <a:schemeClr val="tx1"/>
+            </a:solidFill>
+          </a:ln>
+        </p:spPr>
+        <p:style>
+          <a:lnRef idx="2">
+            <a:schemeClr val="accent1">
+              <a:shade val="15000"/>
+            </a:schemeClr>
+          </a:lnRef>
+          <a:fillRef idx="1">
+            <a:schemeClr val="accent1"/>
+          </a:fillRef>
+          <a:effectRef idx="0">
+            <a:schemeClr val="accent1"/>
+          </a:effectRef>
+          <a:fontRef idx="minor">
+            <a:schemeClr val="lt1"/>
+          </a:fontRef>
+        </p:style>
+        <p:txBody>
+          <a:bodyPr rtlCol="0" anchor="ctr"/>
+          <a:lstStyle/>
+          <a:p>
+            <a:pPr algn="ctr"/>
+            <a:endParaRPr lang="zh-CN" altLang="en-US" sz="3189"/>
+          </a:p>
+        </p:txBody>
+      </p:sp>
+      <p:sp>
+        <p:nvSpPr>
+          <p:cNvPr id="18" name="文本框 17">
+            <a:extLst>
+              <a:ext uri="{FF2B5EF4-FFF2-40B4-BE49-F238E27FC236}">
+                <a16:creationId xmlns:a16="http://schemas.microsoft.com/office/drawing/2014/main" id="{AA5E0B0C-E1CB-673C-4BCB-651ED54E16BE}"/>
+              </a:ext>
+            </a:extLst>
+          </p:cNvPr>
+          <p:cNvSpPr txBox="1"/>
+          <p:nvPr/>
+        </p:nvSpPr>
+        <p:spPr>
+          <a:xfrm>
+            <a:off x="9723966" y="4270953"/>
+            <a:ext cx="847174" cy="400110"/>
+          </a:xfrm>
+          <a:prstGeom prst="rect">
+            <a:avLst/>
+          </a:prstGeom>
+          <a:noFill/>
+        </p:spPr>
+        <p:txBody>
+          <a:bodyPr wrap="square">
+            <a:spAutoFit/>
+          </a:bodyPr>
+          <a:lstStyle/>
+          <a:p>
+            <a:r>
+              <a:rPr lang="en-US" altLang="zh-CN" sz="2000" dirty="0">
+                <a:latin typeface="微软雅黑" panose="020B0503020204020204" pitchFamily="34" charset="-122"/>
+                <a:ea typeface="微软雅黑" panose="020B0503020204020204" pitchFamily="34" charset="-122"/>
+              </a:rPr>
+              <a:t>MLP</a:t>
+            </a:r>
+            <a:endParaRPr lang="zh-CN" altLang="en-US" sz="2000" dirty="0">
+              <a:latin typeface="微软雅黑" panose="020B0503020204020204" pitchFamily="34" charset="-122"/>
+              <a:ea typeface="微软雅黑" panose="020B0503020204020204" pitchFamily="34" charset="-122"/>
+            </a:endParaRPr>
+          </a:p>
+        </p:txBody>
+      </p:sp>
+      <p:sp>
+        <p:nvSpPr>
+          <p:cNvPr id="19" name="矩形: 圆角 18">
+            <a:extLst>
+              <a:ext uri="{FF2B5EF4-FFF2-40B4-BE49-F238E27FC236}">
+                <a16:creationId xmlns:a16="http://schemas.microsoft.com/office/drawing/2014/main" id="{0473613D-1F44-4E3A-6356-3A875ECAF4F3}"/>
+              </a:ext>
+            </a:extLst>
+          </p:cNvPr>
+          <p:cNvSpPr/>
+          <p:nvPr/>
+        </p:nvSpPr>
+        <p:spPr>
+          <a:xfrm>
+            <a:off x="8660665" y="4185254"/>
+            <a:ext cx="2973777" cy="571508"/>
+          </a:xfrm>
+          <a:prstGeom prst="roundRect">
+            <a:avLst>
+              <a:gd name="adj" fmla="val 0"/>
+            </a:avLst>
+          </a:prstGeom>
+          <a:noFill/>
+          <a:ln>
+            <a:solidFill>
+              <a:schemeClr val="tx1"/>
+            </a:solidFill>
+          </a:ln>
+        </p:spPr>
+        <p:style>
+          <a:lnRef idx="2">
+            <a:schemeClr val="accent1">
+              <a:shade val="15000"/>
+            </a:schemeClr>
+          </a:lnRef>
+          <a:fillRef idx="1">
+            <a:schemeClr val="accent1"/>
+          </a:fillRef>
+          <a:effectRef idx="0">
+            <a:schemeClr val="accent1"/>
+          </a:effectRef>
+          <a:fontRef idx="minor">
+            <a:schemeClr val="lt1"/>
+          </a:fontRef>
+        </p:style>
+        <p:txBody>
+          <a:bodyPr rtlCol="0" anchor="ctr"/>
+          <a:lstStyle/>
+          <a:p>
+            <a:pPr algn="ctr"/>
+            <a:endParaRPr lang="zh-CN" altLang="en-US" sz="3189"/>
+          </a:p>
+        </p:txBody>
+      </p:sp>
+      <p:sp>
+        <p:nvSpPr>
+          <p:cNvPr id="20" name="矩形: 圆角 19">
+            <a:extLst>
+              <a:ext uri="{FF2B5EF4-FFF2-40B4-BE49-F238E27FC236}">
+                <a16:creationId xmlns:a16="http://schemas.microsoft.com/office/drawing/2014/main" id="{204E8D71-E0E5-217D-C42E-E19AEA733DA6}"/>
+              </a:ext>
+            </a:extLst>
+          </p:cNvPr>
+          <p:cNvSpPr/>
+          <p:nvPr/>
+        </p:nvSpPr>
+        <p:spPr>
+          <a:xfrm>
+            <a:off x="2529878" y="2033748"/>
+            <a:ext cx="5078994" cy="1095469"/>
+          </a:xfrm>
+          <a:prstGeom prst="roundRect">
+            <a:avLst>
+              <a:gd name="adj" fmla="val 0"/>
+            </a:avLst>
+          </a:prstGeom>
+          <a:noFill/>
+          <a:ln>
+            <a:prstDash val="dash"/>
+          </a:ln>
+        </p:spPr>
+        <p:style>
+          <a:lnRef idx="2">
+            <a:schemeClr val="accent1">
+              <a:shade val="15000"/>
+            </a:schemeClr>
+          </a:lnRef>
+          <a:fillRef idx="1">
+            <a:schemeClr val="accent1"/>
+          </a:fillRef>
+          <a:effectRef idx="0">
+            <a:schemeClr val="accent1"/>
+          </a:effectRef>
+          <a:fontRef idx="minor">
+            <a:schemeClr val="lt1"/>
+          </a:fontRef>
+        </p:style>
+        <p:txBody>
+          <a:bodyPr rtlCol="0" anchor="ctr"/>
+          <a:lstStyle/>
+          <a:p>
+            <a:pPr algn="ctr"/>
+            <a:endParaRPr lang="zh-CN" altLang="en-US"/>
+          </a:p>
+        </p:txBody>
+      </p:sp>
+      <p:cxnSp>
+        <p:nvCxnSpPr>
+          <p:cNvPr id="21" name="直接箭头连接符 20">
+            <a:extLst>
+              <a:ext uri="{FF2B5EF4-FFF2-40B4-BE49-F238E27FC236}">
+                <a16:creationId xmlns:a16="http://schemas.microsoft.com/office/drawing/2014/main" id="{9871B586-23BA-9101-9F87-7E95C58AEA35}"/>
+              </a:ext>
+            </a:extLst>
+          </p:cNvPr>
+          <p:cNvCxnSpPr>
+            <a:cxnSpLocks/>
+            <a:stCxn id="2" idx="3"/>
+            <a:endCxn id="4" idx="1"/>
+          </p:cNvCxnSpPr>
+          <p:nvPr/>
+        </p:nvCxnSpPr>
+        <p:spPr>
+          <a:xfrm>
+            <a:off x="3843928" y="2604756"/>
+            <a:ext cx="629783" cy="0"/>
+          </a:xfrm>
+          <a:prstGeom prst="straightConnector1">
+            <a:avLst/>
+          </a:prstGeom>
+          <a:ln w="12700">
+            <a:tailEnd type="triangle"/>
+          </a:ln>
+        </p:spPr>
+        <p:style>
+          <a:lnRef idx="2">
+            <a:schemeClr val="accent1"/>
+          </a:lnRef>
+          <a:fillRef idx="0">
+            <a:schemeClr val="accent1"/>
+          </a:fillRef>
+          <a:effectRef idx="1">
+            <a:schemeClr val="accent1"/>
+          </a:effectRef>
+          <a:fontRef idx="minor">
+            <a:schemeClr val="tx1"/>
+          </a:fontRef>
+        </p:style>
+      </p:cxnSp>
+      <p:cxnSp>
+        <p:nvCxnSpPr>
+          <p:cNvPr id="25" name="直接箭头连接符 24">
+            <a:extLst>
+              <a:ext uri="{FF2B5EF4-FFF2-40B4-BE49-F238E27FC236}">
+                <a16:creationId xmlns:a16="http://schemas.microsoft.com/office/drawing/2014/main" id="{7787D2FB-9759-E168-DE05-1E52A2AB90EF}"/>
+              </a:ext>
+            </a:extLst>
+          </p:cNvPr>
+          <p:cNvCxnSpPr>
+            <a:cxnSpLocks/>
+          </p:cNvCxnSpPr>
+          <p:nvPr/>
+        </p:nvCxnSpPr>
+        <p:spPr>
+          <a:xfrm>
+            <a:off x="5518819" y="2604755"/>
+            <a:ext cx="629783" cy="0"/>
+          </a:xfrm>
+          <a:prstGeom prst="straightConnector1">
+            <a:avLst/>
+          </a:prstGeom>
+          <a:ln w="12700">
+            <a:tailEnd type="triangle"/>
+          </a:ln>
+        </p:spPr>
+        <p:style>
+          <a:lnRef idx="2">
+            <a:schemeClr val="accent1"/>
+          </a:lnRef>
+          <a:fillRef idx="0">
+            <a:schemeClr val="accent1"/>
+          </a:fillRef>
+          <a:effectRef idx="1">
+            <a:schemeClr val="accent1"/>
+          </a:effectRef>
+          <a:fontRef idx="minor">
+            <a:schemeClr val="tx1"/>
+          </a:fontRef>
+        </p:style>
+      </p:cxnSp>
+      <p:cxnSp>
+        <p:nvCxnSpPr>
+          <p:cNvPr id="26" name="直接箭头连接符 25">
+            <a:extLst>
+              <a:ext uri="{FF2B5EF4-FFF2-40B4-BE49-F238E27FC236}">
+                <a16:creationId xmlns:a16="http://schemas.microsoft.com/office/drawing/2014/main" id="{0E00ECDF-AA15-C4A5-77BF-CBDE65740F0B}"/>
+              </a:ext>
+            </a:extLst>
+          </p:cNvPr>
+          <p:cNvCxnSpPr>
+            <a:cxnSpLocks/>
+          </p:cNvCxnSpPr>
+          <p:nvPr/>
+        </p:nvCxnSpPr>
+        <p:spPr>
+          <a:xfrm>
+            <a:off x="1599172" y="2598672"/>
+            <a:ext cx="1199648" cy="6083"/>
+          </a:xfrm>
+          <a:prstGeom prst="straightConnector1">
+            <a:avLst/>
+          </a:prstGeom>
+          <a:ln w="12700">
+            <a:tailEnd type="triangle"/>
+          </a:ln>
+        </p:spPr>
+        <p:style>
+          <a:lnRef idx="2">
+            <a:schemeClr val="accent1"/>
+          </a:lnRef>
+          <a:fillRef idx="0">
+            <a:schemeClr val="accent1"/>
+          </a:fillRef>
+          <a:effectRef idx="1">
+            <a:schemeClr val="accent1"/>
+          </a:effectRef>
+          <a:fontRef idx="minor">
+            <a:schemeClr val="tx1"/>
+          </a:fontRef>
+        </p:style>
+      </p:cxnSp>
+      <p:cxnSp>
+        <p:nvCxnSpPr>
+          <p:cNvPr id="27" name="直接箭头连接符 26">
+            <a:extLst>
+              <a:ext uri="{FF2B5EF4-FFF2-40B4-BE49-F238E27FC236}">
+                <a16:creationId xmlns:a16="http://schemas.microsoft.com/office/drawing/2014/main" id="{A2DE805D-B4D1-5BFB-4642-067A1ED005DA}"/>
+              </a:ext>
+            </a:extLst>
+          </p:cNvPr>
+          <p:cNvCxnSpPr>
+            <a:cxnSpLocks/>
+            <a:stCxn id="20" idx="3"/>
+            <a:endCxn id="29" idx="2"/>
+          </p:cNvCxnSpPr>
+          <p:nvPr/>
+        </p:nvCxnSpPr>
+        <p:spPr>
+          <a:xfrm>
+            <a:off x="7608872" y="2581483"/>
+            <a:ext cx="2190397" cy="17189"/>
+          </a:xfrm>
+          <a:prstGeom prst="straightConnector1">
+            <a:avLst/>
+          </a:prstGeom>
+          <a:ln w="12700">
+            <a:tailEnd type="triangle"/>
+          </a:ln>
+        </p:spPr>
+        <p:style>
+          <a:lnRef idx="2">
+            <a:schemeClr val="accent1"/>
+          </a:lnRef>
+          <a:fillRef idx="0">
+            <a:schemeClr val="accent1"/>
+          </a:fillRef>
+          <a:effectRef idx="1">
+            <a:schemeClr val="accent1"/>
+          </a:effectRef>
+          <a:fontRef idx="minor">
+            <a:schemeClr val="tx1"/>
+          </a:fontRef>
+        </p:style>
+      </p:cxnSp>
+      <p:sp>
+        <p:nvSpPr>
+          <p:cNvPr id="28" name="加号 27">
+            <a:extLst>
+              <a:ext uri="{FF2B5EF4-FFF2-40B4-BE49-F238E27FC236}">
+                <a16:creationId xmlns:a16="http://schemas.microsoft.com/office/drawing/2014/main" id="{43783350-BEFB-ADC1-5D43-F425A2895FDC}"/>
+              </a:ext>
+            </a:extLst>
+          </p:cNvPr>
+          <p:cNvSpPr/>
+          <p:nvPr/>
+        </p:nvSpPr>
+        <p:spPr>
+          <a:xfrm>
+            <a:off x="9825428" y="2254035"/>
+            <a:ext cx="629783" cy="665465"/>
+          </a:xfrm>
+          <a:prstGeom prst="mathPlus">
+            <a:avLst>
+              <a:gd name="adj1" fmla="val 12933"/>
+            </a:avLst>
+          </a:prstGeom>
+          <a:noFill/>
+        </p:spPr>
+        <p:style>
+          <a:lnRef idx="2">
+            <a:schemeClr val="accent1">
+              <a:shade val="15000"/>
+            </a:schemeClr>
+          </a:lnRef>
+          <a:fillRef idx="1">
+            <a:schemeClr val="accent1"/>
+          </a:fillRef>
+          <a:effectRef idx="0">
+            <a:schemeClr val="accent1"/>
+          </a:effectRef>
+          <a:fontRef idx="minor">
+            <a:schemeClr val="lt1"/>
+          </a:fontRef>
+        </p:style>
+        <p:txBody>
+          <a:bodyPr rtlCol="0" anchor="ctr"/>
+          <a:lstStyle/>
+          <a:p>
+            <a:pPr algn="ctr"/>
+            <a:endParaRPr lang="zh-CN" altLang="en-US"/>
+          </a:p>
+        </p:txBody>
+      </p:sp>
+      <p:sp>
+        <p:nvSpPr>
+          <p:cNvPr id="29" name="椭圆 28">
+            <a:extLst>
+              <a:ext uri="{FF2B5EF4-FFF2-40B4-BE49-F238E27FC236}">
+                <a16:creationId xmlns:a16="http://schemas.microsoft.com/office/drawing/2014/main" id="{FE8DFB30-F2D7-D580-2712-1F85B315840A}"/>
+              </a:ext>
+            </a:extLst>
+          </p:cNvPr>
+          <p:cNvSpPr/>
+          <p:nvPr/>
+        </p:nvSpPr>
+        <p:spPr>
+          <a:xfrm>
+            <a:off x="9799269" y="2265672"/>
+            <a:ext cx="666000" cy="666000"/>
+          </a:xfrm>
+          <a:prstGeom prst="ellipse">
+            <a:avLst/>
+          </a:prstGeom>
+          <a:noFill/>
+        </p:spPr>
+        <p:style>
+          <a:lnRef idx="2">
+            <a:schemeClr val="accent1">
+              <a:shade val="15000"/>
+            </a:schemeClr>
+          </a:lnRef>
+          <a:fillRef idx="1">
+            <a:schemeClr val="accent1"/>
+          </a:fillRef>
+          <a:effectRef idx="0">
+            <a:schemeClr val="accent1"/>
+          </a:effectRef>
+          <a:fontRef idx="minor">
+            <a:schemeClr val="lt1"/>
+          </a:fontRef>
+        </p:style>
+        <p:txBody>
+          <a:bodyPr rtlCol="0" anchor="ctr"/>
+          <a:lstStyle/>
+          <a:p>
+            <a:pPr algn="ctr"/>
+            <a:endParaRPr lang="zh-CN" altLang="en-US"/>
+          </a:p>
+        </p:txBody>
+      </p:sp>
+      <p:cxnSp>
+        <p:nvCxnSpPr>
+          <p:cNvPr id="31" name="直接箭头连接符 30">
+            <a:extLst>
+              <a:ext uri="{FF2B5EF4-FFF2-40B4-BE49-F238E27FC236}">
+                <a16:creationId xmlns:a16="http://schemas.microsoft.com/office/drawing/2014/main" id="{E60B00C7-FD02-BF06-8378-9BA29C28ECE1}"/>
+              </a:ext>
+            </a:extLst>
+          </p:cNvPr>
+          <p:cNvCxnSpPr>
+            <a:cxnSpLocks/>
+            <a:stCxn id="29" idx="6"/>
+            <a:endCxn id="32" idx="1"/>
+          </p:cNvCxnSpPr>
+          <p:nvPr/>
+        </p:nvCxnSpPr>
+        <p:spPr>
+          <a:xfrm flipV="1">
+            <a:off x="10465269" y="2581482"/>
+            <a:ext cx="2154420" cy="17190"/>
+          </a:xfrm>
+          <a:prstGeom prst="straightConnector1">
+            <a:avLst/>
+          </a:prstGeom>
+          <a:ln w="12700">
+            <a:tailEnd type="triangle"/>
+          </a:ln>
+        </p:spPr>
+        <p:style>
+          <a:lnRef idx="2">
+            <a:schemeClr val="accent1"/>
+          </a:lnRef>
+          <a:fillRef idx="0">
+            <a:schemeClr val="accent1"/>
+          </a:fillRef>
+          <a:effectRef idx="1">
+            <a:schemeClr val="accent1"/>
+          </a:effectRef>
+          <a:fontRef idx="minor">
+            <a:schemeClr val="tx1"/>
+          </a:fontRef>
+        </p:style>
+      </p:cxnSp>
+      <p:sp>
+        <p:nvSpPr>
+          <p:cNvPr id="32" name="矩形: 圆角 31">
+            <a:extLst>
+              <a:ext uri="{FF2B5EF4-FFF2-40B4-BE49-F238E27FC236}">
+                <a16:creationId xmlns:a16="http://schemas.microsoft.com/office/drawing/2014/main" id="{F4659222-53E8-574F-3E51-2240517F2D75}"/>
+              </a:ext>
+            </a:extLst>
+          </p:cNvPr>
+          <p:cNvSpPr/>
+          <p:nvPr/>
+        </p:nvSpPr>
+        <p:spPr>
+          <a:xfrm>
+            <a:off x="12619689" y="2033747"/>
+            <a:ext cx="5078994" cy="1095469"/>
+          </a:xfrm>
+          <a:prstGeom prst="roundRect">
+            <a:avLst>
+              <a:gd name="adj" fmla="val 0"/>
+            </a:avLst>
+          </a:prstGeom>
+          <a:noFill/>
+          <a:ln>
+            <a:prstDash val="dash"/>
+          </a:ln>
+        </p:spPr>
+        <p:style>
+          <a:lnRef idx="2">
+            <a:schemeClr val="accent1">
+              <a:shade val="15000"/>
+            </a:schemeClr>
+          </a:lnRef>
+          <a:fillRef idx="1">
+            <a:schemeClr val="accent1"/>
+          </a:fillRef>
+          <a:effectRef idx="0">
+            <a:schemeClr val="accent1"/>
+          </a:effectRef>
+          <a:fontRef idx="minor">
+            <a:schemeClr val="lt1"/>
+          </a:fontRef>
+        </p:style>
+        <p:txBody>
+          <a:bodyPr rtlCol="0" anchor="ctr"/>
+          <a:lstStyle/>
+          <a:p>
+            <a:pPr algn="ctr"/>
+            <a:endParaRPr lang="zh-CN" altLang="en-US"/>
+          </a:p>
+        </p:txBody>
+      </p:sp>
+      <p:cxnSp>
+        <p:nvCxnSpPr>
+          <p:cNvPr id="33" name="直接箭头连接符 32">
+            <a:extLst>
+              <a:ext uri="{FF2B5EF4-FFF2-40B4-BE49-F238E27FC236}">
+                <a16:creationId xmlns:a16="http://schemas.microsoft.com/office/drawing/2014/main" id="{7FC29F0A-7722-9A17-A931-FE80090FCE92}"/>
+              </a:ext>
+            </a:extLst>
+          </p:cNvPr>
+          <p:cNvCxnSpPr>
+            <a:cxnSpLocks/>
+            <a:stCxn id="17" idx="0"/>
+            <a:endCxn id="19" idx="2"/>
+          </p:cNvCxnSpPr>
+          <p:nvPr/>
+        </p:nvCxnSpPr>
+        <p:spPr>
+          <a:xfrm flipH="1" flipV="1">
+            <a:off x="10147554" y="4756762"/>
+            <a:ext cx="2" cy="744654"/>
+          </a:xfrm>
+          <a:prstGeom prst="straightConnector1">
+            <a:avLst/>
+          </a:prstGeom>
+          <a:ln w="12700">
+            <a:tailEnd type="triangle"/>
+          </a:ln>
+        </p:spPr>
+        <p:style>
+          <a:lnRef idx="2">
+            <a:schemeClr val="accent1"/>
+          </a:lnRef>
+          <a:fillRef idx="0">
+            <a:schemeClr val="accent1"/>
+          </a:fillRef>
+          <a:effectRef idx="1">
+            <a:schemeClr val="accent1"/>
+          </a:effectRef>
+          <a:fontRef idx="minor">
+            <a:schemeClr val="tx1"/>
+          </a:fontRef>
+        </p:style>
+      </p:cxnSp>
+      <p:cxnSp>
+        <p:nvCxnSpPr>
+          <p:cNvPr id="36" name="直接箭头连接符 35">
+            <a:extLst>
+              <a:ext uri="{FF2B5EF4-FFF2-40B4-BE49-F238E27FC236}">
+                <a16:creationId xmlns:a16="http://schemas.microsoft.com/office/drawing/2014/main" id="{A108CAF5-EFE1-553E-9937-65FE8CE41D33}"/>
+              </a:ext>
+            </a:extLst>
+          </p:cNvPr>
+          <p:cNvCxnSpPr>
+            <a:cxnSpLocks/>
+            <a:stCxn id="19" idx="0"/>
+            <a:endCxn id="29" idx="4"/>
+          </p:cNvCxnSpPr>
+          <p:nvPr/>
+        </p:nvCxnSpPr>
+        <p:spPr>
+          <a:xfrm flipH="1" flipV="1">
+            <a:off x="10132269" y="2931672"/>
+            <a:ext cx="15285" cy="1253582"/>
+          </a:xfrm>
+          <a:prstGeom prst="straightConnector1">
+            <a:avLst/>
+          </a:prstGeom>
+          <a:ln w="12700">
+            <a:tailEnd type="triangle"/>
+          </a:ln>
+        </p:spPr>
+        <p:style>
+          <a:lnRef idx="2">
+            <a:schemeClr val="accent1"/>
+          </a:lnRef>
+          <a:fillRef idx="0">
+            <a:schemeClr val="accent1"/>
+          </a:fillRef>
+          <a:effectRef idx="1">
+            <a:schemeClr val="accent1"/>
+          </a:effectRef>
+          <a:fontRef idx="minor">
+            <a:schemeClr val="tx1"/>
+          </a:fontRef>
+        </p:style>
+      </p:cxnSp>
+      <p:cxnSp>
+        <p:nvCxnSpPr>
+          <p:cNvPr id="39" name="直接箭头连接符 38">
+            <a:extLst>
+              <a:ext uri="{FF2B5EF4-FFF2-40B4-BE49-F238E27FC236}">
+                <a16:creationId xmlns:a16="http://schemas.microsoft.com/office/drawing/2014/main" id="{93A14BA2-382E-77F7-EDE7-C630ACF6FD6C}"/>
+              </a:ext>
+            </a:extLst>
+          </p:cNvPr>
+          <p:cNvCxnSpPr>
+            <a:cxnSpLocks/>
+            <a:stCxn id="14" idx="0"/>
+            <a:endCxn id="17" idx="2"/>
+          </p:cNvCxnSpPr>
+          <p:nvPr/>
+        </p:nvCxnSpPr>
+        <p:spPr>
+          <a:xfrm flipH="1" flipV="1">
+            <a:off x="10147556" y="6072924"/>
+            <a:ext cx="8729" cy="630298"/>
+          </a:xfrm>
+          <a:prstGeom prst="straightConnector1">
+            <a:avLst/>
+          </a:prstGeom>
+          <a:ln w="12700">
+            <a:tailEnd type="triangle"/>
+          </a:ln>
+        </p:spPr>
+        <p:style>
+          <a:lnRef idx="2">
+            <a:schemeClr val="accent1"/>
+          </a:lnRef>
+          <a:fillRef idx="0">
+            <a:schemeClr val="accent1"/>
+          </a:fillRef>
+          <a:effectRef idx="1">
+            <a:schemeClr val="accent1"/>
+          </a:effectRef>
+          <a:fontRef idx="minor">
+            <a:schemeClr val="tx1"/>
+          </a:fontRef>
+        </p:style>
+      </p:cxnSp>
+      <mc:AlternateContent xmlns:mc="http://schemas.openxmlformats.org/markup-compatibility/2006">
+        <mc:Choice xmlns:a14="http://schemas.microsoft.com/office/drawing/2010/main" Requires="a14">
+          <p:sp>
+            <p:nvSpPr>
+              <p:cNvPr id="42" name="文本框 41">
+                <a:extLst>
+                  <a:ext uri="{FF2B5EF4-FFF2-40B4-BE49-F238E27FC236}">
+                    <a16:creationId xmlns:a16="http://schemas.microsoft.com/office/drawing/2014/main" id="{8F31927C-563E-6A34-4091-E3170C773B52}"/>
+                  </a:ext>
+                </a:extLst>
+              </p:cNvPr>
+              <p:cNvSpPr txBox="1"/>
+              <p:nvPr/>
+            </p:nvSpPr>
+            <p:spPr>
+              <a:xfrm>
+                <a:off x="1114918" y="2366037"/>
+                <a:ext cx="275396" cy="430887"/>
+              </a:xfrm>
+              <a:prstGeom prst="rect">
+                <a:avLst/>
+              </a:prstGeom>
+              <a:noFill/>
+            </p:spPr>
+            <p:txBody>
+              <a:bodyPr wrap="none" lIns="0" tIns="0" rIns="0" bIns="0" rtlCol="0">
+                <a:spAutoFit/>
+              </a:bodyPr>
+              <a:lstStyle/>
+              <a:p>
+                <a14:m>
+                  <m:oMathPara xmlns:m="http://schemas.openxmlformats.org/officeDocument/2006/math">
+                    <m:oMathParaPr>
+                      <m:jc m:val="centerGroup"/>
+                    </m:oMathParaPr>
+                    <m:oMath xmlns:m="http://schemas.openxmlformats.org/officeDocument/2006/math">
+                      <m:r>
+                        <a:rPr lang="en-US" altLang="zh-CN" sz="2800" b="0" i="1" smtClean="0">
+                          <a:latin typeface="Cambria Math" panose="02040503050406030204" pitchFamily="18" charset="0"/>
+                        </a:rPr>
+                        <m:t>𝑥</m:t>
+                      </m:r>
+                    </m:oMath>
+                  </m:oMathPara>
+                </a14:m>
+                <a:endParaRPr lang="zh-CN" altLang="en-US" dirty="0"/>
+              </a:p>
+            </p:txBody>
+          </p:sp>
+        </mc:Choice>
+        <mc:Fallback>
+          <p:sp>
+            <p:nvSpPr>
+              <p:cNvPr id="42" name="文本框 41">
+                <a:extLst>
+                  <a:ext uri="{FF2B5EF4-FFF2-40B4-BE49-F238E27FC236}">
+                    <a16:creationId xmlns:a16="http://schemas.microsoft.com/office/drawing/2014/main" id="{8F31927C-563E-6A34-4091-E3170C773B52}"/>
+                  </a:ext>
+                </a:extLst>
+              </p:cNvPr>
+              <p:cNvSpPr txBox="1">
+                <a:spLocks noRot="1" noChangeAspect="1" noMove="1" noResize="1" noEditPoints="1" noAdjustHandles="1" noChangeArrowheads="1" noChangeShapeType="1" noTextEdit="1"/>
+              </p:cNvSpPr>
+              <p:nvPr/>
+            </p:nvSpPr>
+            <p:spPr>
+              <a:xfrm>
+                <a:off x="1114918" y="2366037"/>
+                <a:ext cx="275396" cy="430887"/>
+              </a:xfrm>
+              <a:prstGeom prst="rect">
+                <a:avLst/>
+              </a:prstGeom>
+              <a:blipFill>
+                <a:blip r:embed="rId2"/>
+                <a:stretch>
+                  <a:fillRect/>
+                </a:stretch>
+              </a:blipFill>
+            </p:spPr>
+            <p:txBody>
+              <a:bodyPr/>
+              <a:lstStyle/>
+              <a:p>
+                <a:r>
+                  <a:rPr lang="zh-CN" altLang="en-US">
+                    <a:noFill/>
+                  </a:rPr>
+                  <a:t> </a:t>
+                </a:r>
+              </a:p>
+            </p:txBody>
+          </p:sp>
+        </mc:Fallback>
+      </mc:AlternateContent>
+      <p:cxnSp>
+        <p:nvCxnSpPr>
+          <p:cNvPr id="43" name="直接箭头连接符 42">
+            <a:extLst>
+              <a:ext uri="{FF2B5EF4-FFF2-40B4-BE49-F238E27FC236}">
+                <a16:creationId xmlns:a16="http://schemas.microsoft.com/office/drawing/2014/main" id="{C182D558-CE62-3908-7194-682051D49FED}"/>
+              </a:ext>
+            </a:extLst>
+          </p:cNvPr>
+          <p:cNvCxnSpPr>
+            <a:cxnSpLocks/>
+          </p:cNvCxnSpPr>
+          <p:nvPr/>
+        </p:nvCxnSpPr>
+        <p:spPr>
+          <a:xfrm>
+            <a:off x="13873655" y="2604754"/>
+            <a:ext cx="629783" cy="0"/>
+          </a:xfrm>
+          <a:prstGeom prst="straightConnector1">
+            <a:avLst/>
+          </a:prstGeom>
+          <a:ln w="12700">
+            <a:tailEnd type="triangle"/>
+          </a:ln>
+        </p:spPr>
+        <p:style>
+          <a:lnRef idx="2">
+            <a:schemeClr val="accent1"/>
+          </a:lnRef>
+          <a:fillRef idx="0">
+            <a:schemeClr val="accent1"/>
+          </a:fillRef>
+          <a:effectRef idx="1">
+            <a:schemeClr val="accent1"/>
+          </a:effectRef>
+          <a:fontRef idx="minor">
+            <a:schemeClr val="tx1"/>
+          </a:fontRef>
+        </p:style>
+      </p:cxnSp>
+      <p:cxnSp>
+        <p:nvCxnSpPr>
+          <p:cNvPr id="44" name="直接箭头连接符 43">
+            <a:extLst>
+              <a:ext uri="{FF2B5EF4-FFF2-40B4-BE49-F238E27FC236}">
+                <a16:creationId xmlns:a16="http://schemas.microsoft.com/office/drawing/2014/main" id="{6FBBCCD9-6CF5-8D8F-F9DB-CD032A703707}"/>
+              </a:ext>
+            </a:extLst>
+          </p:cNvPr>
+          <p:cNvCxnSpPr>
+            <a:cxnSpLocks/>
+          </p:cNvCxnSpPr>
+          <p:nvPr/>
+        </p:nvCxnSpPr>
+        <p:spPr>
+          <a:xfrm>
+            <a:off x="15548546" y="2604754"/>
+            <a:ext cx="629783" cy="0"/>
+          </a:xfrm>
+          <a:prstGeom prst="straightConnector1">
+            <a:avLst/>
+          </a:prstGeom>
+          <a:ln w="12700">
+            <a:tailEnd type="triangle"/>
+          </a:ln>
+        </p:spPr>
+        <p:style>
+          <a:lnRef idx="2">
+            <a:schemeClr val="accent1"/>
+          </a:lnRef>
+          <a:fillRef idx="0">
+            <a:schemeClr val="accent1"/>
+          </a:fillRef>
+          <a:effectRef idx="1">
+            <a:schemeClr val="accent1"/>
+          </a:effectRef>
+          <a:fontRef idx="minor">
+            <a:schemeClr val="tx1"/>
+          </a:fontRef>
+        </p:style>
+      </p:cxnSp>
+      <p:cxnSp>
+        <p:nvCxnSpPr>
+          <p:cNvPr id="45" name="直接箭头连接符 44">
+            <a:extLst>
+              <a:ext uri="{FF2B5EF4-FFF2-40B4-BE49-F238E27FC236}">
+                <a16:creationId xmlns:a16="http://schemas.microsoft.com/office/drawing/2014/main" id="{246377A4-2FB6-4D51-7B10-155E032531F8}"/>
+              </a:ext>
+            </a:extLst>
+          </p:cNvPr>
+          <p:cNvCxnSpPr>
+            <a:cxnSpLocks/>
+            <a:endCxn id="64" idx="2"/>
+          </p:cNvCxnSpPr>
+          <p:nvPr/>
+        </p:nvCxnSpPr>
+        <p:spPr>
+          <a:xfrm flipV="1">
+            <a:off x="17404506" y="2604264"/>
+            <a:ext cx="1122384" cy="17727"/>
+          </a:xfrm>
+          <a:prstGeom prst="straightConnector1">
+            <a:avLst/>
+          </a:prstGeom>
+          <a:ln w="12700">
+            <a:tailEnd type="triangle"/>
+          </a:ln>
+        </p:spPr>
+        <p:style>
+          <a:lnRef idx="2">
+            <a:schemeClr val="accent1"/>
+          </a:lnRef>
+          <a:fillRef idx="0">
+            <a:schemeClr val="accent1"/>
+          </a:fillRef>
+          <a:effectRef idx="1">
+            <a:schemeClr val="accent1"/>
+          </a:effectRef>
+          <a:fontRef idx="minor">
+            <a:schemeClr val="tx1"/>
+          </a:fontRef>
+        </p:style>
+      </p:cxnSp>
+      <mc:AlternateContent xmlns:mc="http://schemas.openxmlformats.org/markup-compatibility/2006">
+        <mc:Choice xmlns:a14="http://schemas.microsoft.com/office/drawing/2010/main" Requires="a14">
+          <p:sp>
+            <p:nvSpPr>
+              <p:cNvPr id="48" name="文本框 47">
+                <a:extLst>
+                  <a:ext uri="{FF2B5EF4-FFF2-40B4-BE49-F238E27FC236}">
+                    <a16:creationId xmlns:a16="http://schemas.microsoft.com/office/drawing/2014/main" id="{3D1248B7-07AF-693D-A2E8-CC9AD158974D}"/>
+                  </a:ext>
+                </a:extLst>
+              </p:cNvPr>
+              <p:cNvSpPr txBox="1"/>
+              <p:nvPr/>
+            </p:nvSpPr>
+            <p:spPr>
+              <a:xfrm>
+                <a:off x="20209211" y="2398627"/>
+                <a:ext cx="392030" cy="430887"/>
+              </a:xfrm>
+              <a:prstGeom prst="rect">
+                <a:avLst/>
+              </a:prstGeom>
+              <a:noFill/>
+            </p:spPr>
+            <p:txBody>
+              <a:bodyPr wrap="none" lIns="0" tIns="0" rIns="0" bIns="0" rtlCol="0">
+                <a:spAutoFit/>
+              </a:bodyPr>
+              <a:lstStyle/>
+              <a:p>
+                <a14:m>
+                  <m:oMathPara xmlns:m="http://schemas.openxmlformats.org/officeDocument/2006/math">
+                    <m:oMathParaPr>
+                      <m:jc m:val="centerGroup"/>
+                    </m:oMathParaPr>
+                    <m:oMath xmlns:m="http://schemas.openxmlformats.org/officeDocument/2006/math">
+                      <m:sSup>
+                        <m:sSupPr>
+                          <m:ctrlPr>
+                            <a:rPr lang="en-US" altLang="zh-CN" sz="2800" b="0" i="1" smtClean="0">
+                              <a:latin typeface="Cambria Math" panose="02040503050406030204" pitchFamily="18" charset="0"/>
+                            </a:rPr>
+                          </m:ctrlPr>
+                        </m:sSupPr>
+                        <m:e>
+                          <m:r>
+                            <a:rPr lang="en-US" altLang="zh-CN" sz="2800" b="0" i="1" smtClean="0">
+                              <a:latin typeface="Cambria Math" panose="02040503050406030204" pitchFamily="18" charset="0"/>
+                            </a:rPr>
+                            <m:t>𝑥</m:t>
+                          </m:r>
+                        </m:e>
+                        <m:sup>
+                          <m:r>
+                            <a:rPr lang="en-US" altLang="zh-CN" sz="2800" b="0" i="1" smtClean="0">
+                              <a:latin typeface="Cambria Math" panose="02040503050406030204" pitchFamily="18" charset="0"/>
+                            </a:rPr>
+                            <m:t>′</m:t>
+                          </m:r>
+                        </m:sup>
+                      </m:sSup>
+                    </m:oMath>
+                  </m:oMathPara>
+                </a14:m>
+                <a:endParaRPr lang="zh-CN" altLang="en-US" dirty="0"/>
+              </a:p>
+            </p:txBody>
+          </p:sp>
+        </mc:Choice>
+        <mc:Fallback>
+          <p:sp>
+            <p:nvSpPr>
+              <p:cNvPr id="48" name="文本框 47">
+                <a:extLst>
+                  <a:ext uri="{FF2B5EF4-FFF2-40B4-BE49-F238E27FC236}">
+                    <a16:creationId xmlns:a16="http://schemas.microsoft.com/office/drawing/2014/main" id="{3D1248B7-07AF-693D-A2E8-CC9AD158974D}"/>
+                  </a:ext>
+                </a:extLst>
+              </p:cNvPr>
+              <p:cNvSpPr txBox="1">
+                <a:spLocks noRot="1" noChangeAspect="1" noMove="1" noResize="1" noEditPoints="1" noAdjustHandles="1" noChangeArrowheads="1" noChangeShapeType="1" noTextEdit="1"/>
+              </p:cNvSpPr>
+              <p:nvPr/>
+            </p:nvSpPr>
+            <p:spPr>
+              <a:xfrm>
+                <a:off x="20209211" y="2398627"/>
+                <a:ext cx="392030" cy="430887"/>
+              </a:xfrm>
+              <a:prstGeom prst="rect">
+                <a:avLst/>
+              </a:prstGeom>
+              <a:blipFill>
+                <a:blip r:embed="rId3"/>
+                <a:stretch>
+                  <a:fillRect/>
+                </a:stretch>
+              </a:blipFill>
+            </p:spPr>
+            <p:txBody>
+              <a:bodyPr/>
+              <a:lstStyle/>
+              <a:p>
+                <a:r>
+                  <a:rPr lang="zh-CN" altLang="en-US">
+                    <a:noFill/>
+                  </a:rPr>
+                  <a:t> </a:t>
+                </a:r>
+              </a:p>
+            </p:txBody>
+          </p:sp>
+        </mc:Fallback>
+      </mc:AlternateContent>
+      <p:cxnSp>
+        <p:nvCxnSpPr>
+          <p:cNvPr id="52" name="连接符: 肘形 51">
+            <a:extLst>
+              <a:ext uri="{FF2B5EF4-FFF2-40B4-BE49-F238E27FC236}">
+                <a16:creationId xmlns:a16="http://schemas.microsoft.com/office/drawing/2014/main" id="{DB83E616-6906-C7A1-D706-6015B57FCE32}"/>
+              </a:ext>
+            </a:extLst>
+          </p:cNvPr>
+          <p:cNvCxnSpPr>
+            <a:cxnSpLocks/>
+            <a:endCxn id="64" idx="0"/>
+          </p:cNvCxnSpPr>
+          <p:nvPr/>
+        </p:nvCxnSpPr>
+        <p:spPr>
+          <a:xfrm rot="5400000" flipH="1" flipV="1">
+            <a:off x="10294285" y="-5966018"/>
+            <a:ext cx="328323" cy="16802888"/>
+          </a:xfrm>
+          <a:prstGeom prst="bentConnector3">
+            <a:avLst>
+              <a:gd name="adj1" fmla="val 371544"/>
+            </a:avLst>
+          </a:prstGeom>
+          <a:ln w="12700">
+            <a:tailEnd type="triangle"/>
+          </a:ln>
+        </p:spPr>
+        <p:style>
+          <a:lnRef idx="2">
+            <a:schemeClr val="accent1"/>
+          </a:lnRef>
+          <a:fillRef idx="0">
+            <a:schemeClr val="accent1"/>
+          </a:fillRef>
+          <a:effectRef idx="1">
+            <a:schemeClr val="accent1"/>
+          </a:effectRef>
+          <a:fontRef idx="minor">
+            <a:schemeClr val="tx1"/>
+          </a:fontRef>
+        </p:style>
+      </p:cxnSp>
+      <p:sp>
+        <p:nvSpPr>
+          <p:cNvPr id="56" name="文本框 55">
+            <a:extLst>
+              <a:ext uri="{FF2B5EF4-FFF2-40B4-BE49-F238E27FC236}">
+                <a16:creationId xmlns:a16="http://schemas.microsoft.com/office/drawing/2014/main" id="{AD65D14D-FC77-1232-E4A1-3414FA79BA96}"/>
+              </a:ext>
+            </a:extLst>
+          </p:cNvPr>
+          <p:cNvSpPr txBox="1"/>
+          <p:nvPr/>
+        </p:nvSpPr>
+        <p:spPr>
+          <a:xfrm>
+            <a:off x="9834162" y="872674"/>
+            <a:ext cx="1206933" cy="400110"/>
+          </a:xfrm>
+          <a:prstGeom prst="rect">
+            <a:avLst/>
+          </a:prstGeom>
+          <a:noFill/>
+        </p:spPr>
+        <p:txBody>
+          <a:bodyPr wrap="none" rtlCol="0">
+            <a:spAutoFit/>
+          </a:bodyPr>
+          <a:lstStyle/>
+          <a:p>
+            <a:r>
+              <a:rPr lang="en-US" altLang="zh-CN" sz="2000" dirty="0">
+                <a:latin typeface="微软雅黑" panose="020B0503020204020204" pitchFamily="34" charset="-122"/>
+                <a:ea typeface="微软雅黑" panose="020B0503020204020204" pitchFamily="34" charset="-122"/>
+              </a:rPr>
+              <a:t>shortcut</a:t>
+            </a:r>
+            <a:endParaRPr lang="zh-CN" altLang="en-US" sz="2000" dirty="0">
+              <a:latin typeface="微软雅黑" panose="020B0503020204020204" pitchFamily="34" charset="-122"/>
+              <a:ea typeface="微软雅黑" panose="020B0503020204020204" pitchFamily="34" charset="-122"/>
+            </a:endParaRPr>
+          </a:p>
+        </p:txBody>
+      </p:sp>
+      <p:sp>
+        <p:nvSpPr>
+          <p:cNvPr id="63" name="加号 62">
+            <a:extLst>
+              <a:ext uri="{FF2B5EF4-FFF2-40B4-BE49-F238E27FC236}">
+                <a16:creationId xmlns:a16="http://schemas.microsoft.com/office/drawing/2014/main" id="{BD3F5AFC-B9A5-4E9B-383C-FECB51E02B9C}"/>
+              </a:ext>
+            </a:extLst>
+          </p:cNvPr>
+          <p:cNvSpPr/>
+          <p:nvPr/>
+        </p:nvSpPr>
+        <p:spPr>
+          <a:xfrm>
+            <a:off x="18553049" y="2259627"/>
+            <a:ext cx="629783" cy="665465"/>
+          </a:xfrm>
+          <a:prstGeom prst="mathPlus">
+            <a:avLst>
+              <a:gd name="adj1" fmla="val 12933"/>
+            </a:avLst>
+          </a:prstGeom>
+          <a:noFill/>
+        </p:spPr>
+        <p:style>
+          <a:lnRef idx="2">
+            <a:schemeClr val="accent1">
+              <a:shade val="15000"/>
+            </a:schemeClr>
+          </a:lnRef>
+          <a:fillRef idx="1">
+            <a:schemeClr val="accent1"/>
+          </a:fillRef>
+          <a:effectRef idx="0">
+            <a:schemeClr val="accent1"/>
+          </a:effectRef>
+          <a:fontRef idx="minor">
+            <a:schemeClr val="lt1"/>
+          </a:fontRef>
+        </p:style>
+        <p:txBody>
+          <a:bodyPr rtlCol="0" anchor="ctr"/>
+          <a:lstStyle/>
+          <a:p>
+            <a:pPr algn="ctr"/>
+            <a:endParaRPr lang="zh-CN" altLang="en-US"/>
+          </a:p>
+        </p:txBody>
+      </p:sp>
+      <p:sp>
+        <p:nvSpPr>
+          <p:cNvPr id="64" name="椭圆 63">
+            <a:extLst>
+              <a:ext uri="{FF2B5EF4-FFF2-40B4-BE49-F238E27FC236}">
+                <a16:creationId xmlns:a16="http://schemas.microsoft.com/office/drawing/2014/main" id="{0DAD7750-6F96-3392-D89F-3DD3E510F064}"/>
+              </a:ext>
+            </a:extLst>
+          </p:cNvPr>
+          <p:cNvSpPr/>
+          <p:nvPr/>
+        </p:nvSpPr>
+        <p:spPr>
+          <a:xfrm>
+            <a:off x="18526890" y="2271264"/>
+            <a:ext cx="666000" cy="666000"/>
+          </a:xfrm>
+          <a:prstGeom prst="ellipse">
+            <a:avLst/>
+          </a:prstGeom>
+          <a:noFill/>
+        </p:spPr>
+        <p:style>
+          <a:lnRef idx="2">
+            <a:schemeClr val="accent1">
+              <a:shade val="15000"/>
+            </a:schemeClr>
+          </a:lnRef>
+          <a:fillRef idx="1">
+            <a:schemeClr val="accent1"/>
+          </a:fillRef>
+          <a:effectRef idx="0">
+            <a:schemeClr val="accent1"/>
+          </a:effectRef>
+          <a:fontRef idx="minor">
+            <a:schemeClr val="lt1"/>
+          </a:fontRef>
+        </p:style>
+        <p:txBody>
+          <a:bodyPr rtlCol="0" anchor="ctr"/>
+          <a:lstStyle/>
+          <a:p>
+            <a:pPr algn="ctr"/>
+            <a:endParaRPr lang="zh-CN" altLang="en-US"/>
+          </a:p>
+        </p:txBody>
+      </p:sp>
+      <p:cxnSp>
+        <p:nvCxnSpPr>
+          <p:cNvPr id="71" name="直接箭头连接符 70">
+            <a:extLst>
+              <a:ext uri="{FF2B5EF4-FFF2-40B4-BE49-F238E27FC236}">
+                <a16:creationId xmlns:a16="http://schemas.microsoft.com/office/drawing/2014/main" id="{9DF94D11-1B3E-FD2A-25FB-FF5AD502970F}"/>
+              </a:ext>
+            </a:extLst>
+          </p:cNvPr>
+          <p:cNvCxnSpPr>
+            <a:cxnSpLocks/>
+          </p:cNvCxnSpPr>
+          <p:nvPr/>
+        </p:nvCxnSpPr>
+        <p:spPr>
+          <a:xfrm>
+            <a:off x="19153625" y="2610354"/>
+            <a:ext cx="966059" cy="23274"/>
+          </a:xfrm>
+          <a:prstGeom prst="straightConnector1">
+            <a:avLst/>
+          </a:prstGeom>
+          <a:ln w="12700">
+            <a:tailEnd type="triangle"/>
+          </a:ln>
+        </p:spPr>
+        <p:style>
+          <a:lnRef idx="2">
+            <a:schemeClr val="accent1"/>
+          </a:lnRef>
+          <a:fillRef idx="0">
+            <a:schemeClr val="accent1"/>
+          </a:fillRef>
+          <a:effectRef idx="1">
+            <a:schemeClr val="accent1"/>
+          </a:effectRef>
+          <a:fontRef idx="minor">
+            <a:schemeClr val="tx1"/>
+          </a:fontRef>
+        </p:style>
+      </p:cxnSp>
     </p:spTree>
     <p:extLst>
       <p:ext uri="{BB962C8B-B14F-4D97-AF65-F5344CB8AC3E}">

--- a/images/posts/2025-03-02-blog-post/新建 Microsoft PowerPoint 演示文稿.pptx
+++ b/images/posts/2025-03-02-blog-post/新建 Microsoft PowerPoint 演示文稿.pptx
@@ -5,11 +5,12 @@
     <p:sldMasterId id="2147483684" r:id="rId1"/>
   </p:sldMasterIdLst>
   <p:notesMasterIdLst>
-    <p:notesMasterId r:id="rId4"/>
+    <p:notesMasterId r:id="rId5"/>
   </p:notesMasterIdLst>
   <p:sldIdLst>
     <p:sldId id="256" r:id="rId2"/>
     <p:sldId id="294" r:id="rId3"/>
+    <p:sldId id="295" r:id="rId4"/>
   </p:sldIdLst>
   <p:sldSz cx="21599525" cy="8999538"/>
   <p:notesSz cx="6858000" cy="9144000"/>
@@ -198,7 +199,7 @@
           <a:p>
             <a:fld id="{06A7EE91-92E7-4CCB-9ABC-2651A01142F8}" type="datetimeFigureOut">
               <a:rPr lang="zh-CN" altLang="en-US" smtClean="0"/>
-              <a:t>2025/9/6</a:t>
+              <a:t>2025/9/7</a:t>
             </a:fld>
             <a:endParaRPr lang="zh-CN" altLang="en-US"/>
           </a:p>
@@ -685,7 +686,7 @@
           <a:p>
             <a:fld id="{47A39752-AE50-4AEA-9C8D-075E0077A86E}" type="datetimeFigureOut">
               <a:rPr lang="zh-CN" altLang="en-US" smtClean="0"/>
-              <a:t>2025/9/6</a:t>
+              <a:t>2025/9/7</a:t>
             </a:fld>
             <a:endParaRPr lang="zh-CN" altLang="en-US"/>
           </a:p>
@@ -855,7 +856,7 @@
           <a:p>
             <a:fld id="{47A39752-AE50-4AEA-9C8D-075E0077A86E}" type="datetimeFigureOut">
               <a:rPr lang="zh-CN" altLang="en-US" smtClean="0"/>
-              <a:t>2025/9/6</a:t>
+              <a:t>2025/9/7</a:t>
             </a:fld>
             <a:endParaRPr lang="zh-CN" altLang="en-US"/>
           </a:p>
@@ -1035,7 +1036,7 @@
           <a:p>
             <a:fld id="{47A39752-AE50-4AEA-9C8D-075E0077A86E}" type="datetimeFigureOut">
               <a:rPr lang="zh-CN" altLang="en-US" smtClean="0"/>
-              <a:t>2025/9/6</a:t>
+              <a:t>2025/9/7</a:t>
             </a:fld>
             <a:endParaRPr lang="zh-CN" altLang="en-US"/>
           </a:p>
@@ -1205,7 +1206,7 @@
           <a:p>
             <a:fld id="{47A39752-AE50-4AEA-9C8D-075E0077A86E}" type="datetimeFigureOut">
               <a:rPr lang="zh-CN" altLang="en-US" smtClean="0"/>
-              <a:t>2025/9/6</a:t>
+              <a:t>2025/9/7</a:t>
             </a:fld>
             <a:endParaRPr lang="zh-CN" altLang="en-US"/>
           </a:p>
@@ -1451,7 +1452,7 @@
           <a:p>
             <a:fld id="{47A39752-AE50-4AEA-9C8D-075E0077A86E}" type="datetimeFigureOut">
               <a:rPr lang="zh-CN" altLang="en-US" smtClean="0"/>
-              <a:t>2025/9/6</a:t>
+              <a:t>2025/9/7</a:t>
             </a:fld>
             <a:endParaRPr lang="zh-CN" altLang="en-US"/>
           </a:p>
@@ -1683,7 +1684,7 @@
           <a:p>
             <a:fld id="{47A39752-AE50-4AEA-9C8D-075E0077A86E}" type="datetimeFigureOut">
               <a:rPr lang="zh-CN" altLang="en-US" smtClean="0"/>
-              <a:t>2025/9/6</a:t>
+              <a:t>2025/9/7</a:t>
             </a:fld>
             <a:endParaRPr lang="zh-CN" altLang="en-US"/>
           </a:p>
@@ -2050,7 +2051,7 @@
           <a:p>
             <a:fld id="{47A39752-AE50-4AEA-9C8D-075E0077A86E}" type="datetimeFigureOut">
               <a:rPr lang="zh-CN" altLang="en-US" smtClean="0"/>
-              <a:t>2025/9/6</a:t>
+              <a:t>2025/9/7</a:t>
             </a:fld>
             <a:endParaRPr lang="zh-CN" altLang="en-US"/>
           </a:p>
@@ -2168,7 +2169,7 @@
           <a:p>
             <a:fld id="{47A39752-AE50-4AEA-9C8D-075E0077A86E}" type="datetimeFigureOut">
               <a:rPr lang="zh-CN" altLang="en-US" smtClean="0"/>
-              <a:t>2025/9/6</a:t>
+              <a:t>2025/9/7</a:t>
             </a:fld>
             <a:endParaRPr lang="zh-CN" altLang="en-US"/>
           </a:p>
@@ -2263,7 +2264,7 @@
           <a:p>
             <a:fld id="{47A39752-AE50-4AEA-9C8D-075E0077A86E}" type="datetimeFigureOut">
               <a:rPr lang="zh-CN" altLang="en-US" smtClean="0"/>
-              <a:t>2025/9/6</a:t>
+              <a:t>2025/9/7</a:t>
             </a:fld>
             <a:endParaRPr lang="zh-CN" altLang="en-US"/>
           </a:p>
@@ -2540,7 +2541,7 @@
           <a:p>
             <a:fld id="{47A39752-AE50-4AEA-9C8D-075E0077A86E}" type="datetimeFigureOut">
               <a:rPr lang="zh-CN" altLang="en-US" smtClean="0"/>
-              <a:t>2025/9/6</a:t>
+              <a:t>2025/9/7</a:t>
             </a:fld>
             <a:endParaRPr lang="zh-CN" altLang="en-US"/>
           </a:p>
@@ -2797,7 +2798,7 @@
           <a:p>
             <a:fld id="{47A39752-AE50-4AEA-9C8D-075E0077A86E}" type="datetimeFigureOut">
               <a:rPr lang="zh-CN" altLang="en-US" smtClean="0"/>
-              <a:t>2025/9/6</a:t>
+              <a:t>2025/9/7</a:t>
             </a:fld>
             <a:endParaRPr lang="zh-CN" altLang="en-US"/>
           </a:p>
@@ -3010,7 +3011,7 @@
           <a:p>
             <a:fld id="{47A39752-AE50-4AEA-9C8D-075E0077A86E}" type="datetimeFigureOut">
               <a:rPr lang="zh-CN" altLang="en-US" smtClean="0"/>
-              <a:t>2025/9/6</a:t>
+              <a:t>2025/9/7</a:t>
             </a:fld>
             <a:endParaRPr lang="zh-CN" altLang="en-US"/>
           </a:p>
@@ -4761,8 +4762,8 @@
           </a:fontRef>
         </p:style>
       </p:cxnSp>
-      <mc:AlternateContent xmlns:mc="http://schemas.openxmlformats.org/markup-compatibility/2006">
-        <mc:Choice xmlns:a14="http://schemas.microsoft.com/office/drawing/2010/main" Requires="a14">
+      <mc:AlternateContent xmlns:mc="http://schemas.openxmlformats.org/markup-compatibility/2006" xmlns:a14="http://schemas.microsoft.com/office/drawing/2010/main">
+        <mc:Choice Requires="a14">
           <p:sp>
             <p:nvSpPr>
               <p:cNvPr id="42" name="文本框 41">
@@ -4791,6 +4792,7 @@
               </a:bodyPr>
               <a:lstStyle/>
               <a:p>
+                <a:pPr/>
                 <a14:m>
                   <m:oMathPara xmlns:m="http://schemas.openxmlformats.org/officeDocument/2006/math">
                     <m:oMathParaPr>
@@ -4811,7 +4813,7 @@
             </p:txBody>
           </p:sp>
         </mc:Choice>
-        <mc:Fallback>
+        <mc:Fallback xmlns="">
           <p:sp>
             <p:nvSpPr>
               <p:cNvPr id="42" name="文本框 41">
@@ -4980,8 +4982,8 @@
           </a:fontRef>
         </p:style>
       </p:cxnSp>
-      <mc:AlternateContent xmlns:mc="http://schemas.openxmlformats.org/markup-compatibility/2006">
-        <mc:Choice xmlns:a14="http://schemas.microsoft.com/office/drawing/2010/main" Requires="a14">
+      <mc:AlternateContent xmlns:mc="http://schemas.openxmlformats.org/markup-compatibility/2006" xmlns:a14="http://schemas.microsoft.com/office/drawing/2010/main">
+        <mc:Choice Requires="a14">
           <p:sp>
             <p:nvSpPr>
               <p:cNvPr id="48" name="文本框 47">
@@ -5010,6 +5012,7 @@
               </a:bodyPr>
               <a:lstStyle/>
               <a:p>
+                <a:pPr/>
                 <a14:m>
                   <m:oMathPara xmlns:m="http://schemas.openxmlformats.org/officeDocument/2006/math">
                     <m:oMathParaPr>
@@ -5049,7 +5052,7 @@
             </p:txBody>
           </p:sp>
         </mc:Choice>
-        <mc:Fallback>
+        <mc:Fallback xmlns="">
           <p:sp>
             <p:nvSpPr>
               <p:cNvPr id="48" name="文本框 47">
@@ -10389,6 +10392,3863 @@
     <p:extLst>
       <p:ext uri="{BB962C8B-B14F-4D97-AF65-F5344CB8AC3E}">
         <p14:creationId xmlns:p14="http://schemas.microsoft.com/office/powerpoint/2010/main" val="3810381319"/>
+      </p:ext>
+    </p:extLst>
+  </p:cSld>
+  <p:clrMapOvr>
+    <a:masterClrMapping/>
+  </p:clrMapOvr>
+</p:sld>
+</file>
+
+<file path=ppt/slides/slide3.xml><?xml version="1.0" encoding="utf-8"?>
+<p:sld xmlns:a="http://schemas.openxmlformats.org/drawingml/2006/main" xmlns:r="http://schemas.openxmlformats.org/officeDocument/2006/relationships" xmlns:p="http://schemas.openxmlformats.org/presentationml/2006/main">
+  <p:cSld>
+    <p:spTree>
+      <p:nvGrpSpPr>
+        <p:cNvPr id="1" name="">
+          <a:extLst>
+            <a:ext uri="{FF2B5EF4-FFF2-40B4-BE49-F238E27FC236}">
+              <a16:creationId xmlns:a16="http://schemas.microsoft.com/office/drawing/2014/main" id="{6F25A68B-ECE0-FB55-B72D-F9A0867A9271}"/>
+            </a:ext>
+          </a:extLst>
+        </p:cNvPr>
+        <p:cNvGrpSpPr/>
+        <p:nvPr/>
+      </p:nvGrpSpPr>
+      <p:grpSpPr>
+        <a:xfrm>
+          <a:off x="0" y="0"/>
+          <a:ext cx="0" cy="0"/>
+          <a:chOff x="0" y="0"/>
+          <a:chExt cx="0" cy="0"/>
+        </a:xfrm>
+      </p:grpSpPr>
+      <p:sp>
+        <p:nvSpPr>
+          <p:cNvPr id="2" name="矩形: 圆角 1">
+            <a:extLst>
+              <a:ext uri="{FF2B5EF4-FFF2-40B4-BE49-F238E27FC236}">
+                <a16:creationId xmlns:a16="http://schemas.microsoft.com/office/drawing/2014/main" id="{711F834E-9AE1-6C9B-AEF3-376C76E84C8B}"/>
+              </a:ext>
+            </a:extLst>
+          </p:cNvPr>
+          <p:cNvSpPr/>
+          <p:nvPr/>
+        </p:nvSpPr>
+        <p:spPr>
+          <a:xfrm>
+            <a:off x="2798820" y="2272022"/>
+            <a:ext cx="583815" cy="665467"/>
+          </a:xfrm>
+          <a:prstGeom prst="roundRect">
+            <a:avLst>
+              <a:gd name="adj" fmla="val 0"/>
+            </a:avLst>
+          </a:prstGeom>
+          <a:noFill/>
+          <a:ln>
+            <a:solidFill>
+              <a:schemeClr val="tx1"/>
+            </a:solidFill>
+          </a:ln>
+        </p:spPr>
+        <p:style>
+          <a:lnRef idx="2">
+            <a:schemeClr val="accent1">
+              <a:shade val="15000"/>
+            </a:schemeClr>
+          </a:lnRef>
+          <a:fillRef idx="1">
+            <a:schemeClr val="accent1"/>
+          </a:fillRef>
+          <a:effectRef idx="0">
+            <a:schemeClr val="accent1"/>
+          </a:effectRef>
+          <a:fontRef idx="minor">
+            <a:schemeClr val="lt1"/>
+          </a:fontRef>
+        </p:style>
+        <p:txBody>
+          <a:bodyPr rtlCol="0" anchor="ctr"/>
+          <a:lstStyle/>
+          <a:p>
+            <a:pPr algn="ctr"/>
+            <a:endParaRPr lang="zh-CN" altLang="en-US" sz="3189"/>
+          </a:p>
+        </p:txBody>
+      </p:sp>
+      <p:sp>
+        <p:nvSpPr>
+          <p:cNvPr id="3" name="文本框 2">
+            <a:extLst>
+              <a:ext uri="{FF2B5EF4-FFF2-40B4-BE49-F238E27FC236}">
+                <a16:creationId xmlns:a16="http://schemas.microsoft.com/office/drawing/2014/main" id="{20BF1AEB-BD9E-307C-0830-6CF94B849F63}"/>
+              </a:ext>
+            </a:extLst>
+          </p:cNvPr>
+          <p:cNvSpPr txBox="1"/>
+          <p:nvPr/>
+        </p:nvSpPr>
+        <p:spPr>
+          <a:xfrm>
+            <a:off x="2788762" y="2404700"/>
+            <a:ext cx="543739" cy="369332"/>
+          </a:xfrm>
+          <a:prstGeom prst="rect">
+            <a:avLst/>
+          </a:prstGeom>
+          <a:noFill/>
+        </p:spPr>
+        <p:txBody>
+          <a:bodyPr wrap="none" rtlCol="0">
+            <a:spAutoFit/>
+          </a:bodyPr>
+          <a:lstStyle/>
+          <a:p>
+            <a:r>
+              <a:rPr lang="en-US" altLang="zh-CN" dirty="0">
+                <a:latin typeface="微软雅黑" panose="020B0503020204020204" pitchFamily="34" charset="-122"/>
+                <a:ea typeface="微软雅黑" panose="020B0503020204020204" pitchFamily="34" charset="-122"/>
+              </a:rPr>
+              <a:t>GN</a:t>
+            </a:r>
+            <a:endParaRPr lang="zh-CN" altLang="en-US" sz="2000" dirty="0">
+              <a:latin typeface="微软雅黑" panose="020B0503020204020204" pitchFamily="34" charset="-122"/>
+              <a:ea typeface="微软雅黑" panose="020B0503020204020204" pitchFamily="34" charset="-122"/>
+            </a:endParaRPr>
+          </a:p>
+        </p:txBody>
+      </p:sp>
+      <p:sp>
+        <p:nvSpPr>
+          <p:cNvPr id="4" name="矩形: 圆角 3">
+            <a:extLst>
+              <a:ext uri="{FF2B5EF4-FFF2-40B4-BE49-F238E27FC236}">
+                <a16:creationId xmlns:a16="http://schemas.microsoft.com/office/drawing/2014/main" id="{F0020FA3-9D20-DA57-D589-0F1B2067B96B}"/>
+              </a:ext>
+            </a:extLst>
+          </p:cNvPr>
+          <p:cNvSpPr/>
+          <p:nvPr/>
+        </p:nvSpPr>
+        <p:spPr>
+          <a:xfrm>
+            <a:off x="7722073" y="2272022"/>
+            <a:ext cx="535206" cy="665467"/>
+          </a:xfrm>
+          <a:prstGeom prst="roundRect">
+            <a:avLst>
+              <a:gd name="adj" fmla="val 0"/>
+            </a:avLst>
+          </a:prstGeom>
+          <a:noFill/>
+          <a:ln>
+            <a:solidFill>
+              <a:schemeClr val="tx1"/>
+            </a:solidFill>
+          </a:ln>
+        </p:spPr>
+        <p:style>
+          <a:lnRef idx="2">
+            <a:schemeClr val="accent1">
+              <a:shade val="15000"/>
+            </a:schemeClr>
+          </a:lnRef>
+          <a:fillRef idx="1">
+            <a:schemeClr val="accent1"/>
+          </a:fillRef>
+          <a:effectRef idx="0">
+            <a:schemeClr val="accent1"/>
+          </a:effectRef>
+          <a:fontRef idx="minor">
+            <a:schemeClr val="lt1"/>
+          </a:fontRef>
+        </p:style>
+        <p:txBody>
+          <a:bodyPr rtlCol="0" anchor="ctr"/>
+          <a:lstStyle/>
+          <a:p>
+            <a:pPr algn="ctr"/>
+            <a:endParaRPr lang="zh-CN" altLang="en-US" sz="3189"/>
+          </a:p>
+        </p:txBody>
+      </p:sp>
+      <p:sp>
+        <p:nvSpPr>
+          <p:cNvPr id="5" name="文本框 4">
+            <a:extLst>
+              <a:ext uri="{FF2B5EF4-FFF2-40B4-BE49-F238E27FC236}">
+                <a16:creationId xmlns:a16="http://schemas.microsoft.com/office/drawing/2014/main" id="{DCA0BCCE-27F7-8235-12D5-004174B721D4}"/>
+              </a:ext>
+            </a:extLst>
+          </p:cNvPr>
+          <p:cNvSpPr txBox="1"/>
+          <p:nvPr/>
+        </p:nvSpPr>
+        <p:spPr>
+          <a:xfrm>
+            <a:off x="7691045" y="2404700"/>
+            <a:ext cx="548548" cy="369332"/>
+          </a:xfrm>
+          <a:prstGeom prst="rect">
+            <a:avLst/>
+          </a:prstGeom>
+          <a:noFill/>
+        </p:spPr>
+        <p:txBody>
+          <a:bodyPr wrap="none" rtlCol="0">
+            <a:spAutoFit/>
+          </a:bodyPr>
+          <a:lstStyle/>
+          <a:p>
+            <a:r>
+              <a:rPr lang="en-US" altLang="zh-CN" dirty="0">
+                <a:latin typeface="微软雅黑" panose="020B0503020204020204" pitchFamily="34" charset="-122"/>
+                <a:ea typeface="微软雅黑" panose="020B0503020204020204" pitchFamily="34" charset="-122"/>
+              </a:rPr>
+              <a:t>Act</a:t>
+            </a:r>
+            <a:endParaRPr lang="zh-CN" altLang="en-US" sz="2000" dirty="0">
+              <a:latin typeface="微软雅黑" panose="020B0503020204020204" pitchFamily="34" charset="-122"/>
+              <a:ea typeface="微软雅黑" panose="020B0503020204020204" pitchFamily="34" charset="-122"/>
+            </a:endParaRPr>
+          </a:p>
+        </p:txBody>
+      </p:sp>
+      <p:sp>
+        <p:nvSpPr>
+          <p:cNvPr id="6" name="矩形: 圆角 5">
+            <a:extLst>
+              <a:ext uri="{FF2B5EF4-FFF2-40B4-BE49-F238E27FC236}">
+                <a16:creationId xmlns:a16="http://schemas.microsoft.com/office/drawing/2014/main" id="{4B4DC1E5-8FBF-A066-EC58-DC0021EFBAAD}"/>
+              </a:ext>
+            </a:extLst>
+          </p:cNvPr>
+          <p:cNvSpPr/>
+          <p:nvPr/>
+        </p:nvSpPr>
+        <p:spPr>
+          <a:xfrm>
+            <a:off x="8721290" y="2272022"/>
+            <a:ext cx="1007748" cy="665467"/>
+          </a:xfrm>
+          <a:prstGeom prst="roundRect">
+            <a:avLst>
+              <a:gd name="adj" fmla="val 0"/>
+            </a:avLst>
+          </a:prstGeom>
+          <a:noFill/>
+          <a:ln>
+            <a:solidFill>
+              <a:schemeClr val="tx1"/>
+            </a:solidFill>
+          </a:ln>
+        </p:spPr>
+        <p:style>
+          <a:lnRef idx="2">
+            <a:schemeClr val="accent1">
+              <a:shade val="15000"/>
+            </a:schemeClr>
+          </a:lnRef>
+          <a:fillRef idx="1">
+            <a:schemeClr val="accent1"/>
+          </a:fillRef>
+          <a:effectRef idx="0">
+            <a:schemeClr val="accent1"/>
+          </a:effectRef>
+          <a:fontRef idx="minor">
+            <a:schemeClr val="lt1"/>
+          </a:fontRef>
+        </p:style>
+        <p:txBody>
+          <a:bodyPr rtlCol="0" anchor="ctr"/>
+          <a:lstStyle/>
+          <a:p>
+            <a:pPr algn="ctr"/>
+            <a:endParaRPr lang="zh-CN" altLang="en-US" sz="3189"/>
+          </a:p>
+        </p:txBody>
+      </p:sp>
+      <p:sp>
+        <p:nvSpPr>
+          <p:cNvPr id="7" name="文本框 6">
+            <a:extLst>
+              <a:ext uri="{FF2B5EF4-FFF2-40B4-BE49-F238E27FC236}">
+                <a16:creationId xmlns:a16="http://schemas.microsoft.com/office/drawing/2014/main" id="{344DB8E4-B5EA-C95A-6EE5-301A539217C0}"/>
+              </a:ext>
+            </a:extLst>
+          </p:cNvPr>
+          <p:cNvSpPr txBox="1"/>
+          <p:nvPr/>
+        </p:nvSpPr>
+        <p:spPr>
+          <a:xfrm>
+            <a:off x="8747449" y="2404700"/>
+            <a:ext cx="1032655" cy="369332"/>
+          </a:xfrm>
+          <a:prstGeom prst="rect">
+            <a:avLst/>
+          </a:prstGeom>
+          <a:noFill/>
+        </p:spPr>
+        <p:txBody>
+          <a:bodyPr wrap="none" rtlCol="0">
+            <a:spAutoFit/>
+          </a:bodyPr>
+          <a:lstStyle/>
+          <a:p>
+            <a:r>
+              <a:rPr lang="en-US" altLang="zh-CN" dirty="0">
+                <a:latin typeface="微软雅黑" panose="020B0503020204020204" pitchFamily="34" charset="-122"/>
+                <a:ea typeface="微软雅黑" panose="020B0503020204020204" pitchFamily="34" charset="-122"/>
+              </a:rPr>
+              <a:t>Conv2d</a:t>
+            </a:r>
+            <a:endParaRPr lang="zh-CN" altLang="en-US" dirty="0">
+              <a:latin typeface="微软雅黑" panose="020B0503020204020204" pitchFamily="34" charset="-122"/>
+              <a:ea typeface="微软雅黑" panose="020B0503020204020204" pitchFamily="34" charset="-122"/>
+            </a:endParaRPr>
+          </a:p>
+        </p:txBody>
+      </p:sp>
+      <p:sp>
+        <p:nvSpPr>
+          <p:cNvPr id="16" name="文本框 15">
+            <a:extLst>
+              <a:ext uri="{FF2B5EF4-FFF2-40B4-BE49-F238E27FC236}">
+                <a16:creationId xmlns:a16="http://schemas.microsoft.com/office/drawing/2014/main" id="{0A2BE638-14F9-7E55-3F34-5ABFBB4205F9}"/>
+              </a:ext>
+            </a:extLst>
+          </p:cNvPr>
+          <p:cNvSpPr txBox="1"/>
+          <p:nvPr/>
+        </p:nvSpPr>
+        <p:spPr>
+          <a:xfrm>
+            <a:off x="2761797" y="6424518"/>
+            <a:ext cx="2306356" cy="584775"/>
+          </a:xfrm>
+          <a:prstGeom prst="rect">
+            <a:avLst/>
+          </a:prstGeom>
+          <a:noFill/>
+        </p:spPr>
+        <p:txBody>
+          <a:bodyPr wrap="square">
+            <a:spAutoFit/>
+          </a:bodyPr>
+          <a:lstStyle/>
+          <a:p>
+            <a:pPr algn="ctr"/>
+            <a:r>
+              <a:rPr lang="en-US" altLang="zh-CN" sz="1600" dirty="0">
+                <a:latin typeface="微软雅黑" panose="020B0503020204020204" pitchFamily="34" charset="-122"/>
+                <a:ea typeface="微软雅黑" panose="020B0503020204020204" pitchFamily="34" charset="-122"/>
+              </a:rPr>
+              <a:t>Time</a:t>
+            </a:r>
+          </a:p>
+          <a:p>
+            <a:pPr algn="ctr"/>
+            <a:r>
+              <a:rPr lang="en-US" altLang="zh-CN" sz="1600" dirty="0">
+                <a:latin typeface="微软雅黑" panose="020B0503020204020204" pitchFamily="34" charset="-122"/>
+                <a:ea typeface="微软雅黑" panose="020B0503020204020204" pitchFamily="34" charset="-122"/>
+              </a:rPr>
+              <a:t>E</a:t>
+            </a:r>
+            <a:r>
+              <a:rPr lang="zh-CN" altLang="en-US" sz="1600" dirty="0">
+                <a:latin typeface="微软雅黑" panose="020B0503020204020204" pitchFamily="34" charset="-122"/>
+                <a:ea typeface="微软雅黑" panose="020B0503020204020204" pitchFamily="34" charset="-122"/>
+              </a:rPr>
+              <a:t>mbedding</a:t>
+            </a:r>
+          </a:p>
+        </p:txBody>
+      </p:sp>
+      <p:sp>
+        <p:nvSpPr>
+          <p:cNvPr id="17" name="矩形: 圆角 16">
+            <a:extLst>
+              <a:ext uri="{FF2B5EF4-FFF2-40B4-BE49-F238E27FC236}">
+                <a16:creationId xmlns:a16="http://schemas.microsoft.com/office/drawing/2014/main" id="{51020959-4812-42E6-09EA-BB3703717343}"/>
+              </a:ext>
+            </a:extLst>
+          </p:cNvPr>
+          <p:cNvSpPr/>
+          <p:nvPr/>
+        </p:nvSpPr>
+        <p:spPr>
+          <a:xfrm>
+            <a:off x="3225778" y="6320114"/>
+            <a:ext cx="1379482" cy="793585"/>
+          </a:xfrm>
+          <a:prstGeom prst="roundRect">
+            <a:avLst>
+              <a:gd name="adj" fmla="val 0"/>
+            </a:avLst>
+          </a:prstGeom>
+          <a:noFill/>
+          <a:ln>
+            <a:solidFill>
+              <a:schemeClr val="tx1"/>
+            </a:solidFill>
+          </a:ln>
+        </p:spPr>
+        <p:style>
+          <a:lnRef idx="2">
+            <a:schemeClr val="accent1">
+              <a:shade val="15000"/>
+            </a:schemeClr>
+          </a:lnRef>
+          <a:fillRef idx="1">
+            <a:schemeClr val="accent1"/>
+          </a:fillRef>
+          <a:effectRef idx="0">
+            <a:schemeClr val="accent1"/>
+          </a:effectRef>
+          <a:fontRef idx="minor">
+            <a:schemeClr val="lt1"/>
+          </a:fontRef>
+        </p:style>
+        <p:txBody>
+          <a:bodyPr rtlCol="0" anchor="ctr"/>
+          <a:lstStyle/>
+          <a:p>
+            <a:pPr algn="ctr"/>
+            <a:endParaRPr lang="zh-CN" altLang="en-US" sz="3189"/>
+          </a:p>
+        </p:txBody>
+      </p:sp>
+      <p:sp>
+        <p:nvSpPr>
+          <p:cNvPr id="18" name="文本框 17">
+            <a:extLst>
+              <a:ext uri="{FF2B5EF4-FFF2-40B4-BE49-F238E27FC236}">
+                <a16:creationId xmlns:a16="http://schemas.microsoft.com/office/drawing/2014/main" id="{2DC73A96-0178-2D16-8E78-9473D4EB3F8C}"/>
+              </a:ext>
+            </a:extLst>
+          </p:cNvPr>
+          <p:cNvSpPr txBox="1"/>
+          <p:nvPr/>
+        </p:nvSpPr>
+        <p:spPr>
+          <a:xfrm>
+            <a:off x="4339764" y="4563101"/>
+            <a:ext cx="847174" cy="338554"/>
+          </a:xfrm>
+          <a:prstGeom prst="rect">
+            <a:avLst/>
+          </a:prstGeom>
+          <a:noFill/>
+        </p:spPr>
+        <p:txBody>
+          <a:bodyPr wrap="square">
+            <a:spAutoFit/>
+          </a:bodyPr>
+          <a:lstStyle/>
+          <a:p>
+            <a:r>
+              <a:rPr lang="en-US" altLang="zh-CN" sz="1600" dirty="0">
+                <a:latin typeface="微软雅黑" panose="020B0503020204020204" pitchFamily="34" charset="-122"/>
+                <a:ea typeface="微软雅黑" panose="020B0503020204020204" pitchFamily="34" charset="-122"/>
+              </a:rPr>
+              <a:t>MLP</a:t>
+            </a:r>
+            <a:endParaRPr lang="zh-CN" altLang="en-US" sz="2000" dirty="0">
+              <a:latin typeface="微软雅黑" panose="020B0503020204020204" pitchFamily="34" charset="-122"/>
+              <a:ea typeface="微软雅黑" panose="020B0503020204020204" pitchFamily="34" charset="-122"/>
+            </a:endParaRPr>
+          </a:p>
+        </p:txBody>
+      </p:sp>
+      <p:sp>
+        <p:nvSpPr>
+          <p:cNvPr id="19" name="矩形: 圆角 18">
+            <a:extLst>
+              <a:ext uri="{FF2B5EF4-FFF2-40B4-BE49-F238E27FC236}">
+                <a16:creationId xmlns:a16="http://schemas.microsoft.com/office/drawing/2014/main" id="{AFC4841C-11C1-4BC7-5003-DA069D792D3F}"/>
+              </a:ext>
+            </a:extLst>
+          </p:cNvPr>
+          <p:cNvSpPr/>
+          <p:nvPr/>
+        </p:nvSpPr>
+        <p:spPr>
+          <a:xfrm>
+            <a:off x="3883768" y="4438911"/>
+            <a:ext cx="1594725" cy="571508"/>
+          </a:xfrm>
+          <a:prstGeom prst="roundRect">
+            <a:avLst>
+              <a:gd name="adj" fmla="val 0"/>
+            </a:avLst>
+          </a:prstGeom>
+          <a:noFill/>
+          <a:ln>
+            <a:solidFill>
+              <a:schemeClr val="tx1"/>
+            </a:solidFill>
+          </a:ln>
+        </p:spPr>
+        <p:style>
+          <a:lnRef idx="2">
+            <a:schemeClr val="accent1">
+              <a:shade val="15000"/>
+            </a:schemeClr>
+          </a:lnRef>
+          <a:fillRef idx="1">
+            <a:schemeClr val="accent1"/>
+          </a:fillRef>
+          <a:effectRef idx="0">
+            <a:schemeClr val="accent1"/>
+          </a:effectRef>
+          <a:fontRef idx="minor">
+            <a:schemeClr val="lt1"/>
+          </a:fontRef>
+        </p:style>
+        <p:txBody>
+          <a:bodyPr rtlCol="0" anchor="ctr"/>
+          <a:lstStyle/>
+          <a:p>
+            <a:pPr algn="ctr"/>
+            <a:endParaRPr lang="zh-CN" altLang="en-US" sz="3189"/>
+          </a:p>
+        </p:txBody>
+      </p:sp>
+      <p:sp>
+        <p:nvSpPr>
+          <p:cNvPr id="20" name="矩形: 圆角 19">
+            <a:extLst>
+              <a:ext uri="{FF2B5EF4-FFF2-40B4-BE49-F238E27FC236}">
+                <a16:creationId xmlns:a16="http://schemas.microsoft.com/office/drawing/2014/main" id="{A7E111C4-566E-319B-5509-E1045C3DC1F8}"/>
+              </a:ext>
+            </a:extLst>
+          </p:cNvPr>
+          <p:cNvSpPr/>
+          <p:nvPr/>
+        </p:nvSpPr>
+        <p:spPr>
+          <a:xfrm>
+            <a:off x="2529878" y="2033748"/>
+            <a:ext cx="7382472" cy="1095469"/>
+          </a:xfrm>
+          <a:prstGeom prst="roundRect">
+            <a:avLst>
+              <a:gd name="adj" fmla="val 0"/>
+            </a:avLst>
+          </a:prstGeom>
+          <a:noFill/>
+          <a:ln>
+            <a:prstDash val="dash"/>
+          </a:ln>
+        </p:spPr>
+        <p:style>
+          <a:lnRef idx="2">
+            <a:schemeClr val="accent1">
+              <a:shade val="15000"/>
+            </a:schemeClr>
+          </a:lnRef>
+          <a:fillRef idx="1">
+            <a:schemeClr val="accent1"/>
+          </a:fillRef>
+          <a:effectRef idx="0">
+            <a:schemeClr val="accent1"/>
+          </a:effectRef>
+          <a:fontRef idx="minor">
+            <a:schemeClr val="lt1"/>
+          </a:fontRef>
+        </p:style>
+        <p:txBody>
+          <a:bodyPr rtlCol="0" anchor="ctr"/>
+          <a:lstStyle/>
+          <a:p>
+            <a:pPr algn="ctr"/>
+            <a:endParaRPr lang="zh-CN" altLang="en-US"/>
+          </a:p>
+        </p:txBody>
+      </p:sp>
+      <p:cxnSp>
+        <p:nvCxnSpPr>
+          <p:cNvPr id="21" name="直接箭头连接符 20">
+            <a:extLst>
+              <a:ext uri="{FF2B5EF4-FFF2-40B4-BE49-F238E27FC236}">
+                <a16:creationId xmlns:a16="http://schemas.microsoft.com/office/drawing/2014/main" id="{C871C2DA-5249-F125-544F-52F4BA653948}"/>
+              </a:ext>
+            </a:extLst>
+          </p:cNvPr>
+          <p:cNvCxnSpPr>
+            <a:cxnSpLocks/>
+            <a:stCxn id="2" idx="3"/>
+            <a:endCxn id="4" idx="1"/>
+          </p:cNvCxnSpPr>
+          <p:nvPr/>
+        </p:nvCxnSpPr>
+        <p:spPr>
+          <a:xfrm>
+            <a:off x="3382635" y="2604756"/>
+            <a:ext cx="4339438" cy="0"/>
+          </a:xfrm>
+          <a:prstGeom prst="straightConnector1">
+            <a:avLst/>
+          </a:prstGeom>
+          <a:ln w="12700">
+            <a:tailEnd type="triangle"/>
+          </a:ln>
+        </p:spPr>
+        <p:style>
+          <a:lnRef idx="2">
+            <a:schemeClr val="accent1"/>
+          </a:lnRef>
+          <a:fillRef idx="0">
+            <a:schemeClr val="accent1"/>
+          </a:fillRef>
+          <a:effectRef idx="1">
+            <a:schemeClr val="accent1"/>
+          </a:effectRef>
+          <a:fontRef idx="minor">
+            <a:schemeClr val="tx1"/>
+          </a:fontRef>
+        </p:style>
+      </p:cxnSp>
+      <p:cxnSp>
+        <p:nvCxnSpPr>
+          <p:cNvPr id="25" name="直接箭头连接符 24">
+            <a:extLst>
+              <a:ext uri="{FF2B5EF4-FFF2-40B4-BE49-F238E27FC236}">
+                <a16:creationId xmlns:a16="http://schemas.microsoft.com/office/drawing/2014/main" id="{CC452D90-2350-9F8A-331E-43C9D706CF63}"/>
+              </a:ext>
+            </a:extLst>
+          </p:cNvPr>
+          <p:cNvCxnSpPr>
+            <a:cxnSpLocks/>
+            <a:stCxn id="4" idx="3"/>
+            <a:endCxn id="6" idx="1"/>
+          </p:cNvCxnSpPr>
+          <p:nvPr/>
+        </p:nvCxnSpPr>
+        <p:spPr>
+          <a:xfrm>
+            <a:off x="8257279" y="2604756"/>
+            <a:ext cx="464011" cy="0"/>
+          </a:xfrm>
+          <a:prstGeom prst="straightConnector1">
+            <a:avLst/>
+          </a:prstGeom>
+          <a:ln w="12700">
+            <a:tailEnd type="triangle"/>
+          </a:ln>
+        </p:spPr>
+        <p:style>
+          <a:lnRef idx="2">
+            <a:schemeClr val="accent1"/>
+          </a:lnRef>
+          <a:fillRef idx="0">
+            <a:schemeClr val="accent1"/>
+          </a:fillRef>
+          <a:effectRef idx="1">
+            <a:schemeClr val="accent1"/>
+          </a:effectRef>
+          <a:fontRef idx="minor">
+            <a:schemeClr val="tx1"/>
+          </a:fontRef>
+        </p:style>
+      </p:cxnSp>
+      <p:cxnSp>
+        <p:nvCxnSpPr>
+          <p:cNvPr id="26" name="直接箭头连接符 25">
+            <a:extLst>
+              <a:ext uri="{FF2B5EF4-FFF2-40B4-BE49-F238E27FC236}">
+                <a16:creationId xmlns:a16="http://schemas.microsoft.com/office/drawing/2014/main" id="{CB88F853-33E6-94F5-49B4-8D7E7C104C26}"/>
+              </a:ext>
+            </a:extLst>
+          </p:cNvPr>
+          <p:cNvCxnSpPr>
+            <a:cxnSpLocks/>
+          </p:cNvCxnSpPr>
+          <p:nvPr/>
+        </p:nvCxnSpPr>
+        <p:spPr>
+          <a:xfrm>
+            <a:off x="1599172" y="2598672"/>
+            <a:ext cx="1199648" cy="6083"/>
+          </a:xfrm>
+          <a:prstGeom prst="straightConnector1">
+            <a:avLst/>
+          </a:prstGeom>
+          <a:ln w="12700">
+            <a:tailEnd type="triangle"/>
+          </a:ln>
+        </p:spPr>
+        <p:style>
+          <a:lnRef idx="2">
+            <a:schemeClr val="accent1"/>
+          </a:lnRef>
+          <a:fillRef idx="0">
+            <a:schemeClr val="accent1"/>
+          </a:fillRef>
+          <a:effectRef idx="1">
+            <a:schemeClr val="accent1"/>
+          </a:effectRef>
+          <a:fontRef idx="minor">
+            <a:schemeClr val="tx1"/>
+          </a:fontRef>
+        </p:style>
+      </p:cxnSp>
+      <p:cxnSp>
+        <p:nvCxnSpPr>
+          <p:cNvPr id="31" name="直接箭头连接符 30">
+            <a:extLst>
+              <a:ext uri="{FF2B5EF4-FFF2-40B4-BE49-F238E27FC236}">
+                <a16:creationId xmlns:a16="http://schemas.microsoft.com/office/drawing/2014/main" id="{01257737-A771-F35C-428F-93D2BE3A083F}"/>
+              </a:ext>
+            </a:extLst>
+          </p:cNvPr>
+          <p:cNvCxnSpPr>
+            <a:cxnSpLocks/>
+            <a:stCxn id="20" idx="3"/>
+            <a:endCxn id="110" idx="1"/>
+          </p:cNvCxnSpPr>
+          <p:nvPr/>
+        </p:nvCxnSpPr>
+        <p:spPr>
+          <a:xfrm>
+            <a:off x="9912350" y="2581483"/>
+            <a:ext cx="687780" cy="0"/>
+          </a:xfrm>
+          <a:prstGeom prst="straightConnector1">
+            <a:avLst/>
+          </a:prstGeom>
+          <a:ln w="12700">
+            <a:tailEnd type="triangle"/>
+          </a:ln>
+        </p:spPr>
+        <p:style>
+          <a:lnRef idx="2">
+            <a:schemeClr val="accent1"/>
+          </a:lnRef>
+          <a:fillRef idx="0">
+            <a:schemeClr val="accent1"/>
+          </a:fillRef>
+          <a:effectRef idx="1">
+            <a:schemeClr val="accent1"/>
+          </a:effectRef>
+          <a:fontRef idx="minor">
+            <a:schemeClr val="tx1"/>
+          </a:fontRef>
+        </p:style>
+      </p:cxnSp>
+      <p:cxnSp>
+        <p:nvCxnSpPr>
+          <p:cNvPr id="36" name="直接箭头连接符 35">
+            <a:extLst>
+              <a:ext uri="{FF2B5EF4-FFF2-40B4-BE49-F238E27FC236}">
+                <a16:creationId xmlns:a16="http://schemas.microsoft.com/office/drawing/2014/main" id="{7AE25BA5-9427-B94B-43A3-D0F6EF173C7F}"/>
+              </a:ext>
+            </a:extLst>
+          </p:cNvPr>
+          <p:cNvCxnSpPr>
+            <a:cxnSpLocks/>
+            <a:stCxn id="19" idx="0"/>
+            <a:endCxn id="67" idx="2"/>
+          </p:cNvCxnSpPr>
+          <p:nvPr/>
+        </p:nvCxnSpPr>
+        <p:spPr>
+          <a:xfrm flipV="1">
+            <a:off x="4681131" y="3946437"/>
+            <a:ext cx="689320" cy="492474"/>
+          </a:xfrm>
+          <a:prstGeom prst="straightConnector1">
+            <a:avLst/>
+          </a:prstGeom>
+          <a:ln w="12700">
+            <a:tailEnd type="triangle"/>
+          </a:ln>
+        </p:spPr>
+        <p:style>
+          <a:lnRef idx="2">
+            <a:schemeClr val="accent1"/>
+          </a:lnRef>
+          <a:fillRef idx="0">
+            <a:schemeClr val="accent1"/>
+          </a:fillRef>
+          <a:effectRef idx="1">
+            <a:schemeClr val="accent1"/>
+          </a:effectRef>
+          <a:fontRef idx="minor">
+            <a:schemeClr val="tx1"/>
+          </a:fontRef>
+        </p:style>
+      </p:cxnSp>
+      <mc:AlternateContent xmlns:mc="http://schemas.openxmlformats.org/markup-compatibility/2006">
+        <mc:Choice xmlns:a14="http://schemas.microsoft.com/office/drawing/2010/main" Requires="a14">
+          <p:sp>
+            <p:nvSpPr>
+              <p:cNvPr id="42" name="文本框 41">
+                <a:extLst>
+                  <a:ext uri="{FF2B5EF4-FFF2-40B4-BE49-F238E27FC236}">
+                    <a16:creationId xmlns:a16="http://schemas.microsoft.com/office/drawing/2014/main" id="{E9DFE52C-74A4-AE51-4935-2FEA50743538}"/>
+                  </a:ext>
+                </a:extLst>
+              </p:cNvPr>
+              <p:cNvSpPr txBox="1"/>
+              <p:nvPr/>
+            </p:nvSpPr>
+            <p:spPr>
+              <a:xfrm>
+                <a:off x="1114918" y="2366037"/>
+                <a:ext cx="196912" cy="307777"/>
+              </a:xfrm>
+              <a:prstGeom prst="rect">
+                <a:avLst/>
+              </a:prstGeom>
+              <a:noFill/>
+            </p:spPr>
+            <p:txBody>
+              <a:bodyPr wrap="none" lIns="0" tIns="0" rIns="0" bIns="0" rtlCol="0">
+                <a:spAutoFit/>
+              </a:bodyPr>
+              <a:lstStyle/>
+              <a:p>
+                <a:pPr/>
+                <a14:m>
+                  <m:oMathPara xmlns:m="http://schemas.openxmlformats.org/officeDocument/2006/math">
+                    <m:oMathParaPr>
+                      <m:jc m:val="centerGroup"/>
+                    </m:oMathParaPr>
+                    <m:oMath xmlns:m="http://schemas.openxmlformats.org/officeDocument/2006/math">
+                      <m:r>
+                        <a:rPr lang="en-US" altLang="zh-CN" sz="2000" b="0" i="1" smtClean="0">
+                          <a:latin typeface="Cambria Math" panose="02040503050406030204" pitchFamily="18" charset="0"/>
+                        </a:rPr>
+                        <m:t>𝑥</m:t>
+                      </m:r>
+                    </m:oMath>
+                  </m:oMathPara>
+                </a14:m>
+                <a:endParaRPr lang="zh-CN" altLang="en-US" dirty="0"/>
+              </a:p>
+            </p:txBody>
+          </p:sp>
+        </mc:Choice>
+        <mc:Fallback>
+          <p:sp>
+            <p:nvSpPr>
+              <p:cNvPr id="42" name="文本框 41">
+                <a:extLst>
+                  <a:ext uri="{FF2B5EF4-FFF2-40B4-BE49-F238E27FC236}">
+                    <a16:creationId xmlns:a16="http://schemas.microsoft.com/office/drawing/2014/main" id="{E9DFE52C-74A4-AE51-4935-2FEA50743538}"/>
+                  </a:ext>
+                </a:extLst>
+              </p:cNvPr>
+              <p:cNvSpPr txBox="1">
+                <a:spLocks noRot="1" noChangeAspect="1" noMove="1" noResize="1" noEditPoints="1" noAdjustHandles="1" noChangeArrowheads="1" noChangeShapeType="1" noTextEdit="1"/>
+              </p:cNvSpPr>
+              <p:nvPr/>
+            </p:nvSpPr>
+            <p:spPr>
+              <a:xfrm>
+                <a:off x="1114918" y="2366037"/>
+                <a:ext cx="196912" cy="307777"/>
+              </a:xfrm>
+              <a:prstGeom prst="rect">
+                <a:avLst/>
+              </a:prstGeom>
+              <a:blipFill>
+                <a:blip r:embed="rId2"/>
+                <a:stretch>
+                  <a:fillRect l="-21875" r="-12500"/>
+                </a:stretch>
+              </a:blipFill>
+            </p:spPr>
+            <p:txBody>
+              <a:bodyPr/>
+              <a:lstStyle/>
+              <a:p>
+                <a:r>
+                  <a:rPr lang="zh-CN" altLang="en-US">
+                    <a:noFill/>
+                  </a:rPr>
+                  <a:t> </a:t>
+                </a:r>
+              </a:p>
+            </p:txBody>
+          </p:sp>
+        </mc:Fallback>
+      </mc:AlternateContent>
+      <p:cxnSp>
+        <p:nvCxnSpPr>
+          <p:cNvPr id="45" name="直接箭头连接符 44">
+            <a:extLst>
+              <a:ext uri="{FF2B5EF4-FFF2-40B4-BE49-F238E27FC236}">
+                <a16:creationId xmlns:a16="http://schemas.microsoft.com/office/drawing/2014/main" id="{B5A4F269-FADF-2A77-4953-12A79BFA4B92}"/>
+              </a:ext>
+            </a:extLst>
+          </p:cNvPr>
+          <p:cNvCxnSpPr>
+            <a:cxnSpLocks/>
+            <a:stCxn id="110" idx="3"/>
+            <a:endCxn id="142" idx="2"/>
+          </p:cNvCxnSpPr>
+          <p:nvPr/>
+        </p:nvCxnSpPr>
+        <p:spPr>
+          <a:xfrm flipV="1">
+            <a:off x="17982602" y="2575169"/>
+            <a:ext cx="756586" cy="6314"/>
+          </a:xfrm>
+          <a:prstGeom prst="straightConnector1">
+            <a:avLst/>
+          </a:prstGeom>
+          <a:ln w="12700">
+            <a:tailEnd type="triangle"/>
+          </a:ln>
+        </p:spPr>
+        <p:style>
+          <a:lnRef idx="2">
+            <a:schemeClr val="accent1"/>
+          </a:lnRef>
+          <a:fillRef idx="0">
+            <a:schemeClr val="accent1"/>
+          </a:fillRef>
+          <a:effectRef idx="1">
+            <a:schemeClr val="accent1"/>
+          </a:effectRef>
+          <a:fontRef idx="minor">
+            <a:schemeClr val="tx1"/>
+          </a:fontRef>
+        </p:style>
+      </p:cxnSp>
+      <mc:AlternateContent xmlns:mc="http://schemas.openxmlformats.org/markup-compatibility/2006">
+        <mc:Choice xmlns:a14="http://schemas.microsoft.com/office/drawing/2010/main" Requires="a14">
+          <p:sp>
+            <p:nvSpPr>
+              <p:cNvPr id="48" name="文本框 47">
+                <a:extLst>
+                  <a:ext uri="{FF2B5EF4-FFF2-40B4-BE49-F238E27FC236}">
+                    <a16:creationId xmlns:a16="http://schemas.microsoft.com/office/drawing/2014/main" id="{781874F2-93AD-FBB0-42BB-3532B350FC79}"/>
+                  </a:ext>
+                </a:extLst>
+              </p:cNvPr>
+              <p:cNvSpPr txBox="1"/>
+              <p:nvPr/>
+            </p:nvSpPr>
+            <p:spPr>
+              <a:xfrm>
+                <a:off x="20209211" y="2363791"/>
+                <a:ext cx="392030" cy="430887"/>
+              </a:xfrm>
+              <a:prstGeom prst="rect">
+                <a:avLst/>
+              </a:prstGeom>
+              <a:noFill/>
+            </p:spPr>
+            <p:txBody>
+              <a:bodyPr wrap="none" lIns="0" tIns="0" rIns="0" bIns="0" rtlCol="0">
+                <a:spAutoFit/>
+              </a:bodyPr>
+              <a:lstStyle/>
+              <a:p>
+                <a:pPr/>
+                <a14:m>
+                  <m:oMathPara xmlns:m="http://schemas.openxmlformats.org/officeDocument/2006/math">
+                    <m:oMathParaPr>
+                      <m:jc m:val="centerGroup"/>
+                    </m:oMathParaPr>
+                    <m:oMath xmlns:m="http://schemas.openxmlformats.org/officeDocument/2006/math">
+                      <m:sSup>
+                        <m:sSupPr>
+                          <m:ctrlPr>
+                            <a:rPr lang="en-US" altLang="zh-CN" sz="2800" b="0" i="1" smtClean="0">
+                              <a:latin typeface="Cambria Math" panose="02040503050406030204" pitchFamily="18" charset="0"/>
+                            </a:rPr>
+                          </m:ctrlPr>
+                        </m:sSupPr>
+                        <m:e>
+                          <m:r>
+                            <a:rPr lang="en-US" altLang="zh-CN" sz="2800" b="0" i="1" smtClean="0">
+                              <a:latin typeface="Cambria Math" panose="02040503050406030204" pitchFamily="18" charset="0"/>
+                            </a:rPr>
+                            <m:t>𝑥</m:t>
+                          </m:r>
+                        </m:e>
+                        <m:sup>
+                          <m:r>
+                            <a:rPr lang="en-US" altLang="zh-CN" sz="2800" b="0" i="1" smtClean="0">
+                              <a:latin typeface="Cambria Math" panose="02040503050406030204" pitchFamily="18" charset="0"/>
+                            </a:rPr>
+                            <m:t>′</m:t>
+                          </m:r>
+                        </m:sup>
+                      </m:sSup>
+                    </m:oMath>
+                  </m:oMathPara>
+                </a14:m>
+                <a:endParaRPr lang="zh-CN" altLang="en-US" dirty="0"/>
+              </a:p>
+            </p:txBody>
+          </p:sp>
+        </mc:Choice>
+        <mc:Fallback>
+          <p:sp>
+            <p:nvSpPr>
+              <p:cNvPr id="48" name="文本框 47">
+                <a:extLst>
+                  <a:ext uri="{FF2B5EF4-FFF2-40B4-BE49-F238E27FC236}">
+                    <a16:creationId xmlns:a16="http://schemas.microsoft.com/office/drawing/2014/main" id="{781874F2-93AD-FBB0-42BB-3532B350FC79}"/>
+                  </a:ext>
+                </a:extLst>
+              </p:cNvPr>
+              <p:cNvSpPr txBox="1">
+                <a:spLocks noRot="1" noChangeAspect="1" noMove="1" noResize="1" noEditPoints="1" noAdjustHandles="1" noChangeArrowheads="1" noChangeShapeType="1" noTextEdit="1"/>
+              </p:cNvSpPr>
+              <p:nvPr/>
+            </p:nvSpPr>
+            <p:spPr>
+              <a:xfrm>
+                <a:off x="20209211" y="2363791"/>
+                <a:ext cx="392030" cy="430887"/>
+              </a:xfrm>
+              <a:prstGeom prst="rect">
+                <a:avLst/>
+              </a:prstGeom>
+              <a:blipFill>
+                <a:blip r:embed="rId3"/>
+                <a:stretch>
+                  <a:fillRect/>
+                </a:stretch>
+              </a:blipFill>
+            </p:spPr>
+            <p:txBody>
+              <a:bodyPr/>
+              <a:lstStyle/>
+              <a:p>
+                <a:r>
+                  <a:rPr lang="zh-CN" altLang="en-US">
+                    <a:noFill/>
+                  </a:rPr>
+                  <a:t> </a:t>
+                </a:r>
+              </a:p>
+            </p:txBody>
+          </p:sp>
+        </mc:Fallback>
+      </mc:AlternateContent>
+      <p:cxnSp>
+        <p:nvCxnSpPr>
+          <p:cNvPr id="52" name="连接符: 肘形 51">
+            <a:extLst>
+              <a:ext uri="{FF2B5EF4-FFF2-40B4-BE49-F238E27FC236}">
+                <a16:creationId xmlns:a16="http://schemas.microsoft.com/office/drawing/2014/main" id="{EC87D416-F834-E0F4-7A8D-11CD968AA052}"/>
+              </a:ext>
+            </a:extLst>
+          </p:cNvPr>
+          <p:cNvCxnSpPr>
+            <a:cxnSpLocks/>
+            <a:endCxn id="142" idx="0"/>
+          </p:cNvCxnSpPr>
+          <p:nvPr/>
+        </p:nvCxnSpPr>
+        <p:spPr>
+          <a:xfrm flipV="1">
+            <a:off x="2057002" y="2395169"/>
+            <a:ext cx="16862186" cy="204419"/>
+          </a:xfrm>
+          <a:prstGeom prst="bentConnector4">
+            <a:avLst>
+              <a:gd name="adj1" fmla="val 144"/>
+              <a:gd name="adj2" fmla="val 601012"/>
+            </a:avLst>
+          </a:prstGeom>
+          <a:ln w="12700">
+            <a:tailEnd type="triangle"/>
+          </a:ln>
+        </p:spPr>
+        <p:style>
+          <a:lnRef idx="2">
+            <a:schemeClr val="accent1"/>
+          </a:lnRef>
+          <a:fillRef idx="0">
+            <a:schemeClr val="accent1"/>
+          </a:fillRef>
+          <a:effectRef idx="1">
+            <a:schemeClr val="accent1"/>
+          </a:effectRef>
+          <a:fontRef idx="minor">
+            <a:schemeClr val="tx1"/>
+          </a:fontRef>
+        </p:style>
+      </p:cxnSp>
+      <p:sp>
+        <p:nvSpPr>
+          <p:cNvPr id="56" name="文本框 55">
+            <a:extLst>
+              <a:ext uri="{FF2B5EF4-FFF2-40B4-BE49-F238E27FC236}">
+                <a16:creationId xmlns:a16="http://schemas.microsoft.com/office/drawing/2014/main" id="{039997C8-1C94-F40D-E012-43A1AC7914FE}"/>
+              </a:ext>
+            </a:extLst>
+          </p:cNvPr>
+          <p:cNvSpPr txBox="1"/>
+          <p:nvPr/>
+        </p:nvSpPr>
+        <p:spPr>
+          <a:xfrm>
+            <a:off x="9834162" y="872674"/>
+            <a:ext cx="1206933" cy="400110"/>
+          </a:xfrm>
+          <a:prstGeom prst="rect">
+            <a:avLst/>
+          </a:prstGeom>
+          <a:noFill/>
+        </p:spPr>
+        <p:txBody>
+          <a:bodyPr wrap="none" rtlCol="0">
+            <a:spAutoFit/>
+          </a:bodyPr>
+          <a:lstStyle/>
+          <a:p>
+            <a:r>
+              <a:rPr lang="en-US" altLang="zh-CN" sz="2000" dirty="0">
+                <a:latin typeface="微软雅黑" panose="020B0503020204020204" pitchFamily="34" charset="-122"/>
+                <a:ea typeface="微软雅黑" panose="020B0503020204020204" pitchFamily="34" charset="-122"/>
+              </a:rPr>
+              <a:t>shortcut</a:t>
+            </a:r>
+            <a:endParaRPr lang="zh-CN" altLang="en-US" sz="2000" dirty="0">
+              <a:latin typeface="微软雅黑" panose="020B0503020204020204" pitchFamily="34" charset="-122"/>
+              <a:ea typeface="微软雅黑" panose="020B0503020204020204" pitchFamily="34" charset="-122"/>
+            </a:endParaRPr>
+          </a:p>
+        </p:txBody>
+      </p:sp>
+      <p:cxnSp>
+        <p:nvCxnSpPr>
+          <p:cNvPr id="71" name="直接箭头连接符 70">
+            <a:extLst>
+              <a:ext uri="{FF2B5EF4-FFF2-40B4-BE49-F238E27FC236}">
+                <a16:creationId xmlns:a16="http://schemas.microsoft.com/office/drawing/2014/main" id="{75D7E846-CD92-07CE-847D-CF6563D86211}"/>
+              </a:ext>
+            </a:extLst>
+          </p:cNvPr>
+          <p:cNvCxnSpPr>
+            <a:cxnSpLocks/>
+            <a:stCxn id="142" idx="6"/>
+            <a:endCxn id="48" idx="1"/>
+          </p:cNvCxnSpPr>
+          <p:nvPr/>
+        </p:nvCxnSpPr>
+        <p:spPr>
+          <a:xfrm>
+            <a:off x="19099188" y="2575169"/>
+            <a:ext cx="1110023" cy="4066"/>
+          </a:xfrm>
+          <a:prstGeom prst="straightConnector1">
+            <a:avLst/>
+          </a:prstGeom>
+          <a:ln w="12700">
+            <a:tailEnd type="triangle"/>
+          </a:ln>
+        </p:spPr>
+        <p:style>
+          <a:lnRef idx="2">
+            <a:schemeClr val="accent1"/>
+          </a:lnRef>
+          <a:fillRef idx="0">
+            <a:schemeClr val="accent1"/>
+          </a:fillRef>
+          <a:effectRef idx="1">
+            <a:schemeClr val="accent1"/>
+          </a:effectRef>
+          <a:fontRef idx="minor">
+            <a:schemeClr val="tx1"/>
+          </a:fontRef>
+        </p:style>
+      </p:cxnSp>
+      <p:sp>
+        <p:nvSpPr>
+          <p:cNvPr id="34" name="文本框 33">
+            <a:extLst>
+              <a:ext uri="{FF2B5EF4-FFF2-40B4-BE49-F238E27FC236}">
+                <a16:creationId xmlns:a16="http://schemas.microsoft.com/office/drawing/2014/main" id="{38F73723-72EB-BC2B-AFAC-BD867EAA5628}"/>
+              </a:ext>
+            </a:extLst>
+          </p:cNvPr>
+          <p:cNvSpPr txBox="1"/>
+          <p:nvPr/>
+        </p:nvSpPr>
+        <p:spPr>
+          <a:xfrm>
+            <a:off x="4744303" y="6424519"/>
+            <a:ext cx="1543938" cy="584775"/>
+          </a:xfrm>
+          <a:prstGeom prst="rect">
+            <a:avLst/>
+          </a:prstGeom>
+          <a:noFill/>
+        </p:spPr>
+        <p:txBody>
+          <a:bodyPr wrap="square">
+            <a:spAutoFit/>
+          </a:bodyPr>
+          <a:lstStyle/>
+          <a:p>
+            <a:pPr algn="ctr"/>
+            <a:r>
+              <a:rPr lang="en-US" altLang="zh-CN" sz="1600" dirty="0">
+                <a:latin typeface="微软雅黑" panose="020B0503020204020204" pitchFamily="34" charset="-122"/>
+                <a:ea typeface="微软雅黑" panose="020B0503020204020204" pitchFamily="34" charset="-122"/>
+              </a:rPr>
+              <a:t>Condition</a:t>
+            </a:r>
+          </a:p>
+          <a:p>
+            <a:pPr algn="ctr"/>
+            <a:r>
+              <a:rPr lang="en-US" altLang="zh-CN" sz="1600" dirty="0">
+                <a:latin typeface="微软雅黑" panose="020B0503020204020204" pitchFamily="34" charset="-122"/>
+                <a:ea typeface="微软雅黑" panose="020B0503020204020204" pitchFamily="34" charset="-122"/>
+              </a:rPr>
+              <a:t>E</a:t>
+            </a:r>
+            <a:r>
+              <a:rPr lang="zh-CN" altLang="en-US" sz="1600" dirty="0">
+                <a:latin typeface="微软雅黑" panose="020B0503020204020204" pitchFamily="34" charset="-122"/>
+                <a:ea typeface="微软雅黑" panose="020B0503020204020204" pitchFamily="34" charset="-122"/>
+              </a:rPr>
+              <a:t>mbedding</a:t>
+            </a:r>
+          </a:p>
+        </p:txBody>
+      </p:sp>
+      <p:sp>
+        <p:nvSpPr>
+          <p:cNvPr id="35" name="矩形: 圆角 34">
+            <a:extLst>
+              <a:ext uri="{FF2B5EF4-FFF2-40B4-BE49-F238E27FC236}">
+                <a16:creationId xmlns:a16="http://schemas.microsoft.com/office/drawing/2014/main" id="{504FDE9E-ADC5-D99F-D321-769F3A761619}"/>
+              </a:ext>
+            </a:extLst>
+          </p:cNvPr>
+          <p:cNvSpPr/>
+          <p:nvPr/>
+        </p:nvSpPr>
+        <p:spPr>
+          <a:xfrm>
+            <a:off x="4795101" y="6320115"/>
+            <a:ext cx="1430283" cy="793585"/>
+          </a:xfrm>
+          <a:prstGeom prst="roundRect">
+            <a:avLst>
+              <a:gd name="adj" fmla="val 0"/>
+            </a:avLst>
+          </a:prstGeom>
+          <a:noFill/>
+          <a:ln>
+            <a:solidFill>
+              <a:schemeClr val="tx1"/>
+            </a:solidFill>
+          </a:ln>
+        </p:spPr>
+        <p:style>
+          <a:lnRef idx="2">
+            <a:schemeClr val="accent1">
+              <a:shade val="15000"/>
+            </a:schemeClr>
+          </a:lnRef>
+          <a:fillRef idx="1">
+            <a:schemeClr val="accent1"/>
+          </a:fillRef>
+          <a:effectRef idx="0">
+            <a:schemeClr val="accent1"/>
+          </a:effectRef>
+          <a:fontRef idx="minor">
+            <a:schemeClr val="lt1"/>
+          </a:fontRef>
+        </p:style>
+        <p:txBody>
+          <a:bodyPr rtlCol="0" anchor="ctr"/>
+          <a:lstStyle/>
+          <a:p>
+            <a:pPr algn="ctr"/>
+            <a:endParaRPr lang="zh-CN" altLang="en-US" sz="3189"/>
+          </a:p>
+        </p:txBody>
+      </p:sp>
+      <p:grpSp>
+        <p:nvGrpSpPr>
+          <p:cNvPr id="41" name="组合 40">
+            <a:extLst>
+              <a:ext uri="{FF2B5EF4-FFF2-40B4-BE49-F238E27FC236}">
+                <a16:creationId xmlns:a16="http://schemas.microsoft.com/office/drawing/2014/main" id="{DE45335B-C743-C0CB-EDCE-80D3AC430624}"/>
+              </a:ext>
+            </a:extLst>
+          </p:cNvPr>
+          <p:cNvGrpSpPr/>
+          <p:nvPr/>
+        </p:nvGrpSpPr>
+        <p:grpSpPr>
+          <a:xfrm>
+            <a:off x="4500803" y="5424680"/>
+            <a:ext cx="360000" cy="363969"/>
+            <a:chOff x="5281075" y="4315800"/>
+            <a:chExt cx="360000" cy="363969"/>
+          </a:xfrm>
+        </p:grpSpPr>
+        <p:sp>
+          <p:nvSpPr>
+            <p:cNvPr id="38" name="加号 37">
+              <a:extLst>
+                <a:ext uri="{FF2B5EF4-FFF2-40B4-BE49-F238E27FC236}">
+                  <a16:creationId xmlns:a16="http://schemas.microsoft.com/office/drawing/2014/main" id="{C1E68AAC-2874-2442-7CEE-506A28D9477A}"/>
+                </a:ext>
+              </a:extLst>
+            </p:cNvPr>
+            <p:cNvSpPr/>
+            <p:nvPr/>
+          </p:nvSpPr>
+          <p:spPr>
+            <a:xfrm>
+              <a:off x="5281075" y="4319769"/>
+              <a:ext cx="360000" cy="360000"/>
+            </a:xfrm>
+            <a:prstGeom prst="mathPlus">
+              <a:avLst>
+                <a:gd name="adj1" fmla="val 12933"/>
+              </a:avLst>
+            </a:prstGeom>
+            <a:noFill/>
+          </p:spPr>
+          <p:style>
+            <a:lnRef idx="2">
+              <a:schemeClr val="accent1">
+                <a:shade val="15000"/>
+              </a:schemeClr>
+            </a:lnRef>
+            <a:fillRef idx="1">
+              <a:schemeClr val="accent1"/>
+            </a:fillRef>
+            <a:effectRef idx="0">
+              <a:schemeClr val="accent1"/>
+            </a:effectRef>
+            <a:fontRef idx="minor">
+              <a:schemeClr val="lt1"/>
+            </a:fontRef>
+          </p:style>
+          <p:txBody>
+            <a:bodyPr rtlCol="0" anchor="ctr"/>
+            <a:lstStyle/>
+            <a:p>
+              <a:pPr algn="ctr"/>
+              <a:endParaRPr lang="zh-CN" altLang="en-US"/>
+            </a:p>
+          </p:txBody>
+        </p:sp>
+        <p:sp>
+          <p:nvSpPr>
+            <p:cNvPr id="40" name="椭圆 39">
+              <a:extLst>
+                <a:ext uri="{FF2B5EF4-FFF2-40B4-BE49-F238E27FC236}">
+                  <a16:creationId xmlns:a16="http://schemas.microsoft.com/office/drawing/2014/main" id="{1EAA5850-A7F6-F18F-62F9-4E699CE0A4F3}"/>
+                </a:ext>
+              </a:extLst>
+            </p:cNvPr>
+            <p:cNvSpPr/>
+            <p:nvPr/>
+          </p:nvSpPr>
+          <p:spPr>
+            <a:xfrm>
+              <a:off x="5281075" y="4315800"/>
+              <a:ext cx="360000" cy="360000"/>
+            </a:xfrm>
+            <a:prstGeom prst="ellipse">
+              <a:avLst/>
+            </a:prstGeom>
+            <a:noFill/>
+          </p:spPr>
+          <p:style>
+            <a:lnRef idx="2">
+              <a:schemeClr val="accent1">
+                <a:shade val="15000"/>
+              </a:schemeClr>
+            </a:lnRef>
+            <a:fillRef idx="1">
+              <a:schemeClr val="accent1"/>
+            </a:fillRef>
+            <a:effectRef idx="0">
+              <a:schemeClr val="accent1"/>
+            </a:effectRef>
+            <a:fontRef idx="minor">
+              <a:schemeClr val="lt1"/>
+            </a:fontRef>
+          </p:style>
+          <p:txBody>
+            <a:bodyPr rtlCol="0" anchor="ctr"/>
+            <a:lstStyle/>
+            <a:p>
+              <a:pPr algn="ctr"/>
+              <a:endParaRPr lang="zh-CN" altLang="en-US"/>
+            </a:p>
+          </p:txBody>
+        </p:sp>
+      </p:grpSp>
+      <p:cxnSp>
+        <p:nvCxnSpPr>
+          <p:cNvPr id="47" name="连接符: 肘形 46">
+            <a:extLst>
+              <a:ext uri="{FF2B5EF4-FFF2-40B4-BE49-F238E27FC236}">
+                <a16:creationId xmlns:a16="http://schemas.microsoft.com/office/drawing/2014/main" id="{AE10D45B-8ADB-AB7C-B434-956D3013F3C6}"/>
+              </a:ext>
+            </a:extLst>
+          </p:cNvPr>
+          <p:cNvCxnSpPr>
+            <a:cxnSpLocks/>
+            <a:stCxn id="17" idx="0"/>
+            <a:endCxn id="40" idx="2"/>
+          </p:cNvCxnSpPr>
+          <p:nvPr/>
+        </p:nvCxnSpPr>
+        <p:spPr>
+          <a:xfrm rot="5400000" flipH="1" flipV="1">
+            <a:off x="3850444" y="5669755"/>
+            <a:ext cx="715434" cy="585284"/>
+          </a:xfrm>
+          <a:prstGeom prst="bentConnector2">
+            <a:avLst/>
+          </a:prstGeom>
+          <a:ln>
+            <a:tailEnd type="triangle"/>
+          </a:ln>
+        </p:spPr>
+        <p:style>
+          <a:lnRef idx="2">
+            <a:schemeClr val="accent1"/>
+          </a:lnRef>
+          <a:fillRef idx="0">
+            <a:schemeClr val="accent1"/>
+          </a:fillRef>
+          <a:effectRef idx="1">
+            <a:schemeClr val="accent1"/>
+          </a:effectRef>
+          <a:fontRef idx="minor">
+            <a:schemeClr val="tx1"/>
+          </a:fontRef>
+        </p:style>
+      </p:cxnSp>
+      <p:cxnSp>
+        <p:nvCxnSpPr>
+          <p:cNvPr id="51" name="连接符: 肘形 50">
+            <a:extLst>
+              <a:ext uri="{FF2B5EF4-FFF2-40B4-BE49-F238E27FC236}">
+                <a16:creationId xmlns:a16="http://schemas.microsoft.com/office/drawing/2014/main" id="{A3D0E15F-6D62-45F1-D950-8F53DF9B1660}"/>
+              </a:ext>
+            </a:extLst>
+          </p:cNvPr>
+          <p:cNvCxnSpPr>
+            <a:cxnSpLocks/>
+            <a:stCxn id="35" idx="0"/>
+            <a:endCxn id="40" idx="6"/>
+          </p:cNvCxnSpPr>
+          <p:nvPr/>
+        </p:nvCxnSpPr>
+        <p:spPr>
+          <a:xfrm rot="16200000" flipV="1">
+            <a:off x="4827806" y="5637678"/>
+            <a:ext cx="715435" cy="649440"/>
+          </a:xfrm>
+          <a:prstGeom prst="bentConnector2">
+            <a:avLst/>
+          </a:prstGeom>
+          <a:ln>
+            <a:tailEnd type="triangle"/>
+          </a:ln>
+        </p:spPr>
+        <p:style>
+          <a:lnRef idx="2">
+            <a:schemeClr val="accent1"/>
+          </a:lnRef>
+          <a:fillRef idx="0">
+            <a:schemeClr val="accent1"/>
+          </a:fillRef>
+          <a:effectRef idx="1">
+            <a:schemeClr val="accent1"/>
+          </a:effectRef>
+          <a:fontRef idx="minor">
+            <a:schemeClr val="tx1"/>
+          </a:fontRef>
+        </p:style>
+      </p:cxnSp>
+      <p:sp>
+        <p:nvSpPr>
+          <p:cNvPr id="62" name="文本框 61">
+            <a:extLst>
+              <a:ext uri="{FF2B5EF4-FFF2-40B4-BE49-F238E27FC236}">
+                <a16:creationId xmlns:a16="http://schemas.microsoft.com/office/drawing/2014/main" id="{77141597-EDC7-6C7B-3F7B-022F636A1901}"/>
+              </a:ext>
+            </a:extLst>
+          </p:cNvPr>
+          <p:cNvSpPr txBox="1"/>
+          <p:nvPr/>
+        </p:nvSpPr>
+        <p:spPr>
+          <a:xfrm>
+            <a:off x="3628119" y="3498253"/>
+            <a:ext cx="669909" cy="338554"/>
+          </a:xfrm>
+          <a:prstGeom prst="rect">
+            <a:avLst/>
+          </a:prstGeom>
+          <a:noFill/>
+        </p:spPr>
+        <p:txBody>
+          <a:bodyPr wrap="square">
+            <a:spAutoFit/>
+          </a:bodyPr>
+          <a:lstStyle/>
+          <a:p>
+            <a:r>
+              <a:rPr lang="en-US" altLang="zh-CN" sz="1600" dirty="0">
+                <a:latin typeface="微软雅黑" panose="020B0503020204020204" pitchFamily="34" charset="-122"/>
+                <a:ea typeface="微软雅黑" panose="020B0503020204020204" pitchFamily="34" charset="-122"/>
+              </a:rPr>
+              <a:t>scale</a:t>
+            </a:r>
+            <a:endParaRPr lang="zh-CN" altLang="en-US" sz="2000" dirty="0">
+              <a:latin typeface="微软雅黑" panose="020B0503020204020204" pitchFamily="34" charset="-122"/>
+              <a:ea typeface="微软雅黑" panose="020B0503020204020204" pitchFamily="34" charset="-122"/>
+            </a:endParaRPr>
+          </a:p>
+        </p:txBody>
+      </p:sp>
+      <p:sp>
+        <p:nvSpPr>
+          <p:cNvPr id="65" name="矩形: 圆角 64">
+            <a:extLst>
+              <a:ext uri="{FF2B5EF4-FFF2-40B4-BE49-F238E27FC236}">
+                <a16:creationId xmlns:a16="http://schemas.microsoft.com/office/drawing/2014/main" id="{AB5080B5-8C71-BAFB-9F7E-C0CC14BDD8BD}"/>
+              </a:ext>
+            </a:extLst>
+          </p:cNvPr>
+          <p:cNvSpPr/>
+          <p:nvPr/>
+        </p:nvSpPr>
+        <p:spPr>
+          <a:xfrm>
+            <a:off x="3672435" y="3374928"/>
+            <a:ext cx="625593" cy="571508"/>
+          </a:xfrm>
+          <a:prstGeom prst="roundRect">
+            <a:avLst>
+              <a:gd name="adj" fmla="val 0"/>
+            </a:avLst>
+          </a:prstGeom>
+          <a:noFill/>
+          <a:ln>
+            <a:solidFill>
+              <a:schemeClr val="tx1"/>
+            </a:solidFill>
+          </a:ln>
+        </p:spPr>
+        <p:style>
+          <a:lnRef idx="2">
+            <a:schemeClr val="accent1">
+              <a:shade val="15000"/>
+            </a:schemeClr>
+          </a:lnRef>
+          <a:fillRef idx="1">
+            <a:schemeClr val="accent1"/>
+          </a:fillRef>
+          <a:effectRef idx="0">
+            <a:schemeClr val="accent1"/>
+          </a:effectRef>
+          <a:fontRef idx="minor">
+            <a:schemeClr val="lt1"/>
+          </a:fontRef>
+        </p:style>
+        <p:txBody>
+          <a:bodyPr rtlCol="0" anchor="ctr"/>
+          <a:lstStyle/>
+          <a:p>
+            <a:pPr algn="ctr"/>
+            <a:endParaRPr lang="zh-CN" altLang="en-US" sz="3189"/>
+          </a:p>
+        </p:txBody>
+      </p:sp>
+      <p:sp>
+        <p:nvSpPr>
+          <p:cNvPr id="66" name="文本框 65">
+            <a:extLst>
+              <a:ext uri="{FF2B5EF4-FFF2-40B4-BE49-F238E27FC236}">
+                <a16:creationId xmlns:a16="http://schemas.microsoft.com/office/drawing/2014/main" id="{1F9819C8-6ABA-1605-688D-F56DE96E71FA}"/>
+              </a:ext>
+            </a:extLst>
+          </p:cNvPr>
+          <p:cNvSpPr txBox="1"/>
+          <p:nvPr/>
+        </p:nvSpPr>
+        <p:spPr>
+          <a:xfrm>
+            <a:off x="5082293" y="3517702"/>
+            <a:ext cx="669909" cy="338554"/>
+          </a:xfrm>
+          <a:prstGeom prst="rect">
+            <a:avLst/>
+          </a:prstGeom>
+          <a:noFill/>
+        </p:spPr>
+        <p:txBody>
+          <a:bodyPr wrap="square">
+            <a:spAutoFit/>
+          </a:bodyPr>
+          <a:lstStyle/>
+          <a:p>
+            <a:r>
+              <a:rPr lang="en-US" altLang="zh-CN" sz="1600" dirty="0">
+                <a:latin typeface="微软雅黑" panose="020B0503020204020204" pitchFamily="34" charset="-122"/>
+                <a:ea typeface="微软雅黑" panose="020B0503020204020204" pitchFamily="34" charset="-122"/>
+              </a:rPr>
+              <a:t>shift</a:t>
+            </a:r>
+            <a:endParaRPr lang="zh-CN" altLang="en-US" sz="2000" dirty="0">
+              <a:latin typeface="微软雅黑" panose="020B0503020204020204" pitchFamily="34" charset="-122"/>
+              <a:ea typeface="微软雅黑" panose="020B0503020204020204" pitchFamily="34" charset="-122"/>
+            </a:endParaRPr>
+          </a:p>
+        </p:txBody>
+      </p:sp>
+      <p:sp>
+        <p:nvSpPr>
+          <p:cNvPr id="67" name="矩形: 圆角 66">
+            <a:extLst>
+              <a:ext uri="{FF2B5EF4-FFF2-40B4-BE49-F238E27FC236}">
+                <a16:creationId xmlns:a16="http://schemas.microsoft.com/office/drawing/2014/main" id="{2C73CBAA-12FF-500A-5E00-CEC6994EEBA9}"/>
+              </a:ext>
+            </a:extLst>
+          </p:cNvPr>
+          <p:cNvSpPr/>
+          <p:nvPr/>
+        </p:nvSpPr>
+        <p:spPr>
+          <a:xfrm>
+            <a:off x="5081847" y="3374929"/>
+            <a:ext cx="577207" cy="571508"/>
+          </a:xfrm>
+          <a:prstGeom prst="roundRect">
+            <a:avLst>
+              <a:gd name="adj" fmla="val 0"/>
+            </a:avLst>
+          </a:prstGeom>
+          <a:noFill/>
+          <a:ln>
+            <a:solidFill>
+              <a:schemeClr val="tx1"/>
+            </a:solidFill>
+          </a:ln>
+        </p:spPr>
+        <p:style>
+          <a:lnRef idx="2">
+            <a:schemeClr val="accent1">
+              <a:shade val="15000"/>
+            </a:schemeClr>
+          </a:lnRef>
+          <a:fillRef idx="1">
+            <a:schemeClr val="accent1"/>
+          </a:fillRef>
+          <a:effectRef idx="0">
+            <a:schemeClr val="accent1"/>
+          </a:effectRef>
+          <a:fontRef idx="minor">
+            <a:schemeClr val="lt1"/>
+          </a:fontRef>
+        </p:style>
+        <p:txBody>
+          <a:bodyPr rtlCol="0" anchor="ctr"/>
+          <a:lstStyle/>
+          <a:p>
+            <a:pPr algn="ctr"/>
+            <a:endParaRPr lang="zh-CN" altLang="en-US" sz="3189"/>
+          </a:p>
+        </p:txBody>
+      </p:sp>
+      <p:cxnSp>
+        <p:nvCxnSpPr>
+          <p:cNvPr id="78" name="直接箭头连接符 77">
+            <a:extLst>
+              <a:ext uri="{FF2B5EF4-FFF2-40B4-BE49-F238E27FC236}">
+                <a16:creationId xmlns:a16="http://schemas.microsoft.com/office/drawing/2014/main" id="{06A3FA30-7B96-CFC1-2232-1D8D770BF78B}"/>
+              </a:ext>
+            </a:extLst>
+          </p:cNvPr>
+          <p:cNvCxnSpPr>
+            <a:cxnSpLocks/>
+            <a:stCxn id="19" idx="0"/>
+            <a:endCxn id="65" idx="2"/>
+          </p:cNvCxnSpPr>
+          <p:nvPr/>
+        </p:nvCxnSpPr>
+        <p:spPr>
+          <a:xfrm flipH="1" flipV="1">
+            <a:off x="3985232" y="3946436"/>
+            <a:ext cx="695899" cy="492475"/>
+          </a:xfrm>
+          <a:prstGeom prst="straightConnector1">
+            <a:avLst/>
+          </a:prstGeom>
+          <a:ln w="12700">
+            <a:tailEnd type="triangle"/>
+          </a:ln>
+        </p:spPr>
+        <p:style>
+          <a:lnRef idx="2">
+            <a:schemeClr val="accent1"/>
+          </a:lnRef>
+          <a:fillRef idx="0">
+            <a:schemeClr val="accent1"/>
+          </a:fillRef>
+          <a:effectRef idx="1">
+            <a:schemeClr val="accent1"/>
+          </a:effectRef>
+          <a:fontRef idx="minor">
+            <a:schemeClr val="tx1"/>
+          </a:fontRef>
+        </p:style>
+      </p:cxnSp>
+      <p:cxnSp>
+        <p:nvCxnSpPr>
+          <p:cNvPr id="84" name="直接箭头连接符 83">
+            <a:extLst>
+              <a:ext uri="{FF2B5EF4-FFF2-40B4-BE49-F238E27FC236}">
+                <a16:creationId xmlns:a16="http://schemas.microsoft.com/office/drawing/2014/main" id="{1F878852-1545-9390-FC3E-9F4F05E7534B}"/>
+              </a:ext>
+            </a:extLst>
+          </p:cNvPr>
+          <p:cNvCxnSpPr>
+            <a:cxnSpLocks/>
+            <a:stCxn id="65" idx="0"/>
+          </p:cNvCxnSpPr>
+          <p:nvPr/>
+        </p:nvCxnSpPr>
+        <p:spPr>
+          <a:xfrm flipV="1">
+            <a:off x="3985232" y="2598672"/>
+            <a:ext cx="0" cy="776256"/>
+          </a:xfrm>
+          <a:prstGeom prst="straightConnector1">
+            <a:avLst/>
+          </a:prstGeom>
+          <a:ln w="12700">
+            <a:tailEnd type="triangle"/>
+          </a:ln>
+        </p:spPr>
+        <p:style>
+          <a:lnRef idx="2">
+            <a:schemeClr val="accent1"/>
+          </a:lnRef>
+          <a:fillRef idx="0">
+            <a:schemeClr val="accent1"/>
+          </a:fillRef>
+          <a:effectRef idx="1">
+            <a:schemeClr val="accent1"/>
+          </a:effectRef>
+          <a:fontRef idx="minor">
+            <a:schemeClr val="tx1"/>
+          </a:fontRef>
+        </p:style>
+      </p:cxnSp>
+      <p:cxnSp>
+        <p:nvCxnSpPr>
+          <p:cNvPr id="87" name="直接箭头连接符 86">
+            <a:extLst>
+              <a:ext uri="{FF2B5EF4-FFF2-40B4-BE49-F238E27FC236}">
+                <a16:creationId xmlns:a16="http://schemas.microsoft.com/office/drawing/2014/main" id="{25742EBF-AFEB-FC9F-DFF9-EEDE5BAEFFC7}"/>
+              </a:ext>
+            </a:extLst>
+          </p:cNvPr>
+          <p:cNvCxnSpPr>
+            <a:cxnSpLocks/>
+          </p:cNvCxnSpPr>
+          <p:nvPr/>
+        </p:nvCxnSpPr>
+        <p:spPr>
+          <a:xfrm flipV="1">
+            <a:off x="5370451" y="2594182"/>
+            <a:ext cx="0" cy="776256"/>
+          </a:xfrm>
+          <a:prstGeom prst="straightConnector1">
+            <a:avLst/>
+          </a:prstGeom>
+          <a:ln w="12700">
+            <a:tailEnd type="triangle"/>
+          </a:ln>
+        </p:spPr>
+        <p:style>
+          <a:lnRef idx="2">
+            <a:schemeClr val="accent1"/>
+          </a:lnRef>
+          <a:fillRef idx="0">
+            <a:schemeClr val="accent1"/>
+          </a:fillRef>
+          <a:effectRef idx="1">
+            <a:schemeClr val="accent1"/>
+          </a:effectRef>
+          <a:fontRef idx="minor">
+            <a:schemeClr val="tx1"/>
+          </a:fontRef>
+        </p:style>
+      </p:cxnSp>
+      <mc:AlternateContent xmlns:mc="http://schemas.openxmlformats.org/markup-compatibility/2006">
+        <mc:Choice xmlns:a14="http://schemas.microsoft.com/office/drawing/2010/main" Requires="a14">
+          <p:sp>
+            <p:nvSpPr>
+              <p:cNvPr id="88" name="文本框 87">
+                <a:extLst>
+                  <a:ext uri="{FF2B5EF4-FFF2-40B4-BE49-F238E27FC236}">
+                    <a16:creationId xmlns:a16="http://schemas.microsoft.com/office/drawing/2014/main" id="{03D1374B-E17A-E0BD-342B-0229A2E6594D}"/>
+                  </a:ext>
+                </a:extLst>
+              </p:cNvPr>
+              <p:cNvSpPr txBox="1"/>
+              <p:nvPr/>
+            </p:nvSpPr>
+            <p:spPr>
+              <a:xfrm>
+                <a:off x="3586752" y="2290895"/>
+                <a:ext cx="178702" cy="276999"/>
+              </a:xfrm>
+              <a:prstGeom prst="rect">
+                <a:avLst/>
+              </a:prstGeom>
+              <a:noFill/>
+            </p:spPr>
+            <p:txBody>
+              <a:bodyPr wrap="none" lIns="0" tIns="0" rIns="0" bIns="0" rtlCol="0">
+                <a:spAutoFit/>
+              </a:bodyPr>
+              <a:lstStyle/>
+              <a:p>
+                <a:pPr/>
+                <a14:m>
+                  <m:oMathPara xmlns:m="http://schemas.openxmlformats.org/officeDocument/2006/math">
+                    <m:oMathParaPr>
+                      <m:jc m:val="centerGroup"/>
+                    </m:oMathParaPr>
+                    <m:oMath xmlns:m="http://schemas.openxmlformats.org/officeDocument/2006/math">
+                      <m:r>
+                        <a:rPr lang="en-US" altLang="zh-CN" b="0" i="1" smtClean="0">
+                          <a:latin typeface="Cambria Math" panose="02040503050406030204" pitchFamily="18" charset="0"/>
+                        </a:rPr>
+                        <m:t>h</m:t>
+                      </m:r>
+                    </m:oMath>
+                  </m:oMathPara>
+                </a14:m>
+                <a:endParaRPr lang="zh-CN" altLang="en-US" dirty="0"/>
+              </a:p>
+            </p:txBody>
+          </p:sp>
+        </mc:Choice>
+        <mc:Fallback>
+          <p:sp>
+            <p:nvSpPr>
+              <p:cNvPr id="88" name="文本框 87">
+                <a:extLst>
+                  <a:ext uri="{FF2B5EF4-FFF2-40B4-BE49-F238E27FC236}">
+                    <a16:creationId xmlns:a16="http://schemas.microsoft.com/office/drawing/2014/main" id="{03D1374B-E17A-E0BD-342B-0229A2E6594D}"/>
+                  </a:ext>
+                </a:extLst>
+              </p:cNvPr>
+              <p:cNvSpPr txBox="1">
+                <a:spLocks noRot="1" noChangeAspect="1" noMove="1" noResize="1" noEditPoints="1" noAdjustHandles="1" noChangeArrowheads="1" noChangeShapeType="1" noTextEdit="1"/>
+              </p:cNvSpPr>
+              <p:nvPr/>
+            </p:nvSpPr>
+            <p:spPr>
+              <a:xfrm>
+                <a:off x="3586752" y="2290895"/>
+                <a:ext cx="178702" cy="276999"/>
+              </a:xfrm>
+              <a:prstGeom prst="rect">
+                <a:avLst/>
+              </a:prstGeom>
+              <a:blipFill>
+                <a:blip r:embed="rId4"/>
+                <a:stretch>
+                  <a:fillRect l="-33333" r="-30000" b="-8889"/>
+                </a:stretch>
+              </a:blipFill>
+            </p:spPr>
+            <p:txBody>
+              <a:bodyPr/>
+              <a:lstStyle/>
+              <a:p>
+                <a:r>
+                  <a:rPr lang="zh-CN" altLang="en-US">
+                    <a:noFill/>
+                  </a:rPr>
+                  <a:t> </a:t>
+                </a:r>
+              </a:p>
+            </p:txBody>
+          </p:sp>
+        </mc:Fallback>
+      </mc:AlternateContent>
+      <mc:AlternateContent xmlns:mc="http://schemas.openxmlformats.org/markup-compatibility/2006">
+        <mc:Choice xmlns:a14="http://schemas.microsoft.com/office/drawing/2010/main" Requires="a14">
+          <p:sp>
+            <p:nvSpPr>
+              <p:cNvPr id="89" name="文本框 88">
+                <a:extLst>
+                  <a:ext uri="{FF2B5EF4-FFF2-40B4-BE49-F238E27FC236}">
+                    <a16:creationId xmlns:a16="http://schemas.microsoft.com/office/drawing/2014/main" id="{A66F6A71-B5B8-349D-BFBE-0FF7F9FB84D7}"/>
+                  </a:ext>
+                </a:extLst>
+              </p:cNvPr>
+              <p:cNvSpPr txBox="1"/>
+              <p:nvPr/>
+            </p:nvSpPr>
+            <p:spPr>
+              <a:xfrm>
+                <a:off x="5763565" y="2273704"/>
+                <a:ext cx="1880515" cy="246221"/>
+              </a:xfrm>
+              <a:prstGeom prst="rect">
+                <a:avLst/>
+              </a:prstGeom>
+              <a:noFill/>
+            </p:spPr>
+            <p:txBody>
+              <a:bodyPr wrap="none" lIns="0" tIns="0" rIns="0" bIns="0" rtlCol="0">
+                <a:spAutoFit/>
+              </a:bodyPr>
+              <a:lstStyle/>
+              <a:p>
+                <a:pPr/>
+                <a14:m>
+                  <m:oMathPara xmlns:m="http://schemas.openxmlformats.org/officeDocument/2006/math">
+                    <m:oMathParaPr>
+                      <m:jc m:val="centerGroup"/>
+                    </m:oMathParaPr>
+                    <m:oMath xmlns:m="http://schemas.openxmlformats.org/officeDocument/2006/math">
+                      <m:r>
+                        <a:rPr lang="en-US" altLang="zh-CN" sz="1600" b="0" i="1" smtClean="0">
+                          <a:latin typeface="Cambria Math" panose="02040503050406030204" pitchFamily="18" charset="0"/>
+                        </a:rPr>
+                        <m:t>h</m:t>
+                      </m:r>
+                      <m:d>
+                        <m:dPr>
+                          <m:ctrlPr>
+                            <a:rPr lang="en-US" altLang="zh-CN" sz="1600" b="0" i="1" smtClean="0">
+                              <a:latin typeface="Cambria Math" panose="02040503050406030204" pitchFamily="18" charset="0"/>
+                            </a:rPr>
+                          </m:ctrlPr>
+                        </m:dPr>
+                        <m:e>
+                          <m:r>
+                            <a:rPr lang="en-US" altLang="zh-CN" sz="1600" b="0" i="1" smtClean="0">
+                              <a:latin typeface="Cambria Math" panose="02040503050406030204" pitchFamily="18" charset="0"/>
+                            </a:rPr>
+                            <m:t>1+</m:t>
+                          </m:r>
+                          <m:r>
+                            <a:rPr lang="en-US" altLang="zh-CN" sz="1600" b="0" i="1" smtClean="0">
+                              <a:latin typeface="Cambria Math" panose="02040503050406030204" pitchFamily="18" charset="0"/>
+                            </a:rPr>
+                            <m:t>𝑠𝑐𝑎𝑙𝑒</m:t>
+                          </m:r>
+                        </m:e>
+                      </m:d>
+                      <m:r>
+                        <a:rPr lang="en-US" altLang="zh-CN" sz="1600" b="0" i="1" smtClean="0">
+                          <a:latin typeface="Cambria Math" panose="02040503050406030204" pitchFamily="18" charset="0"/>
+                        </a:rPr>
+                        <m:t>+</m:t>
+                      </m:r>
+                      <m:r>
+                        <a:rPr lang="en-US" altLang="zh-CN" sz="1600" b="0" i="1" smtClean="0">
+                          <a:latin typeface="Cambria Math" panose="02040503050406030204" pitchFamily="18" charset="0"/>
+                        </a:rPr>
+                        <m:t>𝑠h𝑖𝑓𝑡</m:t>
+                      </m:r>
+                    </m:oMath>
+                  </m:oMathPara>
+                </a14:m>
+                <a:endParaRPr lang="zh-CN" altLang="en-US" sz="1400" dirty="0"/>
+              </a:p>
+            </p:txBody>
+          </p:sp>
+        </mc:Choice>
+        <mc:Fallback>
+          <p:sp>
+            <p:nvSpPr>
+              <p:cNvPr id="89" name="文本框 88">
+                <a:extLst>
+                  <a:ext uri="{FF2B5EF4-FFF2-40B4-BE49-F238E27FC236}">
+                    <a16:creationId xmlns:a16="http://schemas.microsoft.com/office/drawing/2014/main" id="{A66F6A71-B5B8-349D-BFBE-0FF7F9FB84D7}"/>
+                  </a:ext>
+                </a:extLst>
+              </p:cNvPr>
+              <p:cNvSpPr txBox="1">
+                <a:spLocks noRot="1" noChangeAspect="1" noMove="1" noResize="1" noEditPoints="1" noAdjustHandles="1" noChangeArrowheads="1" noChangeShapeType="1" noTextEdit="1"/>
+              </p:cNvSpPr>
+              <p:nvPr/>
+            </p:nvSpPr>
+            <p:spPr>
+              <a:xfrm>
+                <a:off x="5763565" y="2273704"/>
+                <a:ext cx="1880515" cy="246221"/>
+              </a:xfrm>
+              <a:prstGeom prst="rect">
+                <a:avLst/>
+              </a:prstGeom>
+              <a:blipFill>
+                <a:blip r:embed="rId5"/>
+                <a:stretch>
+                  <a:fillRect l="-2265" r="-2913" b="-32500"/>
+                </a:stretch>
+              </a:blipFill>
+            </p:spPr>
+            <p:txBody>
+              <a:bodyPr/>
+              <a:lstStyle/>
+              <a:p>
+                <a:r>
+                  <a:rPr lang="zh-CN" altLang="en-US">
+                    <a:noFill/>
+                  </a:rPr>
+                  <a:t> </a:t>
+                </a:r>
+              </a:p>
+            </p:txBody>
+          </p:sp>
+        </mc:Fallback>
+      </mc:AlternateContent>
+      <p:cxnSp>
+        <p:nvCxnSpPr>
+          <p:cNvPr id="96" name="直接箭头连接符 95">
+            <a:extLst>
+              <a:ext uri="{FF2B5EF4-FFF2-40B4-BE49-F238E27FC236}">
+                <a16:creationId xmlns:a16="http://schemas.microsoft.com/office/drawing/2014/main" id="{4272396F-2BF3-2CCA-CCA7-EC9D44276D8B}"/>
+              </a:ext>
+            </a:extLst>
+          </p:cNvPr>
+          <p:cNvCxnSpPr>
+            <a:cxnSpLocks/>
+            <a:stCxn id="40" idx="0"/>
+            <a:endCxn id="19" idx="2"/>
+          </p:cNvCxnSpPr>
+          <p:nvPr/>
+        </p:nvCxnSpPr>
+        <p:spPr>
+          <a:xfrm flipV="1">
+            <a:off x="4680803" y="5010419"/>
+            <a:ext cx="328" cy="414261"/>
+          </a:xfrm>
+          <a:prstGeom prst="straightConnector1">
+            <a:avLst/>
+          </a:prstGeom>
+          <a:ln w="12700">
+            <a:tailEnd type="triangle"/>
+          </a:ln>
+        </p:spPr>
+        <p:style>
+          <a:lnRef idx="2">
+            <a:schemeClr val="accent1"/>
+          </a:lnRef>
+          <a:fillRef idx="0">
+            <a:schemeClr val="accent1"/>
+          </a:fillRef>
+          <a:effectRef idx="1">
+            <a:schemeClr val="accent1"/>
+          </a:effectRef>
+          <a:fontRef idx="minor">
+            <a:schemeClr val="tx1"/>
+          </a:fontRef>
+        </p:style>
+      </p:cxnSp>
+      <p:sp>
+        <p:nvSpPr>
+          <p:cNvPr id="99" name="文本框 98">
+            <a:extLst>
+              <a:ext uri="{FF2B5EF4-FFF2-40B4-BE49-F238E27FC236}">
+                <a16:creationId xmlns:a16="http://schemas.microsoft.com/office/drawing/2014/main" id="{17E8DD65-2E37-900E-5AB1-C9A1E5E346C2}"/>
+              </a:ext>
+            </a:extLst>
+          </p:cNvPr>
+          <p:cNvSpPr txBox="1"/>
+          <p:nvPr/>
+        </p:nvSpPr>
+        <p:spPr>
+          <a:xfrm>
+            <a:off x="4431943" y="5795403"/>
+            <a:ext cx="511073" cy="338554"/>
+          </a:xfrm>
+          <a:prstGeom prst="rect">
+            <a:avLst/>
+          </a:prstGeom>
+          <a:noFill/>
+        </p:spPr>
+        <p:txBody>
+          <a:bodyPr wrap="square">
+            <a:spAutoFit/>
+          </a:bodyPr>
+          <a:lstStyle/>
+          <a:p>
+            <a:r>
+              <a:rPr lang="en-US" altLang="zh-CN" sz="1600" dirty="0">
+                <a:latin typeface="微软雅黑" panose="020B0503020204020204" pitchFamily="34" charset="-122"/>
+                <a:ea typeface="微软雅黑" panose="020B0503020204020204" pitchFamily="34" charset="-122"/>
+              </a:rPr>
+              <a:t>cat</a:t>
+            </a:r>
+            <a:endParaRPr lang="zh-CN" altLang="en-US" sz="2000" dirty="0">
+              <a:latin typeface="微软雅黑" panose="020B0503020204020204" pitchFamily="34" charset="-122"/>
+              <a:ea typeface="微软雅黑" panose="020B0503020204020204" pitchFamily="34" charset="-122"/>
+            </a:endParaRPr>
+          </a:p>
+        </p:txBody>
+      </p:sp>
+      <p:sp>
+        <p:nvSpPr>
+          <p:cNvPr id="100" name="矩形: 圆角 99">
+            <a:extLst>
+              <a:ext uri="{FF2B5EF4-FFF2-40B4-BE49-F238E27FC236}">
+                <a16:creationId xmlns:a16="http://schemas.microsoft.com/office/drawing/2014/main" id="{A82155E8-F6CA-7A8C-2B40-CEED76B3A38A}"/>
+              </a:ext>
+            </a:extLst>
+          </p:cNvPr>
+          <p:cNvSpPr/>
+          <p:nvPr/>
+        </p:nvSpPr>
+        <p:spPr>
+          <a:xfrm>
+            <a:off x="10869072" y="2272022"/>
+            <a:ext cx="583815" cy="665467"/>
+          </a:xfrm>
+          <a:prstGeom prst="roundRect">
+            <a:avLst>
+              <a:gd name="adj" fmla="val 0"/>
+            </a:avLst>
+          </a:prstGeom>
+          <a:noFill/>
+          <a:ln>
+            <a:solidFill>
+              <a:schemeClr val="tx1"/>
+            </a:solidFill>
+          </a:ln>
+        </p:spPr>
+        <p:style>
+          <a:lnRef idx="2">
+            <a:schemeClr val="accent1">
+              <a:shade val="15000"/>
+            </a:schemeClr>
+          </a:lnRef>
+          <a:fillRef idx="1">
+            <a:schemeClr val="accent1"/>
+          </a:fillRef>
+          <a:effectRef idx="0">
+            <a:schemeClr val="accent1"/>
+          </a:effectRef>
+          <a:fontRef idx="minor">
+            <a:schemeClr val="lt1"/>
+          </a:fontRef>
+        </p:style>
+        <p:txBody>
+          <a:bodyPr rtlCol="0" anchor="ctr"/>
+          <a:lstStyle/>
+          <a:p>
+            <a:pPr algn="ctr"/>
+            <a:endParaRPr lang="zh-CN" altLang="en-US" sz="3189"/>
+          </a:p>
+        </p:txBody>
+      </p:sp>
+      <p:sp>
+        <p:nvSpPr>
+          <p:cNvPr id="101" name="文本框 100">
+            <a:extLst>
+              <a:ext uri="{FF2B5EF4-FFF2-40B4-BE49-F238E27FC236}">
+                <a16:creationId xmlns:a16="http://schemas.microsoft.com/office/drawing/2014/main" id="{4403B52A-A4CC-C8E9-1AC5-29EB97D498BA}"/>
+              </a:ext>
+            </a:extLst>
+          </p:cNvPr>
+          <p:cNvSpPr txBox="1"/>
+          <p:nvPr/>
+        </p:nvSpPr>
+        <p:spPr>
+          <a:xfrm>
+            <a:off x="10859014" y="2404700"/>
+            <a:ext cx="543739" cy="369332"/>
+          </a:xfrm>
+          <a:prstGeom prst="rect">
+            <a:avLst/>
+          </a:prstGeom>
+          <a:noFill/>
+        </p:spPr>
+        <p:txBody>
+          <a:bodyPr wrap="none" rtlCol="0">
+            <a:spAutoFit/>
+          </a:bodyPr>
+          <a:lstStyle/>
+          <a:p>
+            <a:r>
+              <a:rPr lang="en-US" altLang="zh-CN" dirty="0">
+                <a:latin typeface="微软雅黑" panose="020B0503020204020204" pitchFamily="34" charset="-122"/>
+                <a:ea typeface="微软雅黑" panose="020B0503020204020204" pitchFamily="34" charset="-122"/>
+              </a:rPr>
+              <a:t>GN</a:t>
+            </a:r>
+            <a:endParaRPr lang="zh-CN" altLang="en-US" sz="2000" dirty="0">
+              <a:latin typeface="微软雅黑" panose="020B0503020204020204" pitchFamily="34" charset="-122"/>
+              <a:ea typeface="微软雅黑" panose="020B0503020204020204" pitchFamily="34" charset="-122"/>
+            </a:endParaRPr>
+          </a:p>
+        </p:txBody>
+      </p:sp>
+      <p:sp>
+        <p:nvSpPr>
+          <p:cNvPr id="102" name="矩形: 圆角 101">
+            <a:extLst>
+              <a:ext uri="{FF2B5EF4-FFF2-40B4-BE49-F238E27FC236}">
+                <a16:creationId xmlns:a16="http://schemas.microsoft.com/office/drawing/2014/main" id="{82950D00-64E7-4230-C773-063AD4E54266}"/>
+              </a:ext>
+            </a:extLst>
+          </p:cNvPr>
+          <p:cNvSpPr/>
+          <p:nvPr/>
+        </p:nvSpPr>
+        <p:spPr>
+          <a:xfrm>
+            <a:off x="15792325" y="2272022"/>
+            <a:ext cx="535206" cy="665467"/>
+          </a:xfrm>
+          <a:prstGeom prst="roundRect">
+            <a:avLst>
+              <a:gd name="adj" fmla="val 0"/>
+            </a:avLst>
+          </a:prstGeom>
+          <a:noFill/>
+          <a:ln>
+            <a:solidFill>
+              <a:schemeClr val="tx1"/>
+            </a:solidFill>
+          </a:ln>
+        </p:spPr>
+        <p:style>
+          <a:lnRef idx="2">
+            <a:schemeClr val="accent1">
+              <a:shade val="15000"/>
+            </a:schemeClr>
+          </a:lnRef>
+          <a:fillRef idx="1">
+            <a:schemeClr val="accent1"/>
+          </a:fillRef>
+          <a:effectRef idx="0">
+            <a:schemeClr val="accent1"/>
+          </a:effectRef>
+          <a:fontRef idx="minor">
+            <a:schemeClr val="lt1"/>
+          </a:fontRef>
+        </p:style>
+        <p:txBody>
+          <a:bodyPr rtlCol="0" anchor="ctr"/>
+          <a:lstStyle/>
+          <a:p>
+            <a:pPr algn="ctr"/>
+            <a:endParaRPr lang="zh-CN" altLang="en-US" sz="3189"/>
+          </a:p>
+        </p:txBody>
+      </p:sp>
+      <p:sp>
+        <p:nvSpPr>
+          <p:cNvPr id="103" name="文本框 102">
+            <a:extLst>
+              <a:ext uri="{FF2B5EF4-FFF2-40B4-BE49-F238E27FC236}">
+                <a16:creationId xmlns:a16="http://schemas.microsoft.com/office/drawing/2014/main" id="{2306141E-D5BF-795C-D373-26E3981D547E}"/>
+              </a:ext>
+            </a:extLst>
+          </p:cNvPr>
+          <p:cNvSpPr txBox="1"/>
+          <p:nvPr/>
+        </p:nvSpPr>
+        <p:spPr>
+          <a:xfrm>
+            <a:off x="15761297" y="2404700"/>
+            <a:ext cx="548548" cy="369332"/>
+          </a:xfrm>
+          <a:prstGeom prst="rect">
+            <a:avLst/>
+          </a:prstGeom>
+          <a:noFill/>
+        </p:spPr>
+        <p:txBody>
+          <a:bodyPr wrap="none" rtlCol="0">
+            <a:spAutoFit/>
+          </a:bodyPr>
+          <a:lstStyle/>
+          <a:p>
+            <a:r>
+              <a:rPr lang="en-US" altLang="zh-CN" dirty="0">
+                <a:latin typeface="微软雅黑" panose="020B0503020204020204" pitchFamily="34" charset="-122"/>
+                <a:ea typeface="微软雅黑" panose="020B0503020204020204" pitchFamily="34" charset="-122"/>
+              </a:rPr>
+              <a:t>Act</a:t>
+            </a:r>
+            <a:endParaRPr lang="zh-CN" altLang="en-US" sz="2000" dirty="0">
+              <a:latin typeface="微软雅黑" panose="020B0503020204020204" pitchFamily="34" charset="-122"/>
+              <a:ea typeface="微软雅黑" panose="020B0503020204020204" pitchFamily="34" charset="-122"/>
+            </a:endParaRPr>
+          </a:p>
+        </p:txBody>
+      </p:sp>
+      <p:sp>
+        <p:nvSpPr>
+          <p:cNvPr id="104" name="矩形: 圆角 103">
+            <a:extLst>
+              <a:ext uri="{FF2B5EF4-FFF2-40B4-BE49-F238E27FC236}">
+                <a16:creationId xmlns:a16="http://schemas.microsoft.com/office/drawing/2014/main" id="{52592097-954D-1A72-DFEE-E59A2B1F09F0}"/>
+              </a:ext>
+            </a:extLst>
+          </p:cNvPr>
+          <p:cNvSpPr/>
+          <p:nvPr/>
+        </p:nvSpPr>
+        <p:spPr>
+          <a:xfrm>
+            <a:off x="16791542" y="2272022"/>
+            <a:ext cx="1007748" cy="665467"/>
+          </a:xfrm>
+          <a:prstGeom prst="roundRect">
+            <a:avLst>
+              <a:gd name="adj" fmla="val 0"/>
+            </a:avLst>
+          </a:prstGeom>
+          <a:noFill/>
+          <a:ln>
+            <a:solidFill>
+              <a:schemeClr val="tx1"/>
+            </a:solidFill>
+          </a:ln>
+        </p:spPr>
+        <p:style>
+          <a:lnRef idx="2">
+            <a:schemeClr val="accent1">
+              <a:shade val="15000"/>
+            </a:schemeClr>
+          </a:lnRef>
+          <a:fillRef idx="1">
+            <a:schemeClr val="accent1"/>
+          </a:fillRef>
+          <a:effectRef idx="0">
+            <a:schemeClr val="accent1"/>
+          </a:effectRef>
+          <a:fontRef idx="minor">
+            <a:schemeClr val="lt1"/>
+          </a:fontRef>
+        </p:style>
+        <p:txBody>
+          <a:bodyPr rtlCol="0" anchor="ctr"/>
+          <a:lstStyle/>
+          <a:p>
+            <a:pPr algn="ctr"/>
+            <a:endParaRPr lang="zh-CN" altLang="en-US" sz="3189"/>
+          </a:p>
+        </p:txBody>
+      </p:sp>
+      <p:sp>
+        <p:nvSpPr>
+          <p:cNvPr id="105" name="文本框 104">
+            <a:extLst>
+              <a:ext uri="{FF2B5EF4-FFF2-40B4-BE49-F238E27FC236}">
+                <a16:creationId xmlns:a16="http://schemas.microsoft.com/office/drawing/2014/main" id="{737D4B67-B954-EC97-0449-5D2F197B0F8A}"/>
+              </a:ext>
+            </a:extLst>
+          </p:cNvPr>
+          <p:cNvSpPr txBox="1"/>
+          <p:nvPr/>
+        </p:nvSpPr>
+        <p:spPr>
+          <a:xfrm>
+            <a:off x="16817701" y="2404700"/>
+            <a:ext cx="1032655" cy="369332"/>
+          </a:xfrm>
+          <a:prstGeom prst="rect">
+            <a:avLst/>
+          </a:prstGeom>
+          <a:noFill/>
+        </p:spPr>
+        <p:txBody>
+          <a:bodyPr wrap="none" rtlCol="0">
+            <a:spAutoFit/>
+          </a:bodyPr>
+          <a:lstStyle/>
+          <a:p>
+            <a:r>
+              <a:rPr lang="en-US" altLang="zh-CN" dirty="0">
+                <a:latin typeface="微软雅黑" panose="020B0503020204020204" pitchFamily="34" charset="-122"/>
+                <a:ea typeface="微软雅黑" panose="020B0503020204020204" pitchFamily="34" charset="-122"/>
+              </a:rPr>
+              <a:t>Conv2d</a:t>
+            </a:r>
+            <a:endParaRPr lang="zh-CN" altLang="en-US" dirty="0">
+              <a:latin typeface="微软雅黑" panose="020B0503020204020204" pitchFamily="34" charset="-122"/>
+              <a:ea typeface="微软雅黑" panose="020B0503020204020204" pitchFamily="34" charset="-122"/>
+            </a:endParaRPr>
+          </a:p>
+        </p:txBody>
+      </p:sp>
+      <p:sp>
+        <p:nvSpPr>
+          <p:cNvPr id="106" name="文本框 105">
+            <a:extLst>
+              <a:ext uri="{FF2B5EF4-FFF2-40B4-BE49-F238E27FC236}">
+                <a16:creationId xmlns:a16="http://schemas.microsoft.com/office/drawing/2014/main" id="{9771C0AA-D636-7E3C-3215-FFC3E8BADFB0}"/>
+              </a:ext>
+            </a:extLst>
+          </p:cNvPr>
+          <p:cNvSpPr txBox="1"/>
+          <p:nvPr/>
+        </p:nvSpPr>
+        <p:spPr>
+          <a:xfrm>
+            <a:off x="10832049" y="6424518"/>
+            <a:ext cx="2306356" cy="584775"/>
+          </a:xfrm>
+          <a:prstGeom prst="rect">
+            <a:avLst/>
+          </a:prstGeom>
+          <a:noFill/>
+        </p:spPr>
+        <p:txBody>
+          <a:bodyPr wrap="square">
+            <a:spAutoFit/>
+          </a:bodyPr>
+          <a:lstStyle/>
+          <a:p>
+            <a:pPr algn="ctr"/>
+            <a:r>
+              <a:rPr lang="en-US" altLang="zh-CN" sz="1600" dirty="0">
+                <a:latin typeface="微软雅黑" panose="020B0503020204020204" pitchFamily="34" charset="-122"/>
+                <a:ea typeface="微软雅黑" panose="020B0503020204020204" pitchFamily="34" charset="-122"/>
+              </a:rPr>
+              <a:t>Time</a:t>
+            </a:r>
+          </a:p>
+          <a:p>
+            <a:pPr algn="ctr"/>
+            <a:r>
+              <a:rPr lang="en-US" altLang="zh-CN" sz="1600" dirty="0">
+                <a:latin typeface="微软雅黑" panose="020B0503020204020204" pitchFamily="34" charset="-122"/>
+                <a:ea typeface="微软雅黑" panose="020B0503020204020204" pitchFamily="34" charset="-122"/>
+              </a:rPr>
+              <a:t>E</a:t>
+            </a:r>
+            <a:r>
+              <a:rPr lang="zh-CN" altLang="en-US" sz="1600" dirty="0">
+                <a:latin typeface="微软雅黑" panose="020B0503020204020204" pitchFamily="34" charset="-122"/>
+                <a:ea typeface="微软雅黑" panose="020B0503020204020204" pitchFamily="34" charset="-122"/>
+              </a:rPr>
+              <a:t>mbedding</a:t>
+            </a:r>
+          </a:p>
+        </p:txBody>
+      </p:sp>
+      <p:sp>
+        <p:nvSpPr>
+          <p:cNvPr id="107" name="矩形: 圆角 106">
+            <a:extLst>
+              <a:ext uri="{FF2B5EF4-FFF2-40B4-BE49-F238E27FC236}">
+                <a16:creationId xmlns:a16="http://schemas.microsoft.com/office/drawing/2014/main" id="{A6C27453-7B88-E654-43BA-C90871C043D7}"/>
+              </a:ext>
+            </a:extLst>
+          </p:cNvPr>
+          <p:cNvSpPr/>
+          <p:nvPr/>
+        </p:nvSpPr>
+        <p:spPr>
+          <a:xfrm>
+            <a:off x="11296030" y="6320114"/>
+            <a:ext cx="1379482" cy="793585"/>
+          </a:xfrm>
+          <a:prstGeom prst="roundRect">
+            <a:avLst>
+              <a:gd name="adj" fmla="val 0"/>
+            </a:avLst>
+          </a:prstGeom>
+          <a:noFill/>
+          <a:ln>
+            <a:solidFill>
+              <a:schemeClr val="tx1"/>
+            </a:solidFill>
+          </a:ln>
+        </p:spPr>
+        <p:style>
+          <a:lnRef idx="2">
+            <a:schemeClr val="accent1">
+              <a:shade val="15000"/>
+            </a:schemeClr>
+          </a:lnRef>
+          <a:fillRef idx="1">
+            <a:schemeClr val="accent1"/>
+          </a:fillRef>
+          <a:effectRef idx="0">
+            <a:schemeClr val="accent1"/>
+          </a:effectRef>
+          <a:fontRef idx="minor">
+            <a:schemeClr val="lt1"/>
+          </a:fontRef>
+        </p:style>
+        <p:txBody>
+          <a:bodyPr rtlCol="0" anchor="ctr"/>
+          <a:lstStyle/>
+          <a:p>
+            <a:pPr algn="ctr"/>
+            <a:endParaRPr lang="zh-CN" altLang="en-US" sz="3189"/>
+          </a:p>
+        </p:txBody>
+      </p:sp>
+      <p:sp>
+        <p:nvSpPr>
+          <p:cNvPr id="108" name="文本框 107">
+            <a:extLst>
+              <a:ext uri="{FF2B5EF4-FFF2-40B4-BE49-F238E27FC236}">
+                <a16:creationId xmlns:a16="http://schemas.microsoft.com/office/drawing/2014/main" id="{B1A32604-41C7-E47B-C89D-13F5D8F8E2F2}"/>
+              </a:ext>
+            </a:extLst>
+          </p:cNvPr>
+          <p:cNvSpPr txBox="1"/>
+          <p:nvPr/>
+        </p:nvSpPr>
+        <p:spPr>
+          <a:xfrm>
+            <a:off x="12410016" y="4563101"/>
+            <a:ext cx="847174" cy="338554"/>
+          </a:xfrm>
+          <a:prstGeom prst="rect">
+            <a:avLst/>
+          </a:prstGeom>
+          <a:noFill/>
+        </p:spPr>
+        <p:txBody>
+          <a:bodyPr wrap="square">
+            <a:spAutoFit/>
+          </a:bodyPr>
+          <a:lstStyle/>
+          <a:p>
+            <a:r>
+              <a:rPr lang="en-US" altLang="zh-CN" sz="1600" dirty="0">
+                <a:latin typeface="微软雅黑" panose="020B0503020204020204" pitchFamily="34" charset="-122"/>
+                <a:ea typeface="微软雅黑" panose="020B0503020204020204" pitchFamily="34" charset="-122"/>
+              </a:rPr>
+              <a:t>MLP</a:t>
+            </a:r>
+            <a:endParaRPr lang="zh-CN" altLang="en-US" sz="2000" dirty="0">
+              <a:latin typeface="微软雅黑" panose="020B0503020204020204" pitchFamily="34" charset="-122"/>
+              <a:ea typeface="微软雅黑" panose="020B0503020204020204" pitchFamily="34" charset="-122"/>
+            </a:endParaRPr>
+          </a:p>
+        </p:txBody>
+      </p:sp>
+      <p:sp>
+        <p:nvSpPr>
+          <p:cNvPr id="109" name="矩形: 圆角 108">
+            <a:extLst>
+              <a:ext uri="{FF2B5EF4-FFF2-40B4-BE49-F238E27FC236}">
+                <a16:creationId xmlns:a16="http://schemas.microsoft.com/office/drawing/2014/main" id="{A1A77748-0833-C4B6-C94C-F1EF87C28CE7}"/>
+              </a:ext>
+            </a:extLst>
+          </p:cNvPr>
+          <p:cNvSpPr/>
+          <p:nvPr/>
+        </p:nvSpPr>
+        <p:spPr>
+          <a:xfrm>
+            <a:off x="11954020" y="4438911"/>
+            <a:ext cx="1594725" cy="571508"/>
+          </a:xfrm>
+          <a:prstGeom prst="roundRect">
+            <a:avLst>
+              <a:gd name="adj" fmla="val 0"/>
+            </a:avLst>
+          </a:prstGeom>
+          <a:noFill/>
+          <a:ln>
+            <a:solidFill>
+              <a:schemeClr val="tx1"/>
+            </a:solidFill>
+          </a:ln>
+        </p:spPr>
+        <p:style>
+          <a:lnRef idx="2">
+            <a:schemeClr val="accent1">
+              <a:shade val="15000"/>
+            </a:schemeClr>
+          </a:lnRef>
+          <a:fillRef idx="1">
+            <a:schemeClr val="accent1"/>
+          </a:fillRef>
+          <a:effectRef idx="0">
+            <a:schemeClr val="accent1"/>
+          </a:effectRef>
+          <a:fontRef idx="minor">
+            <a:schemeClr val="lt1"/>
+          </a:fontRef>
+        </p:style>
+        <p:txBody>
+          <a:bodyPr rtlCol="0" anchor="ctr"/>
+          <a:lstStyle/>
+          <a:p>
+            <a:pPr algn="ctr"/>
+            <a:endParaRPr lang="zh-CN" altLang="en-US" sz="3189"/>
+          </a:p>
+        </p:txBody>
+      </p:sp>
+      <p:sp>
+        <p:nvSpPr>
+          <p:cNvPr id="110" name="矩形: 圆角 109">
+            <a:extLst>
+              <a:ext uri="{FF2B5EF4-FFF2-40B4-BE49-F238E27FC236}">
+                <a16:creationId xmlns:a16="http://schemas.microsoft.com/office/drawing/2014/main" id="{09F6767A-37E9-DC45-61CC-4A69B818429B}"/>
+              </a:ext>
+            </a:extLst>
+          </p:cNvPr>
+          <p:cNvSpPr/>
+          <p:nvPr/>
+        </p:nvSpPr>
+        <p:spPr>
+          <a:xfrm>
+            <a:off x="10600130" y="2033748"/>
+            <a:ext cx="7382472" cy="1095469"/>
+          </a:xfrm>
+          <a:prstGeom prst="roundRect">
+            <a:avLst>
+              <a:gd name="adj" fmla="val 0"/>
+            </a:avLst>
+          </a:prstGeom>
+          <a:noFill/>
+          <a:ln>
+            <a:prstDash val="dash"/>
+          </a:ln>
+        </p:spPr>
+        <p:style>
+          <a:lnRef idx="2">
+            <a:schemeClr val="accent1">
+              <a:shade val="15000"/>
+            </a:schemeClr>
+          </a:lnRef>
+          <a:fillRef idx="1">
+            <a:schemeClr val="accent1"/>
+          </a:fillRef>
+          <a:effectRef idx="0">
+            <a:schemeClr val="accent1"/>
+          </a:effectRef>
+          <a:fontRef idx="minor">
+            <a:schemeClr val="lt1"/>
+          </a:fontRef>
+        </p:style>
+        <p:txBody>
+          <a:bodyPr rtlCol="0" anchor="ctr"/>
+          <a:lstStyle/>
+          <a:p>
+            <a:pPr algn="ctr"/>
+            <a:endParaRPr lang="zh-CN" altLang="en-US"/>
+          </a:p>
+        </p:txBody>
+      </p:sp>
+      <p:cxnSp>
+        <p:nvCxnSpPr>
+          <p:cNvPr id="111" name="直接箭头连接符 110">
+            <a:extLst>
+              <a:ext uri="{FF2B5EF4-FFF2-40B4-BE49-F238E27FC236}">
+                <a16:creationId xmlns:a16="http://schemas.microsoft.com/office/drawing/2014/main" id="{AD4C6869-BF19-1E0B-490F-2EDDDEA535C2}"/>
+              </a:ext>
+            </a:extLst>
+          </p:cNvPr>
+          <p:cNvCxnSpPr>
+            <a:cxnSpLocks/>
+            <a:stCxn id="100" idx="3"/>
+            <a:endCxn id="102" idx="1"/>
+          </p:cNvCxnSpPr>
+          <p:nvPr/>
+        </p:nvCxnSpPr>
+        <p:spPr>
+          <a:xfrm>
+            <a:off x="11452887" y="2604756"/>
+            <a:ext cx="4339438" cy="0"/>
+          </a:xfrm>
+          <a:prstGeom prst="straightConnector1">
+            <a:avLst/>
+          </a:prstGeom>
+          <a:ln w="12700">
+            <a:tailEnd type="triangle"/>
+          </a:ln>
+        </p:spPr>
+        <p:style>
+          <a:lnRef idx="2">
+            <a:schemeClr val="accent1"/>
+          </a:lnRef>
+          <a:fillRef idx="0">
+            <a:schemeClr val="accent1"/>
+          </a:fillRef>
+          <a:effectRef idx="1">
+            <a:schemeClr val="accent1"/>
+          </a:effectRef>
+          <a:fontRef idx="minor">
+            <a:schemeClr val="tx1"/>
+          </a:fontRef>
+        </p:style>
+      </p:cxnSp>
+      <p:cxnSp>
+        <p:nvCxnSpPr>
+          <p:cNvPr id="112" name="直接箭头连接符 111">
+            <a:extLst>
+              <a:ext uri="{FF2B5EF4-FFF2-40B4-BE49-F238E27FC236}">
+                <a16:creationId xmlns:a16="http://schemas.microsoft.com/office/drawing/2014/main" id="{AF838AB0-CE94-0614-3C01-FE61C7230B01}"/>
+              </a:ext>
+            </a:extLst>
+          </p:cNvPr>
+          <p:cNvCxnSpPr>
+            <a:cxnSpLocks/>
+            <a:stCxn id="102" idx="3"/>
+            <a:endCxn id="104" idx="1"/>
+          </p:cNvCxnSpPr>
+          <p:nvPr/>
+        </p:nvCxnSpPr>
+        <p:spPr>
+          <a:xfrm>
+            <a:off x="16327531" y="2604756"/>
+            <a:ext cx="464011" cy="0"/>
+          </a:xfrm>
+          <a:prstGeom prst="straightConnector1">
+            <a:avLst/>
+          </a:prstGeom>
+          <a:ln w="12700">
+            <a:tailEnd type="triangle"/>
+          </a:ln>
+        </p:spPr>
+        <p:style>
+          <a:lnRef idx="2">
+            <a:schemeClr val="accent1"/>
+          </a:lnRef>
+          <a:fillRef idx="0">
+            <a:schemeClr val="accent1"/>
+          </a:fillRef>
+          <a:effectRef idx="1">
+            <a:schemeClr val="accent1"/>
+          </a:effectRef>
+          <a:fontRef idx="minor">
+            <a:schemeClr val="tx1"/>
+          </a:fontRef>
+        </p:style>
+      </p:cxnSp>
+      <p:cxnSp>
+        <p:nvCxnSpPr>
+          <p:cNvPr id="113" name="直接箭头连接符 112">
+            <a:extLst>
+              <a:ext uri="{FF2B5EF4-FFF2-40B4-BE49-F238E27FC236}">
+                <a16:creationId xmlns:a16="http://schemas.microsoft.com/office/drawing/2014/main" id="{1D987CCA-B189-53FC-85FA-5A2903C5379D}"/>
+              </a:ext>
+            </a:extLst>
+          </p:cNvPr>
+          <p:cNvCxnSpPr>
+            <a:cxnSpLocks/>
+            <a:stCxn id="109" idx="0"/>
+            <a:endCxn id="124" idx="2"/>
+          </p:cNvCxnSpPr>
+          <p:nvPr/>
+        </p:nvCxnSpPr>
+        <p:spPr>
+          <a:xfrm flipV="1">
+            <a:off x="12751383" y="3946437"/>
+            <a:ext cx="689320" cy="492474"/>
+          </a:xfrm>
+          <a:prstGeom prst="straightConnector1">
+            <a:avLst/>
+          </a:prstGeom>
+          <a:ln w="12700">
+            <a:tailEnd type="triangle"/>
+          </a:ln>
+        </p:spPr>
+        <p:style>
+          <a:lnRef idx="2">
+            <a:schemeClr val="accent1"/>
+          </a:lnRef>
+          <a:fillRef idx="0">
+            <a:schemeClr val="accent1"/>
+          </a:fillRef>
+          <a:effectRef idx="1">
+            <a:schemeClr val="accent1"/>
+          </a:effectRef>
+          <a:fontRef idx="minor">
+            <a:schemeClr val="tx1"/>
+          </a:fontRef>
+        </p:style>
+      </p:cxnSp>
+      <p:sp>
+        <p:nvSpPr>
+          <p:cNvPr id="114" name="文本框 113">
+            <a:extLst>
+              <a:ext uri="{FF2B5EF4-FFF2-40B4-BE49-F238E27FC236}">
+                <a16:creationId xmlns:a16="http://schemas.microsoft.com/office/drawing/2014/main" id="{16EC84BE-35EA-E470-A60F-9774F060078D}"/>
+              </a:ext>
+            </a:extLst>
+          </p:cNvPr>
+          <p:cNvSpPr txBox="1"/>
+          <p:nvPr/>
+        </p:nvSpPr>
+        <p:spPr>
+          <a:xfrm>
+            <a:off x="12814555" y="6424519"/>
+            <a:ext cx="1543938" cy="584775"/>
+          </a:xfrm>
+          <a:prstGeom prst="rect">
+            <a:avLst/>
+          </a:prstGeom>
+          <a:noFill/>
+        </p:spPr>
+        <p:txBody>
+          <a:bodyPr wrap="square">
+            <a:spAutoFit/>
+          </a:bodyPr>
+          <a:lstStyle/>
+          <a:p>
+            <a:pPr algn="ctr"/>
+            <a:r>
+              <a:rPr lang="en-US" altLang="zh-CN" sz="1600" dirty="0">
+                <a:latin typeface="微软雅黑" panose="020B0503020204020204" pitchFamily="34" charset="-122"/>
+                <a:ea typeface="微软雅黑" panose="020B0503020204020204" pitchFamily="34" charset="-122"/>
+              </a:rPr>
+              <a:t>Condition</a:t>
+            </a:r>
+          </a:p>
+          <a:p>
+            <a:pPr algn="ctr"/>
+            <a:r>
+              <a:rPr lang="en-US" altLang="zh-CN" sz="1600" dirty="0">
+                <a:latin typeface="微软雅黑" panose="020B0503020204020204" pitchFamily="34" charset="-122"/>
+                <a:ea typeface="微软雅黑" panose="020B0503020204020204" pitchFamily="34" charset="-122"/>
+              </a:rPr>
+              <a:t>E</a:t>
+            </a:r>
+            <a:r>
+              <a:rPr lang="zh-CN" altLang="en-US" sz="1600" dirty="0">
+                <a:latin typeface="微软雅黑" panose="020B0503020204020204" pitchFamily="34" charset="-122"/>
+                <a:ea typeface="微软雅黑" panose="020B0503020204020204" pitchFamily="34" charset="-122"/>
+              </a:rPr>
+              <a:t>mbedding</a:t>
+            </a:r>
+          </a:p>
+        </p:txBody>
+      </p:sp>
+      <p:sp>
+        <p:nvSpPr>
+          <p:cNvPr id="115" name="矩形: 圆角 114">
+            <a:extLst>
+              <a:ext uri="{FF2B5EF4-FFF2-40B4-BE49-F238E27FC236}">
+                <a16:creationId xmlns:a16="http://schemas.microsoft.com/office/drawing/2014/main" id="{C8C26538-290E-4E36-9AD1-8A23FCCC6880}"/>
+              </a:ext>
+            </a:extLst>
+          </p:cNvPr>
+          <p:cNvSpPr/>
+          <p:nvPr/>
+        </p:nvSpPr>
+        <p:spPr>
+          <a:xfrm>
+            <a:off x="12865353" y="6320115"/>
+            <a:ext cx="1430283" cy="793585"/>
+          </a:xfrm>
+          <a:prstGeom prst="roundRect">
+            <a:avLst>
+              <a:gd name="adj" fmla="val 0"/>
+            </a:avLst>
+          </a:prstGeom>
+          <a:noFill/>
+          <a:ln>
+            <a:solidFill>
+              <a:schemeClr val="tx1"/>
+            </a:solidFill>
+          </a:ln>
+        </p:spPr>
+        <p:style>
+          <a:lnRef idx="2">
+            <a:schemeClr val="accent1">
+              <a:shade val="15000"/>
+            </a:schemeClr>
+          </a:lnRef>
+          <a:fillRef idx="1">
+            <a:schemeClr val="accent1"/>
+          </a:fillRef>
+          <a:effectRef idx="0">
+            <a:schemeClr val="accent1"/>
+          </a:effectRef>
+          <a:fontRef idx="minor">
+            <a:schemeClr val="lt1"/>
+          </a:fontRef>
+        </p:style>
+        <p:txBody>
+          <a:bodyPr rtlCol="0" anchor="ctr"/>
+          <a:lstStyle/>
+          <a:p>
+            <a:pPr algn="ctr"/>
+            <a:endParaRPr lang="zh-CN" altLang="en-US" sz="3189"/>
+          </a:p>
+        </p:txBody>
+      </p:sp>
+      <p:grpSp>
+        <p:nvGrpSpPr>
+          <p:cNvPr id="116" name="组合 115">
+            <a:extLst>
+              <a:ext uri="{FF2B5EF4-FFF2-40B4-BE49-F238E27FC236}">
+                <a16:creationId xmlns:a16="http://schemas.microsoft.com/office/drawing/2014/main" id="{4DB869C1-6AFB-DE93-05DC-767780311D04}"/>
+              </a:ext>
+            </a:extLst>
+          </p:cNvPr>
+          <p:cNvGrpSpPr/>
+          <p:nvPr/>
+        </p:nvGrpSpPr>
+        <p:grpSpPr>
+          <a:xfrm>
+            <a:off x="12571055" y="5424680"/>
+            <a:ext cx="360000" cy="363969"/>
+            <a:chOff x="5281075" y="4315800"/>
+            <a:chExt cx="360000" cy="363969"/>
+          </a:xfrm>
+        </p:grpSpPr>
+        <p:sp>
+          <p:nvSpPr>
+            <p:cNvPr id="117" name="加号 116">
+              <a:extLst>
+                <a:ext uri="{FF2B5EF4-FFF2-40B4-BE49-F238E27FC236}">
+                  <a16:creationId xmlns:a16="http://schemas.microsoft.com/office/drawing/2014/main" id="{94BE0CE2-A7BF-F417-3E3F-798BFCEAC21B}"/>
+                </a:ext>
+              </a:extLst>
+            </p:cNvPr>
+            <p:cNvSpPr/>
+            <p:nvPr/>
+          </p:nvSpPr>
+          <p:spPr>
+            <a:xfrm>
+              <a:off x="5281075" y="4319769"/>
+              <a:ext cx="360000" cy="360000"/>
+            </a:xfrm>
+            <a:prstGeom prst="mathPlus">
+              <a:avLst>
+                <a:gd name="adj1" fmla="val 12933"/>
+              </a:avLst>
+            </a:prstGeom>
+            <a:noFill/>
+          </p:spPr>
+          <p:style>
+            <a:lnRef idx="2">
+              <a:schemeClr val="accent1">
+                <a:shade val="15000"/>
+              </a:schemeClr>
+            </a:lnRef>
+            <a:fillRef idx="1">
+              <a:schemeClr val="accent1"/>
+            </a:fillRef>
+            <a:effectRef idx="0">
+              <a:schemeClr val="accent1"/>
+            </a:effectRef>
+            <a:fontRef idx="minor">
+              <a:schemeClr val="lt1"/>
+            </a:fontRef>
+          </p:style>
+          <p:txBody>
+            <a:bodyPr rtlCol="0" anchor="ctr"/>
+            <a:lstStyle/>
+            <a:p>
+              <a:pPr algn="ctr"/>
+              <a:endParaRPr lang="zh-CN" altLang="en-US"/>
+            </a:p>
+          </p:txBody>
+        </p:sp>
+        <p:sp>
+          <p:nvSpPr>
+            <p:cNvPr id="118" name="椭圆 117">
+              <a:extLst>
+                <a:ext uri="{FF2B5EF4-FFF2-40B4-BE49-F238E27FC236}">
+                  <a16:creationId xmlns:a16="http://schemas.microsoft.com/office/drawing/2014/main" id="{F226E395-4C6D-1C48-D727-C35C47FA6D91}"/>
+                </a:ext>
+              </a:extLst>
+            </p:cNvPr>
+            <p:cNvSpPr/>
+            <p:nvPr/>
+          </p:nvSpPr>
+          <p:spPr>
+            <a:xfrm>
+              <a:off x="5281075" y="4315800"/>
+              <a:ext cx="360000" cy="360000"/>
+            </a:xfrm>
+            <a:prstGeom prst="ellipse">
+              <a:avLst/>
+            </a:prstGeom>
+            <a:noFill/>
+          </p:spPr>
+          <p:style>
+            <a:lnRef idx="2">
+              <a:schemeClr val="accent1">
+                <a:shade val="15000"/>
+              </a:schemeClr>
+            </a:lnRef>
+            <a:fillRef idx="1">
+              <a:schemeClr val="accent1"/>
+            </a:fillRef>
+            <a:effectRef idx="0">
+              <a:schemeClr val="accent1"/>
+            </a:effectRef>
+            <a:fontRef idx="minor">
+              <a:schemeClr val="lt1"/>
+            </a:fontRef>
+          </p:style>
+          <p:txBody>
+            <a:bodyPr rtlCol="0" anchor="ctr"/>
+            <a:lstStyle/>
+            <a:p>
+              <a:pPr algn="ctr"/>
+              <a:endParaRPr lang="zh-CN" altLang="en-US"/>
+            </a:p>
+          </p:txBody>
+        </p:sp>
+      </p:grpSp>
+      <p:cxnSp>
+        <p:nvCxnSpPr>
+          <p:cNvPr id="119" name="连接符: 肘形 118">
+            <a:extLst>
+              <a:ext uri="{FF2B5EF4-FFF2-40B4-BE49-F238E27FC236}">
+                <a16:creationId xmlns:a16="http://schemas.microsoft.com/office/drawing/2014/main" id="{0C765816-BB4A-7AC2-17F1-05F8B9A8EE7B}"/>
+              </a:ext>
+            </a:extLst>
+          </p:cNvPr>
+          <p:cNvCxnSpPr>
+            <a:cxnSpLocks/>
+            <a:stCxn id="107" idx="0"/>
+            <a:endCxn id="118" idx="2"/>
+          </p:cNvCxnSpPr>
+          <p:nvPr/>
+        </p:nvCxnSpPr>
+        <p:spPr>
+          <a:xfrm rot="5400000" flipH="1" flipV="1">
+            <a:off x="11920696" y="5669755"/>
+            <a:ext cx="715434" cy="585284"/>
+          </a:xfrm>
+          <a:prstGeom prst="bentConnector2">
+            <a:avLst/>
+          </a:prstGeom>
+          <a:ln>
+            <a:tailEnd type="triangle"/>
+          </a:ln>
+        </p:spPr>
+        <p:style>
+          <a:lnRef idx="2">
+            <a:schemeClr val="accent1"/>
+          </a:lnRef>
+          <a:fillRef idx="0">
+            <a:schemeClr val="accent1"/>
+          </a:fillRef>
+          <a:effectRef idx="1">
+            <a:schemeClr val="accent1"/>
+          </a:effectRef>
+          <a:fontRef idx="minor">
+            <a:schemeClr val="tx1"/>
+          </a:fontRef>
+        </p:style>
+      </p:cxnSp>
+      <p:cxnSp>
+        <p:nvCxnSpPr>
+          <p:cNvPr id="120" name="连接符: 肘形 119">
+            <a:extLst>
+              <a:ext uri="{FF2B5EF4-FFF2-40B4-BE49-F238E27FC236}">
+                <a16:creationId xmlns:a16="http://schemas.microsoft.com/office/drawing/2014/main" id="{87029264-A34D-5943-3401-D04546EAA110}"/>
+              </a:ext>
+            </a:extLst>
+          </p:cNvPr>
+          <p:cNvCxnSpPr>
+            <a:cxnSpLocks/>
+            <a:stCxn id="115" idx="0"/>
+            <a:endCxn id="118" idx="6"/>
+          </p:cNvCxnSpPr>
+          <p:nvPr/>
+        </p:nvCxnSpPr>
+        <p:spPr>
+          <a:xfrm rot="16200000" flipV="1">
+            <a:off x="12898058" y="5637678"/>
+            <a:ext cx="715435" cy="649440"/>
+          </a:xfrm>
+          <a:prstGeom prst="bentConnector2">
+            <a:avLst/>
+          </a:prstGeom>
+          <a:ln>
+            <a:tailEnd type="triangle"/>
+          </a:ln>
+        </p:spPr>
+        <p:style>
+          <a:lnRef idx="2">
+            <a:schemeClr val="accent1"/>
+          </a:lnRef>
+          <a:fillRef idx="0">
+            <a:schemeClr val="accent1"/>
+          </a:fillRef>
+          <a:effectRef idx="1">
+            <a:schemeClr val="accent1"/>
+          </a:effectRef>
+          <a:fontRef idx="minor">
+            <a:schemeClr val="tx1"/>
+          </a:fontRef>
+        </p:style>
+      </p:cxnSp>
+      <p:sp>
+        <p:nvSpPr>
+          <p:cNvPr id="121" name="文本框 120">
+            <a:extLst>
+              <a:ext uri="{FF2B5EF4-FFF2-40B4-BE49-F238E27FC236}">
+                <a16:creationId xmlns:a16="http://schemas.microsoft.com/office/drawing/2014/main" id="{CA7A1AE6-49C7-C163-E257-44446E5A4C44}"/>
+              </a:ext>
+            </a:extLst>
+          </p:cNvPr>
+          <p:cNvSpPr txBox="1"/>
+          <p:nvPr/>
+        </p:nvSpPr>
+        <p:spPr>
+          <a:xfrm>
+            <a:off x="11698371" y="3498253"/>
+            <a:ext cx="669909" cy="338554"/>
+          </a:xfrm>
+          <a:prstGeom prst="rect">
+            <a:avLst/>
+          </a:prstGeom>
+          <a:noFill/>
+        </p:spPr>
+        <p:txBody>
+          <a:bodyPr wrap="square">
+            <a:spAutoFit/>
+          </a:bodyPr>
+          <a:lstStyle/>
+          <a:p>
+            <a:r>
+              <a:rPr lang="en-US" altLang="zh-CN" sz="1600" dirty="0">
+                <a:latin typeface="微软雅黑" panose="020B0503020204020204" pitchFamily="34" charset="-122"/>
+                <a:ea typeface="微软雅黑" panose="020B0503020204020204" pitchFamily="34" charset="-122"/>
+              </a:rPr>
+              <a:t>scale</a:t>
+            </a:r>
+            <a:endParaRPr lang="zh-CN" altLang="en-US" sz="2000" dirty="0">
+              <a:latin typeface="微软雅黑" panose="020B0503020204020204" pitchFamily="34" charset="-122"/>
+              <a:ea typeface="微软雅黑" panose="020B0503020204020204" pitchFamily="34" charset="-122"/>
+            </a:endParaRPr>
+          </a:p>
+        </p:txBody>
+      </p:sp>
+      <p:sp>
+        <p:nvSpPr>
+          <p:cNvPr id="122" name="矩形: 圆角 121">
+            <a:extLst>
+              <a:ext uri="{FF2B5EF4-FFF2-40B4-BE49-F238E27FC236}">
+                <a16:creationId xmlns:a16="http://schemas.microsoft.com/office/drawing/2014/main" id="{74CD799F-2C0E-7EF2-3924-DB20E2C2E4D0}"/>
+              </a:ext>
+            </a:extLst>
+          </p:cNvPr>
+          <p:cNvSpPr/>
+          <p:nvPr/>
+        </p:nvSpPr>
+        <p:spPr>
+          <a:xfrm>
+            <a:off x="11742687" y="3374928"/>
+            <a:ext cx="625593" cy="571508"/>
+          </a:xfrm>
+          <a:prstGeom prst="roundRect">
+            <a:avLst>
+              <a:gd name="adj" fmla="val 0"/>
+            </a:avLst>
+          </a:prstGeom>
+          <a:noFill/>
+          <a:ln>
+            <a:solidFill>
+              <a:schemeClr val="tx1"/>
+            </a:solidFill>
+          </a:ln>
+        </p:spPr>
+        <p:style>
+          <a:lnRef idx="2">
+            <a:schemeClr val="accent1">
+              <a:shade val="15000"/>
+            </a:schemeClr>
+          </a:lnRef>
+          <a:fillRef idx="1">
+            <a:schemeClr val="accent1"/>
+          </a:fillRef>
+          <a:effectRef idx="0">
+            <a:schemeClr val="accent1"/>
+          </a:effectRef>
+          <a:fontRef idx="minor">
+            <a:schemeClr val="lt1"/>
+          </a:fontRef>
+        </p:style>
+        <p:txBody>
+          <a:bodyPr rtlCol="0" anchor="ctr"/>
+          <a:lstStyle/>
+          <a:p>
+            <a:pPr algn="ctr"/>
+            <a:endParaRPr lang="zh-CN" altLang="en-US" sz="3189"/>
+          </a:p>
+        </p:txBody>
+      </p:sp>
+      <p:sp>
+        <p:nvSpPr>
+          <p:cNvPr id="123" name="文本框 122">
+            <a:extLst>
+              <a:ext uri="{FF2B5EF4-FFF2-40B4-BE49-F238E27FC236}">
+                <a16:creationId xmlns:a16="http://schemas.microsoft.com/office/drawing/2014/main" id="{1711037B-A09F-C323-5CE8-B854A8CEF162}"/>
+              </a:ext>
+            </a:extLst>
+          </p:cNvPr>
+          <p:cNvSpPr txBox="1"/>
+          <p:nvPr/>
+        </p:nvSpPr>
+        <p:spPr>
+          <a:xfrm>
+            <a:off x="13152545" y="3517702"/>
+            <a:ext cx="669909" cy="338554"/>
+          </a:xfrm>
+          <a:prstGeom prst="rect">
+            <a:avLst/>
+          </a:prstGeom>
+          <a:noFill/>
+        </p:spPr>
+        <p:txBody>
+          <a:bodyPr wrap="square">
+            <a:spAutoFit/>
+          </a:bodyPr>
+          <a:lstStyle/>
+          <a:p>
+            <a:r>
+              <a:rPr lang="en-US" altLang="zh-CN" sz="1600" dirty="0">
+                <a:latin typeface="微软雅黑" panose="020B0503020204020204" pitchFamily="34" charset="-122"/>
+                <a:ea typeface="微软雅黑" panose="020B0503020204020204" pitchFamily="34" charset="-122"/>
+              </a:rPr>
+              <a:t>shift</a:t>
+            </a:r>
+            <a:endParaRPr lang="zh-CN" altLang="en-US" sz="2000" dirty="0">
+              <a:latin typeface="微软雅黑" panose="020B0503020204020204" pitchFamily="34" charset="-122"/>
+              <a:ea typeface="微软雅黑" panose="020B0503020204020204" pitchFamily="34" charset="-122"/>
+            </a:endParaRPr>
+          </a:p>
+        </p:txBody>
+      </p:sp>
+      <p:sp>
+        <p:nvSpPr>
+          <p:cNvPr id="124" name="矩形: 圆角 123">
+            <a:extLst>
+              <a:ext uri="{FF2B5EF4-FFF2-40B4-BE49-F238E27FC236}">
+                <a16:creationId xmlns:a16="http://schemas.microsoft.com/office/drawing/2014/main" id="{1ACF1D9A-0B7C-1542-8379-872EDBDAFEA9}"/>
+              </a:ext>
+            </a:extLst>
+          </p:cNvPr>
+          <p:cNvSpPr/>
+          <p:nvPr/>
+        </p:nvSpPr>
+        <p:spPr>
+          <a:xfrm>
+            <a:off x="13152099" y="3374929"/>
+            <a:ext cx="577207" cy="571508"/>
+          </a:xfrm>
+          <a:prstGeom prst="roundRect">
+            <a:avLst>
+              <a:gd name="adj" fmla="val 0"/>
+            </a:avLst>
+          </a:prstGeom>
+          <a:noFill/>
+          <a:ln>
+            <a:solidFill>
+              <a:schemeClr val="tx1"/>
+            </a:solidFill>
+          </a:ln>
+        </p:spPr>
+        <p:style>
+          <a:lnRef idx="2">
+            <a:schemeClr val="accent1">
+              <a:shade val="15000"/>
+            </a:schemeClr>
+          </a:lnRef>
+          <a:fillRef idx="1">
+            <a:schemeClr val="accent1"/>
+          </a:fillRef>
+          <a:effectRef idx="0">
+            <a:schemeClr val="accent1"/>
+          </a:effectRef>
+          <a:fontRef idx="minor">
+            <a:schemeClr val="lt1"/>
+          </a:fontRef>
+        </p:style>
+        <p:txBody>
+          <a:bodyPr rtlCol="0" anchor="ctr"/>
+          <a:lstStyle/>
+          <a:p>
+            <a:pPr algn="ctr"/>
+            <a:endParaRPr lang="zh-CN" altLang="en-US" sz="3189"/>
+          </a:p>
+        </p:txBody>
+      </p:sp>
+      <p:cxnSp>
+        <p:nvCxnSpPr>
+          <p:cNvPr id="125" name="直接箭头连接符 124">
+            <a:extLst>
+              <a:ext uri="{FF2B5EF4-FFF2-40B4-BE49-F238E27FC236}">
+                <a16:creationId xmlns:a16="http://schemas.microsoft.com/office/drawing/2014/main" id="{B4C119C8-1CE8-B143-A8E2-99FFE0024107}"/>
+              </a:ext>
+            </a:extLst>
+          </p:cNvPr>
+          <p:cNvCxnSpPr>
+            <a:cxnSpLocks/>
+            <a:stCxn id="109" idx="0"/>
+            <a:endCxn id="122" idx="2"/>
+          </p:cNvCxnSpPr>
+          <p:nvPr/>
+        </p:nvCxnSpPr>
+        <p:spPr>
+          <a:xfrm flipH="1" flipV="1">
+            <a:off x="12055484" y="3946436"/>
+            <a:ext cx="695899" cy="492475"/>
+          </a:xfrm>
+          <a:prstGeom prst="straightConnector1">
+            <a:avLst/>
+          </a:prstGeom>
+          <a:ln w="12700">
+            <a:tailEnd type="triangle"/>
+          </a:ln>
+        </p:spPr>
+        <p:style>
+          <a:lnRef idx="2">
+            <a:schemeClr val="accent1"/>
+          </a:lnRef>
+          <a:fillRef idx="0">
+            <a:schemeClr val="accent1"/>
+          </a:fillRef>
+          <a:effectRef idx="1">
+            <a:schemeClr val="accent1"/>
+          </a:effectRef>
+          <a:fontRef idx="minor">
+            <a:schemeClr val="tx1"/>
+          </a:fontRef>
+        </p:style>
+      </p:cxnSp>
+      <p:cxnSp>
+        <p:nvCxnSpPr>
+          <p:cNvPr id="126" name="直接箭头连接符 125">
+            <a:extLst>
+              <a:ext uri="{FF2B5EF4-FFF2-40B4-BE49-F238E27FC236}">
+                <a16:creationId xmlns:a16="http://schemas.microsoft.com/office/drawing/2014/main" id="{26B3CB60-AFB3-1DEA-92D2-FEB5C5DB2C0E}"/>
+              </a:ext>
+            </a:extLst>
+          </p:cNvPr>
+          <p:cNvCxnSpPr>
+            <a:cxnSpLocks/>
+            <a:stCxn id="122" idx="0"/>
+          </p:cNvCxnSpPr>
+          <p:nvPr/>
+        </p:nvCxnSpPr>
+        <p:spPr>
+          <a:xfrm flipV="1">
+            <a:off x="12055484" y="2598672"/>
+            <a:ext cx="0" cy="776256"/>
+          </a:xfrm>
+          <a:prstGeom prst="straightConnector1">
+            <a:avLst/>
+          </a:prstGeom>
+          <a:ln w="12700">
+            <a:tailEnd type="triangle"/>
+          </a:ln>
+        </p:spPr>
+        <p:style>
+          <a:lnRef idx="2">
+            <a:schemeClr val="accent1"/>
+          </a:lnRef>
+          <a:fillRef idx="0">
+            <a:schemeClr val="accent1"/>
+          </a:fillRef>
+          <a:effectRef idx="1">
+            <a:schemeClr val="accent1"/>
+          </a:effectRef>
+          <a:fontRef idx="minor">
+            <a:schemeClr val="tx1"/>
+          </a:fontRef>
+        </p:style>
+      </p:cxnSp>
+      <p:cxnSp>
+        <p:nvCxnSpPr>
+          <p:cNvPr id="127" name="直接箭头连接符 126">
+            <a:extLst>
+              <a:ext uri="{FF2B5EF4-FFF2-40B4-BE49-F238E27FC236}">
+                <a16:creationId xmlns:a16="http://schemas.microsoft.com/office/drawing/2014/main" id="{F4351248-353F-8079-4BFF-918E86A8CA3C}"/>
+              </a:ext>
+            </a:extLst>
+          </p:cNvPr>
+          <p:cNvCxnSpPr>
+            <a:cxnSpLocks/>
+          </p:cNvCxnSpPr>
+          <p:nvPr/>
+        </p:nvCxnSpPr>
+        <p:spPr>
+          <a:xfrm flipV="1">
+            <a:off x="13440703" y="2594182"/>
+            <a:ext cx="0" cy="776256"/>
+          </a:xfrm>
+          <a:prstGeom prst="straightConnector1">
+            <a:avLst/>
+          </a:prstGeom>
+          <a:ln w="12700">
+            <a:tailEnd type="triangle"/>
+          </a:ln>
+        </p:spPr>
+        <p:style>
+          <a:lnRef idx="2">
+            <a:schemeClr val="accent1"/>
+          </a:lnRef>
+          <a:fillRef idx="0">
+            <a:schemeClr val="accent1"/>
+          </a:fillRef>
+          <a:effectRef idx="1">
+            <a:schemeClr val="accent1"/>
+          </a:effectRef>
+          <a:fontRef idx="minor">
+            <a:schemeClr val="tx1"/>
+          </a:fontRef>
+        </p:style>
+      </p:cxnSp>
+      <mc:AlternateContent xmlns:mc="http://schemas.openxmlformats.org/markup-compatibility/2006">
+        <mc:Choice xmlns:a14="http://schemas.microsoft.com/office/drawing/2010/main" Requires="a14">
+          <p:sp>
+            <p:nvSpPr>
+              <p:cNvPr id="128" name="文本框 127">
+                <a:extLst>
+                  <a:ext uri="{FF2B5EF4-FFF2-40B4-BE49-F238E27FC236}">
+                    <a16:creationId xmlns:a16="http://schemas.microsoft.com/office/drawing/2014/main" id="{EF115DAC-D065-B08A-7081-41EA806BC2F6}"/>
+                  </a:ext>
+                </a:extLst>
+              </p:cNvPr>
+              <p:cNvSpPr txBox="1"/>
+              <p:nvPr/>
+            </p:nvSpPr>
+            <p:spPr>
+              <a:xfrm>
+                <a:off x="11657004" y="2290895"/>
+                <a:ext cx="178702" cy="276999"/>
+              </a:xfrm>
+              <a:prstGeom prst="rect">
+                <a:avLst/>
+              </a:prstGeom>
+              <a:noFill/>
+            </p:spPr>
+            <p:txBody>
+              <a:bodyPr wrap="none" lIns="0" tIns="0" rIns="0" bIns="0" rtlCol="0">
+                <a:spAutoFit/>
+              </a:bodyPr>
+              <a:lstStyle/>
+              <a:p>
+                <a:pPr/>
+                <a14:m>
+                  <m:oMathPara xmlns:m="http://schemas.openxmlformats.org/officeDocument/2006/math">
+                    <m:oMathParaPr>
+                      <m:jc m:val="centerGroup"/>
+                    </m:oMathParaPr>
+                    <m:oMath xmlns:m="http://schemas.openxmlformats.org/officeDocument/2006/math">
+                      <m:r>
+                        <a:rPr lang="en-US" altLang="zh-CN" b="0" i="1" smtClean="0">
+                          <a:latin typeface="Cambria Math" panose="02040503050406030204" pitchFamily="18" charset="0"/>
+                        </a:rPr>
+                        <m:t>h</m:t>
+                      </m:r>
+                    </m:oMath>
+                  </m:oMathPara>
+                </a14:m>
+                <a:endParaRPr lang="zh-CN" altLang="en-US" dirty="0"/>
+              </a:p>
+            </p:txBody>
+          </p:sp>
+        </mc:Choice>
+        <mc:Fallback>
+          <p:sp>
+            <p:nvSpPr>
+              <p:cNvPr id="128" name="文本框 127">
+                <a:extLst>
+                  <a:ext uri="{FF2B5EF4-FFF2-40B4-BE49-F238E27FC236}">
+                    <a16:creationId xmlns:a16="http://schemas.microsoft.com/office/drawing/2014/main" id="{EF115DAC-D065-B08A-7081-41EA806BC2F6}"/>
+                  </a:ext>
+                </a:extLst>
+              </p:cNvPr>
+              <p:cNvSpPr txBox="1">
+                <a:spLocks noRot="1" noChangeAspect="1" noMove="1" noResize="1" noEditPoints="1" noAdjustHandles="1" noChangeArrowheads="1" noChangeShapeType="1" noTextEdit="1"/>
+              </p:cNvSpPr>
+              <p:nvPr/>
+            </p:nvSpPr>
+            <p:spPr>
+              <a:xfrm>
+                <a:off x="11657004" y="2290895"/>
+                <a:ext cx="178702" cy="276999"/>
+              </a:xfrm>
+              <a:prstGeom prst="rect">
+                <a:avLst/>
+              </a:prstGeom>
+              <a:blipFill>
+                <a:blip r:embed="rId6"/>
+                <a:stretch>
+                  <a:fillRect l="-33333" r="-30000" b="-8889"/>
+                </a:stretch>
+              </a:blipFill>
+            </p:spPr>
+            <p:txBody>
+              <a:bodyPr/>
+              <a:lstStyle/>
+              <a:p>
+                <a:r>
+                  <a:rPr lang="zh-CN" altLang="en-US">
+                    <a:noFill/>
+                  </a:rPr>
+                  <a:t> </a:t>
+                </a:r>
+              </a:p>
+            </p:txBody>
+          </p:sp>
+        </mc:Fallback>
+      </mc:AlternateContent>
+      <mc:AlternateContent xmlns:mc="http://schemas.openxmlformats.org/markup-compatibility/2006">
+        <mc:Choice xmlns:a14="http://schemas.microsoft.com/office/drawing/2010/main" Requires="a14">
+          <p:sp>
+            <p:nvSpPr>
+              <p:cNvPr id="129" name="文本框 128">
+                <a:extLst>
+                  <a:ext uri="{FF2B5EF4-FFF2-40B4-BE49-F238E27FC236}">
+                    <a16:creationId xmlns:a16="http://schemas.microsoft.com/office/drawing/2014/main" id="{61AA19F9-2640-657D-E997-971E00628FD9}"/>
+                  </a:ext>
+                </a:extLst>
+              </p:cNvPr>
+              <p:cNvSpPr txBox="1"/>
+              <p:nvPr/>
+            </p:nvSpPr>
+            <p:spPr>
+              <a:xfrm>
+                <a:off x="13833817" y="2273704"/>
+                <a:ext cx="1880515" cy="246221"/>
+              </a:xfrm>
+              <a:prstGeom prst="rect">
+                <a:avLst/>
+              </a:prstGeom>
+              <a:noFill/>
+            </p:spPr>
+            <p:txBody>
+              <a:bodyPr wrap="none" lIns="0" tIns="0" rIns="0" bIns="0" rtlCol="0">
+                <a:spAutoFit/>
+              </a:bodyPr>
+              <a:lstStyle/>
+              <a:p>
+                <a:pPr/>
+                <a14:m>
+                  <m:oMathPara xmlns:m="http://schemas.openxmlformats.org/officeDocument/2006/math">
+                    <m:oMathParaPr>
+                      <m:jc m:val="centerGroup"/>
+                    </m:oMathParaPr>
+                    <m:oMath xmlns:m="http://schemas.openxmlformats.org/officeDocument/2006/math">
+                      <m:r>
+                        <a:rPr lang="en-US" altLang="zh-CN" sz="1600" b="0" i="1" smtClean="0">
+                          <a:latin typeface="Cambria Math" panose="02040503050406030204" pitchFamily="18" charset="0"/>
+                        </a:rPr>
+                        <m:t>h</m:t>
+                      </m:r>
+                      <m:d>
+                        <m:dPr>
+                          <m:ctrlPr>
+                            <a:rPr lang="en-US" altLang="zh-CN" sz="1600" b="0" i="1" smtClean="0">
+                              <a:latin typeface="Cambria Math" panose="02040503050406030204" pitchFamily="18" charset="0"/>
+                            </a:rPr>
+                          </m:ctrlPr>
+                        </m:dPr>
+                        <m:e>
+                          <m:r>
+                            <a:rPr lang="en-US" altLang="zh-CN" sz="1600" b="0" i="1" smtClean="0">
+                              <a:latin typeface="Cambria Math" panose="02040503050406030204" pitchFamily="18" charset="0"/>
+                            </a:rPr>
+                            <m:t>1+</m:t>
+                          </m:r>
+                          <m:r>
+                            <a:rPr lang="en-US" altLang="zh-CN" sz="1600" b="0" i="1" smtClean="0">
+                              <a:latin typeface="Cambria Math" panose="02040503050406030204" pitchFamily="18" charset="0"/>
+                            </a:rPr>
+                            <m:t>𝑠𝑐𝑎𝑙𝑒</m:t>
+                          </m:r>
+                        </m:e>
+                      </m:d>
+                      <m:r>
+                        <a:rPr lang="en-US" altLang="zh-CN" sz="1600" b="0" i="1" smtClean="0">
+                          <a:latin typeface="Cambria Math" panose="02040503050406030204" pitchFamily="18" charset="0"/>
+                        </a:rPr>
+                        <m:t>+</m:t>
+                      </m:r>
+                      <m:r>
+                        <a:rPr lang="en-US" altLang="zh-CN" sz="1600" b="0" i="1" smtClean="0">
+                          <a:latin typeface="Cambria Math" panose="02040503050406030204" pitchFamily="18" charset="0"/>
+                        </a:rPr>
+                        <m:t>𝑠h𝑖𝑓𝑡</m:t>
+                      </m:r>
+                    </m:oMath>
+                  </m:oMathPara>
+                </a14:m>
+                <a:endParaRPr lang="zh-CN" altLang="en-US" sz="1400" dirty="0"/>
+              </a:p>
+            </p:txBody>
+          </p:sp>
+        </mc:Choice>
+        <mc:Fallback>
+          <p:sp>
+            <p:nvSpPr>
+              <p:cNvPr id="129" name="文本框 128">
+                <a:extLst>
+                  <a:ext uri="{FF2B5EF4-FFF2-40B4-BE49-F238E27FC236}">
+                    <a16:creationId xmlns:a16="http://schemas.microsoft.com/office/drawing/2014/main" id="{61AA19F9-2640-657D-E997-971E00628FD9}"/>
+                  </a:ext>
+                </a:extLst>
+              </p:cNvPr>
+              <p:cNvSpPr txBox="1">
+                <a:spLocks noRot="1" noChangeAspect="1" noMove="1" noResize="1" noEditPoints="1" noAdjustHandles="1" noChangeArrowheads="1" noChangeShapeType="1" noTextEdit="1"/>
+              </p:cNvSpPr>
+              <p:nvPr/>
+            </p:nvSpPr>
+            <p:spPr>
+              <a:xfrm>
+                <a:off x="13833817" y="2273704"/>
+                <a:ext cx="1880515" cy="246221"/>
+              </a:xfrm>
+              <a:prstGeom prst="rect">
+                <a:avLst/>
+              </a:prstGeom>
+              <a:blipFill>
+                <a:blip r:embed="rId7"/>
+                <a:stretch>
+                  <a:fillRect l="-2265" r="-2913" b="-32500"/>
+                </a:stretch>
+              </a:blipFill>
+            </p:spPr>
+            <p:txBody>
+              <a:bodyPr/>
+              <a:lstStyle/>
+              <a:p>
+                <a:r>
+                  <a:rPr lang="zh-CN" altLang="en-US">
+                    <a:noFill/>
+                  </a:rPr>
+                  <a:t> </a:t>
+                </a:r>
+              </a:p>
+            </p:txBody>
+          </p:sp>
+        </mc:Fallback>
+      </mc:AlternateContent>
+      <p:cxnSp>
+        <p:nvCxnSpPr>
+          <p:cNvPr id="130" name="直接箭头连接符 129">
+            <a:extLst>
+              <a:ext uri="{FF2B5EF4-FFF2-40B4-BE49-F238E27FC236}">
+                <a16:creationId xmlns:a16="http://schemas.microsoft.com/office/drawing/2014/main" id="{9E0BF261-5E47-65FF-4D5B-19F93B7F7182}"/>
+              </a:ext>
+            </a:extLst>
+          </p:cNvPr>
+          <p:cNvCxnSpPr>
+            <a:cxnSpLocks/>
+            <a:stCxn id="118" idx="0"/>
+            <a:endCxn id="109" idx="2"/>
+          </p:cNvCxnSpPr>
+          <p:nvPr/>
+        </p:nvCxnSpPr>
+        <p:spPr>
+          <a:xfrm flipV="1">
+            <a:off x="12751055" y="5010419"/>
+            <a:ext cx="328" cy="414261"/>
+          </a:xfrm>
+          <a:prstGeom prst="straightConnector1">
+            <a:avLst/>
+          </a:prstGeom>
+          <a:ln w="12700">
+            <a:tailEnd type="triangle"/>
+          </a:ln>
+        </p:spPr>
+        <p:style>
+          <a:lnRef idx="2">
+            <a:schemeClr val="accent1"/>
+          </a:lnRef>
+          <a:fillRef idx="0">
+            <a:schemeClr val="accent1"/>
+          </a:fillRef>
+          <a:effectRef idx="1">
+            <a:schemeClr val="accent1"/>
+          </a:effectRef>
+          <a:fontRef idx="minor">
+            <a:schemeClr val="tx1"/>
+          </a:fontRef>
+        </p:style>
+      </p:cxnSp>
+      <p:sp>
+        <p:nvSpPr>
+          <p:cNvPr id="131" name="文本框 130">
+            <a:extLst>
+              <a:ext uri="{FF2B5EF4-FFF2-40B4-BE49-F238E27FC236}">
+                <a16:creationId xmlns:a16="http://schemas.microsoft.com/office/drawing/2014/main" id="{2636186E-64C7-55EC-5B89-F5FF37BD00CF}"/>
+              </a:ext>
+            </a:extLst>
+          </p:cNvPr>
+          <p:cNvSpPr txBox="1"/>
+          <p:nvPr/>
+        </p:nvSpPr>
+        <p:spPr>
+          <a:xfrm>
+            <a:off x="12502195" y="5795403"/>
+            <a:ext cx="511073" cy="338554"/>
+          </a:xfrm>
+          <a:prstGeom prst="rect">
+            <a:avLst/>
+          </a:prstGeom>
+          <a:noFill/>
+        </p:spPr>
+        <p:txBody>
+          <a:bodyPr wrap="square">
+            <a:spAutoFit/>
+          </a:bodyPr>
+          <a:lstStyle/>
+          <a:p>
+            <a:r>
+              <a:rPr lang="en-US" altLang="zh-CN" sz="1600" dirty="0">
+                <a:latin typeface="微软雅黑" panose="020B0503020204020204" pitchFamily="34" charset="-122"/>
+                <a:ea typeface="微软雅黑" panose="020B0503020204020204" pitchFamily="34" charset="-122"/>
+              </a:rPr>
+              <a:t>cat</a:t>
+            </a:r>
+            <a:endParaRPr lang="zh-CN" altLang="en-US" sz="2000" dirty="0">
+              <a:latin typeface="微软雅黑" panose="020B0503020204020204" pitchFamily="34" charset="-122"/>
+              <a:ea typeface="微软雅黑" panose="020B0503020204020204" pitchFamily="34" charset="-122"/>
+            </a:endParaRPr>
+          </a:p>
+        </p:txBody>
+      </p:sp>
+      <p:grpSp>
+        <p:nvGrpSpPr>
+          <p:cNvPr id="140" name="组合 139">
+            <a:extLst>
+              <a:ext uri="{FF2B5EF4-FFF2-40B4-BE49-F238E27FC236}">
+                <a16:creationId xmlns:a16="http://schemas.microsoft.com/office/drawing/2014/main" id="{84B8FC65-9582-AF7C-FA00-D7C6F3B07DA7}"/>
+              </a:ext>
+            </a:extLst>
+          </p:cNvPr>
+          <p:cNvGrpSpPr/>
+          <p:nvPr/>
+        </p:nvGrpSpPr>
+        <p:grpSpPr>
+          <a:xfrm>
+            <a:off x="18739188" y="2395169"/>
+            <a:ext cx="360000" cy="363969"/>
+            <a:chOff x="5281075" y="4315800"/>
+            <a:chExt cx="360000" cy="363969"/>
+          </a:xfrm>
+        </p:grpSpPr>
+        <p:sp>
+          <p:nvSpPr>
+            <p:cNvPr id="141" name="加号 140">
+              <a:extLst>
+                <a:ext uri="{FF2B5EF4-FFF2-40B4-BE49-F238E27FC236}">
+                  <a16:creationId xmlns:a16="http://schemas.microsoft.com/office/drawing/2014/main" id="{FAD98A66-4DEC-B049-F596-B2C0FE20A9DA}"/>
+                </a:ext>
+              </a:extLst>
+            </p:cNvPr>
+            <p:cNvSpPr/>
+            <p:nvPr/>
+          </p:nvSpPr>
+          <p:spPr>
+            <a:xfrm>
+              <a:off x="5281075" y="4319769"/>
+              <a:ext cx="360000" cy="360000"/>
+            </a:xfrm>
+            <a:prstGeom prst="mathPlus">
+              <a:avLst>
+                <a:gd name="adj1" fmla="val 12933"/>
+              </a:avLst>
+            </a:prstGeom>
+            <a:noFill/>
+          </p:spPr>
+          <p:style>
+            <a:lnRef idx="2">
+              <a:schemeClr val="accent1">
+                <a:shade val="15000"/>
+              </a:schemeClr>
+            </a:lnRef>
+            <a:fillRef idx="1">
+              <a:schemeClr val="accent1"/>
+            </a:fillRef>
+            <a:effectRef idx="0">
+              <a:schemeClr val="accent1"/>
+            </a:effectRef>
+            <a:fontRef idx="minor">
+              <a:schemeClr val="lt1"/>
+            </a:fontRef>
+          </p:style>
+          <p:txBody>
+            <a:bodyPr rtlCol="0" anchor="ctr"/>
+            <a:lstStyle/>
+            <a:p>
+              <a:pPr algn="ctr"/>
+              <a:endParaRPr lang="zh-CN" altLang="en-US"/>
+            </a:p>
+          </p:txBody>
+        </p:sp>
+        <p:sp>
+          <p:nvSpPr>
+            <p:cNvPr id="142" name="椭圆 141">
+              <a:extLst>
+                <a:ext uri="{FF2B5EF4-FFF2-40B4-BE49-F238E27FC236}">
+                  <a16:creationId xmlns:a16="http://schemas.microsoft.com/office/drawing/2014/main" id="{B1CC1CAC-0EC3-0AE2-0492-0E1E0FA4B3C2}"/>
+                </a:ext>
+              </a:extLst>
+            </p:cNvPr>
+            <p:cNvSpPr/>
+            <p:nvPr/>
+          </p:nvSpPr>
+          <p:spPr>
+            <a:xfrm>
+              <a:off x="5281075" y="4315800"/>
+              <a:ext cx="360000" cy="360000"/>
+            </a:xfrm>
+            <a:prstGeom prst="ellipse">
+              <a:avLst/>
+            </a:prstGeom>
+            <a:noFill/>
+          </p:spPr>
+          <p:style>
+            <a:lnRef idx="2">
+              <a:schemeClr val="accent1">
+                <a:shade val="15000"/>
+              </a:schemeClr>
+            </a:lnRef>
+            <a:fillRef idx="1">
+              <a:schemeClr val="accent1"/>
+            </a:fillRef>
+            <a:effectRef idx="0">
+              <a:schemeClr val="accent1"/>
+            </a:effectRef>
+            <a:fontRef idx="minor">
+              <a:schemeClr val="lt1"/>
+            </a:fontRef>
+          </p:style>
+          <p:txBody>
+            <a:bodyPr rtlCol="0" anchor="ctr"/>
+            <a:lstStyle/>
+            <a:p>
+              <a:pPr algn="ctr"/>
+              <a:endParaRPr lang="zh-CN" altLang="en-US"/>
+            </a:p>
+          </p:txBody>
+        </p:sp>
+      </p:grpSp>
+    </p:spTree>
+    <p:extLst>
+      <p:ext uri="{BB962C8B-B14F-4D97-AF65-F5344CB8AC3E}">
+        <p14:creationId xmlns:p14="http://schemas.microsoft.com/office/powerpoint/2010/main" val="36167519"/>
       </p:ext>
     </p:extLst>
   </p:cSld>

--- a/images/posts/2025-03-02-blog-post/新建 Microsoft PowerPoint 演示文稿.pptx
+++ b/images/posts/2025-03-02-blog-post/新建 Microsoft PowerPoint 演示文稿.pptx
@@ -11183,8 +11183,8 @@
           </a:fontRef>
         </p:style>
       </p:cxnSp>
-      <mc:AlternateContent xmlns:mc="http://schemas.openxmlformats.org/markup-compatibility/2006">
-        <mc:Choice xmlns:a14="http://schemas.microsoft.com/office/drawing/2010/main" Requires="a14">
+      <mc:AlternateContent xmlns:mc="http://schemas.openxmlformats.org/markup-compatibility/2006" xmlns:a14="http://schemas.microsoft.com/office/drawing/2010/main">
+        <mc:Choice Requires="a14">
           <p:sp>
             <p:nvSpPr>
               <p:cNvPr id="42" name="文本框 41">
@@ -11234,7 +11234,7 @@
             </p:txBody>
           </p:sp>
         </mc:Choice>
-        <mc:Fallback>
+        <mc:Fallback xmlns="">
           <p:sp>
             <p:nvSpPr>
               <p:cNvPr id="42" name="文本框 41">
@@ -11322,8 +11322,8 @@
           </a:fontRef>
         </p:style>
       </p:cxnSp>
-      <mc:AlternateContent xmlns:mc="http://schemas.openxmlformats.org/markup-compatibility/2006">
-        <mc:Choice xmlns:a14="http://schemas.microsoft.com/office/drawing/2010/main" Requires="a14">
+      <mc:AlternateContent xmlns:mc="http://schemas.openxmlformats.org/markup-compatibility/2006" xmlns:a14="http://schemas.microsoft.com/office/drawing/2010/main">
+        <mc:Choice Requires="a14">
           <p:sp>
             <p:nvSpPr>
               <p:cNvPr id="48" name="文本框 47">
@@ -11392,7 +11392,7 @@
             </p:txBody>
           </p:sp>
         </mc:Choice>
-        <mc:Fallback>
+        <mc:Fallback xmlns="">
           <p:sp>
             <p:nvSpPr>
               <p:cNvPr id="48" name="文本框 47">
@@ -11882,48 +11882,6 @@
       </p:cxnSp>
       <p:sp>
         <p:nvSpPr>
-          <p:cNvPr id="62" name="文本框 61">
-            <a:extLst>
-              <a:ext uri="{FF2B5EF4-FFF2-40B4-BE49-F238E27FC236}">
-                <a16:creationId xmlns:a16="http://schemas.microsoft.com/office/drawing/2014/main" id="{77141597-EDC7-6C7B-3F7B-022F636A1901}"/>
-              </a:ext>
-            </a:extLst>
-          </p:cNvPr>
-          <p:cNvSpPr txBox="1"/>
-          <p:nvPr/>
-        </p:nvSpPr>
-        <p:spPr>
-          <a:xfrm>
-            <a:off x="3628119" y="3498253"/>
-            <a:ext cx="669909" cy="338554"/>
-          </a:xfrm>
-          <a:prstGeom prst="rect">
-            <a:avLst/>
-          </a:prstGeom>
-          <a:noFill/>
-        </p:spPr>
-        <p:txBody>
-          <a:bodyPr wrap="square">
-            <a:spAutoFit/>
-          </a:bodyPr>
-          <a:lstStyle/>
-          <a:p>
-            <a:r>
-              <a:rPr lang="en-US" altLang="zh-CN" sz="1600" dirty="0">
-                <a:latin typeface="微软雅黑" panose="020B0503020204020204" pitchFamily="34" charset="-122"/>
-                <a:ea typeface="微软雅黑" panose="020B0503020204020204" pitchFamily="34" charset="-122"/>
-              </a:rPr>
-              <a:t>scale</a:t>
-            </a:r>
-            <a:endParaRPr lang="zh-CN" altLang="en-US" sz="2000" dirty="0">
-              <a:latin typeface="微软雅黑" panose="020B0503020204020204" pitchFamily="34" charset="-122"/>
-              <a:ea typeface="微软雅黑" panose="020B0503020204020204" pitchFamily="34" charset="-122"/>
-            </a:endParaRPr>
-          </a:p>
-        </p:txBody>
-      </p:sp>
-      <p:sp>
-        <p:nvSpPr>
           <p:cNvPr id="65" name="矩形: 圆角 64">
             <a:extLst>
               <a:ext uri="{FF2B5EF4-FFF2-40B4-BE49-F238E27FC236}">
@@ -11973,48 +11931,6 @@
           <a:p>
             <a:pPr algn="ctr"/>
             <a:endParaRPr lang="zh-CN" altLang="en-US" sz="3189"/>
-          </a:p>
-        </p:txBody>
-      </p:sp>
-      <p:sp>
-        <p:nvSpPr>
-          <p:cNvPr id="66" name="文本框 65">
-            <a:extLst>
-              <a:ext uri="{FF2B5EF4-FFF2-40B4-BE49-F238E27FC236}">
-                <a16:creationId xmlns:a16="http://schemas.microsoft.com/office/drawing/2014/main" id="{1F9819C8-6ABA-1605-688D-F56DE96E71FA}"/>
-              </a:ext>
-            </a:extLst>
-          </p:cNvPr>
-          <p:cNvSpPr txBox="1"/>
-          <p:nvPr/>
-        </p:nvSpPr>
-        <p:spPr>
-          <a:xfrm>
-            <a:off x="5082293" y="3517702"/>
-            <a:ext cx="669909" cy="338554"/>
-          </a:xfrm>
-          <a:prstGeom prst="rect">
-            <a:avLst/>
-          </a:prstGeom>
-          <a:noFill/>
-        </p:spPr>
-        <p:txBody>
-          <a:bodyPr wrap="square">
-            <a:spAutoFit/>
-          </a:bodyPr>
-          <a:lstStyle/>
-          <a:p>
-            <a:r>
-              <a:rPr lang="en-US" altLang="zh-CN" sz="1600" dirty="0">
-                <a:latin typeface="微软雅黑" panose="020B0503020204020204" pitchFamily="34" charset="-122"/>
-                <a:ea typeface="微软雅黑" panose="020B0503020204020204" pitchFamily="34" charset="-122"/>
-              </a:rPr>
-              <a:t>shift</a:t>
-            </a:r>
-            <a:endParaRPr lang="zh-CN" altLang="en-US" sz="2000" dirty="0">
-              <a:latin typeface="微软雅黑" panose="020B0503020204020204" pitchFamily="34" charset="-122"/>
-              <a:ea typeface="微软雅黑" panose="020B0503020204020204" pitchFamily="34" charset="-122"/>
-            </a:endParaRPr>
           </a:p>
         </p:txBody>
       </p:sp>
@@ -12198,8 +12114,8 @@
           </a:fontRef>
         </p:style>
       </p:cxnSp>
-      <mc:AlternateContent xmlns:mc="http://schemas.openxmlformats.org/markup-compatibility/2006">
-        <mc:Choice xmlns:a14="http://schemas.microsoft.com/office/drawing/2010/main" Requires="a14">
+      <mc:AlternateContent xmlns:mc="http://schemas.openxmlformats.org/markup-compatibility/2006" xmlns:a14="http://schemas.microsoft.com/office/drawing/2010/main">
+        <mc:Choice Requires="a14">
           <p:sp>
             <p:nvSpPr>
               <p:cNvPr id="88" name="文本框 87">
@@ -12249,7 +12165,7 @@
             </p:txBody>
           </p:sp>
         </mc:Choice>
-        <mc:Fallback>
+        <mc:Fallback xmlns="">
           <p:sp>
             <p:nvSpPr>
               <p:cNvPr id="88" name="文本框 87">
@@ -12310,8 +12226,8 @@
             </p:nvSpPr>
             <p:spPr>
               <a:xfrm>
-                <a:off x="5763565" y="2273704"/>
-                <a:ext cx="1880515" cy="246221"/>
+                <a:off x="6005578" y="2290895"/>
+                <a:ext cx="1324465" cy="276999"/>
               </a:xfrm>
               <a:prstGeom prst="rect">
                 <a:avLst/>
@@ -12332,7 +12248,7 @@
                     </m:oMathParaPr>
                     <m:oMath xmlns:m="http://schemas.openxmlformats.org/officeDocument/2006/math">
                       <m:r>
-                        <a:rPr lang="en-US" altLang="zh-CN" sz="1600" b="0" i="1" smtClean="0">
+                        <a:rPr lang="en-US" altLang="zh-CN" b="0" i="1" smtClean="0">
                           <a:latin typeface="Cambria Math" panose="02040503050406030204" pitchFamily="18" charset="0"/>
                         </a:rPr>
                         <m:t>h</m:t>
@@ -12340,42 +12256,42 @@
                       <m:d>
                         <m:dPr>
                           <m:ctrlPr>
-                            <a:rPr lang="en-US" altLang="zh-CN" sz="1600" b="0" i="1" smtClean="0">
+                            <a:rPr lang="en-US" altLang="zh-CN" b="0" i="1" smtClean="0">
                               <a:latin typeface="Cambria Math" panose="02040503050406030204" pitchFamily="18" charset="0"/>
                             </a:rPr>
                           </m:ctrlPr>
                         </m:dPr>
                         <m:e>
                           <m:r>
-                            <a:rPr lang="en-US" altLang="zh-CN" sz="1600" b="0" i="1" smtClean="0">
+                            <a:rPr lang="en-US" altLang="zh-CN" b="0" i="1" smtClean="0">
                               <a:latin typeface="Cambria Math" panose="02040503050406030204" pitchFamily="18" charset="0"/>
                             </a:rPr>
                             <m:t>1+</m:t>
                           </m:r>
                           <m:r>
-                            <a:rPr lang="en-US" altLang="zh-CN" sz="1600" b="0" i="1" smtClean="0">
+                            <a:rPr lang="zh-CN" altLang="en-US" b="0" i="1" smtClean="0">
                               <a:latin typeface="Cambria Math" panose="02040503050406030204" pitchFamily="18" charset="0"/>
                             </a:rPr>
-                            <m:t>𝑠𝑐𝑎𝑙𝑒</m:t>
+                            <m:t>𝛾</m:t>
                           </m:r>
                         </m:e>
                       </m:d>
                       <m:r>
-                        <a:rPr lang="en-US" altLang="zh-CN" sz="1600" b="0" i="1" smtClean="0">
+                        <a:rPr lang="en-US" altLang="zh-CN" b="0" i="1" smtClean="0">
                           <a:latin typeface="Cambria Math" panose="02040503050406030204" pitchFamily="18" charset="0"/>
                         </a:rPr>
                         <m:t>+</m:t>
                       </m:r>
                       <m:r>
-                        <a:rPr lang="en-US" altLang="zh-CN" sz="1600" b="0" i="1" smtClean="0">
+                        <a:rPr lang="zh-CN" altLang="en-US" b="0" i="1" smtClean="0">
                           <a:latin typeface="Cambria Math" panose="02040503050406030204" pitchFamily="18" charset="0"/>
                         </a:rPr>
-                        <m:t>𝑠h𝑖𝑓𝑡</m:t>
+                        <m:t>𝛽</m:t>
                       </m:r>
                     </m:oMath>
                   </m:oMathPara>
                 </a14:m>
-                <a:endParaRPr lang="zh-CN" altLang="en-US" sz="1400" dirty="0"/>
+                <a:endParaRPr lang="zh-CN" altLang="en-US" sz="1600" dirty="0"/>
               </a:p>
             </p:txBody>
           </p:sp>
@@ -12397,8 +12313,8 @@
             </p:nvSpPr>
             <p:spPr>
               <a:xfrm>
-                <a:off x="5763565" y="2273704"/>
-                <a:ext cx="1880515" cy="246221"/>
+                <a:off x="6005578" y="2290895"/>
+                <a:ext cx="1324465" cy="276999"/>
               </a:xfrm>
               <a:prstGeom prst="rect">
                 <a:avLst/>
@@ -12406,7 +12322,7 @@
               <a:blipFill>
                 <a:blip r:embed="rId5"/>
                 <a:stretch>
-                  <a:fillRect l="-2265" r="-2913" b="-32500"/>
+                  <a:fillRect l="-4147" t="-2222" r="-5991" b="-35556"/>
                 </a:stretch>
               </a:blipFill>
             </p:spPr>
@@ -13500,48 +13416,6 @@
       </p:cxnSp>
       <p:sp>
         <p:nvSpPr>
-          <p:cNvPr id="121" name="文本框 120">
-            <a:extLst>
-              <a:ext uri="{FF2B5EF4-FFF2-40B4-BE49-F238E27FC236}">
-                <a16:creationId xmlns:a16="http://schemas.microsoft.com/office/drawing/2014/main" id="{CA7A1AE6-49C7-C163-E257-44446E5A4C44}"/>
-              </a:ext>
-            </a:extLst>
-          </p:cNvPr>
-          <p:cNvSpPr txBox="1"/>
-          <p:nvPr/>
-        </p:nvSpPr>
-        <p:spPr>
-          <a:xfrm>
-            <a:off x="11698371" y="3498253"/>
-            <a:ext cx="669909" cy="338554"/>
-          </a:xfrm>
-          <a:prstGeom prst="rect">
-            <a:avLst/>
-          </a:prstGeom>
-          <a:noFill/>
-        </p:spPr>
-        <p:txBody>
-          <a:bodyPr wrap="square">
-            <a:spAutoFit/>
-          </a:bodyPr>
-          <a:lstStyle/>
-          <a:p>
-            <a:r>
-              <a:rPr lang="en-US" altLang="zh-CN" sz="1600" dirty="0">
-                <a:latin typeface="微软雅黑" panose="020B0503020204020204" pitchFamily="34" charset="-122"/>
-                <a:ea typeface="微软雅黑" panose="020B0503020204020204" pitchFamily="34" charset="-122"/>
-              </a:rPr>
-              <a:t>scale</a:t>
-            </a:r>
-            <a:endParaRPr lang="zh-CN" altLang="en-US" sz="2000" dirty="0">
-              <a:latin typeface="微软雅黑" panose="020B0503020204020204" pitchFamily="34" charset="-122"/>
-              <a:ea typeface="微软雅黑" panose="020B0503020204020204" pitchFamily="34" charset="-122"/>
-            </a:endParaRPr>
-          </a:p>
-        </p:txBody>
-      </p:sp>
-      <p:sp>
-        <p:nvSpPr>
           <p:cNvPr id="122" name="矩形: 圆角 121">
             <a:extLst>
               <a:ext uri="{FF2B5EF4-FFF2-40B4-BE49-F238E27FC236}">
@@ -13591,48 +13465,6 @@
           <a:p>
             <a:pPr algn="ctr"/>
             <a:endParaRPr lang="zh-CN" altLang="en-US" sz="3189"/>
-          </a:p>
-        </p:txBody>
-      </p:sp>
-      <p:sp>
-        <p:nvSpPr>
-          <p:cNvPr id="123" name="文本框 122">
-            <a:extLst>
-              <a:ext uri="{FF2B5EF4-FFF2-40B4-BE49-F238E27FC236}">
-                <a16:creationId xmlns:a16="http://schemas.microsoft.com/office/drawing/2014/main" id="{1711037B-A09F-C323-5CE8-B854A8CEF162}"/>
-              </a:ext>
-            </a:extLst>
-          </p:cNvPr>
-          <p:cNvSpPr txBox="1"/>
-          <p:nvPr/>
-        </p:nvSpPr>
-        <p:spPr>
-          <a:xfrm>
-            <a:off x="13152545" y="3517702"/>
-            <a:ext cx="669909" cy="338554"/>
-          </a:xfrm>
-          <a:prstGeom prst="rect">
-            <a:avLst/>
-          </a:prstGeom>
-          <a:noFill/>
-        </p:spPr>
-        <p:txBody>
-          <a:bodyPr wrap="square">
-            <a:spAutoFit/>
-          </a:bodyPr>
-          <a:lstStyle/>
-          <a:p>
-            <a:r>
-              <a:rPr lang="en-US" altLang="zh-CN" sz="1600" dirty="0">
-                <a:latin typeface="微软雅黑" panose="020B0503020204020204" pitchFamily="34" charset="-122"/>
-                <a:ea typeface="微软雅黑" panose="020B0503020204020204" pitchFamily="34" charset="-122"/>
-              </a:rPr>
-              <a:t>shift</a:t>
-            </a:r>
-            <a:endParaRPr lang="zh-CN" altLang="en-US" sz="2000" dirty="0">
-              <a:latin typeface="微软雅黑" panose="020B0503020204020204" pitchFamily="34" charset="-122"/>
-              <a:ea typeface="微软雅黑" panose="020B0503020204020204" pitchFamily="34" charset="-122"/>
-            </a:endParaRPr>
           </a:p>
         </p:txBody>
       </p:sp>
@@ -13816,8 +13648,8 @@
           </a:fontRef>
         </p:style>
       </p:cxnSp>
-      <mc:AlternateContent xmlns:mc="http://schemas.openxmlformats.org/markup-compatibility/2006">
-        <mc:Choice xmlns:a14="http://schemas.microsoft.com/office/drawing/2010/main" Requires="a14">
+      <mc:AlternateContent xmlns:mc="http://schemas.openxmlformats.org/markup-compatibility/2006" xmlns:a14="http://schemas.microsoft.com/office/drawing/2010/main">
+        <mc:Choice Requires="a14">
           <p:sp>
             <p:nvSpPr>
               <p:cNvPr id="128" name="文本框 127">
@@ -13867,7 +13699,7 @@
             </p:txBody>
           </p:sp>
         </mc:Choice>
-        <mc:Fallback>
+        <mc:Fallback xmlns="">
           <p:sp>
             <p:nvSpPr>
               <p:cNvPr id="128" name="文本框 127">
@@ -13894,137 +13726,6 @@
                 <a:blip r:embed="rId6"/>
                 <a:stretch>
                   <a:fillRect l="-33333" r="-30000" b="-8889"/>
-                </a:stretch>
-              </a:blipFill>
-            </p:spPr>
-            <p:txBody>
-              <a:bodyPr/>
-              <a:lstStyle/>
-              <a:p>
-                <a:r>
-                  <a:rPr lang="zh-CN" altLang="en-US">
-                    <a:noFill/>
-                  </a:rPr>
-                  <a:t> </a:t>
-                </a:r>
-              </a:p>
-            </p:txBody>
-          </p:sp>
-        </mc:Fallback>
-      </mc:AlternateContent>
-      <mc:AlternateContent xmlns:mc="http://schemas.openxmlformats.org/markup-compatibility/2006">
-        <mc:Choice xmlns:a14="http://schemas.microsoft.com/office/drawing/2010/main" Requires="a14">
-          <p:sp>
-            <p:nvSpPr>
-              <p:cNvPr id="129" name="文本框 128">
-                <a:extLst>
-                  <a:ext uri="{FF2B5EF4-FFF2-40B4-BE49-F238E27FC236}">
-                    <a16:creationId xmlns:a16="http://schemas.microsoft.com/office/drawing/2014/main" id="{61AA19F9-2640-657D-E997-971E00628FD9}"/>
-                  </a:ext>
-                </a:extLst>
-              </p:cNvPr>
-              <p:cNvSpPr txBox="1"/>
-              <p:nvPr/>
-            </p:nvSpPr>
-            <p:spPr>
-              <a:xfrm>
-                <a:off x="13833817" y="2273704"/>
-                <a:ext cx="1880515" cy="246221"/>
-              </a:xfrm>
-              <a:prstGeom prst="rect">
-                <a:avLst/>
-              </a:prstGeom>
-              <a:noFill/>
-            </p:spPr>
-            <p:txBody>
-              <a:bodyPr wrap="none" lIns="0" tIns="0" rIns="0" bIns="0" rtlCol="0">
-                <a:spAutoFit/>
-              </a:bodyPr>
-              <a:lstStyle/>
-              <a:p>
-                <a:pPr/>
-                <a14:m>
-                  <m:oMathPara xmlns:m="http://schemas.openxmlformats.org/officeDocument/2006/math">
-                    <m:oMathParaPr>
-                      <m:jc m:val="centerGroup"/>
-                    </m:oMathParaPr>
-                    <m:oMath xmlns:m="http://schemas.openxmlformats.org/officeDocument/2006/math">
-                      <m:r>
-                        <a:rPr lang="en-US" altLang="zh-CN" sz="1600" b="0" i="1" smtClean="0">
-                          <a:latin typeface="Cambria Math" panose="02040503050406030204" pitchFamily="18" charset="0"/>
-                        </a:rPr>
-                        <m:t>h</m:t>
-                      </m:r>
-                      <m:d>
-                        <m:dPr>
-                          <m:ctrlPr>
-                            <a:rPr lang="en-US" altLang="zh-CN" sz="1600" b="0" i="1" smtClean="0">
-                              <a:latin typeface="Cambria Math" panose="02040503050406030204" pitchFamily="18" charset="0"/>
-                            </a:rPr>
-                          </m:ctrlPr>
-                        </m:dPr>
-                        <m:e>
-                          <m:r>
-                            <a:rPr lang="en-US" altLang="zh-CN" sz="1600" b="0" i="1" smtClean="0">
-                              <a:latin typeface="Cambria Math" panose="02040503050406030204" pitchFamily="18" charset="0"/>
-                            </a:rPr>
-                            <m:t>1+</m:t>
-                          </m:r>
-                          <m:r>
-                            <a:rPr lang="en-US" altLang="zh-CN" sz="1600" b="0" i="1" smtClean="0">
-                              <a:latin typeface="Cambria Math" panose="02040503050406030204" pitchFamily="18" charset="0"/>
-                            </a:rPr>
-                            <m:t>𝑠𝑐𝑎𝑙𝑒</m:t>
-                          </m:r>
-                        </m:e>
-                      </m:d>
-                      <m:r>
-                        <a:rPr lang="en-US" altLang="zh-CN" sz="1600" b="0" i="1" smtClean="0">
-                          <a:latin typeface="Cambria Math" panose="02040503050406030204" pitchFamily="18" charset="0"/>
-                        </a:rPr>
-                        <m:t>+</m:t>
-                      </m:r>
-                      <m:r>
-                        <a:rPr lang="en-US" altLang="zh-CN" sz="1600" b="0" i="1" smtClean="0">
-                          <a:latin typeface="Cambria Math" panose="02040503050406030204" pitchFamily="18" charset="0"/>
-                        </a:rPr>
-                        <m:t>𝑠h𝑖𝑓𝑡</m:t>
-                      </m:r>
-                    </m:oMath>
-                  </m:oMathPara>
-                </a14:m>
-                <a:endParaRPr lang="zh-CN" altLang="en-US" sz="1400" dirty="0"/>
-              </a:p>
-            </p:txBody>
-          </p:sp>
-        </mc:Choice>
-        <mc:Fallback>
-          <p:sp>
-            <p:nvSpPr>
-              <p:cNvPr id="129" name="文本框 128">
-                <a:extLst>
-                  <a:ext uri="{FF2B5EF4-FFF2-40B4-BE49-F238E27FC236}">
-                    <a16:creationId xmlns:a16="http://schemas.microsoft.com/office/drawing/2014/main" id="{61AA19F9-2640-657D-E997-971E00628FD9}"/>
-                  </a:ext>
-                </a:extLst>
-              </p:cNvPr>
-              <p:cNvSpPr txBox="1">
-                <a:spLocks noRot="1" noChangeAspect="1" noMove="1" noResize="1" noEditPoints="1" noAdjustHandles="1" noChangeArrowheads="1" noChangeShapeType="1" noTextEdit="1"/>
-              </p:cNvSpPr>
-              <p:nvPr/>
-            </p:nvSpPr>
-            <p:spPr>
-              <a:xfrm>
-                <a:off x="13833817" y="2273704"/>
-                <a:ext cx="1880515" cy="246221"/>
-              </a:xfrm>
-              <a:prstGeom prst="rect">
-                <a:avLst/>
-              </a:prstGeom>
-              <a:blipFill>
-                <a:blip r:embed="rId7"/>
-                <a:stretch>
-                  <a:fillRect l="-2265" r="-2913" b="-32500"/>
                 </a:stretch>
               </a:blipFill>
             </p:spPr>
@@ -14245,6 +13946,521 @@
           </p:txBody>
         </p:sp>
       </p:grpSp>
+      <mc:AlternateContent xmlns:mc="http://schemas.openxmlformats.org/markup-compatibility/2006">
+        <mc:Choice xmlns:a14="http://schemas.microsoft.com/office/drawing/2010/main" Requires="a14">
+          <p:sp>
+            <p:nvSpPr>
+              <p:cNvPr id="8" name="文本框 7">
+                <a:extLst>
+                  <a:ext uri="{FF2B5EF4-FFF2-40B4-BE49-F238E27FC236}">
+                    <a16:creationId xmlns:a16="http://schemas.microsoft.com/office/drawing/2014/main" id="{54478B85-9CCC-5FB4-6094-9293AB2CDDF7}"/>
+                  </a:ext>
+                </a:extLst>
+              </p:cNvPr>
+              <p:cNvSpPr txBox="1"/>
+              <p:nvPr/>
+            </p:nvSpPr>
+            <p:spPr>
+              <a:xfrm>
+                <a:off x="14235854" y="2284775"/>
+                <a:ext cx="1324465" cy="276999"/>
+              </a:xfrm>
+              <a:prstGeom prst="rect">
+                <a:avLst/>
+              </a:prstGeom>
+              <a:noFill/>
+            </p:spPr>
+            <p:txBody>
+              <a:bodyPr wrap="none" lIns="0" tIns="0" rIns="0" bIns="0" rtlCol="0">
+                <a:spAutoFit/>
+              </a:bodyPr>
+              <a:lstStyle/>
+              <a:p>
+                <a:pPr/>
+                <a14:m>
+                  <m:oMathPara xmlns:m="http://schemas.openxmlformats.org/officeDocument/2006/math">
+                    <m:oMathParaPr>
+                      <m:jc m:val="centerGroup"/>
+                    </m:oMathParaPr>
+                    <m:oMath xmlns:m="http://schemas.openxmlformats.org/officeDocument/2006/math">
+                      <m:r>
+                        <a:rPr lang="en-US" altLang="zh-CN" b="0" i="1" smtClean="0">
+                          <a:latin typeface="Cambria Math" panose="02040503050406030204" pitchFamily="18" charset="0"/>
+                        </a:rPr>
+                        <m:t>h</m:t>
+                      </m:r>
+                      <m:d>
+                        <m:dPr>
+                          <m:ctrlPr>
+                            <a:rPr lang="en-US" altLang="zh-CN" b="0" i="1" smtClean="0">
+                              <a:latin typeface="Cambria Math" panose="02040503050406030204" pitchFamily="18" charset="0"/>
+                            </a:rPr>
+                          </m:ctrlPr>
+                        </m:dPr>
+                        <m:e>
+                          <m:r>
+                            <a:rPr lang="en-US" altLang="zh-CN" b="0" i="1" smtClean="0">
+                              <a:latin typeface="Cambria Math" panose="02040503050406030204" pitchFamily="18" charset="0"/>
+                            </a:rPr>
+                            <m:t>1+</m:t>
+                          </m:r>
+                          <m:r>
+                            <a:rPr lang="zh-CN" altLang="en-US" b="0" i="1" smtClean="0">
+                              <a:latin typeface="Cambria Math" panose="02040503050406030204" pitchFamily="18" charset="0"/>
+                            </a:rPr>
+                            <m:t>𝛾</m:t>
+                          </m:r>
+                        </m:e>
+                      </m:d>
+                      <m:r>
+                        <a:rPr lang="en-US" altLang="zh-CN" b="0" i="1" smtClean="0">
+                          <a:latin typeface="Cambria Math" panose="02040503050406030204" pitchFamily="18" charset="0"/>
+                        </a:rPr>
+                        <m:t>+</m:t>
+                      </m:r>
+                      <m:r>
+                        <a:rPr lang="zh-CN" altLang="en-US" b="0" i="1" smtClean="0">
+                          <a:latin typeface="Cambria Math" panose="02040503050406030204" pitchFamily="18" charset="0"/>
+                        </a:rPr>
+                        <m:t>𝛽</m:t>
+                      </m:r>
+                    </m:oMath>
+                  </m:oMathPara>
+                </a14:m>
+                <a:endParaRPr lang="zh-CN" altLang="en-US" sz="1600" dirty="0"/>
+              </a:p>
+            </p:txBody>
+          </p:sp>
+        </mc:Choice>
+        <mc:Fallback>
+          <p:sp>
+            <p:nvSpPr>
+              <p:cNvPr id="8" name="文本框 7">
+                <a:extLst>
+                  <a:ext uri="{FF2B5EF4-FFF2-40B4-BE49-F238E27FC236}">
+                    <a16:creationId xmlns:a16="http://schemas.microsoft.com/office/drawing/2014/main" id="{54478B85-9CCC-5FB4-6094-9293AB2CDDF7}"/>
+                  </a:ext>
+                </a:extLst>
+              </p:cNvPr>
+              <p:cNvSpPr txBox="1">
+                <a:spLocks noRot="1" noChangeAspect="1" noMove="1" noResize="1" noEditPoints="1" noAdjustHandles="1" noChangeArrowheads="1" noChangeShapeType="1" noTextEdit="1"/>
+              </p:cNvSpPr>
+              <p:nvPr/>
+            </p:nvSpPr>
+            <p:spPr>
+              <a:xfrm>
+                <a:off x="14235854" y="2284775"/>
+                <a:ext cx="1324465" cy="276999"/>
+              </a:xfrm>
+              <a:prstGeom prst="rect">
+                <a:avLst/>
+              </a:prstGeom>
+              <a:blipFill>
+                <a:blip r:embed="rId7"/>
+                <a:stretch>
+                  <a:fillRect l="-4128" t="-2222" r="-5505" b="-35556"/>
+                </a:stretch>
+              </a:blipFill>
+            </p:spPr>
+            <p:txBody>
+              <a:bodyPr/>
+              <a:lstStyle/>
+              <a:p>
+                <a:r>
+                  <a:rPr lang="zh-CN" altLang="en-US">
+                    <a:noFill/>
+                  </a:rPr>
+                  <a:t> </a:t>
+                </a:r>
+              </a:p>
+            </p:txBody>
+          </p:sp>
+        </mc:Fallback>
+      </mc:AlternateContent>
+      <mc:AlternateContent xmlns:mc="http://schemas.openxmlformats.org/markup-compatibility/2006">
+        <mc:Choice xmlns:a14="http://schemas.microsoft.com/office/drawing/2010/main" Requires="a14">
+          <p:sp>
+            <p:nvSpPr>
+              <p:cNvPr id="10" name="文本框 9">
+                <a:extLst>
+                  <a:ext uri="{FF2B5EF4-FFF2-40B4-BE49-F238E27FC236}">
+                    <a16:creationId xmlns:a16="http://schemas.microsoft.com/office/drawing/2014/main" id="{47066D19-321E-50A6-26C2-37C6841C2E75}"/>
+                  </a:ext>
+                </a:extLst>
+              </p:cNvPr>
+              <p:cNvSpPr txBox="1"/>
+              <p:nvPr/>
+            </p:nvSpPr>
+            <p:spPr>
+              <a:xfrm>
+                <a:off x="11803167" y="3429610"/>
+                <a:ext cx="504630" cy="400110"/>
+              </a:xfrm>
+              <a:prstGeom prst="rect">
+                <a:avLst/>
+              </a:prstGeom>
+              <a:noFill/>
+            </p:spPr>
+            <p:txBody>
+              <a:bodyPr wrap="square">
+                <a:spAutoFit/>
+              </a:bodyPr>
+              <a:lstStyle/>
+              <a:p>
+                <a:pPr/>
+                <a14:m>
+                  <m:oMathPara xmlns:m="http://schemas.openxmlformats.org/officeDocument/2006/math">
+                    <m:oMathParaPr>
+                      <m:jc m:val="centerGroup"/>
+                    </m:oMathParaPr>
+                    <m:oMath xmlns:m="http://schemas.openxmlformats.org/officeDocument/2006/math">
+                      <m:r>
+                        <a:rPr lang="zh-CN" altLang="en-US" sz="2000" b="1" i="1" smtClean="0">
+                          <a:latin typeface="Cambria Math" panose="02040503050406030204" pitchFamily="18" charset="0"/>
+                        </a:rPr>
+                        <m:t>𝜸</m:t>
+                      </m:r>
+                    </m:oMath>
+                  </m:oMathPara>
+                </a14:m>
+                <a:endParaRPr lang="zh-CN" altLang="en-US" b="1" dirty="0"/>
+              </a:p>
+            </p:txBody>
+          </p:sp>
+        </mc:Choice>
+        <mc:Fallback>
+          <p:sp>
+            <p:nvSpPr>
+              <p:cNvPr id="10" name="文本框 9">
+                <a:extLst>
+                  <a:ext uri="{FF2B5EF4-FFF2-40B4-BE49-F238E27FC236}">
+                    <a16:creationId xmlns:a16="http://schemas.microsoft.com/office/drawing/2014/main" id="{47066D19-321E-50A6-26C2-37C6841C2E75}"/>
+                  </a:ext>
+                </a:extLst>
+              </p:cNvPr>
+              <p:cNvSpPr txBox="1">
+                <a:spLocks noRot="1" noChangeAspect="1" noMove="1" noResize="1" noEditPoints="1" noAdjustHandles="1" noChangeArrowheads="1" noChangeShapeType="1" noTextEdit="1"/>
+              </p:cNvSpPr>
+              <p:nvPr/>
+            </p:nvSpPr>
+            <p:spPr>
+              <a:xfrm>
+                <a:off x="11803167" y="3429610"/>
+                <a:ext cx="504630" cy="400110"/>
+              </a:xfrm>
+              <a:prstGeom prst="rect">
+                <a:avLst/>
+              </a:prstGeom>
+              <a:blipFill>
+                <a:blip r:embed="rId8"/>
+                <a:stretch>
+                  <a:fillRect b="-6154"/>
+                </a:stretch>
+              </a:blipFill>
+            </p:spPr>
+            <p:txBody>
+              <a:bodyPr/>
+              <a:lstStyle/>
+              <a:p>
+                <a:r>
+                  <a:rPr lang="zh-CN" altLang="en-US">
+                    <a:noFill/>
+                  </a:rPr>
+                  <a:t> </a:t>
+                </a:r>
+              </a:p>
+            </p:txBody>
+          </p:sp>
+        </mc:Fallback>
+      </mc:AlternateContent>
+      <mc:AlternateContent xmlns:mc="http://schemas.openxmlformats.org/markup-compatibility/2006">
+        <mc:Choice xmlns:a14="http://schemas.microsoft.com/office/drawing/2010/main" Requires="a14">
+          <p:sp>
+            <p:nvSpPr>
+              <p:cNvPr id="12" name="文本框 11">
+                <a:extLst>
+                  <a:ext uri="{FF2B5EF4-FFF2-40B4-BE49-F238E27FC236}">
+                    <a16:creationId xmlns:a16="http://schemas.microsoft.com/office/drawing/2014/main" id="{9D1CE874-2EBE-1084-AABB-3F8422AA2B1C}"/>
+                  </a:ext>
+                </a:extLst>
+              </p:cNvPr>
+              <p:cNvSpPr txBox="1"/>
+              <p:nvPr/>
+            </p:nvSpPr>
+            <p:spPr>
+              <a:xfrm>
+                <a:off x="13113022" y="3471334"/>
+                <a:ext cx="649441" cy="400110"/>
+              </a:xfrm>
+              <a:prstGeom prst="rect">
+                <a:avLst/>
+              </a:prstGeom>
+              <a:noFill/>
+            </p:spPr>
+            <p:txBody>
+              <a:bodyPr wrap="square">
+                <a:spAutoFit/>
+              </a:bodyPr>
+              <a:lstStyle/>
+              <a:p>
+                <a:pPr/>
+                <a14:m>
+                  <m:oMathPara xmlns:m="http://schemas.openxmlformats.org/officeDocument/2006/math">
+                    <m:oMathParaPr>
+                      <m:jc m:val="centerGroup"/>
+                    </m:oMathParaPr>
+                    <m:oMath xmlns:m="http://schemas.openxmlformats.org/officeDocument/2006/math">
+                      <m:r>
+                        <a:rPr lang="zh-CN" altLang="en-US" sz="2000" b="1" i="1" smtClean="0">
+                          <a:latin typeface="Cambria Math" panose="02040503050406030204" pitchFamily="18" charset="0"/>
+                        </a:rPr>
+                        <m:t>𝜷</m:t>
+                      </m:r>
+                    </m:oMath>
+                  </m:oMathPara>
+                </a14:m>
+                <a:endParaRPr lang="zh-CN" altLang="en-US" b="1" dirty="0"/>
+              </a:p>
+            </p:txBody>
+          </p:sp>
+        </mc:Choice>
+        <mc:Fallback>
+          <p:sp>
+            <p:nvSpPr>
+              <p:cNvPr id="12" name="文本框 11">
+                <a:extLst>
+                  <a:ext uri="{FF2B5EF4-FFF2-40B4-BE49-F238E27FC236}">
+                    <a16:creationId xmlns:a16="http://schemas.microsoft.com/office/drawing/2014/main" id="{9D1CE874-2EBE-1084-AABB-3F8422AA2B1C}"/>
+                  </a:ext>
+                </a:extLst>
+              </p:cNvPr>
+              <p:cNvSpPr txBox="1">
+                <a:spLocks noRot="1" noChangeAspect="1" noMove="1" noResize="1" noEditPoints="1" noAdjustHandles="1" noChangeArrowheads="1" noChangeShapeType="1" noTextEdit="1"/>
+              </p:cNvSpPr>
+              <p:nvPr/>
+            </p:nvSpPr>
+            <p:spPr>
+              <a:xfrm>
+                <a:off x="13113022" y="3471334"/>
+                <a:ext cx="649441" cy="400110"/>
+              </a:xfrm>
+              <a:prstGeom prst="rect">
+                <a:avLst/>
+              </a:prstGeom>
+              <a:blipFill>
+                <a:blip r:embed="rId9"/>
+                <a:stretch>
+                  <a:fillRect b="-13636"/>
+                </a:stretch>
+              </a:blipFill>
+            </p:spPr>
+            <p:txBody>
+              <a:bodyPr/>
+              <a:lstStyle/>
+              <a:p>
+                <a:r>
+                  <a:rPr lang="zh-CN" altLang="en-US">
+                    <a:noFill/>
+                  </a:rPr>
+                  <a:t> </a:t>
+                </a:r>
+              </a:p>
+            </p:txBody>
+          </p:sp>
+        </mc:Fallback>
+      </mc:AlternateContent>
+      <mc:AlternateContent xmlns:mc="http://schemas.openxmlformats.org/markup-compatibility/2006">
+        <mc:Choice xmlns:a14="http://schemas.microsoft.com/office/drawing/2010/main" Requires="a14">
+          <p:sp>
+            <p:nvSpPr>
+              <p:cNvPr id="13" name="文本框 12">
+                <a:extLst>
+                  <a:ext uri="{FF2B5EF4-FFF2-40B4-BE49-F238E27FC236}">
+                    <a16:creationId xmlns:a16="http://schemas.microsoft.com/office/drawing/2014/main" id="{959BDE1C-1CC5-5CEC-184C-0923BC0E2A53}"/>
+                  </a:ext>
+                </a:extLst>
+              </p:cNvPr>
+              <p:cNvSpPr txBox="1"/>
+              <p:nvPr/>
+            </p:nvSpPr>
+            <p:spPr>
+              <a:xfrm>
+                <a:off x="3732917" y="3428389"/>
+                <a:ext cx="504630" cy="400110"/>
+              </a:xfrm>
+              <a:prstGeom prst="rect">
+                <a:avLst/>
+              </a:prstGeom>
+              <a:noFill/>
+            </p:spPr>
+            <p:txBody>
+              <a:bodyPr wrap="square">
+                <a:spAutoFit/>
+              </a:bodyPr>
+              <a:lstStyle/>
+              <a:p>
+                <a:pPr/>
+                <a14:m>
+                  <m:oMathPara xmlns:m="http://schemas.openxmlformats.org/officeDocument/2006/math">
+                    <m:oMathParaPr>
+                      <m:jc m:val="centerGroup"/>
+                    </m:oMathParaPr>
+                    <m:oMath xmlns:m="http://schemas.openxmlformats.org/officeDocument/2006/math">
+                      <m:r>
+                        <a:rPr lang="zh-CN" altLang="en-US" sz="2000" b="1" i="1" smtClean="0">
+                          <a:latin typeface="Cambria Math" panose="02040503050406030204" pitchFamily="18" charset="0"/>
+                        </a:rPr>
+                        <m:t>𝜸</m:t>
+                      </m:r>
+                    </m:oMath>
+                  </m:oMathPara>
+                </a14:m>
+                <a:endParaRPr lang="zh-CN" altLang="en-US" b="1" dirty="0"/>
+              </a:p>
+            </p:txBody>
+          </p:sp>
+        </mc:Choice>
+        <mc:Fallback>
+          <p:sp>
+            <p:nvSpPr>
+              <p:cNvPr id="13" name="文本框 12">
+                <a:extLst>
+                  <a:ext uri="{FF2B5EF4-FFF2-40B4-BE49-F238E27FC236}">
+                    <a16:creationId xmlns:a16="http://schemas.microsoft.com/office/drawing/2014/main" id="{959BDE1C-1CC5-5CEC-184C-0923BC0E2A53}"/>
+                  </a:ext>
+                </a:extLst>
+              </p:cNvPr>
+              <p:cNvSpPr txBox="1">
+                <a:spLocks noRot="1" noChangeAspect="1" noMove="1" noResize="1" noEditPoints="1" noAdjustHandles="1" noChangeArrowheads="1" noChangeShapeType="1" noTextEdit="1"/>
+              </p:cNvSpPr>
+              <p:nvPr/>
+            </p:nvSpPr>
+            <p:spPr>
+              <a:xfrm>
+                <a:off x="3732917" y="3428389"/>
+                <a:ext cx="504630" cy="400110"/>
+              </a:xfrm>
+              <a:prstGeom prst="rect">
+                <a:avLst/>
+              </a:prstGeom>
+              <a:blipFill>
+                <a:blip r:embed="rId10"/>
+                <a:stretch>
+                  <a:fillRect b="-6061"/>
+                </a:stretch>
+              </a:blipFill>
+            </p:spPr>
+            <p:txBody>
+              <a:bodyPr/>
+              <a:lstStyle/>
+              <a:p>
+                <a:r>
+                  <a:rPr lang="zh-CN" altLang="en-US">
+                    <a:noFill/>
+                  </a:rPr>
+                  <a:t> </a:t>
+                </a:r>
+              </a:p>
+            </p:txBody>
+          </p:sp>
+        </mc:Fallback>
+      </mc:AlternateContent>
+      <mc:AlternateContent xmlns:mc="http://schemas.openxmlformats.org/markup-compatibility/2006">
+        <mc:Choice xmlns:a14="http://schemas.microsoft.com/office/drawing/2010/main" Requires="a14">
+          <p:sp>
+            <p:nvSpPr>
+              <p:cNvPr id="14" name="文本框 13">
+                <a:extLst>
+                  <a:ext uri="{FF2B5EF4-FFF2-40B4-BE49-F238E27FC236}">
+                    <a16:creationId xmlns:a16="http://schemas.microsoft.com/office/drawing/2014/main" id="{32A25CD9-C43B-D6BC-55A4-326AD103E0CC}"/>
+                  </a:ext>
+                </a:extLst>
+              </p:cNvPr>
+              <p:cNvSpPr txBox="1"/>
+              <p:nvPr/>
+            </p:nvSpPr>
+            <p:spPr>
+              <a:xfrm>
+                <a:off x="5042772" y="3470113"/>
+                <a:ext cx="649441" cy="400110"/>
+              </a:xfrm>
+              <a:prstGeom prst="rect">
+                <a:avLst/>
+              </a:prstGeom>
+              <a:noFill/>
+            </p:spPr>
+            <p:txBody>
+              <a:bodyPr wrap="square">
+                <a:spAutoFit/>
+              </a:bodyPr>
+              <a:lstStyle/>
+              <a:p>
+                <a:pPr/>
+                <a14:m>
+                  <m:oMathPara xmlns:m="http://schemas.openxmlformats.org/officeDocument/2006/math">
+                    <m:oMathParaPr>
+                      <m:jc m:val="centerGroup"/>
+                    </m:oMathParaPr>
+                    <m:oMath xmlns:m="http://schemas.openxmlformats.org/officeDocument/2006/math">
+                      <m:r>
+                        <a:rPr lang="zh-CN" altLang="en-US" sz="2000" b="1" i="1" smtClean="0">
+                          <a:latin typeface="Cambria Math" panose="02040503050406030204" pitchFamily="18" charset="0"/>
+                        </a:rPr>
+                        <m:t>𝜷</m:t>
+                      </m:r>
+                    </m:oMath>
+                  </m:oMathPara>
+                </a14:m>
+                <a:endParaRPr lang="zh-CN" altLang="en-US" b="1" dirty="0"/>
+              </a:p>
+            </p:txBody>
+          </p:sp>
+        </mc:Choice>
+        <mc:Fallback>
+          <p:sp>
+            <p:nvSpPr>
+              <p:cNvPr id="14" name="文本框 13">
+                <a:extLst>
+                  <a:ext uri="{FF2B5EF4-FFF2-40B4-BE49-F238E27FC236}">
+                    <a16:creationId xmlns:a16="http://schemas.microsoft.com/office/drawing/2014/main" id="{32A25CD9-C43B-D6BC-55A4-326AD103E0CC}"/>
+                  </a:ext>
+                </a:extLst>
+              </p:cNvPr>
+              <p:cNvSpPr txBox="1">
+                <a:spLocks noRot="1" noChangeAspect="1" noMove="1" noResize="1" noEditPoints="1" noAdjustHandles="1" noChangeArrowheads="1" noChangeShapeType="1" noTextEdit="1"/>
+              </p:cNvSpPr>
+              <p:nvPr/>
+            </p:nvSpPr>
+            <p:spPr>
+              <a:xfrm>
+                <a:off x="5042772" y="3470113"/>
+                <a:ext cx="649441" cy="400110"/>
+              </a:xfrm>
+              <a:prstGeom prst="rect">
+                <a:avLst/>
+              </a:prstGeom>
+              <a:blipFill>
+                <a:blip r:embed="rId11"/>
+                <a:stretch>
+                  <a:fillRect b="-13636"/>
+                </a:stretch>
+              </a:blipFill>
+            </p:spPr>
+            <p:txBody>
+              <a:bodyPr/>
+              <a:lstStyle/>
+              <a:p>
+                <a:r>
+                  <a:rPr lang="zh-CN" altLang="en-US">
+                    <a:noFill/>
+                  </a:rPr>
+                  <a:t> </a:t>
+                </a:r>
+              </a:p>
+            </p:txBody>
+          </p:sp>
+        </mc:Fallback>
+      </mc:AlternateContent>
     </p:spTree>
     <p:extLst>
       <p:ext uri="{BB962C8B-B14F-4D97-AF65-F5344CB8AC3E}">

--- a/images/posts/2025-03-02-blog-post/新建 Microsoft PowerPoint 演示文稿.pptx
+++ b/images/posts/2025-03-02-blog-post/新建 Microsoft PowerPoint 演示文稿.pptx
@@ -5,12 +5,13 @@
     <p:sldMasterId id="2147483684" r:id="rId1"/>
   </p:sldMasterIdLst>
   <p:notesMasterIdLst>
-    <p:notesMasterId r:id="rId5"/>
+    <p:notesMasterId r:id="rId6"/>
   </p:notesMasterIdLst>
   <p:sldIdLst>
     <p:sldId id="256" r:id="rId2"/>
     <p:sldId id="294" r:id="rId3"/>
     <p:sldId id="295" r:id="rId4"/>
+    <p:sldId id="297" r:id="rId5"/>
   </p:sldIdLst>
   <p:sldSz cx="21599525" cy="8999538"/>
   <p:notesSz cx="6858000" cy="9144000"/>
@@ -199,7 +200,7 @@
           <a:p>
             <a:fld id="{06A7EE91-92E7-4CCB-9ABC-2651A01142F8}" type="datetimeFigureOut">
               <a:rPr lang="zh-CN" altLang="en-US" smtClean="0"/>
-              <a:t>2025/9/7</a:t>
+              <a:t>2025/9/9</a:t>
             </a:fld>
             <a:endParaRPr lang="zh-CN" altLang="en-US"/>
           </a:p>
@@ -686,7 +687,7 @@
           <a:p>
             <a:fld id="{47A39752-AE50-4AEA-9C8D-075E0077A86E}" type="datetimeFigureOut">
               <a:rPr lang="zh-CN" altLang="en-US" smtClean="0"/>
-              <a:t>2025/9/7</a:t>
+              <a:t>2025/9/9</a:t>
             </a:fld>
             <a:endParaRPr lang="zh-CN" altLang="en-US"/>
           </a:p>
@@ -856,7 +857,7 @@
           <a:p>
             <a:fld id="{47A39752-AE50-4AEA-9C8D-075E0077A86E}" type="datetimeFigureOut">
               <a:rPr lang="zh-CN" altLang="en-US" smtClean="0"/>
-              <a:t>2025/9/7</a:t>
+              <a:t>2025/9/9</a:t>
             </a:fld>
             <a:endParaRPr lang="zh-CN" altLang="en-US"/>
           </a:p>
@@ -1036,7 +1037,7 @@
           <a:p>
             <a:fld id="{47A39752-AE50-4AEA-9C8D-075E0077A86E}" type="datetimeFigureOut">
               <a:rPr lang="zh-CN" altLang="en-US" smtClean="0"/>
-              <a:t>2025/9/7</a:t>
+              <a:t>2025/9/9</a:t>
             </a:fld>
             <a:endParaRPr lang="zh-CN" altLang="en-US"/>
           </a:p>
@@ -1206,7 +1207,7 @@
           <a:p>
             <a:fld id="{47A39752-AE50-4AEA-9C8D-075E0077A86E}" type="datetimeFigureOut">
               <a:rPr lang="zh-CN" altLang="en-US" smtClean="0"/>
-              <a:t>2025/9/7</a:t>
+              <a:t>2025/9/9</a:t>
             </a:fld>
             <a:endParaRPr lang="zh-CN" altLang="en-US"/>
           </a:p>
@@ -1452,7 +1453,7 @@
           <a:p>
             <a:fld id="{47A39752-AE50-4AEA-9C8D-075E0077A86E}" type="datetimeFigureOut">
               <a:rPr lang="zh-CN" altLang="en-US" smtClean="0"/>
-              <a:t>2025/9/7</a:t>
+              <a:t>2025/9/9</a:t>
             </a:fld>
             <a:endParaRPr lang="zh-CN" altLang="en-US"/>
           </a:p>
@@ -1684,7 +1685,7 @@
           <a:p>
             <a:fld id="{47A39752-AE50-4AEA-9C8D-075E0077A86E}" type="datetimeFigureOut">
               <a:rPr lang="zh-CN" altLang="en-US" smtClean="0"/>
-              <a:t>2025/9/7</a:t>
+              <a:t>2025/9/9</a:t>
             </a:fld>
             <a:endParaRPr lang="zh-CN" altLang="en-US"/>
           </a:p>
@@ -2051,7 +2052,7 @@
           <a:p>
             <a:fld id="{47A39752-AE50-4AEA-9C8D-075E0077A86E}" type="datetimeFigureOut">
               <a:rPr lang="zh-CN" altLang="en-US" smtClean="0"/>
-              <a:t>2025/9/7</a:t>
+              <a:t>2025/9/9</a:t>
             </a:fld>
             <a:endParaRPr lang="zh-CN" altLang="en-US"/>
           </a:p>
@@ -2169,7 +2170,7 @@
           <a:p>
             <a:fld id="{47A39752-AE50-4AEA-9C8D-075E0077A86E}" type="datetimeFigureOut">
               <a:rPr lang="zh-CN" altLang="en-US" smtClean="0"/>
-              <a:t>2025/9/7</a:t>
+              <a:t>2025/9/9</a:t>
             </a:fld>
             <a:endParaRPr lang="zh-CN" altLang="en-US"/>
           </a:p>
@@ -2264,7 +2265,7 @@
           <a:p>
             <a:fld id="{47A39752-AE50-4AEA-9C8D-075E0077A86E}" type="datetimeFigureOut">
               <a:rPr lang="zh-CN" altLang="en-US" smtClean="0"/>
-              <a:t>2025/9/7</a:t>
+              <a:t>2025/9/9</a:t>
             </a:fld>
             <a:endParaRPr lang="zh-CN" altLang="en-US"/>
           </a:p>
@@ -2541,7 +2542,7 @@
           <a:p>
             <a:fld id="{47A39752-AE50-4AEA-9C8D-075E0077A86E}" type="datetimeFigureOut">
               <a:rPr lang="zh-CN" altLang="en-US" smtClean="0"/>
-              <a:t>2025/9/7</a:t>
+              <a:t>2025/9/9</a:t>
             </a:fld>
             <a:endParaRPr lang="zh-CN" altLang="en-US"/>
           </a:p>
@@ -2798,7 +2799,7 @@
           <a:p>
             <a:fld id="{47A39752-AE50-4AEA-9C8D-075E0077A86E}" type="datetimeFigureOut">
               <a:rPr lang="zh-CN" altLang="en-US" smtClean="0"/>
-              <a:t>2025/9/7</a:t>
+              <a:t>2025/9/9</a:t>
             </a:fld>
             <a:endParaRPr lang="zh-CN" altLang="en-US"/>
           </a:p>
@@ -3011,7 +3012,7 @@
           <a:p>
             <a:fld id="{47A39752-AE50-4AEA-9C8D-075E0077A86E}" type="datetimeFigureOut">
               <a:rPr lang="zh-CN" altLang="en-US" smtClean="0"/>
-              <a:t>2025/9/7</a:t>
+              <a:t>2025/9/9</a:t>
             </a:fld>
             <a:endParaRPr lang="zh-CN" altLang="en-US"/>
           </a:p>
@@ -12210,8 +12211,8 @@
           </p:sp>
         </mc:Fallback>
       </mc:AlternateContent>
-      <mc:AlternateContent xmlns:mc="http://schemas.openxmlformats.org/markup-compatibility/2006">
-        <mc:Choice xmlns:a14="http://schemas.microsoft.com/office/drawing/2010/main" Requires="a14">
+      <mc:AlternateContent xmlns:mc="http://schemas.openxmlformats.org/markup-compatibility/2006" xmlns:a14="http://schemas.microsoft.com/office/drawing/2010/main">
+        <mc:Choice Requires="a14">
           <p:sp>
             <p:nvSpPr>
               <p:cNvPr id="89" name="文本框 88">
@@ -12296,7 +12297,7 @@
             </p:txBody>
           </p:sp>
         </mc:Choice>
-        <mc:Fallback>
+        <mc:Fallback xmlns="">
           <p:sp>
             <p:nvSpPr>
               <p:cNvPr id="89" name="文本框 88">
@@ -13946,8 +13947,8 @@
           </p:txBody>
         </p:sp>
       </p:grpSp>
-      <mc:AlternateContent xmlns:mc="http://schemas.openxmlformats.org/markup-compatibility/2006">
-        <mc:Choice xmlns:a14="http://schemas.microsoft.com/office/drawing/2010/main" Requires="a14">
+      <mc:AlternateContent xmlns:mc="http://schemas.openxmlformats.org/markup-compatibility/2006" xmlns:a14="http://schemas.microsoft.com/office/drawing/2010/main">
+        <mc:Choice Requires="a14">
           <p:sp>
             <p:nvSpPr>
               <p:cNvPr id="8" name="文本框 7">
@@ -14032,7 +14033,7 @@
             </p:txBody>
           </p:sp>
         </mc:Choice>
-        <mc:Fallback>
+        <mc:Fallback xmlns="">
           <p:sp>
             <p:nvSpPr>
               <p:cNvPr id="8" name="文本框 7">
@@ -14077,8 +14078,8 @@
           </p:sp>
         </mc:Fallback>
       </mc:AlternateContent>
-      <mc:AlternateContent xmlns:mc="http://schemas.openxmlformats.org/markup-compatibility/2006">
-        <mc:Choice xmlns:a14="http://schemas.microsoft.com/office/drawing/2010/main" Requires="a14">
+      <mc:AlternateContent xmlns:mc="http://schemas.openxmlformats.org/markup-compatibility/2006" xmlns:a14="http://schemas.microsoft.com/office/drawing/2010/main">
+        <mc:Choice Requires="a14">
           <p:sp>
             <p:nvSpPr>
               <p:cNvPr id="10" name="文本框 9">
@@ -14128,7 +14129,7 @@
             </p:txBody>
           </p:sp>
         </mc:Choice>
-        <mc:Fallback>
+        <mc:Fallback xmlns="">
           <p:sp>
             <p:nvSpPr>
               <p:cNvPr id="10" name="文本框 9">
@@ -14173,8 +14174,8 @@
           </p:sp>
         </mc:Fallback>
       </mc:AlternateContent>
-      <mc:AlternateContent xmlns:mc="http://schemas.openxmlformats.org/markup-compatibility/2006">
-        <mc:Choice xmlns:a14="http://schemas.microsoft.com/office/drawing/2010/main" Requires="a14">
+      <mc:AlternateContent xmlns:mc="http://schemas.openxmlformats.org/markup-compatibility/2006" xmlns:a14="http://schemas.microsoft.com/office/drawing/2010/main">
+        <mc:Choice Requires="a14">
           <p:sp>
             <p:nvSpPr>
               <p:cNvPr id="12" name="文本框 11">
@@ -14224,7 +14225,7 @@
             </p:txBody>
           </p:sp>
         </mc:Choice>
-        <mc:Fallback>
+        <mc:Fallback xmlns="">
           <p:sp>
             <p:nvSpPr>
               <p:cNvPr id="12" name="文本框 11">
@@ -14269,8 +14270,8 @@
           </p:sp>
         </mc:Fallback>
       </mc:AlternateContent>
-      <mc:AlternateContent xmlns:mc="http://schemas.openxmlformats.org/markup-compatibility/2006">
-        <mc:Choice xmlns:a14="http://schemas.microsoft.com/office/drawing/2010/main" Requires="a14">
+      <mc:AlternateContent xmlns:mc="http://schemas.openxmlformats.org/markup-compatibility/2006" xmlns:a14="http://schemas.microsoft.com/office/drawing/2010/main">
+        <mc:Choice Requires="a14">
           <p:sp>
             <p:nvSpPr>
               <p:cNvPr id="13" name="文本框 12">
@@ -14320,7 +14321,7 @@
             </p:txBody>
           </p:sp>
         </mc:Choice>
-        <mc:Fallback>
+        <mc:Fallback xmlns="">
           <p:sp>
             <p:nvSpPr>
               <p:cNvPr id="13" name="文本框 12">
@@ -14365,8 +14366,8 @@
           </p:sp>
         </mc:Fallback>
       </mc:AlternateContent>
-      <mc:AlternateContent xmlns:mc="http://schemas.openxmlformats.org/markup-compatibility/2006">
-        <mc:Choice xmlns:a14="http://schemas.microsoft.com/office/drawing/2010/main" Requires="a14">
+      <mc:AlternateContent xmlns:mc="http://schemas.openxmlformats.org/markup-compatibility/2006" xmlns:a14="http://schemas.microsoft.com/office/drawing/2010/main">
+        <mc:Choice Requires="a14">
           <p:sp>
             <p:nvSpPr>
               <p:cNvPr id="14" name="文本框 13">
@@ -14416,7 +14417,7 @@
             </p:txBody>
           </p:sp>
         </mc:Choice>
-        <mc:Fallback>
+        <mc:Fallback xmlns="">
           <p:sp>
             <p:nvSpPr>
               <p:cNvPr id="14" name="文本框 13">
@@ -14465,6 +14466,5568 @@
     <p:extLst>
       <p:ext uri="{BB962C8B-B14F-4D97-AF65-F5344CB8AC3E}">
         <p14:creationId xmlns:p14="http://schemas.microsoft.com/office/powerpoint/2010/main" val="36167519"/>
+      </p:ext>
+    </p:extLst>
+  </p:cSld>
+  <p:clrMapOvr>
+    <a:masterClrMapping/>
+  </p:clrMapOvr>
+</p:sld>
+</file>
+
+<file path=ppt/slides/slide4.xml><?xml version="1.0" encoding="utf-8"?>
+<p:sld xmlns:a="http://schemas.openxmlformats.org/drawingml/2006/main" xmlns:r="http://schemas.openxmlformats.org/officeDocument/2006/relationships" xmlns:p="http://schemas.openxmlformats.org/presentationml/2006/main">
+  <p:cSld>
+    <p:spTree>
+      <p:nvGrpSpPr>
+        <p:cNvPr id="1" name=""/>
+        <p:cNvGrpSpPr/>
+        <p:nvPr/>
+      </p:nvGrpSpPr>
+      <p:grpSpPr>
+        <a:xfrm>
+          <a:off x="0" y="0"/>
+          <a:ext cx="0" cy="0"/>
+          <a:chOff x="0" y="0"/>
+          <a:chExt cx="0" cy="0"/>
+        </a:xfrm>
+      </p:grpSpPr>
+      <p:cxnSp>
+        <p:nvCxnSpPr>
+          <p:cNvPr id="23" name="连接符: 曲线 22">
+            <a:extLst>
+              <a:ext uri="{FF2B5EF4-FFF2-40B4-BE49-F238E27FC236}">
+                <a16:creationId xmlns:a16="http://schemas.microsoft.com/office/drawing/2014/main" id="{C25ACD2A-C25A-EDB4-A6C1-9F9AB6A9E840}"/>
+              </a:ext>
+            </a:extLst>
+          </p:cNvPr>
+          <p:cNvCxnSpPr>
+            <a:cxnSpLocks/>
+            <a:stCxn id="44" idx="2"/>
+            <a:endCxn id="43" idx="2"/>
+          </p:cNvCxnSpPr>
+          <p:nvPr/>
+        </p:nvCxnSpPr>
+        <p:spPr>
+          <a:xfrm rot="10800000" flipV="1">
+            <a:off x="6808454" y="1822700"/>
+            <a:ext cx="12700" cy="1593361"/>
+          </a:xfrm>
+          <a:prstGeom prst="curvedConnector3">
+            <a:avLst>
+              <a:gd name="adj1" fmla="val 4600000"/>
+            </a:avLst>
+          </a:prstGeom>
+          <a:ln w="12700">
+            <a:headEnd type="triangle"/>
+            <a:tailEnd type="triangle"/>
+          </a:ln>
+        </p:spPr>
+        <p:style>
+          <a:lnRef idx="2">
+            <a:schemeClr val="accent1"/>
+          </a:lnRef>
+          <a:fillRef idx="0">
+            <a:schemeClr val="accent1"/>
+          </a:fillRef>
+          <a:effectRef idx="1">
+            <a:schemeClr val="accent1"/>
+          </a:effectRef>
+          <a:fontRef idx="minor">
+            <a:schemeClr val="tx1"/>
+          </a:fontRef>
+        </p:style>
+      </p:cxnSp>
+      <p:cxnSp>
+        <p:nvCxnSpPr>
+          <p:cNvPr id="24" name="直接箭头连接符 23">
+            <a:extLst>
+              <a:ext uri="{FF2B5EF4-FFF2-40B4-BE49-F238E27FC236}">
+                <a16:creationId xmlns:a16="http://schemas.microsoft.com/office/drawing/2014/main" id="{E0FF2760-80EF-FF11-C44F-D1AD6754E833}"/>
+              </a:ext>
+            </a:extLst>
+          </p:cNvPr>
+          <p:cNvCxnSpPr>
+            <a:cxnSpLocks/>
+            <a:stCxn id="37" idx="3"/>
+            <a:endCxn id="39" idx="1"/>
+          </p:cNvCxnSpPr>
+          <p:nvPr/>
+        </p:nvCxnSpPr>
+        <p:spPr>
+          <a:xfrm>
+            <a:off x="3315960" y="2604756"/>
+            <a:ext cx="3563175" cy="8838"/>
+          </a:xfrm>
+          <a:prstGeom prst="straightConnector1">
+            <a:avLst/>
+          </a:prstGeom>
+          <a:ln w="12700">
+            <a:tailEnd type="triangle"/>
+          </a:ln>
+        </p:spPr>
+        <p:style>
+          <a:lnRef idx="2">
+            <a:schemeClr val="accent1"/>
+          </a:lnRef>
+          <a:fillRef idx="0">
+            <a:schemeClr val="accent1"/>
+          </a:fillRef>
+          <a:effectRef idx="1">
+            <a:schemeClr val="accent1"/>
+          </a:effectRef>
+          <a:fontRef idx="minor">
+            <a:schemeClr val="tx1"/>
+          </a:fontRef>
+        </p:style>
+      </p:cxnSp>
+      <p:sp>
+        <p:nvSpPr>
+          <p:cNvPr id="37" name="矩形: 圆角 36">
+            <a:extLst>
+              <a:ext uri="{FF2B5EF4-FFF2-40B4-BE49-F238E27FC236}">
+                <a16:creationId xmlns:a16="http://schemas.microsoft.com/office/drawing/2014/main" id="{3AD79AD9-C8C1-9C5D-339E-27573B358B12}"/>
+              </a:ext>
+            </a:extLst>
+          </p:cNvPr>
+          <p:cNvSpPr/>
+          <p:nvPr/>
+        </p:nvSpPr>
+        <p:spPr>
+          <a:xfrm>
+            <a:off x="2732145" y="2272022"/>
+            <a:ext cx="583815" cy="665467"/>
+          </a:xfrm>
+          <a:prstGeom prst="roundRect">
+            <a:avLst>
+              <a:gd name="adj" fmla="val 0"/>
+            </a:avLst>
+          </a:prstGeom>
+          <a:noFill/>
+          <a:ln>
+            <a:solidFill>
+              <a:schemeClr val="tx1"/>
+            </a:solidFill>
+          </a:ln>
+        </p:spPr>
+        <p:style>
+          <a:lnRef idx="2">
+            <a:schemeClr val="accent1">
+              <a:shade val="15000"/>
+            </a:schemeClr>
+          </a:lnRef>
+          <a:fillRef idx="1">
+            <a:schemeClr val="accent1"/>
+          </a:fillRef>
+          <a:effectRef idx="0">
+            <a:schemeClr val="accent1"/>
+          </a:effectRef>
+          <a:fontRef idx="minor">
+            <a:schemeClr val="lt1"/>
+          </a:fontRef>
+        </p:style>
+        <p:txBody>
+          <a:bodyPr rtlCol="0" anchor="ctr"/>
+          <a:lstStyle/>
+          <a:p>
+            <a:pPr algn="ctr"/>
+            <a:endParaRPr lang="zh-CN" altLang="en-US" sz="3189"/>
+          </a:p>
+        </p:txBody>
+      </p:sp>
+      <p:sp>
+        <p:nvSpPr>
+          <p:cNvPr id="38" name="文本框 37">
+            <a:extLst>
+              <a:ext uri="{FF2B5EF4-FFF2-40B4-BE49-F238E27FC236}">
+                <a16:creationId xmlns:a16="http://schemas.microsoft.com/office/drawing/2014/main" id="{27D5AEF4-C440-9CE1-E9B0-A7BA8842513B}"/>
+              </a:ext>
+            </a:extLst>
+          </p:cNvPr>
+          <p:cNvSpPr txBox="1"/>
+          <p:nvPr/>
+        </p:nvSpPr>
+        <p:spPr>
+          <a:xfrm>
+            <a:off x="2779237" y="2404700"/>
+            <a:ext cx="490840" cy="369332"/>
+          </a:xfrm>
+          <a:prstGeom prst="rect">
+            <a:avLst/>
+          </a:prstGeom>
+          <a:noFill/>
+        </p:spPr>
+        <p:txBody>
+          <a:bodyPr wrap="none" rtlCol="0">
+            <a:spAutoFit/>
+          </a:bodyPr>
+          <a:lstStyle/>
+          <a:p>
+            <a:r>
+              <a:rPr lang="en-US" altLang="zh-CN" dirty="0">
+                <a:latin typeface="微软雅黑" panose="020B0503020204020204" pitchFamily="34" charset="-122"/>
+                <a:ea typeface="微软雅黑" panose="020B0503020204020204" pitchFamily="34" charset="-122"/>
+              </a:rPr>
+              <a:t>LN</a:t>
+            </a:r>
+            <a:endParaRPr lang="zh-CN" altLang="en-US" sz="2000" dirty="0">
+              <a:latin typeface="微软雅黑" panose="020B0503020204020204" pitchFamily="34" charset="-122"/>
+              <a:ea typeface="微软雅黑" panose="020B0503020204020204" pitchFamily="34" charset="-122"/>
+            </a:endParaRPr>
+          </a:p>
+        </p:txBody>
+      </p:sp>
+      <p:sp>
+        <p:nvSpPr>
+          <p:cNvPr id="39" name="矩形: 圆角 38">
+            <a:extLst>
+              <a:ext uri="{FF2B5EF4-FFF2-40B4-BE49-F238E27FC236}">
+                <a16:creationId xmlns:a16="http://schemas.microsoft.com/office/drawing/2014/main" id="{29BD80E5-D960-3337-7018-A40E4274F442}"/>
+              </a:ext>
+            </a:extLst>
+          </p:cNvPr>
+          <p:cNvSpPr/>
+          <p:nvPr/>
+        </p:nvSpPr>
+        <p:spPr>
+          <a:xfrm>
+            <a:off x="6879135" y="1612903"/>
+            <a:ext cx="909140" cy="2001381"/>
+          </a:xfrm>
+          <a:prstGeom prst="roundRect">
+            <a:avLst>
+              <a:gd name="adj" fmla="val 0"/>
+            </a:avLst>
+          </a:prstGeom>
+          <a:noFill/>
+          <a:ln>
+            <a:solidFill>
+              <a:schemeClr val="tx1"/>
+            </a:solidFill>
+          </a:ln>
+        </p:spPr>
+        <p:style>
+          <a:lnRef idx="2">
+            <a:schemeClr val="accent1">
+              <a:shade val="15000"/>
+            </a:schemeClr>
+          </a:lnRef>
+          <a:fillRef idx="1">
+            <a:schemeClr val="accent1"/>
+          </a:fillRef>
+          <a:effectRef idx="0">
+            <a:schemeClr val="accent1"/>
+          </a:effectRef>
+          <a:fontRef idx="minor">
+            <a:schemeClr val="lt1"/>
+          </a:fontRef>
+        </p:style>
+        <p:txBody>
+          <a:bodyPr rtlCol="0" anchor="ctr"/>
+          <a:lstStyle/>
+          <a:p>
+            <a:pPr algn="ctr"/>
+            <a:endParaRPr lang="zh-CN" altLang="en-US" sz="3189"/>
+          </a:p>
+        </p:txBody>
+      </p:sp>
+      <p:sp>
+        <p:nvSpPr>
+          <p:cNvPr id="40" name="文本框 39">
+            <a:extLst>
+              <a:ext uri="{FF2B5EF4-FFF2-40B4-BE49-F238E27FC236}">
+                <a16:creationId xmlns:a16="http://schemas.microsoft.com/office/drawing/2014/main" id="{DCD0DF37-1340-73D0-A19F-7905CF34B29A}"/>
+              </a:ext>
+            </a:extLst>
+          </p:cNvPr>
+          <p:cNvSpPr txBox="1"/>
+          <p:nvPr/>
+        </p:nvSpPr>
+        <p:spPr>
+          <a:xfrm>
+            <a:off x="6974249" y="2398350"/>
+            <a:ext cx="750526" cy="369332"/>
+          </a:xfrm>
+          <a:prstGeom prst="rect">
+            <a:avLst/>
+          </a:prstGeom>
+          <a:noFill/>
+        </p:spPr>
+        <p:txBody>
+          <a:bodyPr wrap="none" rtlCol="0">
+            <a:spAutoFit/>
+          </a:bodyPr>
+          <a:lstStyle/>
+          <a:p>
+            <a:r>
+              <a:rPr lang="en-US" altLang="zh-CN" dirty="0">
+                <a:latin typeface="微软雅黑" panose="020B0503020204020204" pitchFamily="34" charset="-122"/>
+                <a:ea typeface="微软雅黑" panose="020B0503020204020204" pitchFamily="34" charset="-122"/>
+              </a:rPr>
+              <a:t>MHA</a:t>
+            </a:r>
+            <a:endParaRPr lang="zh-CN" altLang="en-US" sz="2000" dirty="0">
+              <a:latin typeface="微软雅黑" panose="020B0503020204020204" pitchFamily="34" charset="-122"/>
+              <a:ea typeface="微软雅黑" panose="020B0503020204020204" pitchFamily="34" charset="-122"/>
+            </a:endParaRPr>
+          </a:p>
+        </p:txBody>
+      </p:sp>
+      <p:sp>
+        <p:nvSpPr>
+          <p:cNvPr id="43" name="椭圆 42">
+            <a:extLst>
+              <a:ext uri="{FF2B5EF4-FFF2-40B4-BE49-F238E27FC236}">
+                <a16:creationId xmlns:a16="http://schemas.microsoft.com/office/drawing/2014/main" id="{C9208AFE-2CC9-CD74-F361-BED6261BBDFC}"/>
+              </a:ext>
+            </a:extLst>
+          </p:cNvPr>
+          <p:cNvSpPr/>
+          <p:nvPr/>
+        </p:nvSpPr>
+        <p:spPr>
+          <a:xfrm>
+            <a:off x="6808454" y="3336339"/>
+            <a:ext cx="159445" cy="159445"/>
+          </a:xfrm>
+          <a:prstGeom prst="ellipse">
+            <a:avLst/>
+          </a:prstGeom>
+          <a:ln>
+            <a:noFill/>
+          </a:ln>
+        </p:spPr>
+        <p:style>
+          <a:lnRef idx="2">
+            <a:schemeClr val="accent1">
+              <a:shade val="15000"/>
+            </a:schemeClr>
+          </a:lnRef>
+          <a:fillRef idx="1">
+            <a:schemeClr val="accent1"/>
+          </a:fillRef>
+          <a:effectRef idx="0">
+            <a:schemeClr val="accent1"/>
+          </a:effectRef>
+          <a:fontRef idx="minor">
+            <a:schemeClr val="lt1"/>
+          </a:fontRef>
+        </p:style>
+        <p:txBody>
+          <a:bodyPr rtlCol="0" anchor="ctr"/>
+          <a:lstStyle/>
+          <a:p>
+            <a:pPr algn="ctr"/>
+            <a:endParaRPr lang="zh-CN" altLang="en-US" sz="3189"/>
+          </a:p>
+        </p:txBody>
+      </p:sp>
+      <p:sp>
+        <p:nvSpPr>
+          <p:cNvPr id="44" name="椭圆 43">
+            <a:extLst>
+              <a:ext uri="{FF2B5EF4-FFF2-40B4-BE49-F238E27FC236}">
+                <a16:creationId xmlns:a16="http://schemas.microsoft.com/office/drawing/2014/main" id="{83A5D7D5-8194-9C27-A752-1A841EA6FD7B}"/>
+              </a:ext>
+            </a:extLst>
+          </p:cNvPr>
+          <p:cNvSpPr/>
+          <p:nvPr/>
+        </p:nvSpPr>
+        <p:spPr>
+          <a:xfrm>
+            <a:off x="6808454" y="1742978"/>
+            <a:ext cx="159445" cy="159445"/>
+          </a:xfrm>
+          <a:prstGeom prst="ellipse">
+            <a:avLst/>
+          </a:prstGeom>
+          <a:ln>
+            <a:noFill/>
+          </a:ln>
+        </p:spPr>
+        <p:style>
+          <a:lnRef idx="2">
+            <a:schemeClr val="accent1">
+              <a:shade val="15000"/>
+            </a:schemeClr>
+          </a:lnRef>
+          <a:fillRef idx="1">
+            <a:schemeClr val="accent1"/>
+          </a:fillRef>
+          <a:effectRef idx="0">
+            <a:schemeClr val="accent1"/>
+          </a:effectRef>
+          <a:fontRef idx="minor">
+            <a:schemeClr val="lt1"/>
+          </a:fontRef>
+        </p:style>
+        <p:txBody>
+          <a:bodyPr rtlCol="0" anchor="ctr"/>
+          <a:lstStyle/>
+          <a:p>
+            <a:pPr algn="ctr"/>
+            <a:endParaRPr lang="zh-CN" altLang="en-US" sz="3189"/>
+          </a:p>
+        </p:txBody>
+      </p:sp>
+      <p:grpSp>
+        <p:nvGrpSpPr>
+          <p:cNvPr id="48" name="组合 47">
+            <a:extLst>
+              <a:ext uri="{FF2B5EF4-FFF2-40B4-BE49-F238E27FC236}">
+                <a16:creationId xmlns:a16="http://schemas.microsoft.com/office/drawing/2014/main" id="{FC8BDD21-05CC-3687-045B-0692C33B6D24}"/>
+              </a:ext>
+            </a:extLst>
+          </p:cNvPr>
+          <p:cNvGrpSpPr/>
+          <p:nvPr/>
+        </p:nvGrpSpPr>
+        <p:grpSpPr>
+          <a:xfrm>
+            <a:off x="9474203" y="2432781"/>
+            <a:ext cx="360000" cy="363969"/>
+            <a:chOff x="5281075" y="4315800"/>
+            <a:chExt cx="360000" cy="363969"/>
+          </a:xfrm>
+        </p:grpSpPr>
+        <p:sp>
+          <p:nvSpPr>
+            <p:cNvPr id="49" name="加号 48">
+              <a:extLst>
+                <a:ext uri="{FF2B5EF4-FFF2-40B4-BE49-F238E27FC236}">
+                  <a16:creationId xmlns:a16="http://schemas.microsoft.com/office/drawing/2014/main" id="{6996AB06-EBE9-D22D-8A85-4333C671058C}"/>
+                </a:ext>
+              </a:extLst>
+            </p:cNvPr>
+            <p:cNvSpPr/>
+            <p:nvPr/>
+          </p:nvSpPr>
+          <p:spPr>
+            <a:xfrm>
+              <a:off x="5281075" y="4319769"/>
+              <a:ext cx="360000" cy="360000"/>
+            </a:xfrm>
+            <a:prstGeom prst="mathPlus">
+              <a:avLst>
+                <a:gd name="adj1" fmla="val 12933"/>
+              </a:avLst>
+            </a:prstGeom>
+            <a:noFill/>
+          </p:spPr>
+          <p:style>
+            <a:lnRef idx="2">
+              <a:schemeClr val="accent1">
+                <a:shade val="15000"/>
+              </a:schemeClr>
+            </a:lnRef>
+            <a:fillRef idx="1">
+              <a:schemeClr val="accent1"/>
+            </a:fillRef>
+            <a:effectRef idx="0">
+              <a:schemeClr val="accent1"/>
+            </a:effectRef>
+            <a:fontRef idx="minor">
+              <a:schemeClr val="lt1"/>
+            </a:fontRef>
+          </p:style>
+          <p:txBody>
+            <a:bodyPr rtlCol="0" anchor="ctr"/>
+            <a:lstStyle/>
+            <a:p>
+              <a:pPr algn="ctr"/>
+              <a:endParaRPr lang="zh-CN" altLang="en-US"/>
+            </a:p>
+          </p:txBody>
+        </p:sp>
+        <p:sp>
+          <p:nvSpPr>
+            <p:cNvPr id="50" name="椭圆 49">
+              <a:extLst>
+                <a:ext uri="{FF2B5EF4-FFF2-40B4-BE49-F238E27FC236}">
+                  <a16:creationId xmlns:a16="http://schemas.microsoft.com/office/drawing/2014/main" id="{2B3FEC84-CAF5-F40B-90FB-4663A926B44C}"/>
+                </a:ext>
+              </a:extLst>
+            </p:cNvPr>
+            <p:cNvSpPr/>
+            <p:nvPr/>
+          </p:nvSpPr>
+          <p:spPr>
+            <a:xfrm>
+              <a:off x="5281075" y="4315800"/>
+              <a:ext cx="360000" cy="360000"/>
+            </a:xfrm>
+            <a:prstGeom prst="ellipse">
+              <a:avLst/>
+            </a:prstGeom>
+            <a:noFill/>
+          </p:spPr>
+          <p:style>
+            <a:lnRef idx="2">
+              <a:schemeClr val="accent1">
+                <a:shade val="15000"/>
+              </a:schemeClr>
+            </a:lnRef>
+            <a:fillRef idx="1">
+              <a:schemeClr val="accent1"/>
+            </a:fillRef>
+            <a:effectRef idx="0">
+              <a:schemeClr val="accent1"/>
+            </a:effectRef>
+            <a:fontRef idx="minor">
+              <a:schemeClr val="lt1"/>
+            </a:fontRef>
+          </p:style>
+          <p:txBody>
+            <a:bodyPr rtlCol="0" anchor="ctr"/>
+            <a:lstStyle/>
+            <a:p>
+              <a:pPr algn="ctr"/>
+              <a:endParaRPr lang="zh-CN" altLang="en-US"/>
+            </a:p>
+          </p:txBody>
+        </p:sp>
+      </p:grpSp>
+      <p:cxnSp>
+        <p:nvCxnSpPr>
+          <p:cNvPr id="51" name="直接箭头连接符 50">
+            <a:extLst>
+              <a:ext uri="{FF2B5EF4-FFF2-40B4-BE49-F238E27FC236}">
+                <a16:creationId xmlns:a16="http://schemas.microsoft.com/office/drawing/2014/main" id="{B9B94367-A30B-D184-2971-E6CDE30F6B2F}"/>
+              </a:ext>
+            </a:extLst>
+          </p:cNvPr>
+          <p:cNvCxnSpPr>
+            <a:cxnSpLocks/>
+            <a:stCxn id="39" idx="3"/>
+            <a:endCxn id="50" idx="2"/>
+          </p:cNvCxnSpPr>
+          <p:nvPr/>
+        </p:nvCxnSpPr>
+        <p:spPr>
+          <a:xfrm flipV="1">
+            <a:off x="7788275" y="2612781"/>
+            <a:ext cx="1685928" cy="813"/>
+          </a:xfrm>
+          <a:prstGeom prst="straightConnector1">
+            <a:avLst/>
+          </a:prstGeom>
+          <a:ln>
+            <a:tailEnd type="triangle"/>
+          </a:ln>
+        </p:spPr>
+        <p:style>
+          <a:lnRef idx="2">
+            <a:schemeClr val="accent1"/>
+          </a:lnRef>
+          <a:fillRef idx="0">
+            <a:schemeClr val="accent1"/>
+          </a:fillRef>
+          <a:effectRef idx="1">
+            <a:schemeClr val="accent1"/>
+          </a:effectRef>
+          <a:fontRef idx="minor">
+            <a:schemeClr val="tx1"/>
+          </a:fontRef>
+        </p:style>
+      </p:cxnSp>
+      <p:sp>
+        <p:nvSpPr>
+          <p:cNvPr id="54" name="文本框 53">
+            <a:extLst>
+              <a:ext uri="{FF2B5EF4-FFF2-40B4-BE49-F238E27FC236}">
+                <a16:creationId xmlns:a16="http://schemas.microsoft.com/office/drawing/2014/main" id="{CB35D18A-EB86-3888-A0D2-34EEC8D846D2}"/>
+              </a:ext>
+            </a:extLst>
+          </p:cNvPr>
+          <p:cNvSpPr txBox="1"/>
+          <p:nvPr/>
+        </p:nvSpPr>
+        <p:spPr>
+          <a:xfrm>
+            <a:off x="3841297" y="7015068"/>
+            <a:ext cx="2306356" cy="584775"/>
+          </a:xfrm>
+          <a:prstGeom prst="rect">
+            <a:avLst/>
+          </a:prstGeom>
+          <a:noFill/>
+        </p:spPr>
+        <p:txBody>
+          <a:bodyPr wrap="square">
+            <a:spAutoFit/>
+          </a:bodyPr>
+          <a:lstStyle/>
+          <a:p>
+            <a:pPr algn="ctr"/>
+            <a:r>
+              <a:rPr lang="en-US" altLang="zh-CN" sz="1600" dirty="0">
+                <a:latin typeface="微软雅黑" panose="020B0503020204020204" pitchFamily="34" charset="-122"/>
+                <a:ea typeface="微软雅黑" panose="020B0503020204020204" pitchFamily="34" charset="-122"/>
+              </a:rPr>
+              <a:t>Time</a:t>
+            </a:r>
+          </a:p>
+          <a:p>
+            <a:pPr algn="ctr"/>
+            <a:r>
+              <a:rPr lang="en-US" altLang="zh-CN" sz="1600" dirty="0">
+                <a:latin typeface="微软雅黑" panose="020B0503020204020204" pitchFamily="34" charset="-122"/>
+                <a:ea typeface="微软雅黑" panose="020B0503020204020204" pitchFamily="34" charset="-122"/>
+              </a:rPr>
+              <a:t>E</a:t>
+            </a:r>
+            <a:r>
+              <a:rPr lang="zh-CN" altLang="en-US" sz="1600" dirty="0">
+                <a:latin typeface="微软雅黑" panose="020B0503020204020204" pitchFamily="34" charset="-122"/>
+                <a:ea typeface="微软雅黑" panose="020B0503020204020204" pitchFamily="34" charset="-122"/>
+              </a:rPr>
+              <a:t>mbedding</a:t>
+            </a:r>
+          </a:p>
+        </p:txBody>
+      </p:sp>
+      <p:sp>
+        <p:nvSpPr>
+          <p:cNvPr id="55" name="矩形: 圆角 54">
+            <a:extLst>
+              <a:ext uri="{FF2B5EF4-FFF2-40B4-BE49-F238E27FC236}">
+                <a16:creationId xmlns:a16="http://schemas.microsoft.com/office/drawing/2014/main" id="{258D327E-24AE-9B46-F601-A4874C1DF02C}"/>
+              </a:ext>
+            </a:extLst>
+          </p:cNvPr>
+          <p:cNvSpPr/>
+          <p:nvPr/>
+        </p:nvSpPr>
+        <p:spPr>
+          <a:xfrm>
+            <a:off x="4305278" y="6910664"/>
+            <a:ext cx="1379482" cy="793585"/>
+          </a:xfrm>
+          <a:prstGeom prst="roundRect">
+            <a:avLst>
+              <a:gd name="adj" fmla="val 0"/>
+            </a:avLst>
+          </a:prstGeom>
+          <a:noFill/>
+          <a:ln>
+            <a:solidFill>
+              <a:schemeClr val="tx1"/>
+            </a:solidFill>
+          </a:ln>
+        </p:spPr>
+        <p:style>
+          <a:lnRef idx="2">
+            <a:schemeClr val="accent1">
+              <a:shade val="15000"/>
+            </a:schemeClr>
+          </a:lnRef>
+          <a:fillRef idx="1">
+            <a:schemeClr val="accent1"/>
+          </a:fillRef>
+          <a:effectRef idx="0">
+            <a:schemeClr val="accent1"/>
+          </a:effectRef>
+          <a:fontRef idx="minor">
+            <a:schemeClr val="lt1"/>
+          </a:fontRef>
+        </p:style>
+        <p:txBody>
+          <a:bodyPr rtlCol="0" anchor="ctr"/>
+          <a:lstStyle/>
+          <a:p>
+            <a:pPr algn="ctr"/>
+            <a:endParaRPr lang="zh-CN" altLang="en-US" sz="3189"/>
+          </a:p>
+        </p:txBody>
+      </p:sp>
+      <p:sp>
+        <p:nvSpPr>
+          <p:cNvPr id="56" name="文本框 55">
+            <a:extLst>
+              <a:ext uri="{FF2B5EF4-FFF2-40B4-BE49-F238E27FC236}">
+                <a16:creationId xmlns:a16="http://schemas.microsoft.com/office/drawing/2014/main" id="{29E9405E-142B-71CC-BCB3-02B1BDFB8FF9}"/>
+              </a:ext>
+            </a:extLst>
+          </p:cNvPr>
+          <p:cNvSpPr txBox="1"/>
+          <p:nvPr/>
+        </p:nvSpPr>
+        <p:spPr>
+          <a:xfrm>
+            <a:off x="5419264" y="5153651"/>
+            <a:ext cx="847174" cy="338554"/>
+          </a:xfrm>
+          <a:prstGeom prst="rect">
+            <a:avLst/>
+          </a:prstGeom>
+          <a:noFill/>
+        </p:spPr>
+        <p:txBody>
+          <a:bodyPr wrap="square">
+            <a:spAutoFit/>
+          </a:bodyPr>
+          <a:lstStyle/>
+          <a:p>
+            <a:r>
+              <a:rPr lang="en-US" altLang="zh-CN" sz="1600" dirty="0">
+                <a:latin typeface="微软雅黑" panose="020B0503020204020204" pitchFamily="34" charset="-122"/>
+                <a:ea typeface="微软雅黑" panose="020B0503020204020204" pitchFamily="34" charset="-122"/>
+              </a:rPr>
+              <a:t>MLP</a:t>
+            </a:r>
+            <a:endParaRPr lang="zh-CN" altLang="en-US" sz="2000" dirty="0">
+              <a:latin typeface="微软雅黑" panose="020B0503020204020204" pitchFamily="34" charset="-122"/>
+              <a:ea typeface="微软雅黑" panose="020B0503020204020204" pitchFamily="34" charset="-122"/>
+            </a:endParaRPr>
+          </a:p>
+        </p:txBody>
+      </p:sp>
+      <p:sp>
+        <p:nvSpPr>
+          <p:cNvPr id="57" name="矩形: 圆角 56">
+            <a:extLst>
+              <a:ext uri="{FF2B5EF4-FFF2-40B4-BE49-F238E27FC236}">
+                <a16:creationId xmlns:a16="http://schemas.microsoft.com/office/drawing/2014/main" id="{DFB12D4E-D53F-77BE-8C3F-A1E38B647937}"/>
+              </a:ext>
+            </a:extLst>
+          </p:cNvPr>
+          <p:cNvSpPr/>
+          <p:nvPr/>
+        </p:nvSpPr>
+        <p:spPr>
+          <a:xfrm>
+            <a:off x="4963268" y="5029461"/>
+            <a:ext cx="1594725" cy="571508"/>
+          </a:xfrm>
+          <a:prstGeom prst="roundRect">
+            <a:avLst>
+              <a:gd name="adj" fmla="val 0"/>
+            </a:avLst>
+          </a:prstGeom>
+          <a:noFill/>
+          <a:ln>
+            <a:solidFill>
+              <a:schemeClr val="tx1"/>
+            </a:solidFill>
+          </a:ln>
+        </p:spPr>
+        <p:style>
+          <a:lnRef idx="2">
+            <a:schemeClr val="accent1">
+              <a:shade val="15000"/>
+            </a:schemeClr>
+          </a:lnRef>
+          <a:fillRef idx="1">
+            <a:schemeClr val="accent1"/>
+          </a:fillRef>
+          <a:effectRef idx="0">
+            <a:schemeClr val="accent1"/>
+          </a:effectRef>
+          <a:fontRef idx="minor">
+            <a:schemeClr val="lt1"/>
+          </a:fontRef>
+        </p:style>
+        <p:txBody>
+          <a:bodyPr rtlCol="0" anchor="ctr"/>
+          <a:lstStyle/>
+          <a:p>
+            <a:pPr algn="ctr"/>
+            <a:endParaRPr lang="zh-CN" altLang="en-US" sz="3189"/>
+          </a:p>
+        </p:txBody>
+      </p:sp>
+      <p:cxnSp>
+        <p:nvCxnSpPr>
+          <p:cNvPr id="58" name="直接箭头连接符 57">
+            <a:extLst>
+              <a:ext uri="{FF2B5EF4-FFF2-40B4-BE49-F238E27FC236}">
+                <a16:creationId xmlns:a16="http://schemas.microsoft.com/office/drawing/2014/main" id="{F7930722-BA6D-8B47-F943-BF1642AAC1D2}"/>
+              </a:ext>
+            </a:extLst>
+          </p:cNvPr>
+          <p:cNvCxnSpPr>
+            <a:cxnSpLocks/>
+            <a:stCxn id="57" idx="0"/>
+            <a:endCxn id="67" idx="2"/>
+          </p:cNvCxnSpPr>
+          <p:nvPr/>
+        </p:nvCxnSpPr>
+        <p:spPr>
+          <a:xfrm flipH="1" flipV="1">
+            <a:off x="4514392" y="4536987"/>
+            <a:ext cx="1246239" cy="492474"/>
+          </a:xfrm>
+          <a:prstGeom prst="straightConnector1">
+            <a:avLst/>
+          </a:prstGeom>
+          <a:ln w="12700">
+            <a:tailEnd type="triangle"/>
+          </a:ln>
+        </p:spPr>
+        <p:style>
+          <a:lnRef idx="2">
+            <a:schemeClr val="accent1"/>
+          </a:lnRef>
+          <a:fillRef idx="0">
+            <a:schemeClr val="accent1"/>
+          </a:fillRef>
+          <a:effectRef idx="1">
+            <a:schemeClr val="accent1"/>
+          </a:effectRef>
+          <a:fontRef idx="minor">
+            <a:schemeClr val="tx1"/>
+          </a:fontRef>
+        </p:style>
+      </p:cxnSp>
+      <p:sp>
+        <p:nvSpPr>
+          <p:cNvPr id="59" name="文本框 58">
+            <a:extLst>
+              <a:ext uri="{FF2B5EF4-FFF2-40B4-BE49-F238E27FC236}">
+                <a16:creationId xmlns:a16="http://schemas.microsoft.com/office/drawing/2014/main" id="{471835B3-E7EE-5C53-559D-78812AC72F82}"/>
+              </a:ext>
+            </a:extLst>
+          </p:cNvPr>
+          <p:cNvSpPr txBox="1"/>
+          <p:nvPr/>
+        </p:nvSpPr>
+        <p:spPr>
+          <a:xfrm>
+            <a:off x="5823803" y="7015069"/>
+            <a:ext cx="1543938" cy="584775"/>
+          </a:xfrm>
+          <a:prstGeom prst="rect">
+            <a:avLst/>
+          </a:prstGeom>
+          <a:noFill/>
+        </p:spPr>
+        <p:txBody>
+          <a:bodyPr wrap="square">
+            <a:spAutoFit/>
+          </a:bodyPr>
+          <a:lstStyle/>
+          <a:p>
+            <a:pPr algn="ctr"/>
+            <a:r>
+              <a:rPr lang="en-US" altLang="zh-CN" sz="1600" dirty="0">
+                <a:latin typeface="微软雅黑" panose="020B0503020204020204" pitchFamily="34" charset="-122"/>
+                <a:ea typeface="微软雅黑" panose="020B0503020204020204" pitchFamily="34" charset="-122"/>
+              </a:rPr>
+              <a:t>Condition</a:t>
+            </a:r>
+          </a:p>
+          <a:p>
+            <a:pPr algn="ctr"/>
+            <a:r>
+              <a:rPr lang="en-US" altLang="zh-CN" sz="1600" dirty="0">
+                <a:latin typeface="微软雅黑" panose="020B0503020204020204" pitchFamily="34" charset="-122"/>
+                <a:ea typeface="微软雅黑" panose="020B0503020204020204" pitchFamily="34" charset="-122"/>
+              </a:rPr>
+              <a:t>E</a:t>
+            </a:r>
+            <a:r>
+              <a:rPr lang="zh-CN" altLang="en-US" sz="1600" dirty="0">
+                <a:latin typeface="微软雅黑" panose="020B0503020204020204" pitchFamily="34" charset="-122"/>
+                <a:ea typeface="微软雅黑" panose="020B0503020204020204" pitchFamily="34" charset="-122"/>
+              </a:rPr>
+              <a:t>mbedding</a:t>
+            </a:r>
+          </a:p>
+        </p:txBody>
+      </p:sp>
+      <p:sp>
+        <p:nvSpPr>
+          <p:cNvPr id="60" name="矩形: 圆角 59">
+            <a:extLst>
+              <a:ext uri="{FF2B5EF4-FFF2-40B4-BE49-F238E27FC236}">
+                <a16:creationId xmlns:a16="http://schemas.microsoft.com/office/drawing/2014/main" id="{FED9CE7E-8DFE-0A55-3DEF-15FCE0A4E355}"/>
+              </a:ext>
+            </a:extLst>
+          </p:cNvPr>
+          <p:cNvSpPr/>
+          <p:nvPr/>
+        </p:nvSpPr>
+        <p:spPr>
+          <a:xfrm>
+            <a:off x="5874601" y="6910665"/>
+            <a:ext cx="1430283" cy="793585"/>
+          </a:xfrm>
+          <a:prstGeom prst="roundRect">
+            <a:avLst>
+              <a:gd name="adj" fmla="val 0"/>
+            </a:avLst>
+          </a:prstGeom>
+          <a:noFill/>
+          <a:ln>
+            <a:solidFill>
+              <a:schemeClr val="tx1"/>
+            </a:solidFill>
+          </a:ln>
+        </p:spPr>
+        <p:style>
+          <a:lnRef idx="2">
+            <a:schemeClr val="accent1">
+              <a:shade val="15000"/>
+            </a:schemeClr>
+          </a:lnRef>
+          <a:fillRef idx="1">
+            <a:schemeClr val="accent1"/>
+          </a:fillRef>
+          <a:effectRef idx="0">
+            <a:schemeClr val="accent1"/>
+          </a:effectRef>
+          <a:fontRef idx="minor">
+            <a:schemeClr val="lt1"/>
+          </a:fontRef>
+        </p:style>
+        <p:txBody>
+          <a:bodyPr rtlCol="0" anchor="ctr"/>
+          <a:lstStyle/>
+          <a:p>
+            <a:pPr algn="ctr"/>
+            <a:endParaRPr lang="zh-CN" altLang="en-US" sz="3189"/>
+          </a:p>
+        </p:txBody>
+      </p:sp>
+      <p:grpSp>
+        <p:nvGrpSpPr>
+          <p:cNvPr id="61" name="组合 60">
+            <a:extLst>
+              <a:ext uri="{FF2B5EF4-FFF2-40B4-BE49-F238E27FC236}">
+                <a16:creationId xmlns:a16="http://schemas.microsoft.com/office/drawing/2014/main" id="{1B6B4EAA-9FAF-13EF-A1FF-BFC90CA31A0C}"/>
+              </a:ext>
+            </a:extLst>
+          </p:cNvPr>
+          <p:cNvGrpSpPr/>
+          <p:nvPr/>
+        </p:nvGrpSpPr>
+        <p:grpSpPr>
+          <a:xfrm>
+            <a:off x="5580303" y="6015230"/>
+            <a:ext cx="360000" cy="363969"/>
+            <a:chOff x="5281075" y="4315800"/>
+            <a:chExt cx="360000" cy="363969"/>
+          </a:xfrm>
+        </p:grpSpPr>
+        <p:sp>
+          <p:nvSpPr>
+            <p:cNvPr id="62" name="加号 61">
+              <a:extLst>
+                <a:ext uri="{FF2B5EF4-FFF2-40B4-BE49-F238E27FC236}">
+                  <a16:creationId xmlns:a16="http://schemas.microsoft.com/office/drawing/2014/main" id="{99B8E262-E4C0-0BF7-0D4B-9516165CBF54}"/>
+                </a:ext>
+              </a:extLst>
+            </p:cNvPr>
+            <p:cNvSpPr/>
+            <p:nvPr/>
+          </p:nvSpPr>
+          <p:spPr>
+            <a:xfrm>
+              <a:off x="5281075" y="4319769"/>
+              <a:ext cx="360000" cy="360000"/>
+            </a:xfrm>
+            <a:prstGeom prst="mathPlus">
+              <a:avLst>
+                <a:gd name="adj1" fmla="val 12933"/>
+              </a:avLst>
+            </a:prstGeom>
+            <a:noFill/>
+          </p:spPr>
+          <p:style>
+            <a:lnRef idx="2">
+              <a:schemeClr val="accent1">
+                <a:shade val="15000"/>
+              </a:schemeClr>
+            </a:lnRef>
+            <a:fillRef idx="1">
+              <a:schemeClr val="accent1"/>
+            </a:fillRef>
+            <a:effectRef idx="0">
+              <a:schemeClr val="accent1"/>
+            </a:effectRef>
+            <a:fontRef idx="minor">
+              <a:schemeClr val="lt1"/>
+            </a:fontRef>
+          </p:style>
+          <p:txBody>
+            <a:bodyPr rtlCol="0" anchor="ctr"/>
+            <a:lstStyle/>
+            <a:p>
+              <a:pPr algn="ctr"/>
+              <a:endParaRPr lang="zh-CN" altLang="en-US"/>
+            </a:p>
+          </p:txBody>
+        </p:sp>
+        <p:sp>
+          <p:nvSpPr>
+            <p:cNvPr id="63" name="椭圆 62">
+              <a:extLst>
+                <a:ext uri="{FF2B5EF4-FFF2-40B4-BE49-F238E27FC236}">
+                  <a16:creationId xmlns:a16="http://schemas.microsoft.com/office/drawing/2014/main" id="{3C0EA6BC-06E6-64F1-37E9-40F11858289B}"/>
+                </a:ext>
+              </a:extLst>
+            </p:cNvPr>
+            <p:cNvSpPr/>
+            <p:nvPr/>
+          </p:nvSpPr>
+          <p:spPr>
+            <a:xfrm>
+              <a:off x="5281075" y="4315800"/>
+              <a:ext cx="360000" cy="360000"/>
+            </a:xfrm>
+            <a:prstGeom prst="ellipse">
+              <a:avLst/>
+            </a:prstGeom>
+            <a:noFill/>
+          </p:spPr>
+          <p:style>
+            <a:lnRef idx="2">
+              <a:schemeClr val="accent1">
+                <a:shade val="15000"/>
+              </a:schemeClr>
+            </a:lnRef>
+            <a:fillRef idx="1">
+              <a:schemeClr val="accent1"/>
+            </a:fillRef>
+            <a:effectRef idx="0">
+              <a:schemeClr val="accent1"/>
+            </a:effectRef>
+            <a:fontRef idx="minor">
+              <a:schemeClr val="lt1"/>
+            </a:fontRef>
+          </p:style>
+          <p:txBody>
+            <a:bodyPr rtlCol="0" anchor="ctr"/>
+            <a:lstStyle/>
+            <a:p>
+              <a:pPr algn="ctr"/>
+              <a:endParaRPr lang="zh-CN" altLang="en-US"/>
+            </a:p>
+          </p:txBody>
+        </p:sp>
+      </p:grpSp>
+      <p:cxnSp>
+        <p:nvCxnSpPr>
+          <p:cNvPr id="64" name="连接符: 肘形 63">
+            <a:extLst>
+              <a:ext uri="{FF2B5EF4-FFF2-40B4-BE49-F238E27FC236}">
+                <a16:creationId xmlns:a16="http://schemas.microsoft.com/office/drawing/2014/main" id="{3D6EAF32-B901-80AF-60A7-070FE5003638}"/>
+              </a:ext>
+            </a:extLst>
+          </p:cNvPr>
+          <p:cNvCxnSpPr>
+            <a:cxnSpLocks/>
+            <a:stCxn id="55" idx="0"/>
+            <a:endCxn id="63" idx="2"/>
+          </p:cNvCxnSpPr>
+          <p:nvPr/>
+        </p:nvCxnSpPr>
+        <p:spPr>
+          <a:xfrm rot="5400000" flipH="1" flipV="1">
+            <a:off x="4929944" y="6260305"/>
+            <a:ext cx="715434" cy="585284"/>
+          </a:xfrm>
+          <a:prstGeom prst="bentConnector2">
+            <a:avLst/>
+          </a:prstGeom>
+          <a:ln>
+            <a:tailEnd type="triangle"/>
+          </a:ln>
+        </p:spPr>
+        <p:style>
+          <a:lnRef idx="2">
+            <a:schemeClr val="accent1"/>
+          </a:lnRef>
+          <a:fillRef idx="0">
+            <a:schemeClr val="accent1"/>
+          </a:fillRef>
+          <a:effectRef idx="1">
+            <a:schemeClr val="accent1"/>
+          </a:effectRef>
+          <a:fontRef idx="minor">
+            <a:schemeClr val="tx1"/>
+          </a:fontRef>
+        </p:style>
+      </p:cxnSp>
+      <p:cxnSp>
+        <p:nvCxnSpPr>
+          <p:cNvPr id="65" name="连接符: 肘形 64">
+            <a:extLst>
+              <a:ext uri="{FF2B5EF4-FFF2-40B4-BE49-F238E27FC236}">
+                <a16:creationId xmlns:a16="http://schemas.microsoft.com/office/drawing/2014/main" id="{D9BD5BFB-9349-484D-7AC5-16C57C2BFEA5}"/>
+              </a:ext>
+            </a:extLst>
+          </p:cNvPr>
+          <p:cNvCxnSpPr>
+            <a:cxnSpLocks/>
+            <a:stCxn id="60" idx="0"/>
+            <a:endCxn id="63" idx="6"/>
+          </p:cNvCxnSpPr>
+          <p:nvPr/>
+        </p:nvCxnSpPr>
+        <p:spPr>
+          <a:xfrm rot="16200000" flipV="1">
+            <a:off x="5907306" y="6228228"/>
+            <a:ext cx="715435" cy="649440"/>
+          </a:xfrm>
+          <a:prstGeom prst="bentConnector2">
+            <a:avLst/>
+          </a:prstGeom>
+          <a:ln>
+            <a:tailEnd type="triangle"/>
+          </a:ln>
+        </p:spPr>
+        <p:style>
+          <a:lnRef idx="2">
+            <a:schemeClr val="accent1"/>
+          </a:lnRef>
+          <a:fillRef idx="0">
+            <a:schemeClr val="accent1"/>
+          </a:fillRef>
+          <a:effectRef idx="1">
+            <a:schemeClr val="accent1"/>
+          </a:effectRef>
+          <a:fontRef idx="minor">
+            <a:schemeClr val="tx1"/>
+          </a:fontRef>
+        </p:style>
+      </p:cxnSp>
+      <p:sp>
+        <p:nvSpPr>
+          <p:cNvPr id="66" name="矩形: 圆角 65">
+            <a:extLst>
+              <a:ext uri="{FF2B5EF4-FFF2-40B4-BE49-F238E27FC236}">
+                <a16:creationId xmlns:a16="http://schemas.microsoft.com/office/drawing/2014/main" id="{B13BD3A2-5421-DA51-4688-E22FF4A5B443}"/>
+              </a:ext>
+            </a:extLst>
+          </p:cNvPr>
+          <p:cNvSpPr/>
+          <p:nvPr/>
+        </p:nvSpPr>
+        <p:spPr>
+          <a:xfrm>
+            <a:off x="3570836" y="3965478"/>
+            <a:ext cx="410614" cy="571508"/>
+          </a:xfrm>
+          <a:prstGeom prst="roundRect">
+            <a:avLst>
+              <a:gd name="adj" fmla="val 0"/>
+            </a:avLst>
+          </a:prstGeom>
+          <a:noFill/>
+          <a:ln>
+            <a:solidFill>
+              <a:schemeClr val="tx1"/>
+            </a:solidFill>
+          </a:ln>
+        </p:spPr>
+        <p:style>
+          <a:lnRef idx="2">
+            <a:schemeClr val="accent1">
+              <a:shade val="15000"/>
+            </a:schemeClr>
+          </a:lnRef>
+          <a:fillRef idx="1">
+            <a:schemeClr val="accent1"/>
+          </a:fillRef>
+          <a:effectRef idx="0">
+            <a:schemeClr val="accent1"/>
+          </a:effectRef>
+          <a:fontRef idx="minor">
+            <a:schemeClr val="lt1"/>
+          </a:fontRef>
+        </p:style>
+        <p:txBody>
+          <a:bodyPr rtlCol="0" anchor="ctr"/>
+          <a:lstStyle/>
+          <a:p>
+            <a:pPr algn="ctr"/>
+            <a:endParaRPr lang="zh-CN" altLang="en-US" sz="3189"/>
+          </a:p>
+        </p:txBody>
+      </p:sp>
+      <p:sp>
+        <p:nvSpPr>
+          <p:cNvPr id="67" name="矩形: 圆角 66">
+            <a:extLst>
+              <a:ext uri="{FF2B5EF4-FFF2-40B4-BE49-F238E27FC236}">
+                <a16:creationId xmlns:a16="http://schemas.microsoft.com/office/drawing/2014/main" id="{685A1AFF-D060-FC8C-7163-A8F5CF857686}"/>
+              </a:ext>
+            </a:extLst>
+          </p:cNvPr>
+          <p:cNvSpPr/>
+          <p:nvPr/>
+        </p:nvSpPr>
+        <p:spPr>
+          <a:xfrm>
+            <a:off x="4326197" y="3965479"/>
+            <a:ext cx="376389" cy="571508"/>
+          </a:xfrm>
+          <a:prstGeom prst="roundRect">
+            <a:avLst>
+              <a:gd name="adj" fmla="val 0"/>
+            </a:avLst>
+          </a:prstGeom>
+          <a:noFill/>
+          <a:ln>
+            <a:solidFill>
+              <a:schemeClr val="tx1"/>
+            </a:solidFill>
+          </a:ln>
+        </p:spPr>
+        <p:style>
+          <a:lnRef idx="2">
+            <a:schemeClr val="accent1">
+              <a:shade val="15000"/>
+            </a:schemeClr>
+          </a:lnRef>
+          <a:fillRef idx="1">
+            <a:schemeClr val="accent1"/>
+          </a:fillRef>
+          <a:effectRef idx="0">
+            <a:schemeClr val="accent1"/>
+          </a:effectRef>
+          <a:fontRef idx="minor">
+            <a:schemeClr val="lt1"/>
+          </a:fontRef>
+        </p:style>
+        <p:txBody>
+          <a:bodyPr rtlCol="0" anchor="ctr"/>
+          <a:lstStyle/>
+          <a:p>
+            <a:pPr algn="ctr"/>
+            <a:endParaRPr lang="zh-CN" altLang="en-US" sz="3189"/>
+          </a:p>
+        </p:txBody>
+      </p:sp>
+      <p:cxnSp>
+        <p:nvCxnSpPr>
+          <p:cNvPr id="68" name="直接箭头连接符 67">
+            <a:extLst>
+              <a:ext uri="{FF2B5EF4-FFF2-40B4-BE49-F238E27FC236}">
+                <a16:creationId xmlns:a16="http://schemas.microsoft.com/office/drawing/2014/main" id="{2E57F08B-5AD7-D309-5740-25762461E70F}"/>
+              </a:ext>
+            </a:extLst>
+          </p:cNvPr>
+          <p:cNvCxnSpPr>
+            <a:cxnSpLocks/>
+            <a:stCxn id="57" idx="0"/>
+            <a:endCxn id="66" idx="2"/>
+          </p:cNvCxnSpPr>
+          <p:nvPr/>
+        </p:nvCxnSpPr>
+        <p:spPr>
+          <a:xfrm flipH="1" flipV="1">
+            <a:off x="3776143" y="4536986"/>
+            <a:ext cx="1984488" cy="492475"/>
+          </a:xfrm>
+          <a:prstGeom prst="straightConnector1">
+            <a:avLst/>
+          </a:prstGeom>
+          <a:ln w="12700">
+            <a:tailEnd type="triangle"/>
+          </a:ln>
+        </p:spPr>
+        <p:style>
+          <a:lnRef idx="2">
+            <a:schemeClr val="accent1"/>
+          </a:lnRef>
+          <a:fillRef idx="0">
+            <a:schemeClr val="accent1"/>
+          </a:fillRef>
+          <a:effectRef idx="1">
+            <a:schemeClr val="accent1"/>
+          </a:effectRef>
+          <a:fontRef idx="minor">
+            <a:schemeClr val="tx1"/>
+          </a:fontRef>
+        </p:style>
+      </p:cxnSp>
+      <p:cxnSp>
+        <p:nvCxnSpPr>
+          <p:cNvPr id="69" name="直接箭头连接符 68">
+            <a:extLst>
+              <a:ext uri="{FF2B5EF4-FFF2-40B4-BE49-F238E27FC236}">
+                <a16:creationId xmlns:a16="http://schemas.microsoft.com/office/drawing/2014/main" id="{56700618-ADF7-39EB-01AB-4BC4AC90AB9E}"/>
+              </a:ext>
+            </a:extLst>
+          </p:cNvPr>
+          <p:cNvCxnSpPr>
+            <a:cxnSpLocks/>
+            <a:stCxn id="63" idx="0"/>
+            <a:endCxn id="57" idx="2"/>
+          </p:cNvCxnSpPr>
+          <p:nvPr/>
+        </p:nvCxnSpPr>
+        <p:spPr>
+          <a:xfrm flipV="1">
+            <a:off x="5760303" y="5600969"/>
+            <a:ext cx="328" cy="414261"/>
+          </a:xfrm>
+          <a:prstGeom prst="straightConnector1">
+            <a:avLst/>
+          </a:prstGeom>
+          <a:ln w="12700">
+            <a:tailEnd type="triangle"/>
+          </a:ln>
+        </p:spPr>
+        <p:style>
+          <a:lnRef idx="2">
+            <a:schemeClr val="accent1"/>
+          </a:lnRef>
+          <a:fillRef idx="0">
+            <a:schemeClr val="accent1"/>
+          </a:fillRef>
+          <a:effectRef idx="1">
+            <a:schemeClr val="accent1"/>
+          </a:effectRef>
+          <a:fontRef idx="minor">
+            <a:schemeClr val="tx1"/>
+          </a:fontRef>
+        </p:style>
+      </p:cxnSp>
+      <p:sp>
+        <p:nvSpPr>
+          <p:cNvPr id="70" name="文本框 69">
+            <a:extLst>
+              <a:ext uri="{FF2B5EF4-FFF2-40B4-BE49-F238E27FC236}">
+                <a16:creationId xmlns:a16="http://schemas.microsoft.com/office/drawing/2014/main" id="{5384596C-873F-42D0-126C-F745CF0FF25C}"/>
+              </a:ext>
+            </a:extLst>
+          </p:cNvPr>
+          <p:cNvSpPr txBox="1"/>
+          <p:nvPr/>
+        </p:nvSpPr>
+        <p:spPr>
+          <a:xfrm>
+            <a:off x="5511443" y="6385953"/>
+            <a:ext cx="511073" cy="338554"/>
+          </a:xfrm>
+          <a:prstGeom prst="rect">
+            <a:avLst/>
+          </a:prstGeom>
+          <a:noFill/>
+        </p:spPr>
+        <p:txBody>
+          <a:bodyPr wrap="square">
+            <a:spAutoFit/>
+          </a:bodyPr>
+          <a:lstStyle/>
+          <a:p>
+            <a:r>
+              <a:rPr lang="en-US" altLang="zh-CN" sz="1600" dirty="0">
+                <a:latin typeface="微软雅黑" panose="020B0503020204020204" pitchFamily="34" charset="-122"/>
+                <a:ea typeface="微软雅黑" panose="020B0503020204020204" pitchFamily="34" charset="-122"/>
+              </a:rPr>
+              <a:t>cat</a:t>
+            </a:r>
+            <a:endParaRPr lang="zh-CN" altLang="en-US" sz="2000" dirty="0">
+              <a:latin typeface="微软雅黑" panose="020B0503020204020204" pitchFamily="34" charset="-122"/>
+              <a:ea typeface="微软雅黑" panose="020B0503020204020204" pitchFamily="34" charset="-122"/>
+            </a:endParaRPr>
+          </a:p>
+        </p:txBody>
+      </p:sp>
+      <mc:AlternateContent xmlns:mc="http://schemas.openxmlformats.org/markup-compatibility/2006">
+        <mc:Choice xmlns:a14="http://schemas.microsoft.com/office/drawing/2010/main" Requires="a14">
+          <p:sp>
+            <p:nvSpPr>
+              <p:cNvPr id="71" name="文本框 70">
+                <a:extLst>
+                  <a:ext uri="{FF2B5EF4-FFF2-40B4-BE49-F238E27FC236}">
+                    <a16:creationId xmlns:a16="http://schemas.microsoft.com/office/drawing/2014/main" id="{A534CEE5-389A-DA56-5425-0F126A9BAFDA}"/>
+                  </a:ext>
+                </a:extLst>
+              </p:cNvPr>
+              <p:cNvSpPr txBox="1"/>
+              <p:nvPr/>
+            </p:nvSpPr>
+            <p:spPr>
+              <a:xfrm>
+                <a:off x="3573415" y="4039801"/>
+                <a:ext cx="324733" cy="400110"/>
+              </a:xfrm>
+              <a:prstGeom prst="rect">
+                <a:avLst/>
+              </a:prstGeom>
+              <a:noFill/>
+            </p:spPr>
+            <p:txBody>
+              <a:bodyPr wrap="square">
+                <a:spAutoFit/>
+              </a:bodyPr>
+              <a:lstStyle/>
+              <a:p>
+                <a:pPr/>
+                <a14:m>
+                  <m:oMathPara xmlns:m="http://schemas.openxmlformats.org/officeDocument/2006/math">
+                    <m:oMathParaPr>
+                      <m:jc m:val="centerGroup"/>
+                    </m:oMathParaPr>
+                    <m:oMath xmlns:m="http://schemas.openxmlformats.org/officeDocument/2006/math">
+                      <m:sSub>
+                        <m:sSubPr>
+                          <m:ctrlPr>
+                            <a:rPr lang="en-US" altLang="zh-CN" sz="2000" b="1" i="1" smtClean="0">
+                              <a:latin typeface="Cambria Math" panose="02040503050406030204" pitchFamily="18" charset="0"/>
+                            </a:rPr>
+                          </m:ctrlPr>
+                        </m:sSubPr>
+                        <m:e>
+                          <m:r>
+                            <a:rPr lang="zh-CN" altLang="en-US" sz="2000" b="1" i="1" smtClean="0">
+                              <a:latin typeface="Cambria Math" panose="02040503050406030204" pitchFamily="18" charset="0"/>
+                            </a:rPr>
+                            <m:t>𝜸</m:t>
+                          </m:r>
+                        </m:e>
+                        <m:sub>
+                          <m:r>
+                            <a:rPr lang="en-US" altLang="zh-CN" sz="2000" b="1" i="1" smtClean="0">
+                              <a:latin typeface="Cambria Math" panose="02040503050406030204" pitchFamily="18" charset="0"/>
+                            </a:rPr>
+                            <m:t>𝟏</m:t>
+                          </m:r>
+                        </m:sub>
+                      </m:sSub>
+                    </m:oMath>
+                  </m:oMathPara>
+                </a14:m>
+                <a:endParaRPr lang="zh-CN" altLang="en-US" b="1" dirty="0"/>
+              </a:p>
+            </p:txBody>
+          </p:sp>
+        </mc:Choice>
+        <mc:Fallback>
+          <p:sp>
+            <p:nvSpPr>
+              <p:cNvPr id="71" name="文本框 70">
+                <a:extLst>
+                  <a:ext uri="{FF2B5EF4-FFF2-40B4-BE49-F238E27FC236}">
+                    <a16:creationId xmlns:a16="http://schemas.microsoft.com/office/drawing/2014/main" id="{A534CEE5-389A-DA56-5425-0F126A9BAFDA}"/>
+                  </a:ext>
+                </a:extLst>
+              </p:cNvPr>
+              <p:cNvSpPr txBox="1">
+                <a:spLocks noRot="1" noChangeAspect="1" noMove="1" noResize="1" noEditPoints="1" noAdjustHandles="1" noChangeArrowheads="1" noChangeShapeType="1" noTextEdit="1"/>
+              </p:cNvSpPr>
+              <p:nvPr/>
+            </p:nvSpPr>
+            <p:spPr>
+              <a:xfrm>
+                <a:off x="3573415" y="4039801"/>
+                <a:ext cx="324733" cy="400110"/>
+              </a:xfrm>
+              <a:prstGeom prst="rect">
+                <a:avLst/>
+              </a:prstGeom>
+              <a:blipFill>
+                <a:blip r:embed="rId2"/>
+                <a:stretch>
+                  <a:fillRect r="-30189" b="-6154"/>
+                </a:stretch>
+              </a:blipFill>
+            </p:spPr>
+            <p:txBody>
+              <a:bodyPr/>
+              <a:lstStyle/>
+              <a:p>
+                <a:r>
+                  <a:rPr lang="zh-CN" altLang="en-US">
+                    <a:noFill/>
+                  </a:rPr>
+                  <a:t> </a:t>
+                </a:r>
+              </a:p>
+            </p:txBody>
+          </p:sp>
+        </mc:Fallback>
+      </mc:AlternateContent>
+      <mc:AlternateContent xmlns:mc="http://schemas.openxmlformats.org/markup-compatibility/2006">
+        <mc:Choice xmlns:a14="http://schemas.microsoft.com/office/drawing/2010/main" Requires="a14">
+          <p:sp>
+            <p:nvSpPr>
+              <p:cNvPr id="72" name="文本框 71">
+                <a:extLst>
+                  <a:ext uri="{FF2B5EF4-FFF2-40B4-BE49-F238E27FC236}">
+                    <a16:creationId xmlns:a16="http://schemas.microsoft.com/office/drawing/2014/main" id="{2D2244E1-FE0B-52D7-8C13-6A4A0AF5D390}"/>
+                  </a:ext>
+                </a:extLst>
+              </p:cNvPr>
+              <p:cNvSpPr txBox="1"/>
+              <p:nvPr/>
+            </p:nvSpPr>
+            <p:spPr>
+              <a:xfrm>
+                <a:off x="4307147" y="4037363"/>
+                <a:ext cx="376389" cy="400110"/>
+              </a:xfrm>
+              <a:prstGeom prst="rect">
+                <a:avLst/>
+              </a:prstGeom>
+              <a:noFill/>
+            </p:spPr>
+            <p:txBody>
+              <a:bodyPr wrap="square">
+                <a:spAutoFit/>
+              </a:bodyPr>
+              <a:lstStyle/>
+              <a:p>
+                <a:pPr/>
+                <a14:m>
+                  <m:oMathPara xmlns:m="http://schemas.openxmlformats.org/officeDocument/2006/math">
+                    <m:oMathParaPr>
+                      <m:jc m:val="centerGroup"/>
+                    </m:oMathParaPr>
+                    <m:oMath xmlns:m="http://schemas.openxmlformats.org/officeDocument/2006/math">
+                      <m:sSub>
+                        <m:sSubPr>
+                          <m:ctrlPr>
+                            <a:rPr lang="en-US" altLang="zh-CN" sz="2000" b="1" i="1" smtClean="0">
+                              <a:latin typeface="Cambria Math" panose="02040503050406030204" pitchFamily="18" charset="0"/>
+                            </a:rPr>
+                          </m:ctrlPr>
+                        </m:sSubPr>
+                        <m:e>
+                          <m:r>
+                            <a:rPr lang="zh-CN" altLang="en-US" sz="2000" b="1" i="1" smtClean="0">
+                              <a:latin typeface="Cambria Math" panose="02040503050406030204" pitchFamily="18" charset="0"/>
+                            </a:rPr>
+                            <m:t>𝜷</m:t>
+                          </m:r>
+                        </m:e>
+                        <m:sub>
+                          <m:r>
+                            <a:rPr lang="en-US" altLang="zh-CN" sz="2000" b="1" i="1" smtClean="0">
+                              <a:latin typeface="Cambria Math" panose="02040503050406030204" pitchFamily="18" charset="0"/>
+                            </a:rPr>
+                            <m:t>𝟏</m:t>
+                          </m:r>
+                        </m:sub>
+                      </m:sSub>
+                    </m:oMath>
+                  </m:oMathPara>
+                </a14:m>
+                <a:endParaRPr lang="zh-CN" altLang="en-US" b="1" dirty="0"/>
+              </a:p>
+            </p:txBody>
+          </p:sp>
+        </mc:Choice>
+        <mc:Fallback>
+          <p:sp>
+            <p:nvSpPr>
+              <p:cNvPr id="72" name="文本框 71">
+                <a:extLst>
+                  <a:ext uri="{FF2B5EF4-FFF2-40B4-BE49-F238E27FC236}">
+                    <a16:creationId xmlns:a16="http://schemas.microsoft.com/office/drawing/2014/main" id="{2D2244E1-FE0B-52D7-8C13-6A4A0AF5D390}"/>
+                  </a:ext>
+                </a:extLst>
+              </p:cNvPr>
+              <p:cNvSpPr txBox="1">
+                <a:spLocks noRot="1" noChangeAspect="1" noMove="1" noResize="1" noEditPoints="1" noAdjustHandles="1" noChangeArrowheads="1" noChangeShapeType="1" noTextEdit="1"/>
+              </p:cNvSpPr>
+              <p:nvPr/>
+            </p:nvSpPr>
+            <p:spPr>
+              <a:xfrm>
+                <a:off x="4307147" y="4037363"/>
+                <a:ext cx="376389" cy="400110"/>
+              </a:xfrm>
+              <a:prstGeom prst="rect">
+                <a:avLst/>
+              </a:prstGeom>
+              <a:blipFill>
+                <a:blip r:embed="rId3"/>
+                <a:stretch>
+                  <a:fillRect l="-8197" r="-16393" b="-13636"/>
+                </a:stretch>
+              </a:blipFill>
+            </p:spPr>
+            <p:txBody>
+              <a:bodyPr/>
+              <a:lstStyle/>
+              <a:p>
+                <a:r>
+                  <a:rPr lang="zh-CN" altLang="en-US">
+                    <a:noFill/>
+                  </a:rPr>
+                  <a:t> </a:t>
+                </a:r>
+              </a:p>
+            </p:txBody>
+          </p:sp>
+        </mc:Fallback>
+      </mc:AlternateContent>
+      <p:sp>
+        <p:nvSpPr>
+          <p:cNvPr id="76" name="矩形: 圆角 75">
+            <a:extLst>
+              <a:ext uri="{FF2B5EF4-FFF2-40B4-BE49-F238E27FC236}">
+                <a16:creationId xmlns:a16="http://schemas.microsoft.com/office/drawing/2014/main" id="{B23BE387-9278-B548-0E68-86DAB368FFBE}"/>
+              </a:ext>
+            </a:extLst>
+          </p:cNvPr>
+          <p:cNvSpPr/>
+          <p:nvPr/>
+        </p:nvSpPr>
+        <p:spPr>
+          <a:xfrm>
+            <a:off x="8234704" y="3965479"/>
+            <a:ext cx="376389" cy="571508"/>
+          </a:xfrm>
+          <a:prstGeom prst="roundRect">
+            <a:avLst>
+              <a:gd name="adj" fmla="val 0"/>
+            </a:avLst>
+          </a:prstGeom>
+          <a:noFill/>
+          <a:ln>
+            <a:solidFill>
+              <a:schemeClr val="tx1"/>
+            </a:solidFill>
+          </a:ln>
+        </p:spPr>
+        <p:style>
+          <a:lnRef idx="2">
+            <a:schemeClr val="accent1">
+              <a:shade val="15000"/>
+            </a:schemeClr>
+          </a:lnRef>
+          <a:fillRef idx="1">
+            <a:schemeClr val="accent1"/>
+          </a:fillRef>
+          <a:effectRef idx="0">
+            <a:schemeClr val="accent1"/>
+          </a:effectRef>
+          <a:fontRef idx="minor">
+            <a:schemeClr val="lt1"/>
+          </a:fontRef>
+        </p:style>
+        <p:txBody>
+          <a:bodyPr rtlCol="0" anchor="ctr"/>
+          <a:lstStyle/>
+          <a:p>
+            <a:pPr algn="ctr"/>
+            <a:endParaRPr lang="zh-CN" altLang="en-US" sz="3189"/>
+          </a:p>
+        </p:txBody>
+      </p:sp>
+      <mc:AlternateContent xmlns:mc="http://schemas.openxmlformats.org/markup-compatibility/2006">
+        <mc:Choice xmlns:a14="http://schemas.microsoft.com/office/drawing/2010/main" Requires="a14">
+          <p:sp>
+            <p:nvSpPr>
+              <p:cNvPr id="77" name="文本框 76">
+                <a:extLst>
+                  <a:ext uri="{FF2B5EF4-FFF2-40B4-BE49-F238E27FC236}">
+                    <a16:creationId xmlns:a16="http://schemas.microsoft.com/office/drawing/2014/main" id="{4BD34B53-86AA-80A4-C7F6-D0FE31AAE6B4}"/>
+                  </a:ext>
+                </a:extLst>
+              </p:cNvPr>
+              <p:cNvSpPr txBox="1"/>
+              <p:nvPr/>
+            </p:nvSpPr>
+            <p:spPr>
+              <a:xfrm>
+                <a:off x="8209304" y="4037363"/>
+                <a:ext cx="376389" cy="400110"/>
+              </a:xfrm>
+              <a:prstGeom prst="rect">
+                <a:avLst/>
+              </a:prstGeom>
+              <a:noFill/>
+            </p:spPr>
+            <p:txBody>
+              <a:bodyPr wrap="square">
+                <a:spAutoFit/>
+              </a:bodyPr>
+              <a:lstStyle/>
+              <a:p>
+                <a:pPr/>
+                <a14:m>
+                  <m:oMathPara xmlns:m="http://schemas.openxmlformats.org/officeDocument/2006/math">
+                    <m:oMathParaPr>
+                      <m:jc m:val="centerGroup"/>
+                    </m:oMathParaPr>
+                    <m:oMath xmlns:m="http://schemas.openxmlformats.org/officeDocument/2006/math">
+                      <m:sSub>
+                        <m:sSubPr>
+                          <m:ctrlPr>
+                            <a:rPr lang="en-US" altLang="zh-CN" sz="2000" b="1" i="1" smtClean="0">
+                              <a:latin typeface="Cambria Math" panose="02040503050406030204" pitchFamily="18" charset="0"/>
+                            </a:rPr>
+                          </m:ctrlPr>
+                        </m:sSubPr>
+                        <m:e>
+                          <m:r>
+                            <a:rPr lang="en-US" altLang="zh-CN" sz="2000" b="1" i="1" smtClean="0">
+                              <a:latin typeface="Cambria Math" panose="02040503050406030204" pitchFamily="18" charset="0"/>
+                            </a:rPr>
+                            <m:t>𝒈</m:t>
+                          </m:r>
+                        </m:e>
+                        <m:sub>
+                          <m:r>
+                            <a:rPr lang="en-US" altLang="zh-CN" sz="2000" b="1" i="1" smtClean="0">
+                              <a:latin typeface="Cambria Math" panose="02040503050406030204" pitchFamily="18" charset="0"/>
+                            </a:rPr>
+                            <m:t>𝟏</m:t>
+                          </m:r>
+                        </m:sub>
+                      </m:sSub>
+                    </m:oMath>
+                  </m:oMathPara>
+                </a14:m>
+                <a:endParaRPr lang="zh-CN" altLang="en-US" b="1" dirty="0"/>
+              </a:p>
+            </p:txBody>
+          </p:sp>
+        </mc:Choice>
+        <mc:Fallback>
+          <p:sp>
+            <p:nvSpPr>
+              <p:cNvPr id="77" name="文本框 76">
+                <a:extLst>
+                  <a:ext uri="{FF2B5EF4-FFF2-40B4-BE49-F238E27FC236}">
+                    <a16:creationId xmlns:a16="http://schemas.microsoft.com/office/drawing/2014/main" id="{4BD34B53-86AA-80A4-C7F6-D0FE31AAE6B4}"/>
+                  </a:ext>
+                </a:extLst>
+              </p:cNvPr>
+              <p:cNvSpPr txBox="1">
+                <a:spLocks noRot="1" noChangeAspect="1" noMove="1" noResize="1" noEditPoints="1" noAdjustHandles="1" noChangeArrowheads="1" noChangeShapeType="1" noTextEdit="1"/>
+              </p:cNvSpPr>
+              <p:nvPr/>
+            </p:nvSpPr>
+            <p:spPr>
+              <a:xfrm>
+                <a:off x="8209304" y="4037363"/>
+                <a:ext cx="376389" cy="400110"/>
+              </a:xfrm>
+              <a:prstGeom prst="rect">
+                <a:avLst/>
+              </a:prstGeom>
+              <a:blipFill>
+                <a:blip r:embed="rId4"/>
+                <a:stretch>
+                  <a:fillRect l="-1639" r="-16393" b="-7576"/>
+                </a:stretch>
+              </a:blipFill>
+            </p:spPr>
+            <p:txBody>
+              <a:bodyPr/>
+              <a:lstStyle/>
+              <a:p>
+                <a:r>
+                  <a:rPr lang="zh-CN" altLang="en-US">
+                    <a:noFill/>
+                  </a:rPr>
+                  <a:t> </a:t>
+                </a:r>
+              </a:p>
+            </p:txBody>
+          </p:sp>
+        </mc:Fallback>
+      </mc:AlternateContent>
+      <p:cxnSp>
+        <p:nvCxnSpPr>
+          <p:cNvPr id="79" name="直接箭头连接符 78">
+            <a:extLst>
+              <a:ext uri="{FF2B5EF4-FFF2-40B4-BE49-F238E27FC236}">
+                <a16:creationId xmlns:a16="http://schemas.microsoft.com/office/drawing/2014/main" id="{39161878-5E1D-E7A2-87D4-AECA8B45ECBA}"/>
+              </a:ext>
+            </a:extLst>
+          </p:cNvPr>
+          <p:cNvCxnSpPr>
+            <a:cxnSpLocks/>
+            <a:stCxn id="66" idx="0"/>
+          </p:cNvCxnSpPr>
+          <p:nvPr/>
+        </p:nvCxnSpPr>
+        <p:spPr>
+          <a:xfrm flipV="1">
+            <a:off x="3776143" y="2604756"/>
+            <a:ext cx="0" cy="1360722"/>
+          </a:xfrm>
+          <a:prstGeom prst="straightConnector1">
+            <a:avLst/>
+          </a:prstGeom>
+          <a:ln w="12700">
+            <a:tailEnd type="triangle"/>
+          </a:ln>
+        </p:spPr>
+        <p:style>
+          <a:lnRef idx="2">
+            <a:schemeClr val="accent1"/>
+          </a:lnRef>
+          <a:fillRef idx="0">
+            <a:schemeClr val="accent1"/>
+          </a:fillRef>
+          <a:effectRef idx="1">
+            <a:schemeClr val="accent1"/>
+          </a:effectRef>
+          <a:fontRef idx="minor">
+            <a:schemeClr val="tx1"/>
+          </a:fontRef>
+        </p:style>
+      </p:cxnSp>
+      <p:cxnSp>
+        <p:nvCxnSpPr>
+          <p:cNvPr id="82" name="直接箭头连接符 81">
+            <a:extLst>
+              <a:ext uri="{FF2B5EF4-FFF2-40B4-BE49-F238E27FC236}">
+                <a16:creationId xmlns:a16="http://schemas.microsoft.com/office/drawing/2014/main" id="{840F5B33-049D-4099-A5AF-859560792479}"/>
+              </a:ext>
+            </a:extLst>
+          </p:cNvPr>
+          <p:cNvCxnSpPr>
+            <a:cxnSpLocks/>
+          </p:cNvCxnSpPr>
+          <p:nvPr/>
+        </p:nvCxnSpPr>
+        <p:spPr>
+          <a:xfrm flipV="1">
+            <a:off x="4514392" y="2588295"/>
+            <a:ext cx="0" cy="1360722"/>
+          </a:xfrm>
+          <a:prstGeom prst="straightConnector1">
+            <a:avLst/>
+          </a:prstGeom>
+          <a:ln w="12700">
+            <a:tailEnd type="triangle"/>
+          </a:ln>
+        </p:spPr>
+        <p:style>
+          <a:lnRef idx="2">
+            <a:schemeClr val="accent1"/>
+          </a:lnRef>
+          <a:fillRef idx="0">
+            <a:schemeClr val="accent1"/>
+          </a:fillRef>
+          <a:effectRef idx="1">
+            <a:schemeClr val="accent1"/>
+          </a:effectRef>
+          <a:fontRef idx="minor">
+            <a:schemeClr val="tx1"/>
+          </a:fontRef>
+        </p:style>
+      </p:cxnSp>
+      <p:cxnSp>
+        <p:nvCxnSpPr>
+          <p:cNvPr id="83" name="直接箭头连接符 82">
+            <a:extLst>
+              <a:ext uri="{FF2B5EF4-FFF2-40B4-BE49-F238E27FC236}">
+                <a16:creationId xmlns:a16="http://schemas.microsoft.com/office/drawing/2014/main" id="{2467A36F-75B1-F0BB-0307-FA010436EDC0}"/>
+              </a:ext>
+            </a:extLst>
+          </p:cNvPr>
+          <p:cNvCxnSpPr>
+            <a:cxnSpLocks/>
+          </p:cNvCxnSpPr>
+          <p:nvPr/>
+        </p:nvCxnSpPr>
+        <p:spPr>
+          <a:xfrm flipV="1">
+            <a:off x="8447927" y="2612781"/>
+            <a:ext cx="0" cy="1360722"/>
+          </a:xfrm>
+          <a:prstGeom prst="straightConnector1">
+            <a:avLst/>
+          </a:prstGeom>
+          <a:ln w="12700">
+            <a:tailEnd type="triangle"/>
+          </a:ln>
+        </p:spPr>
+        <p:style>
+          <a:lnRef idx="2">
+            <a:schemeClr val="accent1"/>
+          </a:lnRef>
+          <a:fillRef idx="0">
+            <a:schemeClr val="accent1"/>
+          </a:fillRef>
+          <a:effectRef idx="1">
+            <a:schemeClr val="accent1"/>
+          </a:effectRef>
+          <a:fontRef idx="minor">
+            <a:schemeClr val="tx1"/>
+          </a:fontRef>
+        </p:style>
+      </p:cxnSp>
+      <p:sp>
+        <p:nvSpPr>
+          <p:cNvPr id="84" name="矩形: 圆角 83">
+            <a:extLst>
+              <a:ext uri="{FF2B5EF4-FFF2-40B4-BE49-F238E27FC236}">
+                <a16:creationId xmlns:a16="http://schemas.microsoft.com/office/drawing/2014/main" id="{197088B1-8D78-9AE0-FB07-F6B47336E18E}"/>
+              </a:ext>
+            </a:extLst>
+          </p:cNvPr>
+          <p:cNvSpPr/>
+          <p:nvPr/>
+        </p:nvSpPr>
+        <p:spPr>
+          <a:xfrm>
+            <a:off x="10768887" y="2272022"/>
+            <a:ext cx="583815" cy="665467"/>
+          </a:xfrm>
+          <a:prstGeom prst="roundRect">
+            <a:avLst>
+              <a:gd name="adj" fmla="val 0"/>
+            </a:avLst>
+          </a:prstGeom>
+          <a:noFill/>
+          <a:ln>
+            <a:solidFill>
+              <a:schemeClr val="tx1"/>
+            </a:solidFill>
+          </a:ln>
+        </p:spPr>
+        <p:style>
+          <a:lnRef idx="2">
+            <a:schemeClr val="accent1">
+              <a:shade val="15000"/>
+            </a:schemeClr>
+          </a:lnRef>
+          <a:fillRef idx="1">
+            <a:schemeClr val="accent1"/>
+          </a:fillRef>
+          <a:effectRef idx="0">
+            <a:schemeClr val="accent1"/>
+          </a:effectRef>
+          <a:fontRef idx="minor">
+            <a:schemeClr val="lt1"/>
+          </a:fontRef>
+        </p:style>
+        <p:txBody>
+          <a:bodyPr rtlCol="0" anchor="ctr"/>
+          <a:lstStyle/>
+          <a:p>
+            <a:pPr algn="ctr"/>
+            <a:endParaRPr lang="zh-CN" altLang="en-US" sz="3189"/>
+          </a:p>
+        </p:txBody>
+      </p:sp>
+      <p:sp>
+        <p:nvSpPr>
+          <p:cNvPr id="85" name="文本框 84">
+            <a:extLst>
+              <a:ext uri="{FF2B5EF4-FFF2-40B4-BE49-F238E27FC236}">
+                <a16:creationId xmlns:a16="http://schemas.microsoft.com/office/drawing/2014/main" id="{E8D6530A-41AF-0651-05E3-1070965473C3}"/>
+              </a:ext>
+            </a:extLst>
+          </p:cNvPr>
+          <p:cNvSpPr txBox="1"/>
+          <p:nvPr/>
+        </p:nvSpPr>
+        <p:spPr>
+          <a:xfrm>
+            <a:off x="10815979" y="2404700"/>
+            <a:ext cx="490840" cy="369332"/>
+          </a:xfrm>
+          <a:prstGeom prst="rect">
+            <a:avLst/>
+          </a:prstGeom>
+          <a:noFill/>
+        </p:spPr>
+        <p:txBody>
+          <a:bodyPr wrap="none" rtlCol="0">
+            <a:spAutoFit/>
+          </a:bodyPr>
+          <a:lstStyle/>
+          <a:p>
+            <a:r>
+              <a:rPr lang="en-US" altLang="zh-CN" dirty="0">
+                <a:latin typeface="微软雅黑" panose="020B0503020204020204" pitchFamily="34" charset="-122"/>
+                <a:ea typeface="微软雅黑" panose="020B0503020204020204" pitchFamily="34" charset="-122"/>
+              </a:rPr>
+              <a:t>LN</a:t>
+            </a:r>
+            <a:endParaRPr lang="zh-CN" altLang="en-US" sz="2000" dirty="0">
+              <a:latin typeface="微软雅黑" panose="020B0503020204020204" pitchFamily="34" charset="-122"/>
+              <a:ea typeface="微软雅黑" panose="020B0503020204020204" pitchFamily="34" charset="-122"/>
+            </a:endParaRPr>
+          </a:p>
+        </p:txBody>
+      </p:sp>
+      <p:sp>
+        <p:nvSpPr>
+          <p:cNvPr id="86" name="矩形: 圆角 85">
+            <a:extLst>
+              <a:ext uri="{FF2B5EF4-FFF2-40B4-BE49-F238E27FC236}">
+                <a16:creationId xmlns:a16="http://schemas.microsoft.com/office/drawing/2014/main" id="{8D2DE077-741C-E524-1DAF-02AC0D90EDA9}"/>
+              </a:ext>
+            </a:extLst>
+          </p:cNvPr>
+          <p:cNvSpPr/>
+          <p:nvPr/>
+        </p:nvSpPr>
+        <p:spPr>
+          <a:xfrm>
+            <a:off x="14924962" y="2272022"/>
+            <a:ext cx="860229" cy="665467"/>
+          </a:xfrm>
+          <a:prstGeom prst="roundRect">
+            <a:avLst>
+              <a:gd name="adj" fmla="val 0"/>
+            </a:avLst>
+          </a:prstGeom>
+          <a:noFill/>
+          <a:ln>
+            <a:solidFill>
+              <a:schemeClr val="tx1"/>
+            </a:solidFill>
+          </a:ln>
+        </p:spPr>
+        <p:style>
+          <a:lnRef idx="2">
+            <a:schemeClr val="accent1">
+              <a:shade val="15000"/>
+            </a:schemeClr>
+          </a:lnRef>
+          <a:fillRef idx="1">
+            <a:schemeClr val="accent1"/>
+          </a:fillRef>
+          <a:effectRef idx="0">
+            <a:schemeClr val="accent1"/>
+          </a:effectRef>
+          <a:fontRef idx="minor">
+            <a:schemeClr val="lt1"/>
+          </a:fontRef>
+        </p:style>
+        <p:txBody>
+          <a:bodyPr rtlCol="0" anchor="ctr"/>
+          <a:lstStyle/>
+          <a:p>
+            <a:pPr algn="ctr"/>
+            <a:endParaRPr lang="zh-CN" altLang="en-US" sz="3189"/>
+          </a:p>
+        </p:txBody>
+      </p:sp>
+      <p:sp>
+        <p:nvSpPr>
+          <p:cNvPr id="87" name="文本框 86">
+            <a:extLst>
+              <a:ext uri="{FF2B5EF4-FFF2-40B4-BE49-F238E27FC236}">
+                <a16:creationId xmlns:a16="http://schemas.microsoft.com/office/drawing/2014/main" id="{1E56B0FB-1F07-907E-4DED-40F42C1AF32A}"/>
+              </a:ext>
+            </a:extLst>
+          </p:cNvPr>
+          <p:cNvSpPr txBox="1"/>
+          <p:nvPr/>
+        </p:nvSpPr>
+        <p:spPr>
+          <a:xfrm>
+            <a:off x="15010154" y="2404700"/>
+            <a:ext cx="723275" cy="400110"/>
+          </a:xfrm>
+          <a:prstGeom prst="rect">
+            <a:avLst/>
+          </a:prstGeom>
+          <a:noFill/>
+        </p:spPr>
+        <p:txBody>
+          <a:bodyPr wrap="none" rtlCol="0">
+            <a:spAutoFit/>
+          </a:bodyPr>
+          <a:lstStyle/>
+          <a:p>
+            <a:r>
+              <a:rPr lang="en-US" altLang="zh-CN" sz="2000" dirty="0">
+                <a:latin typeface="微软雅黑" panose="020B0503020204020204" pitchFamily="34" charset="-122"/>
+                <a:ea typeface="微软雅黑" panose="020B0503020204020204" pitchFamily="34" charset="-122"/>
+              </a:rPr>
+              <a:t>MLP</a:t>
+            </a:r>
+            <a:endParaRPr lang="zh-CN" altLang="en-US" sz="2000" dirty="0">
+              <a:latin typeface="微软雅黑" panose="020B0503020204020204" pitchFamily="34" charset="-122"/>
+              <a:ea typeface="微软雅黑" panose="020B0503020204020204" pitchFamily="34" charset="-122"/>
+            </a:endParaRPr>
+          </a:p>
+        </p:txBody>
+      </p:sp>
+      <p:grpSp>
+        <p:nvGrpSpPr>
+          <p:cNvPr id="88" name="组合 87">
+            <a:extLst>
+              <a:ext uri="{FF2B5EF4-FFF2-40B4-BE49-F238E27FC236}">
+                <a16:creationId xmlns:a16="http://schemas.microsoft.com/office/drawing/2014/main" id="{D13A2375-6BA8-7DD2-231D-81F9A5081790}"/>
+              </a:ext>
+            </a:extLst>
+          </p:cNvPr>
+          <p:cNvGrpSpPr/>
+          <p:nvPr/>
+        </p:nvGrpSpPr>
+        <p:grpSpPr>
+          <a:xfrm>
+            <a:off x="17664790" y="2428812"/>
+            <a:ext cx="360000" cy="363969"/>
+            <a:chOff x="5281075" y="4315800"/>
+            <a:chExt cx="360000" cy="363969"/>
+          </a:xfrm>
+        </p:grpSpPr>
+        <p:sp>
+          <p:nvSpPr>
+            <p:cNvPr id="89" name="加号 88">
+              <a:extLst>
+                <a:ext uri="{FF2B5EF4-FFF2-40B4-BE49-F238E27FC236}">
+                  <a16:creationId xmlns:a16="http://schemas.microsoft.com/office/drawing/2014/main" id="{EDEA9E73-A620-6436-BC87-7C9448B5357B}"/>
+                </a:ext>
+              </a:extLst>
+            </p:cNvPr>
+            <p:cNvSpPr/>
+            <p:nvPr/>
+          </p:nvSpPr>
+          <p:spPr>
+            <a:xfrm>
+              <a:off x="5281075" y="4319769"/>
+              <a:ext cx="360000" cy="360000"/>
+            </a:xfrm>
+            <a:prstGeom prst="mathPlus">
+              <a:avLst>
+                <a:gd name="adj1" fmla="val 12933"/>
+              </a:avLst>
+            </a:prstGeom>
+            <a:noFill/>
+          </p:spPr>
+          <p:style>
+            <a:lnRef idx="2">
+              <a:schemeClr val="accent1">
+                <a:shade val="15000"/>
+              </a:schemeClr>
+            </a:lnRef>
+            <a:fillRef idx="1">
+              <a:schemeClr val="accent1"/>
+            </a:fillRef>
+            <a:effectRef idx="0">
+              <a:schemeClr val="accent1"/>
+            </a:effectRef>
+            <a:fontRef idx="minor">
+              <a:schemeClr val="lt1"/>
+            </a:fontRef>
+          </p:style>
+          <p:txBody>
+            <a:bodyPr rtlCol="0" anchor="ctr"/>
+            <a:lstStyle/>
+            <a:p>
+              <a:pPr algn="ctr"/>
+              <a:endParaRPr lang="zh-CN" altLang="en-US"/>
+            </a:p>
+          </p:txBody>
+        </p:sp>
+        <p:sp>
+          <p:nvSpPr>
+            <p:cNvPr id="90" name="椭圆 89">
+              <a:extLst>
+                <a:ext uri="{FF2B5EF4-FFF2-40B4-BE49-F238E27FC236}">
+                  <a16:creationId xmlns:a16="http://schemas.microsoft.com/office/drawing/2014/main" id="{AA31B658-2749-ACE7-8A1A-0B7BFC440B56}"/>
+                </a:ext>
+              </a:extLst>
+            </p:cNvPr>
+            <p:cNvSpPr/>
+            <p:nvPr/>
+          </p:nvSpPr>
+          <p:spPr>
+            <a:xfrm>
+              <a:off x="5281075" y="4315800"/>
+              <a:ext cx="360000" cy="360000"/>
+            </a:xfrm>
+            <a:prstGeom prst="ellipse">
+              <a:avLst/>
+            </a:prstGeom>
+            <a:noFill/>
+          </p:spPr>
+          <p:style>
+            <a:lnRef idx="2">
+              <a:schemeClr val="accent1">
+                <a:shade val="15000"/>
+              </a:schemeClr>
+            </a:lnRef>
+            <a:fillRef idx="1">
+              <a:schemeClr val="accent1"/>
+            </a:fillRef>
+            <a:effectRef idx="0">
+              <a:schemeClr val="accent1"/>
+            </a:effectRef>
+            <a:fontRef idx="minor">
+              <a:schemeClr val="lt1"/>
+            </a:fontRef>
+          </p:style>
+          <p:txBody>
+            <a:bodyPr rtlCol="0" anchor="ctr"/>
+            <a:lstStyle/>
+            <a:p>
+              <a:pPr algn="ctr"/>
+              <a:endParaRPr lang="zh-CN" altLang="en-US"/>
+            </a:p>
+          </p:txBody>
+        </p:sp>
+      </p:grpSp>
+      <p:cxnSp>
+        <p:nvCxnSpPr>
+          <p:cNvPr id="91" name="直接箭头连接符 90">
+            <a:extLst>
+              <a:ext uri="{FF2B5EF4-FFF2-40B4-BE49-F238E27FC236}">
+                <a16:creationId xmlns:a16="http://schemas.microsoft.com/office/drawing/2014/main" id="{9D8D4D91-30E2-E15A-5FEA-FBE2146FA4A2}"/>
+              </a:ext>
+            </a:extLst>
+          </p:cNvPr>
+          <p:cNvCxnSpPr>
+            <a:cxnSpLocks/>
+            <a:stCxn id="57" idx="0"/>
+            <a:endCxn id="76" idx="2"/>
+          </p:cNvCxnSpPr>
+          <p:nvPr/>
+        </p:nvCxnSpPr>
+        <p:spPr>
+          <a:xfrm flipV="1">
+            <a:off x="5760631" y="4536987"/>
+            <a:ext cx="2662268" cy="492474"/>
+          </a:xfrm>
+          <a:prstGeom prst="straightConnector1">
+            <a:avLst/>
+          </a:prstGeom>
+          <a:ln w="12700">
+            <a:tailEnd type="triangle"/>
+          </a:ln>
+        </p:spPr>
+        <p:style>
+          <a:lnRef idx="2">
+            <a:schemeClr val="accent1"/>
+          </a:lnRef>
+          <a:fillRef idx="0">
+            <a:schemeClr val="accent1"/>
+          </a:fillRef>
+          <a:effectRef idx="1">
+            <a:schemeClr val="accent1"/>
+          </a:effectRef>
+          <a:fontRef idx="minor">
+            <a:schemeClr val="tx1"/>
+          </a:fontRef>
+        </p:style>
+      </p:cxnSp>
+      <p:cxnSp>
+        <p:nvCxnSpPr>
+          <p:cNvPr id="94" name="直接箭头连接符 93">
+            <a:extLst>
+              <a:ext uri="{FF2B5EF4-FFF2-40B4-BE49-F238E27FC236}">
+                <a16:creationId xmlns:a16="http://schemas.microsoft.com/office/drawing/2014/main" id="{1750F5C8-2170-22A1-1C9E-69C300B90CF9}"/>
+              </a:ext>
+            </a:extLst>
+          </p:cNvPr>
+          <p:cNvCxnSpPr>
+            <a:cxnSpLocks/>
+          </p:cNvCxnSpPr>
+          <p:nvPr/>
+        </p:nvCxnSpPr>
+        <p:spPr>
+          <a:xfrm>
+            <a:off x="1599172" y="2598672"/>
+            <a:ext cx="1199648" cy="6083"/>
+          </a:xfrm>
+          <a:prstGeom prst="straightConnector1">
+            <a:avLst/>
+          </a:prstGeom>
+          <a:ln w="12700">
+            <a:tailEnd type="triangle"/>
+          </a:ln>
+        </p:spPr>
+        <p:style>
+          <a:lnRef idx="2">
+            <a:schemeClr val="accent1"/>
+          </a:lnRef>
+          <a:fillRef idx="0">
+            <a:schemeClr val="accent1"/>
+          </a:fillRef>
+          <a:effectRef idx="1">
+            <a:schemeClr val="accent1"/>
+          </a:effectRef>
+          <a:fontRef idx="minor">
+            <a:schemeClr val="tx1"/>
+          </a:fontRef>
+        </p:style>
+      </p:cxnSp>
+      <mc:AlternateContent xmlns:mc="http://schemas.openxmlformats.org/markup-compatibility/2006">
+        <mc:Choice xmlns:a14="http://schemas.microsoft.com/office/drawing/2010/main" Requires="a14">
+          <p:sp>
+            <p:nvSpPr>
+              <p:cNvPr id="95" name="文本框 94">
+                <a:extLst>
+                  <a:ext uri="{FF2B5EF4-FFF2-40B4-BE49-F238E27FC236}">
+                    <a16:creationId xmlns:a16="http://schemas.microsoft.com/office/drawing/2014/main" id="{4D3765A7-F5E0-8CF2-0C77-39AE3DE29DAB}"/>
+                  </a:ext>
+                </a:extLst>
+              </p:cNvPr>
+              <p:cNvSpPr txBox="1"/>
+              <p:nvPr/>
+            </p:nvSpPr>
+            <p:spPr>
+              <a:xfrm>
+                <a:off x="1114918" y="2366037"/>
+                <a:ext cx="275395" cy="430887"/>
+              </a:xfrm>
+              <a:prstGeom prst="rect">
+                <a:avLst/>
+              </a:prstGeom>
+              <a:noFill/>
+            </p:spPr>
+            <p:txBody>
+              <a:bodyPr wrap="none" lIns="0" tIns="0" rIns="0" bIns="0" rtlCol="0">
+                <a:spAutoFit/>
+              </a:bodyPr>
+              <a:lstStyle/>
+              <a:p>
+                <a:pPr/>
+                <a14:m>
+                  <m:oMathPara xmlns:m="http://schemas.openxmlformats.org/officeDocument/2006/math">
+                    <m:oMathParaPr>
+                      <m:jc m:val="centerGroup"/>
+                    </m:oMathParaPr>
+                    <m:oMath xmlns:m="http://schemas.openxmlformats.org/officeDocument/2006/math">
+                      <m:r>
+                        <a:rPr lang="en-US" altLang="zh-CN" sz="2800" b="0" i="1" smtClean="0">
+                          <a:latin typeface="Cambria Math" panose="02040503050406030204" pitchFamily="18" charset="0"/>
+                        </a:rPr>
+                        <m:t>𝑥</m:t>
+                      </m:r>
+                    </m:oMath>
+                  </m:oMathPara>
+                </a14:m>
+                <a:endParaRPr lang="zh-CN" altLang="en-US" dirty="0"/>
+              </a:p>
+            </p:txBody>
+          </p:sp>
+        </mc:Choice>
+        <mc:Fallback>
+          <p:sp>
+            <p:nvSpPr>
+              <p:cNvPr id="95" name="文本框 94">
+                <a:extLst>
+                  <a:ext uri="{FF2B5EF4-FFF2-40B4-BE49-F238E27FC236}">
+                    <a16:creationId xmlns:a16="http://schemas.microsoft.com/office/drawing/2014/main" id="{4D3765A7-F5E0-8CF2-0C77-39AE3DE29DAB}"/>
+                  </a:ext>
+                </a:extLst>
+              </p:cNvPr>
+              <p:cNvSpPr txBox="1">
+                <a:spLocks noRot="1" noChangeAspect="1" noMove="1" noResize="1" noEditPoints="1" noAdjustHandles="1" noChangeArrowheads="1" noChangeShapeType="1" noTextEdit="1"/>
+              </p:cNvSpPr>
+              <p:nvPr/>
+            </p:nvSpPr>
+            <p:spPr>
+              <a:xfrm>
+                <a:off x="1114918" y="2366037"/>
+                <a:ext cx="275395" cy="430887"/>
+              </a:xfrm>
+              <a:prstGeom prst="rect">
+                <a:avLst/>
+              </a:prstGeom>
+              <a:blipFill>
+                <a:blip r:embed="rId5"/>
+                <a:stretch>
+                  <a:fillRect/>
+                </a:stretch>
+              </a:blipFill>
+            </p:spPr>
+            <p:txBody>
+              <a:bodyPr/>
+              <a:lstStyle/>
+              <a:p>
+                <a:r>
+                  <a:rPr lang="zh-CN" altLang="en-US">
+                    <a:noFill/>
+                  </a:rPr>
+                  <a:t> </a:t>
+                </a:r>
+              </a:p>
+            </p:txBody>
+          </p:sp>
+        </mc:Fallback>
+      </mc:AlternateContent>
+      <p:sp>
+        <p:nvSpPr>
+          <p:cNvPr id="96" name="椭圆 95">
+            <a:extLst>
+              <a:ext uri="{FF2B5EF4-FFF2-40B4-BE49-F238E27FC236}">
+                <a16:creationId xmlns:a16="http://schemas.microsoft.com/office/drawing/2014/main" id="{E51ACC7F-1416-6559-330E-CB16266762F4}"/>
+              </a:ext>
+            </a:extLst>
+          </p:cNvPr>
+          <p:cNvSpPr/>
+          <p:nvPr/>
+        </p:nvSpPr>
+        <p:spPr>
+          <a:xfrm>
+            <a:off x="1968897" y="2519925"/>
+            <a:ext cx="159445" cy="159445"/>
+          </a:xfrm>
+          <a:prstGeom prst="ellipse">
+            <a:avLst/>
+          </a:prstGeom>
+          <a:ln>
+            <a:noFill/>
+          </a:ln>
+        </p:spPr>
+        <p:style>
+          <a:lnRef idx="2">
+            <a:schemeClr val="accent1">
+              <a:shade val="15000"/>
+            </a:schemeClr>
+          </a:lnRef>
+          <a:fillRef idx="1">
+            <a:schemeClr val="accent1"/>
+          </a:fillRef>
+          <a:effectRef idx="0">
+            <a:schemeClr val="accent1"/>
+          </a:effectRef>
+          <a:fontRef idx="minor">
+            <a:schemeClr val="lt1"/>
+          </a:fontRef>
+        </p:style>
+        <p:txBody>
+          <a:bodyPr rtlCol="0" anchor="ctr"/>
+          <a:lstStyle/>
+          <a:p>
+            <a:pPr algn="ctr"/>
+            <a:endParaRPr lang="zh-CN" altLang="en-US" sz="3189"/>
+          </a:p>
+        </p:txBody>
+      </p:sp>
+      <p:cxnSp>
+        <p:nvCxnSpPr>
+          <p:cNvPr id="98" name="连接符: 曲线 97">
+            <a:extLst>
+              <a:ext uri="{FF2B5EF4-FFF2-40B4-BE49-F238E27FC236}">
+                <a16:creationId xmlns:a16="http://schemas.microsoft.com/office/drawing/2014/main" id="{727D97F3-1574-FD4B-05BE-6834E7372E8E}"/>
+              </a:ext>
+            </a:extLst>
+          </p:cNvPr>
+          <p:cNvCxnSpPr>
+            <a:cxnSpLocks/>
+            <a:stCxn id="96" idx="0"/>
+            <a:endCxn id="50" idx="0"/>
+          </p:cNvCxnSpPr>
+          <p:nvPr/>
+        </p:nvCxnSpPr>
+        <p:spPr>
+          <a:xfrm rot="5400000" flipH="1" flipV="1">
+            <a:off x="5807839" y="-1326438"/>
+            <a:ext cx="87144" cy="7605583"/>
+          </a:xfrm>
+          <a:prstGeom prst="curvedConnector3">
+            <a:avLst>
+              <a:gd name="adj1" fmla="val 2286037"/>
+            </a:avLst>
+          </a:prstGeom>
+          <a:ln>
+            <a:tailEnd type="triangle"/>
+          </a:ln>
+        </p:spPr>
+        <p:style>
+          <a:lnRef idx="2">
+            <a:schemeClr val="accent1"/>
+          </a:lnRef>
+          <a:fillRef idx="0">
+            <a:schemeClr val="accent1"/>
+          </a:fillRef>
+          <a:effectRef idx="1">
+            <a:schemeClr val="accent1"/>
+          </a:effectRef>
+          <a:fontRef idx="minor">
+            <a:schemeClr val="tx1"/>
+          </a:fontRef>
+        </p:style>
+      </p:cxnSp>
+      <p:cxnSp>
+        <p:nvCxnSpPr>
+          <p:cNvPr id="102" name="直接箭头连接符 101">
+            <a:extLst>
+              <a:ext uri="{FF2B5EF4-FFF2-40B4-BE49-F238E27FC236}">
+                <a16:creationId xmlns:a16="http://schemas.microsoft.com/office/drawing/2014/main" id="{0833F6FC-5BF9-00C9-7AE9-96A48BE00231}"/>
+              </a:ext>
+            </a:extLst>
+          </p:cNvPr>
+          <p:cNvCxnSpPr>
+            <a:cxnSpLocks/>
+            <a:stCxn id="50" idx="6"/>
+            <a:endCxn id="84" idx="1"/>
+          </p:cNvCxnSpPr>
+          <p:nvPr/>
+        </p:nvCxnSpPr>
+        <p:spPr>
+          <a:xfrm flipV="1">
+            <a:off x="9834203" y="2604756"/>
+            <a:ext cx="934684" cy="8025"/>
+          </a:xfrm>
+          <a:prstGeom prst="straightConnector1">
+            <a:avLst/>
+          </a:prstGeom>
+          <a:ln>
+            <a:tailEnd type="triangle"/>
+          </a:ln>
+        </p:spPr>
+        <p:style>
+          <a:lnRef idx="2">
+            <a:schemeClr val="accent1"/>
+          </a:lnRef>
+          <a:fillRef idx="0">
+            <a:schemeClr val="accent1"/>
+          </a:fillRef>
+          <a:effectRef idx="1">
+            <a:schemeClr val="accent1"/>
+          </a:effectRef>
+          <a:fontRef idx="minor">
+            <a:schemeClr val="tx1"/>
+          </a:fontRef>
+        </p:style>
+      </p:cxnSp>
+      <p:cxnSp>
+        <p:nvCxnSpPr>
+          <p:cNvPr id="105" name="直接箭头连接符 104">
+            <a:extLst>
+              <a:ext uri="{FF2B5EF4-FFF2-40B4-BE49-F238E27FC236}">
+                <a16:creationId xmlns:a16="http://schemas.microsoft.com/office/drawing/2014/main" id="{895F04D4-88FA-2C66-4A57-D416094A370F}"/>
+              </a:ext>
+            </a:extLst>
+          </p:cNvPr>
+          <p:cNvCxnSpPr>
+            <a:cxnSpLocks/>
+            <a:stCxn id="84" idx="3"/>
+            <a:endCxn id="86" idx="1"/>
+          </p:cNvCxnSpPr>
+          <p:nvPr/>
+        </p:nvCxnSpPr>
+        <p:spPr>
+          <a:xfrm>
+            <a:off x="11352702" y="2604756"/>
+            <a:ext cx="3572260" cy="0"/>
+          </a:xfrm>
+          <a:prstGeom prst="straightConnector1">
+            <a:avLst/>
+          </a:prstGeom>
+          <a:ln>
+            <a:tailEnd type="triangle"/>
+          </a:ln>
+        </p:spPr>
+        <p:style>
+          <a:lnRef idx="2">
+            <a:schemeClr val="accent1"/>
+          </a:lnRef>
+          <a:fillRef idx="0">
+            <a:schemeClr val="accent1"/>
+          </a:fillRef>
+          <a:effectRef idx="1">
+            <a:schemeClr val="accent1"/>
+          </a:effectRef>
+          <a:fontRef idx="minor">
+            <a:schemeClr val="tx1"/>
+          </a:fontRef>
+        </p:style>
+      </p:cxnSp>
+      <p:cxnSp>
+        <p:nvCxnSpPr>
+          <p:cNvPr id="108" name="直接箭头连接符 107">
+            <a:extLst>
+              <a:ext uri="{FF2B5EF4-FFF2-40B4-BE49-F238E27FC236}">
+                <a16:creationId xmlns:a16="http://schemas.microsoft.com/office/drawing/2014/main" id="{81EF9011-B686-0CAB-DA9C-5F5F83A9E1D6}"/>
+              </a:ext>
+            </a:extLst>
+          </p:cNvPr>
+          <p:cNvCxnSpPr>
+            <a:cxnSpLocks/>
+            <a:stCxn id="86" idx="3"/>
+            <a:endCxn id="90" idx="2"/>
+          </p:cNvCxnSpPr>
+          <p:nvPr/>
+        </p:nvCxnSpPr>
+        <p:spPr>
+          <a:xfrm>
+            <a:off x="15785191" y="2604756"/>
+            <a:ext cx="1879599" cy="4056"/>
+          </a:xfrm>
+          <a:prstGeom prst="straightConnector1">
+            <a:avLst/>
+          </a:prstGeom>
+          <a:ln>
+            <a:tailEnd type="triangle"/>
+          </a:ln>
+        </p:spPr>
+        <p:style>
+          <a:lnRef idx="2">
+            <a:schemeClr val="accent1"/>
+          </a:lnRef>
+          <a:fillRef idx="0">
+            <a:schemeClr val="accent1"/>
+          </a:fillRef>
+          <a:effectRef idx="1">
+            <a:schemeClr val="accent1"/>
+          </a:effectRef>
+          <a:fontRef idx="minor">
+            <a:schemeClr val="tx1"/>
+          </a:fontRef>
+        </p:style>
+      </p:cxnSp>
+      <p:sp>
+        <p:nvSpPr>
+          <p:cNvPr id="111" name="椭圆 110">
+            <a:extLst>
+              <a:ext uri="{FF2B5EF4-FFF2-40B4-BE49-F238E27FC236}">
+                <a16:creationId xmlns:a16="http://schemas.microsoft.com/office/drawing/2014/main" id="{07B4E5B2-1A7D-3C0C-47ED-4E601CC4350E}"/>
+              </a:ext>
+            </a:extLst>
+          </p:cNvPr>
+          <p:cNvSpPr/>
+          <p:nvPr/>
+        </p:nvSpPr>
+        <p:spPr>
+          <a:xfrm>
+            <a:off x="10074999" y="2514369"/>
+            <a:ext cx="159445" cy="159445"/>
+          </a:xfrm>
+          <a:prstGeom prst="ellipse">
+            <a:avLst/>
+          </a:prstGeom>
+          <a:ln>
+            <a:noFill/>
+          </a:ln>
+        </p:spPr>
+        <p:style>
+          <a:lnRef idx="2">
+            <a:schemeClr val="accent1">
+              <a:shade val="15000"/>
+            </a:schemeClr>
+          </a:lnRef>
+          <a:fillRef idx="1">
+            <a:schemeClr val="accent1"/>
+          </a:fillRef>
+          <a:effectRef idx="0">
+            <a:schemeClr val="accent1"/>
+          </a:effectRef>
+          <a:fontRef idx="minor">
+            <a:schemeClr val="lt1"/>
+          </a:fontRef>
+        </p:style>
+        <p:txBody>
+          <a:bodyPr rtlCol="0" anchor="ctr"/>
+          <a:lstStyle/>
+          <a:p>
+            <a:pPr algn="ctr"/>
+            <a:endParaRPr lang="zh-CN" altLang="en-US" sz="3189"/>
+          </a:p>
+        </p:txBody>
+      </p:sp>
+      <p:cxnSp>
+        <p:nvCxnSpPr>
+          <p:cNvPr id="112" name="连接符: 曲线 111">
+            <a:extLst>
+              <a:ext uri="{FF2B5EF4-FFF2-40B4-BE49-F238E27FC236}">
+                <a16:creationId xmlns:a16="http://schemas.microsoft.com/office/drawing/2014/main" id="{570F8BAF-FA06-0751-CEF8-BC93B13EB477}"/>
+              </a:ext>
+            </a:extLst>
+          </p:cNvPr>
+          <p:cNvCxnSpPr>
+            <a:cxnSpLocks/>
+            <a:stCxn id="111" idx="0"/>
+            <a:endCxn id="90" idx="0"/>
+          </p:cNvCxnSpPr>
+          <p:nvPr/>
+        </p:nvCxnSpPr>
+        <p:spPr>
+          <a:xfrm rot="5400000" flipH="1" flipV="1">
+            <a:off x="13956978" y="-1373443"/>
+            <a:ext cx="85557" cy="7690068"/>
+          </a:xfrm>
+          <a:prstGeom prst="curvedConnector3">
+            <a:avLst>
+              <a:gd name="adj1" fmla="val 2321496"/>
+            </a:avLst>
+          </a:prstGeom>
+          <a:ln>
+            <a:tailEnd type="triangle"/>
+          </a:ln>
+        </p:spPr>
+        <p:style>
+          <a:lnRef idx="2">
+            <a:schemeClr val="accent1"/>
+          </a:lnRef>
+          <a:fillRef idx="0">
+            <a:schemeClr val="accent1"/>
+          </a:fillRef>
+          <a:effectRef idx="1">
+            <a:schemeClr val="accent1"/>
+          </a:effectRef>
+          <a:fontRef idx="minor">
+            <a:schemeClr val="tx1"/>
+          </a:fontRef>
+        </p:style>
+      </p:cxnSp>
+      <p:sp>
+        <p:nvSpPr>
+          <p:cNvPr id="117" name="文本框 116">
+            <a:extLst>
+              <a:ext uri="{FF2B5EF4-FFF2-40B4-BE49-F238E27FC236}">
+                <a16:creationId xmlns:a16="http://schemas.microsoft.com/office/drawing/2014/main" id="{4E0E38DD-0108-133E-5287-15238D8FF65D}"/>
+              </a:ext>
+            </a:extLst>
+          </p:cNvPr>
+          <p:cNvSpPr txBox="1"/>
+          <p:nvPr/>
+        </p:nvSpPr>
+        <p:spPr>
+          <a:xfrm>
+            <a:off x="11116859" y="7015068"/>
+            <a:ext cx="2306356" cy="584775"/>
+          </a:xfrm>
+          <a:prstGeom prst="rect">
+            <a:avLst/>
+          </a:prstGeom>
+          <a:noFill/>
+        </p:spPr>
+        <p:txBody>
+          <a:bodyPr wrap="square">
+            <a:spAutoFit/>
+          </a:bodyPr>
+          <a:lstStyle/>
+          <a:p>
+            <a:pPr algn="ctr"/>
+            <a:r>
+              <a:rPr lang="en-US" altLang="zh-CN" sz="1600" dirty="0">
+                <a:latin typeface="微软雅黑" panose="020B0503020204020204" pitchFamily="34" charset="-122"/>
+                <a:ea typeface="微软雅黑" panose="020B0503020204020204" pitchFamily="34" charset="-122"/>
+              </a:rPr>
+              <a:t>Time</a:t>
+            </a:r>
+          </a:p>
+          <a:p>
+            <a:pPr algn="ctr"/>
+            <a:r>
+              <a:rPr lang="en-US" altLang="zh-CN" sz="1600" dirty="0">
+                <a:latin typeface="微软雅黑" panose="020B0503020204020204" pitchFamily="34" charset="-122"/>
+                <a:ea typeface="微软雅黑" panose="020B0503020204020204" pitchFamily="34" charset="-122"/>
+              </a:rPr>
+              <a:t>E</a:t>
+            </a:r>
+            <a:r>
+              <a:rPr lang="zh-CN" altLang="en-US" sz="1600" dirty="0">
+                <a:latin typeface="微软雅黑" panose="020B0503020204020204" pitchFamily="34" charset="-122"/>
+                <a:ea typeface="微软雅黑" panose="020B0503020204020204" pitchFamily="34" charset="-122"/>
+              </a:rPr>
+              <a:t>mbedding</a:t>
+            </a:r>
+          </a:p>
+        </p:txBody>
+      </p:sp>
+      <p:sp>
+        <p:nvSpPr>
+          <p:cNvPr id="118" name="矩形: 圆角 117">
+            <a:extLst>
+              <a:ext uri="{FF2B5EF4-FFF2-40B4-BE49-F238E27FC236}">
+                <a16:creationId xmlns:a16="http://schemas.microsoft.com/office/drawing/2014/main" id="{4F05443F-F099-03CB-4B09-66D5727D801A}"/>
+              </a:ext>
+            </a:extLst>
+          </p:cNvPr>
+          <p:cNvSpPr/>
+          <p:nvPr/>
+        </p:nvSpPr>
+        <p:spPr>
+          <a:xfrm>
+            <a:off x="11580840" y="6910664"/>
+            <a:ext cx="1379482" cy="793585"/>
+          </a:xfrm>
+          <a:prstGeom prst="roundRect">
+            <a:avLst>
+              <a:gd name="adj" fmla="val 0"/>
+            </a:avLst>
+          </a:prstGeom>
+          <a:noFill/>
+          <a:ln>
+            <a:solidFill>
+              <a:schemeClr val="tx1"/>
+            </a:solidFill>
+          </a:ln>
+        </p:spPr>
+        <p:style>
+          <a:lnRef idx="2">
+            <a:schemeClr val="accent1">
+              <a:shade val="15000"/>
+            </a:schemeClr>
+          </a:lnRef>
+          <a:fillRef idx="1">
+            <a:schemeClr val="accent1"/>
+          </a:fillRef>
+          <a:effectRef idx="0">
+            <a:schemeClr val="accent1"/>
+          </a:effectRef>
+          <a:fontRef idx="minor">
+            <a:schemeClr val="lt1"/>
+          </a:fontRef>
+        </p:style>
+        <p:txBody>
+          <a:bodyPr rtlCol="0" anchor="ctr"/>
+          <a:lstStyle/>
+          <a:p>
+            <a:pPr algn="ctr"/>
+            <a:endParaRPr lang="zh-CN" altLang="en-US" sz="3189"/>
+          </a:p>
+        </p:txBody>
+      </p:sp>
+      <p:sp>
+        <p:nvSpPr>
+          <p:cNvPr id="119" name="文本框 118">
+            <a:extLst>
+              <a:ext uri="{FF2B5EF4-FFF2-40B4-BE49-F238E27FC236}">
+                <a16:creationId xmlns:a16="http://schemas.microsoft.com/office/drawing/2014/main" id="{81BDEB92-9E0D-0152-6852-B79F62AEE51C}"/>
+              </a:ext>
+            </a:extLst>
+          </p:cNvPr>
+          <p:cNvSpPr txBox="1"/>
+          <p:nvPr/>
+        </p:nvSpPr>
+        <p:spPr>
+          <a:xfrm>
+            <a:off x="12694826" y="5153651"/>
+            <a:ext cx="847174" cy="338554"/>
+          </a:xfrm>
+          <a:prstGeom prst="rect">
+            <a:avLst/>
+          </a:prstGeom>
+          <a:noFill/>
+        </p:spPr>
+        <p:txBody>
+          <a:bodyPr wrap="square">
+            <a:spAutoFit/>
+          </a:bodyPr>
+          <a:lstStyle/>
+          <a:p>
+            <a:r>
+              <a:rPr lang="en-US" altLang="zh-CN" sz="1600" dirty="0">
+                <a:latin typeface="微软雅黑" panose="020B0503020204020204" pitchFamily="34" charset="-122"/>
+                <a:ea typeface="微软雅黑" panose="020B0503020204020204" pitchFamily="34" charset="-122"/>
+              </a:rPr>
+              <a:t>MLP</a:t>
+            </a:r>
+            <a:endParaRPr lang="zh-CN" altLang="en-US" sz="2000" dirty="0">
+              <a:latin typeface="微软雅黑" panose="020B0503020204020204" pitchFamily="34" charset="-122"/>
+              <a:ea typeface="微软雅黑" panose="020B0503020204020204" pitchFamily="34" charset="-122"/>
+            </a:endParaRPr>
+          </a:p>
+        </p:txBody>
+      </p:sp>
+      <p:sp>
+        <p:nvSpPr>
+          <p:cNvPr id="120" name="矩形: 圆角 119">
+            <a:extLst>
+              <a:ext uri="{FF2B5EF4-FFF2-40B4-BE49-F238E27FC236}">
+                <a16:creationId xmlns:a16="http://schemas.microsoft.com/office/drawing/2014/main" id="{95178D94-6303-F5AB-0790-A9F58320CCDB}"/>
+              </a:ext>
+            </a:extLst>
+          </p:cNvPr>
+          <p:cNvSpPr/>
+          <p:nvPr/>
+        </p:nvSpPr>
+        <p:spPr>
+          <a:xfrm>
+            <a:off x="12238830" y="5029461"/>
+            <a:ext cx="1594725" cy="571508"/>
+          </a:xfrm>
+          <a:prstGeom prst="roundRect">
+            <a:avLst>
+              <a:gd name="adj" fmla="val 0"/>
+            </a:avLst>
+          </a:prstGeom>
+          <a:noFill/>
+          <a:ln>
+            <a:solidFill>
+              <a:schemeClr val="tx1"/>
+            </a:solidFill>
+          </a:ln>
+        </p:spPr>
+        <p:style>
+          <a:lnRef idx="2">
+            <a:schemeClr val="accent1">
+              <a:shade val="15000"/>
+            </a:schemeClr>
+          </a:lnRef>
+          <a:fillRef idx="1">
+            <a:schemeClr val="accent1"/>
+          </a:fillRef>
+          <a:effectRef idx="0">
+            <a:schemeClr val="accent1"/>
+          </a:effectRef>
+          <a:fontRef idx="minor">
+            <a:schemeClr val="lt1"/>
+          </a:fontRef>
+        </p:style>
+        <p:txBody>
+          <a:bodyPr rtlCol="0" anchor="ctr"/>
+          <a:lstStyle/>
+          <a:p>
+            <a:pPr algn="ctr"/>
+            <a:endParaRPr lang="zh-CN" altLang="en-US" sz="3189"/>
+          </a:p>
+        </p:txBody>
+      </p:sp>
+      <p:cxnSp>
+        <p:nvCxnSpPr>
+          <p:cNvPr id="121" name="直接箭头连接符 120">
+            <a:extLst>
+              <a:ext uri="{FF2B5EF4-FFF2-40B4-BE49-F238E27FC236}">
+                <a16:creationId xmlns:a16="http://schemas.microsoft.com/office/drawing/2014/main" id="{40C79E17-338B-2A5C-4BB8-A051E0727596}"/>
+              </a:ext>
+            </a:extLst>
+          </p:cNvPr>
+          <p:cNvCxnSpPr>
+            <a:cxnSpLocks/>
+            <a:stCxn id="120" idx="0"/>
+            <a:endCxn id="130" idx="2"/>
+          </p:cNvCxnSpPr>
+          <p:nvPr/>
+        </p:nvCxnSpPr>
+        <p:spPr>
+          <a:xfrm flipH="1" flipV="1">
+            <a:off x="12901200" y="4536987"/>
+            <a:ext cx="134993" cy="492474"/>
+          </a:xfrm>
+          <a:prstGeom prst="straightConnector1">
+            <a:avLst/>
+          </a:prstGeom>
+          <a:ln w="12700">
+            <a:tailEnd type="triangle"/>
+          </a:ln>
+        </p:spPr>
+        <p:style>
+          <a:lnRef idx="2">
+            <a:schemeClr val="accent1"/>
+          </a:lnRef>
+          <a:fillRef idx="0">
+            <a:schemeClr val="accent1"/>
+          </a:fillRef>
+          <a:effectRef idx="1">
+            <a:schemeClr val="accent1"/>
+          </a:effectRef>
+          <a:fontRef idx="minor">
+            <a:schemeClr val="tx1"/>
+          </a:fontRef>
+        </p:style>
+      </p:cxnSp>
+      <p:sp>
+        <p:nvSpPr>
+          <p:cNvPr id="122" name="文本框 121">
+            <a:extLst>
+              <a:ext uri="{FF2B5EF4-FFF2-40B4-BE49-F238E27FC236}">
+                <a16:creationId xmlns:a16="http://schemas.microsoft.com/office/drawing/2014/main" id="{1E2A45C6-21A3-9CE6-428E-6F8CEFBE4EB1}"/>
+              </a:ext>
+            </a:extLst>
+          </p:cNvPr>
+          <p:cNvSpPr txBox="1"/>
+          <p:nvPr/>
+        </p:nvSpPr>
+        <p:spPr>
+          <a:xfrm>
+            <a:off x="13099365" y="7015069"/>
+            <a:ext cx="1543938" cy="584775"/>
+          </a:xfrm>
+          <a:prstGeom prst="rect">
+            <a:avLst/>
+          </a:prstGeom>
+          <a:noFill/>
+        </p:spPr>
+        <p:txBody>
+          <a:bodyPr wrap="square">
+            <a:spAutoFit/>
+          </a:bodyPr>
+          <a:lstStyle/>
+          <a:p>
+            <a:pPr algn="ctr"/>
+            <a:r>
+              <a:rPr lang="en-US" altLang="zh-CN" sz="1600" dirty="0">
+                <a:latin typeface="微软雅黑" panose="020B0503020204020204" pitchFamily="34" charset="-122"/>
+                <a:ea typeface="微软雅黑" panose="020B0503020204020204" pitchFamily="34" charset="-122"/>
+              </a:rPr>
+              <a:t>Condition</a:t>
+            </a:r>
+          </a:p>
+          <a:p>
+            <a:pPr algn="ctr"/>
+            <a:r>
+              <a:rPr lang="en-US" altLang="zh-CN" sz="1600" dirty="0">
+                <a:latin typeface="微软雅黑" panose="020B0503020204020204" pitchFamily="34" charset="-122"/>
+                <a:ea typeface="微软雅黑" panose="020B0503020204020204" pitchFamily="34" charset="-122"/>
+              </a:rPr>
+              <a:t>E</a:t>
+            </a:r>
+            <a:r>
+              <a:rPr lang="zh-CN" altLang="en-US" sz="1600" dirty="0">
+                <a:latin typeface="微软雅黑" panose="020B0503020204020204" pitchFamily="34" charset="-122"/>
+                <a:ea typeface="微软雅黑" panose="020B0503020204020204" pitchFamily="34" charset="-122"/>
+              </a:rPr>
+              <a:t>mbedding</a:t>
+            </a:r>
+          </a:p>
+        </p:txBody>
+      </p:sp>
+      <p:sp>
+        <p:nvSpPr>
+          <p:cNvPr id="123" name="矩形: 圆角 122">
+            <a:extLst>
+              <a:ext uri="{FF2B5EF4-FFF2-40B4-BE49-F238E27FC236}">
+                <a16:creationId xmlns:a16="http://schemas.microsoft.com/office/drawing/2014/main" id="{B8C8F37F-ACAC-296F-C088-B9B6587992C5}"/>
+              </a:ext>
+            </a:extLst>
+          </p:cNvPr>
+          <p:cNvSpPr/>
+          <p:nvPr/>
+        </p:nvSpPr>
+        <p:spPr>
+          <a:xfrm>
+            <a:off x="13150163" y="6910665"/>
+            <a:ext cx="1430283" cy="793585"/>
+          </a:xfrm>
+          <a:prstGeom prst="roundRect">
+            <a:avLst>
+              <a:gd name="adj" fmla="val 0"/>
+            </a:avLst>
+          </a:prstGeom>
+          <a:noFill/>
+          <a:ln>
+            <a:solidFill>
+              <a:schemeClr val="tx1"/>
+            </a:solidFill>
+          </a:ln>
+        </p:spPr>
+        <p:style>
+          <a:lnRef idx="2">
+            <a:schemeClr val="accent1">
+              <a:shade val="15000"/>
+            </a:schemeClr>
+          </a:lnRef>
+          <a:fillRef idx="1">
+            <a:schemeClr val="accent1"/>
+          </a:fillRef>
+          <a:effectRef idx="0">
+            <a:schemeClr val="accent1"/>
+          </a:effectRef>
+          <a:fontRef idx="minor">
+            <a:schemeClr val="lt1"/>
+          </a:fontRef>
+        </p:style>
+        <p:txBody>
+          <a:bodyPr rtlCol="0" anchor="ctr"/>
+          <a:lstStyle/>
+          <a:p>
+            <a:pPr algn="ctr"/>
+            <a:endParaRPr lang="zh-CN" altLang="en-US" sz="3189"/>
+          </a:p>
+        </p:txBody>
+      </p:sp>
+      <p:grpSp>
+        <p:nvGrpSpPr>
+          <p:cNvPr id="124" name="组合 123">
+            <a:extLst>
+              <a:ext uri="{FF2B5EF4-FFF2-40B4-BE49-F238E27FC236}">
+                <a16:creationId xmlns:a16="http://schemas.microsoft.com/office/drawing/2014/main" id="{6F4E2BEE-B9DD-60CD-633F-D9E077547B9E}"/>
+              </a:ext>
+            </a:extLst>
+          </p:cNvPr>
+          <p:cNvGrpSpPr/>
+          <p:nvPr/>
+        </p:nvGrpSpPr>
+        <p:grpSpPr>
+          <a:xfrm>
+            <a:off x="12855865" y="6015230"/>
+            <a:ext cx="360000" cy="363969"/>
+            <a:chOff x="5281075" y="4315800"/>
+            <a:chExt cx="360000" cy="363969"/>
+          </a:xfrm>
+        </p:grpSpPr>
+        <p:sp>
+          <p:nvSpPr>
+            <p:cNvPr id="125" name="加号 124">
+              <a:extLst>
+                <a:ext uri="{FF2B5EF4-FFF2-40B4-BE49-F238E27FC236}">
+                  <a16:creationId xmlns:a16="http://schemas.microsoft.com/office/drawing/2014/main" id="{527B7EC0-E306-2B86-4314-72E845AEAEC6}"/>
+                </a:ext>
+              </a:extLst>
+            </p:cNvPr>
+            <p:cNvSpPr/>
+            <p:nvPr/>
+          </p:nvSpPr>
+          <p:spPr>
+            <a:xfrm>
+              <a:off x="5281075" y="4319769"/>
+              <a:ext cx="360000" cy="360000"/>
+            </a:xfrm>
+            <a:prstGeom prst="mathPlus">
+              <a:avLst>
+                <a:gd name="adj1" fmla="val 12933"/>
+              </a:avLst>
+            </a:prstGeom>
+            <a:noFill/>
+          </p:spPr>
+          <p:style>
+            <a:lnRef idx="2">
+              <a:schemeClr val="accent1">
+                <a:shade val="15000"/>
+              </a:schemeClr>
+            </a:lnRef>
+            <a:fillRef idx="1">
+              <a:schemeClr val="accent1"/>
+            </a:fillRef>
+            <a:effectRef idx="0">
+              <a:schemeClr val="accent1"/>
+            </a:effectRef>
+            <a:fontRef idx="minor">
+              <a:schemeClr val="lt1"/>
+            </a:fontRef>
+          </p:style>
+          <p:txBody>
+            <a:bodyPr rtlCol="0" anchor="ctr"/>
+            <a:lstStyle/>
+            <a:p>
+              <a:pPr algn="ctr"/>
+              <a:endParaRPr lang="zh-CN" altLang="en-US"/>
+            </a:p>
+          </p:txBody>
+        </p:sp>
+        <p:sp>
+          <p:nvSpPr>
+            <p:cNvPr id="126" name="椭圆 125">
+              <a:extLst>
+                <a:ext uri="{FF2B5EF4-FFF2-40B4-BE49-F238E27FC236}">
+                  <a16:creationId xmlns:a16="http://schemas.microsoft.com/office/drawing/2014/main" id="{E19A84A4-0C29-D125-60F7-0FD8E62B9E9E}"/>
+                </a:ext>
+              </a:extLst>
+            </p:cNvPr>
+            <p:cNvSpPr/>
+            <p:nvPr/>
+          </p:nvSpPr>
+          <p:spPr>
+            <a:xfrm>
+              <a:off x="5281075" y="4315800"/>
+              <a:ext cx="360000" cy="360000"/>
+            </a:xfrm>
+            <a:prstGeom prst="ellipse">
+              <a:avLst/>
+            </a:prstGeom>
+            <a:noFill/>
+          </p:spPr>
+          <p:style>
+            <a:lnRef idx="2">
+              <a:schemeClr val="accent1">
+                <a:shade val="15000"/>
+              </a:schemeClr>
+            </a:lnRef>
+            <a:fillRef idx="1">
+              <a:schemeClr val="accent1"/>
+            </a:fillRef>
+            <a:effectRef idx="0">
+              <a:schemeClr val="accent1"/>
+            </a:effectRef>
+            <a:fontRef idx="minor">
+              <a:schemeClr val="lt1"/>
+            </a:fontRef>
+          </p:style>
+          <p:txBody>
+            <a:bodyPr rtlCol="0" anchor="ctr"/>
+            <a:lstStyle/>
+            <a:p>
+              <a:pPr algn="ctr"/>
+              <a:endParaRPr lang="zh-CN" altLang="en-US"/>
+            </a:p>
+          </p:txBody>
+        </p:sp>
+      </p:grpSp>
+      <p:cxnSp>
+        <p:nvCxnSpPr>
+          <p:cNvPr id="127" name="连接符: 肘形 126">
+            <a:extLst>
+              <a:ext uri="{FF2B5EF4-FFF2-40B4-BE49-F238E27FC236}">
+                <a16:creationId xmlns:a16="http://schemas.microsoft.com/office/drawing/2014/main" id="{40843325-5E5A-0B07-C49D-15066F540731}"/>
+              </a:ext>
+            </a:extLst>
+          </p:cNvPr>
+          <p:cNvCxnSpPr>
+            <a:cxnSpLocks/>
+            <a:stCxn id="118" idx="0"/>
+            <a:endCxn id="126" idx="2"/>
+          </p:cNvCxnSpPr>
+          <p:nvPr/>
+        </p:nvCxnSpPr>
+        <p:spPr>
+          <a:xfrm rot="5400000" flipH="1" flipV="1">
+            <a:off x="12205506" y="6260305"/>
+            <a:ext cx="715434" cy="585284"/>
+          </a:xfrm>
+          <a:prstGeom prst="bentConnector2">
+            <a:avLst/>
+          </a:prstGeom>
+          <a:ln>
+            <a:tailEnd type="triangle"/>
+          </a:ln>
+        </p:spPr>
+        <p:style>
+          <a:lnRef idx="2">
+            <a:schemeClr val="accent1"/>
+          </a:lnRef>
+          <a:fillRef idx="0">
+            <a:schemeClr val="accent1"/>
+          </a:fillRef>
+          <a:effectRef idx="1">
+            <a:schemeClr val="accent1"/>
+          </a:effectRef>
+          <a:fontRef idx="minor">
+            <a:schemeClr val="tx1"/>
+          </a:fontRef>
+        </p:style>
+      </p:cxnSp>
+      <p:cxnSp>
+        <p:nvCxnSpPr>
+          <p:cNvPr id="128" name="连接符: 肘形 127">
+            <a:extLst>
+              <a:ext uri="{FF2B5EF4-FFF2-40B4-BE49-F238E27FC236}">
+                <a16:creationId xmlns:a16="http://schemas.microsoft.com/office/drawing/2014/main" id="{C2D876D6-0AEB-991C-2FBA-8364874717AB}"/>
+              </a:ext>
+            </a:extLst>
+          </p:cNvPr>
+          <p:cNvCxnSpPr>
+            <a:cxnSpLocks/>
+            <a:stCxn id="123" idx="0"/>
+            <a:endCxn id="126" idx="6"/>
+          </p:cNvCxnSpPr>
+          <p:nvPr/>
+        </p:nvCxnSpPr>
+        <p:spPr>
+          <a:xfrm rot="16200000" flipV="1">
+            <a:off x="13182868" y="6228228"/>
+            <a:ext cx="715435" cy="649440"/>
+          </a:xfrm>
+          <a:prstGeom prst="bentConnector2">
+            <a:avLst/>
+          </a:prstGeom>
+          <a:ln>
+            <a:tailEnd type="triangle"/>
+          </a:ln>
+        </p:spPr>
+        <p:style>
+          <a:lnRef idx="2">
+            <a:schemeClr val="accent1"/>
+          </a:lnRef>
+          <a:fillRef idx="0">
+            <a:schemeClr val="accent1"/>
+          </a:fillRef>
+          <a:effectRef idx="1">
+            <a:schemeClr val="accent1"/>
+          </a:effectRef>
+          <a:fontRef idx="minor">
+            <a:schemeClr val="tx1"/>
+          </a:fontRef>
+        </p:style>
+      </p:cxnSp>
+      <p:sp>
+        <p:nvSpPr>
+          <p:cNvPr id="129" name="矩形: 圆角 128">
+            <a:extLst>
+              <a:ext uri="{FF2B5EF4-FFF2-40B4-BE49-F238E27FC236}">
+                <a16:creationId xmlns:a16="http://schemas.microsoft.com/office/drawing/2014/main" id="{CB4F9615-81DE-74EF-304E-60844FC1EF6A}"/>
+              </a:ext>
+            </a:extLst>
+          </p:cNvPr>
+          <p:cNvSpPr/>
+          <p:nvPr/>
+        </p:nvSpPr>
+        <p:spPr>
+          <a:xfrm>
+            <a:off x="11957644" y="3965478"/>
+            <a:ext cx="410614" cy="571508"/>
+          </a:xfrm>
+          <a:prstGeom prst="roundRect">
+            <a:avLst>
+              <a:gd name="adj" fmla="val 0"/>
+            </a:avLst>
+          </a:prstGeom>
+          <a:noFill/>
+          <a:ln>
+            <a:solidFill>
+              <a:schemeClr val="tx1"/>
+            </a:solidFill>
+          </a:ln>
+        </p:spPr>
+        <p:style>
+          <a:lnRef idx="2">
+            <a:schemeClr val="accent1">
+              <a:shade val="15000"/>
+            </a:schemeClr>
+          </a:lnRef>
+          <a:fillRef idx="1">
+            <a:schemeClr val="accent1"/>
+          </a:fillRef>
+          <a:effectRef idx="0">
+            <a:schemeClr val="accent1"/>
+          </a:effectRef>
+          <a:fontRef idx="minor">
+            <a:schemeClr val="lt1"/>
+          </a:fontRef>
+        </p:style>
+        <p:txBody>
+          <a:bodyPr rtlCol="0" anchor="ctr"/>
+          <a:lstStyle/>
+          <a:p>
+            <a:pPr algn="ctr"/>
+            <a:endParaRPr lang="zh-CN" altLang="en-US" sz="3189"/>
+          </a:p>
+        </p:txBody>
+      </p:sp>
+      <p:sp>
+        <p:nvSpPr>
+          <p:cNvPr id="130" name="矩形: 圆角 129">
+            <a:extLst>
+              <a:ext uri="{FF2B5EF4-FFF2-40B4-BE49-F238E27FC236}">
+                <a16:creationId xmlns:a16="http://schemas.microsoft.com/office/drawing/2014/main" id="{30ACFA89-17C4-3196-6C9A-F78BF3B7EB63}"/>
+              </a:ext>
+            </a:extLst>
+          </p:cNvPr>
+          <p:cNvSpPr/>
+          <p:nvPr/>
+        </p:nvSpPr>
+        <p:spPr>
+          <a:xfrm>
+            <a:off x="12713005" y="3965479"/>
+            <a:ext cx="376389" cy="571508"/>
+          </a:xfrm>
+          <a:prstGeom prst="roundRect">
+            <a:avLst>
+              <a:gd name="adj" fmla="val 0"/>
+            </a:avLst>
+          </a:prstGeom>
+          <a:noFill/>
+          <a:ln>
+            <a:solidFill>
+              <a:schemeClr val="tx1"/>
+            </a:solidFill>
+          </a:ln>
+        </p:spPr>
+        <p:style>
+          <a:lnRef idx="2">
+            <a:schemeClr val="accent1">
+              <a:shade val="15000"/>
+            </a:schemeClr>
+          </a:lnRef>
+          <a:fillRef idx="1">
+            <a:schemeClr val="accent1"/>
+          </a:fillRef>
+          <a:effectRef idx="0">
+            <a:schemeClr val="accent1"/>
+          </a:effectRef>
+          <a:fontRef idx="minor">
+            <a:schemeClr val="lt1"/>
+          </a:fontRef>
+        </p:style>
+        <p:txBody>
+          <a:bodyPr rtlCol="0" anchor="ctr"/>
+          <a:lstStyle/>
+          <a:p>
+            <a:pPr algn="ctr"/>
+            <a:endParaRPr lang="zh-CN" altLang="en-US" sz="3189"/>
+          </a:p>
+        </p:txBody>
+      </p:sp>
+      <p:cxnSp>
+        <p:nvCxnSpPr>
+          <p:cNvPr id="131" name="直接箭头连接符 130">
+            <a:extLst>
+              <a:ext uri="{FF2B5EF4-FFF2-40B4-BE49-F238E27FC236}">
+                <a16:creationId xmlns:a16="http://schemas.microsoft.com/office/drawing/2014/main" id="{80654292-8E71-C25D-AB32-09C34466474E}"/>
+              </a:ext>
+            </a:extLst>
+          </p:cNvPr>
+          <p:cNvCxnSpPr>
+            <a:cxnSpLocks/>
+            <a:stCxn id="120" idx="0"/>
+            <a:endCxn id="129" idx="2"/>
+          </p:cNvCxnSpPr>
+          <p:nvPr/>
+        </p:nvCxnSpPr>
+        <p:spPr>
+          <a:xfrm flipH="1" flipV="1">
+            <a:off x="12162951" y="4536986"/>
+            <a:ext cx="873242" cy="492475"/>
+          </a:xfrm>
+          <a:prstGeom prst="straightConnector1">
+            <a:avLst/>
+          </a:prstGeom>
+          <a:ln w="12700">
+            <a:tailEnd type="triangle"/>
+          </a:ln>
+        </p:spPr>
+        <p:style>
+          <a:lnRef idx="2">
+            <a:schemeClr val="accent1"/>
+          </a:lnRef>
+          <a:fillRef idx="0">
+            <a:schemeClr val="accent1"/>
+          </a:fillRef>
+          <a:effectRef idx="1">
+            <a:schemeClr val="accent1"/>
+          </a:effectRef>
+          <a:fontRef idx="minor">
+            <a:schemeClr val="tx1"/>
+          </a:fontRef>
+        </p:style>
+      </p:cxnSp>
+      <p:cxnSp>
+        <p:nvCxnSpPr>
+          <p:cNvPr id="132" name="直接箭头连接符 131">
+            <a:extLst>
+              <a:ext uri="{FF2B5EF4-FFF2-40B4-BE49-F238E27FC236}">
+                <a16:creationId xmlns:a16="http://schemas.microsoft.com/office/drawing/2014/main" id="{63D821EE-4C18-D304-FE4F-84131D546181}"/>
+              </a:ext>
+            </a:extLst>
+          </p:cNvPr>
+          <p:cNvCxnSpPr>
+            <a:cxnSpLocks/>
+            <a:stCxn id="126" idx="0"/>
+            <a:endCxn id="120" idx="2"/>
+          </p:cNvCxnSpPr>
+          <p:nvPr/>
+        </p:nvCxnSpPr>
+        <p:spPr>
+          <a:xfrm flipV="1">
+            <a:off x="13035865" y="5600969"/>
+            <a:ext cx="328" cy="414261"/>
+          </a:xfrm>
+          <a:prstGeom prst="straightConnector1">
+            <a:avLst/>
+          </a:prstGeom>
+          <a:ln w="12700">
+            <a:tailEnd type="triangle"/>
+          </a:ln>
+        </p:spPr>
+        <p:style>
+          <a:lnRef idx="2">
+            <a:schemeClr val="accent1"/>
+          </a:lnRef>
+          <a:fillRef idx="0">
+            <a:schemeClr val="accent1"/>
+          </a:fillRef>
+          <a:effectRef idx="1">
+            <a:schemeClr val="accent1"/>
+          </a:effectRef>
+          <a:fontRef idx="minor">
+            <a:schemeClr val="tx1"/>
+          </a:fontRef>
+        </p:style>
+      </p:cxnSp>
+      <p:sp>
+        <p:nvSpPr>
+          <p:cNvPr id="133" name="文本框 132">
+            <a:extLst>
+              <a:ext uri="{FF2B5EF4-FFF2-40B4-BE49-F238E27FC236}">
+                <a16:creationId xmlns:a16="http://schemas.microsoft.com/office/drawing/2014/main" id="{461FC0C8-9FAA-B236-4E36-CD44C1F22880}"/>
+              </a:ext>
+            </a:extLst>
+          </p:cNvPr>
+          <p:cNvSpPr txBox="1"/>
+          <p:nvPr/>
+        </p:nvSpPr>
+        <p:spPr>
+          <a:xfrm>
+            <a:off x="12787005" y="6385953"/>
+            <a:ext cx="511073" cy="338554"/>
+          </a:xfrm>
+          <a:prstGeom prst="rect">
+            <a:avLst/>
+          </a:prstGeom>
+          <a:noFill/>
+        </p:spPr>
+        <p:txBody>
+          <a:bodyPr wrap="square">
+            <a:spAutoFit/>
+          </a:bodyPr>
+          <a:lstStyle/>
+          <a:p>
+            <a:r>
+              <a:rPr lang="en-US" altLang="zh-CN" sz="1600" dirty="0">
+                <a:latin typeface="微软雅黑" panose="020B0503020204020204" pitchFamily="34" charset="-122"/>
+                <a:ea typeface="微软雅黑" panose="020B0503020204020204" pitchFamily="34" charset="-122"/>
+              </a:rPr>
+              <a:t>cat</a:t>
+            </a:r>
+            <a:endParaRPr lang="zh-CN" altLang="en-US" sz="2000" dirty="0">
+              <a:latin typeface="微软雅黑" panose="020B0503020204020204" pitchFamily="34" charset="-122"/>
+              <a:ea typeface="微软雅黑" panose="020B0503020204020204" pitchFamily="34" charset="-122"/>
+            </a:endParaRPr>
+          </a:p>
+        </p:txBody>
+      </p:sp>
+      <mc:AlternateContent xmlns:mc="http://schemas.openxmlformats.org/markup-compatibility/2006">
+        <mc:Choice xmlns:a14="http://schemas.microsoft.com/office/drawing/2010/main" Requires="a14">
+          <p:sp>
+            <p:nvSpPr>
+              <p:cNvPr id="134" name="文本框 133">
+                <a:extLst>
+                  <a:ext uri="{FF2B5EF4-FFF2-40B4-BE49-F238E27FC236}">
+                    <a16:creationId xmlns:a16="http://schemas.microsoft.com/office/drawing/2014/main" id="{032C9FB3-A84E-AE2C-71F8-809ED3B19DC9}"/>
+                  </a:ext>
+                </a:extLst>
+              </p:cNvPr>
+              <p:cNvSpPr txBox="1"/>
+              <p:nvPr/>
+            </p:nvSpPr>
+            <p:spPr>
+              <a:xfrm>
+                <a:off x="11985623" y="4039801"/>
+                <a:ext cx="324733" cy="400110"/>
+              </a:xfrm>
+              <a:prstGeom prst="rect">
+                <a:avLst/>
+              </a:prstGeom>
+              <a:noFill/>
+            </p:spPr>
+            <p:txBody>
+              <a:bodyPr wrap="square">
+                <a:spAutoFit/>
+              </a:bodyPr>
+              <a:lstStyle/>
+              <a:p>
+                <a:pPr/>
+                <a14:m>
+                  <m:oMathPara xmlns:m="http://schemas.openxmlformats.org/officeDocument/2006/math">
+                    <m:oMathParaPr>
+                      <m:jc m:val="centerGroup"/>
+                    </m:oMathParaPr>
+                    <m:oMath xmlns:m="http://schemas.openxmlformats.org/officeDocument/2006/math">
+                      <m:sSub>
+                        <m:sSubPr>
+                          <m:ctrlPr>
+                            <a:rPr lang="en-US" altLang="zh-CN" sz="2000" b="1" i="1" smtClean="0">
+                              <a:latin typeface="Cambria Math" panose="02040503050406030204" pitchFamily="18" charset="0"/>
+                            </a:rPr>
+                          </m:ctrlPr>
+                        </m:sSubPr>
+                        <m:e>
+                          <m:r>
+                            <a:rPr lang="zh-CN" altLang="en-US" sz="2000" b="1" i="1" smtClean="0">
+                              <a:latin typeface="Cambria Math" panose="02040503050406030204" pitchFamily="18" charset="0"/>
+                            </a:rPr>
+                            <m:t>𝜸</m:t>
+                          </m:r>
+                        </m:e>
+                        <m:sub>
+                          <m:r>
+                            <a:rPr lang="en-US" altLang="zh-CN" sz="2000" b="1" i="1" smtClean="0">
+                              <a:latin typeface="Cambria Math" panose="02040503050406030204" pitchFamily="18" charset="0"/>
+                            </a:rPr>
+                            <m:t>𝟐</m:t>
+                          </m:r>
+                        </m:sub>
+                      </m:sSub>
+                    </m:oMath>
+                  </m:oMathPara>
+                </a14:m>
+                <a:endParaRPr lang="zh-CN" altLang="en-US" b="1" dirty="0"/>
+              </a:p>
+            </p:txBody>
+          </p:sp>
+        </mc:Choice>
+        <mc:Fallback>
+          <p:sp>
+            <p:nvSpPr>
+              <p:cNvPr id="134" name="文本框 133">
+                <a:extLst>
+                  <a:ext uri="{FF2B5EF4-FFF2-40B4-BE49-F238E27FC236}">
+                    <a16:creationId xmlns:a16="http://schemas.microsoft.com/office/drawing/2014/main" id="{032C9FB3-A84E-AE2C-71F8-809ED3B19DC9}"/>
+                  </a:ext>
+                </a:extLst>
+              </p:cNvPr>
+              <p:cNvSpPr txBox="1">
+                <a:spLocks noRot="1" noChangeAspect="1" noMove="1" noResize="1" noEditPoints="1" noAdjustHandles="1" noChangeArrowheads="1" noChangeShapeType="1" noTextEdit="1"/>
+              </p:cNvSpPr>
+              <p:nvPr/>
+            </p:nvSpPr>
+            <p:spPr>
+              <a:xfrm>
+                <a:off x="11985623" y="4039801"/>
+                <a:ext cx="324733" cy="400110"/>
+              </a:xfrm>
+              <a:prstGeom prst="rect">
+                <a:avLst/>
+              </a:prstGeom>
+              <a:blipFill>
+                <a:blip r:embed="rId6"/>
+                <a:stretch>
+                  <a:fillRect r="-30189" b="-6154"/>
+                </a:stretch>
+              </a:blipFill>
+            </p:spPr>
+            <p:txBody>
+              <a:bodyPr/>
+              <a:lstStyle/>
+              <a:p>
+                <a:r>
+                  <a:rPr lang="zh-CN" altLang="en-US">
+                    <a:noFill/>
+                  </a:rPr>
+                  <a:t> </a:t>
+                </a:r>
+              </a:p>
+            </p:txBody>
+          </p:sp>
+        </mc:Fallback>
+      </mc:AlternateContent>
+      <mc:AlternateContent xmlns:mc="http://schemas.openxmlformats.org/markup-compatibility/2006">
+        <mc:Choice xmlns:a14="http://schemas.microsoft.com/office/drawing/2010/main" Requires="a14">
+          <p:sp>
+            <p:nvSpPr>
+              <p:cNvPr id="135" name="文本框 134">
+                <a:extLst>
+                  <a:ext uri="{FF2B5EF4-FFF2-40B4-BE49-F238E27FC236}">
+                    <a16:creationId xmlns:a16="http://schemas.microsoft.com/office/drawing/2014/main" id="{D8CF5C2C-3F96-A2D7-A169-5D19AB24E294}"/>
+                  </a:ext>
+                </a:extLst>
+              </p:cNvPr>
+              <p:cNvSpPr txBox="1"/>
+              <p:nvPr/>
+            </p:nvSpPr>
+            <p:spPr>
+              <a:xfrm>
+                <a:off x="12687605" y="4037363"/>
+                <a:ext cx="376389" cy="400110"/>
+              </a:xfrm>
+              <a:prstGeom prst="rect">
+                <a:avLst/>
+              </a:prstGeom>
+              <a:noFill/>
+            </p:spPr>
+            <p:txBody>
+              <a:bodyPr wrap="square">
+                <a:spAutoFit/>
+              </a:bodyPr>
+              <a:lstStyle/>
+              <a:p>
+                <a:pPr/>
+                <a14:m>
+                  <m:oMathPara xmlns:m="http://schemas.openxmlformats.org/officeDocument/2006/math">
+                    <m:oMathParaPr>
+                      <m:jc m:val="centerGroup"/>
+                    </m:oMathParaPr>
+                    <m:oMath xmlns:m="http://schemas.openxmlformats.org/officeDocument/2006/math">
+                      <m:sSub>
+                        <m:sSubPr>
+                          <m:ctrlPr>
+                            <a:rPr lang="en-US" altLang="zh-CN" sz="2000" b="1" i="1" smtClean="0">
+                              <a:latin typeface="Cambria Math" panose="02040503050406030204" pitchFamily="18" charset="0"/>
+                            </a:rPr>
+                          </m:ctrlPr>
+                        </m:sSubPr>
+                        <m:e>
+                          <m:r>
+                            <a:rPr lang="zh-CN" altLang="en-US" sz="2000" b="1" i="1" smtClean="0">
+                              <a:latin typeface="Cambria Math" panose="02040503050406030204" pitchFamily="18" charset="0"/>
+                            </a:rPr>
+                            <m:t>𝜷</m:t>
+                          </m:r>
+                        </m:e>
+                        <m:sub>
+                          <m:r>
+                            <a:rPr lang="en-US" altLang="zh-CN" sz="2000" b="1" i="1" smtClean="0">
+                              <a:latin typeface="Cambria Math" panose="02040503050406030204" pitchFamily="18" charset="0"/>
+                            </a:rPr>
+                            <m:t>𝟐</m:t>
+                          </m:r>
+                        </m:sub>
+                      </m:sSub>
+                    </m:oMath>
+                  </m:oMathPara>
+                </a14:m>
+                <a:endParaRPr lang="zh-CN" altLang="en-US" b="1" dirty="0"/>
+              </a:p>
+            </p:txBody>
+          </p:sp>
+        </mc:Choice>
+        <mc:Fallback>
+          <p:sp>
+            <p:nvSpPr>
+              <p:cNvPr id="135" name="文本框 134">
+                <a:extLst>
+                  <a:ext uri="{FF2B5EF4-FFF2-40B4-BE49-F238E27FC236}">
+                    <a16:creationId xmlns:a16="http://schemas.microsoft.com/office/drawing/2014/main" id="{D8CF5C2C-3F96-A2D7-A169-5D19AB24E294}"/>
+                  </a:ext>
+                </a:extLst>
+              </p:cNvPr>
+              <p:cNvSpPr txBox="1">
+                <a:spLocks noRot="1" noChangeAspect="1" noMove="1" noResize="1" noEditPoints="1" noAdjustHandles="1" noChangeArrowheads="1" noChangeShapeType="1" noTextEdit="1"/>
+              </p:cNvSpPr>
+              <p:nvPr/>
+            </p:nvSpPr>
+            <p:spPr>
+              <a:xfrm>
+                <a:off x="12687605" y="4037363"/>
+                <a:ext cx="376389" cy="400110"/>
+              </a:xfrm>
+              <a:prstGeom prst="rect">
+                <a:avLst/>
+              </a:prstGeom>
+              <a:blipFill>
+                <a:blip r:embed="rId7"/>
+                <a:stretch>
+                  <a:fillRect l="-6452" r="-16129" b="-13636"/>
+                </a:stretch>
+              </a:blipFill>
+            </p:spPr>
+            <p:txBody>
+              <a:bodyPr/>
+              <a:lstStyle/>
+              <a:p>
+                <a:r>
+                  <a:rPr lang="zh-CN" altLang="en-US">
+                    <a:noFill/>
+                  </a:rPr>
+                  <a:t> </a:t>
+                </a:r>
+              </a:p>
+            </p:txBody>
+          </p:sp>
+        </mc:Fallback>
+      </mc:AlternateContent>
+      <p:sp>
+        <p:nvSpPr>
+          <p:cNvPr id="136" name="矩形: 圆角 135">
+            <a:extLst>
+              <a:ext uri="{FF2B5EF4-FFF2-40B4-BE49-F238E27FC236}">
+                <a16:creationId xmlns:a16="http://schemas.microsoft.com/office/drawing/2014/main" id="{587D2582-7466-ED78-272C-D9B98CA8ADAD}"/>
+              </a:ext>
+            </a:extLst>
+          </p:cNvPr>
+          <p:cNvSpPr/>
+          <p:nvPr/>
+        </p:nvSpPr>
+        <p:spPr>
+          <a:xfrm>
+            <a:off x="16237788" y="3965479"/>
+            <a:ext cx="376389" cy="571508"/>
+          </a:xfrm>
+          <a:prstGeom prst="roundRect">
+            <a:avLst>
+              <a:gd name="adj" fmla="val 0"/>
+            </a:avLst>
+          </a:prstGeom>
+          <a:noFill/>
+          <a:ln>
+            <a:solidFill>
+              <a:schemeClr val="tx1"/>
+            </a:solidFill>
+          </a:ln>
+        </p:spPr>
+        <p:style>
+          <a:lnRef idx="2">
+            <a:schemeClr val="accent1">
+              <a:shade val="15000"/>
+            </a:schemeClr>
+          </a:lnRef>
+          <a:fillRef idx="1">
+            <a:schemeClr val="accent1"/>
+          </a:fillRef>
+          <a:effectRef idx="0">
+            <a:schemeClr val="accent1"/>
+          </a:effectRef>
+          <a:fontRef idx="minor">
+            <a:schemeClr val="lt1"/>
+          </a:fontRef>
+        </p:style>
+        <p:txBody>
+          <a:bodyPr rtlCol="0" anchor="ctr"/>
+          <a:lstStyle/>
+          <a:p>
+            <a:pPr algn="ctr"/>
+            <a:endParaRPr lang="zh-CN" altLang="en-US" sz="3189"/>
+          </a:p>
+        </p:txBody>
+      </p:sp>
+      <mc:AlternateContent xmlns:mc="http://schemas.openxmlformats.org/markup-compatibility/2006">
+        <mc:Choice xmlns:a14="http://schemas.microsoft.com/office/drawing/2010/main" Requires="a14">
+          <p:sp>
+            <p:nvSpPr>
+              <p:cNvPr id="137" name="文本框 136">
+                <a:extLst>
+                  <a:ext uri="{FF2B5EF4-FFF2-40B4-BE49-F238E27FC236}">
+                    <a16:creationId xmlns:a16="http://schemas.microsoft.com/office/drawing/2014/main" id="{D1461769-47A0-AD19-2C9B-365A6B5968C7}"/>
+                  </a:ext>
+                </a:extLst>
+              </p:cNvPr>
+              <p:cNvSpPr txBox="1"/>
+              <p:nvPr/>
+            </p:nvSpPr>
+            <p:spPr>
+              <a:xfrm>
+                <a:off x="16212388" y="4037363"/>
+                <a:ext cx="376389" cy="400110"/>
+              </a:xfrm>
+              <a:prstGeom prst="rect">
+                <a:avLst/>
+              </a:prstGeom>
+              <a:noFill/>
+            </p:spPr>
+            <p:txBody>
+              <a:bodyPr wrap="square">
+                <a:spAutoFit/>
+              </a:bodyPr>
+              <a:lstStyle/>
+              <a:p>
+                <a:pPr/>
+                <a14:m>
+                  <m:oMathPara xmlns:m="http://schemas.openxmlformats.org/officeDocument/2006/math">
+                    <m:oMathParaPr>
+                      <m:jc m:val="centerGroup"/>
+                    </m:oMathParaPr>
+                    <m:oMath xmlns:m="http://schemas.openxmlformats.org/officeDocument/2006/math">
+                      <m:sSub>
+                        <m:sSubPr>
+                          <m:ctrlPr>
+                            <a:rPr lang="en-US" altLang="zh-CN" sz="2000" b="1" i="1" smtClean="0">
+                              <a:latin typeface="Cambria Math" panose="02040503050406030204" pitchFamily="18" charset="0"/>
+                            </a:rPr>
+                          </m:ctrlPr>
+                        </m:sSubPr>
+                        <m:e>
+                          <m:r>
+                            <a:rPr lang="en-US" altLang="zh-CN" sz="2000" b="1" i="1" smtClean="0">
+                              <a:latin typeface="Cambria Math" panose="02040503050406030204" pitchFamily="18" charset="0"/>
+                            </a:rPr>
+                            <m:t>𝒈</m:t>
+                          </m:r>
+                        </m:e>
+                        <m:sub>
+                          <m:r>
+                            <a:rPr lang="en-US" altLang="zh-CN" sz="2000" b="1" i="1" smtClean="0">
+                              <a:latin typeface="Cambria Math" panose="02040503050406030204" pitchFamily="18" charset="0"/>
+                            </a:rPr>
+                            <m:t>𝟐</m:t>
+                          </m:r>
+                        </m:sub>
+                      </m:sSub>
+                    </m:oMath>
+                  </m:oMathPara>
+                </a14:m>
+                <a:endParaRPr lang="zh-CN" altLang="en-US" b="1" dirty="0"/>
+              </a:p>
+            </p:txBody>
+          </p:sp>
+        </mc:Choice>
+        <mc:Fallback>
+          <p:sp>
+            <p:nvSpPr>
+              <p:cNvPr id="137" name="文本框 136">
+                <a:extLst>
+                  <a:ext uri="{FF2B5EF4-FFF2-40B4-BE49-F238E27FC236}">
+                    <a16:creationId xmlns:a16="http://schemas.microsoft.com/office/drawing/2014/main" id="{D1461769-47A0-AD19-2C9B-365A6B5968C7}"/>
+                  </a:ext>
+                </a:extLst>
+              </p:cNvPr>
+              <p:cNvSpPr txBox="1">
+                <a:spLocks noRot="1" noChangeAspect="1" noMove="1" noResize="1" noEditPoints="1" noAdjustHandles="1" noChangeArrowheads="1" noChangeShapeType="1" noTextEdit="1"/>
+              </p:cNvSpPr>
+              <p:nvPr/>
+            </p:nvSpPr>
+            <p:spPr>
+              <a:xfrm>
+                <a:off x="16212388" y="4037363"/>
+                <a:ext cx="376389" cy="400110"/>
+              </a:xfrm>
+              <a:prstGeom prst="rect">
+                <a:avLst/>
+              </a:prstGeom>
+              <a:blipFill>
+                <a:blip r:embed="rId8"/>
+                <a:stretch>
+                  <a:fillRect l="-1639" r="-16393" b="-7576"/>
+                </a:stretch>
+              </a:blipFill>
+            </p:spPr>
+            <p:txBody>
+              <a:bodyPr/>
+              <a:lstStyle/>
+              <a:p>
+                <a:r>
+                  <a:rPr lang="zh-CN" altLang="en-US">
+                    <a:noFill/>
+                  </a:rPr>
+                  <a:t> </a:t>
+                </a:r>
+              </a:p>
+            </p:txBody>
+          </p:sp>
+        </mc:Fallback>
+      </mc:AlternateContent>
+      <p:cxnSp>
+        <p:nvCxnSpPr>
+          <p:cNvPr id="138" name="直接箭头连接符 137">
+            <a:extLst>
+              <a:ext uri="{FF2B5EF4-FFF2-40B4-BE49-F238E27FC236}">
+                <a16:creationId xmlns:a16="http://schemas.microsoft.com/office/drawing/2014/main" id="{CD575E1D-3D33-31FE-0D46-189C56757150}"/>
+              </a:ext>
+            </a:extLst>
+          </p:cNvPr>
+          <p:cNvCxnSpPr>
+            <a:cxnSpLocks/>
+            <a:stCxn id="120" idx="0"/>
+            <a:endCxn id="136" idx="2"/>
+          </p:cNvCxnSpPr>
+          <p:nvPr/>
+        </p:nvCxnSpPr>
+        <p:spPr>
+          <a:xfrm flipV="1">
+            <a:off x="13036193" y="4536987"/>
+            <a:ext cx="3389790" cy="492474"/>
+          </a:xfrm>
+          <a:prstGeom prst="straightConnector1">
+            <a:avLst/>
+          </a:prstGeom>
+          <a:ln w="12700">
+            <a:tailEnd type="triangle"/>
+          </a:ln>
+        </p:spPr>
+        <p:style>
+          <a:lnRef idx="2">
+            <a:schemeClr val="accent1"/>
+          </a:lnRef>
+          <a:fillRef idx="0">
+            <a:schemeClr val="accent1"/>
+          </a:fillRef>
+          <a:effectRef idx="1">
+            <a:schemeClr val="accent1"/>
+          </a:effectRef>
+          <a:fontRef idx="minor">
+            <a:schemeClr val="tx1"/>
+          </a:fontRef>
+        </p:style>
+      </p:cxnSp>
+      <p:cxnSp>
+        <p:nvCxnSpPr>
+          <p:cNvPr id="139" name="直接箭头连接符 138">
+            <a:extLst>
+              <a:ext uri="{FF2B5EF4-FFF2-40B4-BE49-F238E27FC236}">
+                <a16:creationId xmlns:a16="http://schemas.microsoft.com/office/drawing/2014/main" id="{51277CAC-BA45-8384-D785-D7DF57EA238E}"/>
+              </a:ext>
+            </a:extLst>
+          </p:cNvPr>
+          <p:cNvCxnSpPr>
+            <a:cxnSpLocks/>
+          </p:cNvCxnSpPr>
+          <p:nvPr/>
+        </p:nvCxnSpPr>
+        <p:spPr>
+          <a:xfrm flipV="1">
+            <a:off x="12164766" y="2604756"/>
+            <a:ext cx="0" cy="1360722"/>
+          </a:xfrm>
+          <a:prstGeom prst="straightConnector1">
+            <a:avLst/>
+          </a:prstGeom>
+          <a:ln w="12700">
+            <a:tailEnd type="triangle"/>
+          </a:ln>
+        </p:spPr>
+        <p:style>
+          <a:lnRef idx="2">
+            <a:schemeClr val="accent1"/>
+          </a:lnRef>
+          <a:fillRef idx="0">
+            <a:schemeClr val="accent1"/>
+          </a:fillRef>
+          <a:effectRef idx="1">
+            <a:schemeClr val="accent1"/>
+          </a:effectRef>
+          <a:fontRef idx="minor">
+            <a:schemeClr val="tx1"/>
+          </a:fontRef>
+        </p:style>
+      </p:cxnSp>
+      <p:cxnSp>
+        <p:nvCxnSpPr>
+          <p:cNvPr id="140" name="直接箭头连接符 139">
+            <a:extLst>
+              <a:ext uri="{FF2B5EF4-FFF2-40B4-BE49-F238E27FC236}">
+                <a16:creationId xmlns:a16="http://schemas.microsoft.com/office/drawing/2014/main" id="{6A81C17E-A106-2F07-65CA-14BD05482895}"/>
+              </a:ext>
+            </a:extLst>
+          </p:cNvPr>
+          <p:cNvCxnSpPr>
+            <a:cxnSpLocks/>
+          </p:cNvCxnSpPr>
+          <p:nvPr/>
+        </p:nvCxnSpPr>
+        <p:spPr>
+          <a:xfrm flipV="1">
+            <a:off x="12912092" y="2588295"/>
+            <a:ext cx="0" cy="1360722"/>
+          </a:xfrm>
+          <a:prstGeom prst="straightConnector1">
+            <a:avLst/>
+          </a:prstGeom>
+          <a:ln w="12700">
+            <a:tailEnd type="triangle"/>
+          </a:ln>
+        </p:spPr>
+        <p:style>
+          <a:lnRef idx="2">
+            <a:schemeClr val="accent1"/>
+          </a:lnRef>
+          <a:fillRef idx="0">
+            <a:schemeClr val="accent1"/>
+          </a:fillRef>
+          <a:effectRef idx="1">
+            <a:schemeClr val="accent1"/>
+          </a:effectRef>
+          <a:fontRef idx="minor">
+            <a:schemeClr val="tx1"/>
+          </a:fontRef>
+        </p:style>
+      </p:cxnSp>
+      <p:cxnSp>
+        <p:nvCxnSpPr>
+          <p:cNvPr id="141" name="直接箭头连接符 140">
+            <a:extLst>
+              <a:ext uri="{FF2B5EF4-FFF2-40B4-BE49-F238E27FC236}">
+                <a16:creationId xmlns:a16="http://schemas.microsoft.com/office/drawing/2014/main" id="{20190BEB-9A28-2595-101A-7E5D8B252484}"/>
+              </a:ext>
+            </a:extLst>
+          </p:cNvPr>
+          <p:cNvCxnSpPr>
+            <a:cxnSpLocks/>
+          </p:cNvCxnSpPr>
+          <p:nvPr/>
+        </p:nvCxnSpPr>
+        <p:spPr>
+          <a:xfrm flipV="1">
+            <a:off x="16474597" y="2612781"/>
+            <a:ext cx="0" cy="1360722"/>
+          </a:xfrm>
+          <a:prstGeom prst="straightConnector1">
+            <a:avLst/>
+          </a:prstGeom>
+          <a:ln w="12700">
+            <a:tailEnd type="triangle"/>
+          </a:ln>
+        </p:spPr>
+        <p:style>
+          <a:lnRef idx="2">
+            <a:schemeClr val="accent1"/>
+          </a:lnRef>
+          <a:fillRef idx="0">
+            <a:schemeClr val="accent1"/>
+          </a:fillRef>
+          <a:effectRef idx="1">
+            <a:schemeClr val="accent1"/>
+          </a:effectRef>
+          <a:fontRef idx="minor">
+            <a:schemeClr val="tx1"/>
+          </a:fontRef>
+        </p:style>
+      </p:cxnSp>
+      <p:sp>
+        <p:nvSpPr>
+          <p:cNvPr id="142" name="文本框 141">
+            <a:extLst>
+              <a:ext uri="{FF2B5EF4-FFF2-40B4-BE49-F238E27FC236}">
+                <a16:creationId xmlns:a16="http://schemas.microsoft.com/office/drawing/2014/main" id="{8205A74C-0E24-7DAA-4805-A7BA7342710B}"/>
+              </a:ext>
+            </a:extLst>
+          </p:cNvPr>
+          <p:cNvSpPr txBox="1"/>
+          <p:nvPr/>
+        </p:nvSpPr>
+        <p:spPr>
+          <a:xfrm>
+            <a:off x="6352534" y="1862855"/>
+            <a:ext cx="351378" cy="338554"/>
+          </a:xfrm>
+          <a:prstGeom prst="rect">
+            <a:avLst/>
+          </a:prstGeom>
+          <a:noFill/>
+        </p:spPr>
+        <p:txBody>
+          <a:bodyPr wrap="none" rtlCol="0">
+            <a:spAutoFit/>
+          </a:bodyPr>
+          <a:lstStyle/>
+          <a:p>
+            <a:r>
+              <a:rPr lang="en-US" altLang="zh-CN" sz="1600" dirty="0">
+                <a:latin typeface="微软雅黑" panose="020B0503020204020204" pitchFamily="34" charset="-122"/>
+                <a:ea typeface="微软雅黑" panose="020B0503020204020204" pitchFamily="34" charset="-122"/>
+              </a:rPr>
+              <a:t>Q</a:t>
+            </a:r>
+            <a:endParaRPr lang="zh-CN" altLang="en-US" sz="2000" dirty="0">
+              <a:latin typeface="微软雅黑" panose="020B0503020204020204" pitchFamily="34" charset="-122"/>
+              <a:ea typeface="微软雅黑" panose="020B0503020204020204" pitchFamily="34" charset="-122"/>
+            </a:endParaRPr>
+          </a:p>
+        </p:txBody>
+      </p:sp>
+      <p:sp>
+        <p:nvSpPr>
+          <p:cNvPr id="143" name="文本框 142">
+            <a:extLst>
+              <a:ext uri="{FF2B5EF4-FFF2-40B4-BE49-F238E27FC236}">
+                <a16:creationId xmlns:a16="http://schemas.microsoft.com/office/drawing/2014/main" id="{6052E4A3-A60A-243B-1B17-89C52144A5EB}"/>
+              </a:ext>
+            </a:extLst>
+          </p:cNvPr>
+          <p:cNvSpPr txBox="1"/>
+          <p:nvPr/>
+        </p:nvSpPr>
+        <p:spPr>
+          <a:xfrm>
+            <a:off x="6381422" y="2440339"/>
+            <a:ext cx="314510" cy="338554"/>
+          </a:xfrm>
+          <a:prstGeom prst="rect">
+            <a:avLst/>
+          </a:prstGeom>
+          <a:noFill/>
+        </p:spPr>
+        <p:txBody>
+          <a:bodyPr wrap="none" rtlCol="0">
+            <a:spAutoFit/>
+          </a:bodyPr>
+          <a:lstStyle/>
+          <a:p>
+            <a:r>
+              <a:rPr lang="en-US" altLang="zh-CN" sz="1600" dirty="0">
+                <a:latin typeface="微软雅黑" panose="020B0503020204020204" pitchFamily="34" charset="-122"/>
+                <a:ea typeface="微软雅黑" panose="020B0503020204020204" pitchFamily="34" charset="-122"/>
+              </a:rPr>
+              <a:t>K</a:t>
+            </a:r>
+            <a:endParaRPr lang="zh-CN" altLang="en-US" sz="2000" dirty="0">
+              <a:latin typeface="微软雅黑" panose="020B0503020204020204" pitchFamily="34" charset="-122"/>
+              <a:ea typeface="微软雅黑" panose="020B0503020204020204" pitchFamily="34" charset="-122"/>
+            </a:endParaRPr>
+          </a:p>
+        </p:txBody>
+      </p:sp>
+      <p:sp>
+        <p:nvSpPr>
+          <p:cNvPr id="144" name="文本框 143">
+            <a:extLst>
+              <a:ext uri="{FF2B5EF4-FFF2-40B4-BE49-F238E27FC236}">
+                <a16:creationId xmlns:a16="http://schemas.microsoft.com/office/drawing/2014/main" id="{433692E6-227A-8059-49C9-72C300E18B0B}"/>
+              </a:ext>
+            </a:extLst>
+          </p:cNvPr>
+          <p:cNvSpPr txBox="1"/>
+          <p:nvPr/>
+        </p:nvSpPr>
+        <p:spPr>
+          <a:xfrm>
+            <a:off x="6354423" y="2965863"/>
+            <a:ext cx="324128" cy="338554"/>
+          </a:xfrm>
+          <a:prstGeom prst="rect">
+            <a:avLst/>
+          </a:prstGeom>
+          <a:noFill/>
+        </p:spPr>
+        <p:txBody>
+          <a:bodyPr wrap="none" rtlCol="0">
+            <a:spAutoFit/>
+          </a:bodyPr>
+          <a:lstStyle/>
+          <a:p>
+            <a:r>
+              <a:rPr lang="en-US" altLang="zh-CN" sz="1600" dirty="0">
+                <a:latin typeface="微软雅黑" panose="020B0503020204020204" pitchFamily="34" charset="-122"/>
+                <a:ea typeface="微软雅黑" panose="020B0503020204020204" pitchFamily="34" charset="-122"/>
+              </a:rPr>
+              <a:t>V</a:t>
+            </a:r>
+            <a:endParaRPr lang="zh-CN" altLang="en-US" sz="2000" dirty="0">
+              <a:latin typeface="微软雅黑" panose="020B0503020204020204" pitchFamily="34" charset="-122"/>
+              <a:ea typeface="微软雅黑" panose="020B0503020204020204" pitchFamily="34" charset="-122"/>
+            </a:endParaRPr>
+          </a:p>
+        </p:txBody>
+      </p:sp>
+      <mc:AlternateContent xmlns:mc="http://schemas.openxmlformats.org/markup-compatibility/2006">
+        <mc:Choice xmlns:a14="http://schemas.microsoft.com/office/drawing/2010/main" Requires="a14">
+          <p:sp>
+            <p:nvSpPr>
+              <p:cNvPr id="145" name="文本框 144">
+                <a:extLst>
+                  <a:ext uri="{FF2B5EF4-FFF2-40B4-BE49-F238E27FC236}">
+                    <a16:creationId xmlns:a16="http://schemas.microsoft.com/office/drawing/2014/main" id="{1DA3ED04-7437-CF4F-7BCF-1497162CD22C}"/>
+                  </a:ext>
+                </a:extLst>
+              </p:cNvPr>
+              <p:cNvSpPr txBox="1"/>
+              <p:nvPr/>
+            </p:nvSpPr>
+            <p:spPr>
+              <a:xfrm>
+                <a:off x="18717136" y="2397434"/>
+                <a:ext cx="392030" cy="430887"/>
+              </a:xfrm>
+              <a:prstGeom prst="rect">
+                <a:avLst/>
+              </a:prstGeom>
+              <a:noFill/>
+            </p:spPr>
+            <p:txBody>
+              <a:bodyPr wrap="none" lIns="0" tIns="0" rIns="0" bIns="0" rtlCol="0">
+                <a:spAutoFit/>
+              </a:bodyPr>
+              <a:lstStyle/>
+              <a:p>
+                <a:pPr/>
+                <a14:m>
+                  <m:oMathPara xmlns:m="http://schemas.openxmlformats.org/officeDocument/2006/math">
+                    <m:oMathParaPr>
+                      <m:jc m:val="centerGroup"/>
+                    </m:oMathParaPr>
+                    <m:oMath xmlns:m="http://schemas.openxmlformats.org/officeDocument/2006/math">
+                      <m:sSup>
+                        <m:sSupPr>
+                          <m:ctrlPr>
+                            <a:rPr lang="en-US" altLang="zh-CN" sz="2800" b="0" i="1" smtClean="0">
+                              <a:latin typeface="Cambria Math" panose="02040503050406030204" pitchFamily="18" charset="0"/>
+                            </a:rPr>
+                          </m:ctrlPr>
+                        </m:sSupPr>
+                        <m:e>
+                          <m:r>
+                            <a:rPr lang="en-US" altLang="zh-CN" sz="2800" b="0" i="1" smtClean="0">
+                              <a:latin typeface="Cambria Math" panose="02040503050406030204" pitchFamily="18" charset="0"/>
+                            </a:rPr>
+                            <m:t>𝑥</m:t>
+                          </m:r>
+                        </m:e>
+                        <m:sup>
+                          <m:r>
+                            <a:rPr lang="en-US" altLang="zh-CN" sz="2800" b="0" i="1" smtClean="0">
+                              <a:latin typeface="Cambria Math" panose="02040503050406030204" pitchFamily="18" charset="0"/>
+                            </a:rPr>
+                            <m:t>′</m:t>
+                          </m:r>
+                        </m:sup>
+                      </m:sSup>
+                    </m:oMath>
+                  </m:oMathPara>
+                </a14:m>
+                <a:endParaRPr lang="zh-CN" altLang="en-US" dirty="0"/>
+              </a:p>
+            </p:txBody>
+          </p:sp>
+        </mc:Choice>
+        <mc:Fallback>
+          <p:sp>
+            <p:nvSpPr>
+              <p:cNvPr id="145" name="文本框 144">
+                <a:extLst>
+                  <a:ext uri="{FF2B5EF4-FFF2-40B4-BE49-F238E27FC236}">
+                    <a16:creationId xmlns:a16="http://schemas.microsoft.com/office/drawing/2014/main" id="{1DA3ED04-7437-CF4F-7BCF-1497162CD22C}"/>
+                  </a:ext>
+                </a:extLst>
+              </p:cNvPr>
+              <p:cNvSpPr txBox="1">
+                <a:spLocks noRot="1" noChangeAspect="1" noMove="1" noResize="1" noEditPoints="1" noAdjustHandles="1" noChangeArrowheads="1" noChangeShapeType="1" noTextEdit="1"/>
+              </p:cNvSpPr>
+              <p:nvPr/>
+            </p:nvSpPr>
+            <p:spPr>
+              <a:xfrm>
+                <a:off x="18717136" y="2397434"/>
+                <a:ext cx="392030" cy="430887"/>
+              </a:xfrm>
+              <a:prstGeom prst="rect">
+                <a:avLst/>
+              </a:prstGeom>
+              <a:blipFill>
+                <a:blip r:embed="rId9"/>
+                <a:stretch>
+                  <a:fillRect/>
+                </a:stretch>
+              </a:blipFill>
+            </p:spPr>
+            <p:txBody>
+              <a:bodyPr/>
+              <a:lstStyle/>
+              <a:p>
+                <a:r>
+                  <a:rPr lang="zh-CN" altLang="en-US">
+                    <a:noFill/>
+                  </a:rPr>
+                  <a:t> </a:t>
+                </a:r>
+              </a:p>
+            </p:txBody>
+          </p:sp>
+        </mc:Fallback>
+      </mc:AlternateContent>
+      <p:cxnSp>
+        <p:nvCxnSpPr>
+          <p:cNvPr id="146" name="直接箭头连接符 145">
+            <a:extLst>
+              <a:ext uri="{FF2B5EF4-FFF2-40B4-BE49-F238E27FC236}">
+                <a16:creationId xmlns:a16="http://schemas.microsoft.com/office/drawing/2014/main" id="{43114CC1-ECC0-E443-3ADA-7BE3E4F76EFD}"/>
+              </a:ext>
+            </a:extLst>
+          </p:cNvPr>
+          <p:cNvCxnSpPr>
+            <a:cxnSpLocks/>
+            <a:endCxn id="145" idx="1"/>
+          </p:cNvCxnSpPr>
+          <p:nvPr/>
+        </p:nvCxnSpPr>
+        <p:spPr>
+          <a:xfrm>
+            <a:off x="17607113" y="2608812"/>
+            <a:ext cx="1110023" cy="4066"/>
+          </a:xfrm>
+          <a:prstGeom prst="straightConnector1">
+            <a:avLst/>
+          </a:prstGeom>
+          <a:ln w="12700">
+            <a:tailEnd type="triangle"/>
+          </a:ln>
+        </p:spPr>
+        <p:style>
+          <a:lnRef idx="2">
+            <a:schemeClr val="accent1"/>
+          </a:lnRef>
+          <a:fillRef idx="0">
+            <a:schemeClr val="accent1"/>
+          </a:fillRef>
+          <a:effectRef idx="1">
+            <a:schemeClr val="accent1"/>
+          </a:effectRef>
+          <a:fontRef idx="minor">
+            <a:schemeClr val="tx1"/>
+          </a:fontRef>
+        </p:style>
+      </p:cxnSp>
+      <mc:AlternateContent xmlns:mc="http://schemas.openxmlformats.org/markup-compatibility/2006">
+        <mc:Choice xmlns:a14="http://schemas.microsoft.com/office/drawing/2010/main" Requires="a14">
+          <p:sp>
+            <p:nvSpPr>
+              <p:cNvPr id="147" name="文本框 146">
+                <a:extLst>
+                  <a:ext uri="{FF2B5EF4-FFF2-40B4-BE49-F238E27FC236}">
+                    <a16:creationId xmlns:a16="http://schemas.microsoft.com/office/drawing/2014/main" id="{25FA8A4D-0081-68AC-31C3-CB752DEC5463}"/>
+                  </a:ext>
+                </a:extLst>
+              </p:cNvPr>
+              <p:cNvSpPr txBox="1"/>
+              <p:nvPr/>
+            </p:nvSpPr>
+            <p:spPr>
+              <a:xfrm>
+                <a:off x="3434352" y="2243270"/>
+                <a:ext cx="276742" cy="276999"/>
+              </a:xfrm>
+              <a:prstGeom prst="rect">
+                <a:avLst/>
+              </a:prstGeom>
+              <a:noFill/>
+            </p:spPr>
+            <p:txBody>
+              <a:bodyPr wrap="none" lIns="0" tIns="0" rIns="0" bIns="0" rtlCol="0">
+                <a:spAutoFit/>
+              </a:bodyPr>
+              <a:lstStyle/>
+              <a:p>
+                <a:pPr/>
+                <a14:m>
+                  <m:oMathPara xmlns:m="http://schemas.openxmlformats.org/officeDocument/2006/math">
+                    <m:oMathParaPr>
+                      <m:jc m:val="centerGroup"/>
+                    </m:oMathParaPr>
+                    <m:oMath xmlns:m="http://schemas.openxmlformats.org/officeDocument/2006/math">
+                      <m:sSub>
+                        <m:sSubPr>
+                          <m:ctrlPr>
+                            <a:rPr lang="en-US" altLang="zh-CN" b="0" i="1" smtClean="0">
+                              <a:latin typeface="Cambria Math" panose="02040503050406030204" pitchFamily="18" charset="0"/>
+                            </a:rPr>
+                          </m:ctrlPr>
+                        </m:sSubPr>
+                        <m:e>
+                          <m:r>
+                            <a:rPr lang="en-US" altLang="zh-CN" b="0" i="1" smtClean="0">
+                              <a:latin typeface="Cambria Math" panose="02040503050406030204" pitchFamily="18" charset="0"/>
+                            </a:rPr>
+                            <m:t>h</m:t>
+                          </m:r>
+                        </m:e>
+                        <m:sub>
+                          <m:r>
+                            <a:rPr lang="en-US" altLang="zh-CN" b="0" i="1" smtClean="0">
+                              <a:latin typeface="Cambria Math" panose="02040503050406030204" pitchFamily="18" charset="0"/>
+                            </a:rPr>
+                            <m:t>1</m:t>
+                          </m:r>
+                        </m:sub>
+                      </m:sSub>
+                    </m:oMath>
+                  </m:oMathPara>
+                </a14:m>
+                <a:endParaRPr lang="zh-CN" altLang="en-US" dirty="0"/>
+              </a:p>
+            </p:txBody>
+          </p:sp>
+        </mc:Choice>
+        <mc:Fallback>
+          <p:sp>
+            <p:nvSpPr>
+              <p:cNvPr id="147" name="文本框 146">
+                <a:extLst>
+                  <a:ext uri="{FF2B5EF4-FFF2-40B4-BE49-F238E27FC236}">
+                    <a16:creationId xmlns:a16="http://schemas.microsoft.com/office/drawing/2014/main" id="{25FA8A4D-0081-68AC-31C3-CB752DEC5463}"/>
+                  </a:ext>
+                </a:extLst>
+              </p:cNvPr>
+              <p:cNvSpPr txBox="1">
+                <a:spLocks noRot="1" noChangeAspect="1" noMove="1" noResize="1" noEditPoints="1" noAdjustHandles="1" noChangeArrowheads="1" noChangeShapeType="1" noTextEdit="1"/>
+              </p:cNvSpPr>
+              <p:nvPr/>
+            </p:nvSpPr>
+            <p:spPr>
+              <a:xfrm>
+                <a:off x="3434352" y="2243270"/>
+                <a:ext cx="276742" cy="276999"/>
+              </a:xfrm>
+              <a:prstGeom prst="rect">
+                <a:avLst/>
+              </a:prstGeom>
+              <a:blipFill>
+                <a:blip r:embed="rId10"/>
+                <a:stretch>
+                  <a:fillRect l="-21739" r="-6522" b="-15556"/>
+                </a:stretch>
+              </a:blipFill>
+            </p:spPr>
+            <p:txBody>
+              <a:bodyPr/>
+              <a:lstStyle/>
+              <a:p>
+                <a:r>
+                  <a:rPr lang="zh-CN" altLang="en-US">
+                    <a:noFill/>
+                  </a:rPr>
+                  <a:t> </a:t>
+                </a:r>
+              </a:p>
+            </p:txBody>
+          </p:sp>
+        </mc:Fallback>
+      </mc:AlternateContent>
+      <mc:AlternateContent xmlns:mc="http://schemas.openxmlformats.org/markup-compatibility/2006">
+        <mc:Choice xmlns:a14="http://schemas.microsoft.com/office/drawing/2010/main" Requires="a14">
+          <p:sp>
+            <p:nvSpPr>
+              <p:cNvPr id="150" name="文本框 149">
+                <a:extLst>
+                  <a:ext uri="{FF2B5EF4-FFF2-40B4-BE49-F238E27FC236}">
+                    <a16:creationId xmlns:a16="http://schemas.microsoft.com/office/drawing/2014/main" id="{5FDDAABD-35FC-2717-D061-024DE8FC139C}"/>
+                  </a:ext>
+                </a:extLst>
+              </p:cNvPr>
+              <p:cNvSpPr txBox="1"/>
+              <p:nvPr/>
+            </p:nvSpPr>
+            <p:spPr>
+              <a:xfrm>
+                <a:off x="4633538" y="2243270"/>
+                <a:ext cx="1590948" cy="276999"/>
+              </a:xfrm>
+              <a:prstGeom prst="rect">
+                <a:avLst/>
+              </a:prstGeom>
+              <a:noFill/>
+            </p:spPr>
+            <p:txBody>
+              <a:bodyPr wrap="none" lIns="0" tIns="0" rIns="0" bIns="0" rtlCol="0">
+                <a:spAutoFit/>
+              </a:bodyPr>
+              <a:lstStyle/>
+              <a:p>
+                <a:pPr/>
+                <a14:m>
+                  <m:oMathPara xmlns:m="http://schemas.openxmlformats.org/officeDocument/2006/math">
+                    <m:oMathParaPr>
+                      <m:jc m:val="centerGroup"/>
+                    </m:oMathParaPr>
+                    <m:oMath xmlns:m="http://schemas.openxmlformats.org/officeDocument/2006/math">
+                      <m:sSub>
+                        <m:sSubPr>
+                          <m:ctrlPr>
+                            <a:rPr lang="en-US" altLang="zh-CN" b="0" i="1" smtClean="0">
+                              <a:latin typeface="Cambria Math" panose="02040503050406030204" pitchFamily="18" charset="0"/>
+                            </a:rPr>
+                          </m:ctrlPr>
+                        </m:sSubPr>
+                        <m:e>
+                          <m:r>
+                            <a:rPr lang="en-US" altLang="zh-CN" b="0" i="1" smtClean="0">
+                              <a:latin typeface="Cambria Math" panose="02040503050406030204" pitchFamily="18" charset="0"/>
+                            </a:rPr>
+                            <m:t>h</m:t>
+                          </m:r>
+                        </m:e>
+                        <m:sub>
+                          <m:r>
+                            <a:rPr lang="en-US" altLang="zh-CN" b="0" i="1" smtClean="0">
+                              <a:latin typeface="Cambria Math" panose="02040503050406030204" pitchFamily="18" charset="0"/>
+                            </a:rPr>
+                            <m:t>1</m:t>
+                          </m:r>
+                        </m:sub>
+                      </m:sSub>
+                      <m:d>
+                        <m:dPr>
+                          <m:ctrlPr>
+                            <a:rPr lang="en-US" altLang="zh-CN" b="0" i="1" smtClean="0">
+                              <a:latin typeface="Cambria Math" panose="02040503050406030204" pitchFamily="18" charset="0"/>
+                            </a:rPr>
+                          </m:ctrlPr>
+                        </m:dPr>
+                        <m:e>
+                          <m:r>
+                            <a:rPr lang="en-US" altLang="zh-CN" b="0" i="1" smtClean="0">
+                              <a:latin typeface="Cambria Math" panose="02040503050406030204" pitchFamily="18" charset="0"/>
+                            </a:rPr>
+                            <m:t>1+</m:t>
+                          </m:r>
+                          <m:sSub>
+                            <m:sSubPr>
+                              <m:ctrlPr>
+                                <a:rPr lang="en-US" altLang="zh-CN" b="0" i="1" smtClean="0">
+                                  <a:latin typeface="Cambria Math" panose="02040503050406030204" pitchFamily="18" charset="0"/>
+                                </a:rPr>
+                              </m:ctrlPr>
+                            </m:sSubPr>
+                            <m:e>
+                              <m:r>
+                                <a:rPr lang="zh-CN" altLang="en-US" b="0" i="1" smtClean="0">
+                                  <a:latin typeface="Cambria Math" panose="02040503050406030204" pitchFamily="18" charset="0"/>
+                                </a:rPr>
+                                <m:t>𝛾</m:t>
+                              </m:r>
+                            </m:e>
+                            <m:sub>
+                              <m:r>
+                                <a:rPr lang="en-US" altLang="zh-CN" b="0" i="1" smtClean="0">
+                                  <a:latin typeface="Cambria Math" panose="02040503050406030204" pitchFamily="18" charset="0"/>
+                                </a:rPr>
+                                <m:t>1</m:t>
+                              </m:r>
+                            </m:sub>
+                          </m:sSub>
+                        </m:e>
+                      </m:d>
+                      <m:r>
+                        <a:rPr lang="en-US" altLang="zh-CN" b="0" i="1" smtClean="0">
+                          <a:latin typeface="Cambria Math" panose="02040503050406030204" pitchFamily="18" charset="0"/>
+                        </a:rPr>
+                        <m:t>+</m:t>
+                      </m:r>
+                      <m:sSub>
+                        <m:sSubPr>
+                          <m:ctrlPr>
+                            <a:rPr lang="en-US" altLang="zh-CN" b="0" i="1" smtClean="0">
+                              <a:latin typeface="Cambria Math" panose="02040503050406030204" pitchFamily="18" charset="0"/>
+                            </a:rPr>
+                          </m:ctrlPr>
+                        </m:sSubPr>
+                        <m:e>
+                          <m:r>
+                            <a:rPr lang="zh-CN" altLang="en-US" b="0" i="1" smtClean="0">
+                              <a:latin typeface="Cambria Math" panose="02040503050406030204" pitchFamily="18" charset="0"/>
+                            </a:rPr>
+                            <m:t>𝛽</m:t>
+                          </m:r>
+                        </m:e>
+                        <m:sub>
+                          <m:r>
+                            <a:rPr lang="en-US" altLang="zh-CN" b="0" i="1" smtClean="0">
+                              <a:latin typeface="Cambria Math" panose="02040503050406030204" pitchFamily="18" charset="0"/>
+                            </a:rPr>
+                            <m:t>1</m:t>
+                          </m:r>
+                        </m:sub>
+                      </m:sSub>
+                    </m:oMath>
+                  </m:oMathPara>
+                </a14:m>
+                <a:endParaRPr lang="zh-CN" altLang="en-US" sz="1600" dirty="0"/>
+              </a:p>
+            </p:txBody>
+          </p:sp>
+        </mc:Choice>
+        <mc:Fallback>
+          <p:sp>
+            <p:nvSpPr>
+              <p:cNvPr id="150" name="文本框 149">
+                <a:extLst>
+                  <a:ext uri="{FF2B5EF4-FFF2-40B4-BE49-F238E27FC236}">
+                    <a16:creationId xmlns:a16="http://schemas.microsoft.com/office/drawing/2014/main" id="{5FDDAABD-35FC-2717-D061-024DE8FC139C}"/>
+                  </a:ext>
+                </a:extLst>
+              </p:cNvPr>
+              <p:cNvSpPr txBox="1">
+                <a:spLocks noRot="1" noChangeAspect="1" noMove="1" noResize="1" noEditPoints="1" noAdjustHandles="1" noChangeArrowheads="1" noChangeShapeType="1" noTextEdit="1"/>
+              </p:cNvSpPr>
+              <p:nvPr/>
+            </p:nvSpPr>
+            <p:spPr>
+              <a:xfrm>
+                <a:off x="4633538" y="2243270"/>
+                <a:ext cx="1590948" cy="276999"/>
+              </a:xfrm>
+              <a:prstGeom prst="rect">
+                <a:avLst/>
+              </a:prstGeom>
+              <a:blipFill>
+                <a:blip r:embed="rId11"/>
+                <a:stretch>
+                  <a:fillRect l="-3448" t="-2222" r="-1149" b="-35556"/>
+                </a:stretch>
+              </a:blipFill>
+            </p:spPr>
+            <p:txBody>
+              <a:bodyPr/>
+              <a:lstStyle/>
+              <a:p>
+                <a:r>
+                  <a:rPr lang="zh-CN" altLang="en-US">
+                    <a:noFill/>
+                  </a:rPr>
+                  <a:t> </a:t>
+                </a:r>
+              </a:p>
+            </p:txBody>
+          </p:sp>
+        </mc:Fallback>
+      </mc:AlternateContent>
+      <mc:AlternateContent xmlns:mc="http://schemas.openxmlformats.org/markup-compatibility/2006">
+        <mc:Choice xmlns:a14="http://schemas.microsoft.com/office/drawing/2010/main" Requires="a14">
+          <p:sp>
+            <p:nvSpPr>
+              <p:cNvPr id="153" name="文本框 152">
+                <a:extLst>
+                  <a:ext uri="{FF2B5EF4-FFF2-40B4-BE49-F238E27FC236}">
+                    <a16:creationId xmlns:a16="http://schemas.microsoft.com/office/drawing/2014/main" id="{A215BF15-B272-E787-ED96-8126B606E027}"/>
+                  </a:ext>
+                </a:extLst>
+              </p:cNvPr>
+              <p:cNvSpPr txBox="1"/>
+              <p:nvPr/>
+            </p:nvSpPr>
+            <p:spPr>
+              <a:xfrm>
+                <a:off x="7985208" y="2228306"/>
+                <a:ext cx="239104" cy="276999"/>
+              </a:xfrm>
+              <a:prstGeom prst="rect">
+                <a:avLst/>
+              </a:prstGeom>
+              <a:noFill/>
+            </p:spPr>
+            <p:txBody>
+              <a:bodyPr wrap="none" lIns="0" tIns="0" rIns="0" bIns="0" rtlCol="0">
+                <a:spAutoFit/>
+              </a:bodyPr>
+              <a:lstStyle/>
+              <a:p>
+                <a:pPr/>
+                <a14:m>
+                  <m:oMathPara xmlns:m="http://schemas.openxmlformats.org/officeDocument/2006/math">
+                    <m:oMathParaPr>
+                      <m:jc m:val="centerGroup"/>
+                    </m:oMathParaPr>
+                    <m:oMath xmlns:m="http://schemas.openxmlformats.org/officeDocument/2006/math">
+                      <m:sSub>
+                        <m:sSubPr>
+                          <m:ctrlPr>
+                            <a:rPr lang="en-US" altLang="zh-CN" b="0" i="1" smtClean="0">
+                              <a:latin typeface="Cambria Math" panose="02040503050406030204" pitchFamily="18" charset="0"/>
+                            </a:rPr>
+                          </m:ctrlPr>
+                        </m:sSubPr>
+                        <m:e>
+                          <m:r>
+                            <a:rPr lang="en-US" altLang="zh-CN" b="0" i="1" smtClean="0">
+                              <a:latin typeface="Cambria Math" panose="02040503050406030204" pitchFamily="18" charset="0"/>
+                            </a:rPr>
+                            <m:t>𝑓</m:t>
+                          </m:r>
+                        </m:e>
+                        <m:sub>
+                          <m:r>
+                            <a:rPr lang="en-US" altLang="zh-CN" b="0" i="1" smtClean="0">
+                              <a:latin typeface="Cambria Math" panose="02040503050406030204" pitchFamily="18" charset="0"/>
+                            </a:rPr>
+                            <m:t>1</m:t>
+                          </m:r>
+                        </m:sub>
+                      </m:sSub>
+                    </m:oMath>
+                  </m:oMathPara>
+                </a14:m>
+                <a:endParaRPr lang="zh-CN" altLang="en-US" dirty="0"/>
+              </a:p>
+            </p:txBody>
+          </p:sp>
+        </mc:Choice>
+        <mc:Fallback>
+          <p:sp>
+            <p:nvSpPr>
+              <p:cNvPr id="153" name="文本框 152">
+                <a:extLst>
+                  <a:ext uri="{FF2B5EF4-FFF2-40B4-BE49-F238E27FC236}">
+                    <a16:creationId xmlns:a16="http://schemas.microsoft.com/office/drawing/2014/main" id="{A215BF15-B272-E787-ED96-8126B606E027}"/>
+                  </a:ext>
+                </a:extLst>
+              </p:cNvPr>
+              <p:cNvSpPr txBox="1">
+                <a:spLocks noRot="1" noChangeAspect="1" noMove="1" noResize="1" noEditPoints="1" noAdjustHandles="1" noChangeArrowheads="1" noChangeShapeType="1" noTextEdit="1"/>
+              </p:cNvSpPr>
+              <p:nvPr/>
+            </p:nvSpPr>
+            <p:spPr>
+              <a:xfrm>
+                <a:off x="7985208" y="2228306"/>
+                <a:ext cx="239104" cy="276999"/>
+              </a:xfrm>
+              <a:prstGeom prst="rect">
+                <a:avLst/>
+              </a:prstGeom>
+              <a:blipFill>
+                <a:blip r:embed="rId12"/>
+                <a:stretch>
+                  <a:fillRect l="-35897" t="-4444" r="-10256" b="-35556"/>
+                </a:stretch>
+              </a:blipFill>
+            </p:spPr>
+            <p:txBody>
+              <a:bodyPr/>
+              <a:lstStyle/>
+              <a:p>
+                <a:r>
+                  <a:rPr lang="zh-CN" altLang="en-US">
+                    <a:noFill/>
+                  </a:rPr>
+                  <a:t> </a:t>
+                </a:r>
+              </a:p>
+            </p:txBody>
+          </p:sp>
+        </mc:Fallback>
+      </mc:AlternateContent>
+      <mc:AlternateContent xmlns:mc="http://schemas.openxmlformats.org/markup-compatibility/2006">
+        <mc:Choice xmlns:a14="http://schemas.microsoft.com/office/drawing/2010/main" Requires="a14">
+          <p:sp>
+            <p:nvSpPr>
+              <p:cNvPr id="155" name="文本框 154">
+                <a:extLst>
+                  <a:ext uri="{FF2B5EF4-FFF2-40B4-BE49-F238E27FC236}">
+                    <a16:creationId xmlns:a16="http://schemas.microsoft.com/office/drawing/2014/main" id="{8365A97B-0DE5-6A24-BFE2-1451CD5821E4}"/>
+                  </a:ext>
+                </a:extLst>
+              </p:cNvPr>
+              <p:cNvSpPr txBox="1"/>
+              <p:nvPr/>
+            </p:nvSpPr>
+            <p:spPr>
+              <a:xfrm>
+                <a:off x="8696037" y="2225912"/>
+                <a:ext cx="612154" cy="276999"/>
+              </a:xfrm>
+              <a:prstGeom prst="rect">
+                <a:avLst/>
+              </a:prstGeom>
+              <a:noFill/>
+            </p:spPr>
+            <p:txBody>
+              <a:bodyPr wrap="none" lIns="0" tIns="0" rIns="0" bIns="0" rtlCol="0">
+                <a:spAutoFit/>
+              </a:bodyPr>
+              <a:lstStyle/>
+              <a:p>
+                <a:pPr/>
+                <a14:m>
+                  <m:oMathPara xmlns:m="http://schemas.openxmlformats.org/officeDocument/2006/math">
+                    <m:oMathParaPr>
+                      <m:jc m:val="centerGroup"/>
+                    </m:oMathParaPr>
+                    <m:oMath xmlns:m="http://schemas.openxmlformats.org/officeDocument/2006/math">
+                      <m:sSub>
+                        <m:sSubPr>
+                          <m:ctrlPr>
+                            <a:rPr lang="en-US" altLang="zh-CN" b="0" i="1" smtClean="0">
+                              <a:latin typeface="Cambria Math" panose="02040503050406030204" pitchFamily="18" charset="0"/>
+                            </a:rPr>
+                          </m:ctrlPr>
+                        </m:sSubPr>
+                        <m:e>
+                          <m:r>
+                            <a:rPr lang="en-US" altLang="zh-CN" b="0" i="1" smtClean="0">
+                              <a:latin typeface="Cambria Math" panose="02040503050406030204" pitchFamily="18" charset="0"/>
+                            </a:rPr>
+                            <m:t>𝑔</m:t>
+                          </m:r>
+                        </m:e>
+                        <m:sub>
+                          <m:r>
+                            <a:rPr lang="en-US" altLang="zh-CN" b="0" i="1" smtClean="0">
+                              <a:latin typeface="Cambria Math" panose="02040503050406030204" pitchFamily="18" charset="0"/>
+                            </a:rPr>
+                            <m:t>1</m:t>
+                          </m:r>
+                        </m:sub>
+                      </m:sSub>
+                      <m:r>
+                        <a:rPr lang="en-US" altLang="zh-CN" b="0" i="1" smtClean="0">
+                          <a:latin typeface="Cambria Math" panose="02040503050406030204" pitchFamily="18" charset="0"/>
+                          <a:ea typeface="Cambria Math" panose="02040503050406030204" pitchFamily="18" charset="0"/>
+                        </a:rPr>
+                        <m:t>° </m:t>
+                      </m:r>
+                      <m:sSub>
+                        <m:sSubPr>
+                          <m:ctrlPr>
+                            <a:rPr lang="en-US" altLang="zh-CN" b="0" i="1" smtClean="0">
+                              <a:latin typeface="Cambria Math" panose="02040503050406030204" pitchFamily="18" charset="0"/>
+                              <a:ea typeface="Cambria Math" panose="02040503050406030204" pitchFamily="18" charset="0"/>
+                            </a:rPr>
+                          </m:ctrlPr>
+                        </m:sSubPr>
+                        <m:e>
+                          <m:r>
+                            <a:rPr lang="en-US" altLang="zh-CN" b="0" i="1" smtClean="0">
+                              <a:latin typeface="Cambria Math" panose="02040503050406030204" pitchFamily="18" charset="0"/>
+                              <a:ea typeface="Cambria Math" panose="02040503050406030204" pitchFamily="18" charset="0"/>
+                            </a:rPr>
+                            <m:t>𝑓</m:t>
+                          </m:r>
+                        </m:e>
+                        <m:sub>
+                          <m:r>
+                            <a:rPr lang="en-US" altLang="zh-CN" b="0" i="1" smtClean="0">
+                              <a:latin typeface="Cambria Math" panose="02040503050406030204" pitchFamily="18" charset="0"/>
+                              <a:ea typeface="Cambria Math" panose="02040503050406030204" pitchFamily="18" charset="0"/>
+                            </a:rPr>
+                            <m:t>1</m:t>
+                          </m:r>
+                        </m:sub>
+                      </m:sSub>
+                    </m:oMath>
+                  </m:oMathPara>
+                </a14:m>
+                <a:endParaRPr lang="zh-CN" altLang="en-US" sz="1600" dirty="0"/>
+              </a:p>
+            </p:txBody>
+          </p:sp>
+        </mc:Choice>
+        <mc:Fallback>
+          <p:sp>
+            <p:nvSpPr>
+              <p:cNvPr id="155" name="文本框 154">
+                <a:extLst>
+                  <a:ext uri="{FF2B5EF4-FFF2-40B4-BE49-F238E27FC236}">
+                    <a16:creationId xmlns:a16="http://schemas.microsoft.com/office/drawing/2014/main" id="{8365A97B-0DE5-6A24-BFE2-1451CD5821E4}"/>
+                  </a:ext>
+                </a:extLst>
+              </p:cNvPr>
+              <p:cNvSpPr txBox="1">
+                <a:spLocks noRot="1" noChangeAspect="1" noMove="1" noResize="1" noEditPoints="1" noAdjustHandles="1" noChangeArrowheads="1" noChangeShapeType="1" noTextEdit="1"/>
+              </p:cNvSpPr>
+              <p:nvPr/>
+            </p:nvSpPr>
+            <p:spPr>
+              <a:xfrm>
+                <a:off x="8696037" y="2225912"/>
+                <a:ext cx="612154" cy="276999"/>
+              </a:xfrm>
+              <a:prstGeom prst="rect">
+                <a:avLst/>
+              </a:prstGeom>
+              <a:blipFill>
+                <a:blip r:embed="rId13"/>
+                <a:stretch>
+                  <a:fillRect l="-10000" t="-2174" r="-4000" b="-32609"/>
+                </a:stretch>
+              </a:blipFill>
+            </p:spPr>
+            <p:txBody>
+              <a:bodyPr/>
+              <a:lstStyle/>
+              <a:p>
+                <a:r>
+                  <a:rPr lang="zh-CN" altLang="en-US">
+                    <a:noFill/>
+                  </a:rPr>
+                  <a:t> </a:t>
+                </a:r>
+              </a:p>
+            </p:txBody>
+          </p:sp>
+        </mc:Fallback>
+      </mc:AlternateContent>
+      <mc:AlternateContent xmlns:mc="http://schemas.openxmlformats.org/markup-compatibility/2006">
+        <mc:Choice xmlns:a14="http://schemas.microsoft.com/office/drawing/2010/main" Requires="a14">
+          <p:sp>
+            <p:nvSpPr>
+              <p:cNvPr id="158" name="文本框 157">
+                <a:extLst>
+                  <a:ext uri="{FF2B5EF4-FFF2-40B4-BE49-F238E27FC236}">
+                    <a16:creationId xmlns:a16="http://schemas.microsoft.com/office/drawing/2014/main" id="{22802FCA-E24D-F38D-CB03-1CF6CAFE539B}"/>
+                  </a:ext>
+                </a:extLst>
+              </p:cNvPr>
+              <p:cNvSpPr txBox="1"/>
+              <p:nvPr/>
+            </p:nvSpPr>
+            <p:spPr>
+              <a:xfrm>
+                <a:off x="11605849" y="2265044"/>
+                <a:ext cx="282065" cy="276999"/>
+              </a:xfrm>
+              <a:prstGeom prst="rect">
+                <a:avLst/>
+              </a:prstGeom>
+              <a:noFill/>
+            </p:spPr>
+            <p:txBody>
+              <a:bodyPr wrap="none" lIns="0" tIns="0" rIns="0" bIns="0" rtlCol="0">
+                <a:spAutoFit/>
+              </a:bodyPr>
+              <a:lstStyle/>
+              <a:p>
+                <a:pPr/>
+                <a14:m>
+                  <m:oMathPara xmlns:m="http://schemas.openxmlformats.org/officeDocument/2006/math">
+                    <m:oMathParaPr>
+                      <m:jc m:val="centerGroup"/>
+                    </m:oMathParaPr>
+                    <m:oMath xmlns:m="http://schemas.openxmlformats.org/officeDocument/2006/math">
+                      <m:sSub>
+                        <m:sSubPr>
+                          <m:ctrlPr>
+                            <a:rPr lang="en-US" altLang="zh-CN" b="0" i="1" smtClean="0">
+                              <a:latin typeface="Cambria Math" panose="02040503050406030204" pitchFamily="18" charset="0"/>
+                            </a:rPr>
+                          </m:ctrlPr>
+                        </m:sSubPr>
+                        <m:e>
+                          <m:r>
+                            <a:rPr lang="en-US" altLang="zh-CN" b="0" i="1" smtClean="0">
+                              <a:latin typeface="Cambria Math" panose="02040503050406030204" pitchFamily="18" charset="0"/>
+                            </a:rPr>
+                            <m:t>h</m:t>
+                          </m:r>
+                        </m:e>
+                        <m:sub>
+                          <m:r>
+                            <a:rPr lang="en-US" altLang="zh-CN" b="0" i="1" smtClean="0">
+                              <a:latin typeface="Cambria Math" panose="02040503050406030204" pitchFamily="18" charset="0"/>
+                            </a:rPr>
+                            <m:t>2</m:t>
+                          </m:r>
+                        </m:sub>
+                      </m:sSub>
+                    </m:oMath>
+                  </m:oMathPara>
+                </a14:m>
+                <a:endParaRPr lang="zh-CN" altLang="en-US" dirty="0"/>
+              </a:p>
+            </p:txBody>
+          </p:sp>
+        </mc:Choice>
+        <mc:Fallback>
+          <p:sp>
+            <p:nvSpPr>
+              <p:cNvPr id="158" name="文本框 157">
+                <a:extLst>
+                  <a:ext uri="{FF2B5EF4-FFF2-40B4-BE49-F238E27FC236}">
+                    <a16:creationId xmlns:a16="http://schemas.microsoft.com/office/drawing/2014/main" id="{22802FCA-E24D-F38D-CB03-1CF6CAFE539B}"/>
+                  </a:ext>
+                </a:extLst>
+              </p:cNvPr>
+              <p:cNvSpPr txBox="1">
+                <a:spLocks noRot="1" noChangeAspect="1" noMove="1" noResize="1" noEditPoints="1" noAdjustHandles="1" noChangeArrowheads="1" noChangeShapeType="1" noTextEdit="1"/>
+              </p:cNvSpPr>
+              <p:nvPr/>
+            </p:nvSpPr>
+            <p:spPr>
+              <a:xfrm>
+                <a:off x="11605849" y="2265044"/>
+                <a:ext cx="282065" cy="276999"/>
+              </a:xfrm>
+              <a:prstGeom prst="rect">
+                <a:avLst/>
+              </a:prstGeom>
+              <a:blipFill>
+                <a:blip r:embed="rId14"/>
+                <a:stretch>
+                  <a:fillRect l="-21739" r="-8696" b="-15556"/>
+                </a:stretch>
+              </a:blipFill>
+            </p:spPr>
+            <p:txBody>
+              <a:bodyPr/>
+              <a:lstStyle/>
+              <a:p>
+                <a:r>
+                  <a:rPr lang="zh-CN" altLang="en-US">
+                    <a:noFill/>
+                  </a:rPr>
+                  <a:t> </a:t>
+                </a:r>
+              </a:p>
+            </p:txBody>
+          </p:sp>
+        </mc:Fallback>
+      </mc:AlternateContent>
+      <mc:AlternateContent xmlns:mc="http://schemas.openxmlformats.org/markup-compatibility/2006">
+        <mc:Choice xmlns:a14="http://schemas.microsoft.com/office/drawing/2010/main" Requires="a14">
+          <p:sp>
+            <p:nvSpPr>
+              <p:cNvPr id="159" name="文本框 158">
+                <a:extLst>
+                  <a:ext uri="{FF2B5EF4-FFF2-40B4-BE49-F238E27FC236}">
+                    <a16:creationId xmlns:a16="http://schemas.microsoft.com/office/drawing/2014/main" id="{16994B7B-D57C-447B-0EED-7D46E70D9810}"/>
+                  </a:ext>
+                </a:extLst>
+              </p:cNvPr>
+              <p:cNvSpPr txBox="1"/>
+              <p:nvPr/>
+            </p:nvSpPr>
+            <p:spPr>
+              <a:xfrm>
+                <a:off x="13117089" y="2265044"/>
+                <a:ext cx="1653979" cy="276999"/>
+              </a:xfrm>
+              <a:prstGeom prst="rect">
+                <a:avLst/>
+              </a:prstGeom>
+              <a:noFill/>
+            </p:spPr>
+            <p:txBody>
+              <a:bodyPr wrap="none" lIns="0" tIns="0" rIns="0" bIns="0" rtlCol="0">
+                <a:spAutoFit/>
+              </a:bodyPr>
+              <a:lstStyle/>
+              <a:p>
+                <a:pPr/>
+                <a14:m>
+                  <m:oMathPara xmlns:m="http://schemas.openxmlformats.org/officeDocument/2006/math">
+                    <m:oMathParaPr>
+                      <m:jc m:val="centerGroup"/>
+                    </m:oMathParaPr>
+                    <m:oMath xmlns:m="http://schemas.openxmlformats.org/officeDocument/2006/math">
+                      <m:sSub>
+                        <m:sSubPr>
+                          <m:ctrlPr>
+                            <a:rPr lang="en-US" altLang="zh-CN" b="0" i="1" smtClean="0">
+                              <a:latin typeface="Cambria Math" panose="02040503050406030204" pitchFamily="18" charset="0"/>
+                            </a:rPr>
+                          </m:ctrlPr>
+                        </m:sSubPr>
+                        <m:e>
+                          <m:r>
+                            <a:rPr lang="en-US" altLang="zh-CN" b="0" i="1" smtClean="0">
+                              <a:latin typeface="Cambria Math" panose="02040503050406030204" pitchFamily="18" charset="0"/>
+                            </a:rPr>
+                            <m:t>h</m:t>
+                          </m:r>
+                        </m:e>
+                        <m:sub>
+                          <m:r>
+                            <a:rPr lang="en-US" altLang="zh-CN" b="0" i="1" smtClean="0">
+                              <a:latin typeface="Cambria Math" panose="02040503050406030204" pitchFamily="18" charset="0"/>
+                            </a:rPr>
+                            <m:t>2</m:t>
+                          </m:r>
+                        </m:sub>
+                      </m:sSub>
+                      <m:d>
+                        <m:dPr>
+                          <m:ctrlPr>
+                            <a:rPr lang="en-US" altLang="zh-CN" b="0" i="1" smtClean="0">
+                              <a:latin typeface="Cambria Math" panose="02040503050406030204" pitchFamily="18" charset="0"/>
+                            </a:rPr>
+                          </m:ctrlPr>
+                        </m:dPr>
+                        <m:e>
+                          <m:r>
+                            <a:rPr lang="en-US" altLang="zh-CN" b="0" i="1" smtClean="0">
+                              <a:latin typeface="Cambria Math" panose="02040503050406030204" pitchFamily="18" charset="0"/>
+                            </a:rPr>
+                            <m:t>1+</m:t>
+                          </m:r>
+                          <m:sSub>
+                            <m:sSubPr>
+                              <m:ctrlPr>
+                                <a:rPr lang="en-US" altLang="zh-CN" b="0" i="1" smtClean="0">
+                                  <a:latin typeface="Cambria Math" panose="02040503050406030204" pitchFamily="18" charset="0"/>
+                                </a:rPr>
+                              </m:ctrlPr>
+                            </m:sSubPr>
+                            <m:e>
+                              <m:r>
+                                <a:rPr lang="zh-CN" altLang="en-US" b="0" i="1" smtClean="0">
+                                  <a:latin typeface="Cambria Math" panose="02040503050406030204" pitchFamily="18" charset="0"/>
+                                </a:rPr>
+                                <m:t>𝛾</m:t>
+                              </m:r>
+                            </m:e>
+                            <m:sub>
+                              <m:r>
+                                <a:rPr lang="en-US" altLang="zh-CN" b="0" i="1" smtClean="0">
+                                  <a:latin typeface="Cambria Math" panose="02040503050406030204" pitchFamily="18" charset="0"/>
+                                </a:rPr>
+                                <m:t>2</m:t>
+                              </m:r>
+                            </m:sub>
+                          </m:sSub>
+                        </m:e>
+                      </m:d>
+                      <m:r>
+                        <a:rPr lang="en-US" altLang="zh-CN" b="0" i="1" smtClean="0">
+                          <a:latin typeface="Cambria Math" panose="02040503050406030204" pitchFamily="18" charset="0"/>
+                        </a:rPr>
+                        <m:t>+</m:t>
+                      </m:r>
+                      <m:sSub>
+                        <m:sSubPr>
+                          <m:ctrlPr>
+                            <a:rPr lang="en-US" altLang="zh-CN" b="0" i="1" smtClean="0">
+                              <a:latin typeface="Cambria Math" panose="02040503050406030204" pitchFamily="18" charset="0"/>
+                            </a:rPr>
+                          </m:ctrlPr>
+                        </m:sSubPr>
+                        <m:e>
+                          <m:r>
+                            <a:rPr lang="zh-CN" altLang="en-US" b="0" i="1" smtClean="0">
+                              <a:latin typeface="Cambria Math" panose="02040503050406030204" pitchFamily="18" charset="0"/>
+                            </a:rPr>
+                            <m:t>𝛽</m:t>
+                          </m:r>
+                        </m:e>
+                        <m:sub>
+                          <m:r>
+                            <a:rPr lang="en-US" altLang="zh-CN" b="0" i="1" smtClean="0">
+                              <a:latin typeface="Cambria Math" panose="02040503050406030204" pitchFamily="18" charset="0"/>
+                            </a:rPr>
+                            <m:t>2</m:t>
+                          </m:r>
+                        </m:sub>
+                      </m:sSub>
+                    </m:oMath>
+                  </m:oMathPara>
+                </a14:m>
+                <a:endParaRPr lang="zh-CN" altLang="en-US" sz="1600" dirty="0"/>
+              </a:p>
+            </p:txBody>
+          </p:sp>
+        </mc:Choice>
+        <mc:Fallback>
+          <p:sp>
+            <p:nvSpPr>
+              <p:cNvPr id="159" name="文本框 158">
+                <a:extLst>
+                  <a:ext uri="{FF2B5EF4-FFF2-40B4-BE49-F238E27FC236}">
+                    <a16:creationId xmlns:a16="http://schemas.microsoft.com/office/drawing/2014/main" id="{16994B7B-D57C-447B-0EED-7D46E70D9810}"/>
+                  </a:ext>
+                </a:extLst>
+              </p:cNvPr>
+              <p:cNvSpPr txBox="1">
+                <a:spLocks noRot="1" noChangeAspect="1" noMove="1" noResize="1" noEditPoints="1" noAdjustHandles="1" noChangeArrowheads="1" noChangeShapeType="1" noTextEdit="1"/>
+              </p:cNvSpPr>
+              <p:nvPr/>
+            </p:nvSpPr>
+            <p:spPr>
+              <a:xfrm>
+                <a:off x="13117089" y="2265044"/>
+                <a:ext cx="1653979" cy="276999"/>
+              </a:xfrm>
+              <a:prstGeom prst="rect">
+                <a:avLst/>
+              </a:prstGeom>
+              <a:blipFill>
+                <a:blip r:embed="rId15"/>
+                <a:stretch>
+                  <a:fillRect l="-1845" t="-4444" b="-35556"/>
+                </a:stretch>
+              </a:blipFill>
+            </p:spPr>
+            <p:txBody>
+              <a:bodyPr/>
+              <a:lstStyle/>
+              <a:p>
+                <a:r>
+                  <a:rPr lang="zh-CN" altLang="en-US">
+                    <a:noFill/>
+                  </a:rPr>
+                  <a:t> </a:t>
+                </a:r>
+              </a:p>
+            </p:txBody>
+          </p:sp>
+        </mc:Fallback>
+      </mc:AlternateContent>
+      <mc:AlternateContent xmlns:mc="http://schemas.openxmlformats.org/markup-compatibility/2006">
+        <mc:Choice xmlns:a14="http://schemas.microsoft.com/office/drawing/2010/main" Requires="a14">
+          <p:sp>
+            <p:nvSpPr>
+              <p:cNvPr id="160" name="文本框 159">
+                <a:extLst>
+                  <a:ext uri="{FF2B5EF4-FFF2-40B4-BE49-F238E27FC236}">
+                    <a16:creationId xmlns:a16="http://schemas.microsoft.com/office/drawing/2014/main" id="{4676BB16-A5C5-F906-D118-31D6CEAA1AA0}"/>
+                  </a:ext>
+                </a:extLst>
+              </p:cNvPr>
+              <p:cNvSpPr txBox="1"/>
+              <p:nvPr/>
+            </p:nvSpPr>
+            <p:spPr>
+              <a:xfrm>
+                <a:off x="15947337" y="2242926"/>
+                <a:ext cx="244426" cy="276999"/>
+              </a:xfrm>
+              <a:prstGeom prst="rect">
+                <a:avLst/>
+              </a:prstGeom>
+              <a:noFill/>
+            </p:spPr>
+            <p:txBody>
+              <a:bodyPr wrap="none" lIns="0" tIns="0" rIns="0" bIns="0" rtlCol="0">
+                <a:spAutoFit/>
+              </a:bodyPr>
+              <a:lstStyle/>
+              <a:p>
+                <a:pPr/>
+                <a14:m>
+                  <m:oMathPara xmlns:m="http://schemas.openxmlformats.org/officeDocument/2006/math">
+                    <m:oMathParaPr>
+                      <m:jc m:val="centerGroup"/>
+                    </m:oMathParaPr>
+                    <m:oMath xmlns:m="http://schemas.openxmlformats.org/officeDocument/2006/math">
+                      <m:sSub>
+                        <m:sSubPr>
+                          <m:ctrlPr>
+                            <a:rPr lang="en-US" altLang="zh-CN" b="0" i="1" smtClean="0">
+                              <a:latin typeface="Cambria Math" panose="02040503050406030204" pitchFamily="18" charset="0"/>
+                            </a:rPr>
+                          </m:ctrlPr>
+                        </m:sSubPr>
+                        <m:e>
+                          <m:r>
+                            <a:rPr lang="en-US" altLang="zh-CN" b="0" i="1" smtClean="0">
+                              <a:latin typeface="Cambria Math" panose="02040503050406030204" pitchFamily="18" charset="0"/>
+                            </a:rPr>
+                            <m:t>𝑓</m:t>
+                          </m:r>
+                        </m:e>
+                        <m:sub>
+                          <m:r>
+                            <a:rPr lang="en-US" altLang="zh-CN" b="0" i="1" smtClean="0">
+                              <a:latin typeface="Cambria Math" panose="02040503050406030204" pitchFamily="18" charset="0"/>
+                            </a:rPr>
+                            <m:t>2</m:t>
+                          </m:r>
+                        </m:sub>
+                      </m:sSub>
+                    </m:oMath>
+                  </m:oMathPara>
+                </a14:m>
+                <a:endParaRPr lang="zh-CN" altLang="en-US" dirty="0"/>
+              </a:p>
+            </p:txBody>
+          </p:sp>
+        </mc:Choice>
+        <mc:Fallback>
+          <p:sp>
+            <p:nvSpPr>
+              <p:cNvPr id="160" name="文本框 159">
+                <a:extLst>
+                  <a:ext uri="{FF2B5EF4-FFF2-40B4-BE49-F238E27FC236}">
+                    <a16:creationId xmlns:a16="http://schemas.microsoft.com/office/drawing/2014/main" id="{4676BB16-A5C5-F906-D118-31D6CEAA1AA0}"/>
+                  </a:ext>
+                </a:extLst>
+              </p:cNvPr>
+              <p:cNvSpPr txBox="1">
+                <a:spLocks noRot="1" noChangeAspect="1" noMove="1" noResize="1" noEditPoints="1" noAdjustHandles="1" noChangeArrowheads="1" noChangeShapeType="1" noTextEdit="1"/>
+              </p:cNvSpPr>
+              <p:nvPr/>
+            </p:nvSpPr>
+            <p:spPr>
+              <a:xfrm>
+                <a:off x="15947337" y="2242926"/>
+                <a:ext cx="244426" cy="276999"/>
+              </a:xfrm>
+              <a:prstGeom prst="rect">
+                <a:avLst/>
+              </a:prstGeom>
+              <a:blipFill>
+                <a:blip r:embed="rId16"/>
+                <a:stretch>
+                  <a:fillRect l="-35000" t="-2222" r="-10000" b="-35556"/>
+                </a:stretch>
+              </a:blipFill>
+            </p:spPr>
+            <p:txBody>
+              <a:bodyPr/>
+              <a:lstStyle/>
+              <a:p>
+                <a:r>
+                  <a:rPr lang="zh-CN" altLang="en-US">
+                    <a:noFill/>
+                  </a:rPr>
+                  <a:t> </a:t>
+                </a:r>
+              </a:p>
+            </p:txBody>
+          </p:sp>
+        </mc:Fallback>
+      </mc:AlternateContent>
+      <mc:AlternateContent xmlns:mc="http://schemas.openxmlformats.org/markup-compatibility/2006">
+        <mc:Choice xmlns:a14="http://schemas.microsoft.com/office/drawing/2010/main" Requires="a14">
+          <p:sp>
+            <p:nvSpPr>
+              <p:cNvPr id="161" name="文本框 160">
+                <a:extLst>
+                  <a:ext uri="{FF2B5EF4-FFF2-40B4-BE49-F238E27FC236}">
+                    <a16:creationId xmlns:a16="http://schemas.microsoft.com/office/drawing/2014/main" id="{76218705-E03B-DD2B-5EE1-7E6C8C61C4E2}"/>
+                  </a:ext>
+                </a:extLst>
+              </p:cNvPr>
+              <p:cNvSpPr txBox="1"/>
+              <p:nvPr/>
+            </p:nvSpPr>
+            <p:spPr>
+              <a:xfrm>
+                <a:off x="16658166" y="2240532"/>
+                <a:ext cx="622799" cy="276999"/>
+              </a:xfrm>
+              <a:prstGeom prst="rect">
+                <a:avLst/>
+              </a:prstGeom>
+              <a:noFill/>
+            </p:spPr>
+            <p:txBody>
+              <a:bodyPr wrap="none" lIns="0" tIns="0" rIns="0" bIns="0" rtlCol="0">
+                <a:spAutoFit/>
+              </a:bodyPr>
+              <a:lstStyle/>
+              <a:p>
+                <a:pPr/>
+                <a14:m>
+                  <m:oMathPara xmlns:m="http://schemas.openxmlformats.org/officeDocument/2006/math">
+                    <m:oMathParaPr>
+                      <m:jc m:val="centerGroup"/>
+                    </m:oMathParaPr>
+                    <m:oMath xmlns:m="http://schemas.openxmlformats.org/officeDocument/2006/math">
+                      <m:sSub>
+                        <m:sSubPr>
+                          <m:ctrlPr>
+                            <a:rPr lang="en-US" altLang="zh-CN" b="0" i="1" smtClean="0">
+                              <a:latin typeface="Cambria Math" panose="02040503050406030204" pitchFamily="18" charset="0"/>
+                            </a:rPr>
+                          </m:ctrlPr>
+                        </m:sSubPr>
+                        <m:e>
+                          <m:r>
+                            <a:rPr lang="en-US" altLang="zh-CN" b="0" i="1" smtClean="0">
+                              <a:latin typeface="Cambria Math" panose="02040503050406030204" pitchFamily="18" charset="0"/>
+                            </a:rPr>
+                            <m:t>𝑔</m:t>
+                          </m:r>
+                        </m:e>
+                        <m:sub>
+                          <m:r>
+                            <a:rPr lang="en-US" altLang="zh-CN" b="0" i="1" smtClean="0">
+                              <a:latin typeface="Cambria Math" panose="02040503050406030204" pitchFamily="18" charset="0"/>
+                            </a:rPr>
+                            <m:t>2</m:t>
+                          </m:r>
+                        </m:sub>
+                      </m:sSub>
+                      <m:r>
+                        <a:rPr lang="en-US" altLang="zh-CN" b="0" i="1" smtClean="0">
+                          <a:latin typeface="Cambria Math" panose="02040503050406030204" pitchFamily="18" charset="0"/>
+                          <a:ea typeface="Cambria Math" panose="02040503050406030204" pitchFamily="18" charset="0"/>
+                        </a:rPr>
+                        <m:t>° </m:t>
+                      </m:r>
+                      <m:sSub>
+                        <m:sSubPr>
+                          <m:ctrlPr>
+                            <a:rPr lang="en-US" altLang="zh-CN" b="0" i="1" smtClean="0">
+                              <a:latin typeface="Cambria Math" panose="02040503050406030204" pitchFamily="18" charset="0"/>
+                              <a:ea typeface="Cambria Math" panose="02040503050406030204" pitchFamily="18" charset="0"/>
+                            </a:rPr>
+                          </m:ctrlPr>
+                        </m:sSubPr>
+                        <m:e>
+                          <m:r>
+                            <a:rPr lang="en-US" altLang="zh-CN" b="0" i="1" smtClean="0">
+                              <a:latin typeface="Cambria Math" panose="02040503050406030204" pitchFamily="18" charset="0"/>
+                              <a:ea typeface="Cambria Math" panose="02040503050406030204" pitchFamily="18" charset="0"/>
+                            </a:rPr>
+                            <m:t>𝑓</m:t>
+                          </m:r>
+                        </m:e>
+                        <m:sub>
+                          <m:r>
+                            <a:rPr lang="en-US" altLang="zh-CN" b="0" i="1" smtClean="0">
+                              <a:latin typeface="Cambria Math" panose="02040503050406030204" pitchFamily="18" charset="0"/>
+                              <a:ea typeface="Cambria Math" panose="02040503050406030204" pitchFamily="18" charset="0"/>
+                            </a:rPr>
+                            <m:t>2</m:t>
+                          </m:r>
+                        </m:sub>
+                      </m:sSub>
+                    </m:oMath>
+                  </m:oMathPara>
+                </a14:m>
+                <a:endParaRPr lang="zh-CN" altLang="en-US" sz="1600" dirty="0"/>
+              </a:p>
+            </p:txBody>
+          </p:sp>
+        </mc:Choice>
+        <mc:Fallback>
+          <p:sp>
+            <p:nvSpPr>
+              <p:cNvPr id="161" name="文本框 160">
+                <a:extLst>
+                  <a:ext uri="{FF2B5EF4-FFF2-40B4-BE49-F238E27FC236}">
+                    <a16:creationId xmlns:a16="http://schemas.microsoft.com/office/drawing/2014/main" id="{76218705-E03B-DD2B-5EE1-7E6C8C61C4E2}"/>
+                  </a:ext>
+                </a:extLst>
+              </p:cNvPr>
+              <p:cNvSpPr txBox="1">
+                <a:spLocks noRot="1" noChangeAspect="1" noMove="1" noResize="1" noEditPoints="1" noAdjustHandles="1" noChangeArrowheads="1" noChangeShapeType="1" noTextEdit="1"/>
+              </p:cNvSpPr>
+              <p:nvPr/>
+            </p:nvSpPr>
+            <p:spPr>
+              <a:xfrm>
+                <a:off x="16658166" y="2240532"/>
+                <a:ext cx="622799" cy="276999"/>
+              </a:xfrm>
+              <a:prstGeom prst="rect">
+                <a:avLst/>
+              </a:prstGeom>
+              <a:blipFill>
+                <a:blip r:embed="rId17"/>
+                <a:stretch>
+                  <a:fillRect l="-9804" t="-4444" r="-3922" b="-35556"/>
+                </a:stretch>
+              </a:blipFill>
+            </p:spPr>
+            <p:txBody>
+              <a:bodyPr/>
+              <a:lstStyle/>
+              <a:p>
+                <a:r>
+                  <a:rPr lang="zh-CN" altLang="en-US">
+                    <a:noFill/>
+                  </a:rPr>
+                  <a:t> </a:t>
+                </a:r>
+              </a:p>
+            </p:txBody>
+          </p:sp>
+        </mc:Fallback>
+      </mc:AlternateContent>
+      <p:sp>
+        <p:nvSpPr>
+          <p:cNvPr id="164" name="文本框 163">
+            <a:extLst>
+              <a:ext uri="{FF2B5EF4-FFF2-40B4-BE49-F238E27FC236}">
+                <a16:creationId xmlns:a16="http://schemas.microsoft.com/office/drawing/2014/main" id="{8D1148EC-2E7D-0DFA-49D1-3955D2238BB9}"/>
+              </a:ext>
+            </a:extLst>
+          </p:cNvPr>
+          <p:cNvSpPr txBox="1"/>
+          <p:nvPr/>
+        </p:nvSpPr>
+        <p:spPr>
+          <a:xfrm>
+            <a:off x="5097547" y="57607"/>
+            <a:ext cx="1206933" cy="400110"/>
+          </a:xfrm>
+          <a:prstGeom prst="rect">
+            <a:avLst/>
+          </a:prstGeom>
+          <a:noFill/>
+        </p:spPr>
+        <p:txBody>
+          <a:bodyPr wrap="none" rtlCol="0">
+            <a:spAutoFit/>
+          </a:bodyPr>
+          <a:lstStyle/>
+          <a:p>
+            <a:r>
+              <a:rPr lang="en-US" altLang="zh-CN" sz="2000" dirty="0">
+                <a:latin typeface="微软雅黑" panose="020B0503020204020204" pitchFamily="34" charset="-122"/>
+                <a:ea typeface="微软雅黑" panose="020B0503020204020204" pitchFamily="34" charset="-122"/>
+              </a:rPr>
+              <a:t>shortcut</a:t>
+            </a:r>
+            <a:endParaRPr lang="zh-CN" altLang="en-US" sz="2000" dirty="0">
+              <a:latin typeface="微软雅黑" panose="020B0503020204020204" pitchFamily="34" charset="-122"/>
+              <a:ea typeface="微软雅黑" panose="020B0503020204020204" pitchFamily="34" charset="-122"/>
+            </a:endParaRPr>
+          </a:p>
+        </p:txBody>
+      </p:sp>
+      <p:sp>
+        <p:nvSpPr>
+          <p:cNvPr id="165" name="文本框 164">
+            <a:extLst>
+              <a:ext uri="{FF2B5EF4-FFF2-40B4-BE49-F238E27FC236}">
+                <a16:creationId xmlns:a16="http://schemas.microsoft.com/office/drawing/2014/main" id="{B9AF7D0D-9008-E962-8E2A-089ACFE7B242}"/>
+              </a:ext>
+            </a:extLst>
+          </p:cNvPr>
+          <p:cNvSpPr txBox="1"/>
+          <p:nvPr/>
+        </p:nvSpPr>
+        <p:spPr>
+          <a:xfrm>
+            <a:off x="13364961" y="35871"/>
+            <a:ext cx="1206933" cy="400110"/>
+          </a:xfrm>
+          <a:prstGeom prst="rect">
+            <a:avLst/>
+          </a:prstGeom>
+          <a:noFill/>
+        </p:spPr>
+        <p:txBody>
+          <a:bodyPr wrap="none" rtlCol="0">
+            <a:spAutoFit/>
+          </a:bodyPr>
+          <a:lstStyle/>
+          <a:p>
+            <a:r>
+              <a:rPr lang="en-US" altLang="zh-CN" sz="2000" dirty="0">
+                <a:latin typeface="微软雅黑" panose="020B0503020204020204" pitchFamily="34" charset="-122"/>
+                <a:ea typeface="微软雅黑" panose="020B0503020204020204" pitchFamily="34" charset="-122"/>
+              </a:rPr>
+              <a:t>shortcut</a:t>
+            </a:r>
+            <a:endParaRPr lang="zh-CN" altLang="en-US" sz="2000" dirty="0">
+              <a:latin typeface="微软雅黑" panose="020B0503020204020204" pitchFamily="34" charset="-122"/>
+              <a:ea typeface="微软雅黑" panose="020B0503020204020204" pitchFamily="34" charset="-122"/>
+            </a:endParaRPr>
+          </a:p>
+        </p:txBody>
+      </p:sp>
+    </p:spTree>
+    <p:extLst>
+      <p:ext uri="{BB962C8B-B14F-4D97-AF65-F5344CB8AC3E}">
+        <p14:creationId xmlns:p14="http://schemas.microsoft.com/office/powerpoint/2010/main" val="602211491"/>
       </p:ext>
     </p:extLst>
   </p:cSld>

--- a/images/posts/2025-03-02-blog-post/新建 Microsoft PowerPoint 演示文稿.pptx
+++ b/images/posts/2025-03-02-blog-post/新建 Microsoft PowerPoint 演示文稿.pptx
@@ -5,13 +5,14 @@
     <p:sldMasterId id="2147483684" r:id="rId1"/>
   </p:sldMasterIdLst>
   <p:notesMasterIdLst>
-    <p:notesMasterId r:id="rId6"/>
+    <p:notesMasterId r:id="rId7"/>
   </p:notesMasterIdLst>
   <p:sldIdLst>
     <p:sldId id="256" r:id="rId2"/>
     <p:sldId id="294" r:id="rId3"/>
     <p:sldId id="295" r:id="rId4"/>
     <p:sldId id="297" r:id="rId5"/>
+    <p:sldId id="298" r:id="rId6"/>
   </p:sldIdLst>
   <p:sldSz cx="21599525" cy="8999538"/>
   <p:notesSz cx="6858000" cy="9144000"/>
@@ -12267,7 +12268,13 @@
                             <a:rPr lang="en-US" altLang="zh-CN" b="0" i="1" smtClean="0">
                               <a:latin typeface="Cambria Math" panose="02040503050406030204" pitchFamily="18" charset="0"/>
                             </a:rPr>
-                            <m:t>1+</m:t>
+                            <m:t>1</m:t>
+                          </m:r>
+                          <m:r>
+                            <a:rPr lang="en-US" altLang="zh-CN" b="0" i="1" smtClean="0">
+                              <a:latin typeface="Cambria Math" panose="02040503050406030204" pitchFamily="18" charset="0"/>
+                            </a:rPr>
+                            <m:t>+</m:t>
                           </m:r>
                           <m:r>
                             <a:rPr lang="zh-CN" altLang="en-US" b="0" i="1" smtClean="0">
@@ -14003,7 +14010,13 @@
                             <a:rPr lang="en-US" altLang="zh-CN" b="0" i="1" smtClean="0">
                               <a:latin typeface="Cambria Math" panose="02040503050406030204" pitchFamily="18" charset="0"/>
                             </a:rPr>
-                            <m:t>1+</m:t>
+                            <m:t>1</m:t>
+                          </m:r>
+                          <m:r>
+                            <a:rPr lang="en-US" altLang="zh-CN" b="0" i="1" smtClean="0">
+                              <a:latin typeface="Cambria Math" panose="02040503050406030204" pitchFamily="18" charset="0"/>
+                            </a:rPr>
+                            <m:t>+</m:t>
                           </m:r>
                           <m:r>
                             <a:rPr lang="zh-CN" altLang="en-US" b="0" i="1" smtClean="0">
@@ -15829,8 +15842,8 @@
           </a:p>
         </p:txBody>
       </p:sp>
-      <mc:AlternateContent xmlns:mc="http://schemas.openxmlformats.org/markup-compatibility/2006">
-        <mc:Choice xmlns:a14="http://schemas.microsoft.com/office/drawing/2010/main" Requires="a14">
+      <mc:AlternateContent xmlns:mc="http://schemas.openxmlformats.org/markup-compatibility/2006" xmlns:a14="http://schemas.microsoft.com/office/drawing/2010/main">
+        <mc:Choice Requires="a14">
           <p:sp>
             <p:nvSpPr>
               <p:cNvPr id="71" name="文本框 70">
@@ -15899,7 +15912,7 @@
             </p:txBody>
           </p:sp>
         </mc:Choice>
-        <mc:Fallback>
+        <mc:Fallback xmlns="">
           <p:sp>
             <p:nvSpPr>
               <p:cNvPr id="71" name="文本框 70">
@@ -15944,8 +15957,8 @@
           </p:sp>
         </mc:Fallback>
       </mc:AlternateContent>
-      <mc:AlternateContent xmlns:mc="http://schemas.openxmlformats.org/markup-compatibility/2006">
-        <mc:Choice xmlns:a14="http://schemas.microsoft.com/office/drawing/2010/main" Requires="a14">
+      <mc:AlternateContent xmlns:mc="http://schemas.openxmlformats.org/markup-compatibility/2006" xmlns:a14="http://schemas.microsoft.com/office/drawing/2010/main">
+        <mc:Choice Requires="a14">
           <p:sp>
             <p:nvSpPr>
               <p:cNvPr id="72" name="文本框 71">
@@ -16014,7 +16027,7 @@
             </p:txBody>
           </p:sp>
         </mc:Choice>
-        <mc:Fallback>
+        <mc:Fallback xmlns="">
           <p:sp>
             <p:nvSpPr>
               <p:cNvPr id="72" name="文本框 71">
@@ -16113,8 +16126,8 @@
           </a:p>
         </p:txBody>
       </p:sp>
-      <mc:AlternateContent xmlns:mc="http://schemas.openxmlformats.org/markup-compatibility/2006">
-        <mc:Choice xmlns:a14="http://schemas.microsoft.com/office/drawing/2010/main" Requires="a14">
+      <mc:AlternateContent xmlns:mc="http://schemas.openxmlformats.org/markup-compatibility/2006" xmlns:a14="http://schemas.microsoft.com/office/drawing/2010/main">
+        <mc:Choice Requires="a14">
           <p:sp>
             <p:nvSpPr>
               <p:cNvPr id="77" name="文本框 76">
@@ -16183,7 +16196,7 @@
             </p:txBody>
           </p:sp>
         </mc:Choice>
-        <mc:Fallback>
+        <mc:Fallback xmlns="">
           <p:sp>
             <p:nvSpPr>
               <p:cNvPr id="77" name="文本框 76">
@@ -16745,8 +16758,8 @@
           </a:fontRef>
         </p:style>
       </p:cxnSp>
-      <mc:AlternateContent xmlns:mc="http://schemas.openxmlformats.org/markup-compatibility/2006">
-        <mc:Choice xmlns:a14="http://schemas.microsoft.com/office/drawing/2010/main" Requires="a14">
+      <mc:AlternateContent xmlns:mc="http://schemas.openxmlformats.org/markup-compatibility/2006" xmlns:a14="http://schemas.microsoft.com/office/drawing/2010/main">
+        <mc:Choice Requires="a14">
           <p:sp>
             <p:nvSpPr>
               <p:cNvPr id="95" name="文本框 94">
@@ -16796,7 +16809,7 @@
             </p:txBody>
           </p:sp>
         </mc:Choice>
-        <mc:Fallback>
+        <mc:Fallback xmlns="">
           <p:sp>
             <p:nvSpPr>
               <p:cNvPr id="95" name="文本框 94">
@@ -17956,8 +17969,8 @@
           </a:p>
         </p:txBody>
       </p:sp>
-      <mc:AlternateContent xmlns:mc="http://schemas.openxmlformats.org/markup-compatibility/2006">
-        <mc:Choice xmlns:a14="http://schemas.microsoft.com/office/drawing/2010/main" Requires="a14">
+      <mc:AlternateContent xmlns:mc="http://schemas.openxmlformats.org/markup-compatibility/2006" xmlns:a14="http://schemas.microsoft.com/office/drawing/2010/main">
+        <mc:Choice Requires="a14">
           <p:sp>
             <p:nvSpPr>
               <p:cNvPr id="134" name="文本框 133">
@@ -18026,7 +18039,7 @@
             </p:txBody>
           </p:sp>
         </mc:Choice>
-        <mc:Fallback>
+        <mc:Fallback xmlns="">
           <p:sp>
             <p:nvSpPr>
               <p:cNvPr id="134" name="文本框 133">
@@ -18071,8 +18084,8 @@
           </p:sp>
         </mc:Fallback>
       </mc:AlternateContent>
-      <mc:AlternateContent xmlns:mc="http://schemas.openxmlformats.org/markup-compatibility/2006">
-        <mc:Choice xmlns:a14="http://schemas.microsoft.com/office/drawing/2010/main" Requires="a14">
+      <mc:AlternateContent xmlns:mc="http://schemas.openxmlformats.org/markup-compatibility/2006" xmlns:a14="http://schemas.microsoft.com/office/drawing/2010/main">
+        <mc:Choice Requires="a14">
           <p:sp>
             <p:nvSpPr>
               <p:cNvPr id="135" name="文本框 134">
@@ -18141,7 +18154,7 @@
             </p:txBody>
           </p:sp>
         </mc:Choice>
-        <mc:Fallback>
+        <mc:Fallback xmlns="">
           <p:sp>
             <p:nvSpPr>
               <p:cNvPr id="135" name="文本框 134">
@@ -18240,8 +18253,8 @@
           </a:p>
         </p:txBody>
       </p:sp>
-      <mc:AlternateContent xmlns:mc="http://schemas.openxmlformats.org/markup-compatibility/2006">
-        <mc:Choice xmlns:a14="http://schemas.microsoft.com/office/drawing/2010/main" Requires="a14">
+      <mc:AlternateContent xmlns:mc="http://schemas.openxmlformats.org/markup-compatibility/2006" xmlns:a14="http://schemas.microsoft.com/office/drawing/2010/main">
+        <mc:Choice Requires="a14">
           <p:sp>
             <p:nvSpPr>
               <p:cNvPr id="137" name="文本框 136">
@@ -18310,7 +18323,7 @@
             </p:txBody>
           </p:sp>
         </mc:Choice>
-        <mc:Fallback>
+        <mc:Fallback xmlns="">
           <p:sp>
             <p:nvSpPr>
               <p:cNvPr id="137" name="文本框 136">
@@ -18647,8 +18660,8 @@
           </a:p>
         </p:txBody>
       </p:sp>
-      <mc:AlternateContent xmlns:mc="http://schemas.openxmlformats.org/markup-compatibility/2006">
-        <mc:Choice xmlns:a14="http://schemas.microsoft.com/office/drawing/2010/main" Requires="a14">
+      <mc:AlternateContent xmlns:mc="http://schemas.openxmlformats.org/markup-compatibility/2006" xmlns:a14="http://schemas.microsoft.com/office/drawing/2010/main">
+        <mc:Choice Requires="a14">
           <p:sp>
             <p:nvSpPr>
               <p:cNvPr id="145" name="文本框 144">
@@ -18717,7 +18730,7 @@
             </p:txBody>
           </p:sp>
         </mc:Choice>
-        <mc:Fallback>
+        <mc:Fallback xmlns="">
           <p:sp>
             <p:nvSpPr>
               <p:cNvPr id="145" name="文本框 144">
@@ -18804,8 +18817,8 @@
           </a:fontRef>
         </p:style>
       </p:cxnSp>
-      <mc:AlternateContent xmlns:mc="http://schemas.openxmlformats.org/markup-compatibility/2006">
-        <mc:Choice xmlns:a14="http://schemas.microsoft.com/office/drawing/2010/main" Requires="a14">
+      <mc:AlternateContent xmlns:mc="http://schemas.openxmlformats.org/markup-compatibility/2006" xmlns:a14="http://schemas.microsoft.com/office/drawing/2010/main">
+        <mc:Choice Requires="a14">
           <p:sp>
             <p:nvSpPr>
               <p:cNvPr id="147" name="文本框 146">
@@ -18874,7 +18887,7 @@
             </p:txBody>
           </p:sp>
         </mc:Choice>
-        <mc:Fallback>
+        <mc:Fallback xmlns="">
           <p:sp>
             <p:nvSpPr>
               <p:cNvPr id="147" name="文本框 146">
@@ -18919,8 +18932,8 @@
           </p:sp>
         </mc:Fallback>
       </mc:AlternateContent>
-      <mc:AlternateContent xmlns:mc="http://schemas.openxmlformats.org/markup-compatibility/2006">
-        <mc:Choice xmlns:a14="http://schemas.microsoft.com/office/drawing/2010/main" Requires="a14">
+      <mc:AlternateContent xmlns:mc="http://schemas.openxmlformats.org/markup-compatibility/2006" xmlns:a14="http://schemas.microsoft.com/office/drawing/2010/main">
+        <mc:Choice Requires="a14">
           <p:sp>
             <p:nvSpPr>
               <p:cNvPr id="150" name="文本框 149">
@@ -18994,7 +19007,13 @@
                             <a:rPr lang="en-US" altLang="zh-CN" b="0" i="1" smtClean="0">
                               <a:latin typeface="Cambria Math" panose="02040503050406030204" pitchFamily="18" charset="0"/>
                             </a:rPr>
-                            <m:t>1+</m:t>
+                            <m:t>1</m:t>
+                          </m:r>
+                          <m:r>
+                            <a:rPr lang="en-US" altLang="zh-CN" b="0" i="1" smtClean="0">
+                              <a:latin typeface="Cambria Math" panose="02040503050406030204" pitchFamily="18" charset="0"/>
+                            </a:rPr>
+                            <m:t>+</m:t>
                           </m:r>
                           <m:sSub>
                             <m:sSubPr>
@@ -19062,7 +19081,7 @@
             </p:txBody>
           </p:sp>
         </mc:Choice>
-        <mc:Fallback>
+        <mc:Fallback xmlns="">
           <p:sp>
             <p:nvSpPr>
               <p:cNvPr id="150" name="文本框 149">
@@ -19107,8 +19126,8 @@
           </p:sp>
         </mc:Fallback>
       </mc:AlternateContent>
-      <mc:AlternateContent xmlns:mc="http://schemas.openxmlformats.org/markup-compatibility/2006">
-        <mc:Choice xmlns:a14="http://schemas.microsoft.com/office/drawing/2010/main" Requires="a14">
+      <mc:AlternateContent xmlns:mc="http://schemas.openxmlformats.org/markup-compatibility/2006" xmlns:a14="http://schemas.microsoft.com/office/drawing/2010/main">
+        <mc:Choice Requires="a14">
           <p:sp>
             <p:nvSpPr>
               <p:cNvPr id="153" name="文本框 152">
@@ -19177,7 +19196,7 @@
             </p:txBody>
           </p:sp>
         </mc:Choice>
-        <mc:Fallback>
+        <mc:Fallback xmlns="">
           <p:sp>
             <p:nvSpPr>
               <p:cNvPr id="153" name="文本框 152">
@@ -19222,8 +19241,8 @@
           </p:sp>
         </mc:Fallback>
       </mc:AlternateContent>
-      <mc:AlternateContent xmlns:mc="http://schemas.openxmlformats.org/markup-compatibility/2006">
-        <mc:Choice xmlns:a14="http://schemas.microsoft.com/office/drawing/2010/main" Requires="a14">
+      <mc:AlternateContent xmlns:mc="http://schemas.openxmlformats.org/markup-compatibility/2006" xmlns:a14="http://schemas.microsoft.com/office/drawing/2010/main">
+        <mc:Choice Requires="a14">
           <p:sp>
             <p:nvSpPr>
               <p:cNvPr id="155" name="文本框 154">
@@ -19327,7 +19346,7 @@
             </p:txBody>
           </p:sp>
         </mc:Choice>
-        <mc:Fallback>
+        <mc:Fallback xmlns="">
           <p:sp>
             <p:nvSpPr>
               <p:cNvPr id="155" name="文本框 154">
@@ -19372,8 +19391,8 @@
           </p:sp>
         </mc:Fallback>
       </mc:AlternateContent>
-      <mc:AlternateContent xmlns:mc="http://schemas.openxmlformats.org/markup-compatibility/2006">
-        <mc:Choice xmlns:a14="http://schemas.microsoft.com/office/drawing/2010/main" Requires="a14">
+      <mc:AlternateContent xmlns:mc="http://schemas.openxmlformats.org/markup-compatibility/2006" xmlns:a14="http://schemas.microsoft.com/office/drawing/2010/main">
+        <mc:Choice Requires="a14">
           <p:sp>
             <p:nvSpPr>
               <p:cNvPr id="158" name="文本框 157">
@@ -19442,7 +19461,7 @@
             </p:txBody>
           </p:sp>
         </mc:Choice>
-        <mc:Fallback>
+        <mc:Fallback xmlns="">
           <p:sp>
             <p:nvSpPr>
               <p:cNvPr id="158" name="文本框 157">
@@ -19487,8 +19506,8 @@
           </p:sp>
         </mc:Fallback>
       </mc:AlternateContent>
-      <mc:AlternateContent xmlns:mc="http://schemas.openxmlformats.org/markup-compatibility/2006">
-        <mc:Choice xmlns:a14="http://schemas.microsoft.com/office/drawing/2010/main" Requires="a14">
+      <mc:AlternateContent xmlns:mc="http://schemas.openxmlformats.org/markup-compatibility/2006" xmlns:a14="http://schemas.microsoft.com/office/drawing/2010/main">
+        <mc:Choice Requires="a14">
           <p:sp>
             <p:nvSpPr>
               <p:cNvPr id="159" name="文本框 158">
@@ -19562,7 +19581,13 @@
                             <a:rPr lang="en-US" altLang="zh-CN" b="0" i="1" smtClean="0">
                               <a:latin typeface="Cambria Math" panose="02040503050406030204" pitchFamily="18" charset="0"/>
                             </a:rPr>
-                            <m:t>1+</m:t>
+                            <m:t>1</m:t>
+                          </m:r>
+                          <m:r>
+                            <a:rPr lang="en-US" altLang="zh-CN" b="0" i="1" smtClean="0">
+                              <a:latin typeface="Cambria Math" panose="02040503050406030204" pitchFamily="18" charset="0"/>
+                            </a:rPr>
+                            <m:t>+</m:t>
                           </m:r>
                           <m:sSub>
                             <m:sSubPr>
@@ -19630,7 +19655,7 @@
             </p:txBody>
           </p:sp>
         </mc:Choice>
-        <mc:Fallback>
+        <mc:Fallback xmlns="">
           <p:sp>
             <p:nvSpPr>
               <p:cNvPr id="159" name="文本框 158">
@@ -19675,8 +19700,8 @@
           </p:sp>
         </mc:Fallback>
       </mc:AlternateContent>
-      <mc:AlternateContent xmlns:mc="http://schemas.openxmlformats.org/markup-compatibility/2006">
-        <mc:Choice xmlns:a14="http://schemas.microsoft.com/office/drawing/2010/main" Requires="a14">
+      <mc:AlternateContent xmlns:mc="http://schemas.openxmlformats.org/markup-compatibility/2006" xmlns:a14="http://schemas.microsoft.com/office/drawing/2010/main">
+        <mc:Choice Requires="a14">
           <p:sp>
             <p:nvSpPr>
               <p:cNvPr id="160" name="文本框 159">
@@ -19745,7 +19770,7 @@
             </p:txBody>
           </p:sp>
         </mc:Choice>
-        <mc:Fallback>
+        <mc:Fallback xmlns="">
           <p:sp>
             <p:nvSpPr>
               <p:cNvPr id="160" name="文本框 159">
@@ -19790,8 +19815,8 @@
           </p:sp>
         </mc:Fallback>
       </mc:AlternateContent>
-      <mc:AlternateContent xmlns:mc="http://schemas.openxmlformats.org/markup-compatibility/2006">
-        <mc:Choice xmlns:a14="http://schemas.microsoft.com/office/drawing/2010/main" Requires="a14">
+      <mc:AlternateContent xmlns:mc="http://schemas.openxmlformats.org/markup-compatibility/2006" xmlns:a14="http://schemas.microsoft.com/office/drawing/2010/main">
+        <mc:Choice Requires="a14">
           <p:sp>
             <p:nvSpPr>
               <p:cNvPr id="161" name="文本框 160">
@@ -19895,7 +19920,7 @@
             </p:txBody>
           </p:sp>
         </mc:Choice>
-        <mc:Fallback>
+        <mc:Fallback xmlns="">
           <p:sp>
             <p:nvSpPr>
               <p:cNvPr id="161" name="文本框 160">
@@ -20028,6 +20053,6577 @@
     <p:extLst>
       <p:ext uri="{BB962C8B-B14F-4D97-AF65-F5344CB8AC3E}">
         <p14:creationId xmlns:p14="http://schemas.microsoft.com/office/powerpoint/2010/main" val="602211491"/>
+      </p:ext>
+    </p:extLst>
+  </p:cSld>
+  <p:clrMapOvr>
+    <a:masterClrMapping/>
+  </p:clrMapOvr>
+</p:sld>
+</file>
+
+<file path=ppt/slides/slide5.xml><?xml version="1.0" encoding="utf-8"?>
+<p:sld xmlns:a="http://schemas.openxmlformats.org/drawingml/2006/main" xmlns:r="http://schemas.openxmlformats.org/officeDocument/2006/relationships" xmlns:p="http://schemas.openxmlformats.org/presentationml/2006/main">
+  <p:cSld>
+    <p:spTree>
+      <p:nvGrpSpPr>
+        <p:cNvPr id="1" name=""/>
+        <p:cNvGrpSpPr/>
+        <p:nvPr/>
+      </p:nvGrpSpPr>
+      <p:grpSpPr>
+        <a:xfrm>
+          <a:off x="0" y="0"/>
+          <a:ext cx="0" cy="0"/>
+          <a:chOff x="0" y="0"/>
+          <a:chExt cx="0" cy="0"/>
+        </a:xfrm>
+      </p:grpSpPr>
+      <p:sp>
+        <p:nvSpPr>
+          <p:cNvPr id="4" name="矩形: 圆角 3">
+            <a:extLst>
+              <a:ext uri="{FF2B5EF4-FFF2-40B4-BE49-F238E27FC236}">
+                <a16:creationId xmlns:a16="http://schemas.microsoft.com/office/drawing/2014/main" id="{458C1CA9-7D8F-C405-35E1-82F7A63E410F}"/>
+              </a:ext>
+            </a:extLst>
+          </p:cNvPr>
+          <p:cNvSpPr/>
+          <p:nvPr/>
+        </p:nvSpPr>
+        <p:spPr>
+          <a:xfrm>
+            <a:off x="3574117" y="4043794"/>
+            <a:ext cx="5045080" cy="1358020"/>
+          </a:xfrm>
+          <a:prstGeom prst="roundRect">
+            <a:avLst>
+              <a:gd name="adj" fmla="val 0"/>
+            </a:avLst>
+          </a:prstGeom>
+          <a:solidFill>
+            <a:schemeClr val="bg2">
+              <a:lumMod val="90000"/>
+            </a:schemeClr>
+          </a:solidFill>
+          <a:ln>
+            <a:solidFill>
+              <a:schemeClr val="tx1"/>
+            </a:solidFill>
+          </a:ln>
+        </p:spPr>
+        <p:style>
+          <a:lnRef idx="2">
+            <a:schemeClr val="accent1">
+              <a:shade val="15000"/>
+            </a:schemeClr>
+          </a:lnRef>
+          <a:fillRef idx="1">
+            <a:schemeClr val="accent1"/>
+          </a:fillRef>
+          <a:effectRef idx="0">
+            <a:schemeClr val="accent1"/>
+          </a:effectRef>
+          <a:fontRef idx="minor">
+            <a:schemeClr val="lt1"/>
+          </a:fontRef>
+        </p:style>
+        <p:txBody>
+          <a:bodyPr rtlCol="0" anchor="ctr"/>
+          <a:lstStyle/>
+          <a:p>
+            <a:pPr algn="ctr"/>
+            <a:endParaRPr lang="zh-CN" altLang="en-US" sz="3189"/>
+          </a:p>
+        </p:txBody>
+      </p:sp>
+      <mc:AlternateContent xmlns:mc="http://schemas.openxmlformats.org/markup-compatibility/2006">
+        <mc:Choice xmlns:a14="http://schemas.microsoft.com/office/drawing/2010/main" Requires="a14">
+          <p:sp>
+            <p:nvSpPr>
+              <p:cNvPr id="5" name="文本框 4">
+                <a:extLst>
+                  <a:ext uri="{FF2B5EF4-FFF2-40B4-BE49-F238E27FC236}">
+                    <a16:creationId xmlns:a16="http://schemas.microsoft.com/office/drawing/2014/main" id="{D4D6AC11-485E-51D7-6BB3-43FDD2CEEE58}"/>
+                  </a:ext>
+                </a:extLst>
+              </p:cNvPr>
+              <p:cNvSpPr txBox="1"/>
+              <p:nvPr/>
+            </p:nvSpPr>
+            <p:spPr>
+              <a:xfrm>
+                <a:off x="5061693" y="4403996"/>
+                <a:ext cx="1963999" cy="584775"/>
+              </a:xfrm>
+              <a:prstGeom prst="rect">
+                <a:avLst/>
+              </a:prstGeom>
+              <a:noFill/>
+            </p:spPr>
+            <p:txBody>
+              <a:bodyPr wrap="none" rtlCol="0">
+                <a:spAutoFit/>
+              </a:bodyPr>
+              <a:lstStyle/>
+              <a:p>
+                <a:pPr/>
+                <a14:m>
+                  <m:oMathPara xmlns:m="http://schemas.openxmlformats.org/officeDocument/2006/math">
+                    <m:oMathParaPr>
+                      <m:jc m:val="centerGroup"/>
+                    </m:oMathParaPr>
+                    <m:oMath xmlns:m="http://schemas.openxmlformats.org/officeDocument/2006/math">
+                      <m:r>
+                        <m:rPr>
+                          <m:sty m:val="p"/>
+                        </m:rPr>
+                        <a:rPr lang="en-US" altLang="zh-CN" sz="3200" i="0" dirty="0" smtClean="0">
+                          <a:latin typeface="Cambria Math" panose="02040503050406030204" pitchFamily="18" charset="0"/>
+                          <a:ea typeface="微软雅黑" panose="020B0503020204020204" pitchFamily="34" charset="-122"/>
+                        </a:rPr>
+                        <m:t>DiT</m:t>
+                      </m:r>
+                      <m:r>
+                        <a:rPr lang="en-US" altLang="zh-CN" sz="3200" i="0" dirty="0" smtClean="0">
+                          <a:latin typeface="Cambria Math" panose="02040503050406030204" pitchFamily="18" charset="0"/>
+                          <a:ea typeface="微软雅黑" panose="020B0503020204020204" pitchFamily="34" charset="-122"/>
+                        </a:rPr>
+                        <m:t> </m:t>
+                      </m:r>
+                      <m:r>
+                        <m:rPr>
+                          <m:sty m:val="p"/>
+                        </m:rPr>
+                        <a:rPr lang="en-US" altLang="zh-CN" sz="3200" i="0" dirty="0" smtClean="0">
+                          <a:latin typeface="Cambria Math" panose="02040503050406030204" pitchFamily="18" charset="0"/>
+                          <a:ea typeface="微软雅黑" panose="020B0503020204020204" pitchFamily="34" charset="-122"/>
+                        </a:rPr>
+                        <m:t>Block</m:t>
+                      </m:r>
+                    </m:oMath>
+                  </m:oMathPara>
+                </a14:m>
+                <a:endParaRPr dirty="0"/>
+              </a:p>
+            </p:txBody>
+          </p:sp>
+        </mc:Choice>
+        <mc:Fallback>
+          <p:sp>
+            <p:nvSpPr>
+              <p:cNvPr id="5" name="文本框 4">
+                <a:extLst>
+                  <a:ext uri="{FF2B5EF4-FFF2-40B4-BE49-F238E27FC236}">
+                    <a16:creationId xmlns:a16="http://schemas.microsoft.com/office/drawing/2014/main" id="{D4D6AC11-485E-51D7-6BB3-43FDD2CEEE58}"/>
+                  </a:ext>
+                </a:extLst>
+              </p:cNvPr>
+              <p:cNvSpPr txBox="1">
+                <a:spLocks noRot="1" noChangeAspect="1" noMove="1" noResize="1" noEditPoints="1" noAdjustHandles="1" noChangeArrowheads="1" noChangeShapeType="1" noTextEdit="1"/>
+              </p:cNvSpPr>
+              <p:nvPr/>
+            </p:nvSpPr>
+            <p:spPr>
+              <a:xfrm>
+                <a:off x="5061693" y="4403996"/>
+                <a:ext cx="1963999" cy="584775"/>
+              </a:xfrm>
+              <a:prstGeom prst="rect">
+                <a:avLst/>
+              </a:prstGeom>
+              <a:blipFill>
+                <a:blip r:embed="rId2"/>
+                <a:stretch>
+                  <a:fillRect/>
+                </a:stretch>
+              </a:blipFill>
+            </p:spPr>
+            <p:txBody>
+              <a:bodyPr/>
+              <a:lstStyle/>
+              <a:p>
+                <a:r>
+                  <a:rPr lang="zh-CN" altLang="en-US">
+                    <a:noFill/>
+                  </a:rPr>
+                  <a:t> </a:t>
+                </a:r>
+              </a:p>
+            </p:txBody>
+          </p:sp>
+        </mc:Fallback>
+      </mc:AlternateContent>
+      <p:sp>
+        <p:nvSpPr>
+          <p:cNvPr id="6" name="矩形: 圆角 5">
+            <a:extLst>
+              <a:ext uri="{FF2B5EF4-FFF2-40B4-BE49-F238E27FC236}">
+                <a16:creationId xmlns:a16="http://schemas.microsoft.com/office/drawing/2014/main" id="{75CC2FCD-5400-4CC5-4700-73B177A37FD4}"/>
+              </a:ext>
+            </a:extLst>
+          </p:cNvPr>
+          <p:cNvSpPr/>
+          <p:nvPr/>
+        </p:nvSpPr>
+        <p:spPr>
+          <a:xfrm>
+            <a:off x="3574117" y="6062372"/>
+            <a:ext cx="1487576" cy="665467"/>
+          </a:xfrm>
+          <a:prstGeom prst="roundRect">
+            <a:avLst>
+              <a:gd name="adj" fmla="val 0"/>
+            </a:avLst>
+          </a:prstGeom>
+          <a:solidFill>
+            <a:schemeClr val="accent3">
+              <a:lumMod val="20000"/>
+              <a:lumOff val="80000"/>
+            </a:schemeClr>
+          </a:solidFill>
+          <a:ln>
+            <a:solidFill>
+              <a:schemeClr val="tx1"/>
+            </a:solidFill>
+          </a:ln>
+        </p:spPr>
+        <p:style>
+          <a:lnRef idx="2">
+            <a:schemeClr val="accent1">
+              <a:shade val="15000"/>
+            </a:schemeClr>
+          </a:lnRef>
+          <a:fillRef idx="1">
+            <a:schemeClr val="accent1"/>
+          </a:fillRef>
+          <a:effectRef idx="0">
+            <a:schemeClr val="accent1"/>
+          </a:effectRef>
+          <a:fontRef idx="minor">
+            <a:schemeClr val="lt1"/>
+          </a:fontRef>
+        </p:style>
+        <p:txBody>
+          <a:bodyPr rtlCol="0" anchor="ctr"/>
+          <a:lstStyle/>
+          <a:p>
+            <a:pPr algn="ctr"/>
+            <a:endParaRPr lang="zh-CN" altLang="en-US" sz="3189"/>
+          </a:p>
+        </p:txBody>
+      </p:sp>
+      <mc:AlternateContent xmlns:mc="http://schemas.openxmlformats.org/markup-compatibility/2006">
+        <mc:Choice xmlns:a14="http://schemas.microsoft.com/office/drawing/2010/main" Requires="a14">
+          <p:sp>
+            <p:nvSpPr>
+              <p:cNvPr id="7" name="文本框 6">
+                <a:extLst>
+                  <a:ext uri="{FF2B5EF4-FFF2-40B4-BE49-F238E27FC236}">
+                    <a16:creationId xmlns:a16="http://schemas.microsoft.com/office/drawing/2014/main" id="{949D7E84-F52D-1AD9-63BB-C1F39D38C351}"/>
+                  </a:ext>
+                </a:extLst>
+              </p:cNvPr>
+              <p:cNvSpPr txBox="1"/>
+              <p:nvPr/>
+            </p:nvSpPr>
+            <p:spPr>
+              <a:xfrm>
+                <a:off x="3574117" y="6164272"/>
+                <a:ext cx="1345240" cy="461665"/>
+              </a:xfrm>
+              <a:prstGeom prst="rect">
+                <a:avLst/>
+              </a:prstGeom>
+              <a:noFill/>
+            </p:spPr>
+            <p:txBody>
+              <a:bodyPr wrap="none" rtlCol="0">
+                <a:spAutoFit/>
+              </a:bodyPr>
+              <a:lstStyle/>
+              <a:p>
+                <a:pPr/>
+                <a14:m>
+                  <m:oMathPara xmlns:m="http://schemas.openxmlformats.org/officeDocument/2006/math">
+                    <m:oMathParaPr>
+                      <m:jc m:val="centerGroup"/>
+                    </m:oMathParaPr>
+                    <m:oMath xmlns:m="http://schemas.openxmlformats.org/officeDocument/2006/math">
+                      <m:r>
+                        <m:rPr>
+                          <m:sty m:val="p"/>
+                        </m:rPr>
+                        <a:rPr lang="en-US" altLang="zh-CN" sz="2400" i="0" dirty="0" smtClean="0">
+                          <a:latin typeface="Cambria Math" panose="02040503050406030204" pitchFamily="18" charset="0"/>
+                          <a:ea typeface="微软雅黑" panose="020B0503020204020204" pitchFamily="34" charset="-122"/>
+                        </a:rPr>
+                        <m:t>Patchify</m:t>
+                      </m:r>
+                    </m:oMath>
+                  </m:oMathPara>
+                </a14:m>
+                <a:endParaRPr lang="zh-CN" altLang="en-US" sz="2800" dirty="0">
+                  <a:latin typeface="微软雅黑" panose="020B0503020204020204" pitchFamily="34" charset="-122"/>
+                  <a:ea typeface="微软雅黑" panose="020B0503020204020204" pitchFamily="34" charset="-122"/>
+                </a:endParaRPr>
+              </a:p>
+            </p:txBody>
+          </p:sp>
+        </mc:Choice>
+        <mc:Fallback>
+          <p:sp>
+            <p:nvSpPr>
+              <p:cNvPr id="7" name="文本框 6">
+                <a:extLst>
+                  <a:ext uri="{FF2B5EF4-FFF2-40B4-BE49-F238E27FC236}">
+                    <a16:creationId xmlns:a16="http://schemas.microsoft.com/office/drawing/2014/main" id="{949D7E84-F52D-1AD9-63BB-C1F39D38C351}"/>
+                  </a:ext>
+                </a:extLst>
+              </p:cNvPr>
+              <p:cNvSpPr txBox="1">
+                <a:spLocks noRot="1" noChangeAspect="1" noMove="1" noResize="1" noEditPoints="1" noAdjustHandles="1" noChangeArrowheads="1" noChangeShapeType="1" noTextEdit="1"/>
+              </p:cNvSpPr>
+              <p:nvPr/>
+            </p:nvSpPr>
+            <p:spPr>
+              <a:xfrm>
+                <a:off x="3574117" y="6164272"/>
+                <a:ext cx="1345240" cy="461665"/>
+              </a:xfrm>
+              <a:prstGeom prst="rect">
+                <a:avLst/>
+              </a:prstGeom>
+              <a:blipFill>
+                <a:blip r:embed="rId3"/>
+                <a:stretch>
+                  <a:fillRect b="-18421"/>
+                </a:stretch>
+              </a:blipFill>
+            </p:spPr>
+            <p:txBody>
+              <a:bodyPr/>
+              <a:lstStyle/>
+              <a:p>
+                <a:r>
+                  <a:rPr lang="zh-CN" altLang="en-US">
+                    <a:noFill/>
+                  </a:rPr>
+                  <a:t> </a:t>
+                </a:r>
+              </a:p>
+            </p:txBody>
+          </p:sp>
+        </mc:Fallback>
+      </mc:AlternateContent>
+      <p:sp>
+        <p:nvSpPr>
+          <p:cNvPr id="10" name="矩形: 圆角 9">
+            <a:extLst>
+              <a:ext uri="{FF2B5EF4-FFF2-40B4-BE49-F238E27FC236}">
+                <a16:creationId xmlns:a16="http://schemas.microsoft.com/office/drawing/2014/main" id="{13BE173F-670D-84DE-FC65-41184C55DD2C}"/>
+              </a:ext>
+            </a:extLst>
+          </p:cNvPr>
+          <p:cNvSpPr/>
+          <p:nvPr/>
+        </p:nvSpPr>
+        <p:spPr>
+          <a:xfrm>
+            <a:off x="3574117" y="7780370"/>
+            <a:ext cx="1487576" cy="1039283"/>
+          </a:xfrm>
+          <a:prstGeom prst="roundRect">
+            <a:avLst>
+              <a:gd name="adj" fmla="val 0"/>
+            </a:avLst>
+          </a:prstGeom>
+          <a:solidFill>
+            <a:schemeClr val="accent3">
+              <a:lumMod val="20000"/>
+              <a:lumOff val="80000"/>
+            </a:schemeClr>
+          </a:solidFill>
+          <a:ln>
+            <a:solidFill>
+              <a:schemeClr val="tx1"/>
+            </a:solidFill>
+          </a:ln>
+        </p:spPr>
+        <p:style>
+          <a:lnRef idx="2">
+            <a:schemeClr val="accent1">
+              <a:shade val="15000"/>
+            </a:schemeClr>
+          </a:lnRef>
+          <a:fillRef idx="1">
+            <a:schemeClr val="accent1"/>
+          </a:fillRef>
+          <a:effectRef idx="0">
+            <a:schemeClr val="accent1"/>
+          </a:effectRef>
+          <a:fontRef idx="minor">
+            <a:schemeClr val="lt1"/>
+          </a:fontRef>
+        </p:style>
+        <p:txBody>
+          <a:bodyPr rtlCol="0" anchor="ctr"/>
+          <a:lstStyle/>
+          <a:p>
+            <a:pPr algn="ctr"/>
+            <a:endParaRPr lang="zh-CN" altLang="en-US" sz="3189"/>
+          </a:p>
+        </p:txBody>
+      </p:sp>
+      <mc:AlternateContent xmlns:mc="http://schemas.openxmlformats.org/markup-compatibility/2006">
+        <mc:Choice xmlns:a14="http://schemas.microsoft.com/office/drawing/2010/main" Requires="a14">
+          <p:sp>
+            <p:nvSpPr>
+              <p:cNvPr id="11" name="文本框 10">
+                <a:extLst>
+                  <a:ext uri="{FF2B5EF4-FFF2-40B4-BE49-F238E27FC236}">
+                    <a16:creationId xmlns:a16="http://schemas.microsoft.com/office/drawing/2014/main" id="{B461D63D-40FF-D67F-35D3-9132360FE205}"/>
+                  </a:ext>
+                </a:extLst>
+              </p:cNvPr>
+              <p:cNvSpPr txBox="1"/>
+              <p:nvPr/>
+            </p:nvSpPr>
+            <p:spPr>
+              <a:xfrm>
+                <a:off x="3383177" y="7892902"/>
+                <a:ext cx="1971918" cy="861774"/>
+              </a:xfrm>
+              <a:prstGeom prst="rect">
+                <a:avLst/>
+              </a:prstGeom>
+              <a:noFill/>
+            </p:spPr>
+            <p:txBody>
+              <a:bodyPr wrap="square" rtlCol="0">
+                <a:spAutoFit/>
+              </a:bodyPr>
+              <a:lstStyle/>
+              <a:p>
+                <a:pPr algn="ctr">
+                  <a:lnSpc>
+                    <a:spcPts val="3000"/>
+                  </a:lnSpc>
+                </a:pPr>
+                <a14:m>
+                  <m:oMathPara xmlns:m="http://schemas.openxmlformats.org/officeDocument/2006/math">
+                    <m:oMathParaPr>
+                      <m:jc m:val="centerGroup"/>
+                    </m:oMathParaPr>
+                    <m:oMath xmlns:m="http://schemas.openxmlformats.org/officeDocument/2006/math">
+                      <m:r>
+                        <m:rPr>
+                          <m:sty m:val="p"/>
+                        </m:rPr>
+                        <a:rPr lang="zh-CN" altLang="en-US" sz="2400" i="0" dirty="0" smtClean="0">
+                          <a:latin typeface="Cambria Math" panose="02040503050406030204" pitchFamily="18" charset="0"/>
+                          <a:ea typeface="微软雅黑" panose="020B0503020204020204" pitchFamily="34" charset="-122"/>
+                        </a:rPr>
+                        <m:t>Latent</m:t>
+                      </m:r>
+                      <m:r>
+                        <a:rPr lang="en-US" altLang="zh-CN" sz="2400" b="0" i="0" dirty="0" smtClean="0">
+                          <a:latin typeface="Cambria Math" panose="02040503050406030204" pitchFamily="18" charset="0"/>
+                          <a:ea typeface="微软雅黑" panose="020B0503020204020204" pitchFamily="34" charset="-122"/>
+                        </a:rPr>
+                        <m:t> </m:t>
+                      </m:r>
+                    </m:oMath>
+                  </m:oMathPara>
+                </a14:m>
+                <a:endParaRPr lang="en-US" altLang="zh-CN" sz="2400" b="0" dirty="0">
+                  <a:latin typeface="Cambria Math" panose="02040503050406030204" pitchFamily="18" charset="0"/>
+                  <a:ea typeface="微软雅黑" panose="020B0503020204020204" pitchFamily="34" charset="-122"/>
+                </a:endParaRPr>
+              </a:p>
+              <a:p>
+                <a:pPr algn="ctr">
+                  <a:lnSpc>
+                    <a:spcPts val="3000"/>
+                  </a:lnSpc>
+                </a:pPr>
+                <a14:m>
+                  <m:oMathPara xmlns:m="http://schemas.openxmlformats.org/officeDocument/2006/math">
+                    <m:oMathParaPr>
+                      <m:jc m:val="centerGroup"/>
+                    </m:oMathParaPr>
+                    <m:oMath xmlns:m="http://schemas.openxmlformats.org/officeDocument/2006/math">
+                      <m:r>
+                        <m:rPr>
+                          <m:sty m:val="p"/>
+                        </m:rPr>
+                        <a:rPr lang="zh-CN" altLang="en-US" sz="2400" i="0" dirty="0">
+                          <a:latin typeface="Cambria Math" panose="02040503050406030204" pitchFamily="18" charset="0"/>
+                          <a:ea typeface="微软雅黑" panose="020B0503020204020204" pitchFamily="34" charset="-122"/>
+                        </a:rPr>
+                        <m:t>Noise</m:t>
+                      </m:r>
+                      <m:r>
+                        <a:rPr lang="en-US" altLang="zh-CN" sz="2400" b="0" i="0" dirty="0" smtClean="0">
+                          <a:latin typeface="Cambria Math" panose="02040503050406030204" pitchFamily="18" charset="0"/>
+                          <a:ea typeface="微软雅黑" panose="020B0503020204020204" pitchFamily="34" charset="-122"/>
+                        </a:rPr>
+                        <m:t> </m:t>
+                      </m:r>
+                      <m:sSub>
+                        <m:sSubPr>
+                          <m:ctrlPr>
+                            <a:rPr lang="en-US" altLang="zh-CN" sz="2400" dirty="0">
+                              <a:latin typeface="Cambria Math" panose="02040503050406030204" pitchFamily="18" charset="0"/>
+                              <a:ea typeface="微软雅黑" panose="020B0503020204020204" pitchFamily="34" charset="-122"/>
+                            </a:rPr>
+                          </m:ctrlPr>
+                        </m:sSubPr>
+                        <m:e>
+                          <m:r>
+                            <m:rPr>
+                              <m:sty m:val="p"/>
+                            </m:rPr>
+                            <a:rPr lang="en-US" altLang="zh-CN" sz="2400" i="0" dirty="0">
+                              <a:latin typeface="Cambria Math" panose="02040503050406030204" pitchFamily="18" charset="0"/>
+                              <a:ea typeface="微软雅黑" panose="020B0503020204020204" pitchFamily="34" charset="-122"/>
+                            </a:rPr>
+                            <m:t>Z</m:t>
+                          </m:r>
+                        </m:e>
+                        <m:sub>
+                          <m:r>
+                            <m:rPr>
+                              <m:sty m:val="p"/>
+                            </m:rPr>
+                            <a:rPr lang="en-US" altLang="zh-CN" sz="2400" i="0" dirty="0">
+                              <a:latin typeface="Cambria Math" panose="02040503050406030204" pitchFamily="18" charset="0"/>
+                              <a:ea typeface="微软雅黑" panose="020B0503020204020204" pitchFamily="34" charset="-122"/>
+                            </a:rPr>
+                            <m:t>t</m:t>
+                          </m:r>
+                        </m:sub>
+                      </m:sSub>
+                    </m:oMath>
+                  </m:oMathPara>
+                </a14:m>
+                <a:endParaRPr lang="en-US" dirty="0"/>
+              </a:p>
+            </p:txBody>
+          </p:sp>
+        </mc:Choice>
+        <mc:Fallback>
+          <p:sp>
+            <p:nvSpPr>
+              <p:cNvPr id="11" name="文本框 10">
+                <a:extLst>
+                  <a:ext uri="{FF2B5EF4-FFF2-40B4-BE49-F238E27FC236}">
+                    <a16:creationId xmlns:a16="http://schemas.microsoft.com/office/drawing/2014/main" id="{B461D63D-40FF-D67F-35D3-9132360FE205}"/>
+                  </a:ext>
+                </a:extLst>
+              </p:cNvPr>
+              <p:cNvSpPr txBox="1">
+                <a:spLocks noRot="1" noChangeAspect="1" noMove="1" noResize="1" noEditPoints="1" noAdjustHandles="1" noChangeArrowheads="1" noChangeShapeType="1" noTextEdit="1"/>
+              </p:cNvSpPr>
+              <p:nvPr/>
+            </p:nvSpPr>
+            <p:spPr>
+              <a:xfrm>
+                <a:off x="3383177" y="7892902"/>
+                <a:ext cx="1971918" cy="861774"/>
+              </a:xfrm>
+              <a:prstGeom prst="rect">
+                <a:avLst/>
+              </a:prstGeom>
+              <a:blipFill>
+                <a:blip r:embed="rId4"/>
+                <a:stretch>
+                  <a:fillRect/>
+                </a:stretch>
+              </a:blipFill>
+            </p:spPr>
+            <p:txBody>
+              <a:bodyPr/>
+              <a:lstStyle/>
+              <a:p>
+                <a:r>
+                  <a:rPr lang="zh-CN" altLang="en-US">
+                    <a:noFill/>
+                  </a:rPr>
+                  <a:t> </a:t>
+                </a:r>
+              </a:p>
+            </p:txBody>
+          </p:sp>
+        </mc:Fallback>
+      </mc:AlternateContent>
+      <p:sp>
+        <p:nvSpPr>
+          <p:cNvPr id="16" name="矩形: 圆角 15">
+            <a:extLst>
+              <a:ext uri="{FF2B5EF4-FFF2-40B4-BE49-F238E27FC236}">
+                <a16:creationId xmlns:a16="http://schemas.microsoft.com/office/drawing/2014/main" id="{980C9F01-142D-D8AB-7BB0-9A2651FAF70F}"/>
+              </a:ext>
+            </a:extLst>
+          </p:cNvPr>
+          <p:cNvSpPr/>
+          <p:nvPr/>
+        </p:nvSpPr>
+        <p:spPr>
+          <a:xfrm>
+            <a:off x="5772595" y="8328493"/>
+            <a:ext cx="1118896" cy="491160"/>
+          </a:xfrm>
+          <a:prstGeom prst="roundRect">
+            <a:avLst>
+              <a:gd name="adj" fmla="val 0"/>
+            </a:avLst>
+          </a:prstGeom>
+          <a:solidFill>
+            <a:schemeClr val="accent5">
+              <a:lumMod val="20000"/>
+              <a:lumOff val="80000"/>
+            </a:schemeClr>
+          </a:solidFill>
+          <a:ln>
+            <a:solidFill>
+              <a:schemeClr val="tx1"/>
+            </a:solidFill>
+          </a:ln>
+        </p:spPr>
+        <p:style>
+          <a:lnRef idx="2">
+            <a:schemeClr val="accent1">
+              <a:shade val="15000"/>
+            </a:schemeClr>
+          </a:lnRef>
+          <a:fillRef idx="1">
+            <a:schemeClr val="accent1"/>
+          </a:fillRef>
+          <a:effectRef idx="0">
+            <a:schemeClr val="accent1"/>
+          </a:effectRef>
+          <a:fontRef idx="minor">
+            <a:schemeClr val="lt1"/>
+          </a:fontRef>
+        </p:style>
+        <p:txBody>
+          <a:bodyPr rtlCol="0" anchor="ctr"/>
+          <a:lstStyle/>
+          <a:p>
+            <a:pPr algn="ctr"/>
+            <a:endParaRPr lang="zh-CN" altLang="en-US" sz="3189"/>
+          </a:p>
+        </p:txBody>
+      </p:sp>
+      <mc:AlternateContent xmlns:mc="http://schemas.openxmlformats.org/markup-compatibility/2006">
+        <mc:Choice xmlns:a14="http://schemas.microsoft.com/office/drawing/2010/main" Requires="a14">
+          <p:sp>
+            <p:nvSpPr>
+              <p:cNvPr id="17" name="文本框 16">
+                <a:extLst>
+                  <a:ext uri="{FF2B5EF4-FFF2-40B4-BE49-F238E27FC236}">
+                    <a16:creationId xmlns:a16="http://schemas.microsoft.com/office/drawing/2014/main" id="{D5EFD36F-32AE-F95C-983C-B2D5894337B2}"/>
+                  </a:ext>
+                </a:extLst>
+              </p:cNvPr>
+              <p:cNvSpPr txBox="1"/>
+              <p:nvPr/>
+            </p:nvSpPr>
+            <p:spPr>
+              <a:xfrm>
+                <a:off x="5848668" y="8328493"/>
+                <a:ext cx="1118896" cy="477054"/>
+              </a:xfrm>
+              <a:prstGeom prst="rect">
+                <a:avLst/>
+              </a:prstGeom>
+              <a:noFill/>
+            </p:spPr>
+            <p:txBody>
+              <a:bodyPr wrap="none" rtlCol="0">
+                <a:spAutoFit/>
+              </a:bodyPr>
+              <a:lstStyle/>
+              <a:p>
+                <a:pPr algn="ctr">
+                  <a:lnSpc>
+                    <a:spcPts val="3000"/>
+                  </a:lnSpc>
+                </a:pPr>
+                <a14:m>
+                  <m:oMathPara xmlns:m="http://schemas.openxmlformats.org/officeDocument/2006/math">
+                    <m:oMathParaPr>
+                      <m:jc m:val="centerGroup"/>
+                    </m:oMathParaPr>
+                    <m:oMath xmlns:m="http://schemas.openxmlformats.org/officeDocument/2006/math">
+                      <m:r>
+                        <m:rPr>
+                          <m:sty m:val="p"/>
+                        </m:rPr>
+                        <a:rPr lang="en-US" altLang="zh-CN" sz="2400" i="0" dirty="0" smtClean="0">
+                          <a:latin typeface="Cambria Math" panose="02040503050406030204" pitchFamily="18" charset="0"/>
+                          <a:ea typeface="微软雅黑" panose="020B0503020204020204" pitchFamily="34" charset="-122"/>
+                        </a:rPr>
+                        <m:t>Con</m:t>
+                      </m:r>
+                      <m:sSub>
+                        <m:sSubPr>
+                          <m:ctrlPr>
+                            <a:rPr lang="en-US" altLang="zh-CN" sz="2400" b="0" dirty="0" smtClean="0">
+                              <a:latin typeface="Cambria Math" panose="02040503050406030204" pitchFamily="18" charset="0"/>
+                              <a:ea typeface="微软雅黑" panose="020B0503020204020204" pitchFamily="34" charset="-122"/>
+                            </a:rPr>
+                          </m:ctrlPr>
+                        </m:sSubPr>
+                        <m:e>
+                          <m:r>
+                            <m:rPr>
+                              <m:sty m:val="p"/>
+                            </m:rPr>
+                            <a:rPr lang="en-US" altLang="zh-CN" sz="2400" i="0" dirty="0" smtClean="0">
+                              <a:latin typeface="Cambria Math" panose="02040503050406030204" pitchFamily="18" charset="0"/>
+                              <a:ea typeface="微软雅黑" panose="020B0503020204020204" pitchFamily="34" charset="-122"/>
+                            </a:rPr>
+                            <m:t>d</m:t>
+                          </m:r>
+                        </m:e>
+                        <m:sub>
+                          <m:r>
+                            <a:rPr lang="en-US" altLang="zh-CN" sz="2400" b="0" i="0" dirty="0" smtClean="0">
+                              <a:latin typeface="Cambria Math" panose="02040503050406030204" pitchFamily="18" charset="0"/>
+                              <a:ea typeface="微软雅黑" panose="020B0503020204020204" pitchFamily="34" charset="-122"/>
+                            </a:rPr>
+                            <m:t>1</m:t>
+                          </m:r>
+                        </m:sub>
+                      </m:sSub>
+                    </m:oMath>
+                  </m:oMathPara>
+                </a14:m>
+                <a:endParaRPr lang="zh-CN" altLang="en-US" sz="2800" dirty="0">
+                  <a:latin typeface="微软雅黑" panose="020B0503020204020204" pitchFamily="34" charset="-122"/>
+                  <a:ea typeface="微软雅黑" panose="020B0503020204020204" pitchFamily="34" charset="-122"/>
+                </a:endParaRPr>
+              </a:p>
+            </p:txBody>
+          </p:sp>
+        </mc:Choice>
+        <mc:Fallback>
+          <p:sp>
+            <p:nvSpPr>
+              <p:cNvPr id="17" name="文本框 16">
+                <a:extLst>
+                  <a:ext uri="{FF2B5EF4-FFF2-40B4-BE49-F238E27FC236}">
+                    <a16:creationId xmlns:a16="http://schemas.microsoft.com/office/drawing/2014/main" id="{D5EFD36F-32AE-F95C-983C-B2D5894337B2}"/>
+                  </a:ext>
+                </a:extLst>
+              </p:cNvPr>
+              <p:cNvSpPr txBox="1">
+                <a:spLocks noRot="1" noChangeAspect="1" noMove="1" noResize="1" noEditPoints="1" noAdjustHandles="1" noChangeArrowheads="1" noChangeShapeType="1" noTextEdit="1"/>
+              </p:cNvSpPr>
+              <p:nvPr/>
+            </p:nvSpPr>
+            <p:spPr>
+              <a:xfrm>
+                <a:off x="5848668" y="8328493"/>
+                <a:ext cx="1118896" cy="477054"/>
+              </a:xfrm>
+              <a:prstGeom prst="rect">
+                <a:avLst/>
+              </a:prstGeom>
+              <a:blipFill>
+                <a:blip r:embed="rId5"/>
+                <a:stretch>
+                  <a:fillRect/>
+                </a:stretch>
+              </a:blipFill>
+            </p:spPr>
+            <p:txBody>
+              <a:bodyPr/>
+              <a:lstStyle/>
+              <a:p>
+                <a:r>
+                  <a:rPr lang="zh-CN" altLang="en-US">
+                    <a:noFill/>
+                  </a:rPr>
+                  <a:t> </a:t>
+                </a:r>
+              </a:p>
+            </p:txBody>
+          </p:sp>
+        </mc:Fallback>
+      </mc:AlternateContent>
+      <p:sp>
+        <p:nvSpPr>
+          <p:cNvPr id="18" name="矩形: 圆角 17">
+            <a:extLst>
+              <a:ext uri="{FF2B5EF4-FFF2-40B4-BE49-F238E27FC236}">
+                <a16:creationId xmlns:a16="http://schemas.microsoft.com/office/drawing/2014/main" id="{BF2D0BE7-73CF-12C6-7393-5C202C8416CA}"/>
+              </a:ext>
+            </a:extLst>
+          </p:cNvPr>
+          <p:cNvSpPr/>
+          <p:nvPr/>
+        </p:nvSpPr>
+        <p:spPr>
+          <a:xfrm>
+            <a:off x="7500301" y="8328493"/>
+            <a:ext cx="1118896" cy="491160"/>
+          </a:xfrm>
+          <a:prstGeom prst="roundRect">
+            <a:avLst>
+              <a:gd name="adj" fmla="val 0"/>
+            </a:avLst>
+          </a:prstGeom>
+          <a:solidFill>
+            <a:schemeClr val="accent5">
+              <a:lumMod val="20000"/>
+              <a:lumOff val="80000"/>
+            </a:schemeClr>
+          </a:solidFill>
+          <a:ln>
+            <a:solidFill>
+              <a:schemeClr val="tx1"/>
+            </a:solidFill>
+          </a:ln>
+        </p:spPr>
+        <p:style>
+          <a:lnRef idx="2">
+            <a:schemeClr val="accent1">
+              <a:shade val="15000"/>
+            </a:schemeClr>
+          </a:lnRef>
+          <a:fillRef idx="1">
+            <a:schemeClr val="accent1"/>
+          </a:fillRef>
+          <a:effectRef idx="0">
+            <a:schemeClr val="accent1"/>
+          </a:effectRef>
+          <a:fontRef idx="minor">
+            <a:schemeClr val="lt1"/>
+          </a:fontRef>
+        </p:style>
+        <p:txBody>
+          <a:bodyPr rtlCol="0" anchor="ctr"/>
+          <a:lstStyle/>
+          <a:p>
+            <a:pPr algn="ctr"/>
+            <a:endParaRPr lang="zh-CN" altLang="en-US" sz="3189"/>
+          </a:p>
+        </p:txBody>
+      </p:sp>
+      <mc:AlternateContent xmlns:mc="http://schemas.openxmlformats.org/markup-compatibility/2006">
+        <mc:Choice xmlns:a14="http://schemas.microsoft.com/office/drawing/2010/main" Requires="a14">
+          <p:sp>
+            <p:nvSpPr>
+              <p:cNvPr id="19" name="文本框 18">
+                <a:extLst>
+                  <a:ext uri="{FF2B5EF4-FFF2-40B4-BE49-F238E27FC236}">
+                    <a16:creationId xmlns:a16="http://schemas.microsoft.com/office/drawing/2014/main" id="{38AFF28D-D177-B62F-B05A-040D773DD70D}"/>
+                  </a:ext>
+                </a:extLst>
+              </p:cNvPr>
+              <p:cNvSpPr txBox="1"/>
+              <p:nvPr/>
+            </p:nvSpPr>
+            <p:spPr>
+              <a:xfrm>
+                <a:off x="7566307" y="8328493"/>
+                <a:ext cx="1139030" cy="477054"/>
+              </a:xfrm>
+              <a:prstGeom prst="rect">
+                <a:avLst/>
+              </a:prstGeom>
+              <a:noFill/>
+            </p:spPr>
+            <p:txBody>
+              <a:bodyPr wrap="none" rtlCol="0">
+                <a:spAutoFit/>
+              </a:bodyPr>
+              <a:lstStyle/>
+              <a:p>
+                <a:pPr algn="ctr">
+                  <a:lnSpc>
+                    <a:spcPts val="3000"/>
+                  </a:lnSpc>
+                </a:pPr>
+                <a14:m>
+                  <m:oMathPara xmlns:m="http://schemas.openxmlformats.org/officeDocument/2006/math">
+                    <m:oMathParaPr>
+                      <m:jc m:val="centerGroup"/>
+                    </m:oMathParaPr>
+                    <m:oMath xmlns:m="http://schemas.openxmlformats.org/officeDocument/2006/math">
+                      <m:r>
+                        <m:rPr>
+                          <m:sty m:val="p"/>
+                        </m:rPr>
+                        <a:rPr lang="en-US" altLang="zh-CN" sz="2400" i="0" dirty="0" smtClean="0">
+                          <a:latin typeface="Cambria Math" panose="02040503050406030204" pitchFamily="18" charset="0"/>
+                          <a:ea typeface="微软雅黑" panose="020B0503020204020204" pitchFamily="34" charset="-122"/>
+                        </a:rPr>
+                        <m:t>Con</m:t>
+                      </m:r>
+                      <m:sSub>
+                        <m:sSubPr>
+                          <m:ctrlPr>
+                            <a:rPr lang="en-US" altLang="zh-CN" sz="2400" b="0" dirty="0" smtClean="0">
+                              <a:latin typeface="Cambria Math" panose="02040503050406030204" pitchFamily="18" charset="0"/>
+                              <a:ea typeface="微软雅黑" panose="020B0503020204020204" pitchFamily="34" charset="-122"/>
+                            </a:rPr>
+                          </m:ctrlPr>
+                        </m:sSubPr>
+                        <m:e>
+                          <m:r>
+                            <m:rPr>
+                              <m:sty m:val="p"/>
+                            </m:rPr>
+                            <a:rPr lang="en-US" altLang="zh-CN" sz="2400" i="0" dirty="0" smtClean="0">
+                              <a:latin typeface="Cambria Math" panose="02040503050406030204" pitchFamily="18" charset="0"/>
+                              <a:ea typeface="微软雅黑" panose="020B0503020204020204" pitchFamily="34" charset="-122"/>
+                            </a:rPr>
+                            <m:t>d</m:t>
+                          </m:r>
+                        </m:e>
+                        <m:sub>
+                          <m:r>
+                            <m:rPr>
+                              <m:sty m:val="p"/>
+                            </m:rPr>
+                            <a:rPr lang="en-US" altLang="zh-CN" sz="2400" b="0" i="0" dirty="0" smtClean="0">
+                              <a:latin typeface="Cambria Math" panose="02040503050406030204" pitchFamily="18" charset="0"/>
+                              <a:ea typeface="微软雅黑" panose="020B0503020204020204" pitchFamily="34" charset="-122"/>
+                            </a:rPr>
+                            <m:t>k</m:t>
+                          </m:r>
+                        </m:sub>
+                      </m:sSub>
+                    </m:oMath>
+                  </m:oMathPara>
+                </a14:m>
+                <a:endParaRPr lang="zh-CN" altLang="en-US" sz="2800" dirty="0">
+                  <a:latin typeface="微软雅黑" panose="020B0503020204020204" pitchFamily="34" charset="-122"/>
+                  <a:ea typeface="微软雅黑" panose="020B0503020204020204" pitchFamily="34" charset="-122"/>
+                </a:endParaRPr>
+              </a:p>
+            </p:txBody>
+          </p:sp>
+        </mc:Choice>
+        <mc:Fallback>
+          <p:sp>
+            <p:nvSpPr>
+              <p:cNvPr id="19" name="文本框 18">
+                <a:extLst>
+                  <a:ext uri="{FF2B5EF4-FFF2-40B4-BE49-F238E27FC236}">
+                    <a16:creationId xmlns:a16="http://schemas.microsoft.com/office/drawing/2014/main" id="{38AFF28D-D177-B62F-B05A-040D773DD70D}"/>
+                  </a:ext>
+                </a:extLst>
+              </p:cNvPr>
+              <p:cNvSpPr txBox="1">
+                <a:spLocks noRot="1" noChangeAspect="1" noMove="1" noResize="1" noEditPoints="1" noAdjustHandles="1" noChangeArrowheads="1" noChangeShapeType="1" noTextEdit="1"/>
+              </p:cNvSpPr>
+              <p:nvPr/>
+            </p:nvSpPr>
+            <p:spPr>
+              <a:xfrm>
+                <a:off x="7566307" y="8328493"/>
+                <a:ext cx="1139030" cy="477054"/>
+              </a:xfrm>
+              <a:prstGeom prst="rect">
+                <a:avLst/>
+              </a:prstGeom>
+              <a:blipFill>
+                <a:blip r:embed="rId6"/>
+                <a:stretch>
+                  <a:fillRect/>
+                </a:stretch>
+              </a:blipFill>
+            </p:spPr>
+            <p:txBody>
+              <a:bodyPr/>
+              <a:lstStyle/>
+              <a:p>
+                <a:r>
+                  <a:rPr lang="zh-CN" altLang="en-US">
+                    <a:noFill/>
+                  </a:rPr>
+                  <a:t> </a:t>
+                </a:r>
+              </a:p>
+            </p:txBody>
+          </p:sp>
+        </mc:Fallback>
+      </mc:AlternateContent>
+      <p:sp>
+        <p:nvSpPr>
+          <p:cNvPr id="20" name="文本框 19">
+            <a:extLst>
+              <a:ext uri="{FF2B5EF4-FFF2-40B4-BE49-F238E27FC236}">
+                <a16:creationId xmlns:a16="http://schemas.microsoft.com/office/drawing/2014/main" id="{1D2A08E5-8AF2-E3AE-5AE4-17DC05F187FF}"/>
+              </a:ext>
+            </a:extLst>
+          </p:cNvPr>
+          <p:cNvSpPr txBox="1"/>
+          <p:nvPr/>
+        </p:nvSpPr>
+        <p:spPr>
+          <a:xfrm>
+            <a:off x="6987890" y="8283765"/>
+            <a:ext cx="436338" cy="461665"/>
+          </a:xfrm>
+          <a:prstGeom prst="rect">
+            <a:avLst/>
+          </a:prstGeom>
+          <a:noFill/>
+        </p:spPr>
+        <p:txBody>
+          <a:bodyPr wrap="none" rtlCol="0">
+            <a:spAutoFit/>
+          </a:bodyPr>
+          <a:lstStyle/>
+          <a:p>
+            <a:r>
+              <a:rPr lang="en-US" altLang="zh-CN" sz="2400" dirty="0"/>
+              <a:t>…</a:t>
+            </a:r>
+            <a:endParaRPr lang="zh-CN" altLang="en-US" dirty="0"/>
+          </a:p>
+        </p:txBody>
+      </p:sp>
+      <p:sp>
+        <p:nvSpPr>
+          <p:cNvPr id="21" name="矩形: 圆角 20">
+            <a:extLst>
+              <a:ext uri="{FF2B5EF4-FFF2-40B4-BE49-F238E27FC236}">
+                <a16:creationId xmlns:a16="http://schemas.microsoft.com/office/drawing/2014/main" id="{53480CE4-76FD-6BA1-9191-9B9E05555EBF}"/>
+              </a:ext>
+            </a:extLst>
+          </p:cNvPr>
+          <p:cNvSpPr/>
+          <p:nvPr/>
+        </p:nvSpPr>
+        <p:spPr>
+          <a:xfrm>
+            <a:off x="5772595" y="7196359"/>
+            <a:ext cx="2846602" cy="584011"/>
+          </a:xfrm>
+          <a:prstGeom prst="roundRect">
+            <a:avLst>
+              <a:gd name="adj" fmla="val 0"/>
+            </a:avLst>
+          </a:prstGeom>
+          <a:solidFill>
+            <a:schemeClr val="accent5">
+              <a:lumMod val="20000"/>
+              <a:lumOff val="80000"/>
+            </a:schemeClr>
+          </a:solidFill>
+          <a:ln>
+            <a:solidFill>
+              <a:schemeClr val="tx1"/>
+            </a:solidFill>
+          </a:ln>
+        </p:spPr>
+        <p:style>
+          <a:lnRef idx="2">
+            <a:schemeClr val="accent1">
+              <a:shade val="15000"/>
+            </a:schemeClr>
+          </a:lnRef>
+          <a:fillRef idx="1">
+            <a:schemeClr val="accent1"/>
+          </a:fillRef>
+          <a:effectRef idx="0">
+            <a:schemeClr val="accent1"/>
+          </a:effectRef>
+          <a:fontRef idx="minor">
+            <a:schemeClr val="lt1"/>
+          </a:fontRef>
+        </p:style>
+        <p:txBody>
+          <a:bodyPr rtlCol="0" anchor="ctr"/>
+          <a:lstStyle/>
+          <a:p>
+            <a:pPr algn="ctr"/>
+            <a:endParaRPr lang="zh-CN" altLang="en-US" sz="3189"/>
+          </a:p>
+        </p:txBody>
+      </p:sp>
+      <mc:AlternateContent xmlns:mc="http://schemas.openxmlformats.org/markup-compatibility/2006">
+        <mc:Choice xmlns:a14="http://schemas.microsoft.com/office/drawing/2010/main" Requires="a14">
+          <p:sp>
+            <p:nvSpPr>
+              <p:cNvPr id="22" name="文本框 21">
+                <a:extLst>
+                  <a:ext uri="{FF2B5EF4-FFF2-40B4-BE49-F238E27FC236}">
+                    <a16:creationId xmlns:a16="http://schemas.microsoft.com/office/drawing/2014/main" id="{F42432AB-13C3-6E94-2E6F-568A7686B117}"/>
+                  </a:ext>
+                </a:extLst>
+              </p:cNvPr>
+              <p:cNvSpPr txBox="1"/>
+              <p:nvPr/>
+            </p:nvSpPr>
+            <p:spPr>
+              <a:xfrm>
+                <a:off x="6337112" y="7253954"/>
+                <a:ext cx="1798710" cy="477054"/>
+              </a:xfrm>
+              <a:prstGeom prst="rect">
+                <a:avLst/>
+              </a:prstGeom>
+              <a:noFill/>
+            </p:spPr>
+            <p:txBody>
+              <a:bodyPr wrap="square" rtlCol="0">
+                <a:spAutoFit/>
+              </a:bodyPr>
+              <a:lstStyle/>
+              <a:p>
+                <a:pPr algn="ctr">
+                  <a:lnSpc>
+                    <a:spcPts val="3000"/>
+                  </a:lnSpc>
+                </a:pPr>
+                <a14:m>
+                  <m:oMathPara xmlns:m="http://schemas.openxmlformats.org/officeDocument/2006/math">
+                    <m:oMathParaPr>
+                      <m:jc m:val="centerGroup"/>
+                    </m:oMathParaPr>
+                    <m:oMath xmlns:m="http://schemas.openxmlformats.org/officeDocument/2006/math">
+                      <m:r>
+                        <m:rPr>
+                          <m:sty m:val="p"/>
+                        </m:rPr>
+                        <a:rPr lang="en-US" altLang="zh-CN" sz="2400" i="0" dirty="0" smtClean="0">
+                          <a:latin typeface="Cambria Math" panose="02040503050406030204" pitchFamily="18" charset="0"/>
+                          <a:ea typeface="微软雅黑" panose="020B0503020204020204" pitchFamily="34" charset="-122"/>
+                        </a:rPr>
+                        <m:t>Con</m:t>
+                      </m:r>
+                      <m:r>
+                        <m:rPr>
+                          <m:sty m:val="p"/>
+                        </m:rPr>
+                        <a:rPr lang="en-US" altLang="zh-CN" sz="2400" b="0" i="0" dirty="0" smtClean="0">
+                          <a:latin typeface="Cambria Math" panose="02040503050406030204" pitchFamily="18" charset="0"/>
+                          <a:ea typeface="微软雅黑" panose="020B0503020204020204" pitchFamily="34" charset="-122"/>
+                        </a:rPr>
+                        <m:t>cat</m:t>
+                      </m:r>
+                    </m:oMath>
+                  </m:oMathPara>
+                </a14:m>
+                <a:endParaRPr lang="zh-CN" altLang="en-US" sz="2800" dirty="0">
+                  <a:latin typeface="微软雅黑" panose="020B0503020204020204" pitchFamily="34" charset="-122"/>
+                  <a:ea typeface="微软雅黑" panose="020B0503020204020204" pitchFamily="34" charset="-122"/>
+                </a:endParaRPr>
+              </a:p>
+            </p:txBody>
+          </p:sp>
+        </mc:Choice>
+        <mc:Fallback>
+          <p:sp>
+            <p:nvSpPr>
+              <p:cNvPr id="22" name="文本框 21">
+                <a:extLst>
+                  <a:ext uri="{FF2B5EF4-FFF2-40B4-BE49-F238E27FC236}">
+                    <a16:creationId xmlns:a16="http://schemas.microsoft.com/office/drawing/2014/main" id="{F42432AB-13C3-6E94-2E6F-568A7686B117}"/>
+                  </a:ext>
+                </a:extLst>
+              </p:cNvPr>
+              <p:cNvSpPr txBox="1">
+                <a:spLocks noRot="1" noChangeAspect="1" noMove="1" noResize="1" noEditPoints="1" noAdjustHandles="1" noChangeArrowheads="1" noChangeShapeType="1" noTextEdit="1"/>
+              </p:cNvSpPr>
+              <p:nvPr/>
+            </p:nvSpPr>
+            <p:spPr>
+              <a:xfrm>
+                <a:off x="6337112" y="7253954"/>
+                <a:ext cx="1798710" cy="477054"/>
+              </a:xfrm>
+              <a:prstGeom prst="rect">
+                <a:avLst/>
+              </a:prstGeom>
+              <a:blipFill>
+                <a:blip r:embed="rId7"/>
+                <a:stretch>
+                  <a:fillRect/>
+                </a:stretch>
+              </a:blipFill>
+            </p:spPr>
+            <p:txBody>
+              <a:bodyPr/>
+              <a:lstStyle/>
+              <a:p>
+                <a:r>
+                  <a:rPr lang="zh-CN" altLang="en-US">
+                    <a:noFill/>
+                  </a:rPr>
+                  <a:t> </a:t>
+                </a:r>
+              </a:p>
+            </p:txBody>
+          </p:sp>
+        </mc:Fallback>
+      </mc:AlternateContent>
+      <p:sp>
+        <p:nvSpPr>
+          <p:cNvPr id="23" name="矩形: 圆角 22">
+            <a:extLst>
+              <a:ext uri="{FF2B5EF4-FFF2-40B4-BE49-F238E27FC236}">
+                <a16:creationId xmlns:a16="http://schemas.microsoft.com/office/drawing/2014/main" id="{EA85DBF4-74E0-B5E9-7B6E-1CD3F1C6FDD7}"/>
+              </a:ext>
+            </a:extLst>
+          </p:cNvPr>
+          <p:cNvSpPr/>
+          <p:nvPr/>
+        </p:nvSpPr>
+        <p:spPr>
+          <a:xfrm>
+            <a:off x="5772595" y="6062593"/>
+            <a:ext cx="2846602" cy="584011"/>
+          </a:xfrm>
+          <a:prstGeom prst="roundRect">
+            <a:avLst>
+              <a:gd name="adj" fmla="val 0"/>
+            </a:avLst>
+          </a:prstGeom>
+          <a:solidFill>
+            <a:schemeClr val="accent5">
+              <a:lumMod val="20000"/>
+              <a:lumOff val="80000"/>
+            </a:schemeClr>
+          </a:solidFill>
+          <a:ln>
+            <a:solidFill>
+              <a:schemeClr val="tx1"/>
+            </a:solidFill>
+          </a:ln>
+        </p:spPr>
+        <p:style>
+          <a:lnRef idx="2">
+            <a:schemeClr val="accent1">
+              <a:shade val="15000"/>
+            </a:schemeClr>
+          </a:lnRef>
+          <a:fillRef idx="1">
+            <a:schemeClr val="accent1"/>
+          </a:fillRef>
+          <a:effectRef idx="0">
+            <a:schemeClr val="accent1"/>
+          </a:effectRef>
+          <a:fontRef idx="minor">
+            <a:schemeClr val="lt1"/>
+          </a:fontRef>
+        </p:style>
+        <p:txBody>
+          <a:bodyPr rtlCol="0" anchor="ctr"/>
+          <a:lstStyle/>
+          <a:p>
+            <a:pPr algn="ctr"/>
+            <a:endParaRPr lang="zh-CN" altLang="en-US" sz="3189"/>
+          </a:p>
+        </p:txBody>
+      </p:sp>
+      <mc:AlternateContent xmlns:mc="http://schemas.openxmlformats.org/markup-compatibility/2006">
+        <mc:Choice xmlns:a14="http://schemas.microsoft.com/office/drawing/2010/main" Requires="a14">
+          <p:sp>
+            <p:nvSpPr>
+              <p:cNvPr id="24" name="文本框 23">
+                <a:extLst>
+                  <a:ext uri="{FF2B5EF4-FFF2-40B4-BE49-F238E27FC236}">
+                    <a16:creationId xmlns:a16="http://schemas.microsoft.com/office/drawing/2014/main" id="{569F1C26-AC8E-E843-341A-C738416F0E98}"/>
+                  </a:ext>
+                </a:extLst>
+              </p:cNvPr>
+              <p:cNvSpPr txBox="1"/>
+              <p:nvPr/>
+            </p:nvSpPr>
+            <p:spPr>
+              <a:xfrm>
+                <a:off x="6337112" y="6120188"/>
+                <a:ext cx="1798710" cy="477054"/>
+              </a:xfrm>
+              <a:prstGeom prst="rect">
+                <a:avLst/>
+              </a:prstGeom>
+              <a:noFill/>
+            </p:spPr>
+            <p:txBody>
+              <a:bodyPr wrap="square" rtlCol="0">
+                <a:spAutoFit/>
+              </a:bodyPr>
+              <a:lstStyle/>
+              <a:p>
+                <a:pPr algn="ctr">
+                  <a:lnSpc>
+                    <a:spcPts val="3000"/>
+                  </a:lnSpc>
+                </a:pPr>
+                <a14:m>
+                  <m:oMathPara xmlns:m="http://schemas.openxmlformats.org/officeDocument/2006/math">
+                    <m:oMathParaPr>
+                      <m:jc m:val="centerGroup"/>
+                    </m:oMathParaPr>
+                    <m:oMath xmlns:m="http://schemas.openxmlformats.org/officeDocument/2006/math">
+                      <m:r>
+                        <m:rPr>
+                          <m:sty m:val="p"/>
+                        </m:rPr>
+                        <a:rPr lang="en-US" altLang="zh-CN" sz="2400" i="0" dirty="0" smtClean="0">
+                          <a:latin typeface="Cambria Math" panose="02040503050406030204" pitchFamily="18" charset="0"/>
+                          <a:ea typeface="微软雅黑" panose="020B0503020204020204" pitchFamily="34" charset="-122"/>
+                        </a:rPr>
+                        <m:t>E</m:t>
+                      </m:r>
+                      <m:r>
+                        <m:rPr>
+                          <m:sty m:val="p"/>
+                        </m:rPr>
+                        <a:rPr lang="en-US" altLang="zh-CN" sz="2400" b="0" i="0" dirty="0" smtClean="0">
+                          <a:latin typeface="Cambria Math" panose="02040503050406030204" pitchFamily="18" charset="0"/>
+                          <a:ea typeface="微软雅黑" panose="020B0503020204020204" pitchFamily="34" charset="-122"/>
+                        </a:rPr>
+                        <m:t>mbedding</m:t>
+                      </m:r>
+                    </m:oMath>
+                  </m:oMathPara>
+                </a14:m>
+                <a:endParaRPr lang="zh-CN" altLang="en-US" sz="2800" dirty="0">
+                  <a:latin typeface="微软雅黑" panose="020B0503020204020204" pitchFamily="34" charset="-122"/>
+                  <a:ea typeface="微软雅黑" panose="020B0503020204020204" pitchFamily="34" charset="-122"/>
+                </a:endParaRPr>
+              </a:p>
+            </p:txBody>
+          </p:sp>
+        </mc:Choice>
+        <mc:Fallback>
+          <p:sp>
+            <p:nvSpPr>
+              <p:cNvPr id="24" name="文本框 23">
+                <a:extLst>
+                  <a:ext uri="{FF2B5EF4-FFF2-40B4-BE49-F238E27FC236}">
+                    <a16:creationId xmlns:a16="http://schemas.microsoft.com/office/drawing/2014/main" id="{569F1C26-AC8E-E843-341A-C738416F0E98}"/>
+                  </a:ext>
+                </a:extLst>
+              </p:cNvPr>
+              <p:cNvSpPr txBox="1">
+                <a:spLocks noRot="1" noChangeAspect="1" noMove="1" noResize="1" noEditPoints="1" noAdjustHandles="1" noChangeArrowheads="1" noChangeShapeType="1" noTextEdit="1"/>
+              </p:cNvSpPr>
+              <p:nvPr/>
+            </p:nvSpPr>
+            <p:spPr>
+              <a:xfrm>
+                <a:off x="6337112" y="6120188"/>
+                <a:ext cx="1798710" cy="477054"/>
+              </a:xfrm>
+              <a:prstGeom prst="rect">
+                <a:avLst/>
+              </a:prstGeom>
+              <a:blipFill>
+                <a:blip r:embed="rId8"/>
+                <a:stretch>
+                  <a:fillRect/>
+                </a:stretch>
+              </a:blipFill>
+            </p:spPr>
+            <p:txBody>
+              <a:bodyPr/>
+              <a:lstStyle/>
+              <a:p>
+                <a:r>
+                  <a:rPr lang="zh-CN" altLang="en-US">
+                    <a:noFill/>
+                  </a:rPr>
+                  <a:t> </a:t>
+                </a:r>
+              </a:p>
+            </p:txBody>
+          </p:sp>
+        </mc:Fallback>
+      </mc:AlternateContent>
+      <p:cxnSp>
+        <p:nvCxnSpPr>
+          <p:cNvPr id="25" name="直接箭头连接符 24">
+            <a:extLst>
+              <a:ext uri="{FF2B5EF4-FFF2-40B4-BE49-F238E27FC236}">
+                <a16:creationId xmlns:a16="http://schemas.microsoft.com/office/drawing/2014/main" id="{4A81B9C2-AE3C-43F6-C8AA-6F462FF54141}"/>
+              </a:ext>
+            </a:extLst>
+          </p:cNvPr>
+          <p:cNvCxnSpPr>
+            <a:cxnSpLocks/>
+            <a:stCxn id="6" idx="0"/>
+          </p:cNvCxnSpPr>
+          <p:nvPr/>
+        </p:nvCxnSpPr>
+        <p:spPr>
+          <a:xfrm flipV="1">
+            <a:off x="4317905" y="5401814"/>
+            <a:ext cx="0" cy="660558"/>
+          </a:xfrm>
+          <a:prstGeom prst="straightConnector1">
+            <a:avLst/>
+          </a:prstGeom>
+          <a:ln w="12700">
+            <a:tailEnd type="triangle"/>
+          </a:ln>
+        </p:spPr>
+        <p:style>
+          <a:lnRef idx="2">
+            <a:schemeClr val="accent1"/>
+          </a:lnRef>
+          <a:fillRef idx="0">
+            <a:schemeClr val="accent1"/>
+          </a:fillRef>
+          <a:effectRef idx="1">
+            <a:schemeClr val="accent1"/>
+          </a:effectRef>
+          <a:fontRef idx="minor">
+            <a:schemeClr val="tx1"/>
+          </a:fontRef>
+        </p:style>
+      </p:cxnSp>
+      <p:cxnSp>
+        <p:nvCxnSpPr>
+          <p:cNvPr id="28" name="直接箭头连接符 27">
+            <a:extLst>
+              <a:ext uri="{FF2B5EF4-FFF2-40B4-BE49-F238E27FC236}">
+                <a16:creationId xmlns:a16="http://schemas.microsoft.com/office/drawing/2014/main" id="{6CED66B4-CC60-5BA7-1790-A02CF366454B}"/>
+              </a:ext>
+            </a:extLst>
+          </p:cNvPr>
+          <p:cNvCxnSpPr>
+            <a:cxnSpLocks/>
+            <a:stCxn id="10" idx="0"/>
+            <a:endCxn id="6" idx="2"/>
+          </p:cNvCxnSpPr>
+          <p:nvPr/>
+        </p:nvCxnSpPr>
+        <p:spPr>
+          <a:xfrm flipV="1">
+            <a:off x="4317905" y="6727839"/>
+            <a:ext cx="0" cy="1052531"/>
+          </a:xfrm>
+          <a:prstGeom prst="straightConnector1">
+            <a:avLst/>
+          </a:prstGeom>
+          <a:ln w="12700">
+            <a:tailEnd type="triangle"/>
+          </a:ln>
+        </p:spPr>
+        <p:style>
+          <a:lnRef idx="2">
+            <a:schemeClr val="accent1"/>
+          </a:lnRef>
+          <a:fillRef idx="0">
+            <a:schemeClr val="accent1"/>
+          </a:fillRef>
+          <a:effectRef idx="1">
+            <a:schemeClr val="accent1"/>
+          </a:effectRef>
+          <a:fontRef idx="minor">
+            <a:schemeClr val="tx1"/>
+          </a:fontRef>
+        </p:style>
+      </p:cxnSp>
+      <p:cxnSp>
+        <p:nvCxnSpPr>
+          <p:cNvPr id="33" name="直接箭头连接符 32">
+            <a:extLst>
+              <a:ext uri="{FF2B5EF4-FFF2-40B4-BE49-F238E27FC236}">
+                <a16:creationId xmlns:a16="http://schemas.microsoft.com/office/drawing/2014/main" id="{615E0DC4-D503-D376-F92F-2D74E6A94CFA}"/>
+              </a:ext>
+            </a:extLst>
+          </p:cNvPr>
+          <p:cNvCxnSpPr>
+            <a:cxnSpLocks/>
+            <a:stCxn id="17" idx="0"/>
+          </p:cNvCxnSpPr>
+          <p:nvPr/>
+        </p:nvCxnSpPr>
+        <p:spPr>
+          <a:xfrm flipV="1">
+            <a:off x="6408116" y="7780370"/>
+            <a:ext cx="0" cy="548123"/>
+          </a:xfrm>
+          <a:prstGeom prst="straightConnector1">
+            <a:avLst/>
+          </a:prstGeom>
+          <a:ln w="12700">
+            <a:tailEnd type="triangle"/>
+          </a:ln>
+        </p:spPr>
+        <p:style>
+          <a:lnRef idx="2">
+            <a:schemeClr val="accent1"/>
+          </a:lnRef>
+          <a:fillRef idx="0">
+            <a:schemeClr val="accent1"/>
+          </a:fillRef>
+          <a:effectRef idx="1">
+            <a:schemeClr val="accent1"/>
+          </a:effectRef>
+          <a:fontRef idx="minor">
+            <a:schemeClr val="tx1"/>
+          </a:fontRef>
+        </p:style>
+      </p:cxnSp>
+      <p:cxnSp>
+        <p:nvCxnSpPr>
+          <p:cNvPr id="36" name="直接箭头连接符 35">
+            <a:extLst>
+              <a:ext uri="{FF2B5EF4-FFF2-40B4-BE49-F238E27FC236}">
+                <a16:creationId xmlns:a16="http://schemas.microsoft.com/office/drawing/2014/main" id="{DE043D0C-807E-57BD-0AC4-0A8B28F8EF1B}"/>
+              </a:ext>
+            </a:extLst>
+          </p:cNvPr>
+          <p:cNvCxnSpPr>
+            <a:cxnSpLocks/>
+          </p:cNvCxnSpPr>
+          <p:nvPr/>
+        </p:nvCxnSpPr>
+        <p:spPr>
+          <a:xfrm flipV="1">
+            <a:off x="8018124" y="7780370"/>
+            <a:ext cx="0" cy="548123"/>
+          </a:xfrm>
+          <a:prstGeom prst="straightConnector1">
+            <a:avLst/>
+          </a:prstGeom>
+          <a:ln w="12700">
+            <a:tailEnd type="triangle"/>
+          </a:ln>
+        </p:spPr>
+        <p:style>
+          <a:lnRef idx="2">
+            <a:schemeClr val="accent1"/>
+          </a:lnRef>
+          <a:fillRef idx="0">
+            <a:schemeClr val="accent1"/>
+          </a:fillRef>
+          <a:effectRef idx="1">
+            <a:schemeClr val="accent1"/>
+          </a:effectRef>
+          <a:fontRef idx="minor">
+            <a:schemeClr val="tx1"/>
+          </a:fontRef>
+        </p:style>
+      </p:cxnSp>
+      <p:cxnSp>
+        <p:nvCxnSpPr>
+          <p:cNvPr id="37" name="直接箭头连接符 36">
+            <a:extLst>
+              <a:ext uri="{FF2B5EF4-FFF2-40B4-BE49-F238E27FC236}">
+                <a16:creationId xmlns:a16="http://schemas.microsoft.com/office/drawing/2014/main" id="{E057449D-FF09-76C7-BAE8-5DA4176A3B02}"/>
+              </a:ext>
+            </a:extLst>
+          </p:cNvPr>
+          <p:cNvCxnSpPr>
+            <a:cxnSpLocks/>
+            <a:stCxn id="21" idx="0"/>
+            <a:endCxn id="23" idx="2"/>
+          </p:cNvCxnSpPr>
+          <p:nvPr/>
+        </p:nvCxnSpPr>
+        <p:spPr>
+          <a:xfrm flipV="1">
+            <a:off x="7195896" y="6646604"/>
+            <a:ext cx="0" cy="549755"/>
+          </a:xfrm>
+          <a:prstGeom prst="straightConnector1">
+            <a:avLst/>
+          </a:prstGeom>
+          <a:ln w="12700">
+            <a:tailEnd type="triangle"/>
+          </a:ln>
+        </p:spPr>
+        <p:style>
+          <a:lnRef idx="2">
+            <a:schemeClr val="accent1"/>
+          </a:lnRef>
+          <a:fillRef idx="0">
+            <a:schemeClr val="accent1"/>
+          </a:fillRef>
+          <a:effectRef idx="1">
+            <a:schemeClr val="accent1"/>
+          </a:effectRef>
+          <a:fontRef idx="minor">
+            <a:schemeClr val="tx1"/>
+          </a:fontRef>
+        </p:style>
+      </p:cxnSp>
+      <p:cxnSp>
+        <p:nvCxnSpPr>
+          <p:cNvPr id="42" name="直接箭头连接符 41">
+            <a:extLst>
+              <a:ext uri="{FF2B5EF4-FFF2-40B4-BE49-F238E27FC236}">
+                <a16:creationId xmlns:a16="http://schemas.microsoft.com/office/drawing/2014/main" id="{DDE9FB72-A6E8-438A-C6B1-5E3786DDC188}"/>
+              </a:ext>
+            </a:extLst>
+          </p:cNvPr>
+          <p:cNvCxnSpPr>
+            <a:cxnSpLocks/>
+            <a:stCxn id="23" idx="0"/>
+          </p:cNvCxnSpPr>
+          <p:nvPr/>
+        </p:nvCxnSpPr>
+        <p:spPr>
+          <a:xfrm flipV="1">
+            <a:off x="7195896" y="5401814"/>
+            <a:ext cx="0" cy="660779"/>
+          </a:xfrm>
+          <a:prstGeom prst="straightConnector1">
+            <a:avLst/>
+          </a:prstGeom>
+          <a:ln w="12700">
+            <a:tailEnd type="triangle"/>
+          </a:ln>
+        </p:spPr>
+        <p:style>
+          <a:lnRef idx="2">
+            <a:schemeClr val="accent1"/>
+          </a:lnRef>
+          <a:fillRef idx="0">
+            <a:schemeClr val="accent1"/>
+          </a:fillRef>
+          <a:effectRef idx="1">
+            <a:schemeClr val="accent1"/>
+          </a:effectRef>
+          <a:fontRef idx="minor">
+            <a:schemeClr val="tx1"/>
+          </a:fontRef>
+        </p:style>
+      </p:cxnSp>
+      <p:sp>
+        <p:nvSpPr>
+          <p:cNvPr id="45" name="矩形: 圆角 44">
+            <a:extLst>
+              <a:ext uri="{FF2B5EF4-FFF2-40B4-BE49-F238E27FC236}">
+                <a16:creationId xmlns:a16="http://schemas.microsoft.com/office/drawing/2014/main" id="{C699BAE9-6F45-4923-241C-451998D6C9CE}"/>
+              </a:ext>
+            </a:extLst>
+          </p:cNvPr>
+          <p:cNvSpPr/>
+          <p:nvPr/>
+        </p:nvSpPr>
+        <p:spPr>
+          <a:xfrm>
+            <a:off x="3574117" y="2901959"/>
+            <a:ext cx="5045080" cy="584011"/>
+          </a:xfrm>
+          <a:prstGeom prst="roundRect">
+            <a:avLst>
+              <a:gd name="adj" fmla="val 0"/>
+            </a:avLst>
+          </a:prstGeom>
+          <a:solidFill>
+            <a:schemeClr val="tx2">
+              <a:lumMod val="10000"/>
+              <a:lumOff val="90000"/>
+            </a:schemeClr>
+          </a:solidFill>
+          <a:ln>
+            <a:solidFill>
+              <a:schemeClr val="tx1"/>
+            </a:solidFill>
+          </a:ln>
+        </p:spPr>
+        <p:style>
+          <a:lnRef idx="2">
+            <a:schemeClr val="accent1">
+              <a:shade val="15000"/>
+            </a:schemeClr>
+          </a:lnRef>
+          <a:fillRef idx="1">
+            <a:schemeClr val="accent1"/>
+          </a:fillRef>
+          <a:effectRef idx="0">
+            <a:schemeClr val="accent1"/>
+          </a:effectRef>
+          <a:fontRef idx="minor">
+            <a:schemeClr val="lt1"/>
+          </a:fontRef>
+        </p:style>
+        <p:txBody>
+          <a:bodyPr rtlCol="0" anchor="ctr"/>
+          <a:lstStyle/>
+          <a:p>
+            <a:pPr algn="ctr"/>
+            <a:endParaRPr lang="zh-CN" altLang="en-US" sz="3189"/>
+          </a:p>
+        </p:txBody>
+      </p:sp>
+      <mc:AlternateContent xmlns:mc="http://schemas.openxmlformats.org/markup-compatibility/2006">
+        <mc:Choice xmlns:a14="http://schemas.microsoft.com/office/drawing/2010/main" Requires="a14">
+          <p:sp>
+            <p:nvSpPr>
+              <p:cNvPr id="46" name="文本框 45">
+                <a:extLst>
+                  <a:ext uri="{FF2B5EF4-FFF2-40B4-BE49-F238E27FC236}">
+                    <a16:creationId xmlns:a16="http://schemas.microsoft.com/office/drawing/2014/main" id="{2CA5EED0-1868-C79E-B51B-13294C458C41}"/>
+                  </a:ext>
+                </a:extLst>
+              </p:cNvPr>
+              <p:cNvSpPr txBox="1"/>
+              <p:nvPr/>
+            </p:nvSpPr>
+            <p:spPr>
+              <a:xfrm>
+                <a:off x="4738101" y="2955437"/>
+                <a:ext cx="3187884" cy="477054"/>
+              </a:xfrm>
+              <a:prstGeom prst="rect">
+                <a:avLst/>
+              </a:prstGeom>
+              <a:noFill/>
+            </p:spPr>
+            <p:txBody>
+              <a:bodyPr wrap="square" rtlCol="0">
+                <a:spAutoFit/>
+              </a:bodyPr>
+              <a:lstStyle/>
+              <a:p>
+                <a:pPr algn="ctr">
+                  <a:lnSpc>
+                    <a:spcPts val="3000"/>
+                  </a:lnSpc>
+                </a:pPr>
+                <a14:m>
+                  <m:oMathPara xmlns:m="http://schemas.openxmlformats.org/officeDocument/2006/math">
+                    <m:oMathParaPr>
+                      <m:jc m:val="centerGroup"/>
+                    </m:oMathParaPr>
+                    <m:oMath xmlns:m="http://schemas.openxmlformats.org/officeDocument/2006/math">
+                      <m:r>
+                        <m:rPr>
+                          <m:sty m:val="p"/>
+                        </m:rPr>
+                        <a:rPr lang="en-US" altLang="zh-CN" sz="2400" i="0" dirty="0" smtClean="0">
+                          <a:latin typeface="Cambria Math" panose="02040503050406030204" pitchFamily="18" charset="0"/>
+                          <a:ea typeface="微软雅黑" panose="020B0503020204020204" pitchFamily="34" charset="-122"/>
+                        </a:rPr>
+                        <m:t>L</m:t>
+                      </m:r>
+                      <m:r>
+                        <m:rPr>
+                          <m:sty m:val="p"/>
+                        </m:rPr>
+                        <a:rPr lang="en-US" altLang="zh-CN" sz="2400" b="0" i="0" dirty="0" smtClean="0">
+                          <a:latin typeface="Cambria Math" panose="02040503050406030204" pitchFamily="18" charset="0"/>
+                          <a:ea typeface="微软雅黑" panose="020B0503020204020204" pitchFamily="34" charset="-122"/>
+                        </a:rPr>
+                        <m:t>ayer</m:t>
+                      </m:r>
+                      <m:r>
+                        <a:rPr lang="en-US" altLang="zh-CN" sz="2400" b="0" i="0" dirty="0" smtClean="0">
+                          <a:latin typeface="Cambria Math" panose="02040503050406030204" pitchFamily="18" charset="0"/>
+                          <a:ea typeface="微软雅黑" panose="020B0503020204020204" pitchFamily="34" charset="-122"/>
+                        </a:rPr>
+                        <m:t> </m:t>
+                      </m:r>
+                      <m:r>
+                        <m:rPr>
+                          <m:sty m:val="p"/>
+                        </m:rPr>
+                        <a:rPr lang="en-US" altLang="zh-CN" sz="2400" b="0" i="0" dirty="0" smtClean="0">
+                          <a:latin typeface="Cambria Math" panose="02040503050406030204" pitchFamily="18" charset="0"/>
+                          <a:ea typeface="微软雅黑" panose="020B0503020204020204" pitchFamily="34" charset="-122"/>
+                        </a:rPr>
+                        <m:t>Normalization</m:t>
+                      </m:r>
+                    </m:oMath>
+                  </m:oMathPara>
+                </a14:m>
+                <a:endParaRPr lang="zh-CN" altLang="en-US" sz="2800" dirty="0">
+                  <a:latin typeface="微软雅黑" panose="020B0503020204020204" pitchFamily="34" charset="-122"/>
+                  <a:ea typeface="微软雅黑" panose="020B0503020204020204" pitchFamily="34" charset="-122"/>
+                </a:endParaRPr>
+              </a:p>
+            </p:txBody>
+          </p:sp>
+        </mc:Choice>
+        <mc:Fallback>
+          <p:sp>
+            <p:nvSpPr>
+              <p:cNvPr id="46" name="文本框 45">
+                <a:extLst>
+                  <a:ext uri="{FF2B5EF4-FFF2-40B4-BE49-F238E27FC236}">
+                    <a16:creationId xmlns:a16="http://schemas.microsoft.com/office/drawing/2014/main" id="{2CA5EED0-1868-C79E-B51B-13294C458C41}"/>
+                  </a:ext>
+                </a:extLst>
+              </p:cNvPr>
+              <p:cNvSpPr txBox="1">
+                <a:spLocks noRot="1" noChangeAspect="1" noMove="1" noResize="1" noEditPoints="1" noAdjustHandles="1" noChangeArrowheads="1" noChangeShapeType="1" noTextEdit="1"/>
+              </p:cNvSpPr>
+              <p:nvPr/>
+            </p:nvSpPr>
+            <p:spPr>
+              <a:xfrm>
+                <a:off x="4738101" y="2955437"/>
+                <a:ext cx="3187884" cy="477054"/>
+              </a:xfrm>
+              <a:prstGeom prst="rect">
+                <a:avLst/>
+              </a:prstGeom>
+              <a:blipFill>
+                <a:blip r:embed="rId9"/>
+                <a:stretch>
+                  <a:fillRect/>
+                </a:stretch>
+              </a:blipFill>
+            </p:spPr>
+            <p:txBody>
+              <a:bodyPr/>
+              <a:lstStyle/>
+              <a:p>
+                <a:r>
+                  <a:rPr lang="zh-CN" altLang="en-US">
+                    <a:noFill/>
+                  </a:rPr>
+                  <a:t> </a:t>
+                </a:r>
+              </a:p>
+            </p:txBody>
+          </p:sp>
+        </mc:Fallback>
+      </mc:AlternateContent>
+      <p:sp>
+        <p:nvSpPr>
+          <p:cNvPr id="47" name="矩形: 圆角 46">
+            <a:extLst>
+              <a:ext uri="{FF2B5EF4-FFF2-40B4-BE49-F238E27FC236}">
+                <a16:creationId xmlns:a16="http://schemas.microsoft.com/office/drawing/2014/main" id="{DEC7F66D-5AF9-082A-5C3A-2C9242221F4B}"/>
+              </a:ext>
+            </a:extLst>
+          </p:cNvPr>
+          <p:cNvSpPr/>
+          <p:nvPr/>
+        </p:nvSpPr>
+        <p:spPr>
+          <a:xfrm>
+            <a:off x="3574117" y="1738434"/>
+            <a:ext cx="5045080" cy="584011"/>
+          </a:xfrm>
+          <a:prstGeom prst="roundRect">
+            <a:avLst>
+              <a:gd name="adj" fmla="val 0"/>
+            </a:avLst>
+          </a:prstGeom>
+          <a:solidFill>
+            <a:schemeClr val="tx2">
+              <a:lumMod val="10000"/>
+              <a:lumOff val="90000"/>
+            </a:schemeClr>
+          </a:solidFill>
+          <a:ln>
+            <a:solidFill>
+              <a:schemeClr val="tx1"/>
+            </a:solidFill>
+          </a:ln>
+        </p:spPr>
+        <p:style>
+          <a:lnRef idx="2">
+            <a:schemeClr val="accent1">
+              <a:shade val="15000"/>
+            </a:schemeClr>
+          </a:lnRef>
+          <a:fillRef idx="1">
+            <a:schemeClr val="accent1"/>
+          </a:fillRef>
+          <a:effectRef idx="0">
+            <a:schemeClr val="accent1"/>
+          </a:effectRef>
+          <a:fontRef idx="minor">
+            <a:schemeClr val="lt1"/>
+          </a:fontRef>
+        </p:style>
+        <p:txBody>
+          <a:bodyPr rtlCol="0" anchor="ctr"/>
+          <a:lstStyle/>
+          <a:p>
+            <a:pPr algn="ctr"/>
+            <a:endParaRPr lang="zh-CN" altLang="en-US" sz="3189"/>
+          </a:p>
+        </p:txBody>
+      </p:sp>
+      <mc:AlternateContent xmlns:mc="http://schemas.openxmlformats.org/markup-compatibility/2006">
+        <mc:Choice xmlns:a14="http://schemas.microsoft.com/office/drawing/2010/main" Requires="a14">
+          <p:sp>
+            <p:nvSpPr>
+              <p:cNvPr id="48" name="文本框 47">
+                <a:extLst>
+                  <a:ext uri="{FF2B5EF4-FFF2-40B4-BE49-F238E27FC236}">
+                    <a16:creationId xmlns:a16="http://schemas.microsoft.com/office/drawing/2014/main" id="{F842315F-AE5F-F89C-4650-74232F46E536}"/>
+                  </a:ext>
+                </a:extLst>
+              </p:cNvPr>
+              <p:cNvSpPr txBox="1"/>
+              <p:nvPr/>
+            </p:nvSpPr>
+            <p:spPr>
+              <a:xfrm>
+                <a:off x="4576176" y="1791912"/>
+                <a:ext cx="3187884" cy="477054"/>
+              </a:xfrm>
+              <a:prstGeom prst="rect">
+                <a:avLst/>
+              </a:prstGeom>
+              <a:noFill/>
+            </p:spPr>
+            <p:txBody>
+              <a:bodyPr wrap="square" rtlCol="0">
+                <a:spAutoFit/>
+              </a:bodyPr>
+              <a:lstStyle/>
+              <a:p>
+                <a:pPr algn="ctr">
+                  <a:lnSpc>
+                    <a:spcPts val="3000"/>
+                  </a:lnSpc>
+                </a:pPr>
+                <a14:m>
+                  <m:oMathPara xmlns:m="http://schemas.openxmlformats.org/officeDocument/2006/math">
+                    <m:oMathParaPr>
+                      <m:jc m:val="centerGroup"/>
+                    </m:oMathParaPr>
+                    <m:oMath xmlns:m="http://schemas.openxmlformats.org/officeDocument/2006/math">
+                      <m:r>
+                        <m:rPr>
+                          <m:sty m:val="p"/>
+                        </m:rPr>
+                        <a:rPr lang="en-US" altLang="zh-CN" sz="2400" i="0" dirty="0" smtClean="0">
+                          <a:latin typeface="Cambria Math" panose="02040503050406030204" pitchFamily="18" charset="0"/>
+                          <a:ea typeface="微软雅黑" panose="020B0503020204020204" pitchFamily="34" charset="-122"/>
+                        </a:rPr>
+                        <m:t>R</m:t>
+                      </m:r>
+                      <m:r>
+                        <m:rPr>
+                          <m:sty m:val="p"/>
+                        </m:rPr>
+                        <a:rPr lang="en-US" altLang="zh-CN" sz="2400" b="0" i="0" dirty="0" smtClean="0">
+                          <a:latin typeface="Cambria Math" panose="02040503050406030204" pitchFamily="18" charset="0"/>
+                          <a:ea typeface="微软雅黑" panose="020B0503020204020204" pitchFamily="34" charset="-122"/>
+                        </a:rPr>
+                        <m:t>eshape</m:t>
+                      </m:r>
+                    </m:oMath>
+                  </m:oMathPara>
+                </a14:m>
+                <a:endParaRPr lang="zh-CN" altLang="en-US" sz="2800" dirty="0">
+                  <a:latin typeface="微软雅黑" panose="020B0503020204020204" pitchFamily="34" charset="-122"/>
+                  <a:ea typeface="微软雅黑" panose="020B0503020204020204" pitchFamily="34" charset="-122"/>
+                </a:endParaRPr>
+              </a:p>
+            </p:txBody>
+          </p:sp>
+        </mc:Choice>
+        <mc:Fallback>
+          <p:sp>
+            <p:nvSpPr>
+              <p:cNvPr id="48" name="文本框 47">
+                <a:extLst>
+                  <a:ext uri="{FF2B5EF4-FFF2-40B4-BE49-F238E27FC236}">
+                    <a16:creationId xmlns:a16="http://schemas.microsoft.com/office/drawing/2014/main" id="{F842315F-AE5F-F89C-4650-74232F46E536}"/>
+                  </a:ext>
+                </a:extLst>
+              </p:cNvPr>
+              <p:cNvSpPr txBox="1">
+                <a:spLocks noRot="1" noChangeAspect="1" noMove="1" noResize="1" noEditPoints="1" noAdjustHandles="1" noChangeArrowheads="1" noChangeShapeType="1" noTextEdit="1"/>
+              </p:cNvSpPr>
+              <p:nvPr/>
+            </p:nvSpPr>
+            <p:spPr>
+              <a:xfrm>
+                <a:off x="4576176" y="1791912"/>
+                <a:ext cx="3187884" cy="477054"/>
+              </a:xfrm>
+              <a:prstGeom prst="rect">
+                <a:avLst/>
+              </a:prstGeom>
+              <a:blipFill>
+                <a:blip r:embed="rId10"/>
+                <a:stretch>
+                  <a:fillRect/>
+                </a:stretch>
+              </a:blipFill>
+            </p:spPr>
+            <p:txBody>
+              <a:bodyPr/>
+              <a:lstStyle/>
+              <a:p>
+                <a:r>
+                  <a:rPr lang="zh-CN" altLang="en-US">
+                    <a:noFill/>
+                  </a:rPr>
+                  <a:t> </a:t>
+                </a:r>
+              </a:p>
+            </p:txBody>
+          </p:sp>
+        </mc:Fallback>
+      </mc:AlternateContent>
+      <p:cxnSp>
+        <p:nvCxnSpPr>
+          <p:cNvPr id="51" name="直接箭头连接符 50">
+            <a:extLst>
+              <a:ext uri="{FF2B5EF4-FFF2-40B4-BE49-F238E27FC236}">
+                <a16:creationId xmlns:a16="http://schemas.microsoft.com/office/drawing/2014/main" id="{ED0371A0-B7F9-5878-8EE2-0E03A81A9A37}"/>
+              </a:ext>
+            </a:extLst>
+          </p:cNvPr>
+          <p:cNvCxnSpPr>
+            <a:cxnSpLocks/>
+            <a:stCxn id="4" idx="0"/>
+            <a:endCxn id="45" idx="2"/>
+          </p:cNvCxnSpPr>
+          <p:nvPr/>
+        </p:nvCxnSpPr>
+        <p:spPr>
+          <a:xfrm flipV="1">
+            <a:off x="6096657" y="3485970"/>
+            <a:ext cx="0" cy="557824"/>
+          </a:xfrm>
+          <a:prstGeom prst="straightConnector1">
+            <a:avLst/>
+          </a:prstGeom>
+          <a:ln w="12700">
+            <a:tailEnd type="triangle"/>
+          </a:ln>
+        </p:spPr>
+        <p:style>
+          <a:lnRef idx="2">
+            <a:schemeClr val="accent1"/>
+          </a:lnRef>
+          <a:fillRef idx="0">
+            <a:schemeClr val="accent1"/>
+          </a:fillRef>
+          <a:effectRef idx="1">
+            <a:schemeClr val="accent1"/>
+          </a:effectRef>
+          <a:fontRef idx="minor">
+            <a:schemeClr val="tx1"/>
+          </a:fontRef>
+        </p:style>
+      </p:cxnSp>
+      <p:cxnSp>
+        <p:nvCxnSpPr>
+          <p:cNvPr id="54" name="直接箭头连接符 53">
+            <a:extLst>
+              <a:ext uri="{FF2B5EF4-FFF2-40B4-BE49-F238E27FC236}">
+                <a16:creationId xmlns:a16="http://schemas.microsoft.com/office/drawing/2014/main" id="{234D150E-B199-4DE9-7E48-2CDD60C55130}"/>
+              </a:ext>
+            </a:extLst>
+          </p:cNvPr>
+          <p:cNvCxnSpPr>
+            <a:cxnSpLocks/>
+            <a:stCxn id="45" idx="0"/>
+            <a:endCxn id="47" idx="2"/>
+          </p:cNvCxnSpPr>
+          <p:nvPr/>
+        </p:nvCxnSpPr>
+        <p:spPr>
+          <a:xfrm flipV="1">
+            <a:off x="6096657" y="2322445"/>
+            <a:ext cx="0" cy="579514"/>
+          </a:xfrm>
+          <a:prstGeom prst="straightConnector1">
+            <a:avLst/>
+          </a:prstGeom>
+          <a:ln w="12700">
+            <a:tailEnd type="triangle"/>
+          </a:ln>
+        </p:spPr>
+        <p:style>
+          <a:lnRef idx="2">
+            <a:schemeClr val="accent1"/>
+          </a:lnRef>
+          <a:fillRef idx="0">
+            <a:schemeClr val="accent1"/>
+          </a:fillRef>
+          <a:effectRef idx="1">
+            <a:schemeClr val="accent1"/>
+          </a:effectRef>
+          <a:fontRef idx="minor">
+            <a:schemeClr val="tx1"/>
+          </a:fontRef>
+        </p:style>
+      </p:cxnSp>
+      <p:sp>
+        <p:nvSpPr>
+          <p:cNvPr id="57" name="矩形: 圆角 56">
+            <a:extLst>
+              <a:ext uri="{FF2B5EF4-FFF2-40B4-BE49-F238E27FC236}">
+                <a16:creationId xmlns:a16="http://schemas.microsoft.com/office/drawing/2014/main" id="{DE0E843A-1720-8AF1-951F-8587EEA98398}"/>
+              </a:ext>
+            </a:extLst>
+          </p:cNvPr>
+          <p:cNvSpPr/>
+          <p:nvPr/>
+        </p:nvSpPr>
+        <p:spPr>
+          <a:xfrm>
+            <a:off x="3574117" y="115507"/>
+            <a:ext cx="2017058" cy="1039283"/>
+          </a:xfrm>
+          <a:prstGeom prst="roundRect">
+            <a:avLst>
+              <a:gd name="adj" fmla="val 0"/>
+            </a:avLst>
+          </a:prstGeom>
+          <a:solidFill>
+            <a:schemeClr val="accent3">
+              <a:lumMod val="20000"/>
+              <a:lumOff val="80000"/>
+            </a:schemeClr>
+          </a:solidFill>
+          <a:ln>
+            <a:solidFill>
+              <a:schemeClr val="tx1"/>
+            </a:solidFill>
+          </a:ln>
+        </p:spPr>
+        <p:style>
+          <a:lnRef idx="2">
+            <a:schemeClr val="accent1">
+              <a:shade val="15000"/>
+            </a:schemeClr>
+          </a:lnRef>
+          <a:fillRef idx="1">
+            <a:schemeClr val="accent1"/>
+          </a:fillRef>
+          <a:effectRef idx="0">
+            <a:schemeClr val="accent1"/>
+          </a:effectRef>
+          <a:fontRef idx="minor">
+            <a:schemeClr val="lt1"/>
+          </a:fontRef>
+        </p:style>
+        <p:txBody>
+          <a:bodyPr rtlCol="0" anchor="ctr"/>
+          <a:lstStyle/>
+          <a:p>
+            <a:pPr algn="ctr"/>
+            <a:endParaRPr lang="zh-CN" altLang="en-US" sz="3189"/>
+          </a:p>
+        </p:txBody>
+      </p:sp>
+      <mc:AlternateContent xmlns:mc="http://schemas.openxmlformats.org/markup-compatibility/2006">
+        <mc:Choice xmlns:a14="http://schemas.microsoft.com/office/drawing/2010/main" Requires="a14">
+          <p:sp>
+            <p:nvSpPr>
+              <p:cNvPr id="58" name="文本框 57">
+                <a:extLst>
+                  <a:ext uri="{FF2B5EF4-FFF2-40B4-BE49-F238E27FC236}">
+                    <a16:creationId xmlns:a16="http://schemas.microsoft.com/office/drawing/2014/main" id="{36AE5616-1228-37D3-3339-B9EE81652F54}"/>
+                  </a:ext>
+                </a:extLst>
+              </p:cNvPr>
+              <p:cNvSpPr txBox="1"/>
+              <p:nvPr/>
+            </p:nvSpPr>
+            <p:spPr>
+              <a:xfrm>
+                <a:off x="3665392" y="249134"/>
+                <a:ext cx="1903085" cy="861774"/>
+              </a:xfrm>
+              <a:prstGeom prst="rect">
+                <a:avLst/>
+              </a:prstGeom>
+              <a:noFill/>
+            </p:spPr>
+            <p:txBody>
+              <a:bodyPr wrap="none" rtlCol="0">
+                <a:spAutoFit/>
+              </a:bodyPr>
+              <a:lstStyle/>
+              <a:p>
+                <a:pPr algn="ctr">
+                  <a:lnSpc>
+                    <a:spcPts val="3000"/>
+                  </a:lnSpc>
+                </a:pPr>
+                <a14:m>
+                  <m:oMathPara xmlns:m="http://schemas.openxmlformats.org/officeDocument/2006/math">
+                    <m:oMathParaPr>
+                      <m:jc m:val="centerGroup"/>
+                    </m:oMathParaPr>
+                    <m:oMath xmlns:m="http://schemas.openxmlformats.org/officeDocument/2006/math">
+                      <m:r>
+                        <m:rPr>
+                          <m:sty m:val="p"/>
+                        </m:rPr>
+                        <a:rPr lang="en-US" altLang="zh-CN" sz="2400" dirty="0" smtClean="0">
+                          <a:latin typeface="Cambria Math" panose="02040503050406030204" pitchFamily="18" charset="0"/>
+                          <a:ea typeface="微软雅黑" panose="020B0503020204020204" pitchFamily="34" charset="-122"/>
+                        </a:rPr>
+                        <m:t>Latent</m:t>
+                      </m:r>
+                      <m:r>
+                        <a:rPr lang="en-US" altLang="zh-CN" sz="2400" b="0" i="0" dirty="0" smtClean="0">
+                          <a:latin typeface="Cambria Math" panose="02040503050406030204" pitchFamily="18" charset="0"/>
+                          <a:ea typeface="微软雅黑" panose="020B0503020204020204" pitchFamily="34" charset="-122"/>
+                        </a:rPr>
+                        <m:t> </m:t>
+                      </m:r>
+                      <m:r>
+                        <m:rPr>
+                          <m:sty m:val="p"/>
+                        </m:rPr>
+                        <a:rPr lang="en-US" altLang="zh-CN" sz="2400" dirty="0">
+                          <a:latin typeface="Cambria Math" panose="02040503050406030204" pitchFamily="18" charset="0"/>
+                          <a:ea typeface="微软雅黑" panose="020B0503020204020204" pitchFamily="34" charset="-122"/>
+                        </a:rPr>
+                        <m:t>Noise</m:t>
+                      </m:r>
+                    </m:oMath>
+                  </m:oMathPara>
+                </a14:m>
+                <a:endParaRPr lang="en-US" dirty="0"/>
+              </a:p>
+              <a:p>
+                <a:pPr algn="ctr">
+                  <a:lnSpc>
+                    <a:spcPts val="3000"/>
+                  </a:lnSpc>
+                </a:pPr>
+                <a14:m>
+                  <m:oMathPara xmlns:m="http://schemas.openxmlformats.org/officeDocument/2006/math">
+                    <m:oMathParaPr>
+                      <m:jc m:val="centerGroup"/>
+                    </m:oMathParaPr>
+                    <m:oMath xmlns:m="http://schemas.openxmlformats.org/officeDocument/2006/math">
+                      <m:sSub>
+                        <m:sSubPr>
+                          <m:ctrlPr>
+                            <a:rPr lang="ar-AE" altLang="zh-CN" dirty="0">
+                              <a:latin typeface="Cambria Math" panose="02040503050406030204" pitchFamily="18" charset="0"/>
+                              <a:ea typeface="微软雅黑" panose="020B0503020204020204" pitchFamily="34" charset="-122"/>
+                            </a:rPr>
+                          </m:ctrlPr>
+                        </m:sSubPr>
+                        <m:e>
+                          <m:r>
+                            <m:rPr>
+                              <m:sty m:val="p"/>
+                            </m:rPr>
+                            <a:rPr lang="en-US" altLang="zh-CN" i="0" dirty="0">
+                              <a:latin typeface="Cambria Math" panose="02040503050406030204" pitchFamily="18" charset="0"/>
+                              <a:ea typeface="微软雅黑" panose="020B0503020204020204" pitchFamily="34" charset="-122"/>
+                            </a:rPr>
+                            <m:t>Z</m:t>
+                          </m:r>
+                        </m:e>
+                        <m:sub>
+                          <m:r>
+                            <m:rPr>
+                              <m:sty m:val="p"/>
+                            </m:rPr>
+                            <a:rPr lang="en-US" altLang="zh-CN" i="0" dirty="0">
+                              <a:latin typeface="Cambria Math" panose="02040503050406030204" pitchFamily="18" charset="0"/>
+                              <a:ea typeface="微软雅黑" panose="020B0503020204020204" pitchFamily="34" charset="-122"/>
+                            </a:rPr>
+                            <m:t>t</m:t>
+                          </m:r>
+                          <m:r>
+                            <a:rPr lang="en-US" altLang="zh-CN" i="0" dirty="0">
+                              <a:latin typeface="Cambria Math" panose="02040503050406030204" pitchFamily="18" charset="0"/>
+                              <a:ea typeface="微软雅黑" panose="020B0503020204020204" pitchFamily="34" charset="-122"/>
+                            </a:rPr>
+                            <m:t>−</m:t>
+                          </m:r>
+                          <m:r>
+                            <a:rPr lang="en-US" altLang="zh-CN" i="0" dirty="0">
+                              <a:latin typeface="Cambria Math" panose="02040503050406030204" pitchFamily="18" charset="0"/>
+                              <a:ea typeface="微软雅黑" panose="020B0503020204020204" pitchFamily="34" charset="-122"/>
+                            </a:rPr>
+                            <m:t>1</m:t>
+                          </m:r>
+                        </m:sub>
+                      </m:sSub>
+                    </m:oMath>
+                  </m:oMathPara>
+                </a14:m>
+                <a:endParaRPr dirty="0"/>
+              </a:p>
+            </p:txBody>
+          </p:sp>
+        </mc:Choice>
+        <mc:Fallback>
+          <p:sp>
+            <p:nvSpPr>
+              <p:cNvPr id="58" name="文本框 57">
+                <a:extLst>
+                  <a:ext uri="{FF2B5EF4-FFF2-40B4-BE49-F238E27FC236}">
+                    <a16:creationId xmlns:a16="http://schemas.microsoft.com/office/drawing/2014/main" id="{36AE5616-1228-37D3-3339-B9EE81652F54}"/>
+                  </a:ext>
+                </a:extLst>
+              </p:cNvPr>
+              <p:cNvSpPr txBox="1">
+                <a:spLocks noRot="1" noChangeAspect="1" noMove="1" noResize="1" noEditPoints="1" noAdjustHandles="1" noChangeArrowheads="1" noChangeShapeType="1" noTextEdit="1"/>
+              </p:cNvSpPr>
+              <p:nvPr/>
+            </p:nvSpPr>
+            <p:spPr>
+              <a:xfrm>
+                <a:off x="3665392" y="249134"/>
+                <a:ext cx="1903085" cy="861774"/>
+              </a:xfrm>
+              <a:prstGeom prst="rect">
+                <a:avLst/>
+              </a:prstGeom>
+              <a:blipFill>
+                <a:blip r:embed="rId11"/>
+                <a:stretch>
+                  <a:fillRect/>
+                </a:stretch>
+              </a:blipFill>
+            </p:spPr>
+            <p:txBody>
+              <a:bodyPr/>
+              <a:lstStyle/>
+              <a:p>
+                <a:r>
+                  <a:rPr lang="zh-CN" altLang="en-US">
+                    <a:noFill/>
+                  </a:rPr>
+                  <a:t> </a:t>
+                </a:r>
+              </a:p>
+            </p:txBody>
+          </p:sp>
+        </mc:Fallback>
+      </mc:AlternateContent>
+      <p:sp>
+        <p:nvSpPr>
+          <p:cNvPr id="59" name="矩形: 圆角 58">
+            <a:extLst>
+              <a:ext uri="{FF2B5EF4-FFF2-40B4-BE49-F238E27FC236}">
+                <a16:creationId xmlns:a16="http://schemas.microsoft.com/office/drawing/2014/main" id="{2A239DA6-356B-5D56-2045-F37A705E020B}"/>
+              </a:ext>
+            </a:extLst>
+          </p:cNvPr>
+          <p:cNvSpPr/>
+          <p:nvPr/>
+        </p:nvSpPr>
+        <p:spPr>
+          <a:xfrm>
+            <a:off x="11641792" y="5757658"/>
+            <a:ext cx="2761832" cy="761470"/>
+          </a:xfrm>
+          <a:prstGeom prst="roundRect">
+            <a:avLst>
+              <a:gd name="adj" fmla="val 0"/>
+            </a:avLst>
+          </a:prstGeom>
+          <a:solidFill>
+            <a:schemeClr val="bg2">
+              <a:lumMod val="90000"/>
+            </a:schemeClr>
+          </a:solidFill>
+          <a:ln>
+            <a:solidFill>
+              <a:schemeClr val="tx1"/>
+            </a:solidFill>
+          </a:ln>
+        </p:spPr>
+        <p:style>
+          <a:lnRef idx="2">
+            <a:schemeClr val="accent1">
+              <a:shade val="15000"/>
+            </a:schemeClr>
+          </a:lnRef>
+          <a:fillRef idx="1">
+            <a:schemeClr val="accent1"/>
+          </a:fillRef>
+          <a:effectRef idx="0">
+            <a:schemeClr val="accent1"/>
+          </a:effectRef>
+          <a:fontRef idx="minor">
+            <a:schemeClr val="lt1"/>
+          </a:fontRef>
+        </p:style>
+        <p:txBody>
+          <a:bodyPr rtlCol="0" anchor="ctr"/>
+          <a:lstStyle/>
+          <a:p>
+            <a:pPr algn="ctr"/>
+            <a:endParaRPr lang="zh-CN" altLang="en-US" sz="3189"/>
+          </a:p>
+        </p:txBody>
+      </p:sp>
+      <mc:AlternateContent xmlns:mc="http://schemas.openxmlformats.org/markup-compatibility/2006">
+        <mc:Choice xmlns:a14="http://schemas.microsoft.com/office/drawing/2010/main" Requires="a14">
+          <p:sp>
+            <p:nvSpPr>
+              <p:cNvPr id="60" name="文本框 59">
+                <a:extLst>
+                  <a:ext uri="{FF2B5EF4-FFF2-40B4-BE49-F238E27FC236}">
+                    <a16:creationId xmlns:a16="http://schemas.microsoft.com/office/drawing/2014/main" id="{9808EC82-4FE3-5F77-B13C-029982ACFF12}"/>
+                  </a:ext>
+                </a:extLst>
+              </p:cNvPr>
+              <p:cNvSpPr txBox="1"/>
+              <p:nvPr/>
+            </p:nvSpPr>
+            <p:spPr>
+              <a:xfrm>
+                <a:off x="12005345" y="5791380"/>
+                <a:ext cx="2034724" cy="707886"/>
+              </a:xfrm>
+              <a:prstGeom prst="rect">
+                <a:avLst/>
+              </a:prstGeom>
+              <a:noFill/>
+            </p:spPr>
+            <p:txBody>
+              <a:bodyPr wrap="none" rtlCol="0">
+                <a:spAutoFit/>
+              </a:bodyPr>
+              <a:lstStyle/>
+              <a:p>
+                <a:pPr/>
+                <a14:m>
+                  <m:oMathPara xmlns:m="http://schemas.openxmlformats.org/officeDocument/2006/math">
+                    <m:oMathParaPr>
+                      <m:jc m:val="centerGroup"/>
+                    </m:oMathParaPr>
+                    <m:oMath xmlns:m="http://schemas.openxmlformats.org/officeDocument/2006/math">
+                      <m:r>
+                        <m:rPr>
+                          <m:sty m:val="p"/>
+                        </m:rPr>
+                        <a:rPr lang="en-US" altLang="zh-CN" sz="2000" b="0" i="0" dirty="0" smtClean="0">
+                          <a:latin typeface="Cambria Math" panose="02040503050406030204" pitchFamily="18" charset="0"/>
+                          <a:ea typeface="微软雅黑" panose="020B0503020204020204" pitchFamily="34" charset="-122"/>
+                        </a:rPr>
+                        <m:t>Multi</m:t>
+                      </m:r>
+                      <m:r>
+                        <a:rPr lang="en-US" altLang="zh-CN" sz="2000" b="0" i="0" dirty="0" smtClean="0">
+                          <a:latin typeface="Cambria Math" panose="02040503050406030204" pitchFamily="18" charset="0"/>
+                          <a:ea typeface="微软雅黑" panose="020B0503020204020204" pitchFamily="34" charset="-122"/>
+                        </a:rPr>
+                        <m:t>−</m:t>
+                      </m:r>
+                      <m:r>
+                        <m:rPr>
+                          <m:sty m:val="p"/>
+                        </m:rPr>
+                        <a:rPr lang="en-US" altLang="zh-CN" sz="2000" b="0" i="0" dirty="0" smtClean="0">
+                          <a:latin typeface="Cambria Math" panose="02040503050406030204" pitchFamily="18" charset="0"/>
+                          <a:ea typeface="微软雅黑" panose="020B0503020204020204" pitchFamily="34" charset="-122"/>
+                        </a:rPr>
+                        <m:t>Head</m:t>
+                      </m:r>
+                    </m:oMath>
+                  </m:oMathPara>
+                </a14:m>
+                <a:endParaRPr lang="en-US" altLang="zh-CN" sz="2000" b="0" i="0" dirty="0">
+                  <a:latin typeface="Cambria Math" panose="02040503050406030204" pitchFamily="18" charset="0"/>
+                  <a:ea typeface="微软雅黑" panose="020B0503020204020204" pitchFamily="34" charset="-122"/>
+                </a:endParaRPr>
+              </a:p>
+              <a:p>
+                <a:pPr/>
+                <a14:m>
+                  <m:oMathPara xmlns:m="http://schemas.openxmlformats.org/officeDocument/2006/math">
+                    <m:oMathParaPr>
+                      <m:jc m:val="centerGroup"/>
+                    </m:oMathParaPr>
+                    <m:oMath xmlns:m="http://schemas.openxmlformats.org/officeDocument/2006/math">
+                      <m:r>
+                        <a:rPr lang="en-US" altLang="zh-CN" sz="2000" b="0" i="0" dirty="0" smtClean="0">
+                          <a:latin typeface="Cambria Math" panose="02040503050406030204" pitchFamily="18" charset="0"/>
+                          <a:ea typeface="微软雅黑" panose="020B0503020204020204" pitchFamily="34" charset="-122"/>
+                        </a:rPr>
+                        <m:t> </m:t>
+                      </m:r>
+                      <m:r>
+                        <m:rPr>
+                          <m:sty m:val="p"/>
+                        </m:rPr>
+                        <a:rPr lang="en-US" altLang="zh-CN" sz="2000" b="0" i="0" dirty="0" smtClean="0">
+                          <a:latin typeface="Cambria Math" panose="02040503050406030204" pitchFamily="18" charset="0"/>
+                          <a:ea typeface="微软雅黑" panose="020B0503020204020204" pitchFamily="34" charset="-122"/>
+                        </a:rPr>
+                        <m:t>Self</m:t>
+                      </m:r>
+                      <m:r>
+                        <a:rPr lang="en-US" altLang="zh-CN" sz="2000" b="0" i="0" dirty="0" smtClean="0">
+                          <a:latin typeface="Cambria Math" panose="02040503050406030204" pitchFamily="18" charset="0"/>
+                          <a:ea typeface="微软雅黑" panose="020B0503020204020204" pitchFamily="34" charset="-122"/>
+                        </a:rPr>
+                        <m:t>−</m:t>
+                      </m:r>
+                      <m:r>
+                        <m:rPr>
+                          <m:sty m:val="p"/>
+                        </m:rPr>
+                        <a:rPr lang="en-US" altLang="zh-CN" sz="2000" b="0" i="0" dirty="0" smtClean="0">
+                          <a:latin typeface="Cambria Math" panose="02040503050406030204" pitchFamily="18" charset="0"/>
+                          <a:ea typeface="微软雅黑" panose="020B0503020204020204" pitchFamily="34" charset="-122"/>
+                        </a:rPr>
+                        <m:t>Attention</m:t>
+                      </m:r>
+                    </m:oMath>
+                  </m:oMathPara>
+                </a14:m>
+                <a:endParaRPr sz="1200" dirty="0"/>
+              </a:p>
+            </p:txBody>
+          </p:sp>
+        </mc:Choice>
+        <mc:Fallback>
+          <p:sp>
+            <p:nvSpPr>
+              <p:cNvPr id="60" name="文本框 59">
+                <a:extLst>
+                  <a:ext uri="{FF2B5EF4-FFF2-40B4-BE49-F238E27FC236}">
+                    <a16:creationId xmlns:a16="http://schemas.microsoft.com/office/drawing/2014/main" id="{9808EC82-4FE3-5F77-B13C-029982ACFF12}"/>
+                  </a:ext>
+                </a:extLst>
+              </p:cNvPr>
+              <p:cNvSpPr txBox="1">
+                <a:spLocks noRot="1" noChangeAspect="1" noMove="1" noResize="1" noEditPoints="1" noAdjustHandles="1" noChangeArrowheads="1" noChangeShapeType="1" noTextEdit="1"/>
+              </p:cNvSpPr>
+              <p:nvPr/>
+            </p:nvSpPr>
+            <p:spPr>
+              <a:xfrm>
+                <a:off x="12005345" y="5791380"/>
+                <a:ext cx="2034724" cy="707886"/>
+              </a:xfrm>
+              <a:prstGeom prst="rect">
+                <a:avLst/>
+              </a:prstGeom>
+              <a:blipFill>
+                <a:blip r:embed="rId12"/>
+                <a:stretch>
+                  <a:fillRect/>
+                </a:stretch>
+              </a:blipFill>
+            </p:spPr>
+            <p:txBody>
+              <a:bodyPr/>
+              <a:lstStyle/>
+              <a:p>
+                <a:r>
+                  <a:rPr lang="zh-CN" altLang="en-US">
+                    <a:noFill/>
+                  </a:rPr>
+                  <a:t> </a:t>
+                </a:r>
+              </a:p>
+            </p:txBody>
+          </p:sp>
+        </mc:Fallback>
+      </mc:AlternateContent>
+      <p:sp>
+        <p:nvSpPr>
+          <p:cNvPr id="61" name="矩形: 圆角 60">
+            <a:extLst>
+              <a:ext uri="{FF2B5EF4-FFF2-40B4-BE49-F238E27FC236}">
+                <a16:creationId xmlns:a16="http://schemas.microsoft.com/office/drawing/2014/main" id="{D62115A9-6FFF-F22A-E622-E05E58A8F933}"/>
+              </a:ext>
+            </a:extLst>
+          </p:cNvPr>
+          <p:cNvSpPr/>
+          <p:nvPr/>
+        </p:nvSpPr>
+        <p:spPr>
+          <a:xfrm>
+            <a:off x="11641791" y="7522426"/>
+            <a:ext cx="2761833" cy="422986"/>
+          </a:xfrm>
+          <a:prstGeom prst="roundRect">
+            <a:avLst>
+              <a:gd name="adj" fmla="val 0"/>
+            </a:avLst>
+          </a:prstGeom>
+          <a:solidFill>
+            <a:schemeClr val="tx2">
+              <a:lumMod val="10000"/>
+              <a:lumOff val="90000"/>
+            </a:schemeClr>
+          </a:solidFill>
+          <a:ln>
+            <a:solidFill>
+              <a:schemeClr val="tx1"/>
+            </a:solidFill>
+          </a:ln>
+        </p:spPr>
+        <p:style>
+          <a:lnRef idx="2">
+            <a:schemeClr val="accent1">
+              <a:shade val="15000"/>
+            </a:schemeClr>
+          </a:lnRef>
+          <a:fillRef idx="1">
+            <a:schemeClr val="accent1"/>
+          </a:fillRef>
+          <a:effectRef idx="0">
+            <a:schemeClr val="accent1"/>
+          </a:effectRef>
+          <a:fontRef idx="minor">
+            <a:schemeClr val="lt1"/>
+          </a:fontRef>
+        </p:style>
+        <p:txBody>
+          <a:bodyPr rtlCol="0" anchor="ctr"/>
+          <a:lstStyle/>
+          <a:p>
+            <a:pPr algn="ctr"/>
+            <a:endParaRPr lang="zh-CN" altLang="en-US" sz="3189"/>
+          </a:p>
+        </p:txBody>
+      </p:sp>
+      <mc:AlternateContent xmlns:mc="http://schemas.openxmlformats.org/markup-compatibility/2006">
+        <mc:Choice xmlns:a14="http://schemas.microsoft.com/office/drawing/2010/main" Requires="a14">
+          <p:sp>
+            <p:nvSpPr>
+              <p:cNvPr id="62" name="文本框 61">
+                <a:extLst>
+                  <a:ext uri="{FF2B5EF4-FFF2-40B4-BE49-F238E27FC236}">
+                    <a16:creationId xmlns:a16="http://schemas.microsoft.com/office/drawing/2014/main" id="{069DE47D-9A66-88F2-B42B-E8A2120B109C}"/>
+                  </a:ext>
+                </a:extLst>
+              </p:cNvPr>
+              <p:cNvSpPr txBox="1"/>
+              <p:nvPr/>
+            </p:nvSpPr>
+            <p:spPr>
+              <a:xfrm>
+                <a:off x="12234262" y="7522426"/>
+                <a:ext cx="1569660" cy="400110"/>
+              </a:xfrm>
+              <a:prstGeom prst="rect">
+                <a:avLst/>
+              </a:prstGeom>
+              <a:noFill/>
+            </p:spPr>
+            <p:txBody>
+              <a:bodyPr wrap="none" rtlCol="0">
+                <a:spAutoFit/>
+              </a:bodyPr>
+              <a:lstStyle/>
+              <a:p>
+                <a:pPr/>
+                <a14:m>
+                  <m:oMathPara xmlns:m="http://schemas.openxmlformats.org/officeDocument/2006/math">
+                    <m:oMathParaPr>
+                      <m:jc m:val="centerGroup"/>
+                    </m:oMathParaPr>
+                    <m:oMath xmlns:m="http://schemas.openxmlformats.org/officeDocument/2006/math">
+                      <m:r>
+                        <m:rPr>
+                          <m:sty m:val="p"/>
+                        </m:rPr>
+                        <a:rPr lang="en-US" altLang="zh-CN" sz="2000" b="0" i="0" dirty="0" smtClean="0">
+                          <a:latin typeface="Cambria Math" panose="02040503050406030204" pitchFamily="18" charset="0"/>
+                          <a:ea typeface="微软雅黑" panose="020B0503020204020204" pitchFamily="34" charset="-122"/>
+                        </a:rPr>
+                        <m:t>Layer</m:t>
+                      </m:r>
+                      <m:r>
+                        <a:rPr lang="en-US" altLang="zh-CN" sz="2000" b="0" i="0" dirty="0" smtClean="0">
+                          <a:latin typeface="Cambria Math" panose="02040503050406030204" pitchFamily="18" charset="0"/>
+                          <a:ea typeface="微软雅黑" panose="020B0503020204020204" pitchFamily="34" charset="-122"/>
+                        </a:rPr>
+                        <m:t> </m:t>
+                      </m:r>
+                      <m:r>
+                        <m:rPr>
+                          <m:sty m:val="p"/>
+                        </m:rPr>
+                        <a:rPr lang="en-US" altLang="zh-CN" sz="2000" b="0" i="0" dirty="0" smtClean="0">
+                          <a:latin typeface="Cambria Math" panose="02040503050406030204" pitchFamily="18" charset="0"/>
+                          <a:ea typeface="微软雅黑" panose="020B0503020204020204" pitchFamily="34" charset="-122"/>
+                        </a:rPr>
+                        <m:t>Norm</m:t>
+                      </m:r>
+                    </m:oMath>
+                  </m:oMathPara>
+                </a14:m>
+                <a:endParaRPr lang="zh-CN" altLang="en-US" sz="2400" dirty="0">
+                  <a:latin typeface="微软雅黑" panose="020B0503020204020204" pitchFamily="34" charset="-122"/>
+                  <a:ea typeface="微软雅黑" panose="020B0503020204020204" pitchFamily="34" charset="-122"/>
+                </a:endParaRPr>
+              </a:p>
+            </p:txBody>
+          </p:sp>
+        </mc:Choice>
+        <mc:Fallback>
+          <p:sp>
+            <p:nvSpPr>
+              <p:cNvPr id="62" name="文本框 61">
+                <a:extLst>
+                  <a:ext uri="{FF2B5EF4-FFF2-40B4-BE49-F238E27FC236}">
+                    <a16:creationId xmlns:a16="http://schemas.microsoft.com/office/drawing/2014/main" id="{069DE47D-9A66-88F2-B42B-E8A2120B109C}"/>
+                  </a:ext>
+                </a:extLst>
+              </p:cNvPr>
+              <p:cNvSpPr txBox="1">
+                <a:spLocks noRot="1" noChangeAspect="1" noMove="1" noResize="1" noEditPoints="1" noAdjustHandles="1" noChangeArrowheads="1" noChangeShapeType="1" noTextEdit="1"/>
+              </p:cNvSpPr>
+              <p:nvPr/>
+            </p:nvSpPr>
+            <p:spPr>
+              <a:xfrm>
+                <a:off x="12234262" y="7522426"/>
+                <a:ext cx="1569660" cy="400110"/>
+              </a:xfrm>
+              <a:prstGeom prst="rect">
+                <a:avLst/>
+              </a:prstGeom>
+              <a:blipFill>
+                <a:blip r:embed="rId13"/>
+                <a:stretch>
+                  <a:fillRect b="-13636"/>
+                </a:stretch>
+              </a:blipFill>
+            </p:spPr>
+            <p:txBody>
+              <a:bodyPr/>
+              <a:lstStyle/>
+              <a:p>
+                <a:r>
+                  <a:rPr lang="zh-CN" altLang="en-US">
+                    <a:noFill/>
+                  </a:rPr>
+                  <a:t> </a:t>
+                </a:r>
+              </a:p>
+            </p:txBody>
+          </p:sp>
+        </mc:Fallback>
+      </mc:AlternateContent>
+      <p:sp>
+        <p:nvSpPr>
+          <p:cNvPr id="63" name="矩形: 圆角 62">
+            <a:extLst>
+              <a:ext uri="{FF2B5EF4-FFF2-40B4-BE49-F238E27FC236}">
+                <a16:creationId xmlns:a16="http://schemas.microsoft.com/office/drawing/2014/main" id="{B7B4472A-8070-8CC3-E113-19F47A5B1074}"/>
+              </a:ext>
+            </a:extLst>
+          </p:cNvPr>
+          <p:cNvSpPr/>
+          <p:nvPr/>
+        </p:nvSpPr>
+        <p:spPr>
+          <a:xfrm>
+            <a:off x="11641791" y="8269898"/>
+            <a:ext cx="2762993" cy="549755"/>
+          </a:xfrm>
+          <a:prstGeom prst="roundRect">
+            <a:avLst>
+              <a:gd name="adj" fmla="val 0"/>
+            </a:avLst>
+          </a:prstGeom>
+          <a:solidFill>
+            <a:schemeClr val="accent3">
+              <a:lumMod val="20000"/>
+              <a:lumOff val="80000"/>
+            </a:schemeClr>
+          </a:solidFill>
+          <a:ln>
+            <a:solidFill>
+              <a:schemeClr val="tx1"/>
+            </a:solidFill>
+          </a:ln>
+        </p:spPr>
+        <p:style>
+          <a:lnRef idx="2">
+            <a:schemeClr val="accent1">
+              <a:shade val="15000"/>
+            </a:schemeClr>
+          </a:lnRef>
+          <a:fillRef idx="1">
+            <a:schemeClr val="accent1"/>
+          </a:fillRef>
+          <a:effectRef idx="0">
+            <a:schemeClr val="accent1"/>
+          </a:effectRef>
+          <a:fontRef idx="minor">
+            <a:schemeClr val="lt1"/>
+          </a:fontRef>
+        </p:style>
+        <p:txBody>
+          <a:bodyPr rtlCol="0" anchor="ctr"/>
+          <a:lstStyle/>
+          <a:p>
+            <a:pPr algn="ctr"/>
+            <a:endParaRPr lang="zh-CN" altLang="en-US" sz="3189"/>
+          </a:p>
+        </p:txBody>
+      </p:sp>
+      <mc:AlternateContent xmlns:mc="http://schemas.openxmlformats.org/markup-compatibility/2006">
+        <mc:Choice xmlns:a14="http://schemas.microsoft.com/office/drawing/2010/main" Requires="a14">
+          <p:sp>
+            <p:nvSpPr>
+              <p:cNvPr id="64" name="文本框 63">
+                <a:extLst>
+                  <a:ext uri="{FF2B5EF4-FFF2-40B4-BE49-F238E27FC236}">
+                    <a16:creationId xmlns:a16="http://schemas.microsoft.com/office/drawing/2014/main" id="{4EA88E9D-317B-9E9C-24BE-94E49740314D}"/>
+                  </a:ext>
+                </a:extLst>
+              </p:cNvPr>
+              <p:cNvSpPr txBox="1"/>
+              <p:nvPr/>
+            </p:nvSpPr>
+            <p:spPr>
+              <a:xfrm>
+                <a:off x="12229162" y="8283228"/>
+                <a:ext cx="1502334" cy="477054"/>
+              </a:xfrm>
+              <a:prstGeom prst="rect">
+                <a:avLst/>
+              </a:prstGeom>
+              <a:noFill/>
+            </p:spPr>
+            <p:txBody>
+              <a:bodyPr wrap="none" rtlCol="0">
+                <a:spAutoFit/>
+              </a:bodyPr>
+              <a:lstStyle/>
+              <a:p>
+                <a:pPr algn="ctr">
+                  <a:lnSpc>
+                    <a:spcPts val="3000"/>
+                  </a:lnSpc>
+                </a:pPr>
+                <a14:m>
+                  <m:oMathPara xmlns:m="http://schemas.openxmlformats.org/officeDocument/2006/math">
+                    <m:oMathParaPr>
+                      <m:jc m:val="centerGroup"/>
+                    </m:oMathParaPr>
+                    <m:oMath xmlns:m="http://schemas.openxmlformats.org/officeDocument/2006/math">
+                      <m:r>
+                        <m:rPr>
+                          <m:sty m:val="p"/>
+                        </m:rPr>
+                        <a:rPr lang="en-US" altLang="zh-CN" sz="2000" b="0" i="0" dirty="0" smtClean="0">
+                          <a:latin typeface="Cambria Math" panose="02040503050406030204" pitchFamily="18" charset="0"/>
+                          <a:ea typeface="微软雅黑" panose="020B0503020204020204" pitchFamily="34" charset="-122"/>
+                        </a:rPr>
+                        <m:t>input</m:t>
+                      </m:r>
+                      <m:r>
+                        <a:rPr lang="en-US" altLang="zh-CN" sz="2000" b="0" i="0" dirty="0" smtClean="0">
+                          <a:latin typeface="Cambria Math" panose="02040503050406030204" pitchFamily="18" charset="0"/>
+                          <a:ea typeface="微软雅黑" panose="020B0503020204020204" pitchFamily="34" charset="-122"/>
+                        </a:rPr>
+                        <m:t> </m:t>
+                      </m:r>
+                      <m:r>
+                        <m:rPr>
+                          <m:sty m:val="p"/>
+                        </m:rPr>
+                        <a:rPr lang="en-US" altLang="zh-CN" sz="2000" b="0" i="0" dirty="0" smtClean="0">
+                          <a:latin typeface="Cambria Math" panose="02040503050406030204" pitchFamily="18" charset="0"/>
+                          <a:ea typeface="微软雅黑" panose="020B0503020204020204" pitchFamily="34" charset="-122"/>
+                        </a:rPr>
+                        <m:t>token</m:t>
+                      </m:r>
+                    </m:oMath>
+                  </m:oMathPara>
+                </a14:m>
+                <a:endParaRPr sz="1600" dirty="0"/>
+              </a:p>
+            </p:txBody>
+          </p:sp>
+        </mc:Choice>
+        <mc:Fallback>
+          <p:sp>
+            <p:nvSpPr>
+              <p:cNvPr id="64" name="文本框 63">
+                <a:extLst>
+                  <a:ext uri="{FF2B5EF4-FFF2-40B4-BE49-F238E27FC236}">
+                    <a16:creationId xmlns:a16="http://schemas.microsoft.com/office/drawing/2014/main" id="{4EA88E9D-317B-9E9C-24BE-94E49740314D}"/>
+                  </a:ext>
+                </a:extLst>
+              </p:cNvPr>
+              <p:cNvSpPr txBox="1">
+                <a:spLocks noRot="1" noChangeAspect="1" noMove="1" noResize="1" noEditPoints="1" noAdjustHandles="1" noChangeArrowheads="1" noChangeShapeType="1" noTextEdit="1"/>
+              </p:cNvSpPr>
+              <p:nvPr/>
+            </p:nvSpPr>
+            <p:spPr>
+              <a:xfrm>
+                <a:off x="12229162" y="8283228"/>
+                <a:ext cx="1502334" cy="477054"/>
+              </a:xfrm>
+              <a:prstGeom prst="rect">
+                <a:avLst/>
+              </a:prstGeom>
+              <a:blipFill>
+                <a:blip r:embed="rId14"/>
+                <a:stretch>
+                  <a:fillRect/>
+                </a:stretch>
+              </a:blipFill>
+            </p:spPr>
+            <p:txBody>
+              <a:bodyPr/>
+              <a:lstStyle/>
+              <a:p>
+                <a:r>
+                  <a:rPr lang="zh-CN" altLang="en-US">
+                    <a:noFill/>
+                  </a:rPr>
+                  <a:t> </a:t>
+                </a:r>
+              </a:p>
+            </p:txBody>
+          </p:sp>
+        </mc:Fallback>
+      </mc:AlternateContent>
+      <p:sp>
+        <p:nvSpPr>
+          <p:cNvPr id="72" name="矩形: 圆角 71">
+            <a:extLst>
+              <a:ext uri="{FF2B5EF4-FFF2-40B4-BE49-F238E27FC236}">
+                <a16:creationId xmlns:a16="http://schemas.microsoft.com/office/drawing/2014/main" id="{8EC8E622-13A6-A914-3556-128BDBAC6C42}"/>
+              </a:ext>
+            </a:extLst>
+          </p:cNvPr>
+          <p:cNvSpPr/>
+          <p:nvPr/>
+        </p:nvSpPr>
+        <p:spPr>
+          <a:xfrm>
+            <a:off x="15785701" y="8277622"/>
+            <a:ext cx="2846602" cy="542031"/>
+          </a:xfrm>
+          <a:prstGeom prst="roundRect">
+            <a:avLst>
+              <a:gd name="adj" fmla="val 0"/>
+            </a:avLst>
+          </a:prstGeom>
+          <a:solidFill>
+            <a:schemeClr val="accent5">
+              <a:lumMod val="20000"/>
+              <a:lumOff val="80000"/>
+            </a:schemeClr>
+          </a:solidFill>
+          <a:ln>
+            <a:solidFill>
+              <a:schemeClr val="tx1"/>
+            </a:solidFill>
+          </a:ln>
+        </p:spPr>
+        <p:style>
+          <a:lnRef idx="2">
+            <a:schemeClr val="accent1">
+              <a:shade val="15000"/>
+            </a:schemeClr>
+          </a:lnRef>
+          <a:fillRef idx="1">
+            <a:schemeClr val="accent1"/>
+          </a:fillRef>
+          <a:effectRef idx="0">
+            <a:schemeClr val="accent1"/>
+          </a:effectRef>
+          <a:fontRef idx="minor">
+            <a:schemeClr val="lt1"/>
+          </a:fontRef>
+        </p:style>
+        <p:txBody>
+          <a:bodyPr rtlCol="0" anchor="ctr"/>
+          <a:lstStyle/>
+          <a:p>
+            <a:pPr algn="ctr"/>
+            <a:endParaRPr lang="zh-CN" altLang="en-US" sz="3189"/>
+          </a:p>
+        </p:txBody>
+      </p:sp>
+      <mc:AlternateContent xmlns:mc="http://schemas.openxmlformats.org/markup-compatibility/2006">
+        <mc:Choice xmlns:a14="http://schemas.microsoft.com/office/drawing/2010/main" Requires="a14">
+          <p:sp>
+            <p:nvSpPr>
+              <p:cNvPr id="73" name="文本框 72">
+                <a:extLst>
+                  <a:ext uri="{FF2B5EF4-FFF2-40B4-BE49-F238E27FC236}">
+                    <a16:creationId xmlns:a16="http://schemas.microsoft.com/office/drawing/2014/main" id="{86DB1225-6C94-8BFA-44CB-5B5D2DD22FCE}"/>
+                  </a:ext>
+                </a:extLst>
+              </p:cNvPr>
+              <p:cNvSpPr txBox="1"/>
+              <p:nvPr/>
+            </p:nvSpPr>
+            <p:spPr>
+              <a:xfrm>
+                <a:off x="16349058" y="8277622"/>
+                <a:ext cx="1798710" cy="477054"/>
+              </a:xfrm>
+              <a:prstGeom prst="rect">
+                <a:avLst/>
+              </a:prstGeom>
+              <a:noFill/>
+            </p:spPr>
+            <p:txBody>
+              <a:bodyPr wrap="square" rtlCol="0">
+                <a:spAutoFit/>
+              </a:bodyPr>
+              <a:lstStyle/>
+              <a:p>
+                <a:pPr algn="ctr">
+                  <a:lnSpc>
+                    <a:spcPts val="3000"/>
+                  </a:lnSpc>
+                </a:pPr>
+                <a14:m>
+                  <m:oMathPara xmlns:m="http://schemas.openxmlformats.org/officeDocument/2006/math">
+                    <m:oMathParaPr>
+                      <m:jc m:val="centerGroup"/>
+                    </m:oMathParaPr>
+                    <m:oMath xmlns:m="http://schemas.openxmlformats.org/officeDocument/2006/math">
+                      <m:r>
+                        <m:rPr>
+                          <m:sty m:val="p"/>
+                        </m:rPr>
+                        <a:rPr lang="en-US" altLang="zh-CN" i="0" dirty="0" smtClean="0">
+                          <a:latin typeface="Cambria Math" panose="02040503050406030204" pitchFamily="18" charset="0"/>
+                          <a:ea typeface="微软雅黑" panose="020B0503020204020204" pitchFamily="34" charset="-122"/>
+                        </a:rPr>
+                        <m:t>E</m:t>
+                      </m:r>
+                      <m:r>
+                        <m:rPr>
+                          <m:sty m:val="p"/>
+                        </m:rPr>
+                        <a:rPr lang="en-US" altLang="zh-CN" b="0" i="0" dirty="0" smtClean="0">
+                          <a:latin typeface="Cambria Math" panose="02040503050406030204" pitchFamily="18" charset="0"/>
+                          <a:ea typeface="微软雅黑" panose="020B0503020204020204" pitchFamily="34" charset="-122"/>
+                        </a:rPr>
+                        <m:t>mbedding</m:t>
+                      </m:r>
+                    </m:oMath>
+                  </m:oMathPara>
+                </a14:m>
+                <a:endParaRPr lang="zh-CN" altLang="en-US" sz="2000" dirty="0">
+                  <a:latin typeface="微软雅黑" panose="020B0503020204020204" pitchFamily="34" charset="-122"/>
+                  <a:ea typeface="微软雅黑" panose="020B0503020204020204" pitchFamily="34" charset="-122"/>
+                </a:endParaRPr>
+              </a:p>
+            </p:txBody>
+          </p:sp>
+        </mc:Choice>
+        <mc:Fallback>
+          <p:sp>
+            <p:nvSpPr>
+              <p:cNvPr id="73" name="文本框 72">
+                <a:extLst>
+                  <a:ext uri="{FF2B5EF4-FFF2-40B4-BE49-F238E27FC236}">
+                    <a16:creationId xmlns:a16="http://schemas.microsoft.com/office/drawing/2014/main" id="{86DB1225-6C94-8BFA-44CB-5B5D2DD22FCE}"/>
+                  </a:ext>
+                </a:extLst>
+              </p:cNvPr>
+              <p:cNvSpPr txBox="1">
+                <a:spLocks noRot="1" noChangeAspect="1" noMove="1" noResize="1" noEditPoints="1" noAdjustHandles="1" noChangeArrowheads="1" noChangeShapeType="1" noTextEdit="1"/>
+              </p:cNvSpPr>
+              <p:nvPr/>
+            </p:nvSpPr>
+            <p:spPr>
+              <a:xfrm>
+                <a:off x="16349058" y="8277622"/>
+                <a:ext cx="1798710" cy="477054"/>
+              </a:xfrm>
+              <a:prstGeom prst="rect">
+                <a:avLst/>
+              </a:prstGeom>
+              <a:blipFill>
+                <a:blip r:embed="rId15"/>
+                <a:stretch>
+                  <a:fillRect/>
+                </a:stretch>
+              </a:blipFill>
+            </p:spPr>
+            <p:txBody>
+              <a:bodyPr/>
+              <a:lstStyle/>
+              <a:p>
+                <a:r>
+                  <a:rPr lang="zh-CN" altLang="en-US">
+                    <a:noFill/>
+                  </a:rPr>
+                  <a:t> </a:t>
+                </a:r>
+              </a:p>
+            </p:txBody>
+          </p:sp>
+        </mc:Fallback>
+      </mc:AlternateContent>
+      <p:cxnSp>
+        <p:nvCxnSpPr>
+          <p:cNvPr id="74" name="直接箭头连接符 73">
+            <a:extLst>
+              <a:ext uri="{FF2B5EF4-FFF2-40B4-BE49-F238E27FC236}">
+                <a16:creationId xmlns:a16="http://schemas.microsoft.com/office/drawing/2014/main" id="{2552559D-4A91-09D5-6156-9D3F80551643}"/>
+              </a:ext>
+            </a:extLst>
+          </p:cNvPr>
+          <p:cNvCxnSpPr>
+            <a:cxnSpLocks/>
+            <a:stCxn id="61" idx="0"/>
+            <a:endCxn id="12" idx="2"/>
+          </p:cNvCxnSpPr>
+          <p:nvPr/>
+        </p:nvCxnSpPr>
+        <p:spPr>
+          <a:xfrm flipV="1">
+            <a:off x="13022708" y="7266248"/>
+            <a:ext cx="0" cy="256178"/>
+          </a:xfrm>
+          <a:prstGeom prst="straightConnector1">
+            <a:avLst/>
+          </a:prstGeom>
+          <a:ln w="12700">
+            <a:tailEnd type="triangle"/>
+          </a:ln>
+        </p:spPr>
+        <p:style>
+          <a:lnRef idx="2">
+            <a:schemeClr val="accent1"/>
+          </a:lnRef>
+          <a:fillRef idx="0">
+            <a:schemeClr val="accent1"/>
+          </a:fillRef>
+          <a:effectRef idx="1">
+            <a:schemeClr val="accent1"/>
+          </a:effectRef>
+          <a:fontRef idx="minor">
+            <a:schemeClr val="tx1"/>
+          </a:fontRef>
+        </p:style>
+      </p:cxnSp>
+      <p:cxnSp>
+        <p:nvCxnSpPr>
+          <p:cNvPr id="75" name="直接箭头连接符 74">
+            <a:extLst>
+              <a:ext uri="{FF2B5EF4-FFF2-40B4-BE49-F238E27FC236}">
+                <a16:creationId xmlns:a16="http://schemas.microsoft.com/office/drawing/2014/main" id="{336E39DA-84AD-B389-DBB4-C0D51CC4131D}"/>
+              </a:ext>
+            </a:extLst>
+          </p:cNvPr>
+          <p:cNvCxnSpPr>
+            <a:cxnSpLocks/>
+            <a:stCxn id="63" idx="0"/>
+            <a:endCxn id="61" idx="2"/>
+          </p:cNvCxnSpPr>
+          <p:nvPr/>
+        </p:nvCxnSpPr>
+        <p:spPr>
+          <a:xfrm flipH="1" flipV="1">
+            <a:off x="13022708" y="7945412"/>
+            <a:ext cx="580" cy="324486"/>
+          </a:xfrm>
+          <a:prstGeom prst="straightConnector1">
+            <a:avLst/>
+          </a:prstGeom>
+          <a:ln w="12700">
+            <a:tailEnd type="triangle"/>
+          </a:ln>
+        </p:spPr>
+        <p:style>
+          <a:lnRef idx="2">
+            <a:schemeClr val="accent1"/>
+          </a:lnRef>
+          <a:fillRef idx="0">
+            <a:schemeClr val="accent1"/>
+          </a:fillRef>
+          <a:effectRef idx="1">
+            <a:schemeClr val="accent1"/>
+          </a:effectRef>
+          <a:fontRef idx="minor">
+            <a:schemeClr val="tx1"/>
+          </a:fontRef>
+        </p:style>
+      </p:cxnSp>
+      <p:cxnSp>
+        <p:nvCxnSpPr>
+          <p:cNvPr id="79" name="直接箭头连接符 78">
+            <a:extLst>
+              <a:ext uri="{FF2B5EF4-FFF2-40B4-BE49-F238E27FC236}">
+                <a16:creationId xmlns:a16="http://schemas.microsoft.com/office/drawing/2014/main" id="{833061B0-276E-B47C-4F7F-82282DAFF82D}"/>
+              </a:ext>
+            </a:extLst>
+          </p:cNvPr>
+          <p:cNvCxnSpPr>
+            <a:cxnSpLocks/>
+            <a:stCxn id="72" idx="0"/>
+            <a:endCxn id="29" idx="2"/>
+          </p:cNvCxnSpPr>
+          <p:nvPr/>
+        </p:nvCxnSpPr>
+        <p:spPr>
+          <a:xfrm flipH="1" flipV="1">
+            <a:off x="17207842" y="7996211"/>
+            <a:ext cx="1160" cy="281411"/>
+          </a:xfrm>
+          <a:prstGeom prst="straightConnector1">
+            <a:avLst/>
+          </a:prstGeom>
+          <a:ln w="12700">
+            <a:tailEnd type="triangle"/>
+          </a:ln>
+        </p:spPr>
+        <p:style>
+          <a:lnRef idx="2">
+            <a:schemeClr val="accent1"/>
+          </a:lnRef>
+          <a:fillRef idx="0">
+            <a:schemeClr val="accent1"/>
+          </a:fillRef>
+          <a:effectRef idx="1">
+            <a:schemeClr val="accent1"/>
+          </a:effectRef>
+          <a:fontRef idx="minor">
+            <a:schemeClr val="tx1"/>
+          </a:fontRef>
+        </p:style>
+      </p:cxnSp>
+      <p:sp>
+        <p:nvSpPr>
+          <p:cNvPr id="12" name="矩形: 圆角 11">
+            <a:extLst>
+              <a:ext uri="{FF2B5EF4-FFF2-40B4-BE49-F238E27FC236}">
+                <a16:creationId xmlns:a16="http://schemas.microsoft.com/office/drawing/2014/main" id="{6CE7EB90-5185-5987-A7C6-CCE2E9B8DD47}"/>
+              </a:ext>
+            </a:extLst>
+          </p:cNvPr>
+          <p:cNvSpPr/>
+          <p:nvPr/>
+        </p:nvSpPr>
+        <p:spPr>
+          <a:xfrm>
+            <a:off x="11641791" y="6780500"/>
+            <a:ext cx="2761833" cy="485748"/>
+          </a:xfrm>
+          <a:prstGeom prst="roundRect">
+            <a:avLst>
+              <a:gd name="adj" fmla="val 0"/>
+            </a:avLst>
+          </a:prstGeom>
+          <a:solidFill>
+            <a:schemeClr val="tx2">
+              <a:lumMod val="10000"/>
+              <a:lumOff val="90000"/>
+            </a:schemeClr>
+          </a:solidFill>
+          <a:ln>
+            <a:solidFill>
+              <a:schemeClr val="tx1"/>
+            </a:solidFill>
+          </a:ln>
+        </p:spPr>
+        <p:style>
+          <a:lnRef idx="2">
+            <a:schemeClr val="accent1">
+              <a:shade val="15000"/>
+            </a:schemeClr>
+          </a:lnRef>
+          <a:fillRef idx="1">
+            <a:schemeClr val="accent1"/>
+          </a:fillRef>
+          <a:effectRef idx="0">
+            <a:schemeClr val="accent1"/>
+          </a:effectRef>
+          <a:fontRef idx="minor">
+            <a:schemeClr val="lt1"/>
+          </a:fontRef>
+        </p:style>
+        <p:txBody>
+          <a:bodyPr rtlCol="0" anchor="ctr"/>
+          <a:lstStyle/>
+          <a:p>
+            <a:pPr algn="ctr"/>
+            <a:endParaRPr lang="zh-CN" altLang="en-US" sz="3189"/>
+          </a:p>
+        </p:txBody>
+      </p:sp>
+      <mc:AlternateContent xmlns:mc="http://schemas.openxmlformats.org/markup-compatibility/2006">
+        <mc:Choice xmlns:a14="http://schemas.microsoft.com/office/drawing/2010/main" Requires="a14">
+          <p:sp>
+            <p:nvSpPr>
+              <p:cNvPr id="13" name="文本框 12">
+                <a:extLst>
+                  <a:ext uri="{FF2B5EF4-FFF2-40B4-BE49-F238E27FC236}">
+                    <a16:creationId xmlns:a16="http://schemas.microsoft.com/office/drawing/2014/main" id="{4B3B46F5-0AE3-222C-6F98-DEE53ABDAA45}"/>
+                  </a:ext>
+                </a:extLst>
+              </p:cNvPr>
+              <p:cNvSpPr txBox="1"/>
+              <p:nvPr/>
+            </p:nvSpPr>
+            <p:spPr>
+              <a:xfrm>
+                <a:off x="12480031" y="6848338"/>
+                <a:ext cx="1000595" cy="400110"/>
+              </a:xfrm>
+              <a:prstGeom prst="rect">
+                <a:avLst/>
+              </a:prstGeom>
+              <a:noFill/>
+            </p:spPr>
+            <p:txBody>
+              <a:bodyPr wrap="none" rtlCol="0">
+                <a:spAutoFit/>
+              </a:bodyPr>
+              <a:lstStyle/>
+              <a:p>
+                <a:pPr/>
+                <a14:m>
+                  <m:oMathPara xmlns:m="http://schemas.openxmlformats.org/officeDocument/2006/math">
+                    <m:oMathParaPr>
+                      <m:jc m:val="centerGroup"/>
+                    </m:oMathParaPr>
+                    <m:oMath xmlns:m="http://schemas.openxmlformats.org/officeDocument/2006/math">
+                      <m:r>
+                        <m:rPr>
+                          <m:sty m:val="p"/>
+                        </m:rPr>
+                        <a:rPr lang="en-US" altLang="zh-CN" sz="2000" b="0" i="0" dirty="0" smtClean="0">
+                          <a:latin typeface="Cambria Math" panose="02040503050406030204" pitchFamily="18" charset="0"/>
+                          <a:ea typeface="微软雅黑" panose="020B0503020204020204" pitchFamily="34" charset="-122"/>
+                        </a:rPr>
+                        <m:t>AdaLN</m:t>
+                      </m:r>
+                    </m:oMath>
+                  </m:oMathPara>
+                </a14:m>
+                <a:endParaRPr lang="zh-CN" altLang="en-US" sz="2400" dirty="0">
+                  <a:latin typeface="微软雅黑" panose="020B0503020204020204" pitchFamily="34" charset="-122"/>
+                  <a:ea typeface="微软雅黑" panose="020B0503020204020204" pitchFamily="34" charset="-122"/>
+                </a:endParaRPr>
+              </a:p>
+            </p:txBody>
+          </p:sp>
+        </mc:Choice>
+        <mc:Fallback>
+          <p:sp>
+            <p:nvSpPr>
+              <p:cNvPr id="13" name="文本框 12">
+                <a:extLst>
+                  <a:ext uri="{FF2B5EF4-FFF2-40B4-BE49-F238E27FC236}">
+                    <a16:creationId xmlns:a16="http://schemas.microsoft.com/office/drawing/2014/main" id="{4B3B46F5-0AE3-222C-6F98-DEE53ABDAA45}"/>
+                  </a:ext>
+                </a:extLst>
+              </p:cNvPr>
+              <p:cNvSpPr txBox="1">
+                <a:spLocks noRot="1" noChangeAspect="1" noMove="1" noResize="1" noEditPoints="1" noAdjustHandles="1" noChangeArrowheads="1" noChangeShapeType="1" noTextEdit="1"/>
+              </p:cNvSpPr>
+              <p:nvPr/>
+            </p:nvSpPr>
+            <p:spPr>
+              <a:xfrm>
+                <a:off x="12480031" y="6848338"/>
+                <a:ext cx="1000595" cy="400110"/>
+              </a:xfrm>
+              <a:prstGeom prst="rect">
+                <a:avLst/>
+              </a:prstGeom>
+              <a:blipFill>
+                <a:blip r:embed="rId16"/>
+                <a:stretch>
+                  <a:fillRect/>
+                </a:stretch>
+              </a:blipFill>
+            </p:spPr>
+            <p:txBody>
+              <a:bodyPr/>
+              <a:lstStyle/>
+              <a:p>
+                <a:r>
+                  <a:rPr lang="zh-CN" altLang="en-US">
+                    <a:noFill/>
+                  </a:rPr>
+                  <a:t> </a:t>
+                </a:r>
+              </a:p>
+            </p:txBody>
+          </p:sp>
+        </mc:Fallback>
+      </mc:AlternateContent>
+      <p:sp>
+        <p:nvSpPr>
+          <p:cNvPr id="29" name="矩形: 圆角 28">
+            <a:extLst>
+              <a:ext uri="{FF2B5EF4-FFF2-40B4-BE49-F238E27FC236}">
+                <a16:creationId xmlns:a16="http://schemas.microsoft.com/office/drawing/2014/main" id="{EDC00443-4CDA-771C-4600-DA64A6B004EB}"/>
+              </a:ext>
+            </a:extLst>
+          </p:cNvPr>
+          <p:cNvSpPr/>
+          <p:nvPr/>
+        </p:nvSpPr>
+        <p:spPr>
+          <a:xfrm>
+            <a:off x="15784541" y="7573225"/>
+            <a:ext cx="2846602" cy="422986"/>
+          </a:xfrm>
+          <a:prstGeom prst="roundRect">
+            <a:avLst>
+              <a:gd name="adj" fmla="val 0"/>
+            </a:avLst>
+          </a:prstGeom>
+          <a:solidFill>
+            <a:schemeClr val="accent5">
+              <a:lumMod val="20000"/>
+              <a:lumOff val="80000"/>
+            </a:schemeClr>
+          </a:solidFill>
+          <a:ln>
+            <a:solidFill>
+              <a:schemeClr val="tx1"/>
+            </a:solidFill>
+          </a:ln>
+        </p:spPr>
+        <p:style>
+          <a:lnRef idx="2">
+            <a:schemeClr val="accent1">
+              <a:shade val="15000"/>
+            </a:schemeClr>
+          </a:lnRef>
+          <a:fillRef idx="1">
+            <a:schemeClr val="accent1"/>
+          </a:fillRef>
+          <a:effectRef idx="0">
+            <a:schemeClr val="accent1"/>
+          </a:effectRef>
+          <a:fontRef idx="minor">
+            <a:schemeClr val="lt1"/>
+          </a:fontRef>
+        </p:style>
+        <p:txBody>
+          <a:bodyPr rtlCol="0" anchor="ctr"/>
+          <a:lstStyle/>
+          <a:p>
+            <a:pPr algn="ctr"/>
+            <a:endParaRPr lang="zh-CN" altLang="en-US" sz="3189"/>
+          </a:p>
+        </p:txBody>
+      </p:sp>
+      <mc:AlternateContent xmlns:mc="http://schemas.openxmlformats.org/markup-compatibility/2006">
+        <mc:Choice xmlns:a14="http://schemas.microsoft.com/office/drawing/2010/main" Requires="a14">
+          <p:sp>
+            <p:nvSpPr>
+              <p:cNvPr id="30" name="文本框 29">
+                <a:extLst>
+                  <a:ext uri="{FF2B5EF4-FFF2-40B4-BE49-F238E27FC236}">
+                    <a16:creationId xmlns:a16="http://schemas.microsoft.com/office/drawing/2014/main" id="{82D6DC09-5202-9B6E-0608-9EBF6E3A076B}"/>
+                  </a:ext>
+                </a:extLst>
+              </p:cNvPr>
+              <p:cNvSpPr txBox="1"/>
+              <p:nvPr/>
+            </p:nvSpPr>
+            <p:spPr>
+              <a:xfrm>
+                <a:off x="16283848" y="7534753"/>
+                <a:ext cx="1798710" cy="477054"/>
+              </a:xfrm>
+              <a:prstGeom prst="rect">
+                <a:avLst/>
+              </a:prstGeom>
+              <a:noFill/>
+            </p:spPr>
+            <p:txBody>
+              <a:bodyPr wrap="square" rtlCol="0">
+                <a:spAutoFit/>
+              </a:bodyPr>
+              <a:lstStyle/>
+              <a:p>
+                <a:pPr algn="ctr">
+                  <a:lnSpc>
+                    <a:spcPts val="3000"/>
+                  </a:lnSpc>
+                </a:pPr>
+                <a14:m>
+                  <m:oMathPara xmlns:m="http://schemas.openxmlformats.org/officeDocument/2006/math">
+                    <m:oMathParaPr>
+                      <m:jc m:val="centerGroup"/>
+                    </m:oMathParaPr>
+                    <m:oMath xmlns:m="http://schemas.openxmlformats.org/officeDocument/2006/math">
+                      <m:r>
+                        <m:rPr>
+                          <m:sty m:val="p"/>
+                        </m:rPr>
+                        <a:rPr lang="en-US" altLang="zh-CN" sz="2000" b="0" i="0" smtClean="0">
+                          <a:latin typeface="Cambria Math" panose="02040503050406030204" pitchFamily="18" charset="0"/>
+                          <a:ea typeface="微软雅黑" panose="020B0503020204020204" pitchFamily="34" charset="-122"/>
+                        </a:rPr>
+                        <m:t>MLP</m:t>
+                      </m:r>
+                    </m:oMath>
+                  </m:oMathPara>
+                </a14:m>
+                <a:endParaRPr lang="zh-CN" altLang="en-US" sz="2000" dirty="0">
+                  <a:latin typeface="微软雅黑" panose="020B0503020204020204" pitchFamily="34" charset="-122"/>
+                  <a:ea typeface="微软雅黑" panose="020B0503020204020204" pitchFamily="34" charset="-122"/>
+                </a:endParaRPr>
+              </a:p>
+            </p:txBody>
+          </p:sp>
+        </mc:Choice>
+        <mc:Fallback>
+          <p:sp>
+            <p:nvSpPr>
+              <p:cNvPr id="30" name="文本框 29">
+                <a:extLst>
+                  <a:ext uri="{FF2B5EF4-FFF2-40B4-BE49-F238E27FC236}">
+                    <a16:creationId xmlns:a16="http://schemas.microsoft.com/office/drawing/2014/main" id="{82D6DC09-5202-9B6E-0608-9EBF6E3A076B}"/>
+                  </a:ext>
+                </a:extLst>
+              </p:cNvPr>
+              <p:cNvSpPr txBox="1">
+                <a:spLocks noRot="1" noChangeAspect="1" noMove="1" noResize="1" noEditPoints="1" noAdjustHandles="1" noChangeArrowheads="1" noChangeShapeType="1" noTextEdit="1"/>
+              </p:cNvSpPr>
+              <p:nvPr/>
+            </p:nvSpPr>
+            <p:spPr>
+              <a:xfrm>
+                <a:off x="16283848" y="7534753"/>
+                <a:ext cx="1798710" cy="477054"/>
+              </a:xfrm>
+              <a:prstGeom prst="rect">
+                <a:avLst/>
+              </a:prstGeom>
+              <a:blipFill>
+                <a:blip r:embed="rId17"/>
+                <a:stretch>
+                  <a:fillRect/>
+                </a:stretch>
+              </a:blipFill>
+            </p:spPr>
+            <p:txBody>
+              <a:bodyPr/>
+              <a:lstStyle/>
+              <a:p>
+                <a:r>
+                  <a:rPr lang="zh-CN" altLang="en-US">
+                    <a:noFill/>
+                  </a:rPr>
+                  <a:t> </a:t>
+                </a:r>
+              </a:p>
+            </p:txBody>
+          </p:sp>
+        </mc:Fallback>
+      </mc:AlternateContent>
+      <p:sp>
+        <p:nvSpPr>
+          <p:cNvPr id="50" name="矩形: 圆角 49">
+            <a:extLst>
+              <a:ext uri="{FF2B5EF4-FFF2-40B4-BE49-F238E27FC236}">
+                <a16:creationId xmlns:a16="http://schemas.microsoft.com/office/drawing/2014/main" id="{3755338B-EE33-0EE2-6131-1D44DFA54DD6}"/>
+              </a:ext>
+            </a:extLst>
+          </p:cNvPr>
+          <p:cNvSpPr/>
+          <p:nvPr/>
+        </p:nvSpPr>
+        <p:spPr>
+          <a:xfrm>
+            <a:off x="11641791" y="4965407"/>
+            <a:ext cx="2761833" cy="485748"/>
+          </a:xfrm>
+          <a:prstGeom prst="roundRect">
+            <a:avLst>
+              <a:gd name="adj" fmla="val 0"/>
+            </a:avLst>
+          </a:prstGeom>
+          <a:solidFill>
+            <a:schemeClr val="tx2">
+              <a:lumMod val="10000"/>
+              <a:lumOff val="90000"/>
+            </a:schemeClr>
+          </a:solidFill>
+          <a:ln>
+            <a:solidFill>
+              <a:schemeClr val="tx1"/>
+            </a:solidFill>
+          </a:ln>
+        </p:spPr>
+        <p:style>
+          <a:lnRef idx="2">
+            <a:schemeClr val="accent1">
+              <a:shade val="15000"/>
+            </a:schemeClr>
+          </a:lnRef>
+          <a:fillRef idx="1">
+            <a:schemeClr val="accent1"/>
+          </a:fillRef>
+          <a:effectRef idx="0">
+            <a:schemeClr val="accent1"/>
+          </a:effectRef>
+          <a:fontRef idx="minor">
+            <a:schemeClr val="lt1"/>
+          </a:fontRef>
+        </p:style>
+        <p:txBody>
+          <a:bodyPr rtlCol="0" anchor="ctr"/>
+          <a:lstStyle/>
+          <a:p>
+            <a:pPr algn="ctr"/>
+            <a:endParaRPr lang="zh-CN" altLang="en-US" sz="3189"/>
+          </a:p>
+        </p:txBody>
+      </p:sp>
+      <mc:AlternateContent xmlns:mc="http://schemas.openxmlformats.org/markup-compatibility/2006">
+        <mc:Choice xmlns:a14="http://schemas.microsoft.com/office/drawing/2010/main" Requires="a14">
+          <p:sp>
+            <p:nvSpPr>
+              <p:cNvPr id="52" name="文本框 51">
+                <a:extLst>
+                  <a:ext uri="{FF2B5EF4-FFF2-40B4-BE49-F238E27FC236}">
+                    <a16:creationId xmlns:a16="http://schemas.microsoft.com/office/drawing/2014/main" id="{91FAE971-A421-D0AE-D7B1-573F04A36D67}"/>
+                  </a:ext>
+                </a:extLst>
+              </p:cNvPr>
+              <p:cNvSpPr txBox="1"/>
+              <p:nvPr/>
+            </p:nvSpPr>
+            <p:spPr>
+              <a:xfrm>
+                <a:off x="12507190" y="5033245"/>
+                <a:ext cx="896399" cy="400110"/>
+              </a:xfrm>
+              <a:prstGeom prst="rect">
+                <a:avLst/>
+              </a:prstGeom>
+              <a:noFill/>
+            </p:spPr>
+            <p:txBody>
+              <a:bodyPr wrap="none" rtlCol="0">
+                <a:spAutoFit/>
+              </a:bodyPr>
+              <a:lstStyle/>
+              <a:p>
+                <a:pPr/>
+                <a14:m>
+                  <m:oMathPara xmlns:m="http://schemas.openxmlformats.org/officeDocument/2006/math">
+                    <m:oMathParaPr>
+                      <m:jc m:val="centerGroup"/>
+                    </m:oMathParaPr>
+                    <m:oMath xmlns:m="http://schemas.openxmlformats.org/officeDocument/2006/math">
+                      <m:r>
+                        <m:rPr>
+                          <m:sty m:val="p"/>
+                        </m:rPr>
+                        <a:rPr lang="en-US" altLang="zh-CN" sz="2000" b="0" i="0" dirty="0" smtClean="0">
+                          <a:latin typeface="Cambria Math" panose="02040503050406030204" pitchFamily="18" charset="0"/>
+                          <a:ea typeface="微软雅黑" panose="020B0503020204020204" pitchFamily="34" charset="-122"/>
+                        </a:rPr>
+                        <m:t>Gated</m:t>
+                      </m:r>
+                    </m:oMath>
+                  </m:oMathPara>
+                </a14:m>
+                <a:endParaRPr lang="zh-CN" altLang="en-US" sz="2400" dirty="0">
+                  <a:latin typeface="微软雅黑" panose="020B0503020204020204" pitchFamily="34" charset="-122"/>
+                  <a:ea typeface="微软雅黑" panose="020B0503020204020204" pitchFamily="34" charset="-122"/>
+                </a:endParaRPr>
+              </a:p>
+            </p:txBody>
+          </p:sp>
+        </mc:Choice>
+        <mc:Fallback>
+          <p:sp>
+            <p:nvSpPr>
+              <p:cNvPr id="52" name="文本框 51">
+                <a:extLst>
+                  <a:ext uri="{FF2B5EF4-FFF2-40B4-BE49-F238E27FC236}">
+                    <a16:creationId xmlns:a16="http://schemas.microsoft.com/office/drawing/2014/main" id="{91FAE971-A421-D0AE-D7B1-573F04A36D67}"/>
+                  </a:ext>
+                </a:extLst>
+              </p:cNvPr>
+              <p:cNvSpPr txBox="1">
+                <a:spLocks noRot="1" noChangeAspect="1" noMove="1" noResize="1" noEditPoints="1" noAdjustHandles="1" noChangeArrowheads="1" noChangeShapeType="1" noTextEdit="1"/>
+              </p:cNvSpPr>
+              <p:nvPr/>
+            </p:nvSpPr>
+            <p:spPr>
+              <a:xfrm>
+                <a:off x="12507190" y="5033245"/>
+                <a:ext cx="896399" cy="400110"/>
+              </a:xfrm>
+              <a:prstGeom prst="rect">
+                <a:avLst/>
+              </a:prstGeom>
+              <a:blipFill>
+                <a:blip r:embed="rId18"/>
+                <a:stretch>
+                  <a:fillRect/>
+                </a:stretch>
+              </a:blipFill>
+            </p:spPr>
+            <p:txBody>
+              <a:bodyPr/>
+              <a:lstStyle/>
+              <a:p>
+                <a:r>
+                  <a:rPr lang="zh-CN" altLang="en-US">
+                    <a:noFill/>
+                  </a:rPr>
+                  <a:t> </a:t>
+                </a:r>
+              </a:p>
+            </p:txBody>
+          </p:sp>
+        </mc:Fallback>
+      </mc:AlternateContent>
+      <p:cxnSp>
+        <p:nvCxnSpPr>
+          <p:cNvPr id="53" name="直接箭头连接符 52">
+            <a:extLst>
+              <a:ext uri="{FF2B5EF4-FFF2-40B4-BE49-F238E27FC236}">
+                <a16:creationId xmlns:a16="http://schemas.microsoft.com/office/drawing/2014/main" id="{ADF3D3C3-11E5-5EC3-40B3-0AAEBB23B3FC}"/>
+              </a:ext>
+            </a:extLst>
+          </p:cNvPr>
+          <p:cNvCxnSpPr>
+            <a:cxnSpLocks/>
+            <a:stCxn id="12" idx="0"/>
+            <a:endCxn id="59" idx="2"/>
+          </p:cNvCxnSpPr>
+          <p:nvPr/>
+        </p:nvCxnSpPr>
+        <p:spPr>
+          <a:xfrm flipV="1">
+            <a:off x="13022708" y="6519128"/>
+            <a:ext cx="0" cy="261372"/>
+          </a:xfrm>
+          <a:prstGeom prst="straightConnector1">
+            <a:avLst/>
+          </a:prstGeom>
+          <a:ln w="12700">
+            <a:tailEnd type="triangle"/>
+          </a:ln>
+        </p:spPr>
+        <p:style>
+          <a:lnRef idx="2">
+            <a:schemeClr val="accent1"/>
+          </a:lnRef>
+          <a:fillRef idx="0">
+            <a:schemeClr val="accent1"/>
+          </a:fillRef>
+          <a:effectRef idx="1">
+            <a:schemeClr val="accent1"/>
+          </a:effectRef>
+          <a:fontRef idx="minor">
+            <a:schemeClr val="tx1"/>
+          </a:fontRef>
+        </p:style>
+      </p:cxnSp>
+      <p:cxnSp>
+        <p:nvCxnSpPr>
+          <p:cNvPr id="66" name="直接箭头连接符 65">
+            <a:extLst>
+              <a:ext uri="{FF2B5EF4-FFF2-40B4-BE49-F238E27FC236}">
+                <a16:creationId xmlns:a16="http://schemas.microsoft.com/office/drawing/2014/main" id="{A1559410-7DE3-06D6-8F23-460B4C7CF398}"/>
+              </a:ext>
+            </a:extLst>
+          </p:cNvPr>
+          <p:cNvCxnSpPr>
+            <a:cxnSpLocks/>
+            <a:stCxn id="59" idx="0"/>
+            <a:endCxn id="50" idx="2"/>
+          </p:cNvCxnSpPr>
+          <p:nvPr/>
+        </p:nvCxnSpPr>
+        <p:spPr>
+          <a:xfrm flipV="1">
+            <a:off x="13022708" y="5451155"/>
+            <a:ext cx="0" cy="306503"/>
+          </a:xfrm>
+          <a:prstGeom prst="straightConnector1">
+            <a:avLst/>
+          </a:prstGeom>
+          <a:ln w="12700">
+            <a:tailEnd type="triangle"/>
+          </a:ln>
+        </p:spPr>
+        <p:style>
+          <a:lnRef idx="2">
+            <a:schemeClr val="accent1"/>
+          </a:lnRef>
+          <a:fillRef idx="0">
+            <a:schemeClr val="accent1"/>
+          </a:fillRef>
+          <a:effectRef idx="1">
+            <a:schemeClr val="accent1"/>
+          </a:effectRef>
+          <a:fontRef idx="minor">
+            <a:schemeClr val="tx1"/>
+          </a:fontRef>
+        </p:style>
+      </p:cxnSp>
+      <p:sp>
+        <p:nvSpPr>
+          <p:cNvPr id="100" name="矩形: 圆角 99">
+            <a:extLst>
+              <a:ext uri="{FF2B5EF4-FFF2-40B4-BE49-F238E27FC236}">
+                <a16:creationId xmlns:a16="http://schemas.microsoft.com/office/drawing/2014/main" id="{7EA21462-6208-6B66-EECC-BFAAE186E908}"/>
+              </a:ext>
+            </a:extLst>
+          </p:cNvPr>
+          <p:cNvSpPr/>
+          <p:nvPr/>
+        </p:nvSpPr>
+        <p:spPr>
+          <a:xfrm>
+            <a:off x="11641791" y="1657429"/>
+            <a:ext cx="2761832" cy="761470"/>
+          </a:xfrm>
+          <a:prstGeom prst="roundRect">
+            <a:avLst>
+              <a:gd name="adj" fmla="val 0"/>
+            </a:avLst>
+          </a:prstGeom>
+          <a:solidFill>
+            <a:schemeClr val="bg2">
+              <a:lumMod val="90000"/>
+            </a:schemeClr>
+          </a:solidFill>
+          <a:ln>
+            <a:solidFill>
+              <a:schemeClr val="tx1"/>
+            </a:solidFill>
+          </a:ln>
+        </p:spPr>
+        <p:style>
+          <a:lnRef idx="2">
+            <a:schemeClr val="accent1">
+              <a:shade val="15000"/>
+            </a:schemeClr>
+          </a:lnRef>
+          <a:fillRef idx="1">
+            <a:schemeClr val="accent1"/>
+          </a:fillRef>
+          <a:effectRef idx="0">
+            <a:schemeClr val="accent1"/>
+          </a:effectRef>
+          <a:fontRef idx="minor">
+            <a:schemeClr val="lt1"/>
+          </a:fontRef>
+        </p:style>
+        <p:txBody>
+          <a:bodyPr rtlCol="0" anchor="ctr"/>
+          <a:lstStyle/>
+          <a:p>
+            <a:pPr algn="ctr"/>
+            <a:endParaRPr lang="zh-CN" altLang="en-US" sz="3189"/>
+          </a:p>
+        </p:txBody>
+      </p:sp>
+      <mc:AlternateContent xmlns:mc="http://schemas.openxmlformats.org/markup-compatibility/2006">
+        <mc:Choice xmlns:a14="http://schemas.microsoft.com/office/drawing/2010/main" Requires="a14">
+          <p:sp>
+            <p:nvSpPr>
+              <p:cNvPr id="101" name="文本框 100">
+                <a:extLst>
+                  <a:ext uri="{FF2B5EF4-FFF2-40B4-BE49-F238E27FC236}">
+                    <a16:creationId xmlns:a16="http://schemas.microsoft.com/office/drawing/2014/main" id="{81FD956C-78F8-6226-F4F9-CD0F38872E44}"/>
+                  </a:ext>
+                </a:extLst>
+              </p:cNvPr>
+              <p:cNvSpPr txBox="1"/>
+              <p:nvPr/>
+            </p:nvSpPr>
+            <p:spPr>
+              <a:xfrm>
+                <a:off x="12005344" y="1691151"/>
+                <a:ext cx="2034724" cy="707886"/>
+              </a:xfrm>
+              <a:prstGeom prst="rect">
+                <a:avLst/>
+              </a:prstGeom>
+              <a:noFill/>
+            </p:spPr>
+            <p:txBody>
+              <a:bodyPr wrap="none" rtlCol="0">
+                <a:spAutoFit/>
+              </a:bodyPr>
+              <a:lstStyle/>
+              <a:p>
+                <a:pPr/>
+                <a14:m>
+                  <m:oMathPara xmlns:m="http://schemas.openxmlformats.org/officeDocument/2006/math">
+                    <m:oMathParaPr>
+                      <m:jc m:val="centerGroup"/>
+                    </m:oMathParaPr>
+                    <m:oMath xmlns:m="http://schemas.openxmlformats.org/officeDocument/2006/math">
+                      <m:r>
+                        <m:rPr>
+                          <m:sty m:val="p"/>
+                        </m:rPr>
+                        <a:rPr lang="en-US" altLang="zh-CN" sz="2000" b="0" i="0" dirty="0" smtClean="0">
+                          <a:latin typeface="Cambria Math" panose="02040503050406030204" pitchFamily="18" charset="0"/>
+                          <a:ea typeface="微软雅黑" panose="020B0503020204020204" pitchFamily="34" charset="-122"/>
+                        </a:rPr>
+                        <m:t>Multi</m:t>
+                      </m:r>
+                      <m:r>
+                        <a:rPr lang="en-US" altLang="zh-CN" sz="2000" b="0" i="0" dirty="0" smtClean="0">
+                          <a:latin typeface="Cambria Math" panose="02040503050406030204" pitchFamily="18" charset="0"/>
+                          <a:ea typeface="微软雅黑" panose="020B0503020204020204" pitchFamily="34" charset="-122"/>
+                        </a:rPr>
+                        <m:t>−</m:t>
+                      </m:r>
+                      <m:r>
+                        <m:rPr>
+                          <m:sty m:val="p"/>
+                        </m:rPr>
+                        <a:rPr lang="en-US" altLang="zh-CN" sz="2000" b="0" i="0" dirty="0" smtClean="0">
+                          <a:latin typeface="Cambria Math" panose="02040503050406030204" pitchFamily="18" charset="0"/>
+                          <a:ea typeface="微软雅黑" panose="020B0503020204020204" pitchFamily="34" charset="-122"/>
+                        </a:rPr>
+                        <m:t>Head</m:t>
+                      </m:r>
+                    </m:oMath>
+                  </m:oMathPara>
+                </a14:m>
+                <a:endParaRPr lang="en-US" altLang="zh-CN" sz="2000" b="0" i="0" dirty="0">
+                  <a:latin typeface="Cambria Math" panose="02040503050406030204" pitchFamily="18" charset="0"/>
+                  <a:ea typeface="微软雅黑" panose="020B0503020204020204" pitchFamily="34" charset="-122"/>
+                </a:endParaRPr>
+              </a:p>
+              <a:p>
+                <a:pPr/>
+                <a14:m>
+                  <m:oMathPara xmlns:m="http://schemas.openxmlformats.org/officeDocument/2006/math">
+                    <m:oMathParaPr>
+                      <m:jc m:val="centerGroup"/>
+                    </m:oMathParaPr>
+                    <m:oMath xmlns:m="http://schemas.openxmlformats.org/officeDocument/2006/math">
+                      <m:r>
+                        <a:rPr lang="en-US" altLang="zh-CN" sz="2000" b="0" i="0" dirty="0" smtClean="0">
+                          <a:latin typeface="Cambria Math" panose="02040503050406030204" pitchFamily="18" charset="0"/>
+                          <a:ea typeface="微软雅黑" panose="020B0503020204020204" pitchFamily="34" charset="-122"/>
+                        </a:rPr>
+                        <m:t> </m:t>
+                      </m:r>
+                      <m:r>
+                        <m:rPr>
+                          <m:sty m:val="p"/>
+                        </m:rPr>
+                        <a:rPr lang="en-US" altLang="zh-CN" sz="2000" b="0" i="0" dirty="0" smtClean="0">
+                          <a:latin typeface="Cambria Math" panose="02040503050406030204" pitchFamily="18" charset="0"/>
+                          <a:ea typeface="微软雅黑" panose="020B0503020204020204" pitchFamily="34" charset="-122"/>
+                        </a:rPr>
+                        <m:t>Self</m:t>
+                      </m:r>
+                      <m:r>
+                        <a:rPr lang="en-US" altLang="zh-CN" sz="2000" b="0" i="0" dirty="0" smtClean="0">
+                          <a:latin typeface="Cambria Math" panose="02040503050406030204" pitchFamily="18" charset="0"/>
+                          <a:ea typeface="微软雅黑" panose="020B0503020204020204" pitchFamily="34" charset="-122"/>
+                        </a:rPr>
+                        <m:t>−</m:t>
+                      </m:r>
+                      <m:r>
+                        <m:rPr>
+                          <m:sty m:val="p"/>
+                        </m:rPr>
+                        <a:rPr lang="en-US" altLang="zh-CN" sz="2000" b="0" i="0" dirty="0" smtClean="0">
+                          <a:latin typeface="Cambria Math" panose="02040503050406030204" pitchFamily="18" charset="0"/>
+                          <a:ea typeface="微软雅黑" panose="020B0503020204020204" pitchFamily="34" charset="-122"/>
+                        </a:rPr>
+                        <m:t>Attention</m:t>
+                      </m:r>
+                    </m:oMath>
+                  </m:oMathPara>
+                </a14:m>
+                <a:endParaRPr sz="1200" dirty="0"/>
+              </a:p>
+            </p:txBody>
+          </p:sp>
+        </mc:Choice>
+        <mc:Fallback>
+          <p:sp>
+            <p:nvSpPr>
+              <p:cNvPr id="101" name="文本框 100">
+                <a:extLst>
+                  <a:ext uri="{FF2B5EF4-FFF2-40B4-BE49-F238E27FC236}">
+                    <a16:creationId xmlns:a16="http://schemas.microsoft.com/office/drawing/2014/main" id="{81FD956C-78F8-6226-F4F9-CD0F38872E44}"/>
+                  </a:ext>
+                </a:extLst>
+              </p:cNvPr>
+              <p:cNvSpPr txBox="1">
+                <a:spLocks noRot="1" noChangeAspect="1" noMove="1" noResize="1" noEditPoints="1" noAdjustHandles="1" noChangeArrowheads="1" noChangeShapeType="1" noTextEdit="1"/>
+              </p:cNvSpPr>
+              <p:nvPr/>
+            </p:nvSpPr>
+            <p:spPr>
+              <a:xfrm>
+                <a:off x="12005344" y="1691151"/>
+                <a:ext cx="2034724" cy="707886"/>
+              </a:xfrm>
+              <a:prstGeom prst="rect">
+                <a:avLst/>
+              </a:prstGeom>
+              <a:blipFill>
+                <a:blip r:embed="rId19"/>
+                <a:stretch>
+                  <a:fillRect/>
+                </a:stretch>
+              </a:blipFill>
+            </p:spPr>
+            <p:txBody>
+              <a:bodyPr/>
+              <a:lstStyle/>
+              <a:p>
+                <a:r>
+                  <a:rPr lang="zh-CN" altLang="en-US">
+                    <a:noFill/>
+                  </a:rPr>
+                  <a:t> </a:t>
+                </a:r>
+              </a:p>
+            </p:txBody>
+          </p:sp>
+        </mc:Fallback>
+      </mc:AlternateContent>
+      <p:sp>
+        <p:nvSpPr>
+          <p:cNvPr id="102" name="矩形: 圆角 101">
+            <a:extLst>
+              <a:ext uri="{FF2B5EF4-FFF2-40B4-BE49-F238E27FC236}">
+                <a16:creationId xmlns:a16="http://schemas.microsoft.com/office/drawing/2014/main" id="{159D2971-8DC0-F0AC-75F1-597235AE6737}"/>
+              </a:ext>
+            </a:extLst>
+          </p:cNvPr>
+          <p:cNvSpPr/>
+          <p:nvPr/>
+        </p:nvSpPr>
+        <p:spPr>
+          <a:xfrm>
+            <a:off x="11641790" y="3463944"/>
+            <a:ext cx="2761833" cy="422986"/>
+          </a:xfrm>
+          <a:prstGeom prst="roundRect">
+            <a:avLst>
+              <a:gd name="adj" fmla="val 0"/>
+            </a:avLst>
+          </a:prstGeom>
+          <a:solidFill>
+            <a:schemeClr val="tx2">
+              <a:lumMod val="10000"/>
+              <a:lumOff val="90000"/>
+            </a:schemeClr>
+          </a:solidFill>
+          <a:ln>
+            <a:solidFill>
+              <a:schemeClr val="tx1"/>
+            </a:solidFill>
+          </a:ln>
+        </p:spPr>
+        <p:style>
+          <a:lnRef idx="2">
+            <a:schemeClr val="accent1">
+              <a:shade val="15000"/>
+            </a:schemeClr>
+          </a:lnRef>
+          <a:fillRef idx="1">
+            <a:schemeClr val="accent1"/>
+          </a:fillRef>
+          <a:effectRef idx="0">
+            <a:schemeClr val="accent1"/>
+          </a:effectRef>
+          <a:fontRef idx="minor">
+            <a:schemeClr val="lt1"/>
+          </a:fontRef>
+        </p:style>
+        <p:txBody>
+          <a:bodyPr rtlCol="0" anchor="ctr"/>
+          <a:lstStyle/>
+          <a:p>
+            <a:pPr algn="ctr"/>
+            <a:endParaRPr lang="zh-CN" altLang="en-US" sz="3189"/>
+          </a:p>
+        </p:txBody>
+      </p:sp>
+      <mc:AlternateContent xmlns:mc="http://schemas.openxmlformats.org/markup-compatibility/2006">
+        <mc:Choice xmlns:a14="http://schemas.microsoft.com/office/drawing/2010/main" Requires="a14">
+          <p:sp>
+            <p:nvSpPr>
+              <p:cNvPr id="103" name="文本框 102">
+                <a:extLst>
+                  <a:ext uri="{FF2B5EF4-FFF2-40B4-BE49-F238E27FC236}">
+                    <a16:creationId xmlns:a16="http://schemas.microsoft.com/office/drawing/2014/main" id="{A70F12D1-8909-ABB8-7C47-1B6E829FA775}"/>
+                  </a:ext>
+                </a:extLst>
+              </p:cNvPr>
+              <p:cNvSpPr txBox="1"/>
+              <p:nvPr/>
+            </p:nvSpPr>
+            <p:spPr>
+              <a:xfrm>
+                <a:off x="12234261" y="3463944"/>
+                <a:ext cx="1569660" cy="400110"/>
+              </a:xfrm>
+              <a:prstGeom prst="rect">
+                <a:avLst/>
+              </a:prstGeom>
+              <a:noFill/>
+            </p:spPr>
+            <p:txBody>
+              <a:bodyPr wrap="none" rtlCol="0">
+                <a:spAutoFit/>
+              </a:bodyPr>
+              <a:lstStyle/>
+              <a:p>
+                <a:pPr/>
+                <a14:m>
+                  <m:oMathPara xmlns:m="http://schemas.openxmlformats.org/officeDocument/2006/math">
+                    <m:oMathParaPr>
+                      <m:jc m:val="centerGroup"/>
+                    </m:oMathParaPr>
+                    <m:oMath xmlns:m="http://schemas.openxmlformats.org/officeDocument/2006/math">
+                      <m:r>
+                        <m:rPr>
+                          <m:sty m:val="p"/>
+                        </m:rPr>
+                        <a:rPr lang="en-US" altLang="zh-CN" sz="2000" b="0" i="0" dirty="0" smtClean="0">
+                          <a:latin typeface="Cambria Math" panose="02040503050406030204" pitchFamily="18" charset="0"/>
+                          <a:ea typeface="微软雅黑" panose="020B0503020204020204" pitchFamily="34" charset="-122"/>
+                        </a:rPr>
+                        <m:t>Layer</m:t>
+                      </m:r>
+                      <m:r>
+                        <a:rPr lang="en-US" altLang="zh-CN" sz="2000" b="0" i="0" dirty="0" smtClean="0">
+                          <a:latin typeface="Cambria Math" panose="02040503050406030204" pitchFamily="18" charset="0"/>
+                          <a:ea typeface="微软雅黑" panose="020B0503020204020204" pitchFamily="34" charset="-122"/>
+                        </a:rPr>
+                        <m:t> </m:t>
+                      </m:r>
+                      <m:r>
+                        <m:rPr>
+                          <m:sty m:val="p"/>
+                        </m:rPr>
+                        <a:rPr lang="en-US" altLang="zh-CN" sz="2000" b="0" i="0" dirty="0" smtClean="0">
+                          <a:latin typeface="Cambria Math" panose="02040503050406030204" pitchFamily="18" charset="0"/>
+                          <a:ea typeface="微软雅黑" panose="020B0503020204020204" pitchFamily="34" charset="-122"/>
+                        </a:rPr>
+                        <m:t>Norm</m:t>
+                      </m:r>
+                    </m:oMath>
+                  </m:oMathPara>
+                </a14:m>
+                <a:endParaRPr lang="zh-CN" altLang="en-US" sz="2400" dirty="0">
+                  <a:latin typeface="微软雅黑" panose="020B0503020204020204" pitchFamily="34" charset="-122"/>
+                  <a:ea typeface="微软雅黑" panose="020B0503020204020204" pitchFamily="34" charset="-122"/>
+                </a:endParaRPr>
+              </a:p>
+            </p:txBody>
+          </p:sp>
+        </mc:Choice>
+        <mc:Fallback>
+          <p:sp>
+            <p:nvSpPr>
+              <p:cNvPr id="103" name="文本框 102">
+                <a:extLst>
+                  <a:ext uri="{FF2B5EF4-FFF2-40B4-BE49-F238E27FC236}">
+                    <a16:creationId xmlns:a16="http://schemas.microsoft.com/office/drawing/2014/main" id="{A70F12D1-8909-ABB8-7C47-1B6E829FA775}"/>
+                  </a:ext>
+                </a:extLst>
+              </p:cNvPr>
+              <p:cNvSpPr txBox="1">
+                <a:spLocks noRot="1" noChangeAspect="1" noMove="1" noResize="1" noEditPoints="1" noAdjustHandles="1" noChangeArrowheads="1" noChangeShapeType="1" noTextEdit="1"/>
+              </p:cNvSpPr>
+              <p:nvPr/>
+            </p:nvSpPr>
+            <p:spPr>
+              <a:xfrm>
+                <a:off x="12234261" y="3463944"/>
+                <a:ext cx="1569660" cy="400110"/>
+              </a:xfrm>
+              <a:prstGeom prst="rect">
+                <a:avLst/>
+              </a:prstGeom>
+              <a:blipFill>
+                <a:blip r:embed="rId20"/>
+                <a:stretch>
+                  <a:fillRect b="-15152"/>
+                </a:stretch>
+              </a:blipFill>
+            </p:spPr>
+            <p:txBody>
+              <a:bodyPr/>
+              <a:lstStyle/>
+              <a:p>
+                <a:r>
+                  <a:rPr lang="zh-CN" altLang="en-US">
+                    <a:noFill/>
+                  </a:rPr>
+                  <a:t> </a:t>
+                </a:r>
+              </a:p>
+            </p:txBody>
+          </p:sp>
+        </mc:Fallback>
+      </mc:AlternateContent>
+      <p:cxnSp>
+        <p:nvCxnSpPr>
+          <p:cNvPr id="104" name="直接箭头连接符 103">
+            <a:extLst>
+              <a:ext uri="{FF2B5EF4-FFF2-40B4-BE49-F238E27FC236}">
+                <a16:creationId xmlns:a16="http://schemas.microsoft.com/office/drawing/2014/main" id="{2BDE3916-332A-087B-B8F3-033CFBFA730C}"/>
+              </a:ext>
+            </a:extLst>
+          </p:cNvPr>
+          <p:cNvCxnSpPr>
+            <a:cxnSpLocks/>
+            <a:stCxn id="102" idx="0"/>
+            <a:endCxn id="105" idx="2"/>
+          </p:cNvCxnSpPr>
+          <p:nvPr/>
+        </p:nvCxnSpPr>
+        <p:spPr>
+          <a:xfrm flipV="1">
+            <a:off x="13022707" y="3156967"/>
+            <a:ext cx="0" cy="306977"/>
+          </a:xfrm>
+          <a:prstGeom prst="straightConnector1">
+            <a:avLst/>
+          </a:prstGeom>
+          <a:ln w="12700">
+            <a:tailEnd type="triangle"/>
+          </a:ln>
+        </p:spPr>
+        <p:style>
+          <a:lnRef idx="2">
+            <a:schemeClr val="accent1"/>
+          </a:lnRef>
+          <a:fillRef idx="0">
+            <a:schemeClr val="accent1"/>
+          </a:fillRef>
+          <a:effectRef idx="1">
+            <a:schemeClr val="accent1"/>
+          </a:effectRef>
+          <a:fontRef idx="minor">
+            <a:schemeClr val="tx1"/>
+          </a:fontRef>
+        </p:style>
+      </p:cxnSp>
+      <p:sp>
+        <p:nvSpPr>
+          <p:cNvPr id="105" name="矩形: 圆角 104">
+            <a:extLst>
+              <a:ext uri="{FF2B5EF4-FFF2-40B4-BE49-F238E27FC236}">
+                <a16:creationId xmlns:a16="http://schemas.microsoft.com/office/drawing/2014/main" id="{4270AEC4-3774-4780-1EA3-6AEAB1BA2706}"/>
+              </a:ext>
+            </a:extLst>
+          </p:cNvPr>
+          <p:cNvSpPr/>
+          <p:nvPr/>
+        </p:nvSpPr>
+        <p:spPr>
+          <a:xfrm>
+            <a:off x="11641790" y="2671219"/>
+            <a:ext cx="2761833" cy="485748"/>
+          </a:xfrm>
+          <a:prstGeom prst="roundRect">
+            <a:avLst>
+              <a:gd name="adj" fmla="val 0"/>
+            </a:avLst>
+          </a:prstGeom>
+          <a:solidFill>
+            <a:schemeClr val="tx2">
+              <a:lumMod val="10000"/>
+              <a:lumOff val="90000"/>
+            </a:schemeClr>
+          </a:solidFill>
+          <a:ln>
+            <a:solidFill>
+              <a:schemeClr val="tx1"/>
+            </a:solidFill>
+          </a:ln>
+        </p:spPr>
+        <p:style>
+          <a:lnRef idx="2">
+            <a:schemeClr val="accent1">
+              <a:shade val="15000"/>
+            </a:schemeClr>
+          </a:lnRef>
+          <a:fillRef idx="1">
+            <a:schemeClr val="accent1"/>
+          </a:fillRef>
+          <a:effectRef idx="0">
+            <a:schemeClr val="accent1"/>
+          </a:effectRef>
+          <a:fontRef idx="minor">
+            <a:schemeClr val="lt1"/>
+          </a:fontRef>
+        </p:style>
+        <p:txBody>
+          <a:bodyPr rtlCol="0" anchor="ctr"/>
+          <a:lstStyle/>
+          <a:p>
+            <a:pPr algn="ctr"/>
+            <a:endParaRPr lang="zh-CN" altLang="en-US" sz="3189"/>
+          </a:p>
+        </p:txBody>
+      </p:sp>
+      <mc:AlternateContent xmlns:mc="http://schemas.openxmlformats.org/markup-compatibility/2006">
+        <mc:Choice xmlns:a14="http://schemas.microsoft.com/office/drawing/2010/main" Requires="a14">
+          <p:sp>
+            <p:nvSpPr>
+              <p:cNvPr id="106" name="文本框 105">
+                <a:extLst>
+                  <a:ext uri="{FF2B5EF4-FFF2-40B4-BE49-F238E27FC236}">
+                    <a16:creationId xmlns:a16="http://schemas.microsoft.com/office/drawing/2014/main" id="{926D3DDB-6855-67D8-6FD2-84B89CDFDC78}"/>
+                  </a:ext>
+                </a:extLst>
+              </p:cNvPr>
+              <p:cNvSpPr txBox="1"/>
+              <p:nvPr/>
+            </p:nvSpPr>
+            <p:spPr>
+              <a:xfrm>
+                <a:off x="12480030" y="2739057"/>
+                <a:ext cx="1000595" cy="400110"/>
+              </a:xfrm>
+              <a:prstGeom prst="rect">
+                <a:avLst/>
+              </a:prstGeom>
+              <a:noFill/>
+            </p:spPr>
+            <p:txBody>
+              <a:bodyPr wrap="none" rtlCol="0">
+                <a:spAutoFit/>
+              </a:bodyPr>
+              <a:lstStyle/>
+              <a:p>
+                <a:pPr/>
+                <a14:m>
+                  <m:oMathPara xmlns:m="http://schemas.openxmlformats.org/officeDocument/2006/math">
+                    <m:oMathParaPr>
+                      <m:jc m:val="centerGroup"/>
+                    </m:oMathParaPr>
+                    <m:oMath xmlns:m="http://schemas.openxmlformats.org/officeDocument/2006/math">
+                      <m:r>
+                        <m:rPr>
+                          <m:sty m:val="p"/>
+                        </m:rPr>
+                        <a:rPr lang="en-US" altLang="zh-CN" sz="2000" b="0" i="0" dirty="0" smtClean="0">
+                          <a:latin typeface="Cambria Math" panose="02040503050406030204" pitchFamily="18" charset="0"/>
+                          <a:ea typeface="微软雅黑" panose="020B0503020204020204" pitchFamily="34" charset="-122"/>
+                        </a:rPr>
+                        <m:t>AdaLN</m:t>
+                      </m:r>
+                    </m:oMath>
+                  </m:oMathPara>
+                </a14:m>
+                <a:endParaRPr lang="zh-CN" altLang="en-US" sz="2400" dirty="0">
+                  <a:latin typeface="微软雅黑" panose="020B0503020204020204" pitchFamily="34" charset="-122"/>
+                  <a:ea typeface="微软雅黑" panose="020B0503020204020204" pitchFamily="34" charset="-122"/>
+                </a:endParaRPr>
+              </a:p>
+            </p:txBody>
+          </p:sp>
+        </mc:Choice>
+        <mc:Fallback>
+          <p:sp>
+            <p:nvSpPr>
+              <p:cNvPr id="106" name="文本框 105">
+                <a:extLst>
+                  <a:ext uri="{FF2B5EF4-FFF2-40B4-BE49-F238E27FC236}">
+                    <a16:creationId xmlns:a16="http://schemas.microsoft.com/office/drawing/2014/main" id="{926D3DDB-6855-67D8-6FD2-84B89CDFDC78}"/>
+                  </a:ext>
+                </a:extLst>
+              </p:cNvPr>
+              <p:cNvSpPr txBox="1">
+                <a:spLocks noRot="1" noChangeAspect="1" noMove="1" noResize="1" noEditPoints="1" noAdjustHandles="1" noChangeArrowheads="1" noChangeShapeType="1" noTextEdit="1"/>
+              </p:cNvSpPr>
+              <p:nvPr/>
+            </p:nvSpPr>
+            <p:spPr>
+              <a:xfrm>
+                <a:off x="12480030" y="2739057"/>
+                <a:ext cx="1000595" cy="400110"/>
+              </a:xfrm>
+              <a:prstGeom prst="rect">
+                <a:avLst/>
+              </a:prstGeom>
+              <a:blipFill>
+                <a:blip r:embed="rId21"/>
+                <a:stretch>
+                  <a:fillRect/>
+                </a:stretch>
+              </a:blipFill>
+            </p:spPr>
+            <p:txBody>
+              <a:bodyPr/>
+              <a:lstStyle/>
+              <a:p>
+                <a:r>
+                  <a:rPr lang="zh-CN" altLang="en-US">
+                    <a:noFill/>
+                  </a:rPr>
+                  <a:t> </a:t>
+                </a:r>
+              </a:p>
+            </p:txBody>
+          </p:sp>
+        </mc:Fallback>
+      </mc:AlternateContent>
+      <p:sp>
+        <p:nvSpPr>
+          <p:cNvPr id="107" name="矩形: 圆角 106">
+            <a:extLst>
+              <a:ext uri="{FF2B5EF4-FFF2-40B4-BE49-F238E27FC236}">
+                <a16:creationId xmlns:a16="http://schemas.microsoft.com/office/drawing/2014/main" id="{8A01B328-D686-B80E-4E07-0165C50A1227}"/>
+              </a:ext>
+            </a:extLst>
+          </p:cNvPr>
+          <p:cNvSpPr/>
+          <p:nvPr/>
+        </p:nvSpPr>
+        <p:spPr>
+          <a:xfrm>
+            <a:off x="11641790" y="847072"/>
+            <a:ext cx="2761833" cy="485748"/>
+          </a:xfrm>
+          <a:prstGeom prst="roundRect">
+            <a:avLst>
+              <a:gd name="adj" fmla="val 0"/>
+            </a:avLst>
+          </a:prstGeom>
+          <a:solidFill>
+            <a:schemeClr val="tx2">
+              <a:lumMod val="10000"/>
+              <a:lumOff val="90000"/>
+            </a:schemeClr>
+          </a:solidFill>
+          <a:ln>
+            <a:solidFill>
+              <a:schemeClr val="tx1"/>
+            </a:solidFill>
+          </a:ln>
+        </p:spPr>
+        <p:style>
+          <a:lnRef idx="2">
+            <a:schemeClr val="accent1">
+              <a:shade val="15000"/>
+            </a:schemeClr>
+          </a:lnRef>
+          <a:fillRef idx="1">
+            <a:schemeClr val="accent1"/>
+          </a:fillRef>
+          <a:effectRef idx="0">
+            <a:schemeClr val="accent1"/>
+          </a:effectRef>
+          <a:fontRef idx="minor">
+            <a:schemeClr val="lt1"/>
+          </a:fontRef>
+        </p:style>
+        <p:txBody>
+          <a:bodyPr rtlCol="0" anchor="ctr"/>
+          <a:lstStyle/>
+          <a:p>
+            <a:pPr algn="ctr"/>
+            <a:endParaRPr lang="zh-CN" altLang="en-US" sz="3189"/>
+          </a:p>
+        </p:txBody>
+      </p:sp>
+      <mc:AlternateContent xmlns:mc="http://schemas.openxmlformats.org/markup-compatibility/2006">
+        <mc:Choice xmlns:a14="http://schemas.microsoft.com/office/drawing/2010/main" Requires="a14">
+          <p:sp>
+            <p:nvSpPr>
+              <p:cNvPr id="108" name="文本框 107">
+                <a:extLst>
+                  <a:ext uri="{FF2B5EF4-FFF2-40B4-BE49-F238E27FC236}">
+                    <a16:creationId xmlns:a16="http://schemas.microsoft.com/office/drawing/2014/main" id="{CE8EABD7-8A21-FA94-929B-AC86C626AD04}"/>
+                  </a:ext>
+                </a:extLst>
+              </p:cNvPr>
+              <p:cNvSpPr txBox="1"/>
+              <p:nvPr/>
+            </p:nvSpPr>
+            <p:spPr>
+              <a:xfrm>
+                <a:off x="12507189" y="914910"/>
+                <a:ext cx="896399" cy="400110"/>
+              </a:xfrm>
+              <a:prstGeom prst="rect">
+                <a:avLst/>
+              </a:prstGeom>
+              <a:noFill/>
+            </p:spPr>
+            <p:txBody>
+              <a:bodyPr wrap="none" rtlCol="0">
+                <a:spAutoFit/>
+              </a:bodyPr>
+              <a:lstStyle/>
+              <a:p>
+                <a:pPr/>
+                <a14:m>
+                  <m:oMathPara xmlns:m="http://schemas.openxmlformats.org/officeDocument/2006/math">
+                    <m:oMathParaPr>
+                      <m:jc m:val="centerGroup"/>
+                    </m:oMathParaPr>
+                    <m:oMath xmlns:m="http://schemas.openxmlformats.org/officeDocument/2006/math">
+                      <m:r>
+                        <m:rPr>
+                          <m:sty m:val="p"/>
+                        </m:rPr>
+                        <a:rPr lang="en-US" altLang="zh-CN" sz="2000" b="0" i="0" dirty="0" smtClean="0">
+                          <a:latin typeface="Cambria Math" panose="02040503050406030204" pitchFamily="18" charset="0"/>
+                          <a:ea typeface="微软雅黑" panose="020B0503020204020204" pitchFamily="34" charset="-122"/>
+                        </a:rPr>
+                        <m:t>Gated</m:t>
+                      </m:r>
+                    </m:oMath>
+                  </m:oMathPara>
+                </a14:m>
+                <a:endParaRPr lang="zh-CN" altLang="en-US" sz="2400" dirty="0">
+                  <a:latin typeface="微软雅黑" panose="020B0503020204020204" pitchFamily="34" charset="-122"/>
+                  <a:ea typeface="微软雅黑" panose="020B0503020204020204" pitchFamily="34" charset="-122"/>
+                </a:endParaRPr>
+              </a:p>
+            </p:txBody>
+          </p:sp>
+        </mc:Choice>
+        <mc:Fallback>
+          <p:sp>
+            <p:nvSpPr>
+              <p:cNvPr id="108" name="文本框 107">
+                <a:extLst>
+                  <a:ext uri="{FF2B5EF4-FFF2-40B4-BE49-F238E27FC236}">
+                    <a16:creationId xmlns:a16="http://schemas.microsoft.com/office/drawing/2014/main" id="{CE8EABD7-8A21-FA94-929B-AC86C626AD04}"/>
+                  </a:ext>
+                </a:extLst>
+              </p:cNvPr>
+              <p:cNvSpPr txBox="1">
+                <a:spLocks noRot="1" noChangeAspect="1" noMove="1" noResize="1" noEditPoints="1" noAdjustHandles="1" noChangeArrowheads="1" noChangeShapeType="1" noTextEdit="1"/>
+              </p:cNvSpPr>
+              <p:nvPr/>
+            </p:nvSpPr>
+            <p:spPr>
+              <a:xfrm>
+                <a:off x="12507189" y="914910"/>
+                <a:ext cx="896399" cy="400110"/>
+              </a:xfrm>
+              <a:prstGeom prst="rect">
+                <a:avLst/>
+              </a:prstGeom>
+              <a:blipFill>
+                <a:blip r:embed="rId22"/>
+                <a:stretch>
+                  <a:fillRect/>
+                </a:stretch>
+              </a:blipFill>
+            </p:spPr>
+            <p:txBody>
+              <a:bodyPr/>
+              <a:lstStyle/>
+              <a:p>
+                <a:r>
+                  <a:rPr lang="zh-CN" altLang="en-US">
+                    <a:noFill/>
+                  </a:rPr>
+                  <a:t> </a:t>
+                </a:r>
+              </a:p>
+            </p:txBody>
+          </p:sp>
+        </mc:Fallback>
+      </mc:AlternateContent>
+      <p:cxnSp>
+        <p:nvCxnSpPr>
+          <p:cNvPr id="109" name="直接箭头连接符 108">
+            <a:extLst>
+              <a:ext uri="{FF2B5EF4-FFF2-40B4-BE49-F238E27FC236}">
+                <a16:creationId xmlns:a16="http://schemas.microsoft.com/office/drawing/2014/main" id="{FA9E4640-2469-12CF-0ADA-46E3588FE2AD}"/>
+              </a:ext>
+            </a:extLst>
+          </p:cNvPr>
+          <p:cNvCxnSpPr>
+            <a:cxnSpLocks/>
+            <a:stCxn id="105" idx="0"/>
+            <a:endCxn id="100" idx="2"/>
+          </p:cNvCxnSpPr>
+          <p:nvPr/>
+        </p:nvCxnSpPr>
+        <p:spPr>
+          <a:xfrm flipV="1">
+            <a:off x="13022707" y="2418899"/>
+            <a:ext cx="0" cy="252320"/>
+          </a:xfrm>
+          <a:prstGeom prst="straightConnector1">
+            <a:avLst/>
+          </a:prstGeom>
+          <a:ln w="12700">
+            <a:tailEnd type="triangle"/>
+          </a:ln>
+        </p:spPr>
+        <p:style>
+          <a:lnRef idx="2">
+            <a:schemeClr val="accent1"/>
+          </a:lnRef>
+          <a:fillRef idx="0">
+            <a:schemeClr val="accent1"/>
+          </a:fillRef>
+          <a:effectRef idx="1">
+            <a:schemeClr val="accent1"/>
+          </a:effectRef>
+          <a:fontRef idx="minor">
+            <a:schemeClr val="tx1"/>
+          </a:fontRef>
+        </p:style>
+      </p:cxnSp>
+      <p:cxnSp>
+        <p:nvCxnSpPr>
+          <p:cNvPr id="110" name="直接箭头连接符 109">
+            <a:extLst>
+              <a:ext uri="{FF2B5EF4-FFF2-40B4-BE49-F238E27FC236}">
+                <a16:creationId xmlns:a16="http://schemas.microsoft.com/office/drawing/2014/main" id="{7858E9E9-4C7F-5B57-AA91-2A0F646776AB}"/>
+              </a:ext>
+            </a:extLst>
+          </p:cNvPr>
+          <p:cNvCxnSpPr>
+            <a:cxnSpLocks/>
+            <a:stCxn id="100" idx="0"/>
+            <a:endCxn id="107" idx="2"/>
+          </p:cNvCxnSpPr>
+          <p:nvPr/>
+        </p:nvCxnSpPr>
+        <p:spPr>
+          <a:xfrm flipV="1">
+            <a:off x="13022707" y="1332820"/>
+            <a:ext cx="0" cy="324609"/>
+          </a:xfrm>
+          <a:prstGeom prst="straightConnector1">
+            <a:avLst/>
+          </a:prstGeom>
+          <a:ln w="12700">
+            <a:tailEnd type="triangle"/>
+          </a:ln>
+        </p:spPr>
+        <p:style>
+          <a:lnRef idx="2">
+            <a:schemeClr val="accent1"/>
+          </a:lnRef>
+          <a:fillRef idx="0">
+            <a:schemeClr val="accent1"/>
+          </a:fillRef>
+          <a:effectRef idx="1">
+            <a:schemeClr val="accent1"/>
+          </a:effectRef>
+          <a:fontRef idx="minor">
+            <a:schemeClr val="tx1"/>
+          </a:fontRef>
+        </p:style>
+      </p:cxnSp>
+      <p:grpSp>
+        <p:nvGrpSpPr>
+          <p:cNvPr id="111" name="组合 110">
+            <a:extLst>
+              <a:ext uri="{FF2B5EF4-FFF2-40B4-BE49-F238E27FC236}">
+                <a16:creationId xmlns:a16="http://schemas.microsoft.com/office/drawing/2014/main" id="{EFC765A0-C66A-79FE-49F1-F23818467E03}"/>
+              </a:ext>
+            </a:extLst>
+          </p:cNvPr>
+          <p:cNvGrpSpPr/>
+          <p:nvPr/>
+        </p:nvGrpSpPr>
+        <p:grpSpPr>
+          <a:xfrm>
+            <a:off x="12839091" y="4226378"/>
+            <a:ext cx="360000" cy="363969"/>
+            <a:chOff x="5281075" y="4315800"/>
+            <a:chExt cx="360000" cy="363969"/>
+          </a:xfrm>
+        </p:grpSpPr>
+        <p:sp>
+          <p:nvSpPr>
+            <p:cNvPr id="112" name="加号 111">
+              <a:extLst>
+                <a:ext uri="{FF2B5EF4-FFF2-40B4-BE49-F238E27FC236}">
+                  <a16:creationId xmlns:a16="http://schemas.microsoft.com/office/drawing/2014/main" id="{87DE3361-BDA8-E7FE-261A-558CE444F791}"/>
+                </a:ext>
+              </a:extLst>
+            </p:cNvPr>
+            <p:cNvSpPr/>
+            <p:nvPr/>
+          </p:nvSpPr>
+          <p:spPr>
+            <a:xfrm>
+              <a:off x="5281075" y="4319769"/>
+              <a:ext cx="360000" cy="360000"/>
+            </a:xfrm>
+            <a:prstGeom prst="mathPlus">
+              <a:avLst>
+                <a:gd name="adj1" fmla="val 12933"/>
+              </a:avLst>
+            </a:prstGeom>
+            <a:noFill/>
+          </p:spPr>
+          <p:style>
+            <a:lnRef idx="2">
+              <a:schemeClr val="accent1">
+                <a:shade val="15000"/>
+              </a:schemeClr>
+            </a:lnRef>
+            <a:fillRef idx="1">
+              <a:schemeClr val="accent1"/>
+            </a:fillRef>
+            <a:effectRef idx="0">
+              <a:schemeClr val="accent1"/>
+            </a:effectRef>
+            <a:fontRef idx="minor">
+              <a:schemeClr val="lt1"/>
+            </a:fontRef>
+          </p:style>
+          <p:txBody>
+            <a:bodyPr rtlCol="0" anchor="ctr"/>
+            <a:lstStyle/>
+            <a:p>
+              <a:pPr algn="ctr"/>
+              <a:endParaRPr lang="zh-CN" altLang="en-US"/>
+            </a:p>
+          </p:txBody>
+        </p:sp>
+        <p:sp>
+          <p:nvSpPr>
+            <p:cNvPr id="113" name="椭圆 112">
+              <a:extLst>
+                <a:ext uri="{FF2B5EF4-FFF2-40B4-BE49-F238E27FC236}">
+                  <a16:creationId xmlns:a16="http://schemas.microsoft.com/office/drawing/2014/main" id="{0F3D456A-ADF7-6AEF-823A-57D5CC9D26F8}"/>
+                </a:ext>
+              </a:extLst>
+            </p:cNvPr>
+            <p:cNvSpPr/>
+            <p:nvPr/>
+          </p:nvSpPr>
+          <p:spPr>
+            <a:xfrm>
+              <a:off x="5281075" y="4315800"/>
+              <a:ext cx="360000" cy="360000"/>
+            </a:xfrm>
+            <a:prstGeom prst="ellipse">
+              <a:avLst/>
+            </a:prstGeom>
+            <a:noFill/>
+          </p:spPr>
+          <p:style>
+            <a:lnRef idx="2">
+              <a:schemeClr val="accent1">
+                <a:shade val="15000"/>
+              </a:schemeClr>
+            </a:lnRef>
+            <a:fillRef idx="1">
+              <a:schemeClr val="accent1"/>
+            </a:fillRef>
+            <a:effectRef idx="0">
+              <a:schemeClr val="accent1"/>
+            </a:effectRef>
+            <a:fontRef idx="minor">
+              <a:schemeClr val="lt1"/>
+            </a:fontRef>
+          </p:style>
+          <p:txBody>
+            <a:bodyPr rtlCol="0" anchor="ctr"/>
+            <a:lstStyle/>
+            <a:p>
+              <a:pPr algn="ctr"/>
+              <a:endParaRPr lang="zh-CN" altLang="en-US"/>
+            </a:p>
+          </p:txBody>
+        </p:sp>
+      </p:grpSp>
+      <p:grpSp>
+        <p:nvGrpSpPr>
+          <p:cNvPr id="114" name="组合 113">
+            <a:extLst>
+              <a:ext uri="{FF2B5EF4-FFF2-40B4-BE49-F238E27FC236}">
+                <a16:creationId xmlns:a16="http://schemas.microsoft.com/office/drawing/2014/main" id="{CE10CCB1-61F8-39EC-CCBD-68B486129245}"/>
+              </a:ext>
+            </a:extLst>
+          </p:cNvPr>
+          <p:cNvGrpSpPr/>
+          <p:nvPr/>
+        </p:nvGrpSpPr>
+        <p:grpSpPr>
+          <a:xfrm>
+            <a:off x="12839091" y="170433"/>
+            <a:ext cx="360000" cy="363969"/>
+            <a:chOff x="5281075" y="4315800"/>
+            <a:chExt cx="360000" cy="363969"/>
+          </a:xfrm>
+        </p:grpSpPr>
+        <p:sp>
+          <p:nvSpPr>
+            <p:cNvPr id="115" name="加号 114">
+              <a:extLst>
+                <a:ext uri="{FF2B5EF4-FFF2-40B4-BE49-F238E27FC236}">
+                  <a16:creationId xmlns:a16="http://schemas.microsoft.com/office/drawing/2014/main" id="{C4956B18-5269-F40E-6327-F04FB49B37EC}"/>
+                </a:ext>
+              </a:extLst>
+            </p:cNvPr>
+            <p:cNvSpPr/>
+            <p:nvPr/>
+          </p:nvSpPr>
+          <p:spPr>
+            <a:xfrm>
+              <a:off x="5281075" y="4319769"/>
+              <a:ext cx="360000" cy="360000"/>
+            </a:xfrm>
+            <a:prstGeom prst="mathPlus">
+              <a:avLst>
+                <a:gd name="adj1" fmla="val 12933"/>
+              </a:avLst>
+            </a:prstGeom>
+            <a:noFill/>
+          </p:spPr>
+          <p:style>
+            <a:lnRef idx="2">
+              <a:schemeClr val="accent1">
+                <a:shade val="15000"/>
+              </a:schemeClr>
+            </a:lnRef>
+            <a:fillRef idx="1">
+              <a:schemeClr val="accent1"/>
+            </a:fillRef>
+            <a:effectRef idx="0">
+              <a:schemeClr val="accent1"/>
+            </a:effectRef>
+            <a:fontRef idx="minor">
+              <a:schemeClr val="lt1"/>
+            </a:fontRef>
+          </p:style>
+          <p:txBody>
+            <a:bodyPr rtlCol="0" anchor="ctr"/>
+            <a:lstStyle/>
+            <a:p>
+              <a:pPr algn="ctr"/>
+              <a:endParaRPr lang="zh-CN" altLang="en-US"/>
+            </a:p>
+          </p:txBody>
+        </p:sp>
+        <p:sp>
+          <p:nvSpPr>
+            <p:cNvPr id="116" name="椭圆 115">
+              <a:extLst>
+                <a:ext uri="{FF2B5EF4-FFF2-40B4-BE49-F238E27FC236}">
+                  <a16:creationId xmlns:a16="http://schemas.microsoft.com/office/drawing/2014/main" id="{796BB88F-E9FE-72B8-1A2B-C581F824A88F}"/>
+                </a:ext>
+              </a:extLst>
+            </p:cNvPr>
+            <p:cNvSpPr/>
+            <p:nvPr/>
+          </p:nvSpPr>
+          <p:spPr>
+            <a:xfrm>
+              <a:off x="5281075" y="4315800"/>
+              <a:ext cx="360000" cy="360000"/>
+            </a:xfrm>
+            <a:prstGeom prst="ellipse">
+              <a:avLst/>
+            </a:prstGeom>
+            <a:noFill/>
+          </p:spPr>
+          <p:style>
+            <a:lnRef idx="2">
+              <a:schemeClr val="accent1">
+                <a:shade val="15000"/>
+              </a:schemeClr>
+            </a:lnRef>
+            <a:fillRef idx="1">
+              <a:schemeClr val="accent1"/>
+            </a:fillRef>
+            <a:effectRef idx="0">
+              <a:schemeClr val="accent1"/>
+            </a:effectRef>
+            <a:fontRef idx="minor">
+              <a:schemeClr val="lt1"/>
+            </a:fontRef>
+          </p:style>
+          <p:txBody>
+            <a:bodyPr rtlCol="0" anchor="ctr"/>
+            <a:lstStyle/>
+            <a:p>
+              <a:pPr algn="ctr"/>
+              <a:endParaRPr lang="zh-CN" altLang="en-US"/>
+            </a:p>
+          </p:txBody>
+        </p:sp>
+      </p:grpSp>
+      <p:cxnSp>
+        <p:nvCxnSpPr>
+          <p:cNvPr id="128" name="直接箭头连接符 127">
+            <a:extLst>
+              <a:ext uri="{FF2B5EF4-FFF2-40B4-BE49-F238E27FC236}">
+                <a16:creationId xmlns:a16="http://schemas.microsoft.com/office/drawing/2014/main" id="{D81774CE-7177-CCC1-02D6-2313D407645D}"/>
+              </a:ext>
+            </a:extLst>
+          </p:cNvPr>
+          <p:cNvCxnSpPr>
+            <a:cxnSpLocks/>
+            <a:endCxn id="12" idx="3"/>
+          </p:cNvCxnSpPr>
+          <p:nvPr/>
+        </p:nvCxnSpPr>
+        <p:spPr>
+          <a:xfrm flipH="1">
+            <a:off x="14403624" y="7010607"/>
+            <a:ext cx="2711165" cy="12767"/>
+          </a:xfrm>
+          <a:prstGeom prst="straightConnector1">
+            <a:avLst/>
+          </a:prstGeom>
+          <a:ln w="19050">
+            <a:tailEnd type="triangle"/>
+          </a:ln>
+        </p:spPr>
+        <p:style>
+          <a:lnRef idx="2">
+            <a:schemeClr val="accent1"/>
+          </a:lnRef>
+          <a:fillRef idx="0">
+            <a:schemeClr val="accent1"/>
+          </a:fillRef>
+          <a:effectRef idx="1">
+            <a:schemeClr val="accent1"/>
+          </a:effectRef>
+          <a:fontRef idx="minor">
+            <a:schemeClr val="tx1"/>
+          </a:fontRef>
+        </p:style>
+      </p:cxnSp>
+      <p:cxnSp>
+        <p:nvCxnSpPr>
+          <p:cNvPr id="131" name="直接箭头连接符 130">
+            <a:extLst>
+              <a:ext uri="{FF2B5EF4-FFF2-40B4-BE49-F238E27FC236}">
+                <a16:creationId xmlns:a16="http://schemas.microsoft.com/office/drawing/2014/main" id="{E03FABFD-AA6D-058A-718A-46F289660998}"/>
+              </a:ext>
+            </a:extLst>
+          </p:cNvPr>
+          <p:cNvCxnSpPr>
+            <a:cxnSpLocks/>
+            <a:endCxn id="50" idx="3"/>
+          </p:cNvCxnSpPr>
+          <p:nvPr/>
+        </p:nvCxnSpPr>
+        <p:spPr>
+          <a:xfrm flipH="1">
+            <a:off x="14403624" y="5179875"/>
+            <a:ext cx="2711165" cy="28406"/>
+          </a:xfrm>
+          <a:prstGeom prst="straightConnector1">
+            <a:avLst/>
+          </a:prstGeom>
+          <a:ln w="19050">
+            <a:tailEnd type="triangle"/>
+          </a:ln>
+        </p:spPr>
+        <p:style>
+          <a:lnRef idx="2">
+            <a:schemeClr val="accent1"/>
+          </a:lnRef>
+          <a:fillRef idx="0">
+            <a:schemeClr val="accent1"/>
+          </a:fillRef>
+          <a:effectRef idx="1">
+            <a:schemeClr val="accent1"/>
+          </a:effectRef>
+          <a:fontRef idx="minor">
+            <a:schemeClr val="tx1"/>
+          </a:fontRef>
+        </p:style>
+      </p:cxnSp>
+      <p:cxnSp>
+        <p:nvCxnSpPr>
+          <p:cNvPr id="134" name="直接箭头连接符 133">
+            <a:extLst>
+              <a:ext uri="{FF2B5EF4-FFF2-40B4-BE49-F238E27FC236}">
+                <a16:creationId xmlns:a16="http://schemas.microsoft.com/office/drawing/2014/main" id="{803247DA-9596-52F1-3312-F115C52F6F05}"/>
+              </a:ext>
+            </a:extLst>
+          </p:cNvPr>
+          <p:cNvCxnSpPr>
+            <a:cxnSpLocks/>
+          </p:cNvCxnSpPr>
+          <p:nvPr/>
+        </p:nvCxnSpPr>
+        <p:spPr>
+          <a:xfrm flipH="1">
+            <a:off x="14414888" y="2910706"/>
+            <a:ext cx="2711165" cy="28406"/>
+          </a:xfrm>
+          <a:prstGeom prst="straightConnector1">
+            <a:avLst/>
+          </a:prstGeom>
+          <a:ln w="19050">
+            <a:tailEnd type="triangle"/>
+          </a:ln>
+        </p:spPr>
+        <p:style>
+          <a:lnRef idx="2">
+            <a:schemeClr val="accent1"/>
+          </a:lnRef>
+          <a:fillRef idx="0">
+            <a:schemeClr val="accent1"/>
+          </a:fillRef>
+          <a:effectRef idx="1">
+            <a:schemeClr val="accent1"/>
+          </a:effectRef>
+          <a:fontRef idx="minor">
+            <a:schemeClr val="tx1"/>
+          </a:fontRef>
+        </p:style>
+      </p:cxnSp>
+      <p:cxnSp>
+        <p:nvCxnSpPr>
+          <p:cNvPr id="135" name="直接箭头连接符 134">
+            <a:extLst>
+              <a:ext uri="{FF2B5EF4-FFF2-40B4-BE49-F238E27FC236}">
+                <a16:creationId xmlns:a16="http://schemas.microsoft.com/office/drawing/2014/main" id="{B4DE1A62-BB37-00AC-5735-AE1B9006818E}"/>
+              </a:ext>
+            </a:extLst>
+          </p:cNvPr>
+          <p:cNvCxnSpPr>
+            <a:cxnSpLocks/>
+          </p:cNvCxnSpPr>
+          <p:nvPr/>
+        </p:nvCxnSpPr>
+        <p:spPr>
+          <a:xfrm flipH="1">
+            <a:off x="14392359" y="1044559"/>
+            <a:ext cx="2711165" cy="28406"/>
+          </a:xfrm>
+          <a:prstGeom prst="straightConnector1">
+            <a:avLst/>
+          </a:prstGeom>
+          <a:ln w="19050">
+            <a:tailEnd type="triangle"/>
+          </a:ln>
+        </p:spPr>
+        <p:style>
+          <a:lnRef idx="2">
+            <a:schemeClr val="accent1"/>
+          </a:lnRef>
+          <a:fillRef idx="0">
+            <a:schemeClr val="accent1"/>
+          </a:fillRef>
+          <a:effectRef idx="1">
+            <a:schemeClr val="accent1"/>
+          </a:effectRef>
+          <a:fontRef idx="minor">
+            <a:schemeClr val="tx1"/>
+          </a:fontRef>
+        </p:style>
+      </p:cxnSp>
+      <p:sp>
+        <p:nvSpPr>
+          <p:cNvPr id="137" name="矩形: 圆角 136">
+            <a:extLst>
+              <a:ext uri="{FF2B5EF4-FFF2-40B4-BE49-F238E27FC236}">
+                <a16:creationId xmlns:a16="http://schemas.microsoft.com/office/drawing/2014/main" id="{8E3D3006-9CFE-B821-D188-ED0C0D7AF5CB}"/>
+              </a:ext>
+            </a:extLst>
+          </p:cNvPr>
+          <p:cNvSpPr/>
+          <p:nvPr/>
+        </p:nvSpPr>
+        <p:spPr>
+          <a:xfrm>
+            <a:off x="6597029" y="118838"/>
+            <a:ext cx="2017058" cy="1039283"/>
+          </a:xfrm>
+          <a:prstGeom prst="roundRect">
+            <a:avLst>
+              <a:gd name="adj" fmla="val 0"/>
+            </a:avLst>
+          </a:prstGeom>
+          <a:solidFill>
+            <a:schemeClr val="accent3">
+              <a:lumMod val="20000"/>
+              <a:lumOff val="80000"/>
+            </a:schemeClr>
+          </a:solidFill>
+          <a:ln>
+            <a:solidFill>
+              <a:schemeClr val="tx1"/>
+            </a:solidFill>
+          </a:ln>
+        </p:spPr>
+        <p:style>
+          <a:lnRef idx="2">
+            <a:schemeClr val="accent1">
+              <a:shade val="15000"/>
+            </a:schemeClr>
+          </a:lnRef>
+          <a:fillRef idx="1">
+            <a:schemeClr val="accent1"/>
+          </a:fillRef>
+          <a:effectRef idx="0">
+            <a:schemeClr val="accent1"/>
+          </a:effectRef>
+          <a:fontRef idx="minor">
+            <a:schemeClr val="lt1"/>
+          </a:fontRef>
+        </p:style>
+        <p:txBody>
+          <a:bodyPr rtlCol="0" anchor="ctr"/>
+          <a:lstStyle/>
+          <a:p>
+            <a:pPr algn="ctr"/>
+            <a:endParaRPr lang="zh-CN" altLang="en-US" sz="3189"/>
+          </a:p>
+        </p:txBody>
+      </p:sp>
+      <p:cxnSp>
+        <p:nvCxnSpPr>
+          <p:cNvPr id="139" name="直接箭头连接符 138">
+            <a:extLst>
+              <a:ext uri="{FF2B5EF4-FFF2-40B4-BE49-F238E27FC236}">
+                <a16:creationId xmlns:a16="http://schemas.microsoft.com/office/drawing/2014/main" id="{B53EC1CB-4C5E-2431-2F47-A3B32CD14B24}"/>
+              </a:ext>
+            </a:extLst>
+          </p:cNvPr>
+          <p:cNvCxnSpPr>
+            <a:cxnSpLocks/>
+          </p:cNvCxnSpPr>
+          <p:nvPr/>
+        </p:nvCxnSpPr>
+        <p:spPr>
+          <a:xfrm flipV="1">
+            <a:off x="4576176" y="1158920"/>
+            <a:ext cx="0" cy="579514"/>
+          </a:xfrm>
+          <a:prstGeom prst="straightConnector1">
+            <a:avLst/>
+          </a:prstGeom>
+          <a:ln w="12700">
+            <a:tailEnd type="triangle"/>
+          </a:ln>
+        </p:spPr>
+        <p:style>
+          <a:lnRef idx="2">
+            <a:schemeClr val="accent1"/>
+          </a:lnRef>
+          <a:fillRef idx="0">
+            <a:schemeClr val="accent1"/>
+          </a:fillRef>
+          <a:effectRef idx="1">
+            <a:schemeClr val="accent1"/>
+          </a:effectRef>
+          <a:fontRef idx="minor">
+            <a:schemeClr val="tx1"/>
+          </a:fontRef>
+        </p:style>
+      </p:cxnSp>
+      <p:cxnSp>
+        <p:nvCxnSpPr>
+          <p:cNvPr id="140" name="直接箭头连接符 139">
+            <a:extLst>
+              <a:ext uri="{FF2B5EF4-FFF2-40B4-BE49-F238E27FC236}">
+                <a16:creationId xmlns:a16="http://schemas.microsoft.com/office/drawing/2014/main" id="{BAD5A244-0230-6707-F4E1-27B316EDD297}"/>
+              </a:ext>
+            </a:extLst>
+          </p:cNvPr>
+          <p:cNvCxnSpPr>
+            <a:cxnSpLocks/>
+          </p:cNvCxnSpPr>
+          <p:nvPr/>
+        </p:nvCxnSpPr>
+        <p:spPr>
+          <a:xfrm flipV="1">
+            <a:off x="7566307" y="1154790"/>
+            <a:ext cx="0" cy="579514"/>
+          </a:xfrm>
+          <a:prstGeom prst="straightConnector1">
+            <a:avLst/>
+          </a:prstGeom>
+          <a:ln w="12700">
+            <a:tailEnd type="triangle"/>
+          </a:ln>
+        </p:spPr>
+        <p:style>
+          <a:lnRef idx="2">
+            <a:schemeClr val="accent1"/>
+          </a:lnRef>
+          <a:fillRef idx="0">
+            <a:schemeClr val="accent1"/>
+          </a:fillRef>
+          <a:effectRef idx="1">
+            <a:schemeClr val="accent1"/>
+          </a:effectRef>
+          <a:fontRef idx="minor">
+            <a:schemeClr val="tx1"/>
+          </a:fontRef>
+        </p:style>
+      </p:cxnSp>
+      <p:cxnSp>
+        <p:nvCxnSpPr>
+          <p:cNvPr id="143" name="直接箭头连接符 142">
+            <a:extLst>
+              <a:ext uri="{FF2B5EF4-FFF2-40B4-BE49-F238E27FC236}">
+                <a16:creationId xmlns:a16="http://schemas.microsoft.com/office/drawing/2014/main" id="{3F1AC7E5-266D-8FA2-E46E-8692A7CFEF68}"/>
+              </a:ext>
+            </a:extLst>
+          </p:cNvPr>
+          <p:cNvCxnSpPr>
+            <a:cxnSpLocks/>
+            <a:stCxn id="50" idx="0"/>
+            <a:endCxn id="113" idx="4"/>
+          </p:cNvCxnSpPr>
+          <p:nvPr/>
+        </p:nvCxnSpPr>
+        <p:spPr>
+          <a:xfrm flipH="1" flipV="1">
+            <a:off x="13019091" y="4586378"/>
+            <a:ext cx="3617" cy="379029"/>
+          </a:xfrm>
+          <a:prstGeom prst="straightConnector1">
+            <a:avLst/>
+          </a:prstGeom>
+          <a:ln w="12700">
+            <a:tailEnd type="triangle"/>
+          </a:ln>
+        </p:spPr>
+        <p:style>
+          <a:lnRef idx="2">
+            <a:schemeClr val="accent1"/>
+          </a:lnRef>
+          <a:fillRef idx="0">
+            <a:schemeClr val="accent1"/>
+          </a:fillRef>
+          <a:effectRef idx="1">
+            <a:schemeClr val="accent1"/>
+          </a:effectRef>
+          <a:fontRef idx="minor">
+            <a:schemeClr val="tx1"/>
+          </a:fontRef>
+        </p:style>
+      </p:cxnSp>
+      <p:cxnSp>
+        <p:nvCxnSpPr>
+          <p:cNvPr id="146" name="直接箭头连接符 145">
+            <a:extLst>
+              <a:ext uri="{FF2B5EF4-FFF2-40B4-BE49-F238E27FC236}">
+                <a16:creationId xmlns:a16="http://schemas.microsoft.com/office/drawing/2014/main" id="{63FD307E-C314-80EC-BAF1-DE95125E8670}"/>
+              </a:ext>
+            </a:extLst>
+          </p:cNvPr>
+          <p:cNvCxnSpPr>
+            <a:cxnSpLocks/>
+            <a:stCxn id="113" idx="0"/>
+            <a:endCxn id="102" idx="2"/>
+          </p:cNvCxnSpPr>
+          <p:nvPr/>
+        </p:nvCxnSpPr>
+        <p:spPr>
+          <a:xfrm flipV="1">
+            <a:off x="13019091" y="3886930"/>
+            <a:ext cx="3616" cy="339448"/>
+          </a:xfrm>
+          <a:prstGeom prst="straightConnector1">
+            <a:avLst/>
+          </a:prstGeom>
+          <a:ln w="12700">
+            <a:tailEnd type="triangle"/>
+          </a:ln>
+        </p:spPr>
+        <p:style>
+          <a:lnRef idx="2">
+            <a:schemeClr val="accent1"/>
+          </a:lnRef>
+          <a:fillRef idx="0">
+            <a:schemeClr val="accent1"/>
+          </a:fillRef>
+          <a:effectRef idx="1">
+            <a:schemeClr val="accent1"/>
+          </a:effectRef>
+          <a:fontRef idx="minor">
+            <a:schemeClr val="tx1"/>
+          </a:fontRef>
+        </p:style>
+      </p:cxnSp>
+      <p:cxnSp>
+        <p:nvCxnSpPr>
+          <p:cNvPr id="150" name="连接符: 肘形 149">
+            <a:extLst>
+              <a:ext uri="{FF2B5EF4-FFF2-40B4-BE49-F238E27FC236}">
+                <a16:creationId xmlns:a16="http://schemas.microsoft.com/office/drawing/2014/main" id="{A95570FC-7110-68F0-BEB6-4884F70CF8FF}"/>
+              </a:ext>
+            </a:extLst>
+          </p:cNvPr>
+          <p:cNvCxnSpPr>
+            <a:cxnSpLocks/>
+          </p:cNvCxnSpPr>
+          <p:nvPr/>
+        </p:nvCxnSpPr>
+        <p:spPr>
+          <a:xfrm rot="16200000" flipV="1">
+            <a:off x="11048976" y="6181980"/>
+            <a:ext cx="3746089" cy="194885"/>
+          </a:xfrm>
+          <a:prstGeom prst="bentConnector4">
+            <a:avLst>
+              <a:gd name="adj1" fmla="val 328"/>
+              <a:gd name="adj2" fmla="val 976957"/>
+            </a:avLst>
+          </a:prstGeom>
+          <a:ln>
+            <a:tailEnd type="triangle"/>
+          </a:ln>
+        </p:spPr>
+        <p:style>
+          <a:lnRef idx="2">
+            <a:schemeClr val="accent1"/>
+          </a:lnRef>
+          <a:fillRef idx="0">
+            <a:schemeClr val="accent1"/>
+          </a:fillRef>
+          <a:effectRef idx="1">
+            <a:schemeClr val="accent1"/>
+          </a:effectRef>
+          <a:fontRef idx="minor">
+            <a:schemeClr val="tx1"/>
+          </a:fontRef>
+        </p:style>
+      </p:cxnSp>
+      <p:cxnSp>
+        <p:nvCxnSpPr>
+          <p:cNvPr id="158" name="连接符: 肘形 157">
+            <a:extLst>
+              <a:ext uri="{FF2B5EF4-FFF2-40B4-BE49-F238E27FC236}">
+                <a16:creationId xmlns:a16="http://schemas.microsoft.com/office/drawing/2014/main" id="{ADF21118-6954-4B9D-1A4C-18ED593FEB1A}"/>
+              </a:ext>
+            </a:extLst>
+          </p:cNvPr>
+          <p:cNvCxnSpPr>
+            <a:cxnSpLocks/>
+          </p:cNvCxnSpPr>
+          <p:nvPr/>
+        </p:nvCxnSpPr>
+        <p:spPr>
+          <a:xfrm rot="16200000" flipV="1">
+            <a:off x="11060572" y="2131567"/>
+            <a:ext cx="3746089" cy="194885"/>
+          </a:xfrm>
+          <a:prstGeom prst="bentConnector4">
+            <a:avLst>
+              <a:gd name="adj1" fmla="val 328"/>
+              <a:gd name="adj2" fmla="val 976957"/>
+            </a:avLst>
+          </a:prstGeom>
+          <a:ln>
+            <a:tailEnd type="triangle"/>
+          </a:ln>
+        </p:spPr>
+        <p:style>
+          <a:lnRef idx="2">
+            <a:schemeClr val="accent1"/>
+          </a:lnRef>
+          <a:fillRef idx="0">
+            <a:schemeClr val="accent1"/>
+          </a:fillRef>
+          <a:effectRef idx="1">
+            <a:schemeClr val="accent1"/>
+          </a:effectRef>
+          <a:fontRef idx="minor">
+            <a:schemeClr val="tx1"/>
+          </a:fontRef>
+        </p:style>
+      </p:cxnSp>
+      <p:cxnSp>
+        <p:nvCxnSpPr>
+          <p:cNvPr id="159" name="直接箭头连接符 158">
+            <a:extLst>
+              <a:ext uri="{FF2B5EF4-FFF2-40B4-BE49-F238E27FC236}">
+                <a16:creationId xmlns:a16="http://schemas.microsoft.com/office/drawing/2014/main" id="{ACB06EAC-ECE7-866E-1730-58A49B003443}"/>
+              </a:ext>
+            </a:extLst>
+          </p:cNvPr>
+          <p:cNvCxnSpPr>
+            <a:cxnSpLocks/>
+          </p:cNvCxnSpPr>
+          <p:nvPr/>
+        </p:nvCxnSpPr>
+        <p:spPr>
+          <a:xfrm flipV="1">
+            <a:off x="13015227" y="531053"/>
+            <a:ext cx="0" cy="324609"/>
+          </a:xfrm>
+          <a:prstGeom prst="straightConnector1">
+            <a:avLst/>
+          </a:prstGeom>
+          <a:ln w="12700">
+            <a:tailEnd type="triangle"/>
+          </a:ln>
+        </p:spPr>
+        <p:style>
+          <a:lnRef idx="2">
+            <a:schemeClr val="accent1"/>
+          </a:lnRef>
+          <a:fillRef idx="0">
+            <a:schemeClr val="accent1"/>
+          </a:fillRef>
+          <a:effectRef idx="1">
+            <a:schemeClr val="accent1"/>
+          </a:effectRef>
+          <a:fontRef idx="minor">
+            <a:schemeClr val="tx1"/>
+          </a:fontRef>
+        </p:style>
+      </p:cxnSp>
+      <p:cxnSp>
+        <p:nvCxnSpPr>
+          <p:cNvPr id="161" name="直接连接符 160">
+            <a:extLst>
+              <a:ext uri="{FF2B5EF4-FFF2-40B4-BE49-F238E27FC236}">
+                <a16:creationId xmlns:a16="http://schemas.microsoft.com/office/drawing/2014/main" id="{E4978B0B-3BCF-96D6-5A51-E08DBD36D8EE}"/>
+              </a:ext>
+            </a:extLst>
+          </p:cNvPr>
+          <p:cNvCxnSpPr>
+            <a:cxnSpLocks/>
+          </p:cNvCxnSpPr>
+          <p:nvPr/>
+        </p:nvCxnSpPr>
+        <p:spPr>
+          <a:xfrm>
+            <a:off x="17122804" y="1028963"/>
+            <a:ext cx="45885" cy="6505790"/>
+          </a:xfrm>
+          <a:prstGeom prst="line">
+            <a:avLst/>
+          </a:prstGeom>
+        </p:spPr>
+        <p:style>
+          <a:lnRef idx="2">
+            <a:schemeClr val="accent1"/>
+          </a:lnRef>
+          <a:fillRef idx="0">
+            <a:schemeClr val="accent1"/>
+          </a:fillRef>
+          <a:effectRef idx="1">
+            <a:schemeClr val="accent1"/>
+          </a:effectRef>
+          <a:fontRef idx="minor">
+            <a:schemeClr val="tx1"/>
+          </a:fontRef>
+        </p:style>
+      </p:cxnSp>
+      <mc:AlternateContent xmlns:mc="http://schemas.openxmlformats.org/markup-compatibility/2006">
+        <mc:Choice xmlns:a14="http://schemas.microsoft.com/office/drawing/2010/main" Requires="a14">
+          <p:sp>
+            <p:nvSpPr>
+              <p:cNvPr id="164" name="文本框 163">
+                <a:extLst>
+                  <a:ext uri="{FF2B5EF4-FFF2-40B4-BE49-F238E27FC236}">
+                    <a16:creationId xmlns:a16="http://schemas.microsoft.com/office/drawing/2014/main" id="{8B5F374C-AB9A-546F-372E-4F44017A428E}"/>
+                  </a:ext>
+                </a:extLst>
+              </p:cNvPr>
+              <p:cNvSpPr txBox="1"/>
+              <p:nvPr/>
+            </p:nvSpPr>
+            <p:spPr>
+              <a:xfrm>
+                <a:off x="15222857" y="6618554"/>
+                <a:ext cx="262636" cy="276999"/>
+              </a:xfrm>
+              <a:prstGeom prst="rect">
+                <a:avLst/>
+              </a:prstGeom>
+              <a:noFill/>
+            </p:spPr>
+            <p:txBody>
+              <a:bodyPr wrap="none" lIns="0" tIns="0" rIns="0" bIns="0" rtlCol="0">
+                <a:spAutoFit/>
+              </a:bodyPr>
+              <a:lstStyle/>
+              <a:p>
+                <a14:m>
+                  <m:oMathPara xmlns:m="http://schemas.openxmlformats.org/officeDocument/2006/math">
+                    <m:oMathParaPr>
+                      <m:jc m:val="centerGroup"/>
+                    </m:oMathParaPr>
+                    <m:oMath xmlns:m="http://schemas.openxmlformats.org/officeDocument/2006/math">
+                      <m:sSub>
+                        <m:sSubPr>
+                          <m:ctrlPr>
+                            <a:rPr lang="en-US" altLang="zh-CN" b="0" i="1" smtClean="0">
+                              <a:latin typeface="Cambria Math" panose="02040503050406030204" pitchFamily="18" charset="0"/>
+                            </a:rPr>
+                          </m:ctrlPr>
+                        </m:sSubPr>
+                        <m:e>
+                          <m:r>
+                            <a:rPr lang="zh-CN" altLang="en-US" i="1" smtClean="0">
+                              <a:latin typeface="Cambria Math" panose="02040503050406030204" pitchFamily="18" charset="0"/>
+                            </a:rPr>
+                            <m:t>𝛾</m:t>
+                          </m:r>
+                        </m:e>
+                        <m:sub>
+                          <m:r>
+                            <a:rPr lang="en-US" altLang="zh-CN" b="0" i="1" smtClean="0">
+                              <a:latin typeface="Cambria Math" panose="02040503050406030204" pitchFamily="18" charset="0"/>
+                            </a:rPr>
+                            <m:t>1</m:t>
+                          </m:r>
+                        </m:sub>
+                      </m:sSub>
+                    </m:oMath>
+                  </m:oMathPara>
+                </a14:m>
+                <a:endParaRPr lang="zh-CN" altLang="en-US" dirty="0"/>
+              </a:p>
+            </p:txBody>
+          </p:sp>
+        </mc:Choice>
+        <mc:Fallback>
+          <p:sp>
+            <p:nvSpPr>
+              <p:cNvPr id="164" name="文本框 163">
+                <a:extLst>
+                  <a:ext uri="{FF2B5EF4-FFF2-40B4-BE49-F238E27FC236}">
+                    <a16:creationId xmlns:a16="http://schemas.microsoft.com/office/drawing/2014/main" id="{8B5F374C-AB9A-546F-372E-4F44017A428E}"/>
+                  </a:ext>
+                </a:extLst>
+              </p:cNvPr>
+              <p:cNvSpPr txBox="1">
+                <a:spLocks noRot="1" noChangeAspect="1" noMove="1" noResize="1" noEditPoints="1" noAdjustHandles="1" noChangeArrowheads="1" noChangeShapeType="1" noTextEdit="1"/>
+              </p:cNvSpPr>
+              <p:nvPr/>
+            </p:nvSpPr>
+            <p:spPr>
+              <a:xfrm>
+                <a:off x="15222857" y="6618554"/>
+                <a:ext cx="262636" cy="276999"/>
+              </a:xfrm>
+              <a:prstGeom prst="rect">
+                <a:avLst/>
+              </a:prstGeom>
+              <a:blipFill>
+                <a:blip r:embed="rId23"/>
+                <a:stretch>
+                  <a:fillRect l="-20930" r="-9302" b="-22222"/>
+                </a:stretch>
+              </a:blipFill>
+            </p:spPr>
+            <p:txBody>
+              <a:bodyPr/>
+              <a:lstStyle/>
+              <a:p>
+                <a:r>
+                  <a:rPr lang="zh-CN" altLang="en-US">
+                    <a:noFill/>
+                  </a:rPr>
+                  <a:t> </a:t>
+                </a:r>
+              </a:p>
+            </p:txBody>
+          </p:sp>
+        </mc:Fallback>
+      </mc:AlternateContent>
+      <mc:AlternateContent xmlns:mc="http://schemas.openxmlformats.org/markup-compatibility/2006">
+        <mc:Choice xmlns:a14="http://schemas.microsoft.com/office/drawing/2010/main" Requires="a14">
+          <p:sp>
+            <p:nvSpPr>
+              <p:cNvPr id="165" name="文本框 164">
+                <a:extLst>
+                  <a:ext uri="{FF2B5EF4-FFF2-40B4-BE49-F238E27FC236}">
+                    <a16:creationId xmlns:a16="http://schemas.microsoft.com/office/drawing/2014/main" id="{62722A53-694C-2327-2354-A6393F680BC6}"/>
+                  </a:ext>
+                </a:extLst>
+              </p:cNvPr>
+              <p:cNvSpPr txBox="1"/>
+              <p:nvPr/>
+            </p:nvSpPr>
+            <p:spPr>
+              <a:xfrm>
+                <a:off x="15811109" y="6646604"/>
+                <a:ext cx="273280" cy="276999"/>
+              </a:xfrm>
+              <a:prstGeom prst="rect">
+                <a:avLst/>
+              </a:prstGeom>
+              <a:noFill/>
+            </p:spPr>
+            <p:txBody>
+              <a:bodyPr wrap="none" lIns="0" tIns="0" rIns="0" bIns="0" rtlCol="0">
+                <a:spAutoFit/>
+              </a:bodyPr>
+              <a:lstStyle/>
+              <a:p>
+                <a14:m>
+                  <m:oMathPara xmlns:m="http://schemas.openxmlformats.org/officeDocument/2006/math">
+                    <m:oMathParaPr>
+                      <m:jc m:val="centerGroup"/>
+                    </m:oMathParaPr>
+                    <m:oMath xmlns:m="http://schemas.openxmlformats.org/officeDocument/2006/math">
+                      <m:sSub>
+                        <m:sSubPr>
+                          <m:ctrlPr>
+                            <a:rPr lang="en-US" altLang="zh-CN" b="0" i="1" smtClean="0">
+                              <a:latin typeface="Cambria Math" panose="02040503050406030204" pitchFamily="18" charset="0"/>
+                            </a:rPr>
+                          </m:ctrlPr>
+                        </m:sSubPr>
+                        <m:e>
+                          <m:r>
+                            <a:rPr lang="zh-CN" altLang="en-US" b="0" i="1" smtClean="0">
+                              <a:latin typeface="Cambria Math" panose="02040503050406030204" pitchFamily="18" charset="0"/>
+                            </a:rPr>
+                            <m:t>𝛽</m:t>
+                          </m:r>
+                        </m:e>
+                        <m:sub>
+                          <m:r>
+                            <a:rPr lang="en-US" altLang="zh-CN" b="0" i="1" smtClean="0">
+                              <a:latin typeface="Cambria Math" panose="02040503050406030204" pitchFamily="18" charset="0"/>
+                            </a:rPr>
+                            <m:t>1</m:t>
+                          </m:r>
+                        </m:sub>
+                      </m:sSub>
+                    </m:oMath>
+                  </m:oMathPara>
+                </a14:m>
+                <a:endParaRPr lang="zh-CN" altLang="en-US" dirty="0"/>
+              </a:p>
+            </p:txBody>
+          </p:sp>
+        </mc:Choice>
+        <mc:Fallback>
+          <p:sp>
+            <p:nvSpPr>
+              <p:cNvPr id="165" name="文本框 164">
+                <a:extLst>
+                  <a:ext uri="{FF2B5EF4-FFF2-40B4-BE49-F238E27FC236}">
+                    <a16:creationId xmlns:a16="http://schemas.microsoft.com/office/drawing/2014/main" id="{62722A53-694C-2327-2354-A6393F680BC6}"/>
+                  </a:ext>
+                </a:extLst>
+              </p:cNvPr>
+              <p:cNvSpPr txBox="1">
+                <a:spLocks noRot="1" noChangeAspect="1" noMove="1" noResize="1" noEditPoints="1" noAdjustHandles="1" noChangeArrowheads="1" noChangeShapeType="1" noTextEdit="1"/>
+              </p:cNvSpPr>
+              <p:nvPr/>
+            </p:nvSpPr>
+            <p:spPr>
+              <a:xfrm>
+                <a:off x="15811109" y="6646604"/>
+                <a:ext cx="273280" cy="276999"/>
+              </a:xfrm>
+              <a:prstGeom prst="rect">
+                <a:avLst/>
+              </a:prstGeom>
+              <a:blipFill>
+                <a:blip r:embed="rId24"/>
+                <a:stretch>
+                  <a:fillRect l="-31111" t="-2174" r="-8889" b="-32609"/>
+                </a:stretch>
+              </a:blipFill>
+            </p:spPr>
+            <p:txBody>
+              <a:bodyPr/>
+              <a:lstStyle/>
+              <a:p>
+                <a:r>
+                  <a:rPr lang="zh-CN" altLang="en-US">
+                    <a:noFill/>
+                  </a:rPr>
+                  <a:t> </a:t>
+                </a:r>
+              </a:p>
+            </p:txBody>
+          </p:sp>
+        </mc:Fallback>
+      </mc:AlternateContent>
+      <mc:AlternateContent xmlns:mc="http://schemas.openxmlformats.org/markup-compatibility/2006">
+        <mc:Choice xmlns:a14="http://schemas.microsoft.com/office/drawing/2010/main" Requires="a14">
+          <p:sp>
+            <p:nvSpPr>
+              <p:cNvPr id="166" name="文本框 165">
+                <a:extLst>
+                  <a:ext uri="{FF2B5EF4-FFF2-40B4-BE49-F238E27FC236}">
+                    <a16:creationId xmlns:a16="http://schemas.microsoft.com/office/drawing/2014/main" id="{2D03AFC1-20BD-F008-C434-F54EC8440C11}"/>
+                  </a:ext>
+                </a:extLst>
+              </p:cNvPr>
+              <p:cNvSpPr txBox="1"/>
+              <p:nvPr/>
+            </p:nvSpPr>
+            <p:spPr>
+              <a:xfrm>
+                <a:off x="15222857" y="2532951"/>
+                <a:ext cx="267957" cy="276999"/>
+              </a:xfrm>
+              <a:prstGeom prst="rect">
+                <a:avLst/>
+              </a:prstGeom>
+              <a:noFill/>
+            </p:spPr>
+            <p:txBody>
+              <a:bodyPr wrap="none" lIns="0" tIns="0" rIns="0" bIns="0" rtlCol="0">
+                <a:spAutoFit/>
+              </a:bodyPr>
+              <a:lstStyle/>
+              <a:p>
+                <a14:m>
+                  <m:oMathPara xmlns:m="http://schemas.openxmlformats.org/officeDocument/2006/math">
+                    <m:oMathParaPr>
+                      <m:jc m:val="centerGroup"/>
+                    </m:oMathParaPr>
+                    <m:oMath xmlns:m="http://schemas.openxmlformats.org/officeDocument/2006/math">
+                      <m:sSub>
+                        <m:sSubPr>
+                          <m:ctrlPr>
+                            <a:rPr lang="en-US" altLang="zh-CN" b="0" i="1" smtClean="0">
+                              <a:latin typeface="Cambria Math" panose="02040503050406030204" pitchFamily="18" charset="0"/>
+                            </a:rPr>
+                          </m:ctrlPr>
+                        </m:sSubPr>
+                        <m:e>
+                          <m:r>
+                            <a:rPr lang="zh-CN" altLang="en-US" i="1" smtClean="0">
+                              <a:latin typeface="Cambria Math" panose="02040503050406030204" pitchFamily="18" charset="0"/>
+                            </a:rPr>
+                            <m:t>𝛾</m:t>
+                          </m:r>
+                        </m:e>
+                        <m:sub>
+                          <m:r>
+                            <a:rPr lang="en-US" altLang="zh-CN" b="0" i="1" smtClean="0">
+                              <a:latin typeface="Cambria Math" panose="02040503050406030204" pitchFamily="18" charset="0"/>
+                            </a:rPr>
+                            <m:t>2</m:t>
+                          </m:r>
+                        </m:sub>
+                      </m:sSub>
+                    </m:oMath>
+                  </m:oMathPara>
+                </a14:m>
+                <a:endParaRPr lang="zh-CN" altLang="en-US" dirty="0"/>
+              </a:p>
+            </p:txBody>
+          </p:sp>
+        </mc:Choice>
+        <mc:Fallback>
+          <p:sp>
+            <p:nvSpPr>
+              <p:cNvPr id="166" name="文本框 165">
+                <a:extLst>
+                  <a:ext uri="{FF2B5EF4-FFF2-40B4-BE49-F238E27FC236}">
+                    <a16:creationId xmlns:a16="http://schemas.microsoft.com/office/drawing/2014/main" id="{2D03AFC1-20BD-F008-C434-F54EC8440C11}"/>
+                  </a:ext>
+                </a:extLst>
+              </p:cNvPr>
+              <p:cNvSpPr txBox="1">
+                <a:spLocks noRot="1" noChangeAspect="1" noMove="1" noResize="1" noEditPoints="1" noAdjustHandles="1" noChangeArrowheads="1" noChangeShapeType="1" noTextEdit="1"/>
+              </p:cNvSpPr>
+              <p:nvPr/>
+            </p:nvSpPr>
+            <p:spPr>
+              <a:xfrm>
+                <a:off x="15222857" y="2532951"/>
+                <a:ext cx="267957" cy="276999"/>
+              </a:xfrm>
+              <a:prstGeom prst="rect">
+                <a:avLst/>
+              </a:prstGeom>
+              <a:blipFill>
+                <a:blip r:embed="rId25"/>
+                <a:stretch>
+                  <a:fillRect l="-20455" r="-9091" b="-22222"/>
+                </a:stretch>
+              </a:blipFill>
+            </p:spPr>
+            <p:txBody>
+              <a:bodyPr/>
+              <a:lstStyle/>
+              <a:p>
+                <a:r>
+                  <a:rPr lang="zh-CN" altLang="en-US">
+                    <a:noFill/>
+                  </a:rPr>
+                  <a:t> </a:t>
+                </a:r>
+              </a:p>
+            </p:txBody>
+          </p:sp>
+        </mc:Fallback>
+      </mc:AlternateContent>
+      <mc:AlternateContent xmlns:mc="http://schemas.openxmlformats.org/markup-compatibility/2006">
+        <mc:Choice xmlns:a14="http://schemas.microsoft.com/office/drawing/2010/main" Requires="a14">
+          <p:sp>
+            <p:nvSpPr>
+              <p:cNvPr id="167" name="文本框 166">
+                <a:extLst>
+                  <a:ext uri="{FF2B5EF4-FFF2-40B4-BE49-F238E27FC236}">
+                    <a16:creationId xmlns:a16="http://schemas.microsoft.com/office/drawing/2014/main" id="{F7814EFA-A490-E3B0-6D29-2C6DDECC68D9}"/>
+                  </a:ext>
+                </a:extLst>
+              </p:cNvPr>
+              <p:cNvSpPr txBox="1"/>
+              <p:nvPr/>
+            </p:nvSpPr>
+            <p:spPr>
+              <a:xfrm>
+                <a:off x="15811109" y="2561001"/>
+                <a:ext cx="278601" cy="276999"/>
+              </a:xfrm>
+              <a:prstGeom prst="rect">
+                <a:avLst/>
+              </a:prstGeom>
+              <a:noFill/>
+            </p:spPr>
+            <p:txBody>
+              <a:bodyPr wrap="none" lIns="0" tIns="0" rIns="0" bIns="0" rtlCol="0">
+                <a:spAutoFit/>
+              </a:bodyPr>
+              <a:lstStyle/>
+              <a:p>
+                <a14:m>
+                  <m:oMathPara xmlns:m="http://schemas.openxmlformats.org/officeDocument/2006/math">
+                    <m:oMathParaPr>
+                      <m:jc m:val="centerGroup"/>
+                    </m:oMathParaPr>
+                    <m:oMath xmlns:m="http://schemas.openxmlformats.org/officeDocument/2006/math">
+                      <m:sSub>
+                        <m:sSubPr>
+                          <m:ctrlPr>
+                            <a:rPr lang="en-US" altLang="zh-CN" b="0" i="1" smtClean="0">
+                              <a:latin typeface="Cambria Math" panose="02040503050406030204" pitchFamily="18" charset="0"/>
+                            </a:rPr>
+                          </m:ctrlPr>
+                        </m:sSubPr>
+                        <m:e>
+                          <m:r>
+                            <a:rPr lang="zh-CN" altLang="en-US" b="0" i="1" smtClean="0">
+                              <a:latin typeface="Cambria Math" panose="02040503050406030204" pitchFamily="18" charset="0"/>
+                            </a:rPr>
+                            <m:t>𝛽</m:t>
+                          </m:r>
+                        </m:e>
+                        <m:sub>
+                          <m:r>
+                            <a:rPr lang="en-US" altLang="zh-CN" b="0" i="1" smtClean="0">
+                              <a:latin typeface="Cambria Math" panose="02040503050406030204" pitchFamily="18" charset="0"/>
+                            </a:rPr>
+                            <m:t>2</m:t>
+                          </m:r>
+                        </m:sub>
+                      </m:sSub>
+                    </m:oMath>
+                  </m:oMathPara>
+                </a14:m>
+                <a:endParaRPr lang="zh-CN" altLang="en-US" dirty="0"/>
+              </a:p>
+            </p:txBody>
+          </p:sp>
+        </mc:Choice>
+        <mc:Fallback>
+          <p:sp>
+            <p:nvSpPr>
+              <p:cNvPr id="167" name="文本框 166">
+                <a:extLst>
+                  <a:ext uri="{FF2B5EF4-FFF2-40B4-BE49-F238E27FC236}">
+                    <a16:creationId xmlns:a16="http://schemas.microsoft.com/office/drawing/2014/main" id="{F7814EFA-A490-E3B0-6D29-2C6DDECC68D9}"/>
+                  </a:ext>
+                </a:extLst>
+              </p:cNvPr>
+              <p:cNvSpPr txBox="1">
+                <a:spLocks noRot="1" noChangeAspect="1" noMove="1" noResize="1" noEditPoints="1" noAdjustHandles="1" noChangeArrowheads="1" noChangeShapeType="1" noTextEdit="1"/>
+              </p:cNvSpPr>
+              <p:nvPr/>
+            </p:nvSpPr>
+            <p:spPr>
+              <a:xfrm>
+                <a:off x="15811109" y="2561001"/>
+                <a:ext cx="278601" cy="276999"/>
+              </a:xfrm>
+              <a:prstGeom prst="rect">
+                <a:avLst/>
+              </a:prstGeom>
+              <a:blipFill>
+                <a:blip r:embed="rId26"/>
+                <a:stretch>
+                  <a:fillRect l="-31111" t="-2174" r="-11111" b="-32609"/>
+                </a:stretch>
+              </a:blipFill>
+            </p:spPr>
+            <p:txBody>
+              <a:bodyPr/>
+              <a:lstStyle/>
+              <a:p>
+                <a:r>
+                  <a:rPr lang="zh-CN" altLang="en-US">
+                    <a:noFill/>
+                  </a:rPr>
+                  <a:t> </a:t>
+                </a:r>
+              </a:p>
+            </p:txBody>
+          </p:sp>
+        </mc:Fallback>
+      </mc:AlternateContent>
+      <mc:AlternateContent xmlns:mc="http://schemas.openxmlformats.org/markup-compatibility/2006">
+        <mc:Choice xmlns:a14="http://schemas.microsoft.com/office/drawing/2010/main" Requires="a14">
+          <p:sp>
+            <p:nvSpPr>
+              <p:cNvPr id="168" name="文本框 167">
+                <a:extLst>
+                  <a:ext uri="{FF2B5EF4-FFF2-40B4-BE49-F238E27FC236}">
+                    <a16:creationId xmlns:a16="http://schemas.microsoft.com/office/drawing/2014/main" id="{10BD199B-3C01-6180-1270-9CF0E221B50E}"/>
+                  </a:ext>
+                </a:extLst>
+              </p:cNvPr>
+              <p:cNvSpPr txBox="1"/>
+              <p:nvPr/>
+            </p:nvSpPr>
+            <p:spPr>
+              <a:xfrm>
+                <a:off x="15500889" y="4796093"/>
+                <a:ext cx="281679" cy="276999"/>
+              </a:xfrm>
+              <a:prstGeom prst="rect">
+                <a:avLst/>
+              </a:prstGeom>
+              <a:noFill/>
+            </p:spPr>
+            <p:txBody>
+              <a:bodyPr wrap="none" lIns="0" tIns="0" rIns="0" bIns="0" rtlCol="0">
+                <a:spAutoFit/>
+              </a:bodyPr>
+              <a:lstStyle/>
+              <a:p>
+                <a14:m>
+                  <m:oMathPara xmlns:m="http://schemas.openxmlformats.org/officeDocument/2006/math">
+                    <m:oMathParaPr>
+                      <m:jc m:val="centerGroup"/>
+                    </m:oMathParaPr>
+                    <m:oMath xmlns:m="http://schemas.openxmlformats.org/officeDocument/2006/math">
+                      <m:sSub>
+                        <m:sSubPr>
+                          <m:ctrlPr>
+                            <a:rPr lang="en-US" altLang="zh-CN" b="0" i="1" smtClean="0">
+                              <a:latin typeface="Cambria Math" panose="02040503050406030204" pitchFamily="18" charset="0"/>
+                            </a:rPr>
+                          </m:ctrlPr>
+                        </m:sSubPr>
+                        <m:e>
+                          <m:r>
+                            <a:rPr lang="en-US" altLang="zh-CN" b="0" i="1" smtClean="0">
+                              <a:latin typeface="Cambria Math" panose="02040503050406030204" pitchFamily="18" charset="0"/>
+                            </a:rPr>
+                            <m:t>𝑔</m:t>
+                          </m:r>
+                        </m:e>
+                        <m:sub>
+                          <m:r>
+                            <a:rPr lang="en-US" altLang="zh-CN" b="0" i="1" smtClean="0">
+                              <a:latin typeface="Cambria Math" panose="02040503050406030204" pitchFamily="18" charset="0"/>
+                            </a:rPr>
+                            <m:t>1</m:t>
+                          </m:r>
+                        </m:sub>
+                      </m:sSub>
+                    </m:oMath>
+                  </m:oMathPara>
+                </a14:m>
+                <a:endParaRPr lang="zh-CN" altLang="en-US" dirty="0"/>
+              </a:p>
+            </p:txBody>
+          </p:sp>
+        </mc:Choice>
+        <mc:Fallback>
+          <p:sp>
+            <p:nvSpPr>
+              <p:cNvPr id="168" name="文本框 167">
+                <a:extLst>
+                  <a:ext uri="{FF2B5EF4-FFF2-40B4-BE49-F238E27FC236}">
+                    <a16:creationId xmlns:a16="http://schemas.microsoft.com/office/drawing/2014/main" id="{10BD199B-3C01-6180-1270-9CF0E221B50E}"/>
+                  </a:ext>
+                </a:extLst>
+              </p:cNvPr>
+              <p:cNvSpPr txBox="1">
+                <a:spLocks noRot="1" noChangeAspect="1" noMove="1" noResize="1" noEditPoints="1" noAdjustHandles="1" noChangeArrowheads="1" noChangeShapeType="1" noTextEdit="1"/>
+              </p:cNvSpPr>
+              <p:nvPr/>
+            </p:nvSpPr>
+            <p:spPr>
+              <a:xfrm>
+                <a:off x="15500889" y="4796093"/>
+                <a:ext cx="281679" cy="276999"/>
+              </a:xfrm>
+              <a:prstGeom prst="rect">
+                <a:avLst/>
+              </a:prstGeom>
+              <a:blipFill>
+                <a:blip r:embed="rId27"/>
+                <a:stretch>
+                  <a:fillRect l="-21739" r="-8696" b="-26667"/>
+                </a:stretch>
+              </a:blipFill>
+            </p:spPr>
+            <p:txBody>
+              <a:bodyPr/>
+              <a:lstStyle/>
+              <a:p>
+                <a:r>
+                  <a:rPr lang="zh-CN" altLang="en-US">
+                    <a:noFill/>
+                  </a:rPr>
+                  <a:t> </a:t>
+                </a:r>
+              </a:p>
+            </p:txBody>
+          </p:sp>
+        </mc:Fallback>
+      </mc:AlternateContent>
+      <mc:AlternateContent xmlns:mc="http://schemas.openxmlformats.org/markup-compatibility/2006">
+        <mc:Choice xmlns:a14="http://schemas.microsoft.com/office/drawing/2010/main" Requires="a14">
+          <p:sp>
+            <p:nvSpPr>
+              <p:cNvPr id="169" name="文本框 168">
+                <a:extLst>
+                  <a:ext uri="{FF2B5EF4-FFF2-40B4-BE49-F238E27FC236}">
+                    <a16:creationId xmlns:a16="http://schemas.microsoft.com/office/drawing/2014/main" id="{0606857D-6ACD-7632-6BB7-F6B59BD1CC25}"/>
+                  </a:ext>
+                </a:extLst>
+              </p:cNvPr>
+              <p:cNvSpPr txBox="1"/>
+              <p:nvPr/>
+            </p:nvSpPr>
+            <p:spPr>
+              <a:xfrm>
+                <a:off x="15472204" y="693357"/>
+                <a:ext cx="287002" cy="276999"/>
+              </a:xfrm>
+              <a:prstGeom prst="rect">
+                <a:avLst/>
+              </a:prstGeom>
+              <a:noFill/>
+            </p:spPr>
+            <p:txBody>
+              <a:bodyPr wrap="none" lIns="0" tIns="0" rIns="0" bIns="0" rtlCol="0">
+                <a:spAutoFit/>
+              </a:bodyPr>
+              <a:lstStyle/>
+              <a:p>
+                <a14:m>
+                  <m:oMathPara xmlns:m="http://schemas.openxmlformats.org/officeDocument/2006/math">
+                    <m:oMathParaPr>
+                      <m:jc m:val="centerGroup"/>
+                    </m:oMathParaPr>
+                    <m:oMath xmlns:m="http://schemas.openxmlformats.org/officeDocument/2006/math">
+                      <m:sSub>
+                        <m:sSubPr>
+                          <m:ctrlPr>
+                            <a:rPr lang="en-US" altLang="zh-CN" b="0" i="1" smtClean="0">
+                              <a:latin typeface="Cambria Math" panose="02040503050406030204" pitchFamily="18" charset="0"/>
+                            </a:rPr>
+                          </m:ctrlPr>
+                        </m:sSubPr>
+                        <m:e>
+                          <m:r>
+                            <a:rPr lang="en-US" altLang="zh-CN" b="0" i="1" smtClean="0">
+                              <a:latin typeface="Cambria Math" panose="02040503050406030204" pitchFamily="18" charset="0"/>
+                            </a:rPr>
+                            <m:t>𝑔</m:t>
+                          </m:r>
+                        </m:e>
+                        <m:sub>
+                          <m:r>
+                            <a:rPr lang="en-US" altLang="zh-CN" b="0" i="1" smtClean="0">
+                              <a:latin typeface="Cambria Math" panose="02040503050406030204" pitchFamily="18" charset="0"/>
+                            </a:rPr>
+                            <m:t>2</m:t>
+                          </m:r>
+                        </m:sub>
+                      </m:sSub>
+                    </m:oMath>
+                  </m:oMathPara>
+                </a14:m>
+                <a:endParaRPr lang="zh-CN" altLang="en-US" dirty="0"/>
+              </a:p>
+            </p:txBody>
+          </p:sp>
+        </mc:Choice>
+        <mc:Fallback>
+          <p:sp>
+            <p:nvSpPr>
+              <p:cNvPr id="169" name="文本框 168">
+                <a:extLst>
+                  <a:ext uri="{FF2B5EF4-FFF2-40B4-BE49-F238E27FC236}">
+                    <a16:creationId xmlns:a16="http://schemas.microsoft.com/office/drawing/2014/main" id="{0606857D-6ACD-7632-6BB7-F6B59BD1CC25}"/>
+                  </a:ext>
+                </a:extLst>
+              </p:cNvPr>
+              <p:cNvSpPr txBox="1">
+                <a:spLocks noRot="1" noChangeAspect="1" noMove="1" noResize="1" noEditPoints="1" noAdjustHandles="1" noChangeArrowheads="1" noChangeShapeType="1" noTextEdit="1"/>
+              </p:cNvSpPr>
+              <p:nvPr/>
+            </p:nvSpPr>
+            <p:spPr>
+              <a:xfrm>
+                <a:off x="15472204" y="693357"/>
+                <a:ext cx="287002" cy="276999"/>
+              </a:xfrm>
+              <a:prstGeom prst="rect">
+                <a:avLst/>
+              </a:prstGeom>
+              <a:blipFill>
+                <a:blip r:embed="rId28"/>
+                <a:stretch>
+                  <a:fillRect l="-21277" r="-8511" b="-26667"/>
+                </a:stretch>
+              </a:blipFill>
+            </p:spPr>
+            <p:txBody>
+              <a:bodyPr/>
+              <a:lstStyle/>
+              <a:p>
+                <a:r>
+                  <a:rPr lang="zh-CN" altLang="en-US">
+                    <a:noFill/>
+                  </a:rPr>
+                  <a:t> </a:t>
+                </a:r>
+              </a:p>
+            </p:txBody>
+          </p:sp>
+        </mc:Fallback>
+      </mc:AlternateContent>
+      <mc:AlternateContent xmlns:mc="http://schemas.openxmlformats.org/markup-compatibility/2006">
+        <mc:Choice xmlns:a14="http://schemas.microsoft.com/office/drawing/2010/main" Requires="a14">
+          <p:sp>
+            <p:nvSpPr>
+              <p:cNvPr id="171" name="文本框 170">
+                <a:extLst>
+                  <a:ext uri="{FF2B5EF4-FFF2-40B4-BE49-F238E27FC236}">
+                    <a16:creationId xmlns:a16="http://schemas.microsoft.com/office/drawing/2014/main" id="{2570E3B9-A446-E610-73B1-25AA19553454}"/>
+                  </a:ext>
+                </a:extLst>
+              </p:cNvPr>
+              <p:cNvSpPr txBox="1"/>
+              <p:nvPr/>
+            </p:nvSpPr>
+            <p:spPr>
+              <a:xfrm>
+                <a:off x="6654015" y="256018"/>
+                <a:ext cx="1903085" cy="861774"/>
+              </a:xfrm>
+              <a:prstGeom prst="rect">
+                <a:avLst/>
+              </a:prstGeom>
+              <a:noFill/>
+            </p:spPr>
+            <p:txBody>
+              <a:bodyPr wrap="none" rtlCol="0">
+                <a:spAutoFit/>
+              </a:bodyPr>
+              <a:lstStyle/>
+              <a:p>
+                <a:pPr algn="ctr">
+                  <a:lnSpc>
+                    <a:spcPts val="3000"/>
+                  </a:lnSpc>
+                </a:pPr>
+                <a14:m>
+                  <m:oMathPara xmlns:m="http://schemas.openxmlformats.org/officeDocument/2006/math">
+                    <m:oMathParaPr>
+                      <m:jc m:val="centerGroup"/>
+                    </m:oMathParaPr>
+                    <m:oMath xmlns:m="http://schemas.openxmlformats.org/officeDocument/2006/math">
+                      <m:r>
+                        <m:rPr>
+                          <m:sty m:val="p"/>
+                        </m:rPr>
+                        <a:rPr lang="en-US" altLang="zh-CN" sz="2400" dirty="0" smtClean="0">
+                          <a:latin typeface="Cambria Math" panose="02040503050406030204" pitchFamily="18" charset="0"/>
+                          <a:ea typeface="微软雅黑" panose="020B0503020204020204" pitchFamily="34" charset="-122"/>
+                        </a:rPr>
+                        <m:t>Latent</m:t>
+                      </m:r>
+                      <m:r>
+                        <a:rPr lang="en-US" altLang="zh-CN" sz="2400" b="0" i="0" dirty="0" smtClean="0">
+                          <a:latin typeface="Cambria Math" panose="02040503050406030204" pitchFamily="18" charset="0"/>
+                          <a:ea typeface="微软雅黑" panose="020B0503020204020204" pitchFamily="34" charset="-122"/>
+                        </a:rPr>
+                        <m:t> </m:t>
+                      </m:r>
+                      <m:r>
+                        <m:rPr>
+                          <m:sty m:val="p"/>
+                        </m:rPr>
+                        <a:rPr lang="en-US" altLang="zh-CN" sz="2400" dirty="0">
+                          <a:latin typeface="Cambria Math" panose="02040503050406030204" pitchFamily="18" charset="0"/>
+                          <a:ea typeface="微软雅黑" panose="020B0503020204020204" pitchFamily="34" charset="-122"/>
+                        </a:rPr>
+                        <m:t>Noise</m:t>
+                      </m:r>
+                    </m:oMath>
+                  </m:oMathPara>
+                </a14:m>
+                <a:endParaRPr lang="en-US" dirty="0"/>
+              </a:p>
+              <a:p>
+                <a:pPr algn="ctr">
+                  <a:lnSpc>
+                    <a:spcPts val="3000"/>
+                  </a:lnSpc>
+                </a:pPr>
+                <a14:m>
+                  <m:oMathPara xmlns:m="http://schemas.openxmlformats.org/officeDocument/2006/math">
+                    <m:oMathParaPr>
+                      <m:jc m:val="centerGroup"/>
+                    </m:oMathParaPr>
+                    <m:oMath xmlns:m="http://schemas.openxmlformats.org/officeDocument/2006/math">
+                      <m:sSub>
+                        <m:sSubPr>
+                          <m:ctrlPr>
+                            <a:rPr lang="ar-AE" altLang="zh-CN" dirty="0">
+                              <a:latin typeface="Cambria Math" panose="02040503050406030204" pitchFamily="18" charset="0"/>
+                              <a:ea typeface="微软雅黑" panose="020B0503020204020204" pitchFamily="34" charset="-122"/>
+                            </a:rPr>
+                          </m:ctrlPr>
+                        </m:sSubPr>
+                        <m:e>
+                          <m:r>
+                            <m:rPr>
+                              <m:sty m:val="p"/>
+                            </m:rPr>
+                            <a:rPr lang="en-US" altLang="zh-CN" i="0" dirty="0">
+                              <a:latin typeface="Cambria Math" panose="02040503050406030204" pitchFamily="18" charset="0"/>
+                              <a:ea typeface="微软雅黑" panose="020B0503020204020204" pitchFamily="34" charset="-122"/>
+                            </a:rPr>
+                            <m:t>Z</m:t>
+                          </m:r>
+                        </m:e>
+                        <m:sub>
+                          <m:r>
+                            <m:rPr>
+                              <m:sty m:val="p"/>
+                            </m:rPr>
+                            <a:rPr lang="en-US" altLang="zh-CN" i="0" dirty="0">
+                              <a:latin typeface="Cambria Math" panose="02040503050406030204" pitchFamily="18" charset="0"/>
+                              <a:ea typeface="微软雅黑" panose="020B0503020204020204" pitchFamily="34" charset="-122"/>
+                            </a:rPr>
+                            <m:t>t</m:t>
+                          </m:r>
+                          <m:r>
+                            <a:rPr lang="en-US" altLang="zh-CN" i="0" dirty="0">
+                              <a:latin typeface="Cambria Math" panose="02040503050406030204" pitchFamily="18" charset="0"/>
+                              <a:ea typeface="微软雅黑" panose="020B0503020204020204" pitchFamily="34" charset="-122"/>
+                            </a:rPr>
+                            <m:t>−</m:t>
+                          </m:r>
+                          <m:r>
+                            <a:rPr lang="en-US" altLang="zh-CN" i="0" dirty="0">
+                              <a:latin typeface="Cambria Math" panose="02040503050406030204" pitchFamily="18" charset="0"/>
+                              <a:ea typeface="微软雅黑" panose="020B0503020204020204" pitchFamily="34" charset="-122"/>
+                            </a:rPr>
+                            <m:t>1</m:t>
+                          </m:r>
+                        </m:sub>
+                      </m:sSub>
+                    </m:oMath>
+                  </m:oMathPara>
+                </a14:m>
+                <a:endParaRPr dirty="0"/>
+              </a:p>
+            </p:txBody>
+          </p:sp>
+        </mc:Choice>
+        <mc:Fallback>
+          <p:sp>
+            <p:nvSpPr>
+              <p:cNvPr id="171" name="文本框 170">
+                <a:extLst>
+                  <a:ext uri="{FF2B5EF4-FFF2-40B4-BE49-F238E27FC236}">
+                    <a16:creationId xmlns:a16="http://schemas.microsoft.com/office/drawing/2014/main" id="{2570E3B9-A446-E610-73B1-25AA19553454}"/>
+                  </a:ext>
+                </a:extLst>
+              </p:cNvPr>
+              <p:cNvSpPr txBox="1">
+                <a:spLocks noRot="1" noChangeAspect="1" noMove="1" noResize="1" noEditPoints="1" noAdjustHandles="1" noChangeArrowheads="1" noChangeShapeType="1" noTextEdit="1"/>
+              </p:cNvSpPr>
+              <p:nvPr/>
+            </p:nvSpPr>
+            <p:spPr>
+              <a:xfrm>
+                <a:off x="6654015" y="256018"/>
+                <a:ext cx="1903085" cy="861774"/>
+              </a:xfrm>
+              <a:prstGeom prst="rect">
+                <a:avLst/>
+              </a:prstGeom>
+              <a:blipFill>
+                <a:blip r:embed="rId29"/>
+                <a:stretch>
+                  <a:fillRect/>
+                </a:stretch>
+              </a:blipFill>
+            </p:spPr>
+            <p:txBody>
+              <a:bodyPr/>
+              <a:lstStyle/>
+              <a:p>
+                <a:r>
+                  <a:rPr lang="zh-CN" altLang="en-US">
+                    <a:noFill/>
+                  </a:rPr>
+                  <a:t> </a:t>
+                </a:r>
+              </a:p>
+            </p:txBody>
+          </p:sp>
+        </mc:Fallback>
+      </mc:AlternateContent>
+      <p:sp>
+        <p:nvSpPr>
+          <p:cNvPr id="172" name="矩形: 圆角 171">
+            <a:extLst>
+              <a:ext uri="{FF2B5EF4-FFF2-40B4-BE49-F238E27FC236}">
+                <a16:creationId xmlns:a16="http://schemas.microsoft.com/office/drawing/2014/main" id="{AC37123C-B573-EC1A-1067-65735501F62B}"/>
+              </a:ext>
+            </a:extLst>
+          </p:cNvPr>
+          <p:cNvSpPr/>
+          <p:nvPr/>
+        </p:nvSpPr>
+        <p:spPr>
+          <a:xfrm>
+            <a:off x="10718804" y="115508"/>
+            <a:ext cx="7903029" cy="8832550"/>
+          </a:xfrm>
+          <a:prstGeom prst="roundRect">
+            <a:avLst>
+              <a:gd name="adj" fmla="val 0"/>
+            </a:avLst>
+          </a:prstGeom>
+          <a:solidFill>
+            <a:schemeClr val="bg2">
+              <a:alpha val="25000"/>
+            </a:schemeClr>
+          </a:solidFill>
+        </p:spPr>
+        <p:style>
+          <a:lnRef idx="2">
+            <a:schemeClr val="accent1">
+              <a:shade val="15000"/>
+            </a:schemeClr>
+          </a:lnRef>
+          <a:fillRef idx="1">
+            <a:schemeClr val="accent1"/>
+          </a:fillRef>
+          <a:effectRef idx="0">
+            <a:schemeClr val="accent1"/>
+          </a:effectRef>
+          <a:fontRef idx="minor">
+            <a:schemeClr val="lt1"/>
+          </a:fontRef>
+        </p:style>
+        <p:txBody>
+          <a:bodyPr rtlCol="0" anchor="ctr"/>
+          <a:lstStyle/>
+          <a:p>
+            <a:pPr algn="ctr"/>
+            <a:endParaRPr lang="zh-CN" altLang="en-US"/>
+          </a:p>
+        </p:txBody>
+      </p:sp>
+      <p:cxnSp>
+        <p:nvCxnSpPr>
+          <p:cNvPr id="174" name="直接连接符 173">
+            <a:extLst>
+              <a:ext uri="{FF2B5EF4-FFF2-40B4-BE49-F238E27FC236}">
+                <a16:creationId xmlns:a16="http://schemas.microsoft.com/office/drawing/2014/main" id="{67CE4818-DD8B-5EAD-6AE1-D5C74481A77A}"/>
+              </a:ext>
+            </a:extLst>
+          </p:cNvPr>
+          <p:cNvCxnSpPr>
+            <a:cxnSpLocks/>
+          </p:cNvCxnSpPr>
+          <p:nvPr/>
+        </p:nvCxnSpPr>
+        <p:spPr>
+          <a:xfrm flipV="1">
+            <a:off x="8614087" y="115507"/>
+            <a:ext cx="2120588" cy="3928287"/>
+          </a:xfrm>
+          <a:prstGeom prst="line">
+            <a:avLst/>
+          </a:prstGeom>
+          <a:ln>
+            <a:prstDash val="dash"/>
+          </a:ln>
+        </p:spPr>
+        <p:style>
+          <a:lnRef idx="2">
+            <a:schemeClr val="accent1"/>
+          </a:lnRef>
+          <a:fillRef idx="0">
+            <a:schemeClr val="accent1"/>
+          </a:fillRef>
+          <a:effectRef idx="1">
+            <a:schemeClr val="accent1"/>
+          </a:effectRef>
+          <a:fontRef idx="minor">
+            <a:schemeClr val="tx1"/>
+          </a:fontRef>
+        </p:style>
+      </p:cxnSp>
+      <p:cxnSp>
+        <p:nvCxnSpPr>
+          <p:cNvPr id="177" name="直接连接符 176">
+            <a:extLst>
+              <a:ext uri="{FF2B5EF4-FFF2-40B4-BE49-F238E27FC236}">
+                <a16:creationId xmlns:a16="http://schemas.microsoft.com/office/drawing/2014/main" id="{9F7B554E-C078-9303-6EB7-4DEE943FA1E2}"/>
+              </a:ext>
+            </a:extLst>
+          </p:cNvPr>
+          <p:cNvCxnSpPr>
+            <a:cxnSpLocks/>
+          </p:cNvCxnSpPr>
+          <p:nvPr/>
+        </p:nvCxnSpPr>
+        <p:spPr>
+          <a:xfrm>
+            <a:off x="8614087" y="5433355"/>
+            <a:ext cx="2085663" cy="3513795"/>
+          </a:xfrm>
+          <a:prstGeom prst="line">
+            <a:avLst/>
+          </a:prstGeom>
+          <a:ln>
+            <a:prstDash val="dash"/>
+          </a:ln>
+        </p:spPr>
+        <p:style>
+          <a:lnRef idx="2">
+            <a:schemeClr val="accent1"/>
+          </a:lnRef>
+          <a:fillRef idx="0">
+            <a:schemeClr val="accent1"/>
+          </a:fillRef>
+          <a:effectRef idx="1">
+            <a:schemeClr val="accent1"/>
+          </a:effectRef>
+          <a:fontRef idx="minor">
+            <a:schemeClr val="tx1"/>
+          </a:fontRef>
+        </p:style>
+      </p:cxnSp>
+      <mc:AlternateContent xmlns:mc="http://schemas.openxmlformats.org/markup-compatibility/2006">
+        <mc:Choice xmlns:a14="http://schemas.microsoft.com/office/drawing/2010/main" Requires="a14">
+          <p:sp>
+            <p:nvSpPr>
+              <p:cNvPr id="181" name="文本框 180">
+                <a:extLst>
+                  <a:ext uri="{FF2B5EF4-FFF2-40B4-BE49-F238E27FC236}">
+                    <a16:creationId xmlns:a16="http://schemas.microsoft.com/office/drawing/2014/main" id="{0B1A4F9A-E4EF-D9DC-7D66-7AB14917F5F6}"/>
+                  </a:ext>
+                </a:extLst>
+              </p:cNvPr>
+              <p:cNvSpPr txBox="1"/>
+              <p:nvPr/>
+            </p:nvSpPr>
+            <p:spPr>
+              <a:xfrm>
+                <a:off x="2694342" y="4503705"/>
+                <a:ext cx="732188" cy="430887"/>
+              </a:xfrm>
+              <a:prstGeom prst="rect">
+                <a:avLst/>
+              </a:prstGeom>
+              <a:noFill/>
+            </p:spPr>
+            <p:txBody>
+              <a:bodyPr wrap="none" lIns="0" tIns="0" rIns="0" bIns="0" rtlCol="0">
+                <a:spAutoFit/>
+              </a:bodyPr>
+              <a:lstStyle/>
+              <a:p>
+                <a14:m>
+                  <m:oMathPara xmlns:m="http://schemas.openxmlformats.org/officeDocument/2006/math">
+                    <m:oMathParaPr>
+                      <m:jc m:val="centerGroup"/>
+                    </m:oMathParaPr>
+                    <m:oMath xmlns:m="http://schemas.openxmlformats.org/officeDocument/2006/math">
+                      <m:r>
+                        <m:rPr>
+                          <m:sty m:val="p"/>
+                        </m:rPr>
+                        <a:rPr lang="en-US" altLang="zh-CN" sz="2800" b="0" i="0" smtClean="0">
+                          <a:latin typeface="Cambria Math" panose="02040503050406030204" pitchFamily="18" charset="0"/>
+                        </a:rPr>
+                        <m:t>N</m:t>
+                      </m:r>
+                      <m:r>
+                        <a:rPr lang="en-US" altLang="zh-CN" sz="2800" b="0" i="0" smtClean="0">
+                          <a:latin typeface="Cambria Math" panose="02040503050406030204" pitchFamily="18" charset="0"/>
+                        </a:rPr>
+                        <m:t> ×</m:t>
+                      </m:r>
+                    </m:oMath>
+                  </m:oMathPara>
+                </a14:m>
+                <a:endParaRPr lang="zh-CN" altLang="en-US" sz="2800" dirty="0"/>
+              </a:p>
+            </p:txBody>
+          </p:sp>
+        </mc:Choice>
+        <mc:Fallback>
+          <p:sp>
+            <p:nvSpPr>
+              <p:cNvPr id="181" name="文本框 180">
+                <a:extLst>
+                  <a:ext uri="{FF2B5EF4-FFF2-40B4-BE49-F238E27FC236}">
+                    <a16:creationId xmlns:a16="http://schemas.microsoft.com/office/drawing/2014/main" id="{0B1A4F9A-E4EF-D9DC-7D66-7AB14917F5F6}"/>
+                  </a:ext>
+                </a:extLst>
+              </p:cNvPr>
+              <p:cNvSpPr txBox="1">
+                <a:spLocks noRot="1" noChangeAspect="1" noMove="1" noResize="1" noEditPoints="1" noAdjustHandles="1" noChangeArrowheads="1" noChangeShapeType="1" noTextEdit="1"/>
+              </p:cNvSpPr>
+              <p:nvPr/>
+            </p:nvSpPr>
+            <p:spPr>
+              <a:xfrm>
+                <a:off x="2694342" y="4503705"/>
+                <a:ext cx="732188" cy="430887"/>
+              </a:xfrm>
+              <a:prstGeom prst="rect">
+                <a:avLst/>
+              </a:prstGeom>
+              <a:blipFill>
+                <a:blip r:embed="rId30"/>
+                <a:stretch>
+                  <a:fillRect/>
+                </a:stretch>
+              </a:blipFill>
+            </p:spPr>
+            <p:txBody>
+              <a:bodyPr/>
+              <a:lstStyle/>
+              <a:p>
+                <a:r>
+                  <a:rPr lang="zh-CN" altLang="en-US">
+                    <a:noFill/>
+                  </a:rPr>
+                  <a:t> </a:t>
+                </a:r>
+              </a:p>
+            </p:txBody>
+          </p:sp>
+        </mc:Fallback>
+      </mc:AlternateContent>
+    </p:spTree>
+    <p:extLst>
+      <p:ext uri="{BB962C8B-B14F-4D97-AF65-F5344CB8AC3E}">
+        <p14:creationId xmlns:p14="http://schemas.microsoft.com/office/powerpoint/2010/main" val="3584943006"/>
       </p:ext>
     </p:extLst>
   </p:cSld>

--- a/images/posts/2025-03-02-blog-post/新建 Microsoft PowerPoint 演示文稿.pptx
+++ b/images/posts/2025-03-02-blog-post/新建 Microsoft PowerPoint 演示文稿.pptx
@@ -5,7 +5,7 @@
     <p:sldMasterId id="2147483684" r:id="rId1"/>
   </p:sldMasterIdLst>
   <p:notesMasterIdLst>
-    <p:notesMasterId r:id="rId7"/>
+    <p:notesMasterId r:id="rId8"/>
   </p:notesMasterIdLst>
   <p:sldIdLst>
     <p:sldId id="256" r:id="rId2"/>
@@ -13,6 +13,7 @@
     <p:sldId id="295" r:id="rId4"/>
     <p:sldId id="297" r:id="rId5"/>
     <p:sldId id="298" r:id="rId6"/>
+    <p:sldId id="299" r:id="rId7"/>
   </p:sldIdLst>
   <p:sldSz cx="21599525" cy="8999538"/>
   <p:notesSz cx="6858000" cy="9144000"/>
@@ -201,7 +202,7 @@
           <a:p>
             <a:fld id="{06A7EE91-92E7-4CCB-9ABC-2651A01142F8}" type="datetimeFigureOut">
               <a:rPr lang="zh-CN" altLang="en-US" smtClean="0"/>
-              <a:t>2025/9/9</a:t>
+              <a:t>2025/9/17</a:t>
             </a:fld>
             <a:endParaRPr lang="zh-CN" altLang="en-US"/>
           </a:p>
@@ -688,7 +689,7 @@
           <a:p>
             <a:fld id="{47A39752-AE50-4AEA-9C8D-075E0077A86E}" type="datetimeFigureOut">
               <a:rPr lang="zh-CN" altLang="en-US" smtClean="0"/>
-              <a:t>2025/9/9</a:t>
+              <a:t>2025/9/17</a:t>
             </a:fld>
             <a:endParaRPr lang="zh-CN" altLang="en-US"/>
           </a:p>
@@ -858,7 +859,7 @@
           <a:p>
             <a:fld id="{47A39752-AE50-4AEA-9C8D-075E0077A86E}" type="datetimeFigureOut">
               <a:rPr lang="zh-CN" altLang="en-US" smtClean="0"/>
-              <a:t>2025/9/9</a:t>
+              <a:t>2025/9/17</a:t>
             </a:fld>
             <a:endParaRPr lang="zh-CN" altLang="en-US"/>
           </a:p>
@@ -1038,7 +1039,7 @@
           <a:p>
             <a:fld id="{47A39752-AE50-4AEA-9C8D-075E0077A86E}" type="datetimeFigureOut">
               <a:rPr lang="zh-CN" altLang="en-US" smtClean="0"/>
-              <a:t>2025/9/9</a:t>
+              <a:t>2025/9/17</a:t>
             </a:fld>
             <a:endParaRPr lang="zh-CN" altLang="en-US"/>
           </a:p>
@@ -1208,7 +1209,7 @@
           <a:p>
             <a:fld id="{47A39752-AE50-4AEA-9C8D-075E0077A86E}" type="datetimeFigureOut">
               <a:rPr lang="zh-CN" altLang="en-US" smtClean="0"/>
-              <a:t>2025/9/9</a:t>
+              <a:t>2025/9/17</a:t>
             </a:fld>
             <a:endParaRPr lang="zh-CN" altLang="en-US"/>
           </a:p>
@@ -1454,7 +1455,7 @@
           <a:p>
             <a:fld id="{47A39752-AE50-4AEA-9C8D-075E0077A86E}" type="datetimeFigureOut">
               <a:rPr lang="zh-CN" altLang="en-US" smtClean="0"/>
-              <a:t>2025/9/9</a:t>
+              <a:t>2025/9/17</a:t>
             </a:fld>
             <a:endParaRPr lang="zh-CN" altLang="en-US"/>
           </a:p>
@@ -1686,7 +1687,7 @@
           <a:p>
             <a:fld id="{47A39752-AE50-4AEA-9C8D-075E0077A86E}" type="datetimeFigureOut">
               <a:rPr lang="zh-CN" altLang="en-US" smtClean="0"/>
-              <a:t>2025/9/9</a:t>
+              <a:t>2025/9/17</a:t>
             </a:fld>
             <a:endParaRPr lang="zh-CN" altLang="en-US"/>
           </a:p>
@@ -2053,7 +2054,7 @@
           <a:p>
             <a:fld id="{47A39752-AE50-4AEA-9C8D-075E0077A86E}" type="datetimeFigureOut">
               <a:rPr lang="zh-CN" altLang="en-US" smtClean="0"/>
-              <a:t>2025/9/9</a:t>
+              <a:t>2025/9/17</a:t>
             </a:fld>
             <a:endParaRPr lang="zh-CN" altLang="en-US"/>
           </a:p>
@@ -2171,7 +2172,7 @@
           <a:p>
             <a:fld id="{47A39752-AE50-4AEA-9C8D-075E0077A86E}" type="datetimeFigureOut">
               <a:rPr lang="zh-CN" altLang="en-US" smtClean="0"/>
-              <a:t>2025/9/9</a:t>
+              <a:t>2025/9/17</a:t>
             </a:fld>
             <a:endParaRPr lang="zh-CN" altLang="en-US"/>
           </a:p>
@@ -2266,7 +2267,7 @@
           <a:p>
             <a:fld id="{47A39752-AE50-4AEA-9C8D-075E0077A86E}" type="datetimeFigureOut">
               <a:rPr lang="zh-CN" altLang="en-US" smtClean="0"/>
-              <a:t>2025/9/9</a:t>
+              <a:t>2025/9/17</a:t>
             </a:fld>
             <a:endParaRPr lang="zh-CN" altLang="en-US"/>
           </a:p>
@@ -2543,7 +2544,7 @@
           <a:p>
             <a:fld id="{47A39752-AE50-4AEA-9C8D-075E0077A86E}" type="datetimeFigureOut">
               <a:rPr lang="zh-CN" altLang="en-US" smtClean="0"/>
-              <a:t>2025/9/9</a:t>
+              <a:t>2025/9/17</a:t>
             </a:fld>
             <a:endParaRPr lang="zh-CN" altLang="en-US"/>
           </a:p>
@@ -2800,7 +2801,7 @@
           <a:p>
             <a:fld id="{47A39752-AE50-4AEA-9C8D-075E0077A86E}" type="datetimeFigureOut">
               <a:rPr lang="zh-CN" altLang="en-US" smtClean="0"/>
-              <a:t>2025/9/9</a:t>
+              <a:t>2025/9/17</a:t>
             </a:fld>
             <a:endParaRPr lang="zh-CN" altLang="en-US"/>
           </a:p>
@@ -3013,7 +3014,7 @@
           <a:p>
             <a:fld id="{47A39752-AE50-4AEA-9C8D-075E0077A86E}" type="datetimeFigureOut">
               <a:rPr lang="zh-CN" altLang="en-US" smtClean="0"/>
-              <a:t>2025/9/9</a:t>
+              <a:t>2025/9/17</a:t>
             </a:fld>
             <a:endParaRPr lang="zh-CN" altLang="en-US"/>
           </a:p>
@@ -20137,8 +20138,8 @@
           </a:p>
         </p:txBody>
       </p:sp>
-      <mc:AlternateContent xmlns:mc="http://schemas.openxmlformats.org/markup-compatibility/2006">
-        <mc:Choice xmlns:a14="http://schemas.microsoft.com/office/drawing/2010/main" Requires="a14">
+      <mc:AlternateContent xmlns:mc="http://schemas.openxmlformats.org/markup-compatibility/2006" xmlns:a14="http://schemas.microsoft.com/office/drawing/2010/main">
+        <mc:Choice Requires="a14">
           <p:sp>
             <p:nvSpPr>
               <p:cNvPr id="5" name="文本框 4">
@@ -20209,7 +20210,7 @@
             </p:txBody>
           </p:sp>
         </mc:Choice>
-        <mc:Fallback>
+        <mc:Fallback xmlns="">
           <p:sp>
             <p:nvSpPr>
               <p:cNvPr id="5" name="文本框 4">
@@ -20313,8 +20314,8 @@
           </a:p>
         </p:txBody>
       </p:sp>
-      <mc:AlternateContent xmlns:mc="http://schemas.openxmlformats.org/markup-compatibility/2006">
-        <mc:Choice xmlns:a14="http://schemas.microsoft.com/office/drawing/2010/main" Requires="a14">
+      <mc:AlternateContent xmlns:mc="http://schemas.openxmlformats.org/markup-compatibility/2006" xmlns:a14="http://schemas.microsoft.com/office/drawing/2010/main">
+        <mc:Choice Requires="a14">
           <p:sp>
             <p:nvSpPr>
               <p:cNvPr id="7" name="文本框 6">
@@ -20371,7 +20372,7 @@
             </p:txBody>
           </p:sp>
         </mc:Choice>
-        <mc:Fallback>
+        <mc:Fallback xmlns="">
           <p:sp>
             <p:nvSpPr>
               <p:cNvPr id="7" name="文本框 6">
@@ -20475,8 +20476,8 @@
           </a:p>
         </p:txBody>
       </p:sp>
-      <mc:AlternateContent xmlns:mc="http://schemas.openxmlformats.org/markup-compatibility/2006">
-        <mc:Choice xmlns:a14="http://schemas.microsoft.com/office/drawing/2010/main" Requires="a14">
+      <mc:AlternateContent xmlns:mc="http://schemas.openxmlformats.org/markup-compatibility/2006" xmlns:a14="http://schemas.microsoft.com/office/drawing/2010/main">
+        <mc:Choice Requires="a14">
           <p:sp>
             <p:nvSpPr>
               <p:cNvPr id="11" name="文本框 10">
@@ -20573,7 +20574,7 @@
                       <m:sSub>
                         <m:sSubPr>
                           <m:ctrlPr>
-                            <a:rPr lang="en-US" altLang="zh-CN" sz="2400" dirty="0">
+                            <a:rPr lang="en-US" altLang="zh-CN" sz="2400" i="1" dirty="0">
                               <a:latin typeface="Cambria Math" panose="02040503050406030204" pitchFamily="18" charset="0"/>
                               <a:ea typeface="微软雅黑" panose="020B0503020204020204" pitchFamily="34" charset="-122"/>
                             </a:rPr>
@@ -20612,7 +20613,7 @@
             </p:txBody>
           </p:sp>
         </mc:Choice>
-        <mc:Fallback>
+        <mc:Fallback xmlns="">
           <p:sp>
             <p:nvSpPr>
               <p:cNvPr id="11" name="文本框 10">
@@ -20716,8 +20717,8 @@
           </a:p>
         </p:txBody>
       </p:sp>
-      <mc:AlternateContent xmlns:mc="http://schemas.openxmlformats.org/markup-compatibility/2006">
-        <mc:Choice xmlns:a14="http://schemas.microsoft.com/office/drawing/2010/main" Requires="a14">
+      <mc:AlternateContent xmlns:mc="http://schemas.openxmlformats.org/markup-compatibility/2006" xmlns:a14="http://schemas.microsoft.com/office/drawing/2010/main">
+        <mc:Choice Requires="a14">
           <p:sp>
             <p:nvSpPr>
               <p:cNvPr id="17" name="文本框 16">
@@ -20770,7 +20771,7 @@
                       <m:sSub>
                         <m:sSubPr>
                           <m:ctrlPr>
-                            <a:rPr lang="en-US" altLang="zh-CN" sz="2400" b="0" dirty="0" smtClean="0">
+                            <a:rPr lang="en-US" altLang="zh-CN" sz="2400" b="0" i="1" dirty="0" smtClean="0">
                               <a:latin typeface="Cambria Math" panose="02040503050406030204" pitchFamily="18" charset="0"/>
                               <a:ea typeface="微软雅黑" panose="020B0503020204020204" pitchFamily="34" charset="-122"/>
                             </a:rPr>
@@ -20809,7 +20810,7 @@
             </p:txBody>
           </p:sp>
         </mc:Choice>
-        <mc:Fallback>
+        <mc:Fallback xmlns="">
           <p:sp>
             <p:nvSpPr>
               <p:cNvPr id="17" name="文本框 16">
@@ -20913,8 +20914,8 @@
           </a:p>
         </p:txBody>
       </p:sp>
-      <mc:AlternateContent xmlns:mc="http://schemas.openxmlformats.org/markup-compatibility/2006">
-        <mc:Choice xmlns:a14="http://schemas.microsoft.com/office/drawing/2010/main" Requires="a14">
+      <mc:AlternateContent xmlns:mc="http://schemas.openxmlformats.org/markup-compatibility/2006" xmlns:a14="http://schemas.microsoft.com/office/drawing/2010/main">
+        <mc:Choice Requires="a14">
           <p:sp>
             <p:nvSpPr>
               <p:cNvPr id="19" name="文本框 18">
@@ -20967,7 +20968,7 @@
                       <m:sSub>
                         <m:sSubPr>
                           <m:ctrlPr>
-                            <a:rPr lang="en-US" altLang="zh-CN" sz="2400" b="0" dirty="0" smtClean="0">
+                            <a:rPr lang="en-US" altLang="zh-CN" sz="2400" b="0" i="1" dirty="0" smtClean="0">
                               <a:latin typeface="Cambria Math" panose="02040503050406030204" pitchFamily="18" charset="0"/>
                               <a:ea typeface="微软雅黑" panose="020B0503020204020204" pitchFamily="34" charset="-122"/>
                             </a:rPr>
@@ -21009,7 +21010,7 @@
             </p:txBody>
           </p:sp>
         </mc:Choice>
-        <mc:Fallback>
+        <mc:Fallback xmlns="">
           <p:sp>
             <p:nvSpPr>
               <p:cNvPr id="19" name="文本框 18">
@@ -21149,8 +21150,8 @@
           </a:p>
         </p:txBody>
       </p:sp>
-      <mc:AlternateContent xmlns:mc="http://schemas.openxmlformats.org/markup-compatibility/2006">
-        <mc:Choice xmlns:a14="http://schemas.microsoft.com/office/drawing/2010/main" Requires="a14">
+      <mc:AlternateContent xmlns:mc="http://schemas.openxmlformats.org/markup-compatibility/2006" xmlns:a14="http://schemas.microsoft.com/office/drawing/2010/main">
+        <mc:Choice Requires="a14">
           <p:sp>
             <p:nvSpPr>
               <p:cNvPr id="22" name="文本框 21">
@@ -21221,7 +21222,7 @@
             </p:txBody>
           </p:sp>
         </mc:Choice>
-        <mc:Fallback>
+        <mc:Fallback xmlns="">
           <p:sp>
             <p:nvSpPr>
               <p:cNvPr id="22" name="文本框 21">
@@ -21325,8 +21326,8 @@
           </a:p>
         </p:txBody>
       </p:sp>
-      <mc:AlternateContent xmlns:mc="http://schemas.openxmlformats.org/markup-compatibility/2006">
-        <mc:Choice xmlns:a14="http://schemas.microsoft.com/office/drawing/2010/main" Requires="a14">
+      <mc:AlternateContent xmlns:mc="http://schemas.openxmlformats.org/markup-compatibility/2006" xmlns:a14="http://schemas.microsoft.com/office/drawing/2010/main">
+        <mc:Choice Requires="a14">
           <p:sp>
             <p:nvSpPr>
               <p:cNvPr id="24" name="文本框 23">
@@ -21397,7 +21398,7 @@
             </p:txBody>
           </p:sp>
         </mc:Choice>
-        <mc:Fallback>
+        <mc:Fallback xmlns="">
           <p:sp>
             <p:nvSpPr>
               <p:cNvPr id="24" name="文本框 23">
@@ -21754,8 +21755,8 @@
           </a:p>
         </p:txBody>
       </p:sp>
-      <mc:AlternateContent xmlns:mc="http://schemas.openxmlformats.org/markup-compatibility/2006">
-        <mc:Choice xmlns:a14="http://schemas.microsoft.com/office/drawing/2010/main" Requires="a14">
+      <mc:AlternateContent xmlns:mc="http://schemas.openxmlformats.org/markup-compatibility/2006" xmlns:a14="http://schemas.microsoft.com/office/drawing/2010/main">
+        <mc:Choice Requires="a14">
           <p:sp>
             <p:nvSpPr>
               <p:cNvPr id="46" name="文本框 45">
@@ -21843,7 +21844,7 @@
             </p:txBody>
           </p:sp>
         </mc:Choice>
-        <mc:Fallback>
+        <mc:Fallback xmlns="">
           <p:sp>
             <p:nvSpPr>
               <p:cNvPr id="46" name="文本框 45">
@@ -21947,8 +21948,8 @@
           </a:p>
         </p:txBody>
       </p:sp>
-      <mc:AlternateContent xmlns:mc="http://schemas.openxmlformats.org/markup-compatibility/2006">
-        <mc:Choice xmlns:a14="http://schemas.microsoft.com/office/drawing/2010/main" Requires="a14">
+      <mc:AlternateContent xmlns:mc="http://schemas.openxmlformats.org/markup-compatibility/2006" xmlns:a14="http://schemas.microsoft.com/office/drawing/2010/main">
+        <mc:Choice Requires="a14">
           <p:sp>
             <p:nvSpPr>
               <p:cNvPr id="48" name="文本框 47">
@@ -22019,7 +22020,7 @@
             </p:txBody>
           </p:sp>
         </mc:Choice>
-        <mc:Fallback>
+        <mc:Fallback xmlns="">
           <p:sp>
             <p:nvSpPr>
               <p:cNvPr id="48" name="文本框 47">
@@ -22209,8 +22210,8 @@
           </a:p>
         </p:txBody>
       </p:sp>
-      <mc:AlternateContent xmlns:mc="http://schemas.openxmlformats.org/markup-compatibility/2006">
-        <mc:Choice xmlns:a14="http://schemas.microsoft.com/office/drawing/2010/main" Requires="a14">
+      <mc:AlternateContent xmlns:mc="http://schemas.openxmlformats.org/markup-compatibility/2006" xmlns:a14="http://schemas.microsoft.com/office/drawing/2010/main">
+        <mc:Choice Requires="a14">
           <p:sp>
             <p:nvSpPr>
               <p:cNvPr id="58" name="文本框 57">
@@ -22297,7 +22298,7 @@
                       <m:sSub>
                         <m:sSubPr>
                           <m:ctrlPr>
-                            <a:rPr lang="ar-AE" altLang="zh-CN" dirty="0">
+                            <a:rPr lang="ar-AE" altLang="zh-CN" i="1" dirty="0">
                               <a:latin typeface="Cambria Math" panose="02040503050406030204" pitchFamily="18" charset="0"/>
                               <a:ea typeface="微软雅黑" panose="020B0503020204020204" pitchFamily="34" charset="-122"/>
                             </a:rPr>
@@ -22350,7 +22351,7 @@
             </p:txBody>
           </p:sp>
         </mc:Choice>
-        <mc:Fallback>
+        <mc:Fallback xmlns="">
           <p:sp>
             <p:nvSpPr>
               <p:cNvPr id="58" name="文本框 57">
@@ -22453,8 +22454,8 @@
           </a:p>
         </p:txBody>
       </p:sp>
-      <mc:AlternateContent xmlns:mc="http://schemas.openxmlformats.org/markup-compatibility/2006">
-        <mc:Choice xmlns:a14="http://schemas.microsoft.com/office/drawing/2010/main" Requires="a14">
+      <mc:AlternateContent xmlns:mc="http://schemas.openxmlformats.org/markup-compatibility/2006" xmlns:a14="http://schemas.microsoft.com/office/drawing/2010/main">
+        <mc:Choice Requires="a14">
           <p:sp>
             <p:nvSpPr>
               <p:cNvPr id="60" name="文本框 59">
@@ -22575,7 +22576,7 @@
             </p:txBody>
           </p:sp>
         </mc:Choice>
-        <mc:Fallback>
+        <mc:Fallback xmlns="">
           <p:sp>
             <p:nvSpPr>
               <p:cNvPr id="60" name="文本框 59">
@@ -22679,8 +22680,8 @@
           </a:p>
         </p:txBody>
       </p:sp>
-      <mc:AlternateContent xmlns:mc="http://schemas.openxmlformats.org/markup-compatibility/2006">
-        <mc:Choice xmlns:a14="http://schemas.microsoft.com/office/drawing/2010/main" Requires="a14">
+      <mc:AlternateContent xmlns:mc="http://schemas.openxmlformats.org/markup-compatibility/2006" xmlns:a14="http://schemas.microsoft.com/office/drawing/2010/main">
+        <mc:Choice Requires="a14">
           <p:sp>
             <p:nvSpPr>
               <p:cNvPr id="62" name="文本框 61">
@@ -22754,7 +22755,7 @@
             </p:txBody>
           </p:sp>
         </mc:Choice>
-        <mc:Fallback>
+        <mc:Fallback xmlns="">
           <p:sp>
             <p:nvSpPr>
               <p:cNvPr id="62" name="文本框 61">
@@ -22858,8 +22859,8 @@
           </a:p>
         </p:txBody>
       </p:sp>
-      <mc:AlternateContent xmlns:mc="http://schemas.openxmlformats.org/markup-compatibility/2006">
-        <mc:Choice xmlns:a14="http://schemas.microsoft.com/office/drawing/2010/main" Requires="a14">
+      <mc:AlternateContent xmlns:mc="http://schemas.openxmlformats.org/markup-compatibility/2006" xmlns:a14="http://schemas.microsoft.com/office/drawing/2010/main">
+        <mc:Choice Requires="a14">
           <p:sp>
             <p:nvSpPr>
               <p:cNvPr id="64" name="文本框 63">
@@ -22934,7 +22935,7 @@
             </p:txBody>
           </p:sp>
         </mc:Choice>
-        <mc:Fallback>
+        <mc:Fallback xmlns="">
           <p:sp>
             <p:nvSpPr>
               <p:cNvPr id="64" name="文本框 63">
@@ -23038,8 +23039,8 @@
           </a:p>
         </p:txBody>
       </p:sp>
-      <mc:AlternateContent xmlns:mc="http://schemas.openxmlformats.org/markup-compatibility/2006">
-        <mc:Choice xmlns:a14="http://schemas.microsoft.com/office/drawing/2010/main" Requires="a14">
+      <mc:AlternateContent xmlns:mc="http://schemas.openxmlformats.org/markup-compatibility/2006" xmlns:a14="http://schemas.microsoft.com/office/drawing/2010/main">
+        <mc:Choice Requires="a14">
           <p:sp>
             <p:nvSpPr>
               <p:cNvPr id="73" name="文本框 72">
@@ -23110,7 +23111,7 @@
             </p:txBody>
           </p:sp>
         </mc:Choice>
-        <mc:Fallback>
+        <mc:Fallback xmlns="">
           <p:sp>
             <p:nvSpPr>
               <p:cNvPr id="73" name="文本框 72">
@@ -23343,8 +23344,8 @@
           </a:p>
         </p:txBody>
       </p:sp>
-      <mc:AlternateContent xmlns:mc="http://schemas.openxmlformats.org/markup-compatibility/2006">
-        <mc:Choice xmlns:a14="http://schemas.microsoft.com/office/drawing/2010/main" Requires="a14">
+      <mc:AlternateContent xmlns:mc="http://schemas.openxmlformats.org/markup-compatibility/2006" xmlns:a14="http://schemas.microsoft.com/office/drawing/2010/main">
+        <mc:Choice Requires="a14">
           <p:sp>
             <p:nvSpPr>
               <p:cNvPr id="13" name="文本框 12">
@@ -23401,7 +23402,7 @@
             </p:txBody>
           </p:sp>
         </mc:Choice>
-        <mc:Fallback>
+        <mc:Fallback xmlns="">
           <p:sp>
             <p:nvSpPr>
               <p:cNvPr id="13" name="文本框 12">
@@ -23505,8 +23506,8 @@
           </a:p>
         </p:txBody>
       </p:sp>
-      <mc:AlternateContent xmlns:mc="http://schemas.openxmlformats.org/markup-compatibility/2006">
-        <mc:Choice xmlns:a14="http://schemas.microsoft.com/office/drawing/2010/main" Requires="a14">
+      <mc:AlternateContent xmlns:mc="http://schemas.openxmlformats.org/markup-compatibility/2006" xmlns:a14="http://schemas.microsoft.com/office/drawing/2010/main">
+        <mc:Choice Requires="a14">
           <p:sp>
             <p:nvSpPr>
               <p:cNvPr id="30" name="文本框 29">
@@ -23567,7 +23568,7 @@
             </p:txBody>
           </p:sp>
         </mc:Choice>
-        <mc:Fallback>
+        <mc:Fallback xmlns="">
           <p:sp>
             <p:nvSpPr>
               <p:cNvPr id="30" name="文本框 29">
@@ -23671,8 +23672,8 @@
           </a:p>
         </p:txBody>
       </p:sp>
-      <mc:AlternateContent xmlns:mc="http://schemas.openxmlformats.org/markup-compatibility/2006">
-        <mc:Choice xmlns:a14="http://schemas.microsoft.com/office/drawing/2010/main" Requires="a14">
+      <mc:AlternateContent xmlns:mc="http://schemas.openxmlformats.org/markup-compatibility/2006" xmlns:a14="http://schemas.microsoft.com/office/drawing/2010/main">
+        <mc:Choice Requires="a14">
           <p:sp>
             <p:nvSpPr>
               <p:cNvPr id="52" name="文本框 51">
@@ -23729,7 +23730,7 @@
             </p:txBody>
           </p:sp>
         </mc:Choice>
-        <mc:Fallback>
+        <mc:Fallback xmlns="">
           <p:sp>
             <p:nvSpPr>
               <p:cNvPr id="52" name="文本框 51">
@@ -23918,8 +23919,8 @@
           </a:p>
         </p:txBody>
       </p:sp>
-      <mc:AlternateContent xmlns:mc="http://schemas.openxmlformats.org/markup-compatibility/2006">
-        <mc:Choice xmlns:a14="http://schemas.microsoft.com/office/drawing/2010/main" Requires="a14">
+      <mc:AlternateContent xmlns:mc="http://schemas.openxmlformats.org/markup-compatibility/2006" xmlns:a14="http://schemas.microsoft.com/office/drawing/2010/main">
+        <mc:Choice Requires="a14">
           <p:sp>
             <p:nvSpPr>
               <p:cNvPr id="101" name="文本框 100">
@@ -24040,7 +24041,7 @@
             </p:txBody>
           </p:sp>
         </mc:Choice>
-        <mc:Fallback>
+        <mc:Fallback xmlns="">
           <p:sp>
             <p:nvSpPr>
               <p:cNvPr id="101" name="文本框 100">
@@ -24144,8 +24145,8 @@
           </a:p>
         </p:txBody>
       </p:sp>
-      <mc:AlternateContent xmlns:mc="http://schemas.openxmlformats.org/markup-compatibility/2006">
-        <mc:Choice xmlns:a14="http://schemas.microsoft.com/office/drawing/2010/main" Requires="a14">
+      <mc:AlternateContent xmlns:mc="http://schemas.openxmlformats.org/markup-compatibility/2006" xmlns:a14="http://schemas.microsoft.com/office/drawing/2010/main">
+        <mc:Choice Requires="a14">
           <p:sp>
             <p:nvSpPr>
               <p:cNvPr id="103" name="文本框 102">
@@ -24219,7 +24220,7 @@
             </p:txBody>
           </p:sp>
         </mc:Choice>
-        <mc:Fallback>
+        <mc:Fallback xmlns="">
           <p:sp>
             <p:nvSpPr>
               <p:cNvPr id="103" name="文本框 102">
@@ -24366,8 +24367,8 @@
           </a:p>
         </p:txBody>
       </p:sp>
-      <mc:AlternateContent xmlns:mc="http://schemas.openxmlformats.org/markup-compatibility/2006">
-        <mc:Choice xmlns:a14="http://schemas.microsoft.com/office/drawing/2010/main" Requires="a14">
+      <mc:AlternateContent xmlns:mc="http://schemas.openxmlformats.org/markup-compatibility/2006" xmlns:a14="http://schemas.microsoft.com/office/drawing/2010/main">
+        <mc:Choice Requires="a14">
           <p:sp>
             <p:nvSpPr>
               <p:cNvPr id="106" name="文本框 105">
@@ -24424,7 +24425,7 @@
             </p:txBody>
           </p:sp>
         </mc:Choice>
-        <mc:Fallback>
+        <mc:Fallback xmlns="">
           <p:sp>
             <p:nvSpPr>
               <p:cNvPr id="106" name="文本框 105">
@@ -24528,8 +24529,8 @@
           </a:p>
         </p:txBody>
       </p:sp>
-      <mc:AlternateContent xmlns:mc="http://schemas.openxmlformats.org/markup-compatibility/2006">
-        <mc:Choice xmlns:a14="http://schemas.microsoft.com/office/drawing/2010/main" Requires="a14">
+      <mc:AlternateContent xmlns:mc="http://schemas.openxmlformats.org/markup-compatibility/2006" xmlns:a14="http://schemas.microsoft.com/office/drawing/2010/main">
+        <mc:Choice Requires="a14">
           <p:sp>
             <p:nvSpPr>
               <p:cNvPr id="108" name="文本框 107">
@@ -24586,7 +24587,7 @@
             </p:txBody>
           </p:sp>
         </mc:Choice>
-        <mc:Fallback>
+        <mc:Fallback xmlns="">
           <p:sp>
             <p:nvSpPr>
               <p:cNvPr id="108" name="文本框 107">
@@ -25511,8 +25512,8 @@
           </a:fontRef>
         </p:style>
       </p:cxnSp>
-      <mc:AlternateContent xmlns:mc="http://schemas.openxmlformats.org/markup-compatibility/2006">
-        <mc:Choice xmlns:a14="http://schemas.microsoft.com/office/drawing/2010/main" Requires="a14">
+      <mc:AlternateContent xmlns:mc="http://schemas.openxmlformats.org/markup-compatibility/2006" xmlns:a14="http://schemas.microsoft.com/office/drawing/2010/main">
+        <mc:Choice Requires="a14">
           <p:sp>
             <p:nvSpPr>
               <p:cNvPr id="164" name="文本框 163">
@@ -25541,6 +25542,7 @@
               </a:bodyPr>
               <a:lstStyle/>
               <a:p>
+                <a:pPr/>
                 <a14:m>
                   <m:oMathPara xmlns:m="http://schemas.openxmlformats.org/officeDocument/2006/math">
                     <m:oMathParaPr>
@@ -25580,7 +25582,7 @@
             </p:txBody>
           </p:sp>
         </mc:Choice>
-        <mc:Fallback>
+        <mc:Fallback xmlns="">
           <p:sp>
             <p:nvSpPr>
               <p:cNvPr id="164" name="文本框 163">
@@ -25625,8 +25627,8 @@
           </p:sp>
         </mc:Fallback>
       </mc:AlternateContent>
-      <mc:AlternateContent xmlns:mc="http://schemas.openxmlformats.org/markup-compatibility/2006">
-        <mc:Choice xmlns:a14="http://schemas.microsoft.com/office/drawing/2010/main" Requires="a14">
+      <mc:AlternateContent xmlns:mc="http://schemas.openxmlformats.org/markup-compatibility/2006" xmlns:a14="http://schemas.microsoft.com/office/drawing/2010/main">
+        <mc:Choice Requires="a14">
           <p:sp>
             <p:nvSpPr>
               <p:cNvPr id="165" name="文本框 164">
@@ -25655,6 +25657,7 @@
               </a:bodyPr>
               <a:lstStyle/>
               <a:p>
+                <a:pPr/>
                 <a14:m>
                   <m:oMathPara xmlns:m="http://schemas.openxmlformats.org/officeDocument/2006/math">
                     <m:oMathParaPr>
@@ -25694,7 +25697,7 @@
             </p:txBody>
           </p:sp>
         </mc:Choice>
-        <mc:Fallback>
+        <mc:Fallback xmlns="">
           <p:sp>
             <p:nvSpPr>
               <p:cNvPr id="165" name="文本框 164">
@@ -25739,8 +25742,8 @@
           </p:sp>
         </mc:Fallback>
       </mc:AlternateContent>
-      <mc:AlternateContent xmlns:mc="http://schemas.openxmlformats.org/markup-compatibility/2006">
-        <mc:Choice xmlns:a14="http://schemas.microsoft.com/office/drawing/2010/main" Requires="a14">
+      <mc:AlternateContent xmlns:mc="http://schemas.openxmlformats.org/markup-compatibility/2006" xmlns:a14="http://schemas.microsoft.com/office/drawing/2010/main">
+        <mc:Choice Requires="a14">
           <p:sp>
             <p:nvSpPr>
               <p:cNvPr id="166" name="文本框 165">
@@ -25769,6 +25772,7 @@
               </a:bodyPr>
               <a:lstStyle/>
               <a:p>
+                <a:pPr/>
                 <a14:m>
                   <m:oMathPara xmlns:m="http://schemas.openxmlformats.org/officeDocument/2006/math">
                     <m:oMathParaPr>
@@ -25808,7 +25812,7 @@
             </p:txBody>
           </p:sp>
         </mc:Choice>
-        <mc:Fallback>
+        <mc:Fallback xmlns="">
           <p:sp>
             <p:nvSpPr>
               <p:cNvPr id="166" name="文本框 165">
@@ -25853,8 +25857,8 @@
           </p:sp>
         </mc:Fallback>
       </mc:AlternateContent>
-      <mc:AlternateContent xmlns:mc="http://schemas.openxmlformats.org/markup-compatibility/2006">
-        <mc:Choice xmlns:a14="http://schemas.microsoft.com/office/drawing/2010/main" Requires="a14">
+      <mc:AlternateContent xmlns:mc="http://schemas.openxmlformats.org/markup-compatibility/2006" xmlns:a14="http://schemas.microsoft.com/office/drawing/2010/main">
+        <mc:Choice Requires="a14">
           <p:sp>
             <p:nvSpPr>
               <p:cNvPr id="167" name="文本框 166">
@@ -25883,6 +25887,7 @@
               </a:bodyPr>
               <a:lstStyle/>
               <a:p>
+                <a:pPr/>
                 <a14:m>
                   <m:oMathPara xmlns:m="http://schemas.openxmlformats.org/officeDocument/2006/math">
                     <m:oMathParaPr>
@@ -25922,7 +25927,7 @@
             </p:txBody>
           </p:sp>
         </mc:Choice>
-        <mc:Fallback>
+        <mc:Fallback xmlns="">
           <p:sp>
             <p:nvSpPr>
               <p:cNvPr id="167" name="文本框 166">
@@ -25967,8 +25972,8 @@
           </p:sp>
         </mc:Fallback>
       </mc:AlternateContent>
-      <mc:AlternateContent xmlns:mc="http://schemas.openxmlformats.org/markup-compatibility/2006">
-        <mc:Choice xmlns:a14="http://schemas.microsoft.com/office/drawing/2010/main" Requires="a14">
+      <mc:AlternateContent xmlns:mc="http://schemas.openxmlformats.org/markup-compatibility/2006" xmlns:a14="http://schemas.microsoft.com/office/drawing/2010/main">
+        <mc:Choice Requires="a14">
           <p:sp>
             <p:nvSpPr>
               <p:cNvPr id="168" name="文本框 167">
@@ -25997,6 +26002,7 @@
               </a:bodyPr>
               <a:lstStyle/>
               <a:p>
+                <a:pPr/>
                 <a14:m>
                   <m:oMathPara xmlns:m="http://schemas.openxmlformats.org/officeDocument/2006/math">
                     <m:oMathParaPr>
@@ -26036,7 +26042,7 @@
             </p:txBody>
           </p:sp>
         </mc:Choice>
-        <mc:Fallback>
+        <mc:Fallback xmlns="">
           <p:sp>
             <p:nvSpPr>
               <p:cNvPr id="168" name="文本框 167">
@@ -26081,8 +26087,8 @@
           </p:sp>
         </mc:Fallback>
       </mc:AlternateContent>
-      <mc:AlternateContent xmlns:mc="http://schemas.openxmlformats.org/markup-compatibility/2006">
-        <mc:Choice xmlns:a14="http://schemas.microsoft.com/office/drawing/2010/main" Requires="a14">
+      <mc:AlternateContent xmlns:mc="http://schemas.openxmlformats.org/markup-compatibility/2006" xmlns:a14="http://schemas.microsoft.com/office/drawing/2010/main">
+        <mc:Choice Requires="a14">
           <p:sp>
             <p:nvSpPr>
               <p:cNvPr id="169" name="文本框 168">
@@ -26111,6 +26117,7 @@
               </a:bodyPr>
               <a:lstStyle/>
               <a:p>
+                <a:pPr/>
                 <a14:m>
                   <m:oMathPara xmlns:m="http://schemas.openxmlformats.org/officeDocument/2006/math">
                     <m:oMathParaPr>
@@ -26150,7 +26157,7 @@
             </p:txBody>
           </p:sp>
         </mc:Choice>
-        <mc:Fallback>
+        <mc:Fallback xmlns="">
           <p:sp>
             <p:nvSpPr>
               <p:cNvPr id="169" name="文本框 168">
@@ -26195,8 +26202,8 @@
           </p:sp>
         </mc:Fallback>
       </mc:AlternateContent>
-      <mc:AlternateContent xmlns:mc="http://schemas.openxmlformats.org/markup-compatibility/2006">
-        <mc:Choice xmlns:a14="http://schemas.microsoft.com/office/drawing/2010/main" Requires="a14">
+      <mc:AlternateContent xmlns:mc="http://schemas.openxmlformats.org/markup-compatibility/2006" xmlns:a14="http://schemas.microsoft.com/office/drawing/2010/main">
+        <mc:Choice Requires="a14">
           <p:sp>
             <p:nvSpPr>
               <p:cNvPr id="171" name="文本框 170">
@@ -26283,7 +26290,7 @@
                       <m:sSub>
                         <m:sSubPr>
                           <m:ctrlPr>
-                            <a:rPr lang="ar-AE" altLang="zh-CN" dirty="0">
+                            <a:rPr lang="ar-AE" altLang="zh-CN" i="1" dirty="0">
                               <a:latin typeface="Cambria Math" panose="02040503050406030204" pitchFamily="18" charset="0"/>
                               <a:ea typeface="微软雅黑" panose="020B0503020204020204" pitchFamily="34" charset="-122"/>
                             </a:rPr>
@@ -26336,7 +26343,7 @@
             </p:txBody>
           </p:sp>
         </mc:Choice>
-        <mc:Fallback>
+        <mc:Fallback xmlns="">
           <p:sp>
             <p:nvSpPr>
               <p:cNvPr id="171" name="文本框 170">
@@ -26396,7 +26403,7 @@
         <p:spPr>
           <a:xfrm>
             <a:off x="10718804" y="115508"/>
-            <a:ext cx="7903029" cy="8832550"/>
+            <a:ext cx="8175777" cy="8832550"/>
           </a:xfrm>
           <a:prstGeom prst="roundRect">
             <a:avLst>
@@ -26430,7 +26437,7 @@
           <a:lstStyle/>
           <a:p>
             <a:pPr algn="ctr"/>
-            <a:endParaRPr lang="zh-CN" altLang="en-US"/>
+            <a:endParaRPr lang="zh-CN" altLang="en-US" dirty="0"/>
           </a:p>
         </p:txBody>
       </p:sp>
@@ -26516,8 +26523,8 @@
           </a:fontRef>
         </p:style>
       </p:cxnSp>
-      <mc:AlternateContent xmlns:mc="http://schemas.openxmlformats.org/markup-compatibility/2006">
-        <mc:Choice xmlns:a14="http://schemas.microsoft.com/office/drawing/2010/main" Requires="a14">
+      <mc:AlternateContent xmlns:mc="http://schemas.openxmlformats.org/markup-compatibility/2006" xmlns:a14="http://schemas.microsoft.com/office/drawing/2010/main">
+        <mc:Choice Requires="a14">
           <p:sp>
             <p:nvSpPr>
               <p:cNvPr id="181" name="文本框 180">
@@ -26546,6 +26553,7 @@
               </a:bodyPr>
               <a:lstStyle/>
               <a:p>
+                <a:pPr/>
                 <a14:m>
                   <m:oMathPara xmlns:m="http://schemas.openxmlformats.org/officeDocument/2006/math">
                     <m:oMathParaPr>
@@ -26575,7 +26583,7 @@
             </p:txBody>
           </p:sp>
         </mc:Choice>
-        <mc:Fallback>
+        <mc:Fallback xmlns="">
           <p:sp>
             <p:nvSpPr>
               <p:cNvPr id="181" name="文本框 180">
@@ -26624,6 +26632,1893 @@
     <p:extLst>
       <p:ext uri="{BB962C8B-B14F-4D97-AF65-F5344CB8AC3E}">
         <p14:creationId xmlns:p14="http://schemas.microsoft.com/office/powerpoint/2010/main" val="3584943006"/>
+      </p:ext>
+    </p:extLst>
+  </p:cSld>
+  <p:clrMapOvr>
+    <a:masterClrMapping/>
+  </p:clrMapOvr>
+</p:sld>
+</file>
+
+<file path=ppt/slides/slide6.xml><?xml version="1.0" encoding="utf-8"?>
+<p:sld xmlns:a="http://schemas.openxmlformats.org/drawingml/2006/main" xmlns:r="http://schemas.openxmlformats.org/officeDocument/2006/relationships" xmlns:p="http://schemas.openxmlformats.org/presentationml/2006/main">
+  <p:cSld>
+    <p:spTree>
+      <p:nvGrpSpPr>
+        <p:cNvPr id="1" name=""/>
+        <p:cNvGrpSpPr/>
+        <p:nvPr/>
+      </p:nvGrpSpPr>
+      <p:grpSpPr>
+        <a:xfrm>
+          <a:off x="0" y="0"/>
+          <a:ext cx="0" cy="0"/>
+          <a:chOff x="0" y="0"/>
+          <a:chExt cx="0" cy="0"/>
+        </a:xfrm>
+      </p:grpSpPr>
+      <p:sp>
+        <p:nvSpPr>
+          <p:cNvPr id="4" name="矩形: 圆角 3">
+            <a:extLst>
+              <a:ext uri="{FF2B5EF4-FFF2-40B4-BE49-F238E27FC236}">
+                <a16:creationId xmlns:a16="http://schemas.microsoft.com/office/drawing/2014/main" id="{CFD2FC0F-7C16-E6DB-40D9-B5D66C3D7F4B}"/>
+              </a:ext>
+            </a:extLst>
+          </p:cNvPr>
+          <p:cNvSpPr/>
+          <p:nvPr/>
+        </p:nvSpPr>
+        <p:spPr>
+          <a:xfrm>
+            <a:off x="3843141" y="4320375"/>
+            <a:ext cx="2761832" cy="948746"/>
+          </a:xfrm>
+          <a:prstGeom prst="roundRect">
+            <a:avLst>
+              <a:gd name="adj" fmla="val 0"/>
+            </a:avLst>
+          </a:prstGeom>
+          <a:solidFill>
+            <a:schemeClr val="bg2">
+              <a:lumMod val="90000"/>
+            </a:schemeClr>
+          </a:solidFill>
+          <a:ln>
+            <a:solidFill>
+              <a:schemeClr val="tx1"/>
+            </a:solidFill>
+          </a:ln>
+        </p:spPr>
+        <p:style>
+          <a:lnRef idx="2">
+            <a:schemeClr val="accent1">
+              <a:shade val="15000"/>
+            </a:schemeClr>
+          </a:lnRef>
+          <a:fillRef idx="1">
+            <a:schemeClr val="accent1"/>
+          </a:fillRef>
+          <a:effectRef idx="0">
+            <a:schemeClr val="accent1"/>
+          </a:effectRef>
+          <a:fontRef idx="minor">
+            <a:schemeClr val="lt1"/>
+          </a:fontRef>
+        </p:style>
+        <p:txBody>
+          <a:bodyPr rtlCol="0" anchor="ctr"/>
+          <a:lstStyle/>
+          <a:p>
+            <a:pPr algn="ctr"/>
+            <a:endParaRPr lang="zh-CN" altLang="en-US" sz="3189"/>
+          </a:p>
+        </p:txBody>
+      </p:sp>
+      <mc:AlternateContent xmlns:mc="http://schemas.openxmlformats.org/markup-compatibility/2006">
+        <mc:Choice xmlns:a14="http://schemas.microsoft.com/office/drawing/2010/main" Requires="a14">
+          <p:sp>
+            <p:nvSpPr>
+              <p:cNvPr id="5" name="文本框 4">
+                <a:extLst>
+                  <a:ext uri="{FF2B5EF4-FFF2-40B4-BE49-F238E27FC236}">
+                    <a16:creationId xmlns:a16="http://schemas.microsoft.com/office/drawing/2014/main" id="{ECCAF031-F18D-AC3F-701D-4F97474DE3A3}"/>
+                  </a:ext>
+                </a:extLst>
+              </p:cNvPr>
+              <p:cNvSpPr txBox="1"/>
+              <p:nvPr/>
+            </p:nvSpPr>
+            <p:spPr>
+              <a:xfrm>
+                <a:off x="4310237" y="4493774"/>
+                <a:ext cx="1810111" cy="584775"/>
+              </a:xfrm>
+              <a:prstGeom prst="rect">
+                <a:avLst/>
+              </a:prstGeom>
+              <a:noFill/>
+            </p:spPr>
+            <p:txBody>
+              <a:bodyPr wrap="none" rtlCol="0">
+                <a:spAutoFit/>
+              </a:bodyPr>
+              <a:lstStyle/>
+              <a:p>
+                <a:pPr/>
+                <a14:m>
+                  <m:oMathPara xmlns:m="http://schemas.openxmlformats.org/officeDocument/2006/math">
+                    <m:oMathParaPr>
+                      <m:jc m:val="centerGroup"/>
+                    </m:oMathParaPr>
+                    <m:oMath xmlns:m="http://schemas.openxmlformats.org/officeDocument/2006/math">
+                      <m:r>
+                        <m:rPr>
+                          <m:sty m:val="p"/>
+                        </m:rPr>
+                        <a:rPr lang="en-US" altLang="zh-CN" sz="3200" b="0" i="0" dirty="0" smtClean="0">
+                          <a:latin typeface="Cambria Math" panose="02040503050406030204" pitchFamily="18" charset="0"/>
+                          <a:ea typeface="微软雅黑" panose="020B0503020204020204" pitchFamily="34" charset="-122"/>
+                        </a:rPr>
+                        <m:t>MHA</m:t>
+                      </m:r>
+                      <m:r>
+                        <a:rPr lang="en-US" altLang="zh-CN" sz="3200" b="0" i="0" dirty="0" smtClean="0">
+                          <a:latin typeface="Cambria Math" panose="02040503050406030204" pitchFamily="18" charset="0"/>
+                          <a:ea typeface="微软雅黑" panose="020B0503020204020204" pitchFamily="34" charset="-122"/>
+                        </a:rPr>
+                        <m:t> </m:t>
+                      </m:r>
+                      <m:d>
+                        <m:dPr>
+                          <m:ctrlPr>
+                            <a:rPr lang="en-US" altLang="zh-CN" sz="3200" b="0" i="1" dirty="0" smtClean="0">
+                              <a:latin typeface="Cambria Math" panose="02040503050406030204" pitchFamily="18" charset="0"/>
+                              <a:ea typeface="微软雅黑" panose="020B0503020204020204" pitchFamily="34" charset="-122"/>
+                            </a:rPr>
+                          </m:ctrlPr>
+                        </m:dPr>
+                        <m:e>
+                          <m:r>
+                            <a:rPr lang="en-US" altLang="zh-CN" sz="3200" b="0" i="1" dirty="0" smtClean="0">
+                              <a:latin typeface="Cambria Math" panose="02040503050406030204" pitchFamily="18" charset="0"/>
+                              <a:ea typeface="微软雅黑" panose="020B0503020204020204" pitchFamily="34" charset="-122"/>
+                            </a:rPr>
+                            <m:t>𝑓</m:t>
+                          </m:r>
+                        </m:e>
+                      </m:d>
+                    </m:oMath>
+                  </m:oMathPara>
+                </a14:m>
+                <a:endParaRPr dirty="0"/>
+              </a:p>
+            </p:txBody>
+          </p:sp>
+        </mc:Choice>
+        <mc:Fallback>
+          <p:sp>
+            <p:nvSpPr>
+              <p:cNvPr id="5" name="文本框 4">
+                <a:extLst>
+                  <a:ext uri="{FF2B5EF4-FFF2-40B4-BE49-F238E27FC236}">
+                    <a16:creationId xmlns:a16="http://schemas.microsoft.com/office/drawing/2014/main" id="{ECCAF031-F18D-AC3F-701D-4F97474DE3A3}"/>
+                  </a:ext>
+                </a:extLst>
+              </p:cNvPr>
+              <p:cNvSpPr txBox="1">
+                <a:spLocks noRot="1" noChangeAspect="1" noMove="1" noResize="1" noEditPoints="1" noAdjustHandles="1" noChangeArrowheads="1" noChangeShapeType="1" noTextEdit="1"/>
+              </p:cNvSpPr>
+              <p:nvPr/>
+            </p:nvSpPr>
+            <p:spPr>
+              <a:xfrm>
+                <a:off x="4310237" y="4493774"/>
+                <a:ext cx="1810111" cy="584775"/>
+              </a:xfrm>
+              <a:prstGeom prst="rect">
+                <a:avLst/>
+              </a:prstGeom>
+              <a:blipFill>
+                <a:blip r:embed="rId2"/>
+                <a:stretch>
+                  <a:fillRect/>
+                </a:stretch>
+              </a:blipFill>
+            </p:spPr>
+            <p:txBody>
+              <a:bodyPr/>
+              <a:lstStyle/>
+              <a:p>
+                <a:r>
+                  <a:rPr lang="zh-CN" altLang="en-US">
+                    <a:noFill/>
+                  </a:rPr>
+                  <a:t> </a:t>
+                </a:r>
+              </a:p>
+            </p:txBody>
+          </p:sp>
+        </mc:Fallback>
+      </mc:AlternateContent>
+      <p:sp>
+        <p:nvSpPr>
+          <p:cNvPr id="6" name="矩形: 圆角 5">
+            <a:extLst>
+              <a:ext uri="{FF2B5EF4-FFF2-40B4-BE49-F238E27FC236}">
+                <a16:creationId xmlns:a16="http://schemas.microsoft.com/office/drawing/2014/main" id="{0DFC08E4-7779-EE73-5F15-0784CB07B2E3}"/>
+              </a:ext>
+            </a:extLst>
+          </p:cNvPr>
+          <p:cNvSpPr/>
+          <p:nvPr/>
+        </p:nvSpPr>
+        <p:spPr>
+          <a:xfrm>
+            <a:off x="3815982" y="1283945"/>
+            <a:ext cx="2761833" cy="835060"/>
+          </a:xfrm>
+          <a:prstGeom prst="roundRect">
+            <a:avLst>
+              <a:gd name="adj" fmla="val 0"/>
+            </a:avLst>
+          </a:prstGeom>
+          <a:solidFill>
+            <a:schemeClr val="tx2">
+              <a:lumMod val="10000"/>
+              <a:lumOff val="90000"/>
+            </a:schemeClr>
+          </a:solidFill>
+          <a:ln>
+            <a:solidFill>
+              <a:schemeClr val="tx1"/>
+            </a:solidFill>
+          </a:ln>
+        </p:spPr>
+        <p:style>
+          <a:lnRef idx="2">
+            <a:schemeClr val="accent1">
+              <a:shade val="15000"/>
+            </a:schemeClr>
+          </a:lnRef>
+          <a:fillRef idx="1">
+            <a:schemeClr val="accent1"/>
+          </a:fillRef>
+          <a:effectRef idx="0">
+            <a:schemeClr val="accent1"/>
+          </a:effectRef>
+          <a:fontRef idx="minor">
+            <a:schemeClr val="lt1"/>
+          </a:fontRef>
+        </p:style>
+        <p:txBody>
+          <a:bodyPr rtlCol="0" anchor="ctr"/>
+          <a:lstStyle/>
+          <a:p>
+            <a:pPr algn="ctr"/>
+            <a:endParaRPr lang="zh-CN" altLang="en-US" sz="3189"/>
+          </a:p>
+        </p:txBody>
+      </p:sp>
+      <mc:AlternateContent xmlns:mc="http://schemas.openxmlformats.org/markup-compatibility/2006">
+        <mc:Choice xmlns:a14="http://schemas.microsoft.com/office/drawing/2010/main" Requires="a14">
+          <p:sp>
+            <p:nvSpPr>
+              <p:cNvPr id="7" name="文本框 6">
+                <a:extLst>
+                  <a:ext uri="{FF2B5EF4-FFF2-40B4-BE49-F238E27FC236}">
+                    <a16:creationId xmlns:a16="http://schemas.microsoft.com/office/drawing/2014/main" id="{46B04772-011A-37F5-47BE-B8F57212BBEB}"/>
+                  </a:ext>
+                </a:extLst>
+              </p:cNvPr>
+              <p:cNvSpPr txBox="1"/>
+              <p:nvPr/>
+            </p:nvSpPr>
+            <p:spPr>
+              <a:xfrm>
+                <a:off x="4794384" y="1409087"/>
+                <a:ext cx="805028" cy="584775"/>
+              </a:xfrm>
+              <a:prstGeom prst="rect">
+                <a:avLst/>
+              </a:prstGeom>
+              <a:noFill/>
+            </p:spPr>
+            <p:txBody>
+              <a:bodyPr wrap="none" rtlCol="0">
+                <a:spAutoFit/>
+              </a:bodyPr>
+              <a:lstStyle/>
+              <a:p>
+                <a:pPr/>
+                <a14:m>
+                  <m:oMathPara xmlns:m="http://schemas.openxmlformats.org/officeDocument/2006/math">
+                    <m:oMathParaPr>
+                      <m:jc m:val="centerGroup"/>
+                    </m:oMathParaPr>
+                    <m:oMath xmlns:m="http://schemas.openxmlformats.org/officeDocument/2006/math">
+                      <m:r>
+                        <m:rPr>
+                          <m:sty m:val="p"/>
+                        </m:rPr>
+                        <a:rPr lang="en-US" altLang="zh-CN" sz="3200" b="0" i="0" dirty="0" smtClean="0">
+                          <a:latin typeface="Cambria Math" panose="02040503050406030204" pitchFamily="18" charset="0"/>
+                          <a:ea typeface="微软雅黑" panose="020B0503020204020204" pitchFamily="34" charset="-122"/>
+                        </a:rPr>
+                        <m:t>LN</m:t>
+                      </m:r>
+                    </m:oMath>
+                  </m:oMathPara>
+                </a14:m>
+                <a:endParaRPr lang="zh-CN" altLang="en-US" sz="3600" dirty="0">
+                  <a:latin typeface="微软雅黑" panose="020B0503020204020204" pitchFamily="34" charset="-122"/>
+                  <a:ea typeface="微软雅黑" panose="020B0503020204020204" pitchFamily="34" charset="-122"/>
+                </a:endParaRPr>
+              </a:p>
+            </p:txBody>
+          </p:sp>
+        </mc:Choice>
+        <mc:Fallback>
+          <p:sp>
+            <p:nvSpPr>
+              <p:cNvPr id="7" name="文本框 6">
+                <a:extLst>
+                  <a:ext uri="{FF2B5EF4-FFF2-40B4-BE49-F238E27FC236}">
+                    <a16:creationId xmlns:a16="http://schemas.microsoft.com/office/drawing/2014/main" id="{46B04772-011A-37F5-47BE-B8F57212BBEB}"/>
+                  </a:ext>
+                </a:extLst>
+              </p:cNvPr>
+              <p:cNvSpPr txBox="1">
+                <a:spLocks noRot="1" noChangeAspect="1" noMove="1" noResize="1" noEditPoints="1" noAdjustHandles="1" noChangeArrowheads="1" noChangeShapeType="1" noTextEdit="1"/>
+              </p:cNvSpPr>
+              <p:nvPr/>
+            </p:nvSpPr>
+            <p:spPr>
+              <a:xfrm>
+                <a:off x="4794384" y="1409087"/>
+                <a:ext cx="805028" cy="584775"/>
+              </a:xfrm>
+              <a:prstGeom prst="rect">
+                <a:avLst/>
+              </a:prstGeom>
+              <a:blipFill>
+                <a:blip r:embed="rId3"/>
+                <a:stretch>
+                  <a:fillRect/>
+                </a:stretch>
+              </a:blipFill>
+            </p:spPr>
+            <p:txBody>
+              <a:bodyPr/>
+              <a:lstStyle/>
+              <a:p>
+                <a:r>
+                  <a:rPr lang="zh-CN" altLang="en-US">
+                    <a:noFill/>
+                  </a:rPr>
+                  <a:t> </a:t>
+                </a:r>
+              </a:p>
+            </p:txBody>
+          </p:sp>
+        </mc:Fallback>
+      </mc:AlternateContent>
+      <p:cxnSp>
+        <p:nvCxnSpPr>
+          <p:cNvPr id="11" name="直接箭头连接符 10">
+            <a:extLst>
+              <a:ext uri="{FF2B5EF4-FFF2-40B4-BE49-F238E27FC236}">
+                <a16:creationId xmlns:a16="http://schemas.microsoft.com/office/drawing/2014/main" id="{00227A60-24BB-530E-595D-5935886611B1}"/>
+              </a:ext>
+            </a:extLst>
+          </p:cNvPr>
+          <p:cNvCxnSpPr>
+            <a:cxnSpLocks/>
+            <a:stCxn id="21" idx="0"/>
+            <a:endCxn id="4" idx="2"/>
+          </p:cNvCxnSpPr>
+          <p:nvPr/>
+        </p:nvCxnSpPr>
+        <p:spPr>
+          <a:xfrm flipH="1" flipV="1">
+            <a:off x="5224057" y="5269121"/>
+            <a:ext cx="1932" cy="1688061"/>
+          </a:xfrm>
+          <a:prstGeom prst="straightConnector1">
+            <a:avLst/>
+          </a:prstGeom>
+          <a:ln w="28575">
+            <a:tailEnd type="triangle"/>
+          </a:ln>
+        </p:spPr>
+        <p:style>
+          <a:lnRef idx="2">
+            <a:schemeClr val="accent1"/>
+          </a:lnRef>
+          <a:fillRef idx="0">
+            <a:schemeClr val="accent1"/>
+          </a:fillRef>
+          <a:effectRef idx="1">
+            <a:schemeClr val="accent1"/>
+          </a:effectRef>
+          <a:fontRef idx="minor">
+            <a:schemeClr val="tx1"/>
+          </a:fontRef>
+        </p:style>
+      </p:cxnSp>
+      <mc:AlternateContent xmlns:mc="http://schemas.openxmlformats.org/markup-compatibility/2006">
+        <mc:Choice xmlns:a14="http://schemas.microsoft.com/office/drawing/2010/main" Requires="a14">
+          <p:sp>
+            <p:nvSpPr>
+              <p:cNvPr id="21" name="文本框 20">
+                <a:extLst>
+                  <a:ext uri="{FF2B5EF4-FFF2-40B4-BE49-F238E27FC236}">
+                    <a16:creationId xmlns:a16="http://schemas.microsoft.com/office/drawing/2014/main" id="{2C9BBF79-314E-1DE4-DCEF-925FFABF0BE6}"/>
+                  </a:ext>
+                </a:extLst>
+              </p:cNvPr>
+              <p:cNvSpPr txBox="1"/>
+              <p:nvPr/>
+            </p:nvSpPr>
+            <p:spPr>
+              <a:xfrm>
+                <a:off x="5065688" y="6957182"/>
+                <a:ext cx="320601" cy="492443"/>
+              </a:xfrm>
+              <a:prstGeom prst="rect">
+                <a:avLst/>
+              </a:prstGeom>
+              <a:noFill/>
+            </p:spPr>
+            <p:txBody>
+              <a:bodyPr wrap="none" lIns="0" tIns="0" rIns="0" bIns="0" rtlCol="0">
+                <a:spAutoFit/>
+              </a:bodyPr>
+              <a:lstStyle/>
+              <a:p>
+                <a14:m>
+                  <m:oMathPara xmlns:m="http://schemas.openxmlformats.org/officeDocument/2006/math">
+                    <m:oMathParaPr>
+                      <m:jc m:val="centerGroup"/>
+                    </m:oMathParaPr>
+                    <m:oMath xmlns:m="http://schemas.openxmlformats.org/officeDocument/2006/math">
+                      <m:r>
+                        <a:rPr lang="en-US" altLang="zh-CN" sz="3200" b="1" i="1" smtClean="0">
+                          <a:latin typeface="Cambria Math" panose="02040503050406030204" pitchFamily="18" charset="0"/>
+                        </a:rPr>
+                        <m:t>𝒙</m:t>
+                      </m:r>
+                    </m:oMath>
+                  </m:oMathPara>
+                </a14:m>
+                <a:endParaRPr lang="zh-CN" altLang="en-US" sz="2800" b="1" dirty="0"/>
+              </a:p>
+            </p:txBody>
+          </p:sp>
+        </mc:Choice>
+        <mc:Fallback>
+          <p:sp>
+            <p:nvSpPr>
+              <p:cNvPr id="21" name="文本框 20">
+                <a:extLst>
+                  <a:ext uri="{FF2B5EF4-FFF2-40B4-BE49-F238E27FC236}">
+                    <a16:creationId xmlns:a16="http://schemas.microsoft.com/office/drawing/2014/main" id="{2C9BBF79-314E-1DE4-DCEF-925FFABF0BE6}"/>
+                  </a:ext>
+                </a:extLst>
+              </p:cNvPr>
+              <p:cNvSpPr txBox="1">
+                <a:spLocks noRot="1" noChangeAspect="1" noMove="1" noResize="1" noEditPoints="1" noAdjustHandles="1" noChangeArrowheads="1" noChangeShapeType="1" noTextEdit="1"/>
+              </p:cNvSpPr>
+              <p:nvPr/>
+            </p:nvSpPr>
+            <p:spPr>
+              <a:xfrm>
+                <a:off x="5065688" y="6957182"/>
+                <a:ext cx="320601" cy="492443"/>
+              </a:xfrm>
+              <a:prstGeom prst="rect">
+                <a:avLst/>
+              </a:prstGeom>
+              <a:blipFill>
+                <a:blip r:embed="rId4"/>
+                <a:stretch>
+                  <a:fillRect/>
+                </a:stretch>
+              </a:blipFill>
+            </p:spPr>
+            <p:txBody>
+              <a:bodyPr/>
+              <a:lstStyle/>
+              <a:p>
+                <a:r>
+                  <a:rPr lang="zh-CN" altLang="en-US">
+                    <a:noFill/>
+                  </a:rPr>
+                  <a:t> </a:t>
+                </a:r>
+              </a:p>
+            </p:txBody>
+          </p:sp>
+        </mc:Fallback>
+      </mc:AlternateContent>
+      <p:cxnSp>
+        <p:nvCxnSpPr>
+          <p:cNvPr id="27" name="连接符: 曲线 26">
+            <a:extLst>
+              <a:ext uri="{FF2B5EF4-FFF2-40B4-BE49-F238E27FC236}">
+                <a16:creationId xmlns:a16="http://schemas.microsoft.com/office/drawing/2014/main" id="{04B735B8-92BE-9F88-02BA-6862BE6B2DB8}"/>
+              </a:ext>
+            </a:extLst>
+          </p:cNvPr>
+          <p:cNvCxnSpPr>
+            <a:cxnSpLocks/>
+          </p:cNvCxnSpPr>
+          <p:nvPr/>
+        </p:nvCxnSpPr>
+        <p:spPr>
+          <a:xfrm rot="5400000" flipH="1" flipV="1">
+            <a:off x="5226970" y="4334372"/>
+            <a:ext cx="933" cy="1836086"/>
+          </a:xfrm>
+          <a:prstGeom prst="curvedConnector3">
+            <a:avLst>
+              <a:gd name="adj1" fmla="val -79812326"/>
+            </a:avLst>
+          </a:prstGeom>
+          <a:ln w="28575">
+            <a:headEnd type="triangle"/>
+            <a:tailEnd type="triangle"/>
+          </a:ln>
+        </p:spPr>
+        <p:style>
+          <a:lnRef idx="2">
+            <a:schemeClr val="accent1"/>
+          </a:lnRef>
+          <a:fillRef idx="0">
+            <a:schemeClr val="accent1"/>
+          </a:fillRef>
+          <a:effectRef idx="1">
+            <a:schemeClr val="accent1"/>
+          </a:effectRef>
+          <a:fontRef idx="minor">
+            <a:schemeClr val="tx1"/>
+          </a:fontRef>
+        </p:style>
+      </p:cxnSp>
+      <p:grpSp>
+        <p:nvGrpSpPr>
+          <p:cNvPr id="36" name="组合 35">
+            <a:extLst>
+              <a:ext uri="{FF2B5EF4-FFF2-40B4-BE49-F238E27FC236}">
+                <a16:creationId xmlns:a16="http://schemas.microsoft.com/office/drawing/2014/main" id="{ADF8498C-12D0-17A5-EC9F-DD07D8EB9E6C}"/>
+              </a:ext>
+            </a:extLst>
+          </p:cNvPr>
+          <p:cNvGrpSpPr/>
+          <p:nvPr/>
+        </p:nvGrpSpPr>
+        <p:grpSpPr>
+          <a:xfrm>
+            <a:off x="5034890" y="3092029"/>
+            <a:ext cx="360000" cy="363969"/>
+            <a:chOff x="5281075" y="4315800"/>
+            <a:chExt cx="360000" cy="363969"/>
+          </a:xfrm>
+        </p:grpSpPr>
+        <p:sp>
+          <p:nvSpPr>
+            <p:cNvPr id="37" name="加号 36">
+              <a:extLst>
+                <a:ext uri="{FF2B5EF4-FFF2-40B4-BE49-F238E27FC236}">
+                  <a16:creationId xmlns:a16="http://schemas.microsoft.com/office/drawing/2014/main" id="{07F6D79C-43EF-6A70-F77D-423DDC81B557}"/>
+                </a:ext>
+              </a:extLst>
+            </p:cNvPr>
+            <p:cNvSpPr/>
+            <p:nvPr/>
+          </p:nvSpPr>
+          <p:spPr>
+            <a:xfrm>
+              <a:off x="5281075" y="4319769"/>
+              <a:ext cx="360000" cy="360000"/>
+            </a:xfrm>
+            <a:prstGeom prst="mathPlus">
+              <a:avLst>
+                <a:gd name="adj1" fmla="val 12933"/>
+              </a:avLst>
+            </a:prstGeom>
+            <a:noFill/>
+          </p:spPr>
+          <p:style>
+            <a:lnRef idx="2">
+              <a:schemeClr val="accent1">
+                <a:shade val="15000"/>
+              </a:schemeClr>
+            </a:lnRef>
+            <a:fillRef idx="1">
+              <a:schemeClr val="accent1"/>
+            </a:fillRef>
+            <a:effectRef idx="0">
+              <a:schemeClr val="accent1"/>
+            </a:effectRef>
+            <a:fontRef idx="minor">
+              <a:schemeClr val="lt1"/>
+            </a:fontRef>
+          </p:style>
+          <p:txBody>
+            <a:bodyPr rtlCol="0" anchor="ctr"/>
+            <a:lstStyle/>
+            <a:p>
+              <a:pPr algn="ctr"/>
+              <a:endParaRPr lang="zh-CN" altLang="en-US"/>
+            </a:p>
+          </p:txBody>
+        </p:sp>
+        <p:sp>
+          <p:nvSpPr>
+            <p:cNvPr id="38" name="椭圆 37">
+              <a:extLst>
+                <a:ext uri="{FF2B5EF4-FFF2-40B4-BE49-F238E27FC236}">
+                  <a16:creationId xmlns:a16="http://schemas.microsoft.com/office/drawing/2014/main" id="{33A19454-B9E7-E638-96B3-05C1B6A2659B}"/>
+                </a:ext>
+              </a:extLst>
+            </p:cNvPr>
+            <p:cNvSpPr/>
+            <p:nvPr/>
+          </p:nvSpPr>
+          <p:spPr>
+            <a:xfrm>
+              <a:off x="5281075" y="4315800"/>
+              <a:ext cx="360000" cy="360000"/>
+            </a:xfrm>
+            <a:prstGeom prst="ellipse">
+              <a:avLst/>
+            </a:prstGeom>
+            <a:noFill/>
+          </p:spPr>
+          <p:style>
+            <a:lnRef idx="2">
+              <a:schemeClr val="accent1">
+                <a:shade val="15000"/>
+              </a:schemeClr>
+            </a:lnRef>
+            <a:fillRef idx="1">
+              <a:schemeClr val="accent1"/>
+            </a:fillRef>
+            <a:effectRef idx="0">
+              <a:schemeClr val="accent1"/>
+            </a:effectRef>
+            <a:fontRef idx="minor">
+              <a:schemeClr val="lt1"/>
+            </a:fontRef>
+          </p:style>
+          <p:txBody>
+            <a:bodyPr rtlCol="0" anchor="ctr"/>
+            <a:lstStyle/>
+            <a:p>
+              <a:pPr algn="ctr"/>
+              <a:endParaRPr lang="zh-CN" altLang="en-US"/>
+            </a:p>
+          </p:txBody>
+        </p:sp>
+      </p:grpSp>
+      <p:cxnSp>
+        <p:nvCxnSpPr>
+          <p:cNvPr id="39" name="直接箭头连接符 38">
+            <a:extLst>
+              <a:ext uri="{FF2B5EF4-FFF2-40B4-BE49-F238E27FC236}">
+                <a16:creationId xmlns:a16="http://schemas.microsoft.com/office/drawing/2014/main" id="{0929E90D-D2FB-5155-7D7D-F9DABA68DB67}"/>
+              </a:ext>
+            </a:extLst>
+          </p:cNvPr>
+          <p:cNvCxnSpPr>
+            <a:cxnSpLocks/>
+            <a:stCxn id="4" idx="0"/>
+            <a:endCxn id="38" idx="4"/>
+          </p:cNvCxnSpPr>
+          <p:nvPr/>
+        </p:nvCxnSpPr>
+        <p:spPr>
+          <a:xfrm flipH="1" flipV="1">
+            <a:off x="5214890" y="3452029"/>
+            <a:ext cx="9167" cy="868346"/>
+          </a:xfrm>
+          <a:prstGeom prst="straightConnector1">
+            <a:avLst/>
+          </a:prstGeom>
+          <a:ln w="28575">
+            <a:tailEnd type="triangle"/>
+          </a:ln>
+        </p:spPr>
+        <p:style>
+          <a:lnRef idx="2">
+            <a:schemeClr val="accent1"/>
+          </a:lnRef>
+          <a:fillRef idx="0">
+            <a:schemeClr val="accent1"/>
+          </a:fillRef>
+          <a:effectRef idx="1">
+            <a:schemeClr val="accent1"/>
+          </a:effectRef>
+          <a:fontRef idx="minor">
+            <a:schemeClr val="tx1"/>
+          </a:fontRef>
+        </p:style>
+      </p:cxnSp>
+      <p:cxnSp>
+        <p:nvCxnSpPr>
+          <p:cNvPr id="43" name="直接箭头连接符 42">
+            <a:extLst>
+              <a:ext uri="{FF2B5EF4-FFF2-40B4-BE49-F238E27FC236}">
+                <a16:creationId xmlns:a16="http://schemas.microsoft.com/office/drawing/2014/main" id="{1E8CA708-2BF7-555B-593C-9B69F02089BE}"/>
+              </a:ext>
+            </a:extLst>
+          </p:cNvPr>
+          <p:cNvCxnSpPr>
+            <a:cxnSpLocks/>
+            <a:stCxn id="38" idx="0"/>
+            <a:endCxn id="6" idx="2"/>
+          </p:cNvCxnSpPr>
+          <p:nvPr/>
+        </p:nvCxnSpPr>
+        <p:spPr>
+          <a:xfrm flipH="1" flipV="1">
+            <a:off x="5196899" y="2119005"/>
+            <a:ext cx="17991" cy="973024"/>
+          </a:xfrm>
+          <a:prstGeom prst="straightConnector1">
+            <a:avLst/>
+          </a:prstGeom>
+          <a:ln w="28575">
+            <a:tailEnd type="triangle"/>
+          </a:ln>
+        </p:spPr>
+        <p:style>
+          <a:lnRef idx="2">
+            <a:schemeClr val="accent1"/>
+          </a:lnRef>
+          <a:fillRef idx="0">
+            <a:schemeClr val="accent1"/>
+          </a:fillRef>
+          <a:effectRef idx="1">
+            <a:schemeClr val="accent1"/>
+          </a:effectRef>
+          <a:fontRef idx="minor">
+            <a:schemeClr val="tx1"/>
+          </a:fontRef>
+        </p:style>
+      </p:cxnSp>
+      <p:sp>
+        <p:nvSpPr>
+          <p:cNvPr id="46" name="椭圆 45">
+            <a:extLst>
+              <a:ext uri="{FF2B5EF4-FFF2-40B4-BE49-F238E27FC236}">
+                <a16:creationId xmlns:a16="http://schemas.microsoft.com/office/drawing/2014/main" id="{7326B30D-1482-6D8B-E4E5-41DB302F316E}"/>
+              </a:ext>
+            </a:extLst>
+          </p:cNvPr>
+          <p:cNvSpPr/>
+          <p:nvPr/>
+        </p:nvSpPr>
+        <p:spPr>
+          <a:xfrm>
+            <a:off x="5145221" y="6398938"/>
+            <a:ext cx="159445" cy="159445"/>
+          </a:xfrm>
+          <a:prstGeom prst="ellipse">
+            <a:avLst/>
+          </a:prstGeom>
+          <a:ln>
+            <a:noFill/>
+          </a:ln>
+        </p:spPr>
+        <p:style>
+          <a:lnRef idx="2">
+            <a:schemeClr val="accent1">
+              <a:shade val="15000"/>
+            </a:schemeClr>
+          </a:lnRef>
+          <a:fillRef idx="1">
+            <a:schemeClr val="accent1"/>
+          </a:fillRef>
+          <a:effectRef idx="0">
+            <a:schemeClr val="accent1"/>
+          </a:effectRef>
+          <a:fontRef idx="minor">
+            <a:schemeClr val="lt1"/>
+          </a:fontRef>
+        </p:style>
+        <p:txBody>
+          <a:bodyPr rtlCol="0" anchor="ctr"/>
+          <a:lstStyle/>
+          <a:p>
+            <a:pPr algn="ctr"/>
+            <a:endParaRPr lang="zh-CN" altLang="en-US" sz="3189"/>
+          </a:p>
+        </p:txBody>
+      </p:sp>
+      <p:cxnSp>
+        <p:nvCxnSpPr>
+          <p:cNvPr id="56" name="连接符: 肘形 55">
+            <a:extLst>
+              <a:ext uri="{FF2B5EF4-FFF2-40B4-BE49-F238E27FC236}">
+                <a16:creationId xmlns:a16="http://schemas.microsoft.com/office/drawing/2014/main" id="{D8F41D0C-440F-8550-446D-22D36409B713}"/>
+              </a:ext>
+            </a:extLst>
+          </p:cNvPr>
+          <p:cNvCxnSpPr>
+            <a:cxnSpLocks/>
+            <a:stCxn id="46" idx="2"/>
+            <a:endCxn id="38" idx="2"/>
+          </p:cNvCxnSpPr>
+          <p:nvPr/>
+        </p:nvCxnSpPr>
+        <p:spPr>
+          <a:xfrm rot="10800000">
+            <a:off x="5034891" y="3272029"/>
+            <a:ext cx="110331" cy="3206632"/>
+          </a:xfrm>
+          <a:prstGeom prst="bentConnector3">
+            <a:avLst>
+              <a:gd name="adj1" fmla="val 2108638"/>
+            </a:avLst>
+          </a:prstGeom>
+          <a:ln>
+            <a:tailEnd type="triangle"/>
+          </a:ln>
+        </p:spPr>
+        <p:style>
+          <a:lnRef idx="2">
+            <a:schemeClr val="accent1"/>
+          </a:lnRef>
+          <a:fillRef idx="0">
+            <a:schemeClr val="accent1"/>
+          </a:fillRef>
+          <a:effectRef idx="1">
+            <a:schemeClr val="accent1"/>
+          </a:effectRef>
+          <a:fontRef idx="minor">
+            <a:schemeClr val="tx1"/>
+          </a:fontRef>
+        </p:style>
+      </p:cxnSp>
+      <p:cxnSp>
+        <p:nvCxnSpPr>
+          <p:cNvPr id="62" name="直接箭头连接符 61">
+            <a:extLst>
+              <a:ext uri="{FF2B5EF4-FFF2-40B4-BE49-F238E27FC236}">
+                <a16:creationId xmlns:a16="http://schemas.microsoft.com/office/drawing/2014/main" id="{1F39668D-C2D5-50D3-4E67-7CCA4D876BD1}"/>
+              </a:ext>
+            </a:extLst>
+          </p:cNvPr>
+          <p:cNvCxnSpPr>
+            <a:cxnSpLocks/>
+          </p:cNvCxnSpPr>
+          <p:nvPr/>
+        </p:nvCxnSpPr>
+        <p:spPr>
+          <a:xfrm flipH="1" flipV="1">
+            <a:off x="5177874" y="306952"/>
+            <a:ext cx="17991" cy="973024"/>
+          </a:xfrm>
+          <a:prstGeom prst="straightConnector1">
+            <a:avLst/>
+          </a:prstGeom>
+          <a:ln w="28575">
+            <a:tailEnd type="triangle"/>
+          </a:ln>
+        </p:spPr>
+        <p:style>
+          <a:lnRef idx="2">
+            <a:schemeClr val="accent1"/>
+          </a:lnRef>
+          <a:fillRef idx="0">
+            <a:schemeClr val="accent1"/>
+          </a:fillRef>
+          <a:effectRef idx="1">
+            <a:schemeClr val="accent1"/>
+          </a:effectRef>
+          <a:fontRef idx="minor">
+            <a:schemeClr val="tx1"/>
+          </a:fontRef>
+        </p:style>
+      </p:cxnSp>
+      <p:sp>
+        <p:nvSpPr>
+          <p:cNvPr id="63" name="矩形: 圆角 62">
+            <a:extLst>
+              <a:ext uri="{FF2B5EF4-FFF2-40B4-BE49-F238E27FC236}">
+                <a16:creationId xmlns:a16="http://schemas.microsoft.com/office/drawing/2014/main" id="{776D5104-732C-D78E-353D-A10BB9B939E1}"/>
+              </a:ext>
+            </a:extLst>
+          </p:cNvPr>
+          <p:cNvSpPr/>
+          <p:nvPr/>
+        </p:nvSpPr>
+        <p:spPr>
+          <a:xfrm>
+            <a:off x="13456414" y="2511299"/>
+            <a:ext cx="2761832" cy="948746"/>
+          </a:xfrm>
+          <a:prstGeom prst="roundRect">
+            <a:avLst>
+              <a:gd name="adj" fmla="val 0"/>
+            </a:avLst>
+          </a:prstGeom>
+          <a:solidFill>
+            <a:schemeClr val="bg2">
+              <a:lumMod val="90000"/>
+            </a:schemeClr>
+          </a:solidFill>
+          <a:ln>
+            <a:solidFill>
+              <a:schemeClr val="tx1"/>
+            </a:solidFill>
+          </a:ln>
+        </p:spPr>
+        <p:style>
+          <a:lnRef idx="2">
+            <a:schemeClr val="accent1">
+              <a:shade val="15000"/>
+            </a:schemeClr>
+          </a:lnRef>
+          <a:fillRef idx="1">
+            <a:schemeClr val="accent1"/>
+          </a:fillRef>
+          <a:effectRef idx="0">
+            <a:schemeClr val="accent1"/>
+          </a:effectRef>
+          <a:fontRef idx="minor">
+            <a:schemeClr val="lt1"/>
+          </a:fontRef>
+        </p:style>
+        <p:txBody>
+          <a:bodyPr rtlCol="0" anchor="ctr"/>
+          <a:lstStyle/>
+          <a:p>
+            <a:pPr algn="ctr"/>
+            <a:endParaRPr lang="zh-CN" altLang="en-US" sz="3189"/>
+          </a:p>
+        </p:txBody>
+      </p:sp>
+      <p:sp>
+        <p:nvSpPr>
+          <p:cNvPr id="65" name="矩形: 圆角 64">
+            <a:extLst>
+              <a:ext uri="{FF2B5EF4-FFF2-40B4-BE49-F238E27FC236}">
+                <a16:creationId xmlns:a16="http://schemas.microsoft.com/office/drawing/2014/main" id="{BDFF32E6-E7E8-21A8-7D5D-EA49CD9B3DF7}"/>
+              </a:ext>
+            </a:extLst>
+          </p:cNvPr>
+          <p:cNvSpPr/>
+          <p:nvPr/>
+        </p:nvSpPr>
+        <p:spPr>
+          <a:xfrm>
+            <a:off x="13456413" y="4903119"/>
+            <a:ext cx="2761833" cy="835060"/>
+          </a:xfrm>
+          <a:prstGeom prst="roundRect">
+            <a:avLst>
+              <a:gd name="adj" fmla="val 0"/>
+            </a:avLst>
+          </a:prstGeom>
+          <a:solidFill>
+            <a:schemeClr val="tx2">
+              <a:lumMod val="10000"/>
+              <a:lumOff val="90000"/>
+            </a:schemeClr>
+          </a:solidFill>
+          <a:ln>
+            <a:solidFill>
+              <a:schemeClr val="tx1"/>
+            </a:solidFill>
+          </a:ln>
+        </p:spPr>
+        <p:style>
+          <a:lnRef idx="2">
+            <a:schemeClr val="accent1">
+              <a:shade val="15000"/>
+            </a:schemeClr>
+          </a:lnRef>
+          <a:fillRef idx="1">
+            <a:schemeClr val="accent1"/>
+          </a:fillRef>
+          <a:effectRef idx="0">
+            <a:schemeClr val="accent1"/>
+          </a:effectRef>
+          <a:fontRef idx="minor">
+            <a:schemeClr val="lt1"/>
+          </a:fontRef>
+        </p:style>
+        <p:txBody>
+          <a:bodyPr rtlCol="0" anchor="ctr"/>
+          <a:lstStyle/>
+          <a:p>
+            <a:pPr algn="ctr"/>
+            <a:endParaRPr lang="zh-CN" altLang="en-US" sz="3189"/>
+          </a:p>
+        </p:txBody>
+      </p:sp>
+      <mc:AlternateContent xmlns:mc="http://schemas.openxmlformats.org/markup-compatibility/2006">
+        <mc:Choice xmlns:a14="http://schemas.microsoft.com/office/drawing/2010/main" Requires="a14">
+          <p:sp>
+            <p:nvSpPr>
+              <p:cNvPr id="66" name="文本框 65">
+                <a:extLst>
+                  <a:ext uri="{FF2B5EF4-FFF2-40B4-BE49-F238E27FC236}">
+                    <a16:creationId xmlns:a16="http://schemas.microsoft.com/office/drawing/2014/main" id="{177C1708-7496-D8AA-084F-90935D030CB2}"/>
+                  </a:ext>
+                </a:extLst>
+              </p:cNvPr>
+              <p:cNvSpPr txBox="1"/>
+              <p:nvPr/>
+            </p:nvSpPr>
+            <p:spPr>
+              <a:xfrm>
+                <a:off x="14434815" y="5028261"/>
+                <a:ext cx="805028" cy="584775"/>
+              </a:xfrm>
+              <a:prstGeom prst="rect">
+                <a:avLst/>
+              </a:prstGeom>
+              <a:noFill/>
+            </p:spPr>
+            <p:txBody>
+              <a:bodyPr wrap="none" rtlCol="0">
+                <a:spAutoFit/>
+              </a:bodyPr>
+              <a:lstStyle/>
+              <a:p>
+                <a:pPr/>
+                <a14:m>
+                  <m:oMathPara xmlns:m="http://schemas.openxmlformats.org/officeDocument/2006/math">
+                    <m:oMathParaPr>
+                      <m:jc m:val="centerGroup"/>
+                    </m:oMathParaPr>
+                    <m:oMath xmlns:m="http://schemas.openxmlformats.org/officeDocument/2006/math">
+                      <m:r>
+                        <m:rPr>
+                          <m:sty m:val="p"/>
+                        </m:rPr>
+                        <a:rPr lang="en-US" altLang="zh-CN" sz="3200" b="0" i="0" dirty="0" smtClean="0">
+                          <a:latin typeface="Cambria Math" panose="02040503050406030204" pitchFamily="18" charset="0"/>
+                          <a:ea typeface="微软雅黑" panose="020B0503020204020204" pitchFamily="34" charset="-122"/>
+                        </a:rPr>
+                        <m:t>LN</m:t>
+                      </m:r>
+                    </m:oMath>
+                  </m:oMathPara>
+                </a14:m>
+                <a:endParaRPr lang="zh-CN" altLang="en-US" sz="3600" dirty="0">
+                  <a:latin typeface="微软雅黑" panose="020B0503020204020204" pitchFamily="34" charset="-122"/>
+                  <a:ea typeface="微软雅黑" panose="020B0503020204020204" pitchFamily="34" charset="-122"/>
+                </a:endParaRPr>
+              </a:p>
+            </p:txBody>
+          </p:sp>
+        </mc:Choice>
+        <mc:Fallback>
+          <p:sp>
+            <p:nvSpPr>
+              <p:cNvPr id="66" name="文本框 65">
+                <a:extLst>
+                  <a:ext uri="{FF2B5EF4-FFF2-40B4-BE49-F238E27FC236}">
+                    <a16:creationId xmlns:a16="http://schemas.microsoft.com/office/drawing/2014/main" id="{177C1708-7496-D8AA-084F-90935D030CB2}"/>
+                  </a:ext>
+                </a:extLst>
+              </p:cNvPr>
+              <p:cNvSpPr txBox="1">
+                <a:spLocks noRot="1" noChangeAspect="1" noMove="1" noResize="1" noEditPoints="1" noAdjustHandles="1" noChangeArrowheads="1" noChangeShapeType="1" noTextEdit="1"/>
+              </p:cNvSpPr>
+              <p:nvPr/>
+            </p:nvSpPr>
+            <p:spPr>
+              <a:xfrm>
+                <a:off x="14434815" y="5028261"/>
+                <a:ext cx="805028" cy="584775"/>
+              </a:xfrm>
+              <a:prstGeom prst="rect">
+                <a:avLst/>
+              </a:prstGeom>
+              <a:blipFill>
+                <a:blip r:embed="rId5"/>
+                <a:stretch>
+                  <a:fillRect/>
+                </a:stretch>
+              </a:blipFill>
+            </p:spPr>
+            <p:txBody>
+              <a:bodyPr/>
+              <a:lstStyle/>
+              <a:p>
+                <a:r>
+                  <a:rPr lang="zh-CN" altLang="en-US">
+                    <a:noFill/>
+                  </a:rPr>
+                  <a:t> </a:t>
+                </a:r>
+              </a:p>
+            </p:txBody>
+          </p:sp>
+        </mc:Fallback>
+      </mc:AlternateContent>
+      <p:cxnSp>
+        <p:nvCxnSpPr>
+          <p:cNvPr id="67" name="直接箭头连接符 66">
+            <a:extLst>
+              <a:ext uri="{FF2B5EF4-FFF2-40B4-BE49-F238E27FC236}">
+                <a16:creationId xmlns:a16="http://schemas.microsoft.com/office/drawing/2014/main" id="{1D9723F0-E683-1F03-7CE7-77E013BDDDF7}"/>
+              </a:ext>
+            </a:extLst>
+          </p:cNvPr>
+          <p:cNvCxnSpPr>
+            <a:cxnSpLocks/>
+            <a:stCxn id="68" idx="0"/>
+            <a:endCxn id="65" idx="2"/>
+          </p:cNvCxnSpPr>
+          <p:nvPr/>
+        </p:nvCxnSpPr>
+        <p:spPr>
+          <a:xfrm flipH="1" flipV="1">
+            <a:off x="14837330" y="5738179"/>
+            <a:ext cx="62" cy="1215034"/>
+          </a:xfrm>
+          <a:prstGeom prst="straightConnector1">
+            <a:avLst/>
+          </a:prstGeom>
+          <a:ln w="28575">
+            <a:tailEnd type="triangle"/>
+          </a:ln>
+        </p:spPr>
+        <p:style>
+          <a:lnRef idx="2">
+            <a:schemeClr val="accent1"/>
+          </a:lnRef>
+          <a:fillRef idx="0">
+            <a:schemeClr val="accent1"/>
+          </a:fillRef>
+          <a:effectRef idx="1">
+            <a:schemeClr val="accent1"/>
+          </a:effectRef>
+          <a:fontRef idx="minor">
+            <a:schemeClr val="tx1"/>
+          </a:fontRef>
+        </p:style>
+      </p:cxnSp>
+      <mc:AlternateContent xmlns:mc="http://schemas.openxmlformats.org/markup-compatibility/2006">
+        <mc:Choice xmlns:a14="http://schemas.microsoft.com/office/drawing/2010/main" Requires="a14">
+          <p:sp>
+            <p:nvSpPr>
+              <p:cNvPr id="68" name="文本框 67">
+                <a:extLst>
+                  <a:ext uri="{FF2B5EF4-FFF2-40B4-BE49-F238E27FC236}">
+                    <a16:creationId xmlns:a16="http://schemas.microsoft.com/office/drawing/2014/main" id="{3049EFE7-5E96-62CA-B38A-FA72F1B385D8}"/>
+                  </a:ext>
+                </a:extLst>
+              </p:cNvPr>
+              <p:cNvSpPr txBox="1"/>
+              <p:nvPr/>
+            </p:nvSpPr>
+            <p:spPr>
+              <a:xfrm>
+                <a:off x="14677091" y="6953213"/>
+                <a:ext cx="320601" cy="492443"/>
+              </a:xfrm>
+              <a:prstGeom prst="rect">
+                <a:avLst/>
+              </a:prstGeom>
+              <a:noFill/>
+            </p:spPr>
+            <p:txBody>
+              <a:bodyPr wrap="none" lIns="0" tIns="0" rIns="0" bIns="0" rtlCol="0">
+                <a:spAutoFit/>
+              </a:bodyPr>
+              <a:lstStyle/>
+              <a:p>
+                <a14:m>
+                  <m:oMathPara xmlns:m="http://schemas.openxmlformats.org/officeDocument/2006/math">
+                    <m:oMathParaPr>
+                      <m:jc m:val="centerGroup"/>
+                    </m:oMathParaPr>
+                    <m:oMath xmlns:m="http://schemas.openxmlformats.org/officeDocument/2006/math">
+                      <m:r>
+                        <a:rPr lang="en-US" altLang="zh-CN" sz="3200" b="1" i="1" smtClean="0">
+                          <a:latin typeface="Cambria Math" panose="02040503050406030204" pitchFamily="18" charset="0"/>
+                        </a:rPr>
+                        <m:t>𝒙</m:t>
+                      </m:r>
+                    </m:oMath>
+                  </m:oMathPara>
+                </a14:m>
+                <a:endParaRPr lang="zh-CN" altLang="en-US" sz="2800" b="1" dirty="0"/>
+              </a:p>
+            </p:txBody>
+          </p:sp>
+        </mc:Choice>
+        <mc:Fallback>
+          <p:sp>
+            <p:nvSpPr>
+              <p:cNvPr id="68" name="文本框 67">
+                <a:extLst>
+                  <a:ext uri="{FF2B5EF4-FFF2-40B4-BE49-F238E27FC236}">
+                    <a16:creationId xmlns:a16="http://schemas.microsoft.com/office/drawing/2014/main" id="{3049EFE7-5E96-62CA-B38A-FA72F1B385D8}"/>
+                  </a:ext>
+                </a:extLst>
+              </p:cNvPr>
+              <p:cNvSpPr txBox="1">
+                <a:spLocks noRot="1" noChangeAspect="1" noMove="1" noResize="1" noEditPoints="1" noAdjustHandles="1" noChangeArrowheads="1" noChangeShapeType="1" noTextEdit="1"/>
+              </p:cNvSpPr>
+              <p:nvPr/>
+            </p:nvSpPr>
+            <p:spPr>
+              <a:xfrm>
+                <a:off x="14677091" y="6953213"/>
+                <a:ext cx="320601" cy="492443"/>
+              </a:xfrm>
+              <a:prstGeom prst="rect">
+                <a:avLst/>
+              </a:prstGeom>
+              <a:blipFill>
+                <a:blip r:embed="rId6"/>
+                <a:stretch>
+                  <a:fillRect/>
+                </a:stretch>
+              </a:blipFill>
+            </p:spPr>
+            <p:txBody>
+              <a:bodyPr/>
+              <a:lstStyle/>
+              <a:p>
+                <a:r>
+                  <a:rPr lang="zh-CN" altLang="en-US">
+                    <a:noFill/>
+                  </a:rPr>
+                  <a:t> </a:t>
+                </a:r>
+              </a:p>
+            </p:txBody>
+          </p:sp>
+        </mc:Fallback>
+      </mc:AlternateContent>
+      <p:cxnSp>
+        <p:nvCxnSpPr>
+          <p:cNvPr id="69" name="连接符: 曲线 68">
+            <a:extLst>
+              <a:ext uri="{FF2B5EF4-FFF2-40B4-BE49-F238E27FC236}">
+                <a16:creationId xmlns:a16="http://schemas.microsoft.com/office/drawing/2014/main" id="{FE5DC398-B802-92FF-85D1-3A980DE53F75}"/>
+              </a:ext>
+            </a:extLst>
+          </p:cNvPr>
+          <p:cNvCxnSpPr>
+            <a:cxnSpLocks/>
+          </p:cNvCxnSpPr>
+          <p:nvPr/>
+        </p:nvCxnSpPr>
+        <p:spPr>
+          <a:xfrm rot="5400000" flipH="1" flipV="1">
+            <a:off x="14840243" y="2525296"/>
+            <a:ext cx="933" cy="1836086"/>
+          </a:xfrm>
+          <a:prstGeom prst="curvedConnector3">
+            <a:avLst>
+              <a:gd name="adj1" fmla="val -79812326"/>
+            </a:avLst>
+          </a:prstGeom>
+          <a:ln w="28575">
+            <a:headEnd type="triangle"/>
+            <a:tailEnd type="triangle"/>
+          </a:ln>
+        </p:spPr>
+        <p:style>
+          <a:lnRef idx="2">
+            <a:schemeClr val="accent1"/>
+          </a:lnRef>
+          <a:fillRef idx="0">
+            <a:schemeClr val="accent1"/>
+          </a:fillRef>
+          <a:effectRef idx="1">
+            <a:schemeClr val="accent1"/>
+          </a:effectRef>
+          <a:fontRef idx="minor">
+            <a:schemeClr val="tx1"/>
+          </a:fontRef>
+        </p:style>
+      </p:cxnSp>
+      <p:grpSp>
+        <p:nvGrpSpPr>
+          <p:cNvPr id="70" name="组合 69">
+            <a:extLst>
+              <a:ext uri="{FF2B5EF4-FFF2-40B4-BE49-F238E27FC236}">
+                <a16:creationId xmlns:a16="http://schemas.microsoft.com/office/drawing/2014/main" id="{C432945C-8E79-7F45-6DF8-5D19BF6DB8C0}"/>
+              </a:ext>
+            </a:extLst>
+          </p:cNvPr>
+          <p:cNvGrpSpPr/>
+          <p:nvPr/>
+        </p:nvGrpSpPr>
+        <p:grpSpPr>
+          <a:xfrm>
+            <a:off x="14639036" y="1262141"/>
+            <a:ext cx="360000" cy="363969"/>
+            <a:chOff x="5281075" y="4315800"/>
+            <a:chExt cx="360000" cy="363969"/>
+          </a:xfrm>
+        </p:grpSpPr>
+        <p:sp>
+          <p:nvSpPr>
+            <p:cNvPr id="71" name="加号 70">
+              <a:extLst>
+                <a:ext uri="{FF2B5EF4-FFF2-40B4-BE49-F238E27FC236}">
+                  <a16:creationId xmlns:a16="http://schemas.microsoft.com/office/drawing/2014/main" id="{B409294F-399F-0403-A18D-B71BB27945C1}"/>
+                </a:ext>
+              </a:extLst>
+            </p:cNvPr>
+            <p:cNvSpPr/>
+            <p:nvPr/>
+          </p:nvSpPr>
+          <p:spPr>
+            <a:xfrm>
+              <a:off x="5281075" y="4319769"/>
+              <a:ext cx="360000" cy="360000"/>
+            </a:xfrm>
+            <a:prstGeom prst="mathPlus">
+              <a:avLst>
+                <a:gd name="adj1" fmla="val 12933"/>
+              </a:avLst>
+            </a:prstGeom>
+            <a:noFill/>
+          </p:spPr>
+          <p:style>
+            <a:lnRef idx="2">
+              <a:schemeClr val="accent1">
+                <a:shade val="15000"/>
+              </a:schemeClr>
+            </a:lnRef>
+            <a:fillRef idx="1">
+              <a:schemeClr val="accent1"/>
+            </a:fillRef>
+            <a:effectRef idx="0">
+              <a:schemeClr val="accent1"/>
+            </a:effectRef>
+            <a:fontRef idx="minor">
+              <a:schemeClr val="lt1"/>
+            </a:fontRef>
+          </p:style>
+          <p:txBody>
+            <a:bodyPr rtlCol="0" anchor="ctr"/>
+            <a:lstStyle/>
+            <a:p>
+              <a:pPr algn="ctr"/>
+              <a:endParaRPr lang="zh-CN" altLang="en-US"/>
+            </a:p>
+          </p:txBody>
+        </p:sp>
+        <p:sp>
+          <p:nvSpPr>
+            <p:cNvPr id="72" name="椭圆 71">
+              <a:extLst>
+                <a:ext uri="{FF2B5EF4-FFF2-40B4-BE49-F238E27FC236}">
+                  <a16:creationId xmlns:a16="http://schemas.microsoft.com/office/drawing/2014/main" id="{CF367F5D-B565-740E-FC03-0F80CA6CBAD3}"/>
+                </a:ext>
+              </a:extLst>
+            </p:cNvPr>
+            <p:cNvSpPr/>
+            <p:nvPr/>
+          </p:nvSpPr>
+          <p:spPr>
+            <a:xfrm>
+              <a:off x="5281075" y="4315800"/>
+              <a:ext cx="360000" cy="360000"/>
+            </a:xfrm>
+            <a:prstGeom prst="ellipse">
+              <a:avLst/>
+            </a:prstGeom>
+            <a:noFill/>
+          </p:spPr>
+          <p:style>
+            <a:lnRef idx="2">
+              <a:schemeClr val="accent1">
+                <a:shade val="15000"/>
+              </a:schemeClr>
+            </a:lnRef>
+            <a:fillRef idx="1">
+              <a:schemeClr val="accent1"/>
+            </a:fillRef>
+            <a:effectRef idx="0">
+              <a:schemeClr val="accent1"/>
+            </a:effectRef>
+            <a:fontRef idx="minor">
+              <a:schemeClr val="lt1"/>
+            </a:fontRef>
+          </p:style>
+          <p:txBody>
+            <a:bodyPr rtlCol="0" anchor="ctr"/>
+            <a:lstStyle/>
+            <a:p>
+              <a:pPr algn="ctr"/>
+              <a:endParaRPr lang="zh-CN" altLang="en-US"/>
+            </a:p>
+          </p:txBody>
+        </p:sp>
+      </p:grpSp>
+      <p:cxnSp>
+        <p:nvCxnSpPr>
+          <p:cNvPr id="73" name="直接箭头连接符 72">
+            <a:extLst>
+              <a:ext uri="{FF2B5EF4-FFF2-40B4-BE49-F238E27FC236}">
+                <a16:creationId xmlns:a16="http://schemas.microsoft.com/office/drawing/2014/main" id="{BA65B4C5-F4F3-4CCE-B4CA-554702B655B2}"/>
+              </a:ext>
+            </a:extLst>
+          </p:cNvPr>
+          <p:cNvCxnSpPr>
+            <a:cxnSpLocks/>
+            <a:stCxn id="63" idx="0"/>
+            <a:endCxn id="72" idx="4"/>
+          </p:cNvCxnSpPr>
+          <p:nvPr/>
+        </p:nvCxnSpPr>
+        <p:spPr>
+          <a:xfrm flipH="1" flipV="1">
+            <a:off x="14819036" y="1622141"/>
+            <a:ext cx="18294" cy="889158"/>
+          </a:xfrm>
+          <a:prstGeom prst="straightConnector1">
+            <a:avLst/>
+          </a:prstGeom>
+          <a:ln w="28575">
+            <a:tailEnd type="triangle"/>
+          </a:ln>
+        </p:spPr>
+        <p:style>
+          <a:lnRef idx="2">
+            <a:schemeClr val="accent1"/>
+          </a:lnRef>
+          <a:fillRef idx="0">
+            <a:schemeClr val="accent1"/>
+          </a:fillRef>
+          <a:effectRef idx="1">
+            <a:schemeClr val="accent1"/>
+          </a:effectRef>
+          <a:fontRef idx="minor">
+            <a:schemeClr val="tx1"/>
+          </a:fontRef>
+        </p:style>
+      </p:cxnSp>
+      <p:cxnSp>
+        <p:nvCxnSpPr>
+          <p:cNvPr id="74" name="直接箭头连接符 73">
+            <a:extLst>
+              <a:ext uri="{FF2B5EF4-FFF2-40B4-BE49-F238E27FC236}">
+                <a16:creationId xmlns:a16="http://schemas.microsoft.com/office/drawing/2014/main" id="{337231D1-36EB-E5D5-1E46-A4EB0594BAE3}"/>
+              </a:ext>
+            </a:extLst>
+          </p:cNvPr>
+          <p:cNvCxnSpPr>
+            <a:cxnSpLocks/>
+            <a:stCxn id="65" idx="0"/>
+            <a:endCxn id="63" idx="2"/>
+          </p:cNvCxnSpPr>
+          <p:nvPr/>
+        </p:nvCxnSpPr>
+        <p:spPr>
+          <a:xfrm flipV="1">
+            <a:off x="14837330" y="3460045"/>
+            <a:ext cx="0" cy="1443074"/>
+          </a:xfrm>
+          <a:prstGeom prst="straightConnector1">
+            <a:avLst/>
+          </a:prstGeom>
+          <a:ln w="28575">
+            <a:tailEnd type="triangle"/>
+          </a:ln>
+        </p:spPr>
+        <p:style>
+          <a:lnRef idx="2">
+            <a:schemeClr val="accent1"/>
+          </a:lnRef>
+          <a:fillRef idx="0">
+            <a:schemeClr val="accent1"/>
+          </a:fillRef>
+          <a:effectRef idx="1">
+            <a:schemeClr val="accent1"/>
+          </a:effectRef>
+          <a:fontRef idx="minor">
+            <a:schemeClr val="tx1"/>
+          </a:fontRef>
+        </p:style>
+      </p:cxnSp>
+      <p:sp>
+        <p:nvSpPr>
+          <p:cNvPr id="75" name="椭圆 74">
+            <a:extLst>
+              <a:ext uri="{FF2B5EF4-FFF2-40B4-BE49-F238E27FC236}">
+                <a16:creationId xmlns:a16="http://schemas.microsoft.com/office/drawing/2014/main" id="{98CB8760-064D-E0CB-538F-D713D77479B0}"/>
+              </a:ext>
+            </a:extLst>
+          </p:cNvPr>
+          <p:cNvSpPr/>
+          <p:nvPr/>
+        </p:nvSpPr>
+        <p:spPr>
+          <a:xfrm>
+            <a:off x="14760252" y="6394969"/>
+            <a:ext cx="159445" cy="159445"/>
+          </a:xfrm>
+          <a:prstGeom prst="ellipse">
+            <a:avLst/>
+          </a:prstGeom>
+          <a:ln>
+            <a:noFill/>
+          </a:ln>
+        </p:spPr>
+        <p:style>
+          <a:lnRef idx="2">
+            <a:schemeClr val="accent1">
+              <a:shade val="15000"/>
+            </a:schemeClr>
+          </a:lnRef>
+          <a:fillRef idx="1">
+            <a:schemeClr val="accent1"/>
+          </a:fillRef>
+          <a:effectRef idx="0">
+            <a:schemeClr val="accent1"/>
+          </a:effectRef>
+          <a:fontRef idx="minor">
+            <a:schemeClr val="lt1"/>
+          </a:fontRef>
+        </p:style>
+        <p:txBody>
+          <a:bodyPr rtlCol="0" anchor="ctr"/>
+          <a:lstStyle/>
+          <a:p>
+            <a:pPr algn="ctr"/>
+            <a:endParaRPr lang="zh-CN" altLang="en-US" sz="3189"/>
+          </a:p>
+        </p:txBody>
+      </p:sp>
+      <p:cxnSp>
+        <p:nvCxnSpPr>
+          <p:cNvPr id="76" name="连接符: 肘形 75">
+            <a:extLst>
+              <a:ext uri="{FF2B5EF4-FFF2-40B4-BE49-F238E27FC236}">
+                <a16:creationId xmlns:a16="http://schemas.microsoft.com/office/drawing/2014/main" id="{3E66B92B-2D71-BA18-1CBC-33D8717190AC}"/>
+              </a:ext>
+            </a:extLst>
+          </p:cNvPr>
+          <p:cNvCxnSpPr>
+            <a:cxnSpLocks/>
+            <a:stCxn id="75" idx="6"/>
+            <a:endCxn id="72" idx="6"/>
+          </p:cNvCxnSpPr>
+          <p:nvPr/>
+        </p:nvCxnSpPr>
+        <p:spPr>
+          <a:xfrm flipV="1">
+            <a:off x="14919697" y="1442141"/>
+            <a:ext cx="79339" cy="5032551"/>
+          </a:xfrm>
+          <a:prstGeom prst="bentConnector3">
+            <a:avLst>
+              <a:gd name="adj1" fmla="val 3161032"/>
+            </a:avLst>
+          </a:prstGeom>
+          <a:ln>
+            <a:tailEnd type="triangle"/>
+          </a:ln>
+        </p:spPr>
+        <p:style>
+          <a:lnRef idx="2">
+            <a:schemeClr val="accent1"/>
+          </a:lnRef>
+          <a:fillRef idx="0">
+            <a:schemeClr val="accent1"/>
+          </a:fillRef>
+          <a:effectRef idx="1">
+            <a:schemeClr val="accent1"/>
+          </a:effectRef>
+          <a:fontRef idx="minor">
+            <a:schemeClr val="tx1"/>
+          </a:fontRef>
+        </p:style>
+      </p:cxnSp>
+      <p:cxnSp>
+        <p:nvCxnSpPr>
+          <p:cNvPr id="77" name="直接箭头连接符 76">
+            <a:extLst>
+              <a:ext uri="{FF2B5EF4-FFF2-40B4-BE49-F238E27FC236}">
+                <a16:creationId xmlns:a16="http://schemas.microsoft.com/office/drawing/2014/main" id="{D98DD9A7-053E-8342-49EF-3A7900918C1D}"/>
+              </a:ext>
+            </a:extLst>
+          </p:cNvPr>
+          <p:cNvCxnSpPr>
+            <a:cxnSpLocks/>
+          </p:cNvCxnSpPr>
+          <p:nvPr/>
+        </p:nvCxnSpPr>
+        <p:spPr>
+          <a:xfrm flipH="1" flipV="1">
+            <a:off x="14799658" y="281737"/>
+            <a:ext cx="17991" cy="973024"/>
+          </a:xfrm>
+          <a:prstGeom prst="straightConnector1">
+            <a:avLst/>
+          </a:prstGeom>
+          <a:ln w="28575">
+            <a:tailEnd type="triangle"/>
+          </a:ln>
+        </p:spPr>
+        <p:style>
+          <a:lnRef idx="2">
+            <a:schemeClr val="accent1"/>
+          </a:lnRef>
+          <a:fillRef idx="0">
+            <a:schemeClr val="accent1"/>
+          </a:fillRef>
+          <a:effectRef idx="1">
+            <a:schemeClr val="accent1"/>
+          </a:effectRef>
+          <a:fontRef idx="minor">
+            <a:schemeClr val="tx1"/>
+          </a:fontRef>
+        </p:style>
+      </p:cxnSp>
+      <mc:AlternateContent xmlns:mc="http://schemas.openxmlformats.org/markup-compatibility/2006">
+        <mc:Choice xmlns:a14="http://schemas.microsoft.com/office/drawing/2010/main" Requires="a14">
+          <p:sp>
+            <p:nvSpPr>
+              <p:cNvPr id="93" name="文本框 92">
+                <a:extLst>
+                  <a:ext uri="{FF2B5EF4-FFF2-40B4-BE49-F238E27FC236}">
+                    <a16:creationId xmlns:a16="http://schemas.microsoft.com/office/drawing/2014/main" id="{294050B4-EB6D-AEB7-5CCB-020E76D1A0CA}"/>
+                  </a:ext>
+                </a:extLst>
+              </p:cNvPr>
+              <p:cNvSpPr txBox="1"/>
+              <p:nvPr/>
+            </p:nvSpPr>
+            <p:spPr>
+              <a:xfrm>
+                <a:off x="13960318" y="2696669"/>
+                <a:ext cx="1810111" cy="584775"/>
+              </a:xfrm>
+              <a:prstGeom prst="rect">
+                <a:avLst/>
+              </a:prstGeom>
+              <a:noFill/>
+            </p:spPr>
+            <p:txBody>
+              <a:bodyPr wrap="none" rtlCol="0">
+                <a:spAutoFit/>
+              </a:bodyPr>
+              <a:lstStyle/>
+              <a:p>
+                <a:pPr/>
+                <a14:m>
+                  <m:oMathPara xmlns:m="http://schemas.openxmlformats.org/officeDocument/2006/math">
+                    <m:oMathParaPr>
+                      <m:jc m:val="centerGroup"/>
+                    </m:oMathParaPr>
+                    <m:oMath xmlns:m="http://schemas.openxmlformats.org/officeDocument/2006/math">
+                      <m:r>
+                        <m:rPr>
+                          <m:sty m:val="p"/>
+                        </m:rPr>
+                        <a:rPr lang="en-US" altLang="zh-CN" sz="3200" b="0" i="0" dirty="0" smtClean="0">
+                          <a:latin typeface="Cambria Math" panose="02040503050406030204" pitchFamily="18" charset="0"/>
+                          <a:ea typeface="微软雅黑" panose="020B0503020204020204" pitchFamily="34" charset="-122"/>
+                        </a:rPr>
+                        <m:t>MHA</m:t>
+                      </m:r>
+                      <m:r>
+                        <a:rPr lang="en-US" altLang="zh-CN" sz="3200" b="0" i="0" dirty="0" smtClean="0">
+                          <a:latin typeface="Cambria Math" panose="02040503050406030204" pitchFamily="18" charset="0"/>
+                          <a:ea typeface="微软雅黑" panose="020B0503020204020204" pitchFamily="34" charset="-122"/>
+                        </a:rPr>
+                        <m:t> </m:t>
+                      </m:r>
+                      <m:d>
+                        <m:dPr>
+                          <m:ctrlPr>
+                            <a:rPr lang="en-US" altLang="zh-CN" sz="3200" b="0" i="1" dirty="0" smtClean="0">
+                              <a:latin typeface="Cambria Math" panose="02040503050406030204" pitchFamily="18" charset="0"/>
+                              <a:ea typeface="微软雅黑" panose="020B0503020204020204" pitchFamily="34" charset="-122"/>
+                            </a:rPr>
+                          </m:ctrlPr>
+                        </m:dPr>
+                        <m:e>
+                          <m:r>
+                            <a:rPr lang="en-US" altLang="zh-CN" sz="3200" b="0" i="1" dirty="0" smtClean="0">
+                              <a:latin typeface="Cambria Math" panose="02040503050406030204" pitchFamily="18" charset="0"/>
+                              <a:ea typeface="微软雅黑" panose="020B0503020204020204" pitchFamily="34" charset="-122"/>
+                            </a:rPr>
+                            <m:t>𝑓</m:t>
+                          </m:r>
+                        </m:e>
+                      </m:d>
+                    </m:oMath>
+                  </m:oMathPara>
+                </a14:m>
+                <a:endParaRPr dirty="0"/>
+              </a:p>
+            </p:txBody>
+          </p:sp>
+        </mc:Choice>
+        <mc:Fallback>
+          <p:sp>
+            <p:nvSpPr>
+              <p:cNvPr id="93" name="文本框 92">
+                <a:extLst>
+                  <a:ext uri="{FF2B5EF4-FFF2-40B4-BE49-F238E27FC236}">
+                    <a16:creationId xmlns:a16="http://schemas.microsoft.com/office/drawing/2014/main" id="{294050B4-EB6D-AEB7-5CCB-020E76D1A0CA}"/>
+                  </a:ext>
+                </a:extLst>
+              </p:cNvPr>
+              <p:cNvSpPr txBox="1">
+                <a:spLocks noRot="1" noChangeAspect="1" noMove="1" noResize="1" noEditPoints="1" noAdjustHandles="1" noChangeArrowheads="1" noChangeShapeType="1" noTextEdit="1"/>
+              </p:cNvSpPr>
+              <p:nvPr/>
+            </p:nvSpPr>
+            <p:spPr>
+              <a:xfrm>
+                <a:off x="13960318" y="2696669"/>
+                <a:ext cx="1810111" cy="584775"/>
+              </a:xfrm>
+              <a:prstGeom prst="rect">
+                <a:avLst/>
+              </a:prstGeom>
+              <a:blipFill>
+                <a:blip r:embed="rId7"/>
+                <a:stretch>
+                  <a:fillRect/>
+                </a:stretch>
+              </a:blipFill>
+            </p:spPr>
+            <p:txBody>
+              <a:bodyPr/>
+              <a:lstStyle/>
+              <a:p>
+                <a:r>
+                  <a:rPr lang="zh-CN" altLang="en-US">
+                    <a:noFill/>
+                  </a:rPr>
+                  <a:t> </a:t>
+                </a:r>
+              </a:p>
+            </p:txBody>
+          </p:sp>
+        </mc:Fallback>
+      </mc:AlternateContent>
+      <p:cxnSp>
+        <p:nvCxnSpPr>
+          <p:cNvPr id="95" name="直接连接符 94">
+            <a:extLst>
+              <a:ext uri="{FF2B5EF4-FFF2-40B4-BE49-F238E27FC236}">
+                <a16:creationId xmlns:a16="http://schemas.microsoft.com/office/drawing/2014/main" id="{4ECF935C-B97C-60F9-A4C2-8F40AFF302E1}"/>
+              </a:ext>
+            </a:extLst>
+          </p:cNvPr>
+          <p:cNvCxnSpPr>
+            <a:cxnSpLocks/>
+          </p:cNvCxnSpPr>
+          <p:nvPr/>
+        </p:nvCxnSpPr>
+        <p:spPr>
+          <a:xfrm rot="2700000">
+            <a:off x="6362311" y="540375"/>
+            <a:ext cx="7560000" cy="7560000"/>
+          </a:xfrm>
+          <a:prstGeom prst="line">
+            <a:avLst/>
+          </a:prstGeom>
+          <a:ln w="19050">
+            <a:prstDash val="dash"/>
+          </a:ln>
+        </p:spPr>
+        <p:style>
+          <a:lnRef idx="2">
+            <a:schemeClr val="accent1"/>
+          </a:lnRef>
+          <a:fillRef idx="0">
+            <a:schemeClr val="accent1"/>
+          </a:fillRef>
+          <a:effectRef idx="1">
+            <a:schemeClr val="accent1"/>
+          </a:effectRef>
+          <a:fontRef idx="minor">
+            <a:schemeClr val="tx1"/>
+          </a:fontRef>
+        </p:style>
+      </p:cxnSp>
+      <p:sp>
+        <p:nvSpPr>
+          <p:cNvPr id="104" name="文本框 103">
+            <a:extLst>
+              <a:ext uri="{FF2B5EF4-FFF2-40B4-BE49-F238E27FC236}">
+                <a16:creationId xmlns:a16="http://schemas.microsoft.com/office/drawing/2014/main" id="{120485C2-3AB9-14D4-F7B8-4AC5F71B7C87}"/>
+              </a:ext>
+            </a:extLst>
+          </p:cNvPr>
+          <p:cNvSpPr txBox="1"/>
+          <p:nvPr/>
+        </p:nvSpPr>
+        <p:spPr>
+          <a:xfrm>
+            <a:off x="4371787" y="7810772"/>
+            <a:ext cx="1612173" cy="523220"/>
+          </a:xfrm>
+          <a:prstGeom prst="rect">
+            <a:avLst/>
+          </a:prstGeom>
+          <a:noFill/>
+        </p:spPr>
+        <p:txBody>
+          <a:bodyPr wrap="none" rtlCol="0">
+            <a:spAutoFit/>
+          </a:bodyPr>
+          <a:lstStyle/>
+          <a:p>
+            <a:r>
+              <a:rPr lang="en-US" altLang="zh-CN" sz="2800" b="1" dirty="0">
+                <a:latin typeface="微软雅黑" panose="020B0503020204020204" pitchFamily="34" charset="-122"/>
+                <a:ea typeface="微软雅黑" panose="020B0503020204020204" pitchFamily="34" charset="-122"/>
+              </a:rPr>
+              <a:t>Post-LN</a:t>
+            </a:r>
+            <a:endParaRPr lang="zh-CN" altLang="en-US" sz="2800" b="1" dirty="0">
+              <a:latin typeface="微软雅黑" panose="020B0503020204020204" pitchFamily="34" charset="-122"/>
+              <a:ea typeface="微软雅黑" panose="020B0503020204020204" pitchFamily="34" charset="-122"/>
+            </a:endParaRPr>
+          </a:p>
+        </p:txBody>
+      </p:sp>
+      <p:sp>
+        <p:nvSpPr>
+          <p:cNvPr id="105" name="文本框 104">
+            <a:extLst>
+              <a:ext uri="{FF2B5EF4-FFF2-40B4-BE49-F238E27FC236}">
+                <a16:creationId xmlns:a16="http://schemas.microsoft.com/office/drawing/2014/main" id="{B86D8A80-748A-A490-1519-562DAF7ED469}"/>
+              </a:ext>
+            </a:extLst>
+          </p:cNvPr>
+          <p:cNvSpPr txBox="1"/>
+          <p:nvPr/>
+        </p:nvSpPr>
+        <p:spPr>
+          <a:xfrm>
+            <a:off x="14089610" y="7810772"/>
+            <a:ext cx="1438086" cy="523220"/>
+          </a:xfrm>
+          <a:prstGeom prst="rect">
+            <a:avLst/>
+          </a:prstGeom>
+          <a:noFill/>
+        </p:spPr>
+        <p:txBody>
+          <a:bodyPr wrap="none" rtlCol="0">
+            <a:spAutoFit/>
+          </a:bodyPr>
+          <a:lstStyle/>
+          <a:p>
+            <a:r>
+              <a:rPr lang="en-US" altLang="zh-CN" sz="2800" b="1" dirty="0">
+                <a:latin typeface="微软雅黑" panose="020B0503020204020204" pitchFamily="34" charset="-122"/>
+                <a:ea typeface="微软雅黑" panose="020B0503020204020204" pitchFamily="34" charset="-122"/>
+              </a:rPr>
+              <a:t>Pre-LN</a:t>
+            </a:r>
+            <a:endParaRPr lang="zh-CN" altLang="en-US" sz="2800" b="1" dirty="0">
+              <a:latin typeface="微软雅黑" panose="020B0503020204020204" pitchFamily="34" charset="-122"/>
+              <a:ea typeface="微软雅黑" panose="020B0503020204020204" pitchFamily="34" charset="-122"/>
+            </a:endParaRPr>
+          </a:p>
+        </p:txBody>
+      </p:sp>
+    </p:spTree>
+    <p:extLst>
+      <p:ext uri="{BB962C8B-B14F-4D97-AF65-F5344CB8AC3E}">
+        <p14:creationId xmlns:p14="http://schemas.microsoft.com/office/powerpoint/2010/main" val="2440038490"/>
       </p:ext>
     </p:extLst>
   </p:cSld>

--- a/images/posts/2025-03-02-blog-post/新建 Microsoft PowerPoint 演示文稿.pptx
+++ b/images/posts/2025-03-02-blog-post/新建 Microsoft PowerPoint 演示文稿.pptx
@@ -202,7 +202,7 @@
           <a:p>
             <a:fld id="{06A7EE91-92E7-4CCB-9ABC-2651A01142F8}" type="datetimeFigureOut">
               <a:rPr lang="zh-CN" altLang="en-US" smtClean="0"/>
-              <a:t>2025/9/17</a:t>
+              <a:t>2025/9/26</a:t>
             </a:fld>
             <a:endParaRPr lang="zh-CN" altLang="en-US"/>
           </a:p>
@@ -689,7 +689,7 @@
           <a:p>
             <a:fld id="{47A39752-AE50-4AEA-9C8D-075E0077A86E}" type="datetimeFigureOut">
               <a:rPr lang="zh-CN" altLang="en-US" smtClean="0"/>
-              <a:t>2025/9/17</a:t>
+              <a:t>2025/9/26</a:t>
             </a:fld>
             <a:endParaRPr lang="zh-CN" altLang="en-US"/>
           </a:p>
@@ -859,7 +859,7 @@
           <a:p>
             <a:fld id="{47A39752-AE50-4AEA-9C8D-075E0077A86E}" type="datetimeFigureOut">
               <a:rPr lang="zh-CN" altLang="en-US" smtClean="0"/>
-              <a:t>2025/9/17</a:t>
+              <a:t>2025/9/26</a:t>
             </a:fld>
             <a:endParaRPr lang="zh-CN" altLang="en-US"/>
           </a:p>
@@ -1039,7 +1039,7 @@
           <a:p>
             <a:fld id="{47A39752-AE50-4AEA-9C8D-075E0077A86E}" type="datetimeFigureOut">
               <a:rPr lang="zh-CN" altLang="en-US" smtClean="0"/>
-              <a:t>2025/9/17</a:t>
+              <a:t>2025/9/26</a:t>
             </a:fld>
             <a:endParaRPr lang="zh-CN" altLang="en-US"/>
           </a:p>
@@ -1209,7 +1209,7 @@
           <a:p>
             <a:fld id="{47A39752-AE50-4AEA-9C8D-075E0077A86E}" type="datetimeFigureOut">
               <a:rPr lang="zh-CN" altLang="en-US" smtClean="0"/>
-              <a:t>2025/9/17</a:t>
+              <a:t>2025/9/26</a:t>
             </a:fld>
             <a:endParaRPr lang="zh-CN" altLang="en-US"/>
           </a:p>
@@ -1455,7 +1455,7 @@
           <a:p>
             <a:fld id="{47A39752-AE50-4AEA-9C8D-075E0077A86E}" type="datetimeFigureOut">
               <a:rPr lang="zh-CN" altLang="en-US" smtClean="0"/>
-              <a:t>2025/9/17</a:t>
+              <a:t>2025/9/26</a:t>
             </a:fld>
             <a:endParaRPr lang="zh-CN" altLang="en-US"/>
           </a:p>
@@ -1687,7 +1687,7 @@
           <a:p>
             <a:fld id="{47A39752-AE50-4AEA-9C8D-075E0077A86E}" type="datetimeFigureOut">
               <a:rPr lang="zh-CN" altLang="en-US" smtClean="0"/>
-              <a:t>2025/9/17</a:t>
+              <a:t>2025/9/26</a:t>
             </a:fld>
             <a:endParaRPr lang="zh-CN" altLang="en-US"/>
           </a:p>
@@ -2054,7 +2054,7 @@
           <a:p>
             <a:fld id="{47A39752-AE50-4AEA-9C8D-075E0077A86E}" type="datetimeFigureOut">
               <a:rPr lang="zh-CN" altLang="en-US" smtClean="0"/>
-              <a:t>2025/9/17</a:t>
+              <a:t>2025/9/26</a:t>
             </a:fld>
             <a:endParaRPr lang="zh-CN" altLang="en-US"/>
           </a:p>
@@ -2172,7 +2172,7 @@
           <a:p>
             <a:fld id="{47A39752-AE50-4AEA-9C8D-075E0077A86E}" type="datetimeFigureOut">
               <a:rPr lang="zh-CN" altLang="en-US" smtClean="0"/>
-              <a:t>2025/9/17</a:t>
+              <a:t>2025/9/26</a:t>
             </a:fld>
             <a:endParaRPr lang="zh-CN" altLang="en-US"/>
           </a:p>
@@ -2267,7 +2267,7 @@
           <a:p>
             <a:fld id="{47A39752-AE50-4AEA-9C8D-075E0077A86E}" type="datetimeFigureOut">
               <a:rPr lang="zh-CN" altLang="en-US" smtClean="0"/>
-              <a:t>2025/9/17</a:t>
+              <a:t>2025/9/26</a:t>
             </a:fld>
             <a:endParaRPr lang="zh-CN" altLang="en-US"/>
           </a:p>
@@ -2544,7 +2544,7 @@
           <a:p>
             <a:fld id="{47A39752-AE50-4AEA-9C8D-075E0077A86E}" type="datetimeFigureOut">
               <a:rPr lang="zh-CN" altLang="en-US" smtClean="0"/>
-              <a:t>2025/9/17</a:t>
+              <a:t>2025/9/26</a:t>
             </a:fld>
             <a:endParaRPr lang="zh-CN" altLang="en-US"/>
           </a:p>
@@ -2801,7 +2801,7 @@
           <a:p>
             <a:fld id="{47A39752-AE50-4AEA-9C8D-075E0077A86E}" type="datetimeFigureOut">
               <a:rPr lang="zh-CN" altLang="en-US" smtClean="0"/>
-              <a:t>2025/9/17</a:t>
+              <a:t>2025/9/26</a:t>
             </a:fld>
             <a:endParaRPr lang="zh-CN" altLang="en-US"/>
           </a:p>
@@ -3014,7 +3014,7 @@
           <a:p>
             <a:fld id="{47A39752-AE50-4AEA-9C8D-075E0077A86E}" type="datetimeFigureOut">
               <a:rPr lang="zh-CN" altLang="en-US" smtClean="0"/>
-              <a:t>2025/9/17</a:t>
+              <a:t>2025/9/26</a:t>
             </a:fld>
             <a:endParaRPr lang="zh-CN" altLang="en-US"/>
           </a:p>
@@ -22454,8 +22454,8 @@
           </a:p>
         </p:txBody>
       </p:sp>
-      <mc:AlternateContent xmlns:mc="http://schemas.openxmlformats.org/markup-compatibility/2006" xmlns:a14="http://schemas.microsoft.com/office/drawing/2010/main">
-        <mc:Choice Requires="a14">
+      <mc:AlternateContent xmlns:mc="http://schemas.openxmlformats.org/markup-compatibility/2006">
+        <mc:Choice xmlns:a14="http://schemas.microsoft.com/office/drawing/2010/main" Requires="a14">
           <p:sp>
             <p:nvSpPr>
               <p:cNvPr id="60" name="文本框 59">
@@ -22470,8 +22470,8 @@
             </p:nvSpPr>
             <p:spPr>
               <a:xfrm>
-                <a:off x="12005345" y="5791380"/>
-                <a:ext cx="2034724" cy="707886"/>
+                <a:off x="12618413" y="5981769"/>
+                <a:ext cx="782587" cy="400110"/>
               </a:xfrm>
               <a:prstGeom prst="rect">
                 <a:avLst/>
@@ -22499,74 +22499,7 @@
                           <a:latin typeface="Cambria Math" panose="02040503050406030204" pitchFamily="18" charset="0"/>
                           <a:ea typeface="微软雅黑" panose="020B0503020204020204" pitchFamily="34" charset="-122"/>
                         </a:rPr>
-                        <m:t>Multi</m:t>
-                      </m:r>
-                      <m:r>
-                        <a:rPr lang="en-US" altLang="zh-CN" sz="2000" b="0" i="0" dirty="0" smtClean="0">
-                          <a:latin typeface="Cambria Math" panose="02040503050406030204" pitchFamily="18" charset="0"/>
-                          <a:ea typeface="微软雅黑" panose="020B0503020204020204" pitchFamily="34" charset="-122"/>
-                        </a:rPr>
-                        <m:t>−</m:t>
-                      </m:r>
-                      <m:r>
-                        <m:rPr>
-                          <m:sty m:val="p"/>
-                        </m:rPr>
-                        <a:rPr lang="en-US" altLang="zh-CN" sz="2000" b="0" i="0" dirty="0" smtClean="0">
-                          <a:latin typeface="Cambria Math" panose="02040503050406030204" pitchFamily="18" charset="0"/>
-                          <a:ea typeface="微软雅黑" panose="020B0503020204020204" pitchFamily="34" charset="-122"/>
-                        </a:rPr>
-                        <m:t>Head</m:t>
-                      </m:r>
-                    </m:oMath>
-                  </m:oMathPara>
-                </a14:m>
-                <a:endParaRPr lang="en-US" altLang="zh-CN" sz="2000" b="0" i="0" dirty="0">
-                  <a:latin typeface="Cambria Math" panose="02040503050406030204" pitchFamily="18" charset="0"/>
-                  <a:ea typeface="微软雅黑" panose="020B0503020204020204" pitchFamily="34" charset="-122"/>
-                </a:endParaRPr>
-              </a:p>
-              <a:p>
-                <a:pPr/>
-                <a14:m>
-                  <m:oMathPara xmlns:m="http://schemas.openxmlformats.org/officeDocument/2006/math">
-                    <m:oMathParaPr>
-                      <m:jc m:val="centerGroup"/>
-                    </m:oMathParaPr>
-                    <m:oMath xmlns:m="http://schemas.openxmlformats.org/officeDocument/2006/math">
-                      <m:r>
-                        <a:rPr lang="en-US" altLang="zh-CN" sz="2000" b="0" i="0" dirty="0" smtClean="0">
-                          <a:latin typeface="Cambria Math" panose="02040503050406030204" pitchFamily="18" charset="0"/>
-                          <a:ea typeface="微软雅黑" panose="020B0503020204020204" pitchFamily="34" charset="-122"/>
-                        </a:rPr>
-                        <m:t> </m:t>
-                      </m:r>
-                      <m:r>
-                        <m:rPr>
-                          <m:sty m:val="p"/>
-                        </m:rPr>
-                        <a:rPr lang="en-US" altLang="zh-CN" sz="2000" b="0" i="0" dirty="0" smtClean="0">
-                          <a:latin typeface="Cambria Math" panose="02040503050406030204" pitchFamily="18" charset="0"/>
-                          <a:ea typeface="微软雅黑" panose="020B0503020204020204" pitchFamily="34" charset="-122"/>
-                        </a:rPr>
-                        <m:t>Self</m:t>
-                      </m:r>
-                      <m:r>
-                        <a:rPr lang="en-US" altLang="zh-CN" sz="2000" b="0" i="0" dirty="0" smtClean="0">
-                          <a:latin typeface="Cambria Math" panose="02040503050406030204" pitchFamily="18" charset="0"/>
-                          <a:ea typeface="微软雅黑" panose="020B0503020204020204" pitchFamily="34" charset="-122"/>
-                        </a:rPr>
-                        <m:t>−</m:t>
-                      </m:r>
-                      <m:r>
-                        <m:rPr>
-                          <m:sty m:val="p"/>
-                        </m:rPr>
-                        <a:rPr lang="en-US" altLang="zh-CN" sz="2000" b="0" i="0" dirty="0" smtClean="0">
-                          <a:latin typeface="Cambria Math" panose="02040503050406030204" pitchFamily="18" charset="0"/>
-                          <a:ea typeface="微软雅黑" panose="020B0503020204020204" pitchFamily="34" charset="-122"/>
-                        </a:rPr>
-                        <m:t>Attention</m:t>
+                        <m:t>MHA</m:t>
                       </m:r>
                     </m:oMath>
                   </m:oMathPara>
@@ -22576,7 +22509,7 @@
             </p:txBody>
           </p:sp>
         </mc:Choice>
-        <mc:Fallback xmlns="">
+        <mc:Fallback>
           <p:sp>
             <p:nvSpPr>
               <p:cNvPr id="60" name="文本框 59">
@@ -22593,8 +22526,8 @@
             </p:nvSpPr>
             <p:spPr>
               <a:xfrm>
-                <a:off x="12005345" y="5791380"/>
-                <a:ext cx="2034724" cy="707886"/>
+                <a:off x="12618413" y="5981769"/>
+                <a:ext cx="782587" cy="400110"/>
               </a:xfrm>
               <a:prstGeom prst="rect">
                 <a:avLst/>
@@ -23919,8 +23852,8 @@
           </a:p>
         </p:txBody>
       </p:sp>
-      <mc:AlternateContent xmlns:mc="http://schemas.openxmlformats.org/markup-compatibility/2006" xmlns:a14="http://schemas.microsoft.com/office/drawing/2010/main">
-        <mc:Choice Requires="a14">
+      <mc:AlternateContent xmlns:mc="http://schemas.openxmlformats.org/markup-compatibility/2006">
+        <mc:Choice xmlns:a14="http://schemas.microsoft.com/office/drawing/2010/main" Requires="a14">
           <p:sp>
             <p:nvSpPr>
               <p:cNvPr id="101" name="文本框 100">
@@ -23935,8 +23868,8 @@
             </p:nvSpPr>
             <p:spPr>
               <a:xfrm>
-                <a:off x="12005344" y="1691151"/>
-                <a:ext cx="2034724" cy="707886"/>
+                <a:off x="12695709" y="1899452"/>
+                <a:ext cx="688009" cy="400110"/>
               </a:xfrm>
               <a:prstGeom prst="rect">
                 <a:avLst/>
@@ -23964,74 +23897,7 @@
                           <a:latin typeface="Cambria Math" panose="02040503050406030204" pitchFamily="18" charset="0"/>
                           <a:ea typeface="微软雅黑" panose="020B0503020204020204" pitchFamily="34" charset="-122"/>
                         </a:rPr>
-                        <m:t>Multi</m:t>
-                      </m:r>
-                      <m:r>
-                        <a:rPr lang="en-US" altLang="zh-CN" sz="2000" b="0" i="0" dirty="0" smtClean="0">
-                          <a:latin typeface="Cambria Math" panose="02040503050406030204" pitchFamily="18" charset="0"/>
-                          <a:ea typeface="微软雅黑" panose="020B0503020204020204" pitchFamily="34" charset="-122"/>
-                        </a:rPr>
-                        <m:t>−</m:t>
-                      </m:r>
-                      <m:r>
-                        <m:rPr>
-                          <m:sty m:val="p"/>
-                        </m:rPr>
-                        <a:rPr lang="en-US" altLang="zh-CN" sz="2000" b="0" i="0" dirty="0" smtClean="0">
-                          <a:latin typeface="Cambria Math" panose="02040503050406030204" pitchFamily="18" charset="0"/>
-                          <a:ea typeface="微软雅黑" panose="020B0503020204020204" pitchFamily="34" charset="-122"/>
-                        </a:rPr>
-                        <m:t>Head</m:t>
-                      </m:r>
-                    </m:oMath>
-                  </m:oMathPara>
-                </a14:m>
-                <a:endParaRPr lang="en-US" altLang="zh-CN" sz="2000" b="0" i="0" dirty="0">
-                  <a:latin typeface="Cambria Math" panose="02040503050406030204" pitchFamily="18" charset="0"/>
-                  <a:ea typeface="微软雅黑" panose="020B0503020204020204" pitchFamily="34" charset="-122"/>
-                </a:endParaRPr>
-              </a:p>
-              <a:p>
-                <a:pPr/>
-                <a14:m>
-                  <m:oMathPara xmlns:m="http://schemas.openxmlformats.org/officeDocument/2006/math">
-                    <m:oMathParaPr>
-                      <m:jc m:val="centerGroup"/>
-                    </m:oMathParaPr>
-                    <m:oMath xmlns:m="http://schemas.openxmlformats.org/officeDocument/2006/math">
-                      <m:r>
-                        <a:rPr lang="en-US" altLang="zh-CN" sz="2000" b="0" i="0" dirty="0" smtClean="0">
-                          <a:latin typeface="Cambria Math" panose="02040503050406030204" pitchFamily="18" charset="0"/>
-                          <a:ea typeface="微软雅黑" panose="020B0503020204020204" pitchFamily="34" charset="-122"/>
-                        </a:rPr>
-                        <m:t> </m:t>
-                      </m:r>
-                      <m:r>
-                        <m:rPr>
-                          <m:sty m:val="p"/>
-                        </m:rPr>
-                        <a:rPr lang="en-US" altLang="zh-CN" sz="2000" b="0" i="0" dirty="0" smtClean="0">
-                          <a:latin typeface="Cambria Math" panose="02040503050406030204" pitchFamily="18" charset="0"/>
-                          <a:ea typeface="微软雅黑" panose="020B0503020204020204" pitchFamily="34" charset="-122"/>
-                        </a:rPr>
-                        <m:t>Self</m:t>
-                      </m:r>
-                      <m:r>
-                        <a:rPr lang="en-US" altLang="zh-CN" sz="2000" b="0" i="0" dirty="0" smtClean="0">
-                          <a:latin typeface="Cambria Math" panose="02040503050406030204" pitchFamily="18" charset="0"/>
-                          <a:ea typeface="微软雅黑" panose="020B0503020204020204" pitchFamily="34" charset="-122"/>
-                        </a:rPr>
-                        <m:t>−</m:t>
-                      </m:r>
-                      <m:r>
-                        <m:rPr>
-                          <m:sty m:val="p"/>
-                        </m:rPr>
-                        <a:rPr lang="en-US" altLang="zh-CN" sz="2000" b="0" i="0" dirty="0" smtClean="0">
-                          <a:latin typeface="Cambria Math" panose="02040503050406030204" pitchFamily="18" charset="0"/>
-                          <a:ea typeface="微软雅黑" panose="020B0503020204020204" pitchFamily="34" charset="-122"/>
-                        </a:rPr>
-                        <m:t>Attention</m:t>
+                        <m:t>FFN</m:t>
                       </m:r>
                     </m:oMath>
                   </m:oMathPara>
@@ -24041,7 +23907,7 @@
             </p:txBody>
           </p:sp>
         </mc:Choice>
-        <mc:Fallback xmlns="">
+        <mc:Fallback>
           <p:sp>
             <p:nvSpPr>
               <p:cNvPr id="101" name="文本框 100">
@@ -24058,8 +23924,8 @@
             </p:nvSpPr>
             <p:spPr>
               <a:xfrm>
-                <a:off x="12005344" y="1691151"/>
-                <a:ext cx="2034724" cy="707886"/>
+                <a:off x="12695709" y="1899452"/>
+                <a:ext cx="688009" cy="400110"/>
               </a:xfrm>
               <a:prstGeom prst="rect">
                 <a:avLst/>
@@ -26402,7 +26268,7 @@
         </p:nvSpPr>
         <p:spPr>
           <a:xfrm>
-            <a:off x="10718804" y="115508"/>
+            <a:off x="10745961" y="115508"/>
             <a:ext cx="8175777" cy="8832550"/>
           </a:xfrm>
           <a:prstGeom prst="roundRect">
@@ -26716,8 +26582,8 @@
           </a:p>
         </p:txBody>
       </p:sp>
-      <mc:AlternateContent xmlns:mc="http://schemas.openxmlformats.org/markup-compatibility/2006">
-        <mc:Choice xmlns:a14="http://schemas.microsoft.com/office/drawing/2010/main" Requires="a14">
+      <mc:AlternateContent xmlns:mc="http://schemas.openxmlformats.org/markup-compatibility/2006" xmlns:a14="http://schemas.microsoft.com/office/drawing/2010/main">
+        <mc:Choice Requires="a14">
           <p:sp>
             <p:nvSpPr>
               <p:cNvPr id="5" name="文本框 4">
@@ -26797,7 +26663,7 @@
             </p:txBody>
           </p:sp>
         </mc:Choice>
-        <mc:Fallback>
+        <mc:Fallback xmlns="">
           <p:sp>
             <p:nvSpPr>
               <p:cNvPr id="5" name="文本框 4">
@@ -26901,8 +26767,8 @@
           </a:p>
         </p:txBody>
       </p:sp>
-      <mc:AlternateContent xmlns:mc="http://schemas.openxmlformats.org/markup-compatibility/2006">
-        <mc:Choice xmlns:a14="http://schemas.microsoft.com/office/drawing/2010/main" Requires="a14">
+      <mc:AlternateContent xmlns:mc="http://schemas.openxmlformats.org/markup-compatibility/2006" xmlns:a14="http://schemas.microsoft.com/office/drawing/2010/main">
+        <mc:Choice Requires="a14">
           <p:sp>
             <p:nvSpPr>
               <p:cNvPr id="7" name="文本框 6">
@@ -26959,7 +26825,7 @@
             </p:txBody>
           </p:sp>
         </mc:Choice>
-        <mc:Fallback>
+        <mc:Fallback xmlns="">
           <p:sp>
             <p:nvSpPr>
               <p:cNvPr id="7" name="文本框 6">
@@ -27047,8 +26913,8 @@
           </a:fontRef>
         </p:style>
       </p:cxnSp>
-      <mc:AlternateContent xmlns:mc="http://schemas.openxmlformats.org/markup-compatibility/2006">
-        <mc:Choice xmlns:a14="http://schemas.microsoft.com/office/drawing/2010/main" Requires="a14">
+      <mc:AlternateContent xmlns:mc="http://schemas.openxmlformats.org/markup-compatibility/2006" xmlns:a14="http://schemas.microsoft.com/office/drawing/2010/main">
+        <mc:Choice Requires="a14">
           <p:sp>
             <p:nvSpPr>
               <p:cNvPr id="21" name="文本框 20">
@@ -27077,6 +26943,7 @@
               </a:bodyPr>
               <a:lstStyle/>
               <a:p>
+                <a:pPr/>
                 <a14:m>
                   <m:oMathPara xmlns:m="http://schemas.openxmlformats.org/officeDocument/2006/math">
                     <m:oMathParaPr>
@@ -27097,7 +26964,7 @@
             </p:txBody>
           </p:sp>
         </mc:Choice>
-        <mc:Fallback>
+        <mc:Fallback xmlns="">
           <p:sp>
             <p:nvSpPr>
               <p:cNvPr id="21" name="文本框 20">
@@ -27641,8 +27508,8 @@
           </a:p>
         </p:txBody>
       </p:sp>
-      <mc:AlternateContent xmlns:mc="http://schemas.openxmlformats.org/markup-compatibility/2006">
-        <mc:Choice xmlns:a14="http://schemas.microsoft.com/office/drawing/2010/main" Requires="a14">
+      <mc:AlternateContent xmlns:mc="http://schemas.openxmlformats.org/markup-compatibility/2006" xmlns:a14="http://schemas.microsoft.com/office/drawing/2010/main">
+        <mc:Choice Requires="a14">
           <p:sp>
             <p:nvSpPr>
               <p:cNvPr id="66" name="文本框 65">
@@ -27699,7 +27566,7 @@
             </p:txBody>
           </p:sp>
         </mc:Choice>
-        <mc:Fallback>
+        <mc:Fallback xmlns="">
           <p:sp>
             <p:nvSpPr>
               <p:cNvPr id="66" name="文本框 65">
@@ -27787,8 +27654,8 @@
           </a:fontRef>
         </p:style>
       </p:cxnSp>
-      <mc:AlternateContent xmlns:mc="http://schemas.openxmlformats.org/markup-compatibility/2006">
-        <mc:Choice xmlns:a14="http://schemas.microsoft.com/office/drawing/2010/main" Requires="a14">
+      <mc:AlternateContent xmlns:mc="http://schemas.openxmlformats.org/markup-compatibility/2006" xmlns:a14="http://schemas.microsoft.com/office/drawing/2010/main">
+        <mc:Choice Requires="a14">
           <p:sp>
             <p:nvSpPr>
               <p:cNvPr id="68" name="文本框 67">
@@ -27817,6 +27684,7 @@
               </a:bodyPr>
               <a:lstStyle/>
               <a:p>
+                <a:pPr/>
                 <a14:m>
                   <m:oMathPara xmlns:m="http://schemas.openxmlformats.org/officeDocument/2006/math">
                     <m:oMathParaPr>
@@ -27837,7 +27705,7 @@
             </p:txBody>
           </p:sp>
         </mc:Choice>
-        <mc:Fallback>
+        <mc:Fallback xmlns="">
           <p:sp>
             <p:nvSpPr>
               <p:cNvPr id="68" name="文本框 67">
@@ -28264,8 +28132,8 @@
           </a:fontRef>
         </p:style>
       </p:cxnSp>
-      <mc:AlternateContent xmlns:mc="http://schemas.openxmlformats.org/markup-compatibility/2006">
-        <mc:Choice xmlns:a14="http://schemas.microsoft.com/office/drawing/2010/main" Requires="a14">
+      <mc:AlternateContent xmlns:mc="http://schemas.openxmlformats.org/markup-compatibility/2006" xmlns:a14="http://schemas.microsoft.com/office/drawing/2010/main">
+        <mc:Choice Requires="a14">
           <p:sp>
             <p:nvSpPr>
               <p:cNvPr id="93" name="文本框 92">
@@ -28345,7 +28213,7 @@
             </p:txBody>
           </p:sp>
         </mc:Choice>
-        <mc:Fallback>
+        <mc:Fallback xmlns="">
           <p:sp>
             <p:nvSpPr>
               <p:cNvPr id="93" name="文本框 92">

--- a/images/posts/2025-03-02-blog-post/新建 Microsoft PowerPoint 演示文稿.pptx
+++ b/images/posts/2025-03-02-blog-post/新建 Microsoft PowerPoint 演示文稿.pptx
@@ -5,7 +5,7 @@
     <p:sldMasterId id="2147483684" r:id="rId1"/>
   </p:sldMasterIdLst>
   <p:notesMasterIdLst>
-    <p:notesMasterId r:id="rId8"/>
+    <p:notesMasterId r:id="rId9"/>
   </p:notesMasterIdLst>
   <p:sldIdLst>
     <p:sldId id="256" r:id="rId2"/>
@@ -14,6 +14,7 @@
     <p:sldId id="297" r:id="rId5"/>
     <p:sldId id="298" r:id="rId6"/>
     <p:sldId id="299" r:id="rId7"/>
+    <p:sldId id="300" r:id="rId8"/>
   </p:sldIdLst>
   <p:sldSz cx="21599525" cy="8999538"/>
   <p:notesSz cx="6858000" cy="9144000"/>
@@ -202,7 +203,7 @@
           <a:p>
             <a:fld id="{06A7EE91-92E7-4CCB-9ABC-2651A01142F8}" type="datetimeFigureOut">
               <a:rPr lang="zh-CN" altLang="en-US" smtClean="0"/>
-              <a:t>2025/9/26</a:t>
+              <a:t>2025/9/29</a:t>
             </a:fld>
             <a:endParaRPr lang="zh-CN" altLang="en-US"/>
           </a:p>
@@ -689,7 +690,7 @@
           <a:p>
             <a:fld id="{47A39752-AE50-4AEA-9C8D-075E0077A86E}" type="datetimeFigureOut">
               <a:rPr lang="zh-CN" altLang="en-US" smtClean="0"/>
-              <a:t>2025/9/26</a:t>
+              <a:t>2025/9/29</a:t>
             </a:fld>
             <a:endParaRPr lang="zh-CN" altLang="en-US"/>
           </a:p>
@@ -859,7 +860,7 @@
           <a:p>
             <a:fld id="{47A39752-AE50-4AEA-9C8D-075E0077A86E}" type="datetimeFigureOut">
               <a:rPr lang="zh-CN" altLang="en-US" smtClean="0"/>
-              <a:t>2025/9/26</a:t>
+              <a:t>2025/9/29</a:t>
             </a:fld>
             <a:endParaRPr lang="zh-CN" altLang="en-US"/>
           </a:p>
@@ -1039,7 +1040,7 @@
           <a:p>
             <a:fld id="{47A39752-AE50-4AEA-9C8D-075E0077A86E}" type="datetimeFigureOut">
               <a:rPr lang="zh-CN" altLang="en-US" smtClean="0"/>
-              <a:t>2025/9/26</a:t>
+              <a:t>2025/9/29</a:t>
             </a:fld>
             <a:endParaRPr lang="zh-CN" altLang="en-US"/>
           </a:p>
@@ -1209,7 +1210,7 @@
           <a:p>
             <a:fld id="{47A39752-AE50-4AEA-9C8D-075E0077A86E}" type="datetimeFigureOut">
               <a:rPr lang="zh-CN" altLang="en-US" smtClean="0"/>
-              <a:t>2025/9/26</a:t>
+              <a:t>2025/9/29</a:t>
             </a:fld>
             <a:endParaRPr lang="zh-CN" altLang="en-US"/>
           </a:p>
@@ -1455,7 +1456,7 @@
           <a:p>
             <a:fld id="{47A39752-AE50-4AEA-9C8D-075E0077A86E}" type="datetimeFigureOut">
               <a:rPr lang="zh-CN" altLang="en-US" smtClean="0"/>
-              <a:t>2025/9/26</a:t>
+              <a:t>2025/9/29</a:t>
             </a:fld>
             <a:endParaRPr lang="zh-CN" altLang="en-US"/>
           </a:p>
@@ -1687,7 +1688,7 @@
           <a:p>
             <a:fld id="{47A39752-AE50-4AEA-9C8D-075E0077A86E}" type="datetimeFigureOut">
               <a:rPr lang="zh-CN" altLang="en-US" smtClean="0"/>
-              <a:t>2025/9/26</a:t>
+              <a:t>2025/9/29</a:t>
             </a:fld>
             <a:endParaRPr lang="zh-CN" altLang="en-US"/>
           </a:p>
@@ -2054,7 +2055,7 @@
           <a:p>
             <a:fld id="{47A39752-AE50-4AEA-9C8D-075E0077A86E}" type="datetimeFigureOut">
               <a:rPr lang="zh-CN" altLang="en-US" smtClean="0"/>
-              <a:t>2025/9/26</a:t>
+              <a:t>2025/9/29</a:t>
             </a:fld>
             <a:endParaRPr lang="zh-CN" altLang="en-US"/>
           </a:p>
@@ -2172,7 +2173,7 @@
           <a:p>
             <a:fld id="{47A39752-AE50-4AEA-9C8D-075E0077A86E}" type="datetimeFigureOut">
               <a:rPr lang="zh-CN" altLang="en-US" smtClean="0"/>
-              <a:t>2025/9/26</a:t>
+              <a:t>2025/9/29</a:t>
             </a:fld>
             <a:endParaRPr lang="zh-CN" altLang="en-US"/>
           </a:p>
@@ -2267,7 +2268,7 @@
           <a:p>
             <a:fld id="{47A39752-AE50-4AEA-9C8D-075E0077A86E}" type="datetimeFigureOut">
               <a:rPr lang="zh-CN" altLang="en-US" smtClean="0"/>
-              <a:t>2025/9/26</a:t>
+              <a:t>2025/9/29</a:t>
             </a:fld>
             <a:endParaRPr lang="zh-CN" altLang="en-US"/>
           </a:p>
@@ -2544,7 +2545,7 @@
           <a:p>
             <a:fld id="{47A39752-AE50-4AEA-9C8D-075E0077A86E}" type="datetimeFigureOut">
               <a:rPr lang="zh-CN" altLang="en-US" smtClean="0"/>
-              <a:t>2025/9/26</a:t>
+              <a:t>2025/9/29</a:t>
             </a:fld>
             <a:endParaRPr lang="zh-CN" altLang="en-US"/>
           </a:p>
@@ -2801,7 +2802,7 @@
           <a:p>
             <a:fld id="{47A39752-AE50-4AEA-9C8D-075E0077A86E}" type="datetimeFigureOut">
               <a:rPr lang="zh-CN" altLang="en-US" smtClean="0"/>
-              <a:t>2025/9/26</a:t>
+              <a:t>2025/9/29</a:t>
             </a:fld>
             <a:endParaRPr lang="zh-CN" altLang="en-US"/>
           </a:p>
@@ -3014,7 +3015,7 @@
           <a:p>
             <a:fld id="{47A39752-AE50-4AEA-9C8D-075E0077A86E}" type="datetimeFigureOut">
               <a:rPr lang="zh-CN" altLang="en-US" smtClean="0"/>
-              <a:t>2025/9/26</a:t>
+              <a:t>2025/9/29</a:t>
             </a:fld>
             <a:endParaRPr lang="zh-CN" altLang="en-US"/>
           </a:p>
@@ -22454,8 +22455,8 @@
           </a:p>
         </p:txBody>
       </p:sp>
-      <mc:AlternateContent xmlns:mc="http://schemas.openxmlformats.org/markup-compatibility/2006">
-        <mc:Choice xmlns:a14="http://schemas.microsoft.com/office/drawing/2010/main" Requires="a14">
+      <mc:AlternateContent xmlns:mc="http://schemas.openxmlformats.org/markup-compatibility/2006" xmlns:a14="http://schemas.microsoft.com/office/drawing/2010/main">
+        <mc:Choice Requires="a14">
           <p:sp>
             <p:nvSpPr>
               <p:cNvPr id="60" name="文本框 59">
@@ -22509,7 +22510,7 @@
             </p:txBody>
           </p:sp>
         </mc:Choice>
-        <mc:Fallback>
+        <mc:Fallback xmlns="">
           <p:sp>
             <p:nvSpPr>
               <p:cNvPr id="60" name="文本框 59">
@@ -23852,8 +23853,8 @@
           </a:p>
         </p:txBody>
       </p:sp>
-      <mc:AlternateContent xmlns:mc="http://schemas.openxmlformats.org/markup-compatibility/2006">
-        <mc:Choice xmlns:a14="http://schemas.microsoft.com/office/drawing/2010/main" Requires="a14">
+      <mc:AlternateContent xmlns:mc="http://schemas.openxmlformats.org/markup-compatibility/2006" xmlns:a14="http://schemas.microsoft.com/office/drawing/2010/main">
+        <mc:Choice Requires="a14">
           <p:sp>
             <p:nvSpPr>
               <p:cNvPr id="101" name="文本框 100">
@@ -23907,7 +23908,7 @@
             </p:txBody>
           </p:sp>
         </mc:Choice>
-        <mc:Fallback>
+        <mc:Fallback xmlns="">
           <p:sp>
             <p:nvSpPr>
               <p:cNvPr id="101" name="文本框 100">
@@ -28396,6 +28397,2125 @@
 </p:sld>
 </file>
 
+<file path=ppt/slides/slide7.xml><?xml version="1.0" encoding="utf-8"?>
+<p:sld xmlns:a="http://schemas.openxmlformats.org/drawingml/2006/main" xmlns:r="http://schemas.openxmlformats.org/officeDocument/2006/relationships" xmlns:p="http://schemas.openxmlformats.org/presentationml/2006/main">
+  <p:cSld>
+    <p:spTree>
+      <p:nvGrpSpPr>
+        <p:cNvPr id="1" name="">
+          <a:extLst>
+            <a:ext uri="{FF2B5EF4-FFF2-40B4-BE49-F238E27FC236}">
+              <a16:creationId xmlns:a16="http://schemas.microsoft.com/office/drawing/2014/main" id="{FF2A7B7B-8AE9-C2CF-3054-828101F843D3}"/>
+            </a:ext>
+          </a:extLst>
+        </p:cNvPr>
+        <p:cNvGrpSpPr/>
+        <p:nvPr/>
+      </p:nvGrpSpPr>
+      <p:grpSpPr>
+        <a:xfrm>
+          <a:off x="0" y="0"/>
+          <a:ext cx="0" cy="0"/>
+          <a:chOff x="0" y="0"/>
+          <a:chExt cx="0" cy="0"/>
+        </a:xfrm>
+      </p:grpSpPr>
+      <p:sp>
+        <p:nvSpPr>
+          <p:cNvPr id="2" name="矩形: 圆角 1">
+            <a:extLst>
+              <a:ext uri="{FF2B5EF4-FFF2-40B4-BE49-F238E27FC236}">
+                <a16:creationId xmlns:a16="http://schemas.microsoft.com/office/drawing/2014/main" id="{C45A67BE-FAA2-082D-035A-458EC8946853}"/>
+              </a:ext>
+            </a:extLst>
+          </p:cNvPr>
+          <p:cNvSpPr/>
+          <p:nvPr/>
+        </p:nvSpPr>
+        <p:spPr>
+          <a:xfrm>
+            <a:off x="5293613" y="2868219"/>
+            <a:ext cx="1266186" cy="665467"/>
+          </a:xfrm>
+          <a:prstGeom prst="roundRect">
+            <a:avLst>
+              <a:gd name="adj" fmla="val 0"/>
+            </a:avLst>
+          </a:prstGeom>
+          <a:noFill/>
+          <a:ln>
+            <a:solidFill>
+              <a:schemeClr val="tx1"/>
+            </a:solidFill>
+          </a:ln>
+        </p:spPr>
+        <p:style>
+          <a:lnRef idx="2">
+            <a:schemeClr val="accent1">
+              <a:shade val="15000"/>
+            </a:schemeClr>
+          </a:lnRef>
+          <a:fillRef idx="1">
+            <a:schemeClr val="accent1"/>
+          </a:fillRef>
+          <a:effectRef idx="0">
+            <a:schemeClr val="accent1"/>
+          </a:effectRef>
+          <a:fontRef idx="minor">
+            <a:schemeClr val="lt1"/>
+          </a:fontRef>
+        </p:style>
+        <p:txBody>
+          <a:bodyPr rtlCol="0" anchor="ctr"/>
+          <a:lstStyle/>
+          <a:p>
+            <a:pPr algn="ctr"/>
+            <a:endParaRPr lang="zh-CN" altLang="en-US" sz="3189"/>
+          </a:p>
+        </p:txBody>
+      </p:sp>
+      <p:sp>
+        <p:nvSpPr>
+          <p:cNvPr id="20" name="矩形: 圆角 19">
+            <a:extLst>
+              <a:ext uri="{FF2B5EF4-FFF2-40B4-BE49-F238E27FC236}">
+                <a16:creationId xmlns:a16="http://schemas.microsoft.com/office/drawing/2014/main" id="{57FF604C-F0EB-06E6-966E-72C277069D13}"/>
+              </a:ext>
+            </a:extLst>
+          </p:cNvPr>
+          <p:cNvSpPr/>
+          <p:nvPr/>
+        </p:nvSpPr>
+        <p:spPr>
+          <a:xfrm>
+            <a:off x="5072895" y="2633755"/>
+            <a:ext cx="10604496" cy="1095469"/>
+          </a:xfrm>
+          <a:prstGeom prst="roundRect">
+            <a:avLst>
+              <a:gd name="adj" fmla="val 0"/>
+            </a:avLst>
+          </a:prstGeom>
+          <a:noFill/>
+          <a:ln>
+            <a:prstDash val="dash"/>
+          </a:ln>
+        </p:spPr>
+        <p:style>
+          <a:lnRef idx="2">
+            <a:schemeClr val="accent1">
+              <a:shade val="15000"/>
+            </a:schemeClr>
+          </a:lnRef>
+          <a:fillRef idx="1">
+            <a:schemeClr val="accent1"/>
+          </a:fillRef>
+          <a:effectRef idx="0">
+            <a:schemeClr val="accent1"/>
+          </a:effectRef>
+          <a:fontRef idx="minor">
+            <a:schemeClr val="lt1"/>
+          </a:fontRef>
+        </p:style>
+        <p:txBody>
+          <a:bodyPr rtlCol="0" anchor="ctr"/>
+          <a:lstStyle/>
+          <a:p>
+            <a:pPr algn="ctr"/>
+            <a:endParaRPr lang="zh-CN" altLang="en-US"/>
+          </a:p>
+        </p:txBody>
+      </p:sp>
+      <p:cxnSp>
+        <p:nvCxnSpPr>
+          <p:cNvPr id="31" name="直接箭头连接符 30">
+            <a:extLst>
+              <a:ext uri="{FF2B5EF4-FFF2-40B4-BE49-F238E27FC236}">
+                <a16:creationId xmlns:a16="http://schemas.microsoft.com/office/drawing/2014/main" id="{46AE6C51-BA8B-99E1-D697-016A7C1F53B1}"/>
+              </a:ext>
+            </a:extLst>
+          </p:cNvPr>
+          <p:cNvCxnSpPr>
+            <a:cxnSpLocks/>
+            <a:stCxn id="2" idx="3"/>
+            <a:endCxn id="15" idx="1"/>
+          </p:cNvCxnSpPr>
+          <p:nvPr/>
+        </p:nvCxnSpPr>
+        <p:spPr>
+          <a:xfrm>
+            <a:off x="6559799" y="3200953"/>
+            <a:ext cx="944766" cy="0"/>
+          </a:xfrm>
+          <a:prstGeom prst="straightConnector1">
+            <a:avLst/>
+          </a:prstGeom>
+          <a:ln w="12700">
+            <a:tailEnd type="triangle"/>
+          </a:ln>
+        </p:spPr>
+        <p:style>
+          <a:lnRef idx="2">
+            <a:schemeClr val="accent1"/>
+          </a:lnRef>
+          <a:fillRef idx="0">
+            <a:schemeClr val="accent1"/>
+          </a:fillRef>
+          <a:effectRef idx="1">
+            <a:schemeClr val="accent1"/>
+          </a:effectRef>
+          <a:fontRef idx="minor">
+            <a:schemeClr val="tx1"/>
+          </a:fontRef>
+        </p:style>
+      </p:cxnSp>
+      <mc:AlternateContent xmlns:mc="http://schemas.openxmlformats.org/markup-compatibility/2006">
+        <mc:Choice xmlns:a14="http://schemas.microsoft.com/office/drawing/2010/main" Requires="a14">
+          <p:sp>
+            <p:nvSpPr>
+              <p:cNvPr id="42" name="文本框 41">
+                <a:extLst>
+                  <a:ext uri="{FF2B5EF4-FFF2-40B4-BE49-F238E27FC236}">
+                    <a16:creationId xmlns:a16="http://schemas.microsoft.com/office/drawing/2014/main" id="{DF1029C0-56F2-1EA4-5B57-A23D550BDB7A}"/>
+                  </a:ext>
+                </a:extLst>
+              </p:cNvPr>
+              <p:cNvSpPr txBox="1"/>
+              <p:nvPr/>
+            </p:nvSpPr>
+            <p:spPr>
+              <a:xfrm>
+                <a:off x="2805452" y="4638976"/>
+                <a:ext cx="280526" cy="430887"/>
+              </a:xfrm>
+              <a:prstGeom prst="rect">
+                <a:avLst/>
+              </a:prstGeom>
+              <a:noFill/>
+            </p:spPr>
+            <p:txBody>
+              <a:bodyPr wrap="none" lIns="0" tIns="0" rIns="0" bIns="0" rtlCol="0">
+                <a:spAutoFit/>
+              </a:bodyPr>
+              <a:lstStyle/>
+              <a:p>
+                <a:pPr/>
+                <a14:m>
+                  <m:oMathPara xmlns:m="http://schemas.openxmlformats.org/officeDocument/2006/math">
+                    <m:oMathParaPr>
+                      <m:jc m:val="centerGroup"/>
+                    </m:oMathParaPr>
+                    <m:oMath xmlns:m="http://schemas.openxmlformats.org/officeDocument/2006/math">
+                      <m:r>
+                        <a:rPr lang="en-US" altLang="zh-CN" sz="2800" b="1" i="1" smtClean="0">
+                          <a:latin typeface="Cambria Math" panose="02040503050406030204" pitchFamily="18" charset="0"/>
+                        </a:rPr>
+                        <m:t>𝒙</m:t>
+                      </m:r>
+                    </m:oMath>
+                  </m:oMathPara>
+                </a14:m>
+                <a:endParaRPr lang="zh-CN" altLang="en-US" b="1" dirty="0"/>
+              </a:p>
+            </p:txBody>
+          </p:sp>
+        </mc:Choice>
+        <mc:Fallback>
+          <p:sp>
+            <p:nvSpPr>
+              <p:cNvPr id="42" name="文本框 41">
+                <a:extLst>
+                  <a:ext uri="{FF2B5EF4-FFF2-40B4-BE49-F238E27FC236}">
+                    <a16:creationId xmlns:a16="http://schemas.microsoft.com/office/drawing/2014/main" id="{DF1029C0-56F2-1EA4-5B57-A23D550BDB7A}"/>
+                  </a:ext>
+                </a:extLst>
+              </p:cNvPr>
+              <p:cNvSpPr txBox="1">
+                <a:spLocks noRot="1" noChangeAspect="1" noMove="1" noResize="1" noEditPoints="1" noAdjustHandles="1" noChangeArrowheads="1" noChangeShapeType="1" noTextEdit="1"/>
+              </p:cNvSpPr>
+              <p:nvPr/>
+            </p:nvSpPr>
+            <p:spPr>
+              <a:xfrm>
+                <a:off x="2805452" y="4638976"/>
+                <a:ext cx="280526" cy="430887"/>
+              </a:xfrm>
+              <a:prstGeom prst="rect">
+                <a:avLst/>
+              </a:prstGeom>
+              <a:blipFill>
+                <a:blip r:embed="rId2"/>
+                <a:stretch>
+                  <a:fillRect/>
+                </a:stretch>
+              </a:blipFill>
+            </p:spPr>
+            <p:txBody>
+              <a:bodyPr/>
+              <a:lstStyle/>
+              <a:p>
+                <a:r>
+                  <a:rPr lang="zh-CN" altLang="en-US">
+                    <a:noFill/>
+                  </a:rPr>
+                  <a:t> </a:t>
+                </a:r>
+              </a:p>
+            </p:txBody>
+          </p:sp>
+        </mc:Fallback>
+      </mc:AlternateContent>
+      <mc:AlternateContent xmlns:mc="http://schemas.openxmlformats.org/markup-compatibility/2006">
+        <mc:Choice xmlns:a14="http://schemas.microsoft.com/office/drawing/2010/main" Requires="a14">
+          <p:sp>
+            <p:nvSpPr>
+              <p:cNvPr id="48" name="文本框 47">
+                <a:extLst>
+                  <a:ext uri="{FF2B5EF4-FFF2-40B4-BE49-F238E27FC236}">
+                    <a16:creationId xmlns:a16="http://schemas.microsoft.com/office/drawing/2014/main" id="{6B229DE2-FDE2-5056-071C-9915BDE1E745}"/>
+                  </a:ext>
+                </a:extLst>
+              </p:cNvPr>
+              <p:cNvSpPr txBox="1"/>
+              <p:nvPr/>
+            </p:nvSpPr>
+            <p:spPr>
+              <a:xfrm>
+                <a:off x="18827636" y="4834408"/>
+                <a:ext cx="392030" cy="430887"/>
+              </a:xfrm>
+              <a:prstGeom prst="rect">
+                <a:avLst/>
+              </a:prstGeom>
+              <a:noFill/>
+            </p:spPr>
+            <p:txBody>
+              <a:bodyPr wrap="none" lIns="0" tIns="0" rIns="0" bIns="0" rtlCol="0">
+                <a:spAutoFit/>
+              </a:bodyPr>
+              <a:lstStyle/>
+              <a:p>
+                <a:pPr/>
+                <a14:m>
+                  <m:oMathPara xmlns:m="http://schemas.openxmlformats.org/officeDocument/2006/math">
+                    <m:oMathParaPr>
+                      <m:jc m:val="centerGroup"/>
+                    </m:oMathParaPr>
+                    <m:oMath xmlns:m="http://schemas.openxmlformats.org/officeDocument/2006/math">
+                      <m:sSup>
+                        <m:sSupPr>
+                          <m:ctrlPr>
+                            <a:rPr lang="en-US" altLang="zh-CN" sz="2800" b="1" i="1" smtClean="0">
+                              <a:latin typeface="Cambria Math" panose="02040503050406030204" pitchFamily="18" charset="0"/>
+                            </a:rPr>
+                          </m:ctrlPr>
+                        </m:sSupPr>
+                        <m:e>
+                          <m:r>
+                            <a:rPr lang="en-US" altLang="zh-CN" sz="2800" b="1" i="1" smtClean="0">
+                              <a:latin typeface="Cambria Math" panose="02040503050406030204" pitchFamily="18" charset="0"/>
+                            </a:rPr>
+                            <m:t>𝒙</m:t>
+                          </m:r>
+                        </m:e>
+                        <m:sup>
+                          <m:r>
+                            <a:rPr lang="en-US" altLang="zh-CN" sz="2800" b="1" i="1" smtClean="0">
+                              <a:latin typeface="Cambria Math" panose="02040503050406030204" pitchFamily="18" charset="0"/>
+                            </a:rPr>
+                            <m:t>′</m:t>
+                          </m:r>
+                        </m:sup>
+                      </m:sSup>
+                    </m:oMath>
+                  </m:oMathPara>
+                </a14:m>
+                <a:endParaRPr lang="zh-CN" altLang="en-US" b="1" dirty="0"/>
+              </a:p>
+            </p:txBody>
+          </p:sp>
+        </mc:Choice>
+        <mc:Fallback>
+          <p:sp>
+            <p:nvSpPr>
+              <p:cNvPr id="48" name="文本框 47">
+                <a:extLst>
+                  <a:ext uri="{FF2B5EF4-FFF2-40B4-BE49-F238E27FC236}">
+                    <a16:creationId xmlns:a16="http://schemas.microsoft.com/office/drawing/2014/main" id="{6B229DE2-FDE2-5056-071C-9915BDE1E745}"/>
+                  </a:ext>
+                </a:extLst>
+              </p:cNvPr>
+              <p:cNvSpPr txBox="1">
+                <a:spLocks noRot="1" noChangeAspect="1" noMove="1" noResize="1" noEditPoints="1" noAdjustHandles="1" noChangeArrowheads="1" noChangeShapeType="1" noTextEdit="1"/>
+              </p:cNvSpPr>
+              <p:nvPr/>
+            </p:nvSpPr>
+            <p:spPr>
+              <a:xfrm>
+                <a:off x="18827636" y="4834408"/>
+                <a:ext cx="392030" cy="430887"/>
+              </a:xfrm>
+              <a:prstGeom prst="rect">
+                <a:avLst/>
+              </a:prstGeom>
+              <a:blipFill>
+                <a:blip r:embed="rId3"/>
+                <a:stretch>
+                  <a:fillRect/>
+                </a:stretch>
+              </a:blipFill>
+            </p:spPr>
+            <p:txBody>
+              <a:bodyPr/>
+              <a:lstStyle/>
+              <a:p>
+                <a:r>
+                  <a:rPr lang="zh-CN" altLang="en-US">
+                    <a:noFill/>
+                  </a:rPr>
+                  <a:t> </a:t>
+                </a:r>
+              </a:p>
+            </p:txBody>
+          </p:sp>
+        </mc:Fallback>
+      </mc:AlternateContent>
+      <p:cxnSp>
+        <p:nvCxnSpPr>
+          <p:cNvPr id="52" name="连接符: 肘形 51">
+            <a:extLst>
+              <a:ext uri="{FF2B5EF4-FFF2-40B4-BE49-F238E27FC236}">
+                <a16:creationId xmlns:a16="http://schemas.microsoft.com/office/drawing/2014/main" id="{E079D3FC-0ED2-8189-1379-ABDC86DA92F3}"/>
+              </a:ext>
+            </a:extLst>
+          </p:cNvPr>
+          <p:cNvCxnSpPr>
+            <a:cxnSpLocks/>
+            <a:stCxn id="20" idx="3"/>
+            <a:endCxn id="142" idx="0"/>
+          </p:cNvCxnSpPr>
+          <p:nvPr/>
+        </p:nvCxnSpPr>
+        <p:spPr>
+          <a:xfrm>
+            <a:off x="15677391" y="3181490"/>
+            <a:ext cx="2205482" cy="1706387"/>
+          </a:xfrm>
+          <a:prstGeom prst="bentConnector2">
+            <a:avLst/>
+          </a:prstGeom>
+          <a:ln w="12700">
+            <a:tailEnd type="triangle"/>
+          </a:ln>
+        </p:spPr>
+        <p:style>
+          <a:lnRef idx="2">
+            <a:schemeClr val="accent1"/>
+          </a:lnRef>
+          <a:fillRef idx="0">
+            <a:schemeClr val="accent1"/>
+          </a:fillRef>
+          <a:effectRef idx="1">
+            <a:schemeClr val="accent1"/>
+          </a:effectRef>
+          <a:fontRef idx="minor">
+            <a:schemeClr val="tx1"/>
+          </a:fontRef>
+        </p:style>
+      </p:cxnSp>
+      <p:sp>
+        <p:nvSpPr>
+          <p:cNvPr id="56" name="文本框 55">
+            <a:extLst>
+              <a:ext uri="{FF2B5EF4-FFF2-40B4-BE49-F238E27FC236}">
+                <a16:creationId xmlns:a16="http://schemas.microsoft.com/office/drawing/2014/main" id="{C33144A0-59EA-D6AD-CDEC-C1E21E024CB1}"/>
+              </a:ext>
+            </a:extLst>
+          </p:cNvPr>
+          <p:cNvSpPr txBox="1"/>
+          <p:nvPr/>
+        </p:nvSpPr>
+        <p:spPr>
+          <a:xfrm>
+            <a:off x="9757249" y="7364186"/>
+            <a:ext cx="1235788" cy="400110"/>
+          </a:xfrm>
+          <a:prstGeom prst="rect">
+            <a:avLst/>
+          </a:prstGeom>
+          <a:noFill/>
+        </p:spPr>
+        <p:txBody>
+          <a:bodyPr wrap="none" rtlCol="0">
+            <a:spAutoFit/>
+          </a:bodyPr>
+          <a:lstStyle/>
+          <a:p>
+            <a:r>
+              <a:rPr lang="en-US" altLang="zh-CN" sz="2000" dirty="0">
+                <a:latin typeface="微软雅黑" panose="020B0503020204020204" pitchFamily="34" charset="-122"/>
+                <a:ea typeface="微软雅黑" panose="020B0503020204020204" pitchFamily="34" charset="-122"/>
+              </a:rPr>
+              <a:t>Shortcut</a:t>
+            </a:r>
+            <a:endParaRPr lang="zh-CN" altLang="en-US" sz="2000" dirty="0">
+              <a:latin typeface="微软雅黑" panose="020B0503020204020204" pitchFamily="34" charset="-122"/>
+              <a:ea typeface="微软雅黑" panose="020B0503020204020204" pitchFamily="34" charset="-122"/>
+            </a:endParaRPr>
+          </a:p>
+        </p:txBody>
+      </p:sp>
+      <p:cxnSp>
+        <p:nvCxnSpPr>
+          <p:cNvPr id="71" name="直接箭头连接符 70">
+            <a:extLst>
+              <a:ext uri="{FF2B5EF4-FFF2-40B4-BE49-F238E27FC236}">
+                <a16:creationId xmlns:a16="http://schemas.microsoft.com/office/drawing/2014/main" id="{DD973622-7D26-9DB6-CD37-7B666546DDBD}"/>
+              </a:ext>
+            </a:extLst>
+          </p:cNvPr>
+          <p:cNvCxnSpPr>
+            <a:cxnSpLocks/>
+            <a:stCxn id="142" idx="6"/>
+            <a:endCxn id="48" idx="1"/>
+          </p:cNvCxnSpPr>
+          <p:nvPr/>
+        </p:nvCxnSpPr>
+        <p:spPr>
+          <a:xfrm flipV="1">
+            <a:off x="18062873" y="5049852"/>
+            <a:ext cx="764763" cy="18025"/>
+          </a:xfrm>
+          <a:prstGeom prst="straightConnector1">
+            <a:avLst/>
+          </a:prstGeom>
+          <a:ln w="12700">
+            <a:tailEnd type="triangle"/>
+          </a:ln>
+        </p:spPr>
+        <p:style>
+          <a:lnRef idx="2">
+            <a:schemeClr val="accent1"/>
+          </a:lnRef>
+          <a:fillRef idx="0">
+            <a:schemeClr val="accent1"/>
+          </a:fillRef>
+          <a:effectRef idx="1">
+            <a:schemeClr val="accent1"/>
+          </a:effectRef>
+          <a:fontRef idx="minor">
+            <a:schemeClr val="tx1"/>
+          </a:fontRef>
+        </p:style>
+      </p:cxnSp>
+      <p:grpSp>
+        <p:nvGrpSpPr>
+          <p:cNvPr id="140" name="组合 139">
+            <a:extLst>
+              <a:ext uri="{FF2B5EF4-FFF2-40B4-BE49-F238E27FC236}">
+                <a16:creationId xmlns:a16="http://schemas.microsoft.com/office/drawing/2014/main" id="{CC1E5B0D-E5E8-0D95-EB5D-11A1DB06658A}"/>
+              </a:ext>
+            </a:extLst>
+          </p:cNvPr>
+          <p:cNvGrpSpPr/>
+          <p:nvPr/>
+        </p:nvGrpSpPr>
+        <p:grpSpPr>
+          <a:xfrm>
+            <a:off x="17702873" y="4887877"/>
+            <a:ext cx="360000" cy="363969"/>
+            <a:chOff x="5281075" y="4315800"/>
+            <a:chExt cx="360000" cy="363969"/>
+          </a:xfrm>
+        </p:grpSpPr>
+        <p:sp>
+          <p:nvSpPr>
+            <p:cNvPr id="141" name="加号 140">
+              <a:extLst>
+                <a:ext uri="{FF2B5EF4-FFF2-40B4-BE49-F238E27FC236}">
+                  <a16:creationId xmlns:a16="http://schemas.microsoft.com/office/drawing/2014/main" id="{67C8E18D-DB23-4C5D-BF99-8C07AD536706}"/>
+                </a:ext>
+              </a:extLst>
+            </p:cNvPr>
+            <p:cNvSpPr/>
+            <p:nvPr/>
+          </p:nvSpPr>
+          <p:spPr>
+            <a:xfrm>
+              <a:off x="5281075" y="4319769"/>
+              <a:ext cx="360000" cy="360000"/>
+            </a:xfrm>
+            <a:prstGeom prst="mathPlus">
+              <a:avLst>
+                <a:gd name="adj1" fmla="val 12933"/>
+              </a:avLst>
+            </a:prstGeom>
+            <a:noFill/>
+          </p:spPr>
+          <p:style>
+            <a:lnRef idx="2">
+              <a:schemeClr val="accent1">
+                <a:shade val="15000"/>
+              </a:schemeClr>
+            </a:lnRef>
+            <a:fillRef idx="1">
+              <a:schemeClr val="accent1"/>
+            </a:fillRef>
+            <a:effectRef idx="0">
+              <a:schemeClr val="accent1"/>
+            </a:effectRef>
+            <a:fontRef idx="minor">
+              <a:schemeClr val="lt1"/>
+            </a:fontRef>
+          </p:style>
+          <p:txBody>
+            <a:bodyPr rtlCol="0" anchor="ctr"/>
+            <a:lstStyle/>
+            <a:p>
+              <a:pPr algn="ctr"/>
+              <a:endParaRPr lang="zh-CN" altLang="en-US"/>
+            </a:p>
+          </p:txBody>
+        </p:sp>
+        <p:sp>
+          <p:nvSpPr>
+            <p:cNvPr id="142" name="椭圆 141">
+              <a:extLst>
+                <a:ext uri="{FF2B5EF4-FFF2-40B4-BE49-F238E27FC236}">
+                  <a16:creationId xmlns:a16="http://schemas.microsoft.com/office/drawing/2014/main" id="{3B88018F-21F9-6A2D-96AB-118C8032503F}"/>
+                </a:ext>
+              </a:extLst>
+            </p:cNvPr>
+            <p:cNvSpPr/>
+            <p:nvPr/>
+          </p:nvSpPr>
+          <p:spPr>
+            <a:xfrm>
+              <a:off x="5281075" y="4315800"/>
+              <a:ext cx="360000" cy="360000"/>
+            </a:xfrm>
+            <a:prstGeom prst="ellipse">
+              <a:avLst/>
+            </a:prstGeom>
+            <a:noFill/>
+          </p:spPr>
+          <p:style>
+            <a:lnRef idx="2">
+              <a:schemeClr val="accent1">
+                <a:shade val="15000"/>
+              </a:schemeClr>
+            </a:lnRef>
+            <a:fillRef idx="1">
+              <a:schemeClr val="accent1"/>
+            </a:fillRef>
+            <a:effectRef idx="0">
+              <a:schemeClr val="accent1"/>
+            </a:effectRef>
+            <a:fontRef idx="minor">
+              <a:schemeClr val="lt1"/>
+            </a:fontRef>
+          </p:style>
+          <p:txBody>
+            <a:bodyPr rtlCol="0" anchor="ctr"/>
+            <a:lstStyle/>
+            <a:p>
+              <a:pPr algn="ctr"/>
+              <a:endParaRPr lang="zh-CN" altLang="en-US"/>
+            </a:p>
+          </p:txBody>
+        </p:sp>
+      </p:grpSp>
+      <mc:AlternateContent xmlns:mc="http://schemas.openxmlformats.org/markup-compatibility/2006">
+        <mc:Choice xmlns:a14="http://schemas.microsoft.com/office/drawing/2010/main" Requires="a14">
+          <p:sp>
+            <p:nvSpPr>
+              <p:cNvPr id="9" name="文本框 8">
+                <a:extLst>
+                  <a:ext uri="{FF2B5EF4-FFF2-40B4-BE49-F238E27FC236}">
+                    <a16:creationId xmlns:a16="http://schemas.microsoft.com/office/drawing/2014/main" id="{354C503B-F4EF-F2FF-DEEA-D18B7CA7A987}"/>
+                  </a:ext>
+                </a:extLst>
+              </p:cNvPr>
+              <p:cNvSpPr txBox="1"/>
+              <p:nvPr/>
+            </p:nvSpPr>
+            <p:spPr>
+              <a:xfrm>
+                <a:off x="5542786" y="3016286"/>
+                <a:ext cx="767839" cy="369332"/>
+              </a:xfrm>
+              <a:prstGeom prst="rect">
+                <a:avLst/>
+              </a:prstGeom>
+              <a:noFill/>
+            </p:spPr>
+            <p:txBody>
+              <a:bodyPr wrap="none" lIns="0" tIns="0" rIns="0" bIns="0" rtlCol="0">
+                <a:spAutoFit/>
+              </a:bodyPr>
+              <a:lstStyle/>
+              <a:p>
+                <a14:m>
+                  <m:oMathPara xmlns:m="http://schemas.openxmlformats.org/officeDocument/2006/math">
+                    <m:oMathParaPr>
+                      <m:jc m:val="centerGroup"/>
+                    </m:oMathParaPr>
+                    <m:oMath xmlns:m="http://schemas.openxmlformats.org/officeDocument/2006/math">
+                      <m:r>
+                        <m:rPr>
+                          <m:sty m:val="p"/>
+                        </m:rPr>
+                        <a:rPr lang="en-US" altLang="zh-CN" sz="2400" b="0" i="0" smtClean="0">
+                          <a:latin typeface="Cambria Math" panose="02040503050406030204" pitchFamily="18" charset="0"/>
+                        </a:rPr>
+                        <m:t>R</m:t>
+                      </m:r>
+                      <m:r>
+                        <m:rPr>
+                          <m:sty m:val="p"/>
+                        </m:rPr>
+                        <a:rPr lang="en-US" altLang="zh-CN" sz="2400" b="0" i="0">
+                          <a:latin typeface="Cambria Math" panose="02040503050406030204" pitchFamily="18" charset="0"/>
+                        </a:rPr>
+                        <m:t>eLU</m:t>
+                      </m:r>
+                    </m:oMath>
+                  </m:oMathPara>
+                </a14:m>
+                <a:endParaRPr lang="zh-CN" altLang="en-US" sz="2400" dirty="0"/>
+              </a:p>
+            </p:txBody>
+          </p:sp>
+        </mc:Choice>
+        <mc:Fallback>
+          <p:sp>
+            <p:nvSpPr>
+              <p:cNvPr id="9" name="文本框 8">
+                <a:extLst>
+                  <a:ext uri="{FF2B5EF4-FFF2-40B4-BE49-F238E27FC236}">
+                    <a16:creationId xmlns:a16="http://schemas.microsoft.com/office/drawing/2014/main" id="{354C503B-F4EF-F2FF-DEEA-D18B7CA7A987}"/>
+                  </a:ext>
+                </a:extLst>
+              </p:cNvPr>
+              <p:cNvSpPr txBox="1">
+                <a:spLocks noRot="1" noChangeAspect="1" noMove="1" noResize="1" noEditPoints="1" noAdjustHandles="1" noChangeArrowheads="1" noChangeShapeType="1" noTextEdit="1"/>
+              </p:cNvSpPr>
+              <p:nvPr/>
+            </p:nvSpPr>
+            <p:spPr>
+              <a:xfrm>
+                <a:off x="5542786" y="3016286"/>
+                <a:ext cx="767839" cy="369332"/>
+              </a:xfrm>
+              <a:prstGeom prst="rect">
+                <a:avLst/>
+              </a:prstGeom>
+              <a:blipFill>
+                <a:blip r:embed="rId4"/>
+                <a:stretch>
+                  <a:fillRect l="-8730" r="-9524" b="-5000"/>
+                </a:stretch>
+              </a:blipFill>
+            </p:spPr>
+            <p:txBody>
+              <a:bodyPr/>
+              <a:lstStyle/>
+              <a:p>
+                <a:r>
+                  <a:rPr lang="zh-CN" altLang="en-US">
+                    <a:noFill/>
+                  </a:rPr>
+                  <a:t> </a:t>
+                </a:r>
+              </a:p>
+            </p:txBody>
+          </p:sp>
+        </mc:Fallback>
+      </mc:AlternateContent>
+      <p:sp>
+        <p:nvSpPr>
+          <p:cNvPr id="15" name="矩形: 圆角 14">
+            <a:extLst>
+              <a:ext uri="{FF2B5EF4-FFF2-40B4-BE49-F238E27FC236}">
+                <a16:creationId xmlns:a16="http://schemas.microsoft.com/office/drawing/2014/main" id="{FB6F68B1-A79C-8536-521E-575377D7B9AE}"/>
+              </a:ext>
+            </a:extLst>
+          </p:cNvPr>
+          <p:cNvSpPr/>
+          <p:nvPr/>
+        </p:nvSpPr>
+        <p:spPr>
+          <a:xfrm>
+            <a:off x="7504565" y="2868219"/>
+            <a:ext cx="1266186" cy="665467"/>
+          </a:xfrm>
+          <a:prstGeom prst="roundRect">
+            <a:avLst>
+              <a:gd name="adj" fmla="val 0"/>
+            </a:avLst>
+          </a:prstGeom>
+          <a:noFill/>
+          <a:ln>
+            <a:solidFill>
+              <a:schemeClr val="tx1"/>
+            </a:solidFill>
+          </a:ln>
+        </p:spPr>
+        <p:style>
+          <a:lnRef idx="2">
+            <a:schemeClr val="accent1">
+              <a:shade val="15000"/>
+            </a:schemeClr>
+          </a:lnRef>
+          <a:fillRef idx="1">
+            <a:schemeClr val="accent1"/>
+          </a:fillRef>
+          <a:effectRef idx="0">
+            <a:schemeClr val="accent1"/>
+          </a:effectRef>
+          <a:fontRef idx="minor">
+            <a:schemeClr val="lt1"/>
+          </a:fontRef>
+        </p:style>
+        <p:txBody>
+          <a:bodyPr rtlCol="0" anchor="ctr"/>
+          <a:lstStyle/>
+          <a:p>
+            <a:pPr algn="ctr"/>
+            <a:endParaRPr lang="zh-CN" altLang="en-US" sz="3189"/>
+          </a:p>
+        </p:txBody>
+      </p:sp>
+      <mc:AlternateContent xmlns:mc="http://schemas.openxmlformats.org/markup-compatibility/2006">
+        <mc:Choice xmlns:a14="http://schemas.microsoft.com/office/drawing/2010/main" Requires="a14">
+          <p:sp>
+            <p:nvSpPr>
+              <p:cNvPr id="22" name="文本框 21">
+                <a:extLst>
+                  <a:ext uri="{FF2B5EF4-FFF2-40B4-BE49-F238E27FC236}">
+                    <a16:creationId xmlns:a16="http://schemas.microsoft.com/office/drawing/2014/main" id="{286E6465-2651-A0D9-3178-420BA7DAC66A}"/>
+                  </a:ext>
+                </a:extLst>
+              </p:cNvPr>
+              <p:cNvSpPr txBox="1"/>
+              <p:nvPr/>
+            </p:nvSpPr>
+            <p:spPr>
+              <a:xfrm>
+                <a:off x="7590783" y="3016286"/>
+                <a:ext cx="1067600" cy="369332"/>
+              </a:xfrm>
+              <a:prstGeom prst="rect">
+                <a:avLst/>
+              </a:prstGeom>
+              <a:noFill/>
+            </p:spPr>
+            <p:txBody>
+              <a:bodyPr wrap="none" lIns="0" tIns="0" rIns="0" bIns="0" rtlCol="0">
+                <a:spAutoFit/>
+              </a:bodyPr>
+              <a:lstStyle/>
+              <a:p>
+                <a14:m>
+                  <m:oMathPara xmlns:m="http://schemas.openxmlformats.org/officeDocument/2006/math">
+                    <m:oMathParaPr>
+                      <m:jc m:val="centerGroup"/>
+                    </m:oMathParaPr>
+                    <m:oMath xmlns:m="http://schemas.openxmlformats.org/officeDocument/2006/math">
+                      <m:r>
+                        <m:rPr>
+                          <m:sty m:val="p"/>
+                        </m:rPr>
+                        <a:rPr lang="en-US" altLang="zh-CN" sz="2400" b="0" i="0" smtClean="0">
+                          <a:latin typeface="Cambria Math" panose="02040503050406030204" pitchFamily="18" charset="0"/>
+                        </a:rPr>
+                        <m:t>Conv</m:t>
+                      </m:r>
+                      <m:r>
+                        <a:rPr lang="en-US" altLang="zh-CN" sz="2400" b="0" i="0" smtClean="0">
+                          <a:latin typeface="Cambria Math" panose="02040503050406030204" pitchFamily="18" charset="0"/>
+                        </a:rPr>
+                        <m:t>2</m:t>
+                      </m:r>
+                      <m:r>
+                        <m:rPr>
+                          <m:sty m:val="p"/>
+                        </m:rPr>
+                        <a:rPr lang="en-US" altLang="zh-CN" sz="2400" b="0" i="0" smtClean="0">
+                          <a:latin typeface="Cambria Math" panose="02040503050406030204" pitchFamily="18" charset="0"/>
+                        </a:rPr>
+                        <m:t>d</m:t>
+                      </m:r>
+                    </m:oMath>
+                  </m:oMathPara>
+                </a14:m>
+                <a:endParaRPr lang="zh-CN" altLang="en-US" sz="2400" dirty="0"/>
+              </a:p>
+            </p:txBody>
+          </p:sp>
+        </mc:Choice>
+        <mc:Fallback>
+          <p:sp>
+            <p:nvSpPr>
+              <p:cNvPr id="22" name="文本框 21">
+                <a:extLst>
+                  <a:ext uri="{FF2B5EF4-FFF2-40B4-BE49-F238E27FC236}">
+                    <a16:creationId xmlns:a16="http://schemas.microsoft.com/office/drawing/2014/main" id="{286E6465-2651-A0D9-3178-420BA7DAC66A}"/>
+                  </a:ext>
+                </a:extLst>
+              </p:cNvPr>
+              <p:cNvSpPr txBox="1">
+                <a:spLocks noRot="1" noChangeAspect="1" noMove="1" noResize="1" noEditPoints="1" noAdjustHandles="1" noChangeArrowheads="1" noChangeShapeType="1" noTextEdit="1"/>
+              </p:cNvSpPr>
+              <p:nvPr/>
+            </p:nvSpPr>
+            <p:spPr>
+              <a:xfrm>
+                <a:off x="7590783" y="3016286"/>
+                <a:ext cx="1067600" cy="369332"/>
+              </a:xfrm>
+              <a:prstGeom prst="rect">
+                <a:avLst/>
+              </a:prstGeom>
+              <a:blipFill>
+                <a:blip r:embed="rId5"/>
+                <a:stretch>
+                  <a:fillRect l="-6857" r="-7429" b="-6667"/>
+                </a:stretch>
+              </a:blipFill>
+            </p:spPr>
+            <p:txBody>
+              <a:bodyPr/>
+              <a:lstStyle/>
+              <a:p>
+                <a:r>
+                  <a:rPr lang="zh-CN" altLang="en-US">
+                    <a:noFill/>
+                  </a:rPr>
+                  <a:t> </a:t>
+                </a:r>
+              </a:p>
+            </p:txBody>
+          </p:sp>
+        </mc:Fallback>
+      </mc:AlternateContent>
+      <p:sp>
+        <p:nvSpPr>
+          <p:cNvPr id="23" name="矩形: 圆角 22">
+            <a:extLst>
+              <a:ext uri="{FF2B5EF4-FFF2-40B4-BE49-F238E27FC236}">
+                <a16:creationId xmlns:a16="http://schemas.microsoft.com/office/drawing/2014/main" id="{AE407B6F-61E8-15A2-1107-766E558A1114}"/>
+              </a:ext>
+            </a:extLst>
+          </p:cNvPr>
+          <p:cNvSpPr/>
+          <p:nvPr/>
+        </p:nvSpPr>
+        <p:spPr>
+          <a:xfrm>
+            <a:off x="9790985" y="2868219"/>
+            <a:ext cx="1266186" cy="665467"/>
+          </a:xfrm>
+          <a:prstGeom prst="roundRect">
+            <a:avLst>
+              <a:gd name="adj" fmla="val 0"/>
+            </a:avLst>
+          </a:prstGeom>
+          <a:noFill/>
+          <a:ln>
+            <a:solidFill>
+              <a:schemeClr val="tx1"/>
+            </a:solidFill>
+          </a:ln>
+        </p:spPr>
+        <p:style>
+          <a:lnRef idx="2">
+            <a:schemeClr val="accent1">
+              <a:shade val="15000"/>
+            </a:schemeClr>
+          </a:lnRef>
+          <a:fillRef idx="1">
+            <a:schemeClr val="accent1"/>
+          </a:fillRef>
+          <a:effectRef idx="0">
+            <a:schemeClr val="accent1"/>
+          </a:effectRef>
+          <a:fontRef idx="minor">
+            <a:schemeClr val="lt1"/>
+          </a:fontRef>
+        </p:style>
+        <p:txBody>
+          <a:bodyPr rtlCol="0" anchor="ctr"/>
+          <a:lstStyle/>
+          <a:p>
+            <a:pPr algn="ctr"/>
+            <a:endParaRPr lang="zh-CN" altLang="en-US" sz="3189"/>
+          </a:p>
+        </p:txBody>
+      </p:sp>
+      <mc:AlternateContent xmlns:mc="http://schemas.openxmlformats.org/markup-compatibility/2006">
+        <mc:Choice xmlns:a14="http://schemas.microsoft.com/office/drawing/2010/main" Requires="a14">
+          <p:sp>
+            <p:nvSpPr>
+              <p:cNvPr id="24" name="文本框 23">
+                <a:extLst>
+                  <a:ext uri="{FF2B5EF4-FFF2-40B4-BE49-F238E27FC236}">
+                    <a16:creationId xmlns:a16="http://schemas.microsoft.com/office/drawing/2014/main" id="{590FEBF7-3E65-D037-34BB-240A152A0289}"/>
+                  </a:ext>
+                </a:extLst>
+              </p:cNvPr>
+              <p:cNvSpPr txBox="1"/>
+              <p:nvPr/>
+            </p:nvSpPr>
+            <p:spPr>
+              <a:xfrm>
+                <a:off x="10040158" y="3016286"/>
+                <a:ext cx="767839" cy="369332"/>
+              </a:xfrm>
+              <a:prstGeom prst="rect">
+                <a:avLst/>
+              </a:prstGeom>
+              <a:noFill/>
+            </p:spPr>
+            <p:txBody>
+              <a:bodyPr wrap="none" lIns="0" tIns="0" rIns="0" bIns="0" rtlCol="0">
+                <a:spAutoFit/>
+              </a:bodyPr>
+              <a:lstStyle/>
+              <a:p>
+                <a14:m>
+                  <m:oMathPara xmlns:m="http://schemas.openxmlformats.org/officeDocument/2006/math">
+                    <m:oMathParaPr>
+                      <m:jc m:val="centerGroup"/>
+                    </m:oMathParaPr>
+                    <m:oMath xmlns:m="http://schemas.openxmlformats.org/officeDocument/2006/math">
+                      <m:r>
+                        <m:rPr>
+                          <m:sty m:val="p"/>
+                        </m:rPr>
+                        <a:rPr lang="en-US" altLang="zh-CN" sz="2400" b="0" i="0" smtClean="0">
+                          <a:latin typeface="Cambria Math" panose="02040503050406030204" pitchFamily="18" charset="0"/>
+                        </a:rPr>
+                        <m:t>R</m:t>
+                      </m:r>
+                      <m:r>
+                        <m:rPr>
+                          <m:sty m:val="p"/>
+                        </m:rPr>
+                        <a:rPr lang="en-US" altLang="zh-CN" sz="2400" b="0" i="0">
+                          <a:latin typeface="Cambria Math" panose="02040503050406030204" pitchFamily="18" charset="0"/>
+                        </a:rPr>
+                        <m:t>eLU</m:t>
+                      </m:r>
+                    </m:oMath>
+                  </m:oMathPara>
+                </a14:m>
+                <a:endParaRPr lang="zh-CN" altLang="en-US" sz="2400" dirty="0"/>
+              </a:p>
+            </p:txBody>
+          </p:sp>
+        </mc:Choice>
+        <mc:Fallback>
+          <p:sp>
+            <p:nvSpPr>
+              <p:cNvPr id="24" name="文本框 23">
+                <a:extLst>
+                  <a:ext uri="{FF2B5EF4-FFF2-40B4-BE49-F238E27FC236}">
+                    <a16:creationId xmlns:a16="http://schemas.microsoft.com/office/drawing/2014/main" id="{590FEBF7-3E65-D037-34BB-240A152A0289}"/>
+                  </a:ext>
+                </a:extLst>
+              </p:cNvPr>
+              <p:cNvSpPr txBox="1">
+                <a:spLocks noRot="1" noChangeAspect="1" noMove="1" noResize="1" noEditPoints="1" noAdjustHandles="1" noChangeArrowheads="1" noChangeShapeType="1" noTextEdit="1"/>
+              </p:cNvSpPr>
+              <p:nvPr/>
+            </p:nvSpPr>
+            <p:spPr>
+              <a:xfrm>
+                <a:off x="10040158" y="3016286"/>
+                <a:ext cx="767839" cy="369332"/>
+              </a:xfrm>
+              <a:prstGeom prst="rect">
+                <a:avLst/>
+              </a:prstGeom>
+              <a:blipFill>
+                <a:blip r:embed="rId6"/>
+                <a:stretch>
+                  <a:fillRect l="-8730" r="-9524" b="-5000"/>
+                </a:stretch>
+              </a:blipFill>
+            </p:spPr>
+            <p:txBody>
+              <a:bodyPr/>
+              <a:lstStyle/>
+              <a:p>
+                <a:r>
+                  <a:rPr lang="zh-CN" altLang="en-US">
+                    <a:noFill/>
+                  </a:rPr>
+                  <a:t> </a:t>
+                </a:r>
+              </a:p>
+            </p:txBody>
+          </p:sp>
+        </mc:Fallback>
+      </mc:AlternateContent>
+      <p:sp>
+        <p:nvSpPr>
+          <p:cNvPr id="27" name="矩形: 圆角 26">
+            <a:extLst>
+              <a:ext uri="{FF2B5EF4-FFF2-40B4-BE49-F238E27FC236}">
+                <a16:creationId xmlns:a16="http://schemas.microsoft.com/office/drawing/2014/main" id="{350DCE38-19D7-C636-C294-62A407936C91}"/>
+              </a:ext>
+            </a:extLst>
+          </p:cNvPr>
+          <p:cNvSpPr/>
+          <p:nvPr/>
+        </p:nvSpPr>
+        <p:spPr>
+          <a:xfrm>
+            <a:off x="12061567" y="2868219"/>
+            <a:ext cx="1266186" cy="665467"/>
+          </a:xfrm>
+          <a:prstGeom prst="roundRect">
+            <a:avLst>
+              <a:gd name="adj" fmla="val 0"/>
+            </a:avLst>
+          </a:prstGeom>
+          <a:noFill/>
+          <a:ln>
+            <a:solidFill>
+              <a:schemeClr val="tx1"/>
+            </a:solidFill>
+          </a:ln>
+        </p:spPr>
+        <p:style>
+          <a:lnRef idx="2">
+            <a:schemeClr val="accent1">
+              <a:shade val="15000"/>
+            </a:schemeClr>
+          </a:lnRef>
+          <a:fillRef idx="1">
+            <a:schemeClr val="accent1"/>
+          </a:fillRef>
+          <a:effectRef idx="0">
+            <a:schemeClr val="accent1"/>
+          </a:effectRef>
+          <a:fontRef idx="minor">
+            <a:schemeClr val="lt1"/>
+          </a:fontRef>
+        </p:style>
+        <p:txBody>
+          <a:bodyPr rtlCol="0" anchor="ctr"/>
+          <a:lstStyle/>
+          <a:p>
+            <a:pPr algn="ctr"/>
+            <a:endParaRPr lang="zh-CN" altLang="en-US" sz="3189"/>
+          </a:p>
+        </p:txBody>
+      </p:sp>
+      <mc:AlternateContent xmlns:mc="http://schemas.openxmlformats.org/markup-compatibility/2006">
+        <mc:Choice xmlns:a14="http://schemas.microsoft.com/office/drawing/2010/main" Requires="a14">
+          <p:sp>
+            <p:nvSpPr>
+              <p:cNvPr id="28" name="文本框 27">
+                <a:extLst>
+                  <a:ext uri="{FF2B5EF4-FFF2-40B4-BE49-F238E27FC236}">
+                    <a16:creationId xmlns:a16="http://schemas.microsoft.com/office/drawing/2014/main" id="{AFC7B37D-98EE-4EE7-4E53-DCD1B31A5C5B}"/>
+                  </a:ext>
+                </a:extLst>
+              </p:cNvPr>
+              <p:cNvSpPr txBox="1"/>
+              <p:nvPr/>
+            </p:nvSpPr>
+            <p:spPr>
+              <a:xfrm>
+                <a:off x="12147785" y="3016286"/>
+                <a:ext cx="1067600" cy="369332"/>
+              </a:xfrm>
+              <a:prstGeom prst="rect">
+                <a:avLst/>
+              </a:prstGeom>
+              <a:noFill/>
+            </p:spPr>
+            <p:txBody>
+              <a:bodyPr wrap="none" lIns="0" tIns="0" rIns="0" bIns="0" rtlCol="0">
+                <a:spAutoFit/>
+              </a:bodyPr>
+              <a:lstStyle/>
+              <a:p>
+                <a14:m>
+                  <m:oMathPara xmlns:m="http://schemas.openxmlformats.org/officeDocument/2006/math">
+                    <m:oMathParaPr>
+                      <m:jc m:val="centerGroup"/>
+                    </m:oMathParaPr>
+                    <m:oMath xmlns:m="http://schemas.openxmlformats.org/officeDocument/2006/math">
+                      <m:r>
+                        <m:rPr>
+                          <m:sty m:val="p"/>
+                        </m:rPr>
+                        <a:rPr lang="en-US" altLang="zh-CN" sz="2400" b="0" i="0" smtClean="0">
+                          <a:latin typeface="Cambria Math" panose="02040503050406030204" pitchFamily="18" charset="0"/>
+                        </a:rPr>
+                        <m:t>Conv</m:t>
+                      </m:r>
+                      <m:r>
+                        <a:rPr lang="en-US" altLang="zh-CN" sz="2400" b="0" i="0" smtClean="0">
+                          <a:latin typeface="Cambria Math" panose="02040503050406030204" pitchFamily="18" charset="0"/>
+                        </a:rPr>
+                        <m:t>2</m:t>
+                      </m:r>
+                      <m:r>
+                        <m:rPr>
+                          <m:sty m:val="p"/>
+                        </m:rPr>
+                        <a:rPr lang="en-US" altLang="zh-CN" sz="2400" b="0" i="0" smtClean="0">
+                          <a:latin typeface="Cambria Math" panose="02040503050406030204" pitchFamily="18" charset="0"/>
+                        </a:rPr>
+                        <m:t>d</m:t>
+                      </m:r>
+                    </m:oMath>
+                  </m:oMathPara>
+                </a14:m>
+                <a:endParaRPr lang="zh-CN" altLang="en-US" sz="2400" dirty="0"/>
+              </a:p>
+            </p:txBody>
+          </p:sp>
+        </mc:Choice>
+        <mc:Fallback>
+          <p:sp>
+            <p:nvSpPr>
+              <p:cNvPr id="28" name="文本框 27">
+                <a:extLst>
+                  <a:ext uri="{FF2B5EF4-FFF2-40B4-BE49-F238E27FC236}">
+                    <a16:creationId xmlns:a16="http://schemas.microsoft.com/office/drawing/2014/main" id="{AFC7B37D-98EE-4EE7-4E53-DCD1B31A5C5B}"/>
+                  </a:ext>
+                </a:extLst>
+              </p:cNvPr>
+              <p:cNvSpPr txBox="1">
+                <a:spLocks noRot="1" noChangeAspect="1" noMove="1" noResize="1" noEditPoints="1" noAdjustHandles="1" noChangeArrowheads="1" noChangeShapeType="1" noTextEdit="1"/>
+              </p:cNvSpPr>
+              <p:nvPr/>
+            </p:nvSpPr>
+            <p:spPr>
+              <a:xfrm>
+                <a:off x="12147785" y="3016286"/>
+                <a:ext cx="1067600" cy="369332"/>
+              </a:xfrm>
+              <a:prstGeom prst="rect">
+                <a:avLst/>
+              </a:prstGeom>
+              <a:blipFill>
+                <a:blip r:embed="rId7"/>
+                <a:stretch>
+                  <a:fillRect l="-6857" r="-7429" b="-6667"/>
+                </a:stretch>
+              </a:blipFill>
+            </p:spPr>
+            <p:txBody>
+              <a:bodyPr/>
+              <a:lstStyle/>
+              <a:p>
+                <a:r>
+                  <a:rPr lang="zh-CN" altLang="en-US">
+                    <a:noFill/>
+                  </a:rPr>
+                  <a:t> </a:t>
+                </a:r>
+              </a:p>
+            </p:txBody>
+          </p:sp>
+        </mc:Fallback>
+      </mc:AlternateContent>
+      <p:sp>
+        <p:nvSpPr>
+          <p:cNvPr id="29" name="矩形: 圆角 28">
+            <a:extLst>
+              <a:ext uri="{FF2B5EF4-FFF2-40B4-BE49-F238E27FC236}">
+                <a16:creationId xmlns:a16="http://schemas.microsoft.com/office/drawing/2014/main" id="{3CFAC028-5538-E1A8-ACD3-FA70052C36A4}"/>
+              </a:ext>
+            </a:extLst>
+          </p:cNvPr>
+          <p:cNvSpPr/>
+          <p:nvPr/>
+        </p:nvSpPr>
+        <p:spPr>
+          <a:xfrm>
+            <a:off x="14211798" y="2871037"/>
+            <a:ext cx="1266186" cy="665467"/>
+          </a:xfrm>
+          <a:prstGeom prst="roundRect">
+            <a:avLst>
+              <a:gd name="adj" fmla="val 0"/>
+            </a:avLst>
+          </a:prstGeom>
+          <a:solidFill>
+            <a:schemeClr val="tx2">
+              <a:lumMod val="10000"/>
+              <a:lumOff val="90000"/>
+            </a:schemeClr>
+          </a:solidFill>
+          <a:ln>
+            <a:solidFill>
+              <a:schemeClr val="tx1"/>
+            </a:solidFill>
+          </a:ln>
+        </p:spPr>
+        <p:style>
+          <a:lnRef idx="2">
+            <a:schemeClr val="accent1">
+              <a:shade val="15000"/>
+            </a:schemeClr>
+          </a:lnRef>
+          <a:fillRef idx="1">
+            <a:schemeClr val="accent1"/>
+          </a:fillRef>
+          <a:effectRef idx="0">
+            <a:schemeClr val="accent1"/>
+          </a:effectRef>
+          <a:fontRef idx="minor">
+            <a:schemeClr val="lt1"/>
+          </a:fontRef>
+        </p:style>
+        <p:txBody>
+          <a:bodyPr rtlCol="0" anchor="ctr"/>
+          <a:lstStyle/>
+          <a:p>
+            <a:pPr algn="ctr"/>
+            <a:endParaRPr lang="zh-CN" altLang="en-US" sz="3189"/>
+          </a:p>
+        </p:txBody>
+      </p:sp>
+      <mc:AlternateContent xmlns:mc="http://schemas.openxmlformats.org/markup-compatibility/2006">
+        <mc:Choice xmlns:a14="http://schemas.microsoft.com/office/drawing/2010/main" Requires="a14">
+          <p:sp>
+            <p:nvSpPr>
+              <p:cNvPr id="30" name="文本框 29">
+                <a:extLst>
+                  <a:ext uri="{FF2B5EF4-FFF2-40B4-BE49-F238E27FC236}">
+                    <a16:creationId xmlns:a16="http://schemas.microsoft.com/office/drawing/2014/main" id="{E1911AD9-E010-ACF4-60A0-1CC3A512C546}"/>
+                  </a:ext>
+                </a:extLst>
+              </p:cNvPr>
+              <p:cNvSpPr txBox="1"/>
+              <p:nvPr/>
+            </p:nvSpPr>
+            <p:spPr>
+              <a:xfrm>
+                <a:off x="14486760" y="3016286"/>
+                <a:ext cx="647613" cy="369332"/>
+              </a:xfrm>
+              <a:prstGeom prst="rect">
+                <a:avLst/>
+              </a:prstGeom>
+              <a:noFill/>
+            </p:spPr>
+            <p:txBody>
+              <a:bodyPr wrap="none" lIns="0" tIns="0" rIns="0" bIns="0" rtlCol="0">
+                <a:spAutoFit/>
+              </a:bodyPr>
+              <a:lstStyle/>
+              <a:p>
+                <a14:m>
+                  <m:oMathPara xmlns:m="http://schemas.openxmlformats.org/officeDocument/2006/math">
+                    <m:oMathParaPr>
+                      <m:jc m:val="centerGroup"/>
+                    </m:oMathParaPr>
+                    <m:oMath xmlns:m="http://schemas.openxmlformats.org/officeDocument/2006/math">
+                      <m:r>
+                        <m:rPr>
+                          <m:sty m:val="p"/>
+                        </m:rPr>
+                        <a:rPr lang="en-US" altLang="zh-CN" sz="2400" b="0" i="0" smtClean="0">
+                          <a:latin typeface="Cambria Math" panose="02040503050406030204" pitchFamily="18" charset="0"/>
+                        </a:rPr>
+                        <m:t>Pool</m:t>
+                      </m:r>
+                    </m:oMath>
+                  </m:oMathPara>
+                </a14:m>
+                <a:endParaRPr lang="zh-CN" altLang="en-US" sz="2400" dirty="0"/>
+              </a:p>
+            </p:txBody>
+          </p:sp>
+        </mc:Choice>
+        <mc:Fallback>
+          <p:sp>
+            <p:nvSpPr>
+              <p:cNvPr id="30" name="文本框 29">
+                <a:extLst>
+                  <a:ext uri="{FF2B5EF4-FFF2-40B4-BE49-F238E27FC236}">
+                    <a16:creationId xmlns:a16="http://schemas.microsoft.com/office/drawing/2014/main" id="{E1911AD9-E010-ACF4-60A0-1CC3A512C546}"/>
+                  </a:ext>
+                </a:extLst>
+              </p:cNvPr>
+              <p:cNvSpPr txBox="1">
+                <a:spLocks noRot="1" noChangeAspect="1" noMove="1" noResize="1" noEditPoints="1" noAdjustHandles="1" noChangeArrowheads="1" noChangeShapeType="1" noTextEdit="1"/>
+              </p:cNvSpPr>
+              <p:nvPr/>
+            </p:nvSpPr>
+            <p:spPr>
+              <a:xfrm>
+                <a:off x="14486760" y="3016286"/>
+                <a:ext cx="647613" cy="369332"/>
+              </a:xfrm>
+              <a:prstGeom prst="rect">
+                <a:avLst/>
+              </a:prstGeom>
+              <a:blipFill>
+                <a:blip r:embed="rId8"/>
+                <a:stretch>
+                  <a:fillRect l="-12150" r="-11215" b="-6667"/>
+                </a:stretch>
+              </a:blipFill>
+            </p:spPr>
+            <p:txBody>
+              <a:bodyPr/>
+              <a:lstStyle/>
+              <a:p>
+                <a:r>
+                  <a:rPr lang="zh-CN" altLang="en-US">
+                    <a:noFill/>
+                  </a:rPr>
+                  <a:t> </a:t>
+                </a:r>
+              </a:p>
+            </p:txBody>
+          </p:sp>
+        </mc:Fallback>
+      </mc:AlternateContent>
+      <p:cxnSp>
+        <p:nvCxnSpPr>
+          <p:cNvPr id="49" name="直接箭头连接符 48">
+            <a:extLst>
+              <a:ext uri="{FF2B5EF4-FFF2-40B4-BE49-F238E27FC236}">
+                <a16:creationId xmlns:a16="http://schemas.microsoft.com/office/drawing/2014/main" id="{C2B87A13-E74E-2364-F91E-EEEF2BE822AA}"/>
+              </a:ext>
+            </a:extLst>
+          </p:cNvPr>
+          <p:cNvCxnSpPr>
+            <a:cxnSpLocks/>
+            <a:stCxn id="15" idx="3"/>
+            <a:endCxn id="23" idx="1"/>
+          </p:cNvCxnSpPr>
+          <p:nvPr/>
+        </p:nvCxnSpPr>
+        <p:spPr>
+          <a:xfrm>
+            <a:off x="8770751" y="3200953"/>
+            <a:ext cx="1020234" cy="0"/>
+          </a:xfrm>
+          <a:prstGeom prst="straightConnector1">
+            <a:avLst/>
+          </a:prstGeom>
+          <a:ln w="12700">
+            <a:tailEnd type="triangle"/>
+          </a:ln>
+        </p:spPr>
+        <p:style>
+          <a:lnRef idx="2">
+            <a:schemeClr val="accent1"/>
+          </a:lnRef>
+          <a:fillRef idx="0">
+            <a:schemeClr val="accent1"/>
+          </a:fillRef>
+          <a:effectRef idx="1">
+            <a:schemeClr val="accent1"/>
+          </a:effectRef>
+          <a:fontRef idx="minor">
+            <a:schemeClr val="tx1"/>
+          </a:fontRef>
+        </p:style>
+      </p:cxnSp>
+      <p:cxnSp>
+        <p:nvCxnSpPr>
+          <p:cNvPr id="57" name="直接箭头连接符 56">
+            <a:extLst>
+              <a:ext uri="{FF2B5EF4-FFF2-40B4-BE49-F238E27FC236}">
+                <a16:creationId xmlns:a16="http://schemas.microsoft.com/office/drawing/2014/main" id="{FE74CE79-C88B-DA69-BF40-306A52E629B0}"/>
+              </a:ext>
+            </a:extLst>
+          </p:cNvPr>
+          <p:cNvCxnSpPr>
+            <a:cxnSpLocks/>
+            <a:stCxn id="23" idx="3"/>
+            <a:endCxn id="27" idx="1"/>
+          </p:cNvCxnSpPr>
+          <p:nvPr/>
+        </p:nvCxnSpPr>
+        <p:spPr>
+          <a:xfrm>
+            <a:off x="11057171" y="3200953"/>
+            <a:ext cx="1004396" cy="0"/>
+          </a:xfrm>
+          <a:prstGeom prst="straightConnector1">
+            <a:avLst/>
+          </a:prstGeom>
+          <a:ln w="12700">
+            <a:tailEnd type="triangle"/>
+          </a:ln>
+        </p:spPr>
+        <p:style>
+          <a:lnRef idx="2">
+            <a:schemeClr val="accent1"/>
+          </a:lnRef>
+          <a:fillRef idx="0">
+            <a:schemeClr val="accent1"/>
+          </a:fillRef>
+          <a:effectRef idx="1">
+            <a:schemeClr val="accent1"/>
+          </a:effectRef>
+          <a:fontRef idx="minor">
+            <a:schemeClr val="tx1"/>
+          </a:fontRef>
+        </p:style>
+      </p:cxnSp>
+      <p:cxnSp>
+        <p:nvCxnSpPr>
+          <p:cNvPr id="60" name="直接箭头连接符 59">
+            <a:extLst>
+              <a:ext uri="{FF2B5EF4-FFF2-40B4-BE49-F238E27FC236}">
+                <a16:creationId xmlns:a16="http://schemas.microsoft.com/office/drawing/2014/main" id="{A18C9C61-FAE0-08D9-CADC-0198A20C3D55}"/>
+              </a:ext>
+            </a:extLst>
+          </p:cNvPr>
+          <p:cNvCxnSpPr>
+            <a:cxnSpLocks/>
+            <a:stCxn id="27" idx="3"/>
+            <a:endCxn id="29" idx="1"/>
+          </p:cNvCxnSpPr>
+          <p:nvPr/>
+        </p:nvCxnSpPr>
+        <p:spPr>
+          <a:xfrm>
+            <a:off x="13327753" y="3200953"/>
+            <a:ext cx="884045" cy="2818"/>
+          </a:xfrm>
+          <a:prstGeom prst="straightConnector1">
+            <a:avLst/>
+          </a:prstGeom>
+          <a:ln w="12700">
+            <a:tailEnd type="triangle"/>
+          </a:ln>
+        </p:spPr>
+        <p:style>
+          <a:lnRef idx="2">
+            <a:schemeClr val="accent1"/>
+          </a:lnRef>
+          <a:fillRef idx="0">
+            <a:schemeClr val="accent1"/>
+          </a:fillRef>
+          <a:effectRef idx="1">
+            <a:schemeClr val="accent1"/>
+          </a:effectRef>
+          <a:fontRef idx="minor">
+            <a:schemeClr val="tx1"/>
+          </a:fontRef>
+        </p:style>
+      </p:cxnSp>
+      <p:sp>
+        <p:nvSpPr>
+          <p:cNvPr id="64" name="矩形: 圆角 63">
+            <a:extLst>
+              <a:ext uri="{FF2B5EF4-FFF2-40B4-BE49-F238E27FC236}">
+                <a16:creationId xmlns:a16="http://schemas.microsoft.com/office/drawing/2014/main" id="{DAD7FF34-0229-16C5-6799-78FC0AAA9CB5}"/>
+              </a:ext>
+            </a:extLst>
+          </p:cNvPr>
+          <p:cNvSpPr/>
+          <p:nvPr/>
+        </p:nvSpPr>
+        <p:spPr>
+          <a:xfrm>
+            <a:off x="5072895" y="6136038"/>
+            <a:ext cx="10604496" cy="1095469"/>
+          </a:xfrm>
+          <a:prstGeom prst="roundRect">
+            <a:avLst>
+              <a:gd name="adj" fmla="val 0"/>
+            </a:avLst>
+          </a:prstGeom>
+          <a:noFill/>
+          <a:ln>
+            <a:prstDash val="dash"/>
+          </a:ln>
+        </p:spPr>
+        <p:style>
+          <a:lnRef idx="2">
+            <a:schemeClr val="accent1">
+              <a:shade val="15000"/>
+            </a:schemeClr>
+          </a:lnRef>
+          <a:fillRef idx="1">
+            <a:schemeClr val="accent1"/>
+          </a:fillRef>
+          <a:effectRef idx="0">
+            <a:schemeClr val="accent1"/>
+          </a:effectRef>
+          <a:fontRef idx="minor">
+            <a:schemeClr val="lt1"/>
+          </a:fontRef>
+        </p:style>
+        <p:txBody>
+          <a:bodyPr rtlCol="0" anchor="ctr"/>
+          <a:lstStyle/>
+          <a:p>
+            <a:pPr algn="ctr"/>
+            <a:endParaRPr lang="zh-CN" altLang="en-US"/>
+          </a:p>
+        </p:txBody>
+      </p:sp>
+      <p:sp>
+        <p:nvSpPr>
+          <p:cNvPr id="72" name="矩形: 圆角 71">
+            <a:extLst>
+              <a:ext uri="{FF2B5EF4-FFF2-40B4-BE49-F238E27FC236}">
+                <a16:creationId xmlns:a16="http://schemas.microsoft.com/office/drawing/2014/main" id="{B324DA5D-05FA-12E5-2FA3-93917D6523A1}"/>
+              </a:ext>
+            </a:extLst>
+          </p:cNvPr>
+          <p:cNvSpPr/>
+          <p:nvPr/>
+        </p:nvSpPr>
+        <p:spPr>
+          <a:xfrm>
+            <a:off x="7009685" y="6370502"/>
+            <a:ext cx="1266186" cy="665467"/>
+          </a:xfrm>
+          <a:prstGeom prst="roundRect">
+            <a:avLst>
+              <a:gd name="adj" fmla="val 0"/>
+            </a:avLst>
+          </a:prstGeom>
+          <a:solidFill>
+            <a:schemeClr val="tx2">
+              <a:lumMod val="10000"/>
+              <a:lumOff val="90000"/>
+            </a:schemeClr>
+          </a:solidFill>
+          <a:ln>
+            <a:solidFill>
+              <a:schemeClr val="tx1"/>
+            </a:solidFill>
+          </a:ln>
+        </p:spPr>
+        <p:style>
+          <a:lnRef idx="2">
+            <a:schemeClr val="accent1">
+              <a:shade val="15000"/>
+            </a:schemeClr>
+          </a:lnRef>
+          <a:fillRef idx="1">
+            <a:schemeClr val="accent1"/>
+          </a:fillRef>
+          <a:effectRef idx="0">
+            <a:schemeClr val="accent1"/>
+          </a:effectRef>
+          <a:fontRef idx="minor">
+            <a:schemeClr val="lt1"/>
+          </a:fontRef>
+        </p:style>
+        <p:txBody>
+          <a:bodyPr rtlCol="0" anchor="ctr"/>
+          <a:lstStyle/>
+          <a:p>
+            <a:pPr algn="ctr"/>
+            <a:endParaRPr lang="zh-CN" altLang="en-US" sz="3189"/>
+          </a:p>
+        </p:txBody>
+      </p:sp>
+      <mc:AlternateContent xmlns:mc="http://schemas.openxmlformats.org/markup-compatibility/2006">
+        <mc:Choice xmlns:a14="http://schemas.microsoft.com/office/drawing/2010/main" Requires="a14">
+          <p:sp>
+            <p:nvSpPr>
+              <p:cNvPr id="73" name="文本框 72">
+                <a:extLst>
+                  <a:ext uri="{FF2B5EF4-FFF2-40B4-BE49-F238E27FC236}">
+                    <a16:creationId xmlns:a16="http://schemas.microsoft.com/office/drawing/2014/main" id="{0B13AAF5-AD53-2210-F8B0-2173F28C74EF}"/>
+                  </a:ext>
+                </a:extLst>
+              </p:cNvPr>
+              <p:cNvSpPr txBox="1"/>
+              <p:nvPr/>
+            </p:nvSpPr>
+            <p:spPr>
+              <a:xfrm>
+                <a:off x="7373158" y="6518569"/>
+                <a:ext cx="647613" cy="369332"/>
+              </a:xfrm>
+              <a:prstGeom prst="rect">
+                <a:avLst/>
+              </a:prstGeom>
+              <a:noFill/>
+            </p:spPr>
+            <p:txBody>
+              <a:bodyPr wrap="none" lIns="0" tIns="0" rIns="0" bIns="0" rtlCol="0">
+                <a:spAutoFit/>
+              </a:bodyPr>
+              <a:lstStyle/>
+              <a:p>
+                <a14:m>
+                  <m:oMathPara xmlns:m="http://schemas.openxmlformats.org/officeDocument/2006/math">
+                    <m:oMathParaPr>
+                      <m:jc m:val="centerGroup"/>
+                    </m:oMathParaPr>
+                    <m:oMath xmlns:m="http://schemas.openxmlformats.org/officeDocument/2006/math">
+                      <m:r>
+                        <m:rPr>
+                          <m:sty m:val="p"/>
+                        </m:rPr>
+                        <a:rPr lang="en-US" altLang="zh-CN" sz="2400" b="0" i="0" smtClean="0">
+                          <a:latin typeface="Cambria Math" panose="02040503050406030204" pitchFamily="18" charset="0"/>
+                        </a:rPr>
+                        <m:t>Pool</m:t>
+                      </m:r>
+                    </m:oMath>
+                  </m:oMathPara>
+                </a14:m>
+                <a:endParaRPr lang="zh-CN" altLang="en-US" sz="2400" dirty="0"/>
+              </a:p>
+            </p:txBody>
+          </p:sp>
+        </mc:Choice>
+        <mc:Fallback>
+          <p:sp>
+            <p:nvSpPr>
+              <p:cNvPr id="73" name="文本框 72">
+                <a:extLst>
+                  <a:ext uri="{FF2B5EF4-FFF2-40B4-BE49-F238E27FC236}">
+                    <a16:creationId xmlns:a16="http://schemas.microsoft.com/office/drawing/2014/main" id="{0B13AAF5-AD53-2210-F8B0-2173F28C74EF}"/>
+                  </a:ext>
+                </a:extLst>
+              </p:cNvPr>
+              <p:cNvSpPr txBox="1">
+                <a:spLocks noRot="1" noChangeAspect="1" noMove="1" noResize="1" noEditPoints="1" noAdjustHandles="1" noChangeArrowheads="1" noChangeShapeType="1" noTextEdit="1"/>
+              </p:cNvSpPr>
+              <p:nvPr/>
+            </p:nvSpPr>
+            <p:spPr>
+              <a:xfrm>
+                <a:off x="7373158" y="6518569"/>
+                <a:ext cx="647613" cy="369332"/>
+              </a:xfrm>
+              <a:prstGeom prst="rect">
+                <a:avLst/>
+              </a:prstGeom>
+              <a:blipFill>
+                <a:blip r:embed="rId9"/>
+                <a:stretch>
+                  <a:fillRect l="-12264" r="-12264" b="-4918"/>
+                </a:stretch>
+              </a:blipFill>
+            </p:spPr>
+            <p:txBody>
+              <a:bodyPr/>
+              <a:lstStyle/>
+              <a:p>
+                <a:r>
+                  <a:rPr lang="zh-CN" altLang="en-US">
+                    <a:noFill/>
+                  </a:rPr>
+                  <a:t> </a:t>
+                </a:r>
+              </a:p>
+            </p:txBody>
+          </p:sp>
+        </mc:Fallback>
+      </mc:AlternateContent>
+      <p:sp>
+        <p:nvSpPr>
+          <p:cNvPr id="74" name="矩形: 圆角 73">
+            <a:extLst>
+              <a:ext uri="{FF2B5EF4-FFF2-40B4-BE49-F238E27FC236}">
+                <a16:creationId xmlns:a16="http://schemas.microsoft.com/office/drawing/2014/main" id="{A15FF4C7-C43D-AF60-B916-104E82CB05FA}"/>
+              </a:ext>
+            </a:extLst>
+          </p:cNvPr>
+          <p:cNvSpPr/>
+          <p:nvPr/>
+        </p:nvSpPr>
+        <p:spPr>
+          <a:xfrm>
+            <a:off x="12061567" y="6370502"/>
+            <a:ext cx="1266186" cy="665467"/>
+          </a:xfrm>
+          <a:prstGeom prst="roundRect">
+            <a:avLst>
+              <a:gd name="adj" fmla="val 0"/>
+            </a:avLst>
+          </a:prstGeom>
+          <a:noFill/>
+          <a:ln>
+            <a:solidFill>
+              <a:schemeClr val="tx1"/>
+            </a:solidFill>
+          </a:ln>
+        </p:spPr>
+        <p:style>
+          <a:lnRef idx="2">
+            <a:schemeClr val="accent1">
+              <a:shade val="15000"/>
+            </a:schemeClr>
+          </a:lnRef>
+          <a:fillRef idx="1">
+            <a:schemeClr val="accent1"/>
+          </a:fillRef>
+          <a:effectRef idx="0">
+            <a:schemeClr val="accent1"/>
+          </a:effectRef>
+          <a:fontRef idx="minor">
+            <a:schemeClr val="lt1"/>
+          </a:fontRef>
+        </p:style>
+        <p:txBody>
+          <a:bodyPr rtlCol="0" anchor="ctr"/>
+          <a:lstStyle/>
+          <a:p>
+            <a:pPr algn="ctr"/>
+            <a:endParaRPr lang="zh-CN" altLang="en-US" sz="3189"/>
+          </a:p>
+        </p:txBody>
+      </p:sp>
+      <mc:AlternateContent xmlns:mc="http://schemas.openxmlformats.org/markup-compatibility/2006">
+        <mc:Choice xmlns:a14="http://schemas.microsoft.com/office/drawing/2010/main" Requires="a14">
+          <p:sp>
+            <p:nvSpPr>
+              <p:cNvPr id="75" name="文本框 74">
+                <a:extLst>
+                  <a:ext uri="{FF2B5EF4-FFF2-40B4-BE49-F238E27FC236}">
+                    <a16:creationId xmlns:a16="http://schemas.microsoft.com/office/drawing/2014/main" id="{C3FBC342-687A-1DA7-D437-4D24E258DA9F}"/>
+                  </a:ext>
+                </a:extLst>
+              </p:cNvPr>
+              <p:cNvSpPr txBox="1"/>
+              <p:nvPr/>
+            </p:nvSpPr>
+            <p:spPr>
+              <a:xfrm>
+                <a:off x="12147785" y="6518569"/>
+                <a:ext cx="1067600" cy="369332"/>
+              </a:xfrm>
+              <a:prstGeom prst="rect">
+                <a:avLst/>
+              </a:prstGeom>
+              <a:noFill/>
+            </p:spPr>
+            <p:txBody>
+              <a:bodyPr wrap="none" lIns="0" tIns="0" rIns="0" bIns="0" rtlCol="0">
+                <a:spAutoFit/>
+              </a:bodyPr>
+              <a:lstStyle/>
+              <a:p>
+                <a14:m>
+                  <m:oMathPara xmlns:m="http://schemas.openxmlformats.org/officeDocument/2006/math">
+                    <m:oMathParaPr>
+                      <m:jc m:val="centerGroup"/>
+                    </m:oMathParaPr>
+                    <m:oMath xmlns:m="http://schemas.openxmlformats.org/officeDocument/2006/math">
+                      <m:r>
+                        <m:rPr>
+                          <m:sty m:val="p"/>
+                        </m:rPr>
+                        <a:rPr lang="en-US" altLang="zh-CN" sz="2400" b="0" i="0" smtClean="0">
+                          <a:latin typeface="Cambria Math" panose="02040503050406030204" pitchFamily="18" charset="0"/>
+                        </a:rPr>
+                        <m:t>Conv</m:t>
+                      </m:r>
+                      <m:r>
+                        <a:rPr lang="en-US" altLang="zh-CN" sz="2400" b="0" i="0" smtClean="0">
+                          <a:latin typeface="Cambria Math" panose="02040503050406030204" pitchFamily="18" charset="0"/>
+                        </a:rPr>
+                        <m:t>2</m:t>
+                      </m:r>
+                      <m:r>
+                        <m:rPr>
+                          <m:sty m:val="p"/>
+                        </m:rPr>
+                        <a:rPr lang="en-US" altLang="zh-CN" sz="2400" b="0" i="0" smtClean="0">
+                          <a:latin typeface="Cambria Math" panose="02040503050406030204" pitchFamily="18" charset="0"/>
+                        </a:rPr>
+                        <m:t>d</m:t>
+                      </m:r>
+                    </m:oMath>
+                  </m:oMathPara>
+                </a14:m>
+                <a:endParaRPr lang="zh-CN" altLang="en-US" sz="2400" dirty="0"/>
+              </a:p>
+            </p:txBody>
+          </p:sp>
+        </mc:Choice>
+        <mc:Fallback>
+          <p:sp>
+            <p:nvSpPr>
+              <p:cNvPr id="75" name="文本框 74">
+                <a:extLst>
+                  <a:ext uri="{FF2B5EF4-FFF2-40B4-BE49-F238E27FC236}">
+                    <a16:creationId xmlns:a16="http://schemas.microsoft.com/office/drawing/2014/main" id="{C3FBC342-687A-1DA7-D437-4D24E258DA9F}"/>
+                  </a:ext>
+                </a:extLst>
+              </p:cNvPr>
+              <p:cNvSpPr txBox="1">
+                <a:spLocks noRot="1" noChangeAspect="1" noMove="1" noResize="1" noEditPoints="1" noAdjustHandles="1" noChangeArrowheads="1" noChangeShapeType="1" noTextEdit="1"/>
+              </p:cNvSpPr>
+              <p:nvPr/>
+            </p:nvSpPr>
+            <p:spPr>
+              <a:xfrm>
+                <a:off x="12147785" y="6518569"/>
+                <a:ext cx="1067600" cy="369332"/>
+              </a:xfrm>
+              <a:prstGeom prst="rect">
+                <a:avLst/>
+              </a:prstGeom>
+              <a:blipFill>
+                <a:blip r:embed="rId10"/>
+                <a:stretch>
+                  <a:fillRect l="-6857" r="-7429" b="-4918"/>
+                </a:stretch>
+              </a:blipFill>
+            </p:spPr>
+            <p:txBody>
+              <a:bodyPr/>
+              <a:lstStyle/>
+              <a:p>
+                <a:r>
+                  <a:rPr lang="zh-CN" altLang="en-US">
+                    <a:noFill/>
+                  </a:rPr>
+                  <a:t> </a:t>
+                </a:r>
+              </a:p>
+            </p:txBody>
+          </p:sp>
+        </mc:Fallback>
+      </mc:AlternateContent>
+      <p:cxnSp>
+        <p:nvCxnSpPr>
+          <p:cNvPr id="80" name="直接箭头连接符 79">
+            <a:extLst>
+              <a:ext uri="{FF2B5EF4-FFF2-40B4-BE49-F238E27FC236}">
+                <a16:creationId xmlns:a16="http://schemas.microsoft.com/office/drawing/2014/main" id="{3A89E82F-B205-A3B2-9B33-92D3AE666760}"/>
+              </a:ext>
+            </a:extLst>
+          </p:cNvPr>
+          <p:cNvCxnSpPr>
+            <a:cxnSpLocks/>
+            <a:stCxn id="72" idx="3"/>
+            <a:endCxn id="74" idx="1"/>
+          </p:cNvCxnSpPr>
+          <p:nvPr/>
+        </p:nvCxnSpPr>
+        <p:spPr>
+          <a:xfrm>
+            <a:off x="8275871" y="6703236"/>
+            <a:ext cx="3785696" cy="0"/>
+          </a:xfrm>
+          <a:prstGeom prst="straightConnector1">
+            <a:avLst/>
+          </a:prstGeom>
+          <a:ln w="12700">
+            <a:tailEnd type="triangle"/>
+          </a:ln>
+        </p:spPr>
+        <p:style>
+          <a:lnRef idx="2">
+            <a:schemeClr val="accent1"/>
+          </a:lnRef>
+          <a:fillRef idx="0">
+            <a:schemeClr val="accent1"/>
+          </a:fillRef>
+          <a:effectRef idx="1">
+            <a:schemeClr val="accent1"/>
+          </a:effectRef>
+          <a:fontRef idx="minor">
+            <a:schemeClr val="tx1"/>
+          </a:fontRef>
+        </p:style>
+      </p:cxnSp>
+      <p:cxnSp>
+        <p:nvCxnSpPr>
+          <p:cNvPr id="85" name="连接符: 肘形 84">
+            <a:extLst>
+              <a:ext uri="{FF2B5EF4-FFF2-40B4-BE49-F238E27FC236}">
+                <a16:creationId xmlns:a16="http://schemas.microsoft.com/office/drawing/2014/main" id="{81C780B8-5C0F-C5BE-25EA-936359850968}"/>
+              </a:ext>
+            </a:extLst>
+          </p:cNvPr>
+          <p:cNvCxnSpPr>
+            <a:cxnSpLocks/>
+            <a:stCxn id="42" idx="0"/>
+            <a:endCxn id="20" idx="1"/>
+          </p:cNvCxnSpPr>
+          <p:nvPr/>
+        </p:nvCxnSpPr>
+        <p:spPr>
+          <a:xfrm rot="5400000" flipH="1" flipV="1">
+            <a:off x="3280562" y="2846643"/>
+            <a:ext cx="1457486" cy="2127180"/>
+          </a:xfrm>
+          <a:prstGeom prst="bentConnector2">
+            <a:avLst/>
+          </a:prstGeom>
+          <a:ln>
+            <a:tailEnd type="triangle"/>
+          </a:ln>
+        </p:spPr>
+        <p:style>
+          <a:lnRef idx="2">
+            <a:schemeClr val="accent1"/>
+          </a:lnRef>
+          <a:fillRef idx="0">
+            <a:schemeClr val="accent1"/>
+          </a:fillRef>
+          <a:effectRef idx="1">
+            <a:schemeClr val="accent1"/>
+          </a:effectRef>
+          <a:fontRef idx="minor">
+            <a:schemeClr val="tx1"/>
+          </a:fontRef>
+        </p:style>
+      </p:cxnSp>
+      <p:cxnSp>
+        <p:nvCxnSpPr>
+          <p:cNvPr id="91" name="连接符: 肘形 90">
+            <a:extLst>
+              <a:ext uri="{FF2B5EF4-FFF2-40B4-BE49-F238E27FC236}">
+                <a16:creationId xmlns:a16="http://schemas.microsoft.com/office/drawing/2014/main" id="{AED9D7E5-5B70-CAD5-C89C-DA4103E36FE3}"/>
+              </a:ext>
+            </a:extLst>
+          </p:cNvPr>
+          <p:cNvCxnSpPr>
+            <a:cxnSpLocks/>
+            <a:stCxn id="42" idx="2"/>
+            <a:endCxn id="64" idx="1"/>
+          </p:cNvCxnSpPr>
+          <p:nvPr/>
+        </p:nvCxnSpPr>
+        <p:spPr>
+          <a:xfrm rot="16200000" flipH="1">
+            <a:off x="3202350" y="4813228"/>
+            <a:ext cx="1613910" cy="2127180"/>
+          </a:xfrm>
+          <a:prstGeom prst="bentConnector2">
+            <a:avLst/>
+          </a:prstGeom>
+          <a:ln>
+            <a:tailEnd type="triangle"/>
+          </a:ln>
+        </p:spPr>
+        <p:style>
+          <a:lnRef idx="2">
+            <a:schemeClr val="accent1"/>
+          </a:lnRef>
+          <a:fillRef idx="0">
+            <a:schemeClr val="accent1"/>
+          </a:fillRef>
+          <a:effectRef idx="1">
+            <a:schemeClr val="accent1"/>
+          </a:effectRef>
+          <a:fontRef idx="minor">
+            <a:schemeClr val="tx1"/>
+          </a:fontRef>
+        </p:style>
+      </p:cxnSp>
+      <p:cxnSp>
+        <p:nvCxnSpPr>
+          <p:cNvPr id="129" name="连接符: 肘形 128">
+            <a:extLst>
+              <a:ext uri="{FF2B5EF4-FFF2-40B4-BE49-F238E27FC236}">
+                <a16:creationId xmlns:a16="http://schemas.microsoft.com/office/drawing/2014/main" id="{145C8E37-005F-2632-61D7-F5182601C224}"/>
+              </a:ext>
+            </a:extLst>
+          </p:cNvPr>
+          <p:cNvCxnSpPr>
+            <a:cxnSpLocks/>
+            <a:stCxn id="64" idx="3"/>
+            <a:endCxn id="142" idx="4"/>
+          </p:cNvCxnSpPr>
+          <p:nvPr/>
+        </p:nvCxnSpPr>
+        <p:spPr>
+          <a:xfrm flipV="1">
+            <a:off x="15677391" y="5247877"/>
+            <a:ext cx="2205482" cy="1435896"/>
+          </a:xfrm>
+          <a:prstGeom prst="bentConnector2">
+            <a:avLst/>
+          </a:prstGeom>
+          <a:ln w="12700">
+            <a:tailEnd type="triangle"/>
+          </a:ln>
+        </p:spPr>
+        <p:style>
+          <a:lnRef idx="2">
+            <a:schemeClr val="accent1"/>
+          </a:lnRef>
+          <a:fillRef idx="0">
+            <a:schemeClr val="accent1"/>
+          </a:fillRef>
+          <a:effectRef idx="1">
+            <a:schemeClr val="accent1"/>
+          </a:effectRef>
+          <a:fontRef idx="minor">
+            <a:schemeClr val="tx1"/>
+          </a:fontRef>
+        </p:style>
+      </p:cxnSp>
+      <p:sp>
+        <p:nvSpPr>
+          <p:cNvPr id="136" name="文本框 135">
+            <a:extLst>
+              <a:ext uri="{FF2B5EF4-FFF2-40B4-BE49-F238E27FC236}">
+                <a16:creationId xmlns:a16="http://schemas.microsoft.com/office/drawing/2014/main" id="{04B7C1AD-5D5A-7D1F-0335-3C1048269FC4}"/>
+              </a:ext>
+            </a:extLst>
+          </p:cNvPr>
+          <p:cNvSpPr txBox="1"/>
+          <p:nvPr/>
+        </p:nvSpPr>
+        <p:spPr>
+          <a:xfrm>
+            <a:off x="9663698" y="1900612"/>
+            <a:ext cx="1422890" cy="400110"/>
+          </a:xfrm>
+          <a:prstGeom prst="rect">
+            <a:avLst/>
+          </a:prstGeom>
+          <a:noFill/>
+        </p:spPr>
+        <p:txBody>
+          <a:bodyPr wrap="none" rtlCol="0">
+            <a:spAutoFit/>
+          </a:bodyPr>
+          <a:lstStyle/>
+          <a:p>
+            <a:r>
+              <a:rPr lang="en-US" altLang="zh-CN" sz="2000" dirty="0">
+                <a:latin typeface="微软雅黑" panose="020B0503020204020204" pitchFamily="34" charset="-122"/>
+                <a:ea typeface="微软雅黑" panose="020B0503020204020204" pitchFamily="34" charset="-122"/>
+              </a:rPr>
+              <a:t>Main Path</a:t>
+            </a:r>
+            <a:endParaRPr lang="zh-CN" altLang="en-US" sz="2000" dirty="0">
+              <a:latin typeface="微软雅黑" panose="020B0503020204020204" pitchFamily="34" charset="-122"/>
+              <a:ea typeface="微软雅黑" panose="020B0503020204020204" pitchFamily="34" charset="-122"/>
+            </a:endParaRPr>
+          </a:p>
+        </p:txBody>
+      </p:sp>
+    </p:spTree>
+    <p:extLst>
+      <p:ext uri="{BB962C8B-B14F-4D97-AF65-F5344CB8AC3E}">
+        <p14:creationId xmlns:p14="http://schemas.microsoft.com/office/powerpoint/2010/main" val="3900689523"/>
+      </p:ext>
+    </p:extLst>
+  </p:cSld>
+  <p:clrMapOvr>
+    <a:masterClrMapping/>
+  </p:clrMapOvr>
+</p:sld>
+</file>
+
 <file path=ppt/theme/theme1.xml><?xml version="1.0" encoding="utf-8"?>
 <a:theme xmlns:a="http://schemas.openxmlformats.org/drawingml/2006/main" name="Office 主题​​">
   <a:themeElements>

--- a/images/posts/2025-03-02-blog-post/新建 Microsoft PowerPoint 演示文稿.pptx
+++ b/images/posts/2025-03-02-blog-post/新建 Microsoft PowerPoint 演示文稿.pptx
@@ -203,7 +203,7 @@
           <a:p>
             <a:fld id="{06A7EE91-92E7-4CCB-9ABC-2651A01142F8}" type="datetimeFigureOut">
               <a:rPr lang="zh-CN" altLang="en-US" smtClean="0"/>
-              <a:t>2025/9/29</a:t>
+              <a:t>2025/9/30</a:t>
             </a:fld>
             <a:endParaRPr lang="zh-CN" altLang="en-US"/>
           </a:p>
@@ -690,7 +690,7 @@
           <a:p>
             <a:fld id="{47A39752-AE50-4AEA-9C8D-075E0077A86E}" type="datetimeFigureOut">
               <a:rPr lang="zh-CN" altLang="en-US" smtClean="0"/>
-              <a:t>2025/9/29</a:t>
+              <a:t>2025/9/30</a:t>
             </a:fld>
             <a:endParaRPr lang="zh-CN" altLang="en-US"/>
           </a:p>
@@ -860,7 +860,7 @@
           <a:p>
             <a:fld id="{47A39752-AE50-4AEA-9C8D-075E0077A86E}" type="datetimeFigureOut">
               <a:rPr lang="zh-CN" altLang="en-US" smtClean="0"/>
-              <a:t>2025/9/29</a:t>
+              <a:t>2025/9/30</a:t>
             </a:fld>
             <a:endParaRPr lang="zh-CN" altLang="en-US"/>
           </a:p>
@@ -1040,7 +1040,7 @@
           <a:p>
             <a:fld id="{47A39752-AE50-4AEA-9C8D-075E0077A86E}" type="datetimeFigureOut">
               <a:rPr lang="zh-CN" altLang="en-US" smtClean="0"/>
-              <a:t>2025/9/29</a:t>
+              <a:t>2025/9/30</a:t>
             </a:fld>
             <a:endParaRPr lang="zh-CN" altLang="en-US"/>
           </a:p>
@@ -1210,7 +1210,7 @@
           <a:p>
             <a:fld id="{47A39752-AE50-4AEA-9C8D-075E0077A86E}" type="datetimeFigureOut">
               <a:rPr lang="zh-CN" altLang="en-US" smtClean="0"/>
-              <a:t>2025/9/29</a:t>
+              <a:t>2025/9/30</a:t>
             </a:fld>
             <a:endParaRPr lang="zh-CN" altLang="en-US"/>
           </a:p>
@@ -1456,7 +1456,7 @@
           <a:p>
             <a:fld id="{47A39752-AE50-4AEA-9C8D-075E0077A86E}" type="datetimeFigureOut">
               <a:rPr lang="zh-CN" altLang="en-US" smtClean="0"/>
-              <a:t>2025/9/29</a:t>
+              <a:t>2025/9/30</a:t>
             </a:fld>
             <a:endParaRPr lang="zh-CN" altLang="en-US"/>
           </a:p>
@@ -1688,7 +1688,7 @@
           <a:p>
             <a:fld id="{47A39752-AE50-4AEA-9C8D-075E0077A86E}" type="datetimeFigureOut">
               <a:rPr lang="zh-CN" altLang="en-US" smtClean="0"/>
-              <a:t>2025/9/29</a:t>
+              <a:t>2025/9/30</a:t>
             </a:fld>
             <a:endParaRPr lang="zh-CN" altLang="en-US"/>
           </a:p>
@@ -2055,7 +2055,7 @@
           <a:p>
             <a:fld id="{47A39752-AE50-4AEA-9C8D-075E0077A86E}" type="datetimeFigureOut">
               <a:rPr lang="zh-CN" altLang="en-US" smtClean="0"/>
-              <a:t>2025/9/29</a:t>
+              <a:t>2025/9/30</a:t>
             </a:fld>
             <a:endParaRPr lang="zh-CN" altLang="en-US"/>
           </a:p>
@@ -2173,7 +2173,7 @@
           <a:p>
             <a:fld id="{47A39752-AE50-4AEA-9C8D-075E0077A86E}" type="datetimeFigureOut">
               <a:rPr lang="zh-CN" altLang="en-US" smtClean="0"/>
-              <a:t>2025/9/29</a:t>
+              <a:t>2025/9/30</a:t>
             </a:fld>
             <a:endParaRPr lang="zh-CN" altLang="en-US"/>
           </a:p>
@@ -2268,7 +2268,7 @@
           <a:p>
             <a:fld id="{47A39752-AE50-4AEA-9C8D-075E0077A86E}" type="datetimeFigureOut">
               <a:rPr lang="zh-CN" altLang="en-US" smtClean="0"/>
-              <a:t>2025/9/29</a:t>
+              <a:t>2025/9/30</a:t>
             </a:fld>
             <a:endParaRPr lang="zh-CN" altLang="en-US"/>
           </a:p>
@@ -2545,7 +2545,7 @@
           <a:p>
             <a:fld id="{47A39752-AE50-4AEA-9C8D-075E0077A86E}" type="datetimeFigureOut">
               <a:rPr lang="zh-CN" altLang="en-US" smtClean="0"/>
-              <a:t>2025/9/29</a:t>
+              <a:t>2025/9/30</a:t>
             </a:fld>
             <a:endParaRPr lang="zh-CN" altLang="en-US"/>
           </a:p>
@@ -2802,7 +2802,7 @@
           <a:p>
             <a:fld id="{47A39752-AE50-4AEA-9C8D-075E0077A86E}" type="datetimeFigureOut">
               <a:rPr lang="zh-CN" altLang="en-US" smtClean="0"/>
-              <a:t>2025/9/29</a:t>
+              <a:t>2025/9/30</a:t>
             </a:fld>
             <a:endParaRPr lang="zh-CN" altLang="en-US"/>
           </a:p>
@@ -3015,7 +3015,7 @@
           <a:p>
             <a:fld id="{47A39752-AE50-4AEA-9C8D-075E0077A86E}" type="datetimeFigureOut">
               <a:rPr lang="zh-CN" altLang="en-US" smtClean="0"/>
-              <a:t>2025/9/29</a:t>
+              <a:t>2025/9/30</a:t>
             </a:fld>
             <a:endParaRPr lang="zh-CN" altLang="en-US"/>
           </a:p>
@@ -12270,13 +12270,7 @@
                             <a:rPr lang="en-US" altLang="zh-CN" b="0" i="1" smtClean="0">
                               <a:latin typeface="Cambria Math" panose="02040503050406030204" pitchFamily="18" charset="0"/>
                             </a:rPr>
-                            <m:t>1</m:t>
-                          </m:r>
-                          <m:r>
-                            <a:rPr lang="en-US" altLang="zh-CN" b="0" i="1" smtClean="0">
-                              <a:latin typeface="Cambria Math" panose="02040503050406030204" pitchFamily="18" charset="0"/>
-                            </a:rPr>
-                            <m:t>+</m:t>
+                            <m:t>1+</m:t>
                           </m:r>
                           <m:r>
                             <a:rPr lang="zh-CN" altLang="en-US" b="0" i="1" smtClean="0">
@@ -14012,13 +14006,7 @@
                             <a:rPr lang="en-US" altLang="zh-CN" b="0" i="1" smtClean="0">
                               <a:latin typeface="Cambria Math" panose="02040503050406030204" pitchFamily="18" charset="0"/>
                             </a:rPr>
-                            <m:t>1</m:t>
-                          </m:r>
-                          <m:r>
-                            <a:rPr lang="en-US" altLang="zh-CN" b="0" i="1" smtClean="0">
-                              <a:latin typeface="Cambria Math" panose="02040503050406030204" pitchFamily="18" charset="0"/>
-                            </a:rPr>
-                            <m:t>+</m:t>
+                            <m:t>1+</m:t>
                           </m:r>
                           <m:r>
                             <a:rPr lang="zh-CN" altLang="en-US" b="0" i="1" smtClean="0">
@@ -19009,13 +18997,7 @@
                             <a:rPr lang="en-US" altLang="zh-CN" b="0" i="1" smtClean="0">
                               <a:latin typeface="Cambria Math" panose="02040503050406030204" pitchFamily="18" charset="0"/>
                             </a:rPr>
-                            <m:t>1</m:t>
-                          </m:r>
-                          <m:r>
-                            <a:rPr lang="en-US" altLang="zh-CN" b="0" i="1" smtClean="0">
-                              <a:latin typeface="Cambria Math" panose="02040503050406030204" pitchFamily="18" charset="0"/>
-                            </a:rPr>
-                            <m:t>+</m:t>
+                            <m:t>1+</m:t>
                           </m:r>
                           <m:sSub>
                             <m:sSubPr>
@@ -19583,13 +19565,7 @@
                             <a:rPr lang="en-US" altLang="zh-CN" b="0" i="1" smtClean="0">
                               <a:latin typeface="Cambria Math" panose="02040503050406030204" pitchFamily="18" charset="0"/>
                             </a:rPr>
-                            <m:t>1</m:t>
-                          </m:r>
-                          <m:r>
-                            <a:rPr lang="en-US" altLang="zh-CN" b="0" i="1" smtClean="0">
-                              <a:latin typeface="Cambria Math" panose="02040503050406030204" pitchFamily="18" charset="0"/>
-                            </a:rPr>
-                            <m:t>+</m:t>
+                            <m:t>1+</m:t>
                           </m:r>
                           <m:sSub>
                             <m:sSubPr>
@@ -26583,8 +26559,8 @@
           </a:p>
         </p:txBody>
       </p:sp>
-      <mc:AlternateContent xmlns:mc="http://schemas.openxmlformats.org/markup-compatibility/2006" xmlns:a14="http://schemas.microsoft.com/office/drawing/2010/main">
-        <mc:Choice Requires="a14">
+      <mc:AlternateContent xmlns:mc="http://schemas.openxmlformats.org/markup-compatibility/2006">
+        <mc:Choice xmlns:a14="http://schemas.microsoft.com/office/drawing/2010/main" Requires="a14">
           <p:sp>
             <p:nvSpPr>
               <p:cNvPr id="5" name="文本框 4">
@@ -26599,8 +26575,8 @@
             </p:nvSpPr>
             <p:spPr>
               <a:xfrm>
-                <a:off x="4310237" y="4493774"/>
-                <a:ext cx="1810111" cy="584775"/>
+                <a:off x="4066376" y="4554900"/>
+                <a:ext cx="2412007" cy="523220"/>
               </a:xfrm>
               <a:prstGeom prst="rect">
                 <a:avLst/>
@@ -26621,17 +26597,14 @@
                     </m:oMathParaPr>
                     <m:oMath xmlns:m="http://schemas.openxmlformats.org/officeDocument/2006/math">
                       <m:r>
-                        <m:rPr>
-                          <m:sty m:val="p"/>
-                        </m:rPr>
-                        <a:rPr lang="en-US" altLang="zh-CN" sz="3200" b="0" i="0" dirty="0" smtClean="0">
+                        <a:rPr lang="en-US" altLang="zh-CN" sz="2800" b="0" i="1" dirty="0" smtClean="0">
                           <a:latin typeface="Cambria Math" panose="02040503050406030204" pitchFamily="18" charset="0"/>
                           <a:ea typeface="微软雅黑" panose="020B0503020204020204" pitchFamily="34" charset="-122"/>
                         </a:rPr>
-                        <m:t>MHA</m:t>
+                        <m:t>𝑓</m:t>
                       </m:r>
                       <m:r>
-                        <a:rPr lang="en-US" altLang="zh-CN" sz="3200" b="0" i="0" dirty="0" smtClean="0">
+                        <a:rPr lang="en-US" altLang="zh-CN" sz="2800" b="0" i="1" dirty="0" smtClean="0">
                           <a:latin typeface="Cambria Math" panose="02040503050406030204" pitchFamily="18" charset="0"/>
                           <a:ea typeface="微软雅黑" panose="020B0503020204020204" pitchFamily="34" charset="-122"/>
                         </a:rPr>
@@ -26640,7 +26613,7 @@
                       <m:d>
                         <m:dPr>
                           <m:ctrlPr>
-                            <a:rPr lang="en-US" altLang="zh-CN" sz="3200" b="0" i="1" dirty="0" smtClean="0">
+                            <a:rPr lang="en-US" altLang="zh-CN" sz="2800" dirty="0" smtClean="0">
                               <a:latin typeface="Cambria Math" panose="02040503050406030204" pitchFamily="18" charset="0"/>
                               <a:ea typeface="微软雅黑" panose="020B0503020204020204" pitchFamily="34" charset="-122"/>
                             </a:rPr>
@@ -26648,23 +26621,43 @@
                         </m:dPr>
                         <m:e>
                           <m:r>
-                            <a:rPr lang="en-US" altLang="zh-CN" sz="3200" b="0" i="1" dirty="0" smtClean="0">
+                            <m:rPr>
+                              <m:sty m:val="p"/>
+                            </m:rPr>
+                            <a:rPr lang="en-US" altLang="zh-CN" sz="2800" b="0" i="0" dirty="0" smtClean="0">
                               <a:latin typeface="Cambria Math" panose="02040503050406030204" pitchFamily="18" charset="0"/>
                               <a:ea typeface="微软雅黑" panose="020B0503020204020204" pitchFamily="34" charset="-122"/>
                             </a:rPr>
-                            <m:t>𝑓</m:t>
+                            <m:t>MHA</m:t>
+                          </m:r>
+                          <m:r>
+                            <a:rPr lang="en-US" altLang="zh-CN" sz="2800" b="0" i="0" dirty="0" smtClean="0">
+                              <a:latin typeface="Cambria Math" panose="02040503050406030204" pitchFamily="18" charset="0"/>
+                              <a:ea typeface="微软雅黑" panose="020B0503020204020204" pitchFamily="34" charset="-122"/>
+                            </a:rPr>
+                            <m:t>/</m:t>
+                          </m:r>
+                          <m:r>
+                            <m:rPr>
+                              <m:sty m:val="p"/>
+                            </m:rPr>
+                            <a:rPr lang="en-US" altLang="zh-CN" sz="2800" b="0" i="0" dirty="0" smtClean="0">
+                              <a:latin typeface="Cambria Math" panose="02040503050406030204" pitchFamily="18" charset="0"/>
+                              <a:ea typeface="微软雅黑" panose="020B0503020204020204" pitchFamily="34" charset="-122"/>
+                            </a:rPr>
+                            <m:t>FFN</m:t>
                           </m:r>
                         </m:e>
                       </m:d>
                     </m:oMath>
                   </m:oMathPara>
                 </a14:m>
-                <a:endParaRPr dirty="0"/>
+                <a:endParaRPr sz="1600" dirty="0"/>
               </a:p>
             </p:txBody>
           </p:sp>
         </mc:Choice>
-        <mc:Fallback xmlns="">
+        <mc:Fallback>
           <p:sp>
             <p:nvSpPr>
               <p:cNvPr id="5" name="文本框 4">
@@ -26681,8 +26674,8 @@
             </p:nvSpPr>
             <p:spPr>
               <a:xfrm>
-                <a:off x="4310237" y="4493774"/>
-                <a:ext cx="1810111" cy="584775"/>
+                <a:off x="4066376" y="4554900"/>
+                <a:ext cx="2412007" cy="523220"/>
               </a:xfrm>
               <a:prstGeom prst="rect">
                 <a:avLst/>
@@ -28133,14 +28126,139 @@
           </a:fontRef>
         </p:style>
       </p:cxnSp>
-      <mc:AlternateContent xmlns:mc="http://schemas.openxmlformats.org/markup-compatibility/2006" xmlns:a14="http://schemas.microsoft.com/office/drawing/2010/main">
-        <mc:Choice Requires="a14">
+      <p:cxnSp>
+        <p:nvCxnSpPr>
+          <p:cNvPr id="95" name="直接连接符 94">
+            <a:extLst>
+              <a:ext uri="{FF2B5EF4-FFF2-40B4-BE49-F238E27FC236}">
+                <a16:creationId xmlns:a16="http://schemas.microsoft.com/office/drawing/2014/main" id="{4ECF935C-B97C-60F9-A4C2-8F40AFF302E1}"/>
+              </a:ext>
+            </a:extLst>
+          </p:cNvPr>
+          <p:cNvCxnSpPr>
+            <a:cxnSpLocks/>
+          </p:cNvCxnSpPr>
+          <p:nvPr/>
+        </p:nvCxnSpPr>
+        <p:spPr>
+          <a:xfrm rot="2700000">
+            <a:off x="6362311" y="540375"/>
+            <a:ext cx="7560000" cy="7560000"/>
+          </a:xfrm>
+          <a:prstGeom prst="line">
+            <a:avLst/>
+          </a:prstGeom>
+          <a:ln w="19050">
+            <a:prstDash val="dash"/>
+          </a:ln>
+        </p:spPr>
+        <p:style>
+          <a:lnRef idx="2">
+            <a:schemeClr val="accent1"/>
+          </a:lnRef>
+          <a:fillRef idx="0">
+            <a:schemeClr val="accent1"/>
+          </a:fillRef>
+          <a:effectRef idx="1">
+            <a:schemeClr val="accent1"/>
+          </a:effectRef>
+          <a:fontRef idx="minor">
+            <a:schemeClr val="tx1"/>
+          </a:fontRef>
+        </p:style>
+      </p:cxnSp>
+      <p:sp>
+        <p:nvSpPr>
+          <p:cNvPr id="104" name="文本框 103">
+            <a:extLst>
+              <a:ext uri="{FF2B5EF4-FFF2-40B4-BE49-F238E27FC236}">
+                <a16:creationId xmlns:a16="http://schemas.microsoft.com/office/drawing/2014/main" id="{120485C2-3AB9-14D4-F7B8-4AC5F71B7C87}"/>
+              </a:ext>
+            </a:extLst>
+          </p:cNvPr>
+          <p:cNvSpPr txBox="1"/>
+          <p:nvPr/>
+        </p:nvSpPr>
+        <p:spPr>
+          <a:xfrm>
+            <a:off x="4555540" y="7705057"/>
+            <a:ext cx="1337033" cy="461665"/>
+          </a:xfrm>
+          <a:prstGeom prst="rect">
+            <a:avLst/>
+          </a:prstGeom>
+          <a:noFill/>
+        </p:spPr>
+        <p:txBody>
+          <a:bodyPr wrap="none" rtlCol="0">
+            <a:spAutoFit/>
+          </a:bodyPr>
+          <a:lstStyle/>
+          <a:p>
+            <a:r>
+              <a:rPr lang="en-US" altLang="zh-CN" sz="2400" dirty="0">
+                <a:latin typeface="微软雅黑" panose="020B0503020204020204" pitchFamily="34" charset="-122"/>
+                <a:ea typeface="微软雅黑" panose="020B0503020204020204" pitchFamily="34" charset="-122"/>
+              </a:rPr>
+              <a:t>Post-LN</a:t>
+            </a:r>
+            <a:endParaRPr lang="zh-CN" altLang="en-US" sz="2400" dirty="0">
+              <a:latin typeface="微软雅黑" panose="020B0503020204020204" pitchFamily="34" charset="-122"/>
+              <a:ea typeface="微软雅黑" panose="020B0503020204020204" pitchFamily="34" charset="-122"/>
+            </a:endParaRPr>
+          </a:p>
+        </p:txBody>
+      </p:sp>
+      <p:sp>
+        <p:nvSpPr>
+          <p:cNvPr id="105" name="文本框 104">
+            <a:extLst>
+              <a:ext uri="{FF2B5EF4-FFF2-40B4-BE49-F238E27FC236}">
+                <a16:creationId xmlns:a16="http://schemas.microsoft.com/office/drawing/2014/main" id="{B86D8A80-748A-A490-1519-562DAF7ED469}"/>
+              </a:ext>
+            </a:extLst>
+          </p:cNvPr>
+          <p:cNvSpPr txBox="1"/>
+          <p:nvPr/>
+        </p:nvSpPr>
+        <p:spPr>
+          <a:xfrm>
+            <a:off x="14236619" y="7706582"/>
+            <a:ext cx="1201419" cy="461665"/>
+          </a:xfrm>
+          <a:prstGeom prst="rect">
+            <a:avLst/>
+          </a:prstGeom>
+          <a:noFill/>
+        </p:spPr>
+        <p:txBody>
+          <a:bodyPr wrap="none" rtlCol="0">
+            <a:spAutoFit/>
+          </a:bodyPr>
+          <a:lstStyle/>
+          <a:p>
+            <a:r>
+              <a:rPr lang="en-US" altLang="zh-CN" sz="2400" dirty="0">
+                <a:latin typeface="微软雅黑" panose="020B0503020204020204" pitchFamily="34" charset="-122"/>
+                <a:ea typeface="微软雅黑" panose="020B0503020204020204" pitchFamily="34" charset="-122"/>
+              </a:rPr>
+              <a:t>Pre-LN</a:t>
+            </a:r>
+            <a:endParaRPr lang="zh-CN" altLang="en-US" sz="2400" dirty="0">
+              <a:latin typeface="微软雅黑" panose="020B0503020204020204" pitchFamily="34" charset="-122"/>
+              <a:ea typeface="微软雅黑" panose="020B0503020204020204" pitchFamily="34" charset="-122"/>
+            </a:endParaRPr>
+          </a:p>
+        </p:txBody>
+      </p:sp>
+      <mc:AlternateContent xmlns:mc="http://schemas.openxmlformats.org/markup-compatibility/2006">
+        <mc:Choice xmlns:a14="http://schemas.microsoft.com/office/drawing/2010/main" Requires="a14">
           <p:sp>
             <p:nvSpPr>
-              <p:cNvPr id="93" name="文本框 92">
+              <p:cNvPr id="2" name="文本框 1">
                 <a:extLst>
                   <a:ext uri="{FF2B5EF4-FFF2-40B4-BE49-F238E27FC236}">
-                    <a16:creationId xmlns:a16="http://schemas.microsoft.com/office/drawing/2014/main" id="{294050B4-EB6D-AEB7-5CCB-020E76D1A0CA}"/>
+                    <a16:creationId xmlns:a16="http://schemas.microsoft.com/office/drawing/2014/main" id="{F8E03EBC-2AA1-E983-6E37-B97DAB76A117}"/>
                   </a:ext>
                 </a:extLst>
               </p:cNvPr>
@@ -28149,8 +28267,8 @@
             </p:nvSpPr>
             <p:spPr>
               <a:xfrm>
-                <a:off x="13960318" y="2696669"/>
-                <a:ext cx="1810111" cy="584775"/>
+                <a:off x="13643392" y="2754267"/>
+                <a:ext cx="2412007" cy="523220"/>
               </a:xfrm>
               <a:prstGeom prst="rect">
                 <a:avLst/>
@@ -28171,17 +28289,14 @@
                     </m:oMathParaPr>
                     <m:oMath xmlns:m="http://schemas.openxmlformats.org/officeDocument/2006/math">
                       <m:r>
-                        <m:rPr>
-                          <m:sty m:val="p"/>
-                        </m:rPr>
-                        <a:rPr lang="en-US" altLang="zh-CN" sz="3200" b="0" i="0" dirty="0" smtClean="0">
+                        <a:rPr lang="en-US" altLang="zh-CN" sz="2800" b="0" i="1" dirty="0" smtClean="0">
                           <a:latin typeface="Cambria Math" panose="02040503050406030204" pitchFamily="18" charset="0"/>
                           <a:ea typeface="微软雅黑" panose="020B0503020204020204" pitchFamily="34" charset="-122"/>
                         </a:rPr>
-                        <m:t>MHA</m:t>
+                        <m:t>𝑓</m:t>
                       </m:r>
                       <m:r>
-                        <a:rPr lang="en-US" altLang="zh-CN" sz="3200" b="0" i="0" dirty="0" smtClean="0">
+                        <a:rPr lang="en-US" altLang="zh-CN" sz="2800" b="0" i="1" dirty="0" smtClean="0">
                           <a:latin typeface="Cambria Math" panose="02040503050406030204" pitchFamily="18" charset="0"/>
                           <a:ea typeface="微软雅黑" panose="020B0503020204020204" pitchFamily="34" charset="-122"/>
                         </a:rPr>
@@ -28190,7 +28305,7 @@
                       <m:d>
                         <m:dPr>
                           <m:ctrlPr>
-                            <a:rPr lang="en-US" altLang="zh-CN" sz="3200" b="0" i="1" dirty="0" smtClean="0">
+                            <a:rPr lang="en-US" altLang="zh-CN" sz="2800" dirty="0" smtClean="0">
                               <a:latin typeface="Cambria Math" panose="02040503050406030204" pitchFamily="18" charset="0"/>
                               <a:ea typeface="微软雅黑" panose="020B0503020204020204" pitchFamily="34" charset="-122"/>
                             </a:rPr>
@@ -28198,29 +28313,49 @@
                         </m:dPr>
                         <m:e>
                           <m:r>
-                            <a:rPr lang="en-US" altLang="zh-CN" sz="3200" b="0" i="1" dirty="0" smtClean="0">
+                            <m:rPr>
+                              <m:sty m:val="p"/>
+                            </m:rPr>
+                            <a:rPr lang="en-US" altLang="zh-CN" sz="2800" b="0" i="0" dirty="0" smtClean="0">
                               <a:latin typeface="Cambria Math" panose="02040503050406030204" pitchFamily="18" charset="0"/>
                               <a:ea typeface="微软雅黑" panose="020B0503020204020204" pitchFamily="34" charset="-122"/>
                             </a:rPr>
-                            <m:t>𝑓</m:t>
+                            <m:t>MHA</m:t>
+                          </m:r>
+                          <m:r>
+                            <a:rPr lang="en-US" altLang="zh-CN" sz="2800" b="0" i="0" dirty="0" smtClean="0">
+                              <a:latin typeface="Cambria Math" panose="02040503050406030204" pitchFamily="18" charset="0"/>
+                              <a:ea typeface="微软雅黑" panose="020B0503020204020204" pitchFamily="34" charset="-122"/>
+                            </a:rPr>
+                            <m:t>/</m:t>
+                          </m:r>
+                          <m:r>
+                            <m:rPr>
+                              <m:sty m:val="p"/>
+                            </m:rPr>
+                            <a:rPr lang="en-US" altLang="zh-CN" sz="2800" b="0" i="0" dirty="0" smtClean="0">
+                              <a:latin typeface="Cambria Math" panose="02040503050406030204" pitchFamily="18" charset="0"/>
+                              <a:ea typeface="微软雅黑" panose="020B0503020204020204" pitchFamily="34" charset="-122"/>
+                            </a:rPr>
+                            <m:t>FFN</m:t>
                           </m:r>
                         </m:e>
                       </m:d>
                     </m:oMath>
                   </m:oMathPara>
                 </a14:m>
-                <a:endParaRPr dirty="0"/>
+                <a:endParaRPr sz="1600" dirty="0"/>
               </a:p>
             </p:txBody>
           </p:sp>
         </mc:Choice>
-        <mc:Fallback xmlns="">
+        <mc:Fallback>
           <p:sp>
             <p:nvSpPr>
-              <p:cNvPr id="93" name="文本框 92">
+              <p:cNvPr id="2" name="文本框 1">
                 <a:extLst>
                   <a:ext uri="{FF2B5EF4-FFF2-40B4-BE49-F238E27FC236}">
-                    <a16:creationId xmlns:a16="http://schemas.microsoft.com/office/drawing/2014/main" id="{294050B4-EB6D-AEB7-5CCB-020E76D1A0CA}"/>
+                    <a16:creationId xmlns:a16="http://schemas.microsoft.com/office/drawing/2014/main" id="{F8E03EBC-2AA1-E983-6E37-B97DAB76A117}"/>
                   </a:ext>
                 </a:extLst>
               </p:cNvPr>
@@ -28231,8 +28366,8 @@
             </p:nvSpPr>
             <p:spPr>
               <a:xfrm>
-                <a:off x="13960318" y="2696669"/>
-                <a:ext cx="1810111" cy="584775"/>
+                <a:off x="13643392" y="2754267"/>
+                <a:ext cx="2412007" cy="523220"/>
               </a:xfrm>
               <a:prstGeom prst="rect">
                 <a:avLst/>
@@ -28259,131 +28394,6 @@
           </p:sp>
         </mc:Fallback>
       </mc:AlternateContent>
-      <p:cxnSp>
-        <p:nvCxnSpPr>
-          <p:cNvPr id="95" name="直接连接符 94">
-            <a:extLst>
-              <a:ext uri="{FF2B5EF4-FFF2-40B4-BE49-F238E27FC236}">
-                <a16:creationId xmlns:a16="http://schemas.microsoft.com/office/drawing/2014/main" id="{4ECF935C-B97C-60F9-A4C2-8F40AFF302E1}"/>
-              </a:ext>
-            </a:extLst>
-          </p:cNvPr>
-          <p:cNvCxnSpPr>
-            <a:cxnSpLocks/>
-          </p:cNvCxnSpPr>
-          <p:nvPr/>
-        </p:nvCxnSpPr>
-        <p:spPr>
-          <a:xfrm rot="2700000">
-            <a:off x="6362311" y="540375"/>
-            <a:ext cx="7560000" cy="7560000"/>
-          </a:xfrm>
-          <a:prstGeom prst="line">
-            <a:avLst/>
-          </a:prstGeom>
-          <a:ln w="19050">
-            <a:prstDash val="dash"/>
-          </a:ln>
-        </p:spPr>
-        <p:style>
-          <a:lnRef idx="2">
-            <a:schemeClr val="accent1"/>
-          </a:lnRef>
-          <a:fillRef idx="0">
-            <a:schemeClr val="accent1"/>
-          </a:fillRef>
-          <a:effectRef idx="1">
-            <a:schemeClr val="accent1"/>
-          </a:effectRef>
-          <a:fontRef idx="minor">
-            <a:schemeClr val="tx1"/>
-          </a:fontRef>
-        </p:style>
-      </p:cxnSp>
-      <p:sp>
-        <p:nvSpPr>
-          <p:cNvPr id="104" name="文本框 103">
-            <a:extLst>
-              <a:ext uri="{FF2B5EF4-FFF2-40B4-BE49-F238E27FC236}">
-                <a16:creationId xmlns:a16="http://schemas.microsoft.com/office/drawing/2014/main" id="{120485C2-3AB9-14D4-F7B8-4AC5F71B7C87}"/>
-              </a:ext>
-            </a:extLst>
-          </p:cNvPr>
-          <p:cNvSpPr txBox="1"/>
-          <p:nvPr/>
-        </p:nvSpPr>
-        <p:spPr>
-          <a:xfrm>
-            <a:off x="4371787" y="7810772"/>
-            <a:ext cx="1612173" cy="523220"/>
-          </a:xfrm>
-          <a:prstGeom prst="rect">
-            <a:avLst/>
-          </a:prstGeom>
-          <a:noFill/>
-        </p:spPr>
-        <p:txBody>
-          <a:bodyPr wrap="none" rtlCol="0">
-            <a:spAutoFit/>
-          </a:bodyPr>
-          <a:lstStyle/>
-          <a:p>
-            <a:r>
-              <a:rPr lang="en-US" altLang="zh-CN" sz="2800" b="1" dirty="0">
-                <a:latin typeface="微软雅黑" panose="020B0503020204020204" pitchFamily="34" charset="-122"/>
-                <a:ea typeface="微软雅黑" panose="020B0503020204020204" pitchFamily="34" charset="-122"/>
-              </a:rPr>
-              <a:t>Post-LN</a:t>
-            </a:r>
-            <a:endParaRPr lang="zh-CN" altLang="en-US" sz="2800" b="1" dirty="0">
-              <a:latin typeface="微软雅黑" panose="020B0503020204020204" pitchFamily="34" charset="-122"/>
-              <a:ea typeface="微软雅黑" panose="020B0503020204020204" pitchFamily="34" charset="-122"/>
-            </a:endParaRPr>
-          </a:p>
-        </p:txBody>
-      </p:sp>
-      <p:sp>
-        <p:nvSpPr>
-          <p:cNvPr id="105" name="文本框 104">
-            <a:extLst>
-              <a:ext uri="{FF2B5EF4-FFF2-40B4-BE49-F238E27FC236}">
-                <a16:creationId xmlns:a16="http://schemas.microsoft.com/office/drawing/2014/main" id="{B86D8A80-748A-A490-1519-562DAF7ED469}"/>
-              </a:ext>
-            </a:extLst>
-          </p:cNvPr>
-          <p:cNvSpPr txBox="1"/>
-          <p:nvPr/>
-        </p:nvSpPr>
-        <p:spPr>
-          <a:xfrm>
-            <a:off x="14089610" y="7810772"/>
-            <a:ext cx="1438086" cy="523220"/>
-          </a:xfrm>
-          <a:prstGeom prst="rect">
-            <a:avLst/>
-          </a:prstGeom>
-          <a:noFill/>
-        </p:spPr>
-        <p:txBody>
-          <a:bodyPr wrap="none" rtlCol="0">
-            <a:spAutoFit/>
-          </a:bodyPr>
-          <a:lstStyle/>
-          <a:p>
-            <a:r>
-              <a:rPr lang="en-US" altLang="zh-CN" sz="2800" b="1" dirty="0">
-                <a:latin typeface="微软雅黑" panose="020B0503020204020204" pitchFamily="34" charset="-122"/>
-                <a:ea typeface="微软雅黑" panose="020B0503020204020204" pitchFamily="34" charset="-122"/>
-              </a:rPr>
-              <a:t>Pre-LN</a:t>
-            </a:r>
-            <a:endParaRPr lang="zh-CN" altLang="en-US" sz="2800" b="1" dirty="0">
-              <a:latin typeface="微软雅黑" panose="020B0503020204020204" pitchFamily="34" charset="-122"/>
-              <a:ea typeface="微软雅黑" panose="020B0503020204020204" pitchFamily="34" charset="-122"/>
-            </a:endParaRPr>
-          </a:p>
-        </p:txBody>
-      </p:sp>
     </p:spTree>
     <p:extLst>
       <p:ext uri="{BB962C8B-B14F-4D97-AF65-F5344CB8AC3E}">
@@ -28569,8 +28579,8 @@
           </a:fontRef>
         </p:style>
       </p:cxnSp>
-      <mc:AlternateContent xmlns:mc="http://schemas.openxmlformats.org/markup-compatibility/2006">
-        <mc:Choice xmlns:a14="http://schemas.microsoft.com/office/drawing/2010/main" Requires="a14">
+      <mc:AlternateContent xmlns:mc="http://schemas.openxmlformats.org/markup-compatibility/2006" xmlns:a14="http://schemas.microsoft.com/office/drawing/2010/main">
+        <mc:Choice Requires="a14">
           <p:sp>
             <p:nvSpPr>
               <p:cNvPr id="42" name="文本框 41">
@@ -28620,7 +28630,7 @@
             </p:txBody>
           </p:sp>
         </mc:Choice>
-        <mc:Fallback>
+        <mc:Fallback xmlns="">
           <p:sp>
             <p:nvSpPr>
               <p:cNvPr id="42" name="文本框 41">
@@ -28665,8 +28675,8 @@
           </p:sp>
         </mc:Fallback>
       </mc:AlternateContent>
-      <mc:AlternateContent xmlns:mc="http://schemas.openxmlformats.org/markup-compatibility/2006">
-        <mc:Choice xmlns:a14="http://schemas.microsoft.com/office/drawing/2010/main" Requires="a14">
+      <mc:AlternateContent xmlns:mc="http://schemas.openxmlformats.org/markup-compatibility/2006" xmlns:a14="http://schemas.microsoft.com/office/drawing/2010/main">
+        <mc:Choice Requires="a14">
           <p:sp>
             <p:nvSpPr>
               <p:cNvPr id="48" name="文本框 47">
@@ -28735,7 +28745,7 @@
             </p:txBody>
           </p:sp>
         </mc:Choice>
-        <mc:Fallback>
+        <mc:Fallback xmlns="">
           <p:sp>
             <p:nvSpPr>
               <p:cNvPr id="48" name="文本框 47">
@@ -29025,8 +29035,8 @@
           </p:txBody>
         </p:sp>
       </p:grpSp>
-      <mc:AlternateContent xmlns:mc="http://schemas.openxmlformats.org/markup-compatibility/2006">
-        <mc:Choice xmlns:a14="http://schemas.microsoft.com/office/drawing/2010/main" Requires="a14">
+      <mc:AlternateContent xmlns:mc="http://schemas.openxmlformats.org/markup-compatibility/2006" xmlns:a14="http://schemas.microsoft.com/office/drawing/2010/main">
+        <mc:Choice Requires="a14">
           <p:sp>
             <p:nvSpPr>
               <p:cNvPr id="9" name="文本框 8">
@@ -29055,6 +29065,7 @@
               </a:bodyPr>
               <a:lstStyle/>
               <a:p>
+                <a:pPr/>
                 <a14:m>
                   <m:oMathPara xmlns:m="http://schemas.openxmlformats.org/officeDocument/2006/math">
                     <m:oMathParaPr>
@@ -29087,7 +29098,7 @@
             </p:txBody>
           </p:sp>
         </mc:Choice>
-        <mc:Fallback>
+        <mc:Fallback xmlns="">
           <p:sp>
             <p:nvSpPr>
               <p:cNvPr id="9" name="文本框 8">
@@ -29186,8 +29197,8 @@
           </a:p>
         </p:txBody>
       </p:sp>
-      <mc:AlternateContent xmlns:mc="http://schemas.openxmlformats.org/markup-compatibility/2006">
-        <mc:Choice xmlns:a14="http://schemas.microsoft.com/office/drawing/2010/main" Requires="a14">
+      <mc:AlternateContent xmlns:mc="http://schemas.openxmlformats.org/markup-compatibility/2006" xmlns:a14="http://schemas.microsoft.com/office/drawing/2010/main">
+        <mc:Choice Requires="a14">
           <p:sp>
             <p:nvSpPr>
               <p:cNvPr id="22" name="文本框 21">
@@ -29216,6 +29227,7 @@
               </a:bodyPr>
               <a:lstStyle/>
               <a:p>
+                <a:pPr/>
                 <a14:m>
                   <m:oMathPara xmlns:m="http://schemas.openxmlformats.org/officeDocument/2006/math">
                     <m:oMathParaPr>
@@ -29254,7 +29266,7 @@
             </p:txBody>
           </p:sp>
         </mc:Choice>
-        <mc:Fallback>
+        <mc:Fallback xmlns="">
           <p:sp>
             <p:nvSpPr>
               <p:cNvPr id="22" name="文本框 21">
@@ -29353,8 +29365,8 @@
           </a:p>
         </p:txBody>
       </p:sp>
-      <mc:AlternateContent xmlns:mc="http://schemas.openxmlformats.org/markup-compatibility/2006">
-        <mc:Choice xmlns:a14="http://schemas.microsoft.com/office/drawing/2010/main" Requires="a14">
+      <mc:AlternateContent xmlns:mc="http://schemas.openxmlformats.org/markup-compatibility/2006" xmlns:a14="http://schemas.microsoft.com/office/drawing/2010/main">
+        <mc:Choice Requires="a14">
           <p:sp>
             <p:nvSpPr>
               <p:cNvPr id="24" name="文本框 23">
@@ -29383,6 +29395,7 @@
               </a:bodyPr>
               <a:lstStyle/>
               <a:p>
+                <a:pPr/>
                 <a14:m>
                   <m:oMathPara xmlns:m="http://schemas.openxmlformats.org/officeDocument/2006/math">
                     <m:oMathParaPr>
@@ -29415,7 +29428,7 @@
             </p:txBody>
           </p:sp>
         </mc:Choice>
-        <mc:Fallback>
+        <mc:Fallback xmlns="">
           <p:sp>
             <p:nvSpPr>
               <p:cNvPr id="24" name="文本框 23">
@@ -29514,8 +29527,8 @@
           </a:p>
         </p:txBody>
       </p:sp>
-      <mc:AlternateContent xmlns:mc="http://schemas.openxmlformats.org/markup-compatibility/2006">
-        <mc:Choice xmlns:a14="http://schemas.microsoft.com/office/drawing/2010/main" Requires="a14">
+      <mc:AlternateContent xmlns:mc="http://schemas.openxmlformats.org/markup-compatibility/2006" xmlns:a14="http://schemas.microsoft.com/office/drawing/2010/main">
+        <mc:Choice Requires="a14">
           <p:sp>
             <p:nvSpPr>
               <p:cNvPr id="28" name="文本框 27">
@@ -29544,6 +29557,7 @@
               </a:bodyPr>
               <a:lstStyle/>
               <a:p>
+                <a:pPr/>
                 <a14:m>
                   <m:oMathPara xmlns:m="http://schemas.openxmlformats.org/officeDocument/2006/math">
                     <m:oMathParaPr>
@@ -29582,7 +29596,7 @@
             </p:txBody>
           </p:sp>
         </mc:Choice>
-        <mc:Fallback>
+        <mc:Fallback xmlns="">
           <p:sp>
             <p:nvSpPr>
               <p:cNvPr id="28" name="文本框 27">
@@ -29686,8 +29700,8 @@
           </a:p>
         </p:txBody>
       </p:sp>
-      <mc:AlternateContent xmlns:mc="http://schemas.openxmlformats.org/markup-compatibility/2006">
-        <mc:Choice xmlns:a14="http://schemas.microsoft.com/office/drawing/2010/main" Requires="a14">
+      <mc:AlternateContent xmlns:mc="http://schemas.openxmlformats.org/markup-compatibility/2006" xmlns:a14="http://schemas.microsoft.com/office/drawing/2010/main">
+        <mc:Choice Requires="a14">
           <p:sp>
             <p:nvSpPr>
               <p:cNvPr id="30" name="文本框 29">
@@ -29716,6 +29730,7 @@
               </a:bodyPr>
               <a:lstStyle/>
               <a:p>
+                <a:pPr/>
                 <a14:m>
                   <m:oMathPara xmlns:m="http://schemas.openxmlformats.org/officeDocument/2006/math">
                     <m:oMathParaPr>
@@ -29739,7 +29754,7 @@
             </p:txBody>
           </p:sp>
         </mc:Choice>
-        <mc:Fallback>
+        <mc:Fallback xmlns="">
           <p:sp>
             <p:nvSpPr>
               <p:cNvPr id="30" name="文本框 29">
@@ -30024,8 +30039,8 @@
           </a:p>
         </p:txBody>
       </p:sp>
-      <mc:AlternateContent xmlns:mc="http://schemas.openxmlformats.org/markup-compatibility/2006">
-        <mc:Choice xmlns:a14="http://schemas.microsoft.com/office/drawing/2010/main" Requires="a14">
+      <mc:AlternateContent xmlns:mc="http://schemas.openxmlformats.org/markup-compatibility/2006" xmlns:a14="http://schemas.microsoft.com/office/drawing/2010/main">
+        <mc:Choice Requires="a14">
           <p:sp>
             <p:nvSpPr>
               <p:cNvPr id="73" name="文本框 72">
@@ -30054,6 +30069,7 @@
               </a:bodyPr>
               <a:lstStyle/>
               <a:p>
+                <a:pPr/>
                 <a14:m>
                   <m:oMathPara xmlns:m="http://schemas.openxmlformats.org/officeDocument/2006/math">
                     <m:oMathParaPr>
@@ -30077,7 +30093,7 @@
             </p:txBody>
           </p:sp>
         </mc:Choice>
-        <mc:Fallback>
+        <mc:Fallback xmlns="">
           <p:sp>
             <p:nvSpPr>
               <p:cNvPr id="73" name="文本框 72">
@@ -30176,8 +30192,8 @@
           </a:p>
         </p:txBody>
       </p:sp>
-      <mc:AlternateContent xmlns:mc="http://schemas.openxmlformats.org/markup-compatibility/2006">
-        <mc:Choice xmlns:a14="http://schemas.microsoft.com/office/drawing/2010/main" Requires="a14">
+      <mc:AlternateContent xmlns:mc="http://schemas.openxmlformats.org/markup-compatibility/2006" xmlns:a14="http://schemas.microsoft.com/office/drawing/2010/main">
+        <mc:Choice Requires="a14">
           <p:sp>
             <p:nvSpPr>
               <p:cNvPr id="75" name="文本框 74">
@@ -30206,6 +30222,7 @@
               </a:bodyPr>
               <a:lstStyle/>
               <a:p>
+                <a:pPr/>
                 <a14:m>
                   <m:oMathPara xmlns:m="http://schemas.openxmlformats.org/officeDocument/2006/math">
                     <m:oMathParaPr>
@@ -30244,7 +30261,7 @@
             </p:txBody>
           </p:sp>
         </mc:Choice>
-        <mc:Fallback>
+        <mc:Fallback xmlns="">
           <p:sp>
             <p:nvSpPr>
               <p:cNvPr id="75" name="文本框 74">

--- a/images/posts/2025-03-02-blog-post/新建 Microsoft PowerPoint 演示文稿.pptx
+++ b/images/posts/2025-03-02-blog-post/新建 Microsoft PowerPoint 演示文稿.pptx
@@ -203,7 +203,7 @@
           <a:p>
             <a:fld id="{06A7EE91-92E7-4CCB-9ABC-2651A01142F8}" type="datetimeFigureOut">
               <a:rPr lang="zh-CN" altLang="en-US" smtClean="0"/>
-              <a:t>2025/9/30</a:t>
+              <a:t>2025/10/10</a:t>
             </a:fld>
             <a:endParaRPr lang="zh-CN" altLang="en-US"/>
           </a:p>
@@ -690,7 +690,7 @@
           <a:p>
             <a:fld id="{47A39752-AE50-4AEA-9C8D-075E0077A86E}" type="datetimeFigureOut">
               <a:rPr lang="zh-CN" altLang="en-US" smtClean="0"/>
-              <a:t>2025/9/30</a:t>
+              <a:t>2025/10/10</a:t>
             </a:fld>
             <a:endParaRPr lang="zh-CN" altLang="en-US"/>
           </a:p>
@@ -860,7 +860,7 @@
           <a:p>
             <a:fld id="{47A39752-AE50-4AEA-9C8D-075E0077A86E}" type="datetimeFigureOut">
               <a:rPr lang="zh-CN" altLang="en-US" smtClean="0"/>
-              <a:t>2025/9/30</a:t>
+              <a:t>2025/10/10</a:t>
             </a:fld>
             <a:endParaRPr lang="zh-CN" altLang="en-US"/>
           </a:p>
@@ -1040,7 +1040,7 @@
           <a:p>
             <a:fld id="{47A39752-AE50-4AEA-9C8D-075E0077A86E}" type="datetimeFigureOut">
               <a:rPr lang="zh-CN" altLang="en-US" smtClean="0"/>
-              <a:t>2025/9/30</a:t>
+              <a:t>2025/10/10</a:t>
             </a:fld>
             <a:endParaRPr lang="zh-CN" altLang="en-US"/>
           </a:p>
@@ -1210,7 +1210,7 @@
           <a:p>
             <a:fld id="{47A39752-AE50-4AEA-9C8D-075E0077A86E}" type="datetimeFigureOut">
               <a:rPr lang="zh-CN" altLang="en-US" smtClean="0"/>
-              <a:t>2025/9/30</a:t>
+              <a:t>2025/10/10</a:t>
             </a:fld>
             <a:endParaRPr lang="zh-CN" altLang="en-US"/>
           </a:p>
@@ -1456,7 +1456,7 @@
           <a:p>
             <a:fld id="{47A39752-AE50-4AEA-9C8D-075E0077A86E}" type="datetimeFigureOut">
               <a:rPr lang="zh-CN" altLang="en-US" smtClean="0"/>
-              <a:t>2025/9/30</a:t>
+              <a:t>2025/10/10</a:t>
             </a:fld>
             <a:endParaRPr lang="zh-CN" altLang="en-US"/>
           </a:p>
@@ -1688,7 +1688,7 @@
           <a:p>
             <a:fld id="{47A39752-AE50-4AEA-9C8D-075E0077A86E}" type="datetimeFigureOut">
               <a:rPr lang="zh-CN" altLang="en-US" smtClean="0"/>
-              <a:t>2025/9/30</a:t>
+              <a:t>2025/10/10</a:t>
             </a:fld>
             <a:endParaRPr lang="zh-CN" altLang="en-US"/>
           </a:p>
@@ -2055,7 +2055,7 @@
           <a:p>
             <a:fld id="{47A39752-AE50-4AEA-9C8D-075E0077A86E}" type="datetimeFigureOut">
               <a:rPr lang="zh-CN" altLang="en-US" smtClean="0"/>
-              <a:t>2025/9/30</a:t>
+              <a:t>2025/10/10</a:t>
             </a:fld>
             <a:endParaRPr lang="zh-CN" altLang="en-US"/>
           </a:p>
@@ -2173,7 +2173,7 @@
           <a:p>
             <a:fld id="{47A39752-AE50-4AEA-9C8D-075E0077A86E}" type="datetimeFigureOut">
               <a:rPr lang="zh-CN" altLang="en-US" smtClean="0"/>
-              <a:t>2025/9/30</a:t>
+              <a:t>2025/10/10</a:t>
             </a:fld>
             <a:endParaRPr lang="zh-CN" altLang="en-US"/>
           </a:p>
@@ -2268,7 +2268,7 @@
           <a:p>
             <a:fld id="{47A39752-AE50-4AEA-9C8D-075E0077A86E}" type="datetimeFigureOut">
               <a:rPr lang="zh-CN" altLang="en-US" smtClean="0"/>
-              <a:t>2025/9/30</a:t>
+              <a:t>2025/10/10</a:t>
             </a:fld>
             <a:endParaRPr lang="zh-CN" altLang="en-US"/>
           </a:p>
@@ -2545,7 +2545,7 @@
           <a:p>
             <a:fld id="{47A39752-AE50-4AEA-9C8D-075E0077A86E}" type="datetimeFigureOut">
               <a:rPr lang="zh-CN" altLang="en-US" smtClean="0"/>
-              <a:t>2025/9/30</a:t>
+              <a:t>2025/10/10</a:t>
             </a:fld>
             <a:endParaRPr lang="zh-CN" altLang="en-US"/>
           </a:p>
@@ -2802,7 +2802,7 @@
           <a:p>
             <a:fld id="{47A39752-AE50-4AEA-9C8D-075E0077A86E}" type="datetimeFigureOut">
               <a:rPr lang="zh-CN" altLang="en-US" smtClean="0"/>
-              <a:t>2025/9/30</a:t>
+              <a:t>2025/10/10</a:t>
             </a:fld>
             <a:endParaRPr lang="zh-CN" altLang="en-US"/>
           </a:p>
@@ -3015,7 +3015,7 @@
           <a:p>
             <a:fld id="{47A39752-AE50-4AEA-9C8D-075E0077A86E}" type="datetimeFigureOut">
               <a:rPr lang="zh-CN" altLang="en-US" smtClean="0"/>
-              <a:t>2025/9/30</a:t>
+              <a:t>2025/10/10</a:t>
             </a:fld>
             <a:endParaRPr lang="zh-CN" altLang="en-US"/>
           </a:p>
@@ -12270,7 +12270,13 @@
                             <a:rPr lang="en-US" altLang="zh-CN" b="0" i="1" smtClean="0">
                               <a:latin typeface="Cambria Math" panose="02040503050406030204" pitchFamily="18" charset="0"/>
                             </a:rPr>
-                            <m:t>1+</m:t>
+                            <m:t>1</m:t>
+                          </m:r>
+                          <m:r>
+                            <a:rPr lang="en-US" altLang="zh-CN" b="0" i="1" smtClean="0">
+                              <a:latin typeface="Cambria Math" panose="02040503050406030204" pitchFamily="18" charset="0"/>
+                            </a:rPr>
+                            <m:t>+</m:t>
                           </m:r>
                           <m:r>
                             <a:rPr lang="zh-CN" altLang="en-US" b="0" i="1" smtClean="0">
@@ -14006,7 +14012,13 @@
                             <a:rPr lang="en-US" altLang="zh-CN" b="0" i="1" smtClean="0">
                               <a:latin typeface="Cambria Math" panose="02040503050406030204" pitchFamily="18" charset="0"/>
                             </a:rPr>
-                            <m:t>1+</m:t>
+                            <m:t>1</m:t>
+                          </m:r>
+                          <m:r>
+                            <a:rPr lang="en-US" altLang="zh-CN" b="0" i="1" smtClean="0">
+                              <a:latin typeface="Cambria Math" panose="02040503050406030204" pitchFamily="18" charset="0"/>
+                            </a:rPr>
+                            <m:t>+</m:t>
                           </m:r>
                           <m:r>
                             <a:rPr lang="zh-CN" altLang="en-US" b="0" i="1" smtClean="0">
@@ -18997,7 +19009,13 @@
                             <a:rPr lang="en-US" altLang="zh-CN" b="0" i="1" smtClean="0">
                               <a:latin typeface="Cambria Math" panose="02040503050406030204" pitchFamily="18" charset="0"/>
                             </a:rPr>
-                            <m:t>1+</m:t>
+                            <m:t>1</m:t>
+                          </m:r>
+                          <m:r>
+                            <a:rPr lang="en-US" altLang="zh-CN" b="0" i="1" smtClean="0">
+                              <a:latin typeface="Cambria Math" panose="02040503050406030204" pitchFamily="18" charset="0"/>
+                            </a:rPr>
+                            <m:t>+</m:t>
                           </m:r>
                           <m:sSub>
                             <m:sSubPr>
@@ -19565,7 +19583,13 @@
                             <a:rPr lang="en-US" altLang="zh-CN" b="0" i="1" smtClean="0">
                               <a:latin typeface="Cambria Math" panose="02040503050406030204" pitchFamily="18" charset="0"/>
                             </a:rPr>
-                            <m:t>1+</m:t>
+                            <m:t>1</m:t>
+                          </m:r>
+                          <m:r>
+                            <a:rPr lang="en-US" altLang="zh-CN" b="0" i="1" smtClean="0">
+                              <a:latin typeface="Cambria Math" panose="02040503050406030204" pitchFamily="18" charset="0"/>
+                            </a:rPr>
+                            <m:t>+</m:t>
                           </m:r>
                           <m:sSub>
                             <m:sSubPr>
@@ -20071,7 +20095,7 @@
         </p:nvSpPr>
         <p:spPr>
           <a:xfrm>
-            <a:off x="3574117" y="4043794"/>
+            <a:off x="3574117" y="4007582"/>
             <a:ext cx="5045080" cy="1358020"/>
           </a:xfrm>
           <a:prstGeom prst="roundRect">
@@ -20115,8 +20139,8 @@
           </a:p>
         </p:txBody>
       </p:sp>
-      <mc:AlternateContent xmlns:mc="http://schemas.openxmlformats.org/markup-compatibility/2006" xmlns:a14="http://schemas.microsoft.com/office/drawing/2010/main">
-        <mc:Choice Requires="a14">
+      <mc:AlternateContent xmlns:mc="http://schemas.openxmlformats.org/markup-compatibility/2006">
+        <mc:Choice xmlns:a14="http://schemas.microsoft.com/office/drawing/2010/main" Requires="a14">
           <p:sp>
             <p:nvSpPr>
               <p:cNvPr id="5" name="文本框 4">
@@ -20131,7 +20155,7 @@
             </p:nvSpPr>
             <p:spPr>
               <a:xfrm>
-                <a:off x="5061693" y="4403996"/>
+                <a:off x="5061693" y="4367784"/>
                 <a:ext cx="1963999" cy="584775"/>
               </a:xfrm>
               <a:prstGeom prst="rect">
@@ -20187,7 +20211,7 @@
             </p:txBody>
           </p:sp>
         </mc:Choice>
-        <mc:Fallback xmlns="">
+        <mc:Fallback>
           <p:sp>
             <p:nvSpPr>
               <p:cNvPr id="5" name="文本框 4">
@@ -20204,7 +20228,7 @@
             </p:nvSpPr>
             <p:spPr>
               <a:xfrm>
-                <a:off x="5061693" y="4403996"/>
+                <a:off x="5061693" y="4367784"/>
                 <a:ext cx="1963999" cy="584775"/>
               </a:xfrm>
               <a:prstGeom prst="rect">
@@ -20246,7 +20270,7 @@
         </p:nvSpPr>
         <p:spPr>
           <a:xfrm>
-            <a:off x="3574117" y="6062372"/>
+            <a:off x="3574117" y="6026160"/>
             <a:ext cx="1487576" cy="665467"/>
           </a:xfrm>
           <a:prstGeom prst="roundRect">
@@ -20291,8 +20315,8 @@
           </a:p>
         </p:txBody>
       </p:sp>
-      <mc:AlternateContent xmlns:mc="http://schemas.openxmlformats.org/markup-compatibility/2006" xmlns:a14="http://schemas.microsoft.com/office/drawing/2010/main">
-        <mc:Choice Requires="a14">
+      <mc:AlternateContent xmlns:mc="http://schemas.openxmlformats.org/markup-compatibility/2006">
+        <mc:Choice xmlns:a14="http://schemas.microsoft.com/office/drawing/2010/main" Requires="a14">
           <p:sp>
             <p:nvSpPr>
               <p:cNvPr id="7" name="文本框 6">
@@ -20307,7 +20331,7 @@
             </p:nvSpPr>
             <p:spPr>
               <a:xfrm>
-                <a:off x="3574117" y="6164272"/>
+                <a:off x="3574117" y="6128060"/>
                 <a:ext cx="1345240" cy="461665"/>
               </a:xfrm>
               <a:prstGeom prst="rect">
@@ -20349,7 +20373,7 @@
             </p:txBody>
           </p:sp>
         </mc:Choice>
-        <mc:Fallback xmlns="">
+        <mc:Fallback>
           <p:sp>
             <p:nvSpPr>
               <p:cNvPr id="7" name="文本框 6">
@@ -20366,7 +20390,7 @@
             </p:nvSpPr>
             <p:spPr>
               <a:xfrm>
-                <a:off x="3574117" y="6164272"/>
+                <a:off x="3574117" y="6128060"/>
                 <a:ext cx="1345240" cy="461665"/>
               </a:xfrm>
               <a:prstGeom prst="rect">
@@ -20408,7 +20432,7 @@
         </p:nvSpPr>
         <p:spPr>
           <a:xfrm>
-            <a:off x="3574117" y="7780370"/>
+            <a:off x="3574117" y="7744158"/>
             <a:ext cx="1487576" cy="1039283"/>
           </a:xfrm>
           <a:prstGeom prst="roundRect">
@@ -20453,8 +20477,8 @@
           </a:p>
         </p:txBody>
       </p:sp>
-      <mc:AlternateContent xmlns:mc="http://schemas.openxmlformats.org/markup-compatibility/2006" xmlns:a14="http://schemas.microsoft.com/office/drawing/2010/main">
-        <mc:Choice Requires="a14">
+      <mc:AlternateContent xmlns:mc="http://schemas.openxmlformats.org/markup-compatibility/2006">
+        <mc:Choice xmlns:a14="http://schemas.microsoft.com/office/drawing/2010/main" Requires="a14">
           <p:sp>
             <p:nvSpPr>
               <p:cNvPr id="11" name="文本框 10">
@@ -20469,7 +20493,7 @@
             </p:nvSpPr>
             <p:spPr>
               <a:xfrm>
-                <a:off x="3383177" y="7892902"/>
+                <a:off x="3383177" y="7856690"/>
                 <a:ext cx="1971918" cy="861774"/>
               </a:xfrm>
               <a:prstGeom prst="rect">
@@ -20590,7 +20614,7 @@
             </p:txBody>
           </p:sp>
         </mc:Choice>
-        <mc:Fallback xmlns="">
+        <mc:Fallback>
           <p:sp>
             <p:nvSpPr>
               <p:cNvPr id="11" name="文本框 10">
@@ -20607,7 +20631,7 @@
             </p:nvSpPr>
             <p:spPr>
               <a:xfrm>
-                <a:off x="3383177" y="7892902"/>
+                <a:off x="3383177" y="7856690"/>
                 <a:ext cx="1971918" cy="861774"/>
               </a:xfrm>
               <a:prstGeom prst="rect">
@@ -20649,7 +20673,7 @@
         </p:nvSpPr>
         <p:spPr>
           <a:xfrm>
-            <a:off x="5772595" y="8328493"/>
+            <a:off x="5772595" y="8292281"/>
             <a:ext cx="1118896" cy="491160"/>
           </a:xfrm>
           <a:prstGeom prst="roundRect">
@@ -20694,8 +20718,8 @@
           </a:p>
         </p:txBody>
       </p:sp>
-      <mc:AlternateContent xmlns:mc="http://schemas.openxmlformats.org/markup-compatibility/2006" xmlns:a14="http://schemas.microsoft.com/office/drawing/2010/main">
-        <mc:Choice Requires="a14">
+      <mc:AlternateContent xmlns:mc="http://schemas.openxmlformats.org/markup-compatibility/2006">
+        <mc:Choice xmlns:a14="http://schemas.microsoft.com/office/drawing/2010/main" Requires="a14">
           <p:sp>
             <p:nvSpPr>
               <p:cNvPr id="17" name="文本框 16">
@@ -20710,7 +20734,7 @@
             </p:nvSpPr>
             <p:spPr>
               <a:xfrm>
-                <a:off x="5848668" y="8328493"/>
+                <a:off x="5848668" y="8292281"/>
                 <a:ext cx="1118896" cy="477054"/>
               </a:xfrm>
               <a:prstGeom prst="rect">
@@ -20787,7 +20811,7 @@
             </p:txBody>
           </p:sp>
         </mc:Choice>
-        <mc:Fallback xmlns="">
+        <mc:Fallback>
           <p:sp>
             <p:nvSpPr>
               <p:cNvPr id="17" name="文本框 16">
@@ -20804,7 +20828,7 @@
             </p:nvSpPr>
             <p:spPr>
               <a:xfrm>
-                <a:off x="5848668" y="8328493"/>
+                <a:off x="5848668" y="8292281"/>
                 <a:ext cx="1118896" cy="477054"/>
               </a:xfrm>
               <a:prstGeom prst="rect">
@@ -20846,7 +20870,7 @@
         </p:nvSpPr>
         <p:spPr>
           <a:xfrm>
-            <a:off x="7500301" y="8328493"/>
+            <a:off x="7500301" y="8292281"/>
             <a:ext cx="1118896" cy="491160"/>
           </a:xfrm>
           <a:prstGeom prst="roundRect">
@@ -20891,8 +20915,8 @@
           </a:p>
         </p:txBody>
       </p:sp>
-      <mc:AlternateContent xmlns:mc="http://schemas.openxmlformats.org/markup-compatibility/2006" xmlns:a14="http://schemas.microsoft.com/office/drawing/2010/main">
-        <mc:Choice Requires="a14">
+      <mc:AlternateContent xmlns:mc="http://schemas.openxmlformats.org/markup-compatibility/2006">
+        <mc:Choice xmlns:a14="http://schemas.microsoft.com/office/drawing/2010/main" Requires="a14">
           <p:sp>
             <p:nvSpPr>
               <p:cNvPr id="19" name="文本框 18">
@@ -20907,7 +20931,7 @@
             </p:nvSpPr>
             <p:spPr>
               <a:xfrm>
-                <a:off x="7566307" y="8328493"/>
+                <a:off x="7566307" y="8292281"/>
                 <a:ext cx="1139030" cy="477054"/>
               </a:xfrm>
               <a:prstGeom prst="rect">
@@ -20987,7 +21011,7 @@
             </p:txBody>
           </p:sp>
         </mc:Choice>
-        <mc:Fallback xmlns="">
+        <mc:Fallback>
           <p:sp>
             <p:nvSpPr>
               <p:cNvPr id="19" name="文本框 18">
@@ -21004,7 +21028,7 @@
             </p:nvSpPr>
             <p:spPr>
               <a:xfrm>
-                <a:off x="7566307" y="8328493"/>
+                <a:off x="7566307" y="8292281"/>
                 <a:ext cx="1139030" cy="477054"/>
               </a:xfrm>
               <a:prstGeom prst="rect">
@@ -21046,7 +21070,7 @@
         </p:nvSpPr>
         <p:spPr>
           <a:xfrm>
-            <a:off x="6987890" y="8283765"/>
+            <a:off x="6987890" y="8247553"/>
             <a:ext cx="436338" cy="461665"/>
           </a:xfrm>
           <a:prstGeom prst="rect">
@@ -21082,7 +21106,7 @@
         </p:nvSpPr>
         <p:spPr>
           <a:xfrm>
-            <a:off x="5772595" y="7196359"/>
+            <a:off x="5772595" y="7160147"/>
             <a:ext cx="2846602" cy="584011"/>
           </a:xfrm>
           <a:prstGeom prst="roundRect">
@@ -21127,8 +21151,8 @@
           </a:p>
         </p:txBody>
       </p:sp>
-      <mc:AlternateContent xmlns:mc="http://schemas.openxmlformats.org/markup-compatibility/2006" xmlns:a14="http://schemas.microsoft.com/office/drawing/2010/main">
-        <mc:Choice Requires="a14">
+      <mc:AlternateContent xmlns:mc="http://schemas.openxmlformats.org/markup-compatibility/2006">
+        <mc:Choice xmlns:a14="http://schemas.microsoft.com/office/drawing/2010/main" Requires="a14">
           <p:sp>
             <p:nvSpPr>
               <p:cNvPr id="22" name="文本框 21">
@@ -21143,7 +21167,7 @@
             </p:nvSpPr>
             <p:spPr>
               <a:xfrm>
-                <a:off x="6337112" y="7253954"/>
+                <a:off x="6337112" y="7217742"/>
                 <a:ext cx="1798710" cy="477054"/>
               </a:xfrm>
               <a:prstGeom prst="rect">
@@ -21199,7 +21223,7 @@
             </p:txBody>
           </p:sp>
         </mc:Choice>
-        <mc:Fallback xmlns="">
+        <mc:Fallback>
           <p:sp>
             <p:nvSpPr>
               <p:cNvPr id="22" name="文本框 21">
@@ -21216,7 +21240,7 @@
             </p:nvSpPr>
             <p:spPr>
               <a:xfrm>
-                <a:off x="6337112" y="7253954"/>
+                <a:off x="6337112" y="7217742"/>
                 <a:ext cx="1798710" cy="477054"/>
               </a:xfrm>
               <a:prstGeom prst="rect">
@@ -21258,7 +21282,7 @@
         </p:nvSpPr>
         <p:spPr>
           <a:xfrm>
-            <a:off x="5772595" y="6062593"/>
+            <a:off x="5772595" y="6026381"/>
             <a:ext cx="2846602" cy="584011"/>
           </a:xfrm>
           <a:prstGeom prst="roundRect">
@@ -21303,8 +21327,8 @@
           </a:p>
         </p:txBody>
       </p:sp>
-      <mc:AlternateContent xmlns:mc="http://schemas.openxmlformats.org/markup-compatibility/2006" xmlns:a14="http://schemas.microsoft.com/office/drawing/2010/main">
-        <mc:Choice Requires="a14">
+      <mc:AlternateContent xmlns:mc="http://schemas.openxmlformats.org/markup-compatibility/2006">
+        <mc:Choice xmlns:a14="http://schemas.microsoft.com/office/drawing/2010/main" Requires="a14">
           <p:sp>
             <p:nvSpPr>
               <p:cNvPr id="24" name="文本框 23">
@@ -21319,7 +21343,7 @@
             </p:nvSpPr>
             <p:spPr>
               <a:xfrm>
-                <a:off x="6337112" y="6120188"/>
+                <a:off x="6337112" y="6083976"/>
                 <a:ext cx="1798710" cy="477054"/>
               </a:xfrm>
               <a:prstGeom prst="rect">
@@ -21375,7 +21399,7 @@
             </p:txBody>
           </p:sp>
         </mc:Choice>
-        <mc:Fallback xmlns="">
+        <mc:Fallback>
           <p:sp>
             <p:nvSpPr>
               <p:cNvPr id="24" name="文本框 23">
@@ -21392,7 +21416,7 @@
             </p:nvSpPr>
             <p:spPr>
               <a:xfrm>
-                <a:off x="6337112" y="6120188"/>
+                <a:off x="6337112" y="6083976"/>
                 <a:ext cx="1798710" cy="477054"/>
               </a:xfrm>
               <a:prstGeom prst="rect">
@@ -21437,7 +21461,7 @@
         </p:nvCxnSpPr>
         <p:spPr>
           <a:xfrm flipV="1">
-            <a:off x="4317905" y="5401814"/>
+            <a:off x="4317905" y="5365602"/>
             <a:ext cx="0" cy="660558"/>
           </a:xfrm>
           <a:prstGeom prst="straightConnector1">
@@ -21480,7 +21504,7 @@
         </p:nvCxnSpPr>
         <p:spPr>
           <a:xfrm flipV="1">
-            <a:off x="4317905" y="6727839"/>
+            <a:off x="4317905" y="6691627"/>
             <a:ext cx="0" cy="1052531"/>
           </a:xfrm>
           <a:prstGeom prst="straightConnector1">
@@ -21522,7 +21546,7 @@
         </p:nvCxnSpPr>
         <p:spPr>
           <a:xfrm flipV="1">
-            <a:off x="6408116" y="7780370"/>
+            <a:off x="6408116" y="7744158"/>
             <a:ext cx="0" cy="548123"/>
           </a:xfrm>
           <a:prstGeom prst="straightConnector1">
@@ -21563,7 +21587,7 @@
         </p:nvCxnSpPr>
         <p:spPr>
           <a:xfrm flipV="1">
-            <a:off x="8018124" y="7780370"/>
+            <a:off x="8018124" y="7744158"/>
             <a:ext cx="0" cy="548123"/>
           </a:xfrm>
           <a:prstGeom prst="straightConnector1">
@@ -21606,7 +21630,7 @@
         </p:nvCxnSpPr>
         <p:spPr>
           <a:xfrm flipV="1">
-            <a:off x="7195896" y="6646604"/>
+            <a:off x="7195896" y="6610392"/>
             <a:ext cx="0" cy="549755"/>
           </a:xfrm>
           <a:prstGeom prst="straightConnector1">
@@ -21648,7 +21672,7 @@
         </p:nvCxnSpPr>
         <p:spPr>
           <a:xfrm flipV="1">
-            <a:off x="7195896" y="5401814"/>
+            <a:off x="7195896" y="5365602"/>
             <a:ext cx="0" cy="660779"/>
           </a:xfrm>
           <a:prstGeom prst="straightConnector1">
@@ -21687,7 +21711,7 @@
         </p:nvSpPr>
         <p:spPr>
           <a:xfrm>
-            <a:off x="3574117" y="2901959"/>
+            <a:off x="3574117" y="2865747"/>
             <a:ext cx="5045080" cy="584011"/>
           </a:xfrm>
           <a:prstGeom prst="roundRect">
@@ -21732,8 +21756,8 @@
           </a:p>
         </p:txBody>
       </p:sp>
-      <mc:AlternateContent xmlns:mc="http://schemas.openxmlformats.org/markup-compatibility/2006" xmlns:a14="http://schemas.microsoft.com/office/drawing/2010/main">
-        <mc:Choice Requires="a14">
+      <mc:AlternateContent xmlns:mc="http://schemas.openxmlformats.org/markup-compatibility/2006">
+        <mc:Choice xmlns:a14="http://schemas.microsoft.com/office/drawing/2010/main" Requires="a14">
           <p:sp>
             <p:nvSpPr>
               <p:cNvPr id="46" name="文本框 45">
@@ -21748,7 +21772,7 @@
             </p:nvSpPr>
             <p:spPr>
               <a:xfrm>
-                <a:off x="4738101" y="2955437"/>
+                <a:off x="4738101" y="2919225"/>
                 <a:ext cx="3187884" cy="477054"/>
               </a:xfrm>
               <a:prstGeom prst="rect">
@@ -21821,7 +21845,7 @@
             </p:txBody>
           </p:sp>
         </mc:Choice>
-        <mc:Fallback xmlns="">
+        <mc:Fallback>
           <p:sp>
             <p:nvSpPr>
               <p:cNvPr id="46" name="文本框 45">
@@ -21838,7 +21862,7 @@
             </p:nvSpPr>
             <p:spPr>
               <a:xfrm>
-                <a:off x="4738101" y="2955437"/>
+                <a:off x="4738101" y="2919225"/>
                 <a:ext cx="3187884" cy="477054"/>
               </a:xfrm>
               <a:prstGeom prst="rect">
@@ -21880,7 +21904,7 @@
         </p:nvSpPr>
         <p:spPr>
           <a:xfrm>
-            <a:off x="3574117" y="1738434"/>
+            <a:off x="3574117" y="1702222"/>
             <a:ext cx="5045080" cy="584011"/>
           </a:xfrm>
           <a:prstGeom prst="roundRect">
@@ -21925,8 +21949,8 @@
           </a:p>
         </p:txBody>
       </p:sp>
-      <mc:AlternateContent xmlns:mc="http://schemas.openxmlformats.org/markup-compatibility/2006" xmlns:a14="http://schemas.microsoft.com/office/drawing/2010/main">
-        <mc:Choice Requires="a14">
+      <mc:AlternateContent xmlns:mc="http://schemas.openxmlformats.org/markup-compatibility/2006">
+        <mc:Choice xmlns:a14="http://schemas.microsoft.com/office/drawing/2010/main" Requires="a14">
           <p:sp>
             <p:nvSpPr>
               <p:cNvPr id="48" name="文本框 47">
@@ -21941,7 +21965,7 @@
             </p:nvSpPr>
             <p:spPr>
               <a:xfrm>
-                <a:off x="4576176" y="1791912"/>
+                <a:off x="4576176" y="1755700"/>
                 <a:ext cx="3187884" cy="477054"/>
               </a:xfrm>
               <a:prstGeom prst="rect">
@@ -21997,7 +22021,7 @@
             </p:txBody>
           </p:sp>
         </mc:Choice>
-        <mc:Fallback xmlns="">
+        <mc:Fallback>
           <p:sp>
             <p:nvSpPr>
               <p:cNvPr id="48" name="文本框 47">
@@ -22014,7 +22038,7 @@
             </p:nvSpPr>
             <p:spPr>
               <a:xfrm>
-                <a:off x="4576176" y="1791912"/>
+                <a:off x="4576176" y="1755700"/>
                 <a:ext cx="3187884" cy="477054"/>
               </a:xfrm>
               <a:prstGeom prst="rect">
@@ -22060,7 +22084,7 @@
         </p:nvCxnSpPr>
         <p:spPr>
           <a:xfrm flipV="1">
-            <a:off x="6096657" y="3485970"/>
+            <a:off x="6096657" y="3449758"/>
             <a:ext cx="0" cy="557824"/>
           </a:xfrm>
           <a:prstGeom prst="straightConnector1">
@@ -22103,7 +22127,7 @@
         </p:nvCxnSpPr>
         <p:spPr>
           <a:xfrm flipV="1">
-            <a:off x="6096657" y="2322445"/>
+            <a:off x="6096657" y="2286233"/>
             <a:ext cx="0" cy="579514"/>
           </a:xfrm>
           <a:prstGeom prst="straightConnector1">
@@ -22142,7 +22166,7 @@
         </p:nvSpPr>
         <p:spPr>
           <a:xfrm>
-            <a:off x="3574117" y="115507"/>
+            <a:off x="3574117" y="79295"/>
             <a:ext cx="2017058" cy="1039283"/>
           </a:xfrm>
           <a:prstGeom prst="roundRect">
@@ -22187,8 +22211,8 @@
           </a:p>
         </p:txBody>
       </p:sp>
-      <mc:AlternateContent xmlns:mc="http://schemas.openxmlformats.org/markup-compatibility/2006" xmlns:a14="http://schemas.microsoft.com/office/drawing/2010/main">
-        <mc:Choice Requires="a14">
+      <mc:AlternateContent xmlns:mc="http://schemas.openxmlformats.org/markup-compatibility/2006">
+        <mc:Choice xmlns:a14="http://schemas.microsoft.com/office/drawing/2010/main" Requires="a14">
           <p:sp>
             <p:nvSpPr>
               <p:cNvPr id="58" name="文本框 57">
@@ -22203,7 +22227,7 @@
             </p:nvSpPr>
             <p:spPr>
               <a:xfrm>
-                <a:off x="3665392" y="249134"/>
+                <a:off x="3665392" y="212922"/>
                 <a:ext cx="1903085" cy="861774"/>
               </a:xfrm>
               <a:prstGeom prst="rect">
@@ -22328,7 +22352,7 @@
             </p:txBody>
           </p:sp>
         </mc:Choice>
-        <mc:Fallback xmlns="">
+        <mc:Fallback>
           <p:sp>
             <p:nvSpPr>
               <p:cNvPr id="58" name="文本框 57">
@@ -22345,7 +22369,7 @@
             </p:nvSpPr>
             <p:spPr>
               <a:xfrm>
-                <a:off x="3665392" y="249134"/>
+                <a:off x="3665392" y="212922"/>
                 <a:ext cx="1903085" cy="861774"/>
               </a:xfrm>
               <a:prstGeom prst="rect">
@@ -22387,7 +22411,7 @@
         </p:nvSpPr>
         <p:spPr>
           <a:xfrm>
-            <a:off x="11641792" y="5757658"/>
+            <a:off x="11641792" y="5721446"/>
             <a:ext cx="2761832" cy="761470"/>
           </a:xfrm>
           <a:prstGeom prst="roundRect">
@@ -22431,8 +22455,8 @@
           </a:p>
         </p:txBody>
       </p:sp>
-      <mc:AlternateContent xmlns:mc="http://schemas.openxmlformats.org/markup-compatibility/2006" xmlns:a14="http://schemas.microsoft.com/office/drawing/2010/main">
-        <mc:Choice Requires="a14">
+      <mc:AlternateContent xmlns:mc="http://schemas.openxmlformats.org/markup-compatibility/2006">
+        <mc:Choice xmlns:a14="http://schemas.microsoft.com/office/drawing/2010/main" Requires="a14">
           <p:sp>
             <p:nvSpPr>
               <p:cNvPr id="60" name="文本框 59">
@@ -22447,7 +22471,7 @@
             </p:nvSpPr>
             <p:spPr>
               <a:xfrm>
-                <a:off x="12618413" y="5981769"/>
+                <a:off x="12618413" y="5945557"/>
                 <a:ext cx="782587" cy="400110"/>
               </a:xfrm>
               <a:prstGeom prst="rect">
@@ -22486,7 +22510,7 @@
             </p:txBody>
           </p:sp>
         </mc:Choice>
-        <mc:Fallback xmlns="">
+        <mc:Fallback>
           <p:sp>
             <p:nvSpPr>
               <p:cNvPr id="60" name="文本框 59">
@@ -22503,7 +22527,7 @@
             </p:nvSpPr>
             <p:spPr>
               <a:xfrm>
-                <a:off x="12618413" y="5981769"/>
+                <a:off x="12618413" y="5945557"/>
                 <a:ext cx="782587" cy="400110"/>
               </a:xfrm>
               <a:prstGeom prst="rect">
@@ -22545,7 +22569,7 @@
         </p:nvSpPr>
         <p:spPr>
           <a:xfrm>
-            <a:off x="11641791" y="7522426"/>
+            <a:off x="11641791" y="7486214"/>
             <a:ext cx="2761833" cy="422986"/>
           </a:xfrm>
           <a:prstGeom prst="roundRect">
@@ -22590,8 +22614,8 @@
           </a:p>
         </p:txBody>
       </p:sp>
-      <mc:AlternateContent xmlns:mc="http://schemas.openxmlformats.org/markup-compatibility/2006" xmlns:a14="http://schemas.microsoft.com/office/drawing/2010/main">
-        <mc:Choice Requires="a14">
+      <mc:AlternateContent xmlns:mc="http://schemas.openxmlformats.org/markup-compatibility/2006">
+        <mc:Choice xmlns:a14="http://schemas.microsoft.com/office/drawing/2010/main" Requires="a14">
           <p:sp>
             <p:nvSpPr>
               <p:cNvPr id="62" name="文本框 61">
@@ -22606,7 +22630,7 @@
             </p:nvSpPr>
             <p:spPr>
               <a:xfrm>
-                <a:off x="12234262" y="7522426"/>
+                <a:off x="12234262" y="7486214"/>
                 <a:ext cx="1569660" cy="400110"/>
               </a:xfrm>
               <a:prstGeom prst="rect">
@@ -22665,7 +22689,7 @@
             </p:txBody>
           </p:sp>
         </mc:Choice>
-        <mc:Fallback xmlns="">
+        <mc:Fallback>
           <p:sp>
             <p:nvSpPr>
               <p:cNvPr id="62" name="文本框 61">
@@ -22682,7 +22706,7 @@
             </p:nvSpPr>
             <p:spPr>
               <a:xfrm>
-                <a:off x="12234262" y="7522426"/>
+                <a:off x="12234262" y="7486214"/>
                 <a:ext cx="1569660" cy="400110"/>
               </a:xfrm>
               <a:prstGeom prst="rect">
@@ -22691,7 +22715,7 @@
               <a:blipFill>
                 <a:blip r:embed="rId13"/>
                 <a:stretch>
-                  <a:fillRect b="-13636"/>
+                  <a:fillRect b="-15152"/>
                 </a:stretch>
               </a:blipFill>
             </p:spPr>
@@ -22724,7 +22748,7 @@
         </p:nvSpPr>
         <p:spPr>
           <a:xfrm>
-            <a:off x="11641791" y="8269898"/>
+            <a:off x="11641791" y="8233686"/>
             <a:ext cx="2762993" cy="549755"/>
           </a:xfrm>
           <a:prstGeom prst="roundRect">
@@ -22769,8 +22793,8 @@
           </a:p>
         </p:txBody>
       </p:sp>
-      <mc:AlternateContent xmlns:mc="http://schemas.openxmlformats.org/markup-compatibility/2006" xmlns:a14="http://schemas.microsoft.com/office/drawing/2010/main">
-        <mc:Choice Requires="a14">
+      <mc:AlternateContent xmlns:mc="http://schemas.openxmlformats.org/markup-compatibility/2006">
+        <mc:Choice xmlns:a14="http://schemas.microsoft.com/office/drawing/2010/main" Requires="a14">
           <p:sp>
             <p:nvSpPr>
               <p:cNvPr id="64" name="文本框 63">
@@ -22785,7 +22809,7 @@
             </p:nvSpPr>
             <p:spPr>
               <a:xfrm>
-                <a:off x="12229162" y="8283228"/>
+                <a:off x="12229162" y="8247016"/>
                 <a:ext cx="1502334" cy="477054"/>
               </a:xfrm>
               <a:prstGeom prst="rect">
@@ -22845,7 +22869,7 @@
             </p:txBody>
           </p:sp>
         </mc:Choice>
-        <mc:Fallback xmlns="">
+        <mc:Fallback>
           <p:sp>
             <p:nvSpPr>
               <p:cNvPr id="64" name="文本框 63">
@@ -22862,7 +22886,7 @@
             </p:nvSpPr>
             <p:spPr>
               <a:xfrm>
-                <a:off x="12229162" y="8283228"/>
+                <a:off x="12229162" y="8247016"/>
                 <a:ext cx="1502334" cy="477054"/>
               </a:xfrm>
               <a:prstGeom prst="rect">
@@ -22904,7 +22928,7 @@
         </p:nvSpPr>
         <p:spPr>
           <a:xfrm>
-            <a:off x="15785701" y="8277622"/>
+            <a:off x="15785701" y="8241410"/>
             <a:ext cx="2846602" cy="542031"/>
           </a:xfrm>
           <a:prstGeom prst="roundRect">
@@ -22949,8 +22973,8 @@
           </a:p>
         </p:txBody>
       </p:sp>
-      <mc:AlternateContent xmlns:mc="http://schemas.openxmlformats.org/markup-compatibility/2006" xmlns:a14="http://schemas.microsoft.com/office/drawing/2010/main">
-        <mc:Choice Requires="a14">
+      <mc:AlternateContent xmlns:mc="http://schemas.openxmlformats.org/markup-compatibility/2006">
+        <mc:Choice xmlns:a14="http://schemas.microsoft.com/office/drawing/2010/main" Requires="a14">
           <p:sp>
             <p:nvSpPr>
               <p:cNvPr id="73" name="文本框 72">
@@ -22965,7 +22989,7 @@
             </p:nvSpPr>
             <p:spPr>
               <a:xfrm>
-                <a:off x="16349058" y="8277622"/>
+                <a:off x="16349058" y="8241410"/>
                 <a:ext cx="1798710" cy="477054"/>
               </a:xfrm>
               <a:prstGeom prst="rect">
@@ -23021,7 +23045,7 @@
             </p:txBody>
           </p:sp>
         </mc:Choice>
-        <mc:Fallback xmlns="">
+        <mc:Fallback>
           <p:sp>
             <p:nvSpPr>
               <p:cNvPr id="73" name="文本框 72">
@@ -23038,7 +23062,7 @@
             </p:nvSpPr>
             <p:spPr>
               <a:xfrm>
-                <a:off x="16349058" y="8277622"/>
+                <a:off x="16349058" y="8241410"/>
                 <a:ext cx="1798710" cy="477054"/>
               </a:xfrm>
               <a:prstGeom prst="rect">
@@ -23084,7 +23108,7 @@
         </p:nvCxnSpPr>
         <p:spPr>
           <a:xfrm flipV="1">
-            <a:off x="13022708" y="7266248"/>
+            <a:off x="13022708" y="7230036"/>
             <a:ext cx="0" cy="256178"/>
           </a:xfrm>
           <a:prstGeom prst="straightConnector1">
@@ -23127,7 +23151,7 @@
         </p:nvCxnSpPr>
         <p:spPr>
           <a:xfrm flipH="1" flipV="1">
-            <a:off x="13022708" y="7945412"/>
+            <a:off x="13022708" y="7909200"/>
             <a:ext cx="580" cy="324486"/>
           </a:xfrm>
           <a:prstGeom prst="straightConnector1">
@@ -23170,7 +23194,7 @@
         </p:nvCxnSpPr>
         <p:spPr>
           <a:xfrm flipH="1" flipV="1">
-            <a:off x="17207842" y="7996211"/>
+            <a:off x="17207842" y="7959999"/>
             <a:ext cx="1160" cy="281411"/>
           </a:xfrm>
           <a:prstGeom prst="straightConnector1">
@@ -23209,7 +23233,7 @@
         </p:nvSpPr>
         <p:spPr>
           <a:xfrm>
-            <a:off x="11641791" y="6780500"/>
+            <a:off x="11641791" y="6744288"/>
             <a:ext cx="2761833" cy="485748"/>
           </a:xfrm>
           <a:prstGeom prst="roundRect">
@@ -23254,8 +23278,8 @@
           </a:p>
         </p:txBody>
       </p:sp>
-      <mc:AlternateContent xmlns:mc="http://schemas.openxmlformats.org/markup-compatibility/2006" xmlns:a14="http://schemas.microsoft.com/office/drawing/2010/main">
-        <mc:Choice Requires="a14">
+      <mc:AlternateContent xmlns:mc="http://schemas.openxmlformats.org/markup-compatibility/2006">
+        <mc:Choice xmlns:a14="http://schemas.microsoft.com/office/drawing/2010/main" Requires="a14">
           <p:sp>
             <p:nvSpPr>
               <p:cNvPr id="13" name="文本框 12">
@@ -23270,7 +23294,7 @@
             </p:nvSpPr>
             <p:spPr>
               <a:xfrm>
-                <a:off x="12480031" y="6848338"/>
+                <a:off x="12480031" y="6812126"/>
                 <a:ext cx="1000595" cy="400110"/>
               </a:xfrm>
               <a:prstGeom prst="rect">
@@ -23312,7 +23336,7 @@
             </p:txBody>
           </p:sp>
         </mc:Choice>
-        <mc:Fallback xmlns="">
+        <mc:Fallback>
           <p:sp>
             <p:nvSpPr>
               <p:cNvPr id="13" name="文本框 12">
@@ -23329,7 +23353,7 @@
             </p:nvSpPr>
             <p:spPr>
               <a:xfrm>
-                <a:off x="12480031" y="6848338"/>
+                <a:off x="12480031" y="6812126"/>
                 <a:ext cx="1000595" cy="400110"/>
               </a:xfrm>
               <a:prstGeom prst="rect">
@@ -23371,7 +23395,7 @@
         </p:nvSpPr>
         <p:spPr>
           <a:xfrm>
-            <a:off x="15784541" y="7573225"/>
+            <a:off x="15784541" y="7537013"/>
             <a:ext cx="2846602" cy="422986"/>
           </a:xfrm>
           <a:prstGeom prst="roundRect">
@@ -23416,8 +23440,8 @@
           </a:p>
         </p:txBody>
       </p:sp>
-      <mc:AlternateContent xmlns:mc="http://schemas.openxmlformats.org/markup-compatibility/2006" xmlns:a14="http://schemas.microsoft.com/office/drawing/2010/main">
-        <mc:Choice Requires="a14">
+      <mc:AlternateContent xmlns:mc="http://schemas.openxmlformats.org/markup-compatibility/2006">
+        <mc:Choice xmlns:a14="http://schemas.microsoft.com/office/drawing/2010/main" Requires="a14">
           <p:sp>
             <p:nvSpPr>
               <p:cNvPr id="30" name="文本框 29">
@@ -23432,7 +23456,7 @@
             </p:nvSpPr>
             <p:spPr>
               <a:xfrm>
-                <a:off x="16283848" y="7534753"/>
+                <a:off x="16283848" y="7498541"/>
                 <a:ext cx="1798710" cy="477054"/>
               </a:xfrm>
               <a:prstGeom prst="rect">
@@ -23478,7 +23502,7 @@
             </p:txBody>
           </p:sp>
         </mc:Choice>
-        <mc:Fallback xmlns="">
+        <mc:Fallback>
           <p:sp>
             <p:nvSpPr>
               <p:cNvPr id="30" name="文本框 29">
@@ -23495,7 +23519,7 @@
             </p:nvSpPr>
             <p:spPr>
               <a:xfrm>
-                <a:off x="16283848" y="7534753"/>
+                <a:off x="16283848" y="7498541"/>
                 <a:ext cx="1798710" cy="477054"/>
               </a:xfrm>
               <a:prstGeom prst="rect">
@@ -23537,7 +23561,7 @@
         </p:nvSpPr>
         <p:spPr>
           <a:xfrm>
-            <a:off x="11641791" y="4965407"/>
+            <a:off x="11641791" y="4929195"/>
             <a:ext cx="2761833" cy="485748"/>
           </a:xfrm>
           <a:prstGeom prst="roundRect">
@@ -23582,8 +23606,8 @@
           </a:p>
         </p:txBody>
       </p:sp>
-      <mc:AlternateContent xmlns:mc="http://schemas.openxmlformats.org/markup-compatibility/2006" xmlns:a14="http://schemas.microsoft.com/office/drawing/2010/main">
-        <mc:Choice Requires="a14">
+      <mc:AlternateContent xmlns:mc="http://schemas.openxmlformats.org/markup-compatibility/2006">
+        <mc:Choice xmlns:a14="http://schemas.microsoft.com/office/drawing/2010/main" Requires="a14">
           <p:sp>
             <p:nvSpPr>
               <p:cNvPr id="52" name="文本框 51">
@@ -23598,7 +23622,7 @@
             </p:nvSpPr>
             <p:spPr>
               <a:xfrm>
-                <a:off x="12507190" y="5033245"/>
+                <a:off x="12507190" y="4997033"/>
                 <a:ext cx="896399" cy="400110"/>
               </a:xfrm>
               <a:prstGeom prst="rect">
@@ -23640,7 +23664,7 @@
             </p:txBody>
           </p:sp>
         </mc:Choice>
-        <mc:Fallback xmlns="">
+        <mc:Fallback>
           <p:sp>
             <p:nvSpPr>
               <p:cNvPr id="52" name="文本框 51">
@@ -23657,7 +23681,7 @@
             </p:nvSpPr>
             <p:spPr>
               <a:xfrm>
-                <a:off x="12507190" y="5033245"/>
+                <a:off x="12507190" y="4997033"/>
                 <a:ext cx="896399" cy="400110"/>
               </a:xfrm>
               <a:prstGeom prst="rect">
@@ -23703,7 +23727,7 @@
         </p:nvCxnSpPr>
         <p:spPr>
           <a:xfrm flipV="1">
-            <a:off x="13022708" y="6519128"/>
+            <a:off x="13022708" y="6482916"/>
             <a:ext cx="0" cy="261372"/>
           </a:xfrm>
           <a:prstGeom prst="straightConnector1">
@@ -23746,7 +23770,7 @@
         </p:nvCxnSpPr>
         <p:spPr>
           <a:xfrm flipV="1">
-            <a:off x="13022708" y="5451155"/>
+            <a:off x="13022708" y="5414943"/>
             <a:ext cx="0" cy="306503"/>
           </a:xfrm>
           <a:prstGeom prst="straightConnector1">
@@ -23785,7 +23809,7 @@
         </p:nvSpPr>
         <p:spPr>
           <a:xfrm>
-            <a:off x="11641791" y="1657429"/>
+            <a:off x="11641791" y="1621217"/>
             <a:ext cx="2761832" cy="761470"/>
           </a:xfrm>
           <a:prstGeom prst="roundRect">
@@ -23829,8 +23853,8 @@
           </a:p>
         </p:txBody>
       </p:sp>
-      <mc:AlternateContent xmlns:mc="http://schemas.openxmlformats.org/markup-compatibility/2006" xmlns:a14="http://schemas.microsoft.com/office/drawing/2010/main">
-        <mc:Choice Requires="a14">
+      <mc:AlternateContent xmlns:mc="http://schemas.openxmlformats.org/markup-compatibility/2006">
+        <mc:Choice xmlns:a14="http://schemas.microsoft.com/office/drawing/2010/main" Requires="a14">
           <p:sp>
             <p:nvSpPr>
               <p:cNvPr id="101" name="文本框 100">
@@ -23845,7 +23869,7 @@
             </p:nvSpPr>
             <p:spPr>
               <a:xfrm>
-                <a:off x="12695709" y="1899452"/>
+                <a:off x="12695709" y="1863240"/>
                 <a:ext cx="688009" cy="400110"/>
               </a:xfrm>
               <a:prstGeom prst="rect">
@@ -23884,7 +23908,7 @@
             </p:txBody>
           </p:sp>
         </mc:Choice>
-        <mc:Fallback xmlns="">
+        <mc:Fallback>
           <p:sp>
             <p:nvSpPr>
               <p:cNvPr id="101" name="文本框 100">
@@ -23901,7 +23925,7 @@
             </p:nvSpPr>
             <p:spPr>
               <a:xfrm>
-                <a:off x="12695709" y="1899452"/>
+                <a:off x="12695709" y="1863240"/>
                 <a:ext cx="688009" cy="400110"/>
               </a:xfrm>
               <a:prstGeom prst="rect">
@@ -23943,7 +23967,7 @@
         </p:nvSpPr>
         <p:spPr>
           <a:xfrm>
-            <a:off x="11641790" y="3463944"/>
+            <a:off x="11641790" y="3427732"/>
             <a:ext cx="2761833" cy="422986"/>
           </a:xfrm>
           <a:prstGeom prst="roundRect">
@@ -23988,8 +24012,8 @@
           </a:p>
         </p:txBody>
       </p:sp>
-      <mc:AlternateContent xmlns:mc="http://schemas.openxmlformats.org/markup-compatibility/2006" xmlns:a14="http://schemas.microsoft.com/office/drawing/2010/main">
-        <mc:Choice Requires="a14">
+      <mc:AlternateContent xmlns:mc="http://schemas.openxmlformats.org/markup-compatibility/2006">
+        <mc:Choice xmlns:a14="http://schemas.microsoft.com/office/drawing/2010/main" Requires="a14">
           <p:sp>
             <p:nvSpPr>
               <p:cNvPr id="103" name="文本框 102">
@@ -24004,7 +24028,7 @@
             </p:nvSpPr>
             <p:spPr>
               <a:xfrm>
-                <a:off x="12234261" y="3463944"/>
+                <a:off x="12234261" y="3427732"/>
                 <a:ext cx="1569660" cy="400110"/>
               </a:xfrm>
               <a:prstGeom prst="rect">
@@ -24063,7 +24087,7 @@
             </p:txBody>
           </p:sp>
         </mc:Choice>
-        <mc:Fallback xmlns="">
+        <mc:Fallback>
           <p:sp>
             <p:nvSpPr>
               <p:cNvPr id="103" name="文本框 102">
@@ -24080,7 +24104,7 @@
             </p:nvSpPr>
             <p:spPr>
               <a:xfrm>
-                <a:off x="12234261" y="3463944"/>
+                <a:off x="12234261" y="3427732"/>
                 <a:ext cx="1569660" cy="400110"/>
               </a:xfrm>
               <a:prstGeom prst="rect">
@@ -24126,7 +24150,7 @@
         </p:nvCxnSpPr>
         <p:spPr>
           <a:xfrm flipV="1">
-            <a:off x="13022707" y="3156967"/>
+            <a:off x="13022707" y="3120755"/>
             <a:ext cx="0" cy="306977"/>
           </a:xfrm>
           <a:prstGeom prst="straightConnector1">
@@ -24165,7 +24189,7 @@
         </p:nvSpPr>
         <p:spPr>
           <a:xfrm>
-            <a:off x="11641790" y="2671219"/>
+            <a:off x="11641790" y="2635007"/>
             <a:ext cx="2761833" cy="485748"/>
           </a:xfrm>
           <a:prstGeom prst="roundRect">
@@ -24210,8 +24234,8 @@
           </a:p>
         </p:txBody>
       </p:sp>
-      <mc:AlternateContent xmlns:mc="http://schemas.openxmlformats.org/markup-compatibility/2006" xmlns:a14="http://schemas.microsoft.com/office/drawing/2010/main">
-        <mc:Choice Requires="a14">
+      <mc:AlternateContent xmlns:mc="http://schemas.openxmlformats.org/markup-compatibility/2006">
+        <mc:Choice xmlns:a14="http://schemas.microsoft.com/office/drawing/2010/main" Requires="a14">
           <p:sp>
             <p:nvSpPr>
               <p:cNvPr id="106" name="文本框 105">
@@ -24226,7 +24250,7 @@
             </p:nvSpPr>
             <p:spPr>
               <a:xfrm>
-                <a:off x="12480030" y="2739057"/>
+                <a:off x="12480030" y="2702845"/>
                 <a:ext cx="1000595" cy="400110"/>
               </a:xfrm>
               <a:prstGeom prst="rect">
@@ -24268,7 +24292,7 @@
             </p:txBody>
           </p:sp>
         </mc:Choice>
-        <mc:Fallback xmlns="">
+        <mc:Fallback>
           <p:sp>
             <p:nvSpPr>
               <p:cNvPr id="106" name="文本框 105">
@@ -24285,7 +24309,7 @@
             </p:nvSpPr>
             <p:spPr>
               <a:xfrm>
-                <a:off x="12480030" y="2739057"/>
+                <a:off x="12480030" y="2702845"/>
                 <a:ext cx="1000595" cy="400110"/>
               </a:xfrm>
               <a:prstGeom prst="rect">
@@ -24327,7 +24351,7 @@
         </p:nvSpPr>
         <p:spPr>
           <a:xfrm>
-            <a:off x="11641790" y="847072"/>
+            <a:off x="11641790" y="810860"/>
             <a:ext cx="2761833" cy="485748"/>
           </a:xfrm>
           <a:prstGeom prst="roundRect">
@@ -24372,8 +24396,8 @@
           </a:p>
         </p:txBody>
       </p:sp>
-      <mc:AlternateContent xmlns:mc="http://schemas.openxmlformats.org/markup-compatibility/2006" xmlns:a14="http://schemas.microsoft.com/office/drawing/2010/main">
-        <mc:Choice Requires="a14">
+      <mc:AlternateContent xmlns:mc="http://schemas.openxmlformats.org/markup-compatibility/2006">
+        <mc:Choice xmlns:a14="http://schemas.microsoft.com/office/drawing/2010/main" Requires="a14">
           <p:sp>
             <p:nvSpPr>
               <p:cNvPr id="108" name="文本框 107">
@@ -24388,7 +24412,7 @@
             </p:nvSpPr>
             <p:spPr>
               <a:xfrm>
-                <a:off x="12507189" y="914910"/>
+                <a:off x="12507189" y="878698"/>
                 <a:ext cx="896399" cy="400110"/>
               </a:xfrm>
               <a:prstGeom prst="rect">
@@ -24430,7 +24454,7 @@
             </p:txBody>
           </p:sp>
         </mc:Choice>
-        <mc:Fallback xmlns="">
+        <mc:Fallback>
           <p:sp>
             <p:nvSpPr>
               <p:cNvPr id="108" name="文本框 107">
@@ -24447,7 +24471,7 @@
             </p:nvSpPr>
             <p:spPr>
               <a:xfrm>
-                <a:off x="12507189" y="914910"/>
+                <a:off x="12507189" y="878698"/>
                 <a:ext cx="896399" cy="400110"/>
               </a:xfrm>
               <a:prstGeom prst="rect">
@@ -24493,7 +24517,7 @@
         </p:nvCxnSpPr>
         <p:spPr>
           <a:xfrm flipV="1">
-            <a:off x="13022707" y="2418899"/>
+            <a:off x="13022707" y="2382687"/>
             <a:ext cx="0" cy="252320"/>
           </a:xfrm>
           <a:prstGeom prst="straightConnector1">
@@ -24536,7 +24560,7 @@
         </p:nvCxnSpPr>
         <p:spPr>
           <a:xfrm flipV="1">
-            <a:off x="13022707" y="1332820"/>
+            <a:off x="13022707" y="1296608"/>
             <a:ext cx="0" cy="324609"/>
           </a:xfrm>
           <a:prstGeom prst="straightConnector1">
@@ -24575,7 +24599,7 @@
         </p:nvGrpSpPr>
         <p:grpSpPr>
           <a:xfrm>
-            <a:off x="12839091" y="4226378"/>
+            <a:off x="12839091" y="4190166"/>
             <a:ext cx="360000" cy="363969"/>
             <a:chOff x="5281075" y="4315800"/>
             <a:chExt cx="360000" cy="363969"/>
@@ -24692,7 +24716,7 @@
         </p:nvGrpSpPr>
         <p:grpSpPr>
           <a:xfrm>
-            <a:off x="12839091" y="170433"/>
+            <a:off x="12839091" y="134221"/>
             <a:ext cx="360000" cy="363969"/>
             <a:chOff x="5281075" y="4315800"/>
             <a:chExt cx="360000" cy="363969"/>
@@ -24812,7 +24836,7 @@
         </p:nvCxnSpPr>
         <p:spPr>
           <a:xfrm flipH="1">
-            <a:off x="14403624" y="7010607"/>
+            <a:off x="14403624" y="6974395"/>
             <a:ext cx="2711165" cy="12767"/>
           </a:xfrm>
           <a:prstGeom prst="straightConnector1">
@@ -24854,7 +24878,7 @@
         </p:nvCxnSpPr>
         <p:spPr>
           <a:xfrm flipH="1">
-            <a:off x="14403624" y="5179875"/>
+            <a:off x="14403624" y="5143663"/>
             <a:ext cx="2711165" cy="28406"/>
           </a:xfrm>
           <a:prstGeom prst="straightConnector1">
@@ -24895,7 +24919,7 @@
         </p:nvCxnSpPr>
         <p:spPr>
           <a:xfrm flipH="1">
-            <a:off x="14414888" y="2910706"/>
+            <a:off x="14414888" y="2874494"/>
             <a:ext cx="2711165" cy="28406"/>
           </a:xfrm>
           <a:prstGeom prst="straightConnector1">
@@ -24936,7 +24960,7 @@
         </p:nvCxnSpPr>
         <p:spPr>
           <a:xfrm flipH="1">
-            <a:off x="14392359" y="1044559"/>
+            <a:off x="14392359" y="1008347"/>
             <a:ext cx="2711165" cy="28406"/>
           </a:xfrm>
           <a:prstGeom prst="straightConnector1">
@@ -24975,7 +24999,7 @@
         </p:nvSpPr>
         <p:spPr>
           <a:xfrm>
-            <a:off x="6597029" y="118838"/>
+            <a:off x="6597029" y="82626"/>
             <a:ext cx="2017058" cy="1039283"/>
           </a:xfrm>
           <a:prstGeom prst="roundRect">
@@ -25036,7 +25060,7 @@
         </p:nvCxnSpPr>
         <p:spPr>
           <a:xfrm flipV="1">
-            <a:off x="4576176" y="1158920"/>
+            <a:off x="4576176" y="1122708"/>
             <a:ext cx="0" cy="579514"/>
           </a:xfrm>
           <a:prstGeom prst="straightConnector1">
@@ -25077,7 +25101,7 @@
         </p:nvCxnSpPr>
         <p:spPr>
           <a:xfrm flipV="1">
-            <a:off x="7566307" y="1154790"/>
+            <a:off x="7566307" y="1118578"/>
             <a:ext cx="0" cy="579514"/>
           </a:xfrm>
           <a:prstGeom prst="straightConnector1">
@@ -25120,7 +25144,7 @@
         </p:nvCxnSpPr>
         <p:spPr>
           <a:xfrm flipH="1" flipV="1">
-            <a:off x="13019091" y="4586378"/>
+            <a:off x="13019091" y="4550166"/>
             <a:ext cx="3617" cy="379029"/>
           </a:xfrm>
           <a:prstGeom prst="straightConnector1">
@@ -25163,7 +25187,7 @@
         </p:nvCxnSpPr>
         <p:spPr>
           <a:xfrm flipV="1">
-            <a:off x="13019091" y="3886930"/>
+            <a:off x="13019091" y="3850718"/>
             <a:ext cx="3616" cy="339448"/>
           </a:xfrm>
           <a:prstGeom prst="straightConnector1">
@@ -25204,7 +25228,7 @@
         </p:nvCxnSpPr>
         <p:spPr>
           <a:xfrm rot="16200000" flipV="1">
-            <a:off x="11048976" y="6181980"/>
+            <a:off x="11048976" y="6145768"/>
             <a:ext cx="3746089" cy="194885"/>
           </a:xfrm>
           <a:prstGeom prst="bentConnector4">
@@ -25248,7 +25272,7 @@
         </p:nvCxnSpPr>
         <p:spPr>
           <a:xfrm rot="16200000" flipV="1">
-            <a:off x="11060572" y="2131567"/>
+            <a:off x="11060572" y="2095355"/>
             <a:ext cx="3746089" cy="194885"/>
           </a:xfrm>
           <a:prstGeom prst="bentConnector4">
@@ -25292,7 +25316,7 @@
         </p:nvCxnSpPr>
         <p:spPr>
           <a:xfrm flipV="1">
-            <a:off x="13015227" y="531053"/>
+            <a:off x="13015227" y="494841"/>
             <a:ext cx="0" cy="324609"/>
           </a:xfrm>
           <a:prstGeom prst="straightConnector1">
@@ -25333,7 +25357,7 @@
         </p:nvCxnSpPr>
         <p:spPr>
           <a:xfrm>
-            <a:off x="17122804" y="1028963"/>
+            <a:off x="17122804" y="992751"/>
             <a:ext cx="45885" cy="6505790"/>
           </a:xfrm>
           <a:prstGeom prst="line">
@@ -25355,8 +25379,8 @@
           </a:fontRef>
         </p:style>
       </p:cxnSp>
-      <mc:AlternateContent xmlns:mc="http://schemas.openxmlformats.org/markup-compatibility/2006" xmlns:a14="http://schemas.microsoft.com/office/drawing/2010/main">
-        <mc:Choice Requires="a14">
+      <mc:AlternateContent xmlns:mc="http://schemas.openxmlformats.org/markup-compatibility/2006">
+        <mc:Choice xmlns:a14="http://schemas.microsoft.com/office/drawing/2010/main" Requires="a14">
           <p:sp>
             <p:nvSpPr>
               <p:cNvPr id="164" name="文本框 163">
@@ -25371,7 +25395,7 @@
             </p:nvSpPr>
             <p:spPr>
               <a:xfrm>
-                <a:off x="15222857" y="6618554"/>
+                <a:off x="15222857" y="6582342"/>
                 <a:ext cx="262636" cy="276999"/>
               </a:xfrm>
               <a:prstGeom prst="rect">
@@ -25425,7 +25449,7 @@
             </p:txBody>
           </p:sp>
         </mc:Choice>
-        <mc:Fallback xmlns="">
+        <mc:Fallback>
           <p:sp>
             <p:nvSpPr>
               <p:cNvPr id="164" name="文本框 163">
@@ -25442,7 +25466,7 @@
             </p:nvSpPr>
             <p:spPr>
               <a:xfrm>
-                <a:off x="15222857" y="6618554"/>
+                <a:off x="15222857" y="6582342"/>
                 <a:ext cx="262636" cy="276999"/>
               </a:xfrm>
               <a:prstGeom prst="rect">
@@ -25470,8 +25494,8 @@
           </p:sp>
         </mc:Fallback>
       </mc:AlternateContent>
-      <mc:AlternateContent xmlns:mc="http://schemas.openxmlformats.org/markup-compatibility/2006" xmlns:a14="http://schemas.microsoft.com/office/drawing/2010/main">
-        <mc:Choice Requires="a14">
+      <mc:AlternateContent xmlns:mc="http://schemas.openxmlformats.org/markup-compatibility/2006">
+        <mc:Choice xmlns:a14="http://schemas.microsoft.com/office/drawing/2010/main" Requires="a14">
           <p:sp>
             <p:nvSpPr>
               <p:cNvPr id="165" name="文本框 164">
@@ -25486,7 +25510,7 @@
             </p:nvSpPr>
             <p:spPr>
               <a:xfrm>
-                <a:off x="15811109" y="6646604"/>
+                <a:off x="15811109" y="6610392"/>
                 <a:ext cx="273280" cy="276999"/>
               </a:xfrm>
               <a:prstGeom prst="rect">
@@ -25540,7 +25564,7 @@
             </p:txBody>
           </p:sp>
         </mc:Choice>
-        <mc:Fallback xmlns="">
+        <mc:Fallback>
           <p:sp>
             <p:nvSpPr>
               <p:cNvPr id="165" name="文本框 164">
@@ -25557,7 +25581,7 @@
             </p:nvSpPr>
             <p:spPr>
               <a:xfrm>
-                <a:off x="15811109" y="6646604"/>
+                <a:off x="15811109" y="6610392"/>
                 <a:ext cx="273280" cy="276999"/>
               </a:xfrm>
               <a:prstGeom prst="rect">
@@ -25585,8 +25609,8 @@
           </p:sp>
         </mc:Fallback>
       </mc:AlternateContent>
-      <mc:AlternateContent xmlns:mc="http://schemas.openxmlformats.org/markup-compatibility/2006" xmlns:a14="http://schemas.microsoft.com/office/drawing/2010/main">
-        <mc:Choice Requires="a14">
+      <mc:AlternateContent xmlns:mc="http://schemas.openxmlformats.org/markup-compatibility/2006">
+        <mc:Choice xmlns:a14="http://schemas.microsoft.com/office/drawing/2010/main" Requires="a14">
           <p:sp>
             <p:nvSpPr>
               <p:cNvPr id="166" name="文本框 165">
@@ -25601,7 +25625,7 @@
             </p:nvSpPr>
             <p:spPr>
               <a:xfrm>
-                <a:off x="15222857" y="2532951"/>
+                <a:off x="15222857" y="2496739"/>
                 <a:ext cx="267957" cy="276999"/>
               </a:xfrm>
               <a:prstGeom prst="rect">
@@ -25655,7 +25679,7 @@
             </p:txBody>
           </p:sp>
         </mc:Choice>
-        <mc:Fallback xmlns="">
+        <mc:Fallback>
           <p:sp>
             <p:nvSpPr>
               <p:cNvPr id="166" name="文本框 165">
@@ -25672,7 +25696,7 @@
             </p:nvSpPr>
             <p:spPr>
               <a:xfrm>
-                <a:off x="15222857" y="2532951"/>
+                <a:off x="15222857" y="2496739"/>
                 <a:ext cx="267957" cy="276999"/>
               </a:xfrm>
               <a:prstGeom prst="rect">
@@ -25700,8 +25724,8 @@
           </p:sp>
         </mc:Fallback>
       </mc:AlternateContent>
-      <mc:AlternateContent xmlns:mc="http://schemas.openxmlformats.org/markup-compatibility/2006" xmlns:a14="http://schemas.microsoft.com/office/drawing/2010/main">
-        <mc:Choice Requires="a14">
+      <mc:AlternateContent xmlns:mc="http://schemas.openxmlformats.org/markup-compatibility/2006">
+        <mc:Choice xmlns:a14="http://schemas.microsoft.com/office/drawing/2010/main" Requires="a14">
           <p:sp>
             <p:nvSpPr>
               <p:cNvPr id="167" name="文本框 166">
@@ -25716,7 +25740,7 @@
             </p:nvSpPr>
             <p:spPr>
               <a:xfrm>
-                <a:off x="15811109" y="2561001"/>
+                <a:off x="15811109" y="2524789"/>
                 <a:ext cx="278601" cy="276999"/>
               </a:xfrm>
               <a:prstGeom prst="rect">
@@ -25770,7 +25794,7 @@
             </p:txBody>
           </p:sp>
         </mc:Choice>
-        <mc:Fallback xmlns="">
+        <mc:Fallback>
           <p:sp>
             <p:nvSpPr>
               <p:cNvPr id="167" name="文本框 166">
@@ -25787,7 +25811,7 @@
             </p:nvSpPr>
             <p:spPr>
               <a:xfrm>
-                <a:off x="15811109" y="2561001"/>
+                <a:off x="15811109" y="2524789"/>
                 <a:ext cx="278601" cy="276999"/>
               </a:xfrm>
               <a:prstGeom prst="rect">
@@ -25815,8 +25839,8 @@
           </p:sp>
         </mc:Fallback>
       </mc:AlternateContent>
-      <mc:AlternateContent xmlns:mc="http://schemas.openxmlformats.org/markup-compatibility/2006" xmlns:a14="http://schemas.microsoft.com/office/drawing/2010/main">
-        <mc:Choice Requires="a14">
+      <mc:AlternateContent xmlns:mc="http://schemas.openxmlformats.org/markup-compatibility/2006">
+        <mc:Choice xmlns:a14="http://schemas.microsoft.com/office/drawing/2010/main" Requires="a14">
           <p:sp>
             <p:nvSpPr>
               <p:cNvPr id="168" name="文本框 167">
@@ -25831,7 +25855,7 @@
             </p:nvSpPr>
             <p:spPr>
               <a:xfrm>
-                <a:off x="15500889" y="4796093"/>
+                <a:off x="15500889" y="4759881"/>
                 <a:ext cx="281679" cy="276999"/>
               </a:xfrm>
               <a:prstGeom prst="rect">
@@ -25885,7 +25909,7 @@
             </p:txBody>
           </p:sp>
         </mc:Choice>
-        <mc:Fallback xmlns="">
+        <mc:Fallback>
           <p:sp>
             <p:nvSpPr>
               <p:cNvPr id="168" name="文本框 167">
@@ -25902,7 +25926,7 @@
             </p:nvSpPr>
             <p:spPr>
               <a:xfrm>
-                <a:off x="15500889" y="4796093"/>
+                <a:off x="15500889" y="4759881"/>
                 <a:ext cx="281679" cy="276999"/>
               </a:xfrm>
               <a:prstGeom prst="rect">
@@ -25930,8 +25954,8 @@
           </p:sp>
         </mc:Fallback>
       </mc:AlternateContent>
-      <mc:AlternateContent xmlns:mc="http://schemas.openxmlformats.org/markup-compatibility/2006" xmlns:a14="http://schemas.microsoft.com/office/drawing/2010/main">
-        <mc:Choice Requires="a14">
+      <mc:AlternateContent xmlns:mc="http://schemas.openxmlformats.org/markup-compatibility/2006">
+        <mc:Choice xmlns:a14="http://schemas.microsoft.com/office/drawing/2010/main" Requires="a14">
           <p:sp>
             <p:nvSpPr>
               <p:cNvPr id="169" name="文本框 168">
@@ -25946,7 +25970,7 @@
             </p:nvSpPr>
             <p:spPr>
               <a:xfrm>
-                <a:off x="15472204" y="693357"/>
+                <a:off x="15472204" y="657145"/>
                 <a:ext cx="287002" cy="276999"/>
               </a:xfrm>
               <a:prstGeom prst="rect">
@@ -26000,7 +26024,7 @@
             </p:txBody>
           </p:sp>
         </mc:Choice>
-        <mc:Fallback xmlns="">
+        <mc:Fallback>
           <p:sp>
             <p:nvSpPr>
               <p:cNvPr id="169" name="文本框 168">
@@ -26017,7 +26041,7 @@
             </p:nvSpPr>
             <p:spPr>
               <a:xfrm>
-                <a:off x="15472204" y="693357"/>
+                <a:off x="15472204" y="657145"/>
                 <a:ext cx="287002" cy="276999"/>
               </a:xfrm>
               <a:prstGeom prst="rect">
@@ -26045,8 +26069,8 @@
           </p:sp>
         </mc:Fallback>
       </mc:AlternateContent>
-      <mc:AlternateContent xmlns:mc="http://schemas.openxmlformats.org/markup-compatibility/2006" xmlns:a14="http://schemas.microsoft.com/office/drawing/2010/main">
-        <mc:Choice Requires="a14">
+      <mc:AlternateContent xmlns:mc="http://schemas.openxmlformats.org/markup-compatibility/2006">
+        <mc:Choice xmlns:a14="http://schemas.microsoft.com/office/drawing/2010/main" Requires="a14">
           <p:sp>
             <p:nvSpPr>
               <p:cNvPr id="171" name="文本框 170">
@@ -26061,7 +26085,7 @@
             </p:nvSpPr>
             <p:spPr>
               <a:xfrm>
-                <a:off x="6654015" y="256018"/>
+                <a:off x="6654015" y="219806"/>
                 <a:ext cx="1903085" cy="861774"/>
               </a:xfrm>
               <a:prstGeom prst="rect">
@@ -26186,7 +26210,7 @@
             </p:txBody>
           </p:sp>
         </mc:Choice>
-        <mc:Fallback xmlns="">
+        <mc:Fallback>
           <p:sp>
             <p:nvSpPr>
               <p:cNvPr id="171" name="文本框 170">
@@ -26203,7 +26227,7 @@
             </p:nvSpPr>
             <p:spPr>
               <a:xfrm>
-                <a:off x="6654015" y="256018"/>
+                <a:off x="6654015" y="219806"/>
                 <a:ext cx="1903085" cy="861774"/>
               </a:xfrm>
               <a:prstGeom prst="rect">
@@ -26212,7 +26236,7 @@
               <a:blipFill>
                 <a:blip r:embed="rId29"/>
                 <a:stretch>
-                  <a:fillRect/>
+                  <a:fillRect l="-321"/>
                 </a:stretch>
               </a:blipFill>
             </p:spPr>
@@ -26245,7 +26269,7 @@
         </p:nvSpPr>
         <p:spPr>
           <a:xfrm>
-            <a:off x="10745961" y="115508"/>
+            <a:off x="10745961" y="79296"/>
             <a:ext cx="8175777" cy="8832550"/>
           </a:xfrm>
           <a:prstGeom prst="roundRect">
@@ -26300,7 +26324,7 @@
         </p:nvCxnSpPr>
         <p:spPr>
           <a:xfrm flipV="1">
-            <a:off x="8614087" y="115507"/>
+            <a:off x="8614087" y="79295"/>
             <a:ext cx="2120588" cy="3928287"/>
           </a:xfrm>
           <a:prstGeom prst="line">
@@ -26341,7 +26365,7 @@
         </p:nvCxnSpPr>
         <p:spPr>
           <a:xfrm>
-            <a:off x="8614087" y="5433355"/>
+            <a:off x="8614087" y="5397143"/>
             <a:ext cx="2085663" cy="3513795"/>
           </a:xfrm>
           <a:prstGeom prst="line">
@@ -26366,8 +26390,8 @@
           </a:fontRef>
         </p:style>
       </p:cxnSp>
-      <mc:AlternateContent xmlns:mc="http://schemas.openxmlformats.org/markup-compatibility/2006" xmlns:a14="http://schemas.microsoft.com/office/drawing/2010/main">
-        <mc:Choice Requires="a14">
+      <mc:AlternateContent xmlns:mc="http://schemas.openxmlformats.org/markup-compatibility/2006">
+        <mc:Choice xmlns:a14="http://schemas.microsoft.com/office/drawing/2010/main" Requires="a14">
           <p:sp>
             <p:nvSpPr>
               <p:cNvPr id="181" name="文本框 180">
@@ -26382,7 +26406,7 @@
             </p:nvSpPr>
             <p:spPr>
               <a:xfrm>
-                <a:off x="2694342" y="4503705"/>
+                <a:off x="2694342" y="4467493"/>
                 <a:ext cx="732188" cy="430887"/>
               </a:xfrm>
               <a:prstGeom prst="rect">
@@ -26426,7 +26450,7 @@
             </p:txBody>
           </p:sp>
         </mc:Choice>
-        <mc:Fallback xmlns="">
+        <mc:Fallback>
           <p:sp>
             <p:nvSpPr>
               <p:cNvPr id="181" name="文本框 180">
@@ -26443,7 +26467,7 @@
             </p:nvSpPr>
             <p:spPr>
               <a:xfrm>
-                <a:off x="2694342" y="4503705"/>
+                <a:off x="2694342" y="4467493"/>
                 <a:ext cx="732188" cy="430887"/>
               </a:xfrm>
               <a:prstGeom prst="rect">
@@ -26559,8 +26583,8 @@
           </a:p>
         </p:txBody>
       </p:sp>
-      <mc:AlternateContent xmlns:mc="http://schemas.openxmlformats.org/markup-compatibility/2006">
-        <mc:Choice xmlns:a14="http://schemas.microsoft.com/office/drawing/2010/main" Requires="a14">
+      <mc:AlternateContent xmlns:mc="http://schemas.openxmlformats.org/markup-compatibility/2006" xmlns:a14="http://schemas.microsoft.com/office/drawing/2010/main">
+        <mc:Choice Requires="a14">
           <p:sp>
             <p:nvSpPr>
               <p:cNvPr id="5" name="文本框 4">
@@ -26613,7 +26637,7 @@
                       <m:d>
                         <m:dPr>
                           <m:ctrlPr>
-                            <a:rPr lang="en-US" altLang="zh-CN" sz="2800" dirty="0" smtClean="0">
+                            <a:rPr lang="en-US" altLang="zh-CN" sz="2800" i="1" dirty="0" smtClean="0">
                               <a:latin typeface="Cambria Math" panose="02040503050406030204" pitchFamily="18" charset="0"/>
                               <a:ea typeface="微软雅黑" panose="020B0503020204020204" pitchFamily="34" charset="-122"/>
                             </a:rPr>
@@ -26657,7 +26681,7 @@
             </p:txBody>
           </p:sp>
         </mc:Choice>
-        <mc:Fallback>
+        <mc:Fallback xmlns="">
           <p:sp>
             <p:nvSpPr>
               <p:cNvPr id="5" name="文本框 4">
@@ -28251,8 +28275,8 @@
           </a:p>
         </p:txBody>
       </p:sp>
-      <mc:AlternateContent xmlns:mc="http://schemas.openxmlformats.org/markup-compatibility/2006">
-        <mc:Choice xmlns:a14="http://schemas.microsoft.com/office/drawing/2010/main" Requires="a14">
+      <mc:AlternateContent xmlns:mc="http://schemas.openxmlformats.org/markup-compatibility/2006" xmlns:a14="http://schemas.microsoft.com/office/drawing/2010/main">
+        <mc:Choice Requires="a14">
           <p:sp>
             <p:nvSpPr>
               <p:cNvPr id="2" name="文本框 1">
@@ -28305,7 +28329,7 @@
                       <m:d>
                         <m:dPr>
                           <m:ctrlPr>
-                            <a:rPr lang="en-US" altLang="zh-CN" sz="2800" dirty="0" smtClean="0">
+                            <a:rPr lang="en-US" altLang="zh-CN" sz="2800" i="1" dirty="0" smtClean="0">
                               <a:latin typeface="Cambria Math" panose="02040503050406030204" pitchFamily="18" charset="0"/>
                               <a:ea typeface="微软雅黑" panose="020B0503020204020204" pitchFamily="34" charset="-122"/>
                             </a:rPr>
@@ -28349,7 +28373,7 @@
             </p:txBody>
           </p:sp>
         </mc:Choice>
-        <mc:Fallback>
+        <mc:Fallback xmlns="">
           <p:sp>
             <p:nvSpPr>
               <p:cNvPr id="2" name="文本框 1">
